--- a/docs/figures.pptx
+++ b/docs/figures.pptx
@@ -11,6 +11,10 @@
     <p:sldId id="259" r:id="rId5"/>
     <p:sldId id="260" r:id="rId6"/>
     <p:sldId id="261" r:id="rId7"/>
+    <p:sldId id="262" r:id="rId8"/>
+    <p:sldId id="263" r:id="rId9"/>
+    <p:sldId id="264" r:id="rId10"/>
+    <p:sldId id="265" r:id="rId11"/>
   </p:sldIdLst>
   <p:sldSz cx="12192000" cy="6858000"/>
   <p:notesSz cx="6858000" cy="9144000"/>
@@ -126,7 +130,22 @@
             <p14:sldId id="261"/>
           </p14:sldIdLst>
         </p14:section>
+        <p14:section name="Average Image" id="{F0504CC4-7809-4555-ACF3-E28AD315B3B1}">
+          <p14:sldIdLst>
+            <p14:sldId id="262"/>
+            <p14:sldId id="263"/>
+          </p14:sldIdLst>
+        </p14:section>
+        <p14:section name="Contrast" id="{E3F94D82-EEEC-4023-8DF0-C1F3C04923E5}">
+          <p14:sldIdLst>
+            <p14:sldId id="264"/>
+            <p14:sldId id="265"/>
+          </p14:sldIdLst>
+        </p14:section>
       </p14:sectionLst>
+    </p:ext>
+    <p:ext uri="{EFAFB233-063F-42B5-8137-9DF3F51BA10A}">
+      <p15:sldGuideLst xmlns:p15="http://schemas.microsoft.com/office/powerpoint/2012/main"/>
     </p:ext>
   </p:extLst>
 </p:presentation>
@@ -3369,10 +3388,10 @@
       </p:grpSpPr>
       <p:pic>
         <p:nvPicPr>
-          <p:cNvPr id="5" name="Picture 4">
-            <a:extLst>
-              <a:ext uri="{FF2B5EF4-FFF2-40B4-BE49-F238E27FC236}">
-                <a16:creationId xmlns:a16="http://schemas.microsoft.com/office/drawing/2014/main" id="{0401A477-59E5-BF16-7800-10D097027B78}"/>
+          <p:cNvPr id="3" name="Picture 2">
+            <a:extLst>
+              <a:ext uri="{FF2B5EF4-FFF2-40B4-BE49-F238E27FC236}">
+                <a16:creationId xmlns:a16="http://schemas.microsoft.com/office/drawing/2014/main" id="{DE1C6FF1-3CED-8FAC-0D8B-F12E4702B899}"/>
               </a:ext>
             </a:extLst>
           </p:cNvPr>
@@ -3389,8 +3408,8 @@
         </p:blipFill>
         <p:spPr>
           <a:xfrm>
-            <a:off x="1548547" y="0"/>
-            <a:ext cx="9094905" cy="6858000"/>
+            <a:off x="908538" y="0"/>
+            <a:ext cx="10374923" cy="6858000"/>
           </a:xfrm>
           <a:prstGeom prst="rect">
             <a:avLst/>
@@ -3401,6 +3420,66 @@
     <p:extLst>
       <p:ext uri="{BB962C8B-B14F-4D97-AF65-F5344CB8AC3E}">
         <p14:creationId xmlns:p14="http://schemas.microsoft.com/office/powerpoint/2010/main" val="919443898"/>
+      </p:ext>
+    </p:extLst>
+  </p:cSld>
+  <p:clrMapOvr>
+    <a:masterClrMapping/>
+  </p:clrMapOvr>
+</p:sld>
+</file>
+
+<file path=ppt/slides/slide10.xml><?xml version="1.0" encoding="utf-8"?>
+<p:sld xmlns:a="http://schemas.openxmlformats.org/drawingml/2006/main" xmlns:r="http://schemas.openxmlformats.org/officeDocument/2006/relationships" xmlns:p="http://schemas.openxmlformats.org/presentationml/2006/main">
+  <p:cSld>
+    <p:spTree>
+      <p:nvGrpSpPr>
+        <p:cNvPr id="1" name=""/>
+        <p:cNvGrpSpPr/>
+        <p:nvPr/>
+      </p:nvGrpSpPr>
+      <p:grpSpPr>
+        <a:xfrm>
+          <a:off x="0" y="0"/>
+          <a:ext cx="0" cy="0"/>
+          <a:chOff x="0" y="0"/>
+          <a:chExt cx="0" cy="0"/>
+        </a:xfrm>
+      </p:grpSpPr>
+      <p:pic>
+        <p:nvPicPr>
+          <p:cNvPr id="5" name="Picture 4">
+            <a:extLst>
+              <a:ext uri="{FF2B5EF4-FFF2-40B4-BE49-F238E27FC236}">
+                <a16:creationId xmlns:a16="http://schemas.microsoft.com/office/drawing/2014/main" id="{848EE7C3-796E-3C82-B25F-823C0F1C762F}"/>
+              </a:ext>
+            </a:extLst>
+          </p:cNvPr>
+          <p:cNvPicPr>
+            <a:picLocks noChangeAspect="1"/>
+          </p:cNvPicPr>
+          <p:nvPr/>
+        </p:nvPicPr>
+        <p:blipFill>
+          <a:blip r:embed="rId2"/>
+          <a:stretch>
+            <a:fillRect/>
+          </a:stretch>
+        </p:blipFill>
+        <p:spPr>
+          <a:xfrm>
+            <a:off x="0" y="343779"/>
+            <a:ext cx="12192000" cy="6170442"/>
+          </a:xfrm>
+          <a:prstGeom prst="rect">
+            <a:avLst/>
+          </a:prstGeom>
+        </p:spPr>
+      </p:pic>
+    </p:spTree>
+    <p:extLst>
+      <p:ext uri="{BB962C8B-B14F-4D97-AF65-F5344CB8AC3E}">
+        <p14:creationId xmlns:p14="http://schemas.microsoft.com/office/powerpoint/2010/main" val="916905786"/>
       </p:ext>
     </p:extLst>
   </p:cSld>
@@ -3429,10 +3508,10 @@
       </p:grpSpPr>
       <p:pic>
         <p:nvPicPr>
-          <p:cNvPr id="5" name="Picture 4">
-            <a:extLst>
-              <a:ext uri="{FF2B5EF4-FFF2-40B4-BE49-F238E27FC236}">
-                <a16:creationId xmlns:a16="http://schemas.microsoft.com/office/drawing/2014/main" id="{D1121B87-A075-3D84-5419-EBAEF90127A9}"/>
+          <p:cNvPr id="3" name="Picture 2">
+            <a:extLst>
+              <a:ext uri="{FF2B5EF4-FFF2-40B4-BE49-F238E27FC236}">
+                <a16:creationId xmlns:a16="http://schemas.microsoft.com/office/drawing/2014/main" id="{F2EA49B7-E55F-FEE6-2C82-A42255AE07AE}"/>
               </a:ext>
             </a:extLst>
           </p:cNvPr>
@@ -3449,8 +3528,8 @@
         </p:blipFill>
         <p:spPr>
           <a:xfrm>
-            <a:off x="1486411" y="0"/>
-            <a:ext cx="9219177" cy="6858000"/>
+            <a:off x="912055" y="0"/>
+            <a:ext cx="10367889" cy="6858000"/>
           </a:xfrm>
           <a:prstGeom prst="rect">
             <a:avLst/>
@@ -3489,10 +3568,10 @@
       </p:grpSpPr>
       <p:pic>
         <p:nvPicPr>
-          <p:cNvPr id="5" name="Picture 4">
-            <a:extLst>
-              <a:ext uri="{FF2B5EF4-FFF2-40B4-BE49-F238E27FC236}">
-                <a16:creationId xmlns:a16="http://schemas.microsoft.com/office/drawing/2014/main" id="{6042A119-6E76-A87D-01E2-0E49288E65AF}"/>
+          <p:cNvPr id="3" name="Picture 2">
+            <a:extLst>
+              <a:ext uri="{FF2B5EF4-FFF2-40B4-BE49-F238E27FC236}">
+                <a16:creationId xmlns:a16="http://schemas.microsoft.com/office/drawing/2014/main" id="{9766BF09-35AB-3589-AE9D-42E95A1096EA}"/>
               </a:ext>
             </a:extLst>
           </p:cNvPr>
@@ -3509,8 +3588,8 @@
         </p:blipFill>
         <p:spPr>
           <a:xfrm>
-            <a:off x="1518630" y="0"/>
-            <a:ext cx="9154740" cy="6858000"/>
+            <a:off x="908538" y="0"/>
+            <a:ext cx="10374923" cy="6858000"/>
           </a:xfrm>
           <a:prstGeom prst="rect">
             <a:avLst/>
@@ -3549,10 +3628,10 @@
       </p:grpSpPr>
       <p:pic>
         <p:nvPicPr>
-          <p:cNvPr id="5" name="Picture 4">
-            <a:extLst>
-              <a:ext uri="{FF2B5EF4-FFF2-40B4-BE49-F238E27FC236}">
-                <a16:creationId xmlns:a16="http://schemas.microsoft.com/office/drawing/2014/main" id="{40CB2033-925A-9FCF-4723-F72BB4A5C2CE}"/>
+          <p:cNvPr id="3" name="Picture 2">
+            <a:extLst>
+              <a:ext uri="{FF2B5EF4-FFF2-40B4-BE49-F238E27FC236}">
+                <a16:creationId xmlns:a16="http://schemas.microsoft.com/office/drawing/2014/main" id="{CD24CFE8-63C0-D3C5-F439-1B03EB813E7F}"/>
               </a:ext>
             </a:extLst>
           </p:cNvPr>
@@ -3569,8 +3648,8 @@
         </p:blipFill>
         <p:spPr>
           <a:xfrm>
-            <a:off x="1518630" y="0"/>
-            <a:ext cx="9154740" cy="6858000"/>
+            <a:off x="912055" y="0"/>
+            <a:ext cx="10367889" cy="6858000"/>
           </a:xfrm>
           <a:prstGeom prst="rect">
             <a:avLst/>
@@ -3609,10 +3688,10 @@
       </p:grpSpPr>
       <p:pic>
         <p:nvPicPr>
-          <p:cNvPr id="7" name="Picture 6">
-            <a:extLst>
-              <a:ext uri="{FF2B5EF4-FFF2-40B4-BE49-F238E27FC236}">
-                <a16:creationId xmlns:a16="http://schemas.microsoft.com/office/drawing/2014/main" id="{DBA2FDB7-7689-B2CD-B7FD-4A527860BD09}"/>
+          <p:cNvPr id="3" name="Picture 2">
+            <a:extLst>
+              <a:ext uri="{FF2B5EF4-FFF2-40B4-BE49-F238E27FC236}">
+                <a16:creationId xmlns:a16="http://schemas.microsoft.com/office/drawing/2014/main" id="{8F4ED54C-E4D8-AFB9-7397-45787C3732C9}"/>
               </a:ext>
             </a:extLst>
           </p:cNvPr>
@@ -3629,8 +3708,8 @@
         </p:blipFill>
         <p:spPr>
           <a:xfrm>
-            <a:off x="1518630" y="0"/>
-            <a:ext cx="9154740" cy="6858000"/>
+            <a:off x="908538" y="0"/>
+            <a:ext cx="10374923" cy="6858000"/>
           </a:xfrm>
           <a:prstGeom prst="rect">
             <a:avLst/>
@@ -3669,10 +3748,10 @@
       </p:grpSpPr>
       <p:pic>
         <p:nvPicPr>
-          <p:cNvPr id="5" name="Picture 4">
-            <a:extLst>
-              <a:ext uri="{FF2B5EF4-FFF2-40B4-BE49-F238E27FC236}">
-                <a16:creationId xmlns:a16="http://schemas.microsoft.com/office/drawing/2014/main" id="{E7BA0A0F-73F2-93C6-EDA7-F098BAA2E10A}"/>
+          <p:cNvPr id="3" name="Picture 2">
+            <a:extLst>
+              <a:ext uri="{FF2B5EF4-FFF2-40B4-BE49-F238E27FC236}">
+                <a16:creationId xmlns:a16="http://schemas.microsoft.com/office/drawing/2014/main" id="{210D89E9-6DE9-7DF0-0214-740ECAB95B8B}"/>
               </a:ext>
             </a:extLst>
           </p:cNvPr>
@@ -3689,8 +3768,8 @@
         </p:blipFill>
         <p:spPr>
           <a:xfrm>
-            <a:off x="1486411" y="0"/>
-            <a:ext cx="9219177" cy="6858000"/>
+            <a:off x="908538" y="0"/>
+            <a:ext cx="10374923" cy="6858000"/>
           </a:xfrm>
           <a:prstGeom prst="rect">
             <a:avLst/>
@@ -3701,6 +3780,186 @@
     <p:extLst>
       <p:ext uri="{BB962C8B-B14F-4D97-AF65-F5344CB8AC3E}">
         <p14:creationId xmlns:p14="http://schemas.microsoft.com/office/powerpoint/2010/main" val="2915805706"/>
+      </p:ext>
+    </p:extLst>
+  </p:cSld>
+  <p:clrMapOvr>
+    <a:masterClrMapping/>
+  </p:clrMapOvr>
+</p:sld>
+</file>
+
+<file path=ppt/slides/slide7.xml><?xml version="1.0" encoding="utf-8"?>
+<p:sld xmlns:a="http://schemas.openxmlformats.org/drawingml/2006/main" xmlns:r="http://schemas.openxmlformats.org/officeDocument/2006/relationships" xmlns:p="http://schemas.openxmlformats.org/presentationml/2006/main">
+  <p:cSld>
+    <p:spTree>
+      <p:nvGrpSpPr>
+        <p:cNvPr id="1" name=""/>
+        <p:cNvGrpSpPr/>
+        <p:nvPr/>
+      </p:nvGrpSpPr>
+      <p:grpSpPr>
+        <a:xfrm>
+          <a:off x="0" y="0"/>
+          <a:ext cx="0" cy="0"/>
+          <a:chOff x="0" y="0"/>
+          <a:chExt cx="0" cy="0"/>
+        </a:xfrm>
+      </p:grpSpPr>
+      <p:pic>
+        <p:nvPicPr>
+          <p:cNvPr id="5" name="Picture 4">
+            <a:extLst>
+              <a:ext uri="{FF2B5EF4-FFF2-40B4-BE49-F238E27FC236}">
+                <a16:creationId xmlns:a16="http://schemas.microsoft.com/office/drawing/2014/main" id="{65F49257-B6B5-01A5-B472-ED24ECACF6E6}"/>
+              </a:ext>
+            </a:extLst>
+          </p:cNvPr>
+          <p:cNvPicPr>
+            <a:picLocks noChangeAspect="1"/>
+          </p:cNvPicPr>
+          <p:nvPr/>
+        </p:nvPicPr>
+        <p:blipFill>
+          <a:blip r:embed="rId2"/>
+          <a:stretch>
+            <a:fillRect/>
+          </a:stretch>
+        </p:blipFill>
+        <p:spPr>
+          <a:xfrm>
+            <a:off x="0" y="1366692"/>
+            <a:ext cx="12192000" cy="4124616"/>
+          </a:xfrm>
+          <a:prstGeom prst="rect">
+            <a:avLst/>
+          </a:prstGeom>
+        </p:spPr>
+      </p:pic>
+    </p:spTree>
+    <p:extLst>
+      <p:ext uri="{BB962C8B-B14F-4D97-AF65-F5344CB8AC3E}">
+        <p14:creationId xmlns:p14="http://schemas.microsoft.com/office/powerpoint/2010/main" val="1376233197"/>
+      </p:ext>
+    </p:extLst>
+  </p:cSld>
+  <p:clrMapOvr>
+    <a:masterClrMapping/>
+  </p:clrMapOvr>
+</p:sld>
+</file>
+
+<file path=ppt/slides/slide8.xml><?xml version="1.0" encoding="utf-8"?>
+<p:sld xmlns:a="http://schemas.openxmlformats.org/drawingml/2006/main" xmlns:r="http://schemas.openxmlformats.org/officeDocument/2006/relationships" xmlns:p="http://schemas.openxmlformats.org/presentationml/2006/main">
+  <p:cSld>
+    <p:spTree>
+      <p:nvGrpSpPr>
+        <p:cNvPr id="1" name=""/>
+        <p:cNvGrpSpPr/>
+        <p:nvPr/>
+      </p:nvGrpSpPr>
+      <p:grpSpPr>
+        <a:xfrm>
+          <a:off x="0" y="0"/>
+          <a:ext cx="0" cy="0"/>
+          <a:chOff x="0" y="0"/>
+          <a:chExt cx="0" cy="0"/>
+        </a:xfrm>
+      </p:grpSpPr>
+      <p:pic>
+        <p:nvPicPr>
+          <p:cNvPr id="5" name="Picture 4">
+            <a:extLst>
+              <a:ext uri="{FF2B5EF4-FFF2-40B4-BE49-F238E27FC236}">
+                <a16:creationId xmlns:a16="http://schemas.microsoft.com/office/drawing/2014/main" id="{116B1453-7614-C442-4153-F52BFC0997DC}"/>
+              </a:ext>
+            </a:extLst>
+          </p:cNvPr>
+          <p:cNvPicPr>
+            <a:picLocks noChangeAspect="1"/>
+          </p:cNvPicPr>
+          <p:nvPr/>
+        </p:nvPicPr>
+        <p:blipFill>
+          <a:blip r:embed="rId2"/>
+          <a:stretch>
+            <a:fillRect/>
+          </a:stretch>
+        </p:blipFill>
+        <p:spPr>
+          <a:xfrm>
+            <a:off x="0" y="1366692"/>
+            <a:ext cx="12192000" cy="4124616"/>
+          </a:xfrm>
+          <a:prstGeom prst="rect">
+            <a:avLst/>
+          </a:prstGeom>
+        </p:spPr>
+      </p:pic>
+    </p:spTree>
+    <p:extLst>
+      <p:ext uri="{BB962C8B-B14F-4D97-AF65-F5344CB8AC3E}">
+        <p14:creationId xmlns:p14="http://schemas.microsoft.com/office/powerpoint/2010/main" val="1155939047"/>
+      </p:ext>
+    </p:extLst>
+  </p:cSld>
+  <p:clrMapOvr>
+    <a:masterClrMapping/>
+  </p:clrMapOvr>
+</p:sld>
+</file>
+
+<file path=ppt/slides/slide9.xml><?xml version="1.0" encoding="utf-8"?>
+<p:sld xmlns:a="http://schemas.openxmlformats.org/drawingml/2006/main" xmlns:r="http://schemas.openxmlformats.org/officeDocument/2006/relationships" xmlns:p="http://schemas.openxmlformats.org/presentationml/2006/main">
+  <p:cSld>
+    <p:spTree>
+      <p:nvGrpSpPr>
+        <p:cNvPr id="1" name=""/>
+        <p:cNvGrpSpPr/>
+        <p:nvPr/>
+      </p:nvGrpSpPr>
+      <p:grpSpPr>
+        <a:xfrm>
+          <a:off x="0" y="0"/>
+          <a:ext cx="0" cy="0"/>
+          <a:chOff x="0" y="0"/>
+          <a:chExt cx="0" cy="0"/>
+        </a:xfrm>
+      </p:grpSpPr>
+      <p:pic>
+        <p:nvPicPr>
+          <p:cNvPr id="5" name="Picture 4">
+            <a:extLst>
+              <a:ext uri="{FF2B5EF4-FFF2-40B4-BE49-F238E27FC236}">
+                <a16:creationId xmlns:a16="http://schemas.microsoft.com/office/drawing/2014/main" id="{975F0ECA-6B27-D164-892A-1E1BD8192D3F}"/>
+              </a:ext>
+            </a:extLst>
+          </p:cNvPr>
+          <p:cNvPicPr>
+            <a:picLocks noChangeAspect="1"/>
+          </p:cNvPicPr>
+          <p:nvPr/>
+        </p:nvPicPr>
+        <p:blipFill>
+          <a:blip r:embed="rId2"/>
+          <a:stretch>
+            <a:fillRect/>
+          </a:stretch>
+        </p:blipFill>
+        <p:spPr>
+          <a:xfrm>
+            <a:off x="0" y="343779"/>
+            <a:ext cx="12192000" cy="6170442"/>
+          </a:xfrm>
+          <a:prstGeom prst="rect">
+            <a:avLst/>
+          </a:prstGeom>
+        </p:spPr>
+      </p:pic>
+    </p:spTree>
+    <p:extLst>
+      <p:ext uri="{BB962C8B-B14F-4D97-AF65-F5344CB8AC3E}">
+        <p14:creationId xmlns:p14="http://schemas.microsoft.com/office/powerpoint/2010/main" val="294250355"/>
       </p:ext>
     </p:extLst>
   </p:cSld>

--- a/docs/figures.pptx
+++ b/docs/figures.pptx
@@ -15,6 +15,9 @@
     <p:sldId id="263" r:id="rId9"/>
     <p:sldId id="264" r:id="rId10"/>
     <p:sldId id="265" r:id="rId11"/>
+    <p:sldId id="266" r:id="rId12"/>
+    <p:sldId id="267" r:id="rId13"/>
+    <p:sldId id="268" r:id="rId14"/>
   </p:sldIdLst>
   <p:sldSz cx="12192000" cy="6858000"/>
   <p:notesSz cx="6858000" cy="9144000"/>
@@ -142,6 +145,17 @@
             <p14:sldId id="265"/>
           </p14:sldIdLst>
         </p14:section>
+        <p14:section name="Distribution" id="{FE3695C2-8A08-4C2B-AAEC-97F6A163B3CE}">
+          <p14:sldIdLst>
+            <p14:sldId id="266"/>
+            <p14:sldId id="267"/>
+          </p14:sldIdLst>
+        </p14:section>
+        <p14:section name="Classification Models" id="{3B399C14-FCA2-4AC8-AEC6-78E8BEDBFFE3}">
+          <p14:sldIdLst>
+            <p14:sldId id="268"/>
+          </p14:sldIdLst>
+        </p14:section>
       </p14:sectionLst>
     </p:ext>
     <p:ext uri="{EFAFB233-063F-42B5-8137-9DF3F51BA10A}">
@@ -300,7 +314,7 @@
           <a:p>
             <a:fld id="{6AAB0AAF-5399-46E1-8AF4-4357C98086F5}" type="datetimeFigureOut">
               <a:rPr lang="en-ID" smtClean="0"/>
-              <a:t>30/09/2022</a:t>
+              <a:t>01/10/2022</a:t>
             </a:fld>
             <a:endParaRPr lang="en-ID"/>
           </a:p>
@@ -500,7 +514,7 @@
           <a:p>
             <a:fld id="{6AAB0AAF-5399-46E1-8AF4-4357C98086F5}" type="datetimeFigureOut">
               <a:rPr lang="en-ID" smtClean="0"/>
-              <a:t>30/09/2022</a:t>
+              <a:t>01/10/2022</a:t>
             </a:fld>
             <a:endParaRPr lang="en-ID"/>
           </a:p>
@@ -710,7 +724,7 @@
           <a:p>
             <a:fld id="{6AAB0AAF-5399-46E1-8AF4-4357C98086F5}" type="datetimeFigureOut">
               <a:rPr lang="en-ID" smtClean="0"/>
-              <a:t>30/09/2022</a:t>
+              <a:t>01/10/2022</a:t>
             </a:fld>
             <a:endParaRPr lang="en-ID"/>
           </a:p>
@@ -910,7 +924,7 @@
           <a:p>
             <a:fld id="{6AAB0AAF-5399-46E1-8AF4-4357C98086F5}" type="datetimeFigureOut">
               <a:rPr lang="en-ID" smtClean="0"/>
-              <a:t>30/09/2022</a:t>
+              <a:t>01/10/2022</a:t>
             </a:fld>
             <a:endParaRPr lang="en-ID"/>
           </a:p>
@@ -1186,7 +1200,7 @@
           <a:p>
             <a:fld id="{6AAB0AAF-5399-46E1-8AF4-4357C98086F5}" type="datetimeFigureOut">
               <a:rPr lang="en-ID" smtClean="0"/>
-              <a:t>30/09/2022</a:t>
+              <a:t>01/10/2022</a:t>
             </a:fld>
             <a:endParaRPr lang="en-ID"/>
           </a:p>
@@ -1454,7 +1468,7 @@
           <a:p>
             <a:fld id="{6AAB0AAF-5399-46E1-8AF4-4357C98086F5}" type="datetimeFigureOut">
               <a:rPr lang="en-ID" smtClean="0"/>
-              <a:t>30/09/2022</a:t>
+              <a:t>01/10/2022</a:t>
             </a:fld>
             <a:endParaRPr lang="en-ID"/>
           </a:p>
@@ -1869,7 +1883,7 @@
           <a:p>
             <a:fld id="{6AAB0AAF-5399-46E1-8AF4-4357C98086F5}" type="datetimeFigureOut">
               <a:rPr lang="en-ID" smtClean="0"/>
-              <a:t>30/09/2022</a:t>
+              <a:t>01/10/2022</a:t>
             </a:fld>
             <a:endParaRPr lang="en-ID"/>
           </a:p>
@@ -2011,7 +2025,7 @@
           <a:p>
             <a:fld id="{6AAB0AAF-5399-46E1-8AF4-4357C98086F5}" type="datetimeFigureOut">
               <a:rPr lang="en-ID" smtClean="0"/>
-              <a:t>30/09/2022</a:t>
+              <a:t>01/10/2022</a:t>
             </a:fld>
             <a:endParaRPr lang="en-ID"/>
           </a:p>
@@ -2124,7 +2138,7 @@
           <a:p>
             <a:fld id="{6AAB0AAF-5399-46E1-8AF4-4357C98086F5}" type="datetimeFigureOut">
               <a:rPr lang="en-ID" smtClean="0"/>
-              <a:t>30/09/2022</a:t>
+              <a:t>01/10/2022</a:t>
             </a:fld>
             <a:endParaRPr lang="en-ID"/>
           </a:p>
@@ -2437,7 +2451,7 @@
           <a:p>
             <a:fld id="{6AAB0AAF-5399-46E1-8AF4-4357C98086F5}" type="datetimeFigureOut">
               <a:rPr lang="en-ID" smtClean="0"/>
-              <a:t>30/09/2022</a:t>
+              <a:t>01/10/2022</a:t>
             </a:fld>
             <a:endParaRPr lang="en-ID"/>
           </a:p>
@@ -2726,7 +2740,7 @@
           <a:p>
             <a:fld id="{6AAB0AAF-5399-46E1-8AF4-4357C98086F5}" type="datetimeFigureOut">
               <a:rPr lang="en-ID" smtClean="0"/>
-              <a:t>30/09/2022</a:t>
+              <a:t>01/10/2022</a:t>
             </a:fld>
             <a:endParaRPr lang="en-ID"/>
           </a:p>
@@ -2969,7 +2983,7 @@
           <a:p>
             <a:fld id="{6AAB0AAF-5399-46E1-8AF4-4357C98086F5}" type="datetimeFigureOut">
               <a:rPr lang="en-ID" smtClean="0"/>
-              <a:t>30/09/2022</a:t>
+              <a:t>01/10/2022</a:t>
             </a:fld>
             <a:endParaRPr lang="en-ID"/>
           </a:p>
@@ -3388,10 +3402,10 @@
       </p:grpSpPr>
       <p:pic>
         <p:nvPicPr>
-          <p:cNvPr id="3" name="Picture 2">
-            <a:extLst>
-              <a:ext uri="{FF2B5EF4-FFF2-40B4-BE49-F238E27FC236}">
-                <a16:creationId xmlns:a16="http://schemas.microsoft.com/office/drawing/2014/main" id="{DE1C6FF1-3CED-8FAC-0D8B-F12E4702B899}"/>
+          <p:cNvPr id="4" name="Picture 3">
+            <a:extLst>
+              <a:ext uri="{FF2B5EF4-FFF2-40B4-BE49-F238E27FC236}">
+                <a16:creationId xmlns:a16="http://schemas.microsoft.com/office/drawing/2014/main" id="{C199FD0C-8627-7B3F-A9D4-605E5A3BA682}"/>
               </a:ext>
             </a:extLst>
           </p:cNvPr>
@@ -3489,6 +3503,156 @@
 </p:sld>
 </file>
 
+<file path=ppt/slides/slide11.xml><?xml version="1.0" encoding="utf-8"?>
+<p:sld xmlns:a="http://schemas.openxmlformats.org/drawingml/2006/main" xmlns:r="http://schemas.openxmlformats.org/officeDocument/2006/relationships" xmlns:p="http://schemas.openxmlformats.org/presentationml/2006/main">
+  <p:cSld>
+    <p:spTree>
+      <p:nvGrpSpPr>
+        <p:cNvPr id="1" name=""/>
+        <p:cNvGrpSpPr/>
+        <p:nvPr/>
+      </p:nvGrpSpPr>
+      <p:grpSpPr>
+        <a:xfrm>
+          <a:off x="0" y="0"/>
+          <a:ext cx="0" cy="0"/>
+          <a:chOff x="0" y="0"/>
+          <a:chExt cx="0" cy="0"/>
+        </a:xfrm>
+      </p:grpSpPr>
+      <p:pic>
+        <p:nvPicPr>
+          <p:cNvPr id="5" name="Picture 4">
+            <a:extLst>
+              <a:ext uri="{FF2B5EF4-FFF2-40B4-BE49-F238E27FC236}">
+                <a16:creationId xmlns:a16="http://schemas.microsoft.com/office/drawing/2014/main" id="{31419CF3-19D9-5A31-950B-6915A446BCF5}"/>
+              </a:ext>
+            </a:extLst>
+          </p:cNvPr>
+          <p:cNvPicPr>
+            <a:picLocks noChangeAspect="1"/>
+          </p:cNvPicPr>
+          <p:nvPr/>
+        </p:nvPicPr>
+        <p:blipFill>
+          <a:blip r:embed="rId2"/>
+          <a:stretch>
+            <a:fillRect/>
+          </a:stretch>
+        </p:blipFill>
+        <p:spPr>
+          <a:xfrm>
+            <a:off x="933751" y="0"/>
+            <a:ext cx="10324498" cy="6858000"/>
+          </a:xfrm>
+          <a:prstGeom prst="rect">
+            <a:avLst/>
+          </a:prstGeom>
+        </p:spPr>
+      </p:pic>
+    </p:spTree>
+    <p:extLst>
+      <p:ext uri="{BB962C8B-B14F-4D97-AF65-F5344CB8AC3E}">
+        <p14:creationId xmlns:p14="http://schemas.microsoft.com/office/powerpoint/2010/main" val="59677435"/>
+      </p:ext>
+    </p:extLst>
+  </p:cSld>
+  <p:clrMapOvr>
+    <a:masterClrMapping/>
+  </p:clrMapOvr>
+</p:sld>
+</file>
+
+<file path=ppt/slides/slide12.xml><?xml version="1.0" encoding="utf-8"?>
+<p:sld xmlns:a="http://schemas.openxmlformats.org/drawingml/2006/main" xmlns:r="http://schemas.openxmlformats.org/officeDocument/2006/relationships" xmlns:p="http://schemas.openxmlformats.org/presentationml/2006/main">
+  <p:cSld>
+    <p:spTree>
+      <p:nvGrpSpPr>
+        <p:cNvPr id="1" name=""/>
+        <p:cNvGrpSpPr/>
+        <p:nvPr/>
+      </p:nvGrpSpPr>
+      <p:grpSpPr>
+        <a:xfrm>
+          <a:off x="0" y="0"/>
+          <a:ext cx="0" cy="0"/>
+          <a:chOff x="0" y="0"/>
+          <a:chExt cx="0" cy="0"/>
+        </a:xfrm>
+      </p:grpSpPr>
+      <p:pic>
+        <p:nvPicPr>
+          <p:cNvPr id="5" name="Picture 4">
+            <a:extLst>
+              <a:ext uri="{FF2B5EF4-FFF2-40B4-BE49-F238E27FC236}">
+                <a16:creationId xmlns:a16="http://schemas.microsoft.com/office/drawing/2014/main" id="{803F46FD-A961-E4FC-F23D-DF8C58B2C414}"/>
+              </a:ext>
+            </a:extLst>
+          </p:cNvPr>
+          <p:cNvPicPr>
+            <a:picLocks noChangeAspect="1"/>
+          </p:cNvPicPr>
+          <p:nvPr/>
+        </p:nvPicPr>
+        <p:blipFill>
+          <a:blip r:embed="rId2"/>
+          <a:stretch>
+            <a:fillRect/>
+          </a:stretch>
+        </p:blipFill>
+        <p:spPr>
+          <a:xfrm>
+            <a:off x="989952" y="0"/>
+            <a:ext cx="10212095" cy="6858000"/>
+          </a:xfrm>
+          <a:prstGeom prst="rect">
+            <a:avLst/>
+          </a:prstGeom>
+        </p:spPr>
+      </p:pic>
+    </p:spTree>
+    <p:extLst>
+      <p:ext uri="{BB962C8B-B14F-4D97-AF65-F5344CB8AC3E}">
+        <p14:creationId xmlns:p14="http://schemas.microsoft.com/office/powerpoint/2010/main" val="2385622762"/>
+      </p:ext>
+    </p:extLst>
+  </p:cSld>
+  <p:clrMapOvr>
+    <a:masterClrMapping/>
+  </p:clrMapOvr>
+</p:sld>
+</file>
+
+<file path=ppt/slides/slide13.xml><?xml version="1.0" encoding="utf-8"?>
+<p:sld xmlns:a="http://schemas.openxmlformats.org/drawingml/2006/main" xmlns:r="http://schemas.openxmlformats.org/officeDocument/2006/relationships" xmlns:p="http://schemas.openxmlformats.org/presentationml/2006/main">
+  <p:cSld>
+    <p:spTree>
+      <p:nvGrpSpPr>
+        <p:cNvPr id="1" name=""/>
+        <p:cNvGrpSpPr/>
+        <p:nvPr/>
+      </p:nvGrpSpPr>
+      <p:grpSpPr>
+        <a:xfrm>
+          <a:off x="0" y="0"/>
+          <a:ext cx="0" cy="0"/>
+          <a:chOff x="0" y="0"/>
+          <a:chExt cx="0" cy="0"/>
+        </a:xfrm>
+      </p:grpSpPr>
+    </p:spTree>
+    <p:extLst>
+      <p:ext uri="{BB962C8B-B14F-4D97-AF65-F5344CB8AC3E}">
+        <p14:creationId xmlns:p14="http://schemas.microsoft.com/office/powerpoint/2010/main" val="1713554960"/>
+      </p:ext>
+    </p:extLst>
+  </p:cSld>
+  <p:clrMapOvr>
+    <a:masterClrMapping/>
+  </p:clrMapOvr>
+</p:sld>
+</file>
+
 <file path=ppt/slides/slide2.xml><?xml version="1.0" encoding="utf-8"?>
 <p:sld xmlns:a="http://schemas.openxmlformats.org/drawingml/2006/main" xmlns:r="http://schemas.openxmlformats.org/officeDocument/2006/relationships" xmlns:p="http://schemas.openxmlformats.org/presentationml/2006/main">
   <p:cSld>
@@ -3508,10 +3672,10 @@
       </p:grpSpPr>
       <p:pic>
         <p:nvPicPr>
-          <p:cNvPr id="3" name="Picture 2">
-            <a:extLst>
-              <a:ext uri="{FF2B5EF4-FFF2-40B4-BE49-F238E27FC236}">
-                <a16:creationId xmlns:a16="http://schemas.microsoft.com/office/drawing/2014/main" id="{F2EA49B7-E55F-FEE6-2C82-A42255AE07AE}"/>
+          <p:cNvPr id="4" name="Picture 3">
+            <a:extLst>
+              <a:ext uri="{FF2B5EF4-FFF2-40B4-BE49-F238E27FC236}">
+                <a16:creationId xmlns:a16="http://schemas.microsoft.com/office/drawing/2014/main" id="{4F1E2F3A-941C-0ADD-593C-8144B70C92DE}"/>
               </a:ext>
             </a:extLst>
           </p:cNvPr>
@@ -3568,10 +3732,10 @@
       </p:grpSpPr>
       <p:pic>
         <p:nvPicPr>
-          <p:cNvPr id="3" name="Picture 2">
-            <a:extLst>
-              <a:ext uri="{FF2B5EF4-FFF2-40B4-BE49-F238E27FC236}">
-                <a16:creationId xmlns:a16="http://schemas.microsoft.com/office/drawing/2014/main" id="{9766BF09-35AB-3589-AE9D-42E95A1096EA}"/>
+          <p:cNvPr id="4" name="Picture 3">
+            <a:extLst>
+              <a:ext uri="{FF2B5EF4-FFF2-40B4-BE49-F238E27FC236}">
+                <a16:creationId xmlns:a16="http://schemas.microsoft.com/office/drawing/2014/main" id="{F7FA9872-43CE-F72D-9AEC-385C2AE3885B}"/>
               </a:ext>
             </a:extLst>
           </p:cNvPr>
@@ -3628,10 +3792,10 @@
       </p:grpSpPr>
       <p:pic>
         <p:nvPicPr>
-          <p:cNvPr id="3" name="Picture 2">
-            <a:extLst>
-              <a:ext uri="{FF2B5EF4-FFF2-40B4-BE49-F238E27FC236}">
-                <a16:creationId xmlns:a16="http://schemas.microsoft.com/office/drawing/2014/main" id="{CD24CFE8-63C0-D3C5-F439-1B03EB813E7F}"/>
+          <p:cNvPr id="4" name="Picture 3">
+            <a:extLst>
+              <a:ext uri="{FF2B5EF4-FFF2-40B4-BE49-F238E27FC236}">
+                <a16:creationId xmlns:a16="http://schemas.microsoft.com/office/drawing/2014/main" id="{9BF6908A-2AC1-B56A-CE05-EB9B6E039494}"/>
               </a:ext>
             </a:extLst>
           </p:cNvPr>
@@ -3688,10 +3852,10 @@
       </p:grpSpPr>
       <p:pic>
         <p:nvPicPr>
-          <p:cNvPr id="3" name="Picture 2">
-            <a:extLst>
-              <a:ext uri="{FF2B5EF4-FFF2-40B4-BE49-F238E27FC236}">
-                <a16:creationId xmlns:a16="http://schemas.microsoft.com/office/drawing/2014/main" id="{8F4ED54C-E4D8-AFB9-7397-45787C3732C9}"/>
+          <p:cNvPr id="4" name="Picture 3">
+            <a:extLst>
+              <a:ext uri="{FF2B5EF4-FFF2-40B4-BE49-F238E27FC236}">
+                <a16:creationId xmlns:a16="http://schemas.microsoft.com/office/drawing/2014/main" id="{2BD6A711-61B9-DF6F-1597-A0059957779A}"/>
               </a:ext>
             </a:extLst>
           </p:cNvPr>
@@ -3748,10 +3912,10 @@
       </p:grpSpPr>
       <p:pic>
         <p:nvPicPr>
-          <p:cNvPr id="3" name="Picture 2">
-            <a:extLst>
-              <a:ext uri="{FF2B5EF4-FFF2-40B4-BE49-F238E27FC236}">
-                <a16:creationId xmlns:a16="http://schemas.microsoft.com/office/drawing/2014/main" id="{210D89E9-6DE9-7DF0-0214-740ECAB95B8B}"/>
+          <p:cNvPr id="4" name="Picture 3">
+            <a:extLst>
+              <a:ext uri="{FF2B5EF4-FFF2-40B4-BE49-F238E27FC236}">
+                <a16:creationId xmlns:a16="http://schemas.microsoft.com/office/drawing/2014/main" id="{FD79920A-A1C0-D049-27A9-DAFF39490A9D}"/>
               </a:ext>
             </a:extLst>
           </p:cNvPr>

--- a/docs/figures.pptx
+++ b/docs/figures.pptx
@@ -314,7 +314,7 @@
           <a:p>
             <a:fld id="{6AAB0AAF-5399-46E1-8AF4-4357C98086F5}" type="datetimeFigureOut">
               <a:rPr lang="en-ID" smtClean="0"/>
-              <a:t>01/10/2022</a:t>
+              <a:t>02/10/2022</a:t>
             </a:fld>
             <a:endParaRPr lang="en-ID"/>
           </a:p>
@@ -514,7 +514,7 @@
           <a:p>
             <a:fld id="{6AAB0AAF-5399-46E1-8AF4-4357C98086F5}" type="datetimeFigureOut">
               <a:rPr lang="en-ID" smtClean="0"/>
-              <a:t>01/10/2022</a:t>
+              <a:t>02/10/2022</a:t>
             </a:fld>
             <a:endParaRPr lang="en-ID"/>
           </a:p>
@@ -724,7 +724,7 @@
           <a:p>
             <a:fld id="{6AAB0AAF-5399-46E1-8AF4-4357C98086F5}" type="datetimeFigureOut">
               <a:rPr lang="en-ID" smtClean="0"/>
-              <a:t>01/10/2022</a:t>
+              <a:t>02/10/2022</a:t>
             </a:fld>
             <a:endParaRPr lang="en-ID"/>
           </a:p>
@@ -924,7 +924,7 @@
           <a:p>
             <a:fld id="{6AAB0AAF-5399-46E1-8AF4-4357C98086F5}" type="datetimeFigureOut">
               <a:rPr lang="en-ID" smtClean="0"/>
-              <a:t>01/10/2022</a:t>
+              <a:t>02/10/2022</a:t>
             </a:fld>
             <a:endParaRPr lang="en-ID"/>
           </a:p>
@@ -1200,7 +1200,7 @@
           <a:p>
             <a:fld id="{6AAB0AAF-5399-46E1-8AF4-4357C98086F5}" type="datetimeFigureOut">
               <a:rPr lang="en-ID" smtClean="0"/>
-              <a:t>01/10/2022</a:t>
+              <a:t>02/10/2022</a:t>
             </a:fld>
             <a:endParaRPr lang="en-ID"/>
           </a:p>
@@ -1468,7 +1468,7 @@
           <a:p>
             <a:fld id="{6AAB0AAF-5399-46E1-8AF4-4357C98086F5}" type="datetimeFigureOut">
               <a:rPr lang="en-ID" smtClean="0"/>
-              <a:t>01/10/2022</a:t>
+              <a:t>02/10/2022</a:t>
             </a:fld>
             <a:endParaRPr lang="en-ID"/>
           </a:p>
@@ -1883,7 +1883,7 @@
           <a:p>
             <a:fld id="{6AAB0AAF-5399-46E1-8AF4-4357C98086F5}" type="datetimeFigureOut">
               <a:rPr lang="en-ID" smtClean="0"/>
-              <a:t>01/10/2022</a:t>
+              <a:t>02/10/2022</a:t>
             </a:fld>
             <a:endParaRPr lang="en-ID"/>
           </a:p>
@@ -2025,7 +2025,7 @@
           <a:p>
             <a:fld id="{6AAB0AAF-5399-46E1-8AF4-4357C98086F5}" type="datetimeFigureOut">
               <a:rPr lang="en-ID" smtClean="0"/>
-              <a:t>01/10/2022</a:t>
+              <a:t>02/10/2022</a:t>
             </a:fld>
             <a:endParaRPr lang="en-ID"/>
           </a:p>
@@ -2138,7 +2138,7 @@
           <a:p>
             <a:fld id="{6AAB0AAF-5399-46E1-8AF4-4357C98086F5}" type="datetimeFigureOut">
               <a:rPr lang="en-ID" smtClean="0"/>
-              <a:t>01/10/2022</a:t>
+              <a:t>02/10/2022</a:t>
             </a:fld>
             <a:endParaRPr lang="en-ID"/>
           </a:p>
@@ -2451,7 +2451,7 @@
           <a:p>
             <a:fld id="{6AAB0AAF-5399-46E1-8AF4-4357C98086F5}" type="datetimeFigureOut">
               <a:rPr lang="en-ID" smtClean="0"/>
-              <a:t>01/10/2022</a:t>
+              <a:t>02/10/2022</a:t>
             </a:fld>
             <a:endParaRPr lang="en-ID"/>
           </a:p>
@@ -2740,7 +2740,7 @@
           <a:p>
             <a:fld id="{6AAB0AAF-5399-46E1-8AF4-4357C98086F5}" type="datetimeFigureOut">
               <a:rPr lang="en-ID" smtClean="0"/>
-              <a:t>01/10/2022</a:t>
+              <a:t>02/10/2022</a:t>
             </a:fld>
             <a:endParaRPr lang="en-ID"/>
           </a:p>
@@ -2983,7 +2983,7 @@
           <a:p>
             <a:fld id="{6AAB0AAF-5399-46E1-8AF4-4357C98086F5}" type="datetimeFigureOut">
               <a:rPr lang="en-ID" smtClean="0"/>
-              <a:t>01/10/2022</a:t>
+              <a:t>02/10/2022</a:t>
             </a:fld>
             <a:endParaRPr lang="en-ID"/>
           </a:p>
@@ -3640,6 +3640,508 @@
           <a:chExt cx="0" cy="0"/>
         </a:xfrm>
       </p:grpSpPr>
+      <p:grpSp>
+        <p:nvGrpSpPr>
+          <p:cNvPr id="34" name="Group 33">
+            <a:extLst>
+              <a:ext uri="{FF2B5EF4-FFF2-40B4-BE49-F238E27FC236}">
+                <a16:creationId xmlns:a16="http://schemas.microsoft.com/office/drawing/2014/main" id="{509C2730-CC79-F66E-1700-A6DC6C74CEC8}"/>
+              </a:ext>
+            </a:extLst>
+          </p:cNvPr>
+          <p:cNvGrpSpPr/>
+          <p:nvPr/>
+        </p:nvGrpSpPr>
+        <p:grpSpPr>
+          <a:xfrm>
+            <a:off x="339513" y="567364"/>
+            <a:ext cx="5327650" cy="3943676"/>
+            <a:chOff x="476673" y="780724"/>
+            <a:chExt cx="5327650" cy="3943676"/>
+          </a:xfrm>
+        </p:grpSpPr>
+        <p:grpSp>
+          <p:nvGrpSpPr>
+            <p:cNvPr id="14" name="Group 13">
+              <a:extLst>
+                <a:ext uri="{FF2B5EF4-FFF2-40B4-BE49-F238E27FC236}">
+                  <a16:creationId xmlns:a16="http://schemas.microsoft.com/office/drawing/2014/main" id="{C6595FE8-B2F8-6D70-12F2-294976F31B9E}"/>
+                </a:ext>
+              </a:extLst>
+            </p:cNvPr>
+            <p:cNvGrpSpPr/>
+            <p:nvPr/>
+          </p:nvGrpSpPr>
+          <p:grpSpPr>
+            <a:xfrm>
+              <a:off x="476673" y="780724"/>
+              <a:ext cx="4495377" cy="3701106"/>
+              <a:chOff x="164253" y="727384"/>
+              <a:chExt cx="4495377" cy="3701106"/>
+            </a:xfrm>
+          </p:grpSpPr>
+          <p:pic>
+            <p:nvPicPr>
+              <p:cNvPr id="3" name="Picture 2">
+                <a:extLst>
+                  <a:ext uri="{FF2B5EF4-FFF2-40B4-BE49-F238E27FC236}">
+                    <a16:creationId xmlns:a16="http://schemas.microsoft.com/office/drawing/2014/main" id="{44411C9E-64A3-9EE3-F68F-9F3DB88C7B48}"/>
+                  </a:ext>
+                </a:extLst>
+              </p:cNvPr>
+              <p:cNvPicPr>
+                <a:picLocks noChangeAspect="1"/>
+              </p:cNvPicPr>
+              <p:nvPr/>
+            </p:nvPicPr>
+            <p:blipFill>
+              <a:blip r:embed="rId2">
+                <a:extLst>
+                  <a:ext uri="{28A0092B-C50C-407E-A947-70E740481C1C}">
+                    <a14:useLocalDpi xmlns:a14="http://schemas.microsoft.com/office/drawing/2010/main" val="0"/>
+                  </a:ext>
+                </a:extLst>
+              </a:blip>
+              <a:stretch>
+                <a:fillRect/>
+              </a:stretch>
+            </p:blipFill>
+            <p:spPr>
+              <a:xfrm>
+                <a:off x="1802130" y="1570990"/>
+                <a:ext cx="2857500" cy="2857500"/>
+              </a:xfrm>
+              <a:prstGeom prst="rect">
+                <a:avLst/>
+              </a:prstGeom>
+            </p:spPr>
+          </p:pic>
+          <p:sp>
+            <p:nvSpPr>
+              <p:cNvPr id="4" name="TextBox 3">
+                <a:extLst>
+                  <a:ext uri="{FF2B5EF4-FFF2-40B4-BE49-F238E27FC236}">
+                    <a16:creationId xmlns:a16="http://schemas.microsoft.com/office/drawing/2014/main" id="{DACE2544-C1B3-420C-9299-3275F374B98F}"/>
+                  </a:ext>
+                </a:extLst>
+              </p:cNvPr>
+              <p:cNvSpPr txBox="1"/>
+              <p:nvPr/>
+            </p:nvSpPr>
+            <p:spPr>
+              <a:xfrm>
+                <a:off x="164253" y="727384"/>
+                <a:ext cx="2565401" cy="646331"/>
+              </a:xfrm>
+              <a:prstGeom prst="rect">
+                <a:avLst/>
+              </a:prstGeom>
+              <a:solidFill>
+                <a:schemeClr val="bg1"/>
+              </a:solidFill>
+              <a:ln>
+                <a:solidFill>
+                  <a:schemeClr val="tx1"/>
+                </a:solidFill>
+              </a:ln>
+            </p:spPr>
+            <p:txBody>
+              <a:bodyPr wrap="square" rtlCol="0">
+                <a:spAutoFit/>
+              </a:bodyPr>
+              <a:lstStyle/>
+              <a:p>
+                <a:pPr algn="ctr"/>
+                <a:r>
+                  <a:rPr lang="en-US" dirty="0">
+                    <a:latin typeface="CMU Sans Serif" panose="02000603000000000000" pitchFamily="2" charset="0"/>
+                    <a:ea typeface="CMU Sans Serif" panose="02000603000000000000" pitchFamily="2" charset="0"/>
+                    <a:cs typeface="CMU Sans Serif" panose="02000603000000000000" pitchFamily="2" charset="0"/>
+                  </a:rPr>
+                  <a:t>Metallic conducting strip</a:t>
+                </a:r>
+                <a:br>
+                  <a:rPr lang="en-US" dirty="0">
+                    <a:latin typeface="CMU Sans Serif" panose="02000603000000000000" pitchFamily="2" charset="0"/>
+                    <a:ea typeface="CMU Sans Serif" panose="02000603000000000000" pitchFamily="2" charset="0"/>
+                    <a:cs typeface="CMU Sans Serif" panose="02000603000000000000" pitchFamily="2" charset="0"/>
+                  </a:rPr>
+                </a:br>
+                <a:r>
+                  <a:rPr lang="en-US" dirty="0">
+                    <a:latin typeface="CMU Sans Serif" panose="02000603000000000000" pitchFamily="2" charset="0"/>
+                    <a:ea typeface="CMU Sans Serif" panose="02000603000000000000" pitchFamily="2" charset="0"/>
+                    <a:cs typeface="CMU Sans Serif" panose="02000603000000000000" pitchFamily="2" charset="0"/>
+                  </a:rPr>
+                  <a:t>(a.k.a. busbar)</a:t>
+                </a:r>
+                <a:endParaRPr lang="en-ID" dirty="0">
+                  <a:latin typeface="CMU Sans Serif" panose="02000603000000000000" pitchFamily="2" charset="0"/>
+                  <a:ea typeface="CMU Sans Serif" panose="02000603000000000000" pitchFamily="2" charset="0"/>
+                  <a:cs typeface="CMU Sans Serif" panose="02000603000000000000" pitchFamily="2" charset="0"/>
+                </a:endParaRPr>
+              </a:p>
+            </p:txBody>
+          </p:sp>
+          <p:cxnSp>
+            <p:nvCxnSpPr>
+              <p:cNvPr id="6" name="Straight Arrow Connector 5">
+                <a:extLst>
+                  <a:ext uri="{FF2B5EF4-FFF2-40B4-BE49-F238E27FC236}">
+                    <a16:creationId xmlns:a16="http://schemas.microsoft.com/office/drawing/2014/main" id="{CE9D023F-4C7A-9C8A-6647-85D711D5723F}"/>
+                  </a:ext>
+                </a:extLst>
+              </p:cNvPr>
+              <p:cNvCxnSpPr>
+                <a:cxnSpLocks/>
+                <a:stCxn id="4" idx="2"/>
+              </p:cNvCxnSpPr>
+              <p:nvPr/>
+            </p:nvCxnSpPr>
+            <p:spPr>
+              <a:xfrm>
+                <a:off x="1446954" y="1373715"/>
+                <a:ext cx="473286" cy="2588685"/>
+              </a:xfrm>
+              <a:prstGeom prst="straightConnector1">
+                <a:avLst/>
+              </a:prstGeom>
+              <a:ln w="12700">
+                <a:solidFill>
+                  <a:srgbClr val="FF0000"/>
+                </a:solidFill>
+                <a:tailEnd type="triangle"/>
+              </a:ln>
+            </p:spPr>
+            <p:style>
+              <a:lnRef idx="1">
+                <a:schemeClr val="accent1"/>
+              </a:lnRef>
+              <a:fillRef idx="0">
+                <a:schemeClr val="accent1"/>
+              </a:fillRef>
+              <a:effectRef idx="0">
+                <a:schemeClr val="accent1"/>
+              </a:effectRef>
+              <a:fontRef idx="minor">
+                <a:schemeClr val="tx1"/>
+              </a:fontRef>
+            </p:style>
+          </p:cxnSp>
+          <p:cxnSp>
+            <p:nvCxnSpPr>
+              <p:cNvPr id="8" name="Straight Arrow Connector 7">
+                <a:extLst>
+                  <a:ext uri="{FF2B5EF4-FFF2-40B4-BE49-F238E27FC236}">
+                    <a16:creationId xmlns:a16="http://schemas.microsoft.com/office/drawing/2014/main" id="{C33DE107-D0E4-A3D3-C344-1F55FB8100A0}"/>
+                  </a:ext>
+                </a:extLst>
+              </p:cNvPr>
+              <p:cNvCxnSpPr>
+                <a:cxnSpLocks/>
+                <a:stCxn id="4" idx="2"/>
+              </p:cNvCxnSpPr>
+              <p:nvPr/>
+            </p:nvCxnSpPr>
+            <p:spPr>
+              <a:xfrm>
+                <a:off x="1446954" y="1373715"/>
+                <a:ext cx="706120" cy="1626025"/>
+              </a:xfrm>
+              <a:prstGeom prst="straightConnector1">
+                <a:avLst/>
+              </a:prstGeom>
+              <a:ln w="12700">
+                <a:solidFill>
+                  <a:srgbClr val="FF0000"/>
+                </a:solidFill>
+                <a:tailEnd type="triangle"/>
+              </a:ln>
+            </p:spPr>
+            <p:style>
+              <a:lnRef idx="1">
+                <a:schemeClr val="accent1"/>
+              </a:lnRef>
+              <a:fillRef idx="0">
+                <a:schemeClr val="accent1"/>
+              </a:fillRef>
+              <a:effectRef idx="0">
+                <a:schemeClr val="accent1"/>
+              </a:effectRef>
+              <a:fontRef idx="minor">
+                <a:schemeClr val="tx1"/>
+              </a:fontRef>
+            </p:style>
+          </p:cxnSp>
+          <p:cxnSp>
+            <p:nvCxnSpPr>
+              <p:cNvPr id="11" name="Straight Arrow Connector 10">
+                <a:extLst>
+                  <a:ext uri="{FF2B5EF4-FFF2-40B4-BE49-F238E27FC236}">
+                    <a16:creationId xmlns:a16="http://schemas.microsoft.com/office/drawing/2014/main" id="{67B58DA2-12ED-CCF3-7F18-E37B44E51874}"/>
+                  </a:ext>
+                </a:extLst>
+              </p:cNvPr>
+              <p:cNvCxnSpPr>
+                <a:cxnSpLocks/>
+                <a:stCxn id="4" idx="2"/>
+              </p:cNvCxnSpPr>
+              <p:nvPr/>
+            </p:nvCxnSpPr>
+            <p:spPr>
+              <a:xfrm>
+                <a:off x="1446954" y="1373715"/>
+                <a:ext cx="602826" cy="714165"/>
+              </a:xfrm>
+              <a:prstGeom prst="straightConnector1">
+                <a:avLst/>
+              </a:prstGeom>
+              <a:ln w="12700">
+                <a:solidFill>
+                  <a:srgbClr val="FF0000"/>
+                </a:solidFill>
+                <a:tailEnd type="triangle"/>
+              </a:ln>
+            </p:spPr>
+            <p:style>
+              <a:lnRef idx="1">
+                <a:schemeClr val="accent1"/>
+              </a:lnRef>
+              <a:fillRef idx="0">
+                <a:schemeClr val="accent1"/>
+              </a:fillRef>
+              <a:effectRef idx="0">
+                <a:schemeClr val="accent1"/>
+              </a:effectRef>
+              <a:fontRef idx="minor">
+                <a:schemeClr val="tx1"/>
+              </a:fontRef>
+            </p:style>
+          </p:cxnSp>
+        </p:grpSp>
+        <p:cxnSp>
+          <p:nvCxnSpPr>
+            <p:cNvPr id="22" name="Straight Connector 21">
+              <a:extLst>
+                <a:ext uri="{FF2B5EF4-FFF2-40B4-BE49-F238E27FC236}">
+                  <a16:creationId xmlns:a16="http://schemas.microsoft.com/office/drawing/2014/main" id="{00C73F8F-EB91-A91F-FEAE-C51CC686C1A9}"/>
+                </a:ext>
+              </a:extLst>
+            </p:cNvPr>
+            <p:cNvCxnSpPr/>
+            <p:nvPr/>
+          </p:nvCxnSpPr>
+          <p:spPr>
+            <a:xfrm>
+              <a:off x="3543300" y="1196340"/>
+              <a:ext cx="0" cy="3528060"/>
+            </a:xfrm>
+            <a:prstGeom prst="line">
+              <a:avLst/>
+            </a:prstGeom>
+            <a:ln>
+              <a:prstDash val="dashDot"/>
+            </a:ln>
+          </p:spPr>
+          <p:style>
+            <a:lnRef idx="3">
+              <a:schemeClr val="accent1"/>
+            </a:lnRef>
+            <a:fillRef idx="0">
+              <a:schemeClr val="accent1"/>
+            </a:fillRef>
+            <a:effectRef idx="2">
+              <a:schemeClr val="accent1"/>
+            </a:effectRef>
+            <a:fontRef idx="minor">
+              <a:schemeClr val="tx1"/>
+            </a:fontRef>
+          </p:style>
+        </p:cxnSp>
+        <p:cxnSp>
+          <p:nvCxnSpPr>
+            <p:cNvPr id="23" name="Straight Connector 22">
+              <a:extLst>
+                <a:ext uri="{FF2B5EF4-FFF2-40B4-BE49-F238E27FC236}">
+                  <a16:creationId xmlns:a16="http://schemas.microsoft.com/office/drawing/2014/main" id="{E00CD05A-07A8-AC52-8049-8C291056625E}"/>
+                </a:ext>
+              </a:extLst>
+            </p:cNvPr>
+            <p:cNvCxnSpPr>
+              <a:cxnSpLocks/>
+            </p:cNvCxnSpPr>
+            <p:nvPr/>
+          </p:nvCxnSpPr>
+          <p:spPr>
+            <a:xfrm flipH="1">
+              <a:off x="1817370" y="3053080"/>
+              <a:ext cx="3451860" cy="0"/>
+            </a:xfrm>
+            <a:prstGeom prst="line">
+              <a:avLst/>
+            </a:prstGeom>
+            <a:ln>
+              <a:prstDash val="dashDot"/>
+            </a:ln>
+          </p:spPr>
+          <p:style>
+            <a:lnRef idx="3">
+              <a:schemeClr val="accent1"/>
+            </a:lnRef>
+            <a:fillRef idx="0">
+              <a:schemeClr val="accent1"/>
+            </a:fillRef>
+            <a:effectRef idx="2">
+              <a:schemeClr val="accent1"/>
+            </a:effectRef>
+            <a:fontRef idx="minor">
+              <a:schemeClr val="tx1"/>
+            </a:fontRef>
+          </p:style>
+        </p:cxnSp>
+        <p:sp>
+          <p:nvSpPr>
+            <p:cNvPr id="27" name="TextBox 26">
+              <a:extLst>
+                <a:ext uri="{FF2B5EF4-FFF2-40B4-BE49-F238E27FC236}">
+                  <a16:creationId xmlns:a16="http://schemas.microsoft.com/office/drawing/2014/main" id="{D2392462-F712-F2A4-FC3B-FF956B864074}"/>
+                </a:ext>
+              </a:extLst>
+            </p:cNvPr>
+            <p:cNvSpPr txBox="1"/>
+            <p:nvPr/>
+          </p:nvSpPr>
+          <p:spPr>
+            <a:xfrm>
+              <a:off x="4044527" y="1012428"/>
+              <a:ext cx="1759796" cy="369332"/>
+            </a:xfrm>
+            <a:prstGeom prst="rect">
+              <a:avLst/>
+            </a:prstGeom>
+            <a:solidFill>
+              <a:schemeClr val="bg1"/>
+            </a:solidFill>
+            <a:ln>
+              <a:solidFill>
+                <a:schemeClr val="tx1"/>
+              </a:solidFill>
+            </a:ln>
+          </p:spPr>
+          <p:txBody>
+            <a:bodyPr wrap="square" rtlCol="0">
+              <a:spAutoFit/>
+            </a:bodyPr>
+            <a:lstStyle/>
+            <a:p>
+              <a:pPr algn="ctr"/>
+              <a:r>
+                <a:rPr lang="en-US" dirty="0">
+                  <a:latin typeface="CMU Sans Serif" panose="02000603000000000000" pitchFamily="2" charset="0"/>
+                  <a:ea typeface="CMU Sans Serif" panose="02000603000000000000" pitchFamily="2" charset="0"/>
+                  <a:cs typeface="CMU Sans Serif" panose="02000603000000000000" pitchFamily="2" charset="0"/>
+                </a:rPr>
+                <a:t>Translation axes</a:t>
+              </a:r>
+              <a:endParaRPr lang="en-ID" dirty="0">
+                <a:latin typeface="CMU Sans Serif" panose="02000603000000000000" pitchFamily="2" charset="0"/>
+                <a:ea typeface="CMU Sans Serif" panose="02000603000000000000" pitchFamily="2" charset="0"/>
+                <a:cs typeface="CMU Sans Serif" panose="02000603000000000000" pitchFamily="2" charset="0"/>
+              </a:endParaRPr>
+            </a:p>
+          </p:txBody>
+        </p:sp>
+        <p:cxnSp>
+          <p:nvCxnSpPr>
+            <p:cNvPr id="28" name="Straight Arrow Connector 27">
+              <a:extLst>
+                <a:ext uri="{FF2B5EF4-FFF2-40B4-BE49-F238E27FC236}">
+                  <a16:creationId xmlns:a16="http://schemas.microsoft.com/office/drawing/2014/main" id="{41EB7BE5-C461-F11D-5801-A7D7195999E0}"/>
+                </a:ext>
+              </a:extLst>
+            </p:cNvPr>
+            <p:cNvCxnSpPr>
+              <a:cxnSpLocks/>
+              <a:stCxn id="27" idx="2"/>
+            </p:cNvCxnSpPr>
+            <p:nvPr/>
+          </p:nvCxnSpPr>
+          <p:spPr>
+            <a:xfrm flipH="1">
+              <a:off x="3543300" y="1381760"/>
+              <a:ext cx="1381125" cy="858307"/>
+            </a:xfrm>
+            <a:prstGeom prst="straightConnector1">
+              <a:avLst/>
+            </a:prstGeom>
+            <a:ln w="12700">
+              <a:solidFill>
+                <a:srgbClr val="FF0000"/>
+              </a:solidFill>
+              <a:tailEnd type="triangle"/>
+            </a:ln>
+          </p:spPr>
+          <p:style>
+            <a:lnRef idx="1">
+              <a:schemeClr val="accent1"/>
+            </a:lnRef>
+            <a:fillRef idx="0">
+              <a:schemeClr val="accent1"/>
+            </a:fillRef>
+            <a:effectRef idx="0">
+              <a:schemeClr val="accent1"/>
+            </a:effectRef>
+            <a:fontRef idx="minor">
+              <a:schemeClr val="tx1"/>
+            </a:fontRef>
+          </p:style>
+        </p:cxnSp>
+        <p:cxnSp>
+          <p:nvCxnSpPr>
+            <p:cNvPr id="31" name="Straight Arrow Connector 30">
+              <a:extLst>
+                <a:ext uri="{FF2B5EF4-FFF2-40B4-BE49-F238E27FC236}">
+                  <a16:creationId xmlns:a16="http://schemas.microsoft.com/office/drawing/2014/main" id="{E1804593-9C5F-2420-88B4-79E99DA18AB6}"/>
+                </a:ext>
+              </a:extLst>
+            </p:cNvPr>
+            <p:cNvCxnSpPr>
+              <a:cxnSpLocks/>
+              <a:stCxn id="27" idx="2"/>
+            </p:cNvCxnSpPr>
+            <p:nvPr/>
+          </p:nvCxnSpPr>
+          <p:spPr>
+            <a:xfrm flipH="1">
+              <a:off x="4352714" y="1381760"/>
+              <a:ext cx="571711" cy="1671320"/>
+            </a:xfrm>
+            <a:prstGeom prst="straightConnector1">
+              <a:avLst/>
+            </a:prstGeom>
+            <a:ln w="12700">
+              <a:solidFill>
+                <a:srgbClr val="FF0000"/>
+              </a:solidFill>
+              <a:tailEnd type="triangle"/>
+            </a:ln>
+          </p:spPr>
+          <p:style>
+            <a:lnRef idx="1">
+              <a:schemeClr val="accent1"/>
+            </a:lnRef>
+            <a:fillRef idx="0">
+              <a:schemeClr val="accent1"/>
+            </a:fillRef>
+            <a:effectRef idx="0">
+              <a:schemeClr val="accent1"/>
+            </a:effectRef>
+            <a:fontRef idx="minor">
+              <a:schemeClr val="tx1"/>
+            </a:fontRef>
+          </p:style>
+        </p:cxnSp>
+      </p:grpSp>
     </p:spTree>
     <p:extLst>
       <p:ext uri="{BB962C8B-B14F-4D97-AF65-F5344CB8AC3E}">

--- a/docs/figures.pptx
+++ b/docs/figures.pptx
@@ -3642,10 +3642,10 @@
       </p:grpSpPr>
       <p:grpSp>
         <p:nvGrpSpPr>
-          <p:cNvPr id="34" name="Group 33">
-            <a:extLst>
-              <a:ext uri="{FF2B5EF4-FFF2-40B4-BE49-F238E27FC236}">
-                <a16:creationId xmlns:a16="http://schemas.microsoft.com/office/drawing/2014/main" id="{509C2730-CC79-F66E-1700-A6DC6C74CEC8}"/>
+          <p:cNvPr id="48" name="Group 47">
+            <a:extLst>
+              <a:ext uri="{FF2B5EF4-FFF2-40B4-BE49-F238E27FC236}">
+                <a16:creationId xmlns:a16="http://schemas.microsoft.com/office/drawing/2014/main" id="{4EF5DF65-7789-E400-3E94-07EDF4D6E32F}"/>
               </a:ext>
             </a:extLst>
           </p:cNvPr>
@@ -3654,18 +3654,18 @@
         </p:nvGrpSpPr>
         <p:grpSpPr>
           <a:xfrm>
-            <a:off x="339513" y="567364"/>
-            <a:ext cx="5327650" cy="3943676"/>
-            <a:chOff x="476673" y="780724"/>
-            <a:chExt cx="5327650" cy="3943676"/>
+            <a:off x="211074" y="430602"/>
+            <a:ext cx="11536426" cy="6314673"/>
+            <a:chOff x="211074" y="430602"/>
+            <a:chExt cx="11536426" cy="6314673"/>
           </a:xfrm>
         </p:grpSpPr>
         <p:grpSp>
           <p:nvGrpSpPr>
-            <p:cNvPr id="14" name="Group 13">
+            <p:cNvPr id="34" name="Group 33">
               <a:extLst>
                 <a:ext uri="{FF2B5EF4-FFF2-40B4-BE49-F238E27FC236}">
-                  <a16:creationId xmlns:a16="http://schemas.microsoft.com/office/drawing/2014/main" id="{C6595FE8-B2F8-6D70-12F2-294976F31B9E}"/>
+                  <a16:creationId xmlns:a16="http://schemas.microsoft.com/office/drawing/2014/main" id="{509C2730-CC79-F66E-1700-A6DC6C74CEC8}"/>
                 </a:ext>
               </a:extLst>
             </p:cNvPr>
@@ -3674,54 +3674,367 @@
           </p:nvGrpSpPr>
           <p:grpSpPr>
             <a:xfrm>
-              <a:off x="476673" y="780724"/>
-              <a:ext cx="4495377" cy="3701106"/>
-              <a:chOff x="164253" y="727384"/>
-              <a:chExt cx="4495377" cy="3701106"/>
+              <a:off x="211074" y="1457162"/>
+              <a:ext cx="4867486" cy="3943676"/>
+              <a:chOff x="476674" y="780724"/>
+              <a:chExt cx="4867486" cy="3943676"/>
             </a:xfrm>
           </p:grpSpPr>
-          <p:pic>
-            <p:nvPicPr>
-              <p:cNvPr id="3" name="Picture 2">
+          <p:grpSp>
+            <p:nvGrpSpPr>
+              <p:cNvPr id="14" name="Group 13">
                 <a:extLst>
                   <a:ext uri="{FF2B5EF4-FFF2-40B4-BE49-F238E27FC236}">
-                    <a16:creationId xmlns:a16="http://schemas.microsoft.com/office/drawing/2014/main" id="{44411C9E-64A3-9EE3-F68F-9F3DB88C7B48}"/>
+                    <a16:creationId xmlns:a16="http://schemas.microsoft.com/office/drawing/2014/main" id="{C6595FE8-B2F8-6D70-12F2-294976F31B9E}"/>
                   </a:ext>
                 </a:extLst>
               </p:cNvPr>
-              <p:cNvPicPr>
-                <a:picLocks noChangeAspect="1"/>
-              </p:cNvPicPr>
+              <p:cNvGrpSpPr/>
               <p:nvPr/>
-            </p:nvPicPr>
-            <p:blipFill>
-              <a:blip r:embed="rId2">
+            </p:nvGrpSpPr>
+            <p:grpSpPr>
+              <a:xfrm>
+                <a:off x="476674" y="780724"/>
+                <a:ext cx="4495376" cy="3701106"/>
+                <a:chOff x="164254" y="727384"/>
+                <a:chExt cx="4495376" cy="3701106"/>
+              </a:xfrm>
+            </p:grpSpPr>
+            <p:pic>
+              <p:nvPicPr>
+                <p:cNvPr id="3" name="Picture 2">
+                  <a:extLst>
+                    <a:ext uri="{FF2B5EF4-FFF2-40B4-BE49-F238E27FC236}">
+                      <a16:creationId xmlns:a16="http://schemas.microsoft.com/office/drawing/2014/main" id="{44411C9E-64A3-9EE3-F68F-9F3DB88C7B48}"/>
+                    </a:ext>
+                  </a:extLst>
+                </p:cNvPr>
+                <p:cNvPicPr>
+                  <a:picLocks noChangeAspect="1"/>
+                </p:cNvPicPr>
+                <p:nvPr/>
+              </p:nvPicPr>
+              <p:blipFill>
+                <a:blip r:embed="rId2">
+                  <a:extLst>
+                    <a:ext uri="{28A0092B-C50C-407E-A947-70E740481C1C}">
+                      <a14:useLocalDpi xmlns:a14="http://schemas.microsoft.com/office/drawing/2010/main" val="0"/>
+                    </a:ext>
+                  </a:extLst>
+                </a:blip>
+                <a:stretch>
+                  <a:fillRect/>
+                </a:stretch>
+              </p:blipFill>
+              <p:spPr>
+                <a:xfrm>
+                  <a:off x="1802130" y="1570990"/>
+                  <a:ext cx="2857500" cy="2857500"/>
+                </a:xfrm>
+                <a:prstGeom prst="rect">
+                  <a:avLst/>
+                </a:prstGeom>
+              </p:spPr>
+            </p:pic>
+            <p:sp>
+              <p:nvSpPr>
+                <p:cNvPr id="4" name="TextBox 3">
+                  <a:extLst>
+                    <a:ext uri="{FF2B5EF4-FFF2-40B4-BE49-F238E27FC236}">
+                      <a16:creationId xmlns:a16="http://schemas.microsoft.com/office/drawing/2014/main" id="{DACE2544-C1B3-420C-9299-3275F374B98F}"/>
+                    </a:ext>
+                  </a:extLst>
+                </p:cNvPr>
+                <p:cNvSpPr txBox="1"/>
+                <p:nvPr/>
+              </p:nvSpPr>
+              <p:spPr>
+                <a:xfrm>
+                  <a:off x="164254" y="727384"/>
+                  <a:ext cx="1885526" cy="461665"/>
+                </a:xfrm>
+                <a:prstGeom prst="rect">
+                  <a:avLst/>
+                </a:prstGeom>
+                <a:solidFill>
+                  <a:schemeClr val="bg1"/>
+                </a:solidFill>
+                <a:ln>
+                  <a:solidFill>
+                    <a:schemeClr val="tx1"/>
+                  </a:solidFill>
+                </a:ln>
+              </p:spPr>
+              <p:txBody>
+                <a:bodyPr wrap="square" rtlCol="0">
+                  <a:spAutoFit/>
+                </a:bodyPr>
+                <a:lstStyle/>
+                <a:p>
+                  <a:pPr algn="ctr"/>
+                  <a:r>
+                    <a:rPr lang="en-US" sz="1200" dirty="0">
+                      <a:latin typeface="CMU Sans Serif" panose="02000603000000000000" pitchFamily="2" charset="0"/>
+                      <a:ea typeface="CMU Sans Serif" panose="02000603000000000000" pitchFamily="2" charset="0"/>
+                      <a:cs typeface="CMU Sans Serif" panose="02000603000000000000" pitchFamily="2" charset="0"/>
+                    </a:rPr>
+                    <a:t>Metallic conducting strip</a:t>
+                  </a:r>
+                  <a:br>
+                    <a:rPr lang="en-US" sz="1200" dirty="0">
+                      <a:latin typeface="CMU Sans Serif" panose="02000603000000000000" pitchFamily="2" charset="0"/>
+                      <a:ea typeface="CMU Sans Serif" panose="02000603000000000000" pitchFamily="2" charset="0"/>
+                      <a:cs typeface="CMU Sans Serif" panose="02000603000000000000" pitchFamily="2" charset="0"/>
+                    </a:rPr>
+                  </a:br>
+                  <a:r>
+                    <a:rPr lang="en-US" sz="1200" dirty="0">
+                      <a:latin typeface="CMU Sans Serif" panose="02000603000000000000" pitchFamily="2" charset="0"/>
+                      <a:ea typeface="CMU Sans Serif" panose="02000603000000000000" pitchFamily="2" charset="0"/>
+                      <a:cs typeface="CMU Sans Serif" panose="02000603000000000000" pitchFamily="2" charset="0"/>
+                    </a:rPr>
+                    <a:t>(a.k.a. busbar)</a:t>
+                  </a:r>
+                  <a:endParaRPr lang="en-ID" sz="1200" dirty="0">
+                    <a:latin typeface="CMU Sans Serif" panose="02000603000000000000" pitchFamily="2" charset="0"/>
+                    <a:ea typeface="CMU Sans Serif" panose="02000603000000000000" pitchFamily="2" charset="0"/>
+                    <a:cs typeface="CMU Sans Serif" panose="02000603000000000000" pitchFamily="2" charset="0"/>
+                  </a:endParaRPr>
+                </a:p>
+              </p:txBody>
+            </p:sp>
+            <p:cxnSp>
+              <p:nvCxnSpPr>
+                <p:cNvPr id="6" name="Straight Arrow Connector 5">
+                  <a:extLst>
+                    <a:ext uri="{FF2B5EF4-FFF2-40B4-BE49-F238E27FC236}">
+                      <a16:creationId xmlns:a16="http://schemas.microsoft.com/office/drawing/2014/main" id="{CE9D023F-4C7A-9C8A-6647-85D711D5723F}"/>
+                    </a:ext>
+                  </a:extLst>
+                </p:cNvPr>
+                <p:cNvCxnSpPr>
+                  <a:cxnSpLocks/>
+                  <a:stCxn id="4" idx="2"/>
+                </p:cNvCxnSpPr>
+                <p:nvPr/>
+              </p:nvCxnSpPr>
+              <p:spPr>
+                <a:xfrm>
+                  <a:off x="1107017" y="1189049"/>
+                  <a:ext cx="813223" cy="2773351"/>
+                </a:xfrm>
+                <a:prstGeom prst="straightConnector1">
+                  <a:avLst/>
+                </a:prstGeom>
+                <a:ln w="12700">
+                  <a:solidFill>
+                    <a:srgbClr val="FF0000"/>
+                  </a:solidFill>
+                  <a:tailEnd type="triangle"/>
+                </a:ln>
+              </p:spPr>
+              <p:style>
+                <a:lnRef idx="1">
+                  <a:schemeClr val="accent1"/>
+                </a:lnRef>
+                <a:fillRef idx="0">
+                  <a:schemeClr val="accent1"/>
+                </a:fillRef>
+                <a:effectRef idx="0">
+                  <a:schemeClr val="accent1"/>
+                </a:effectRef>
+                <a:fontRef idx="minor">
+                  <a:schemeClr val="tx1"/>
+                </a:fontRef>
+              </p:style>
+            </p:cxnSp>
+            <p:cxnSp>
+              <p:nvCxnSpPr>
+                <p:cNvPr id="8" name="Straight Arrow Connector 7">
+                  <a:extLst>
+                    <a:ext uri="{FF2B5EF4-FFF2-40B4-BE49-F238E27FC236}">
+                      <a16:creationId xmlns:a16="http://schemas.microsoft.com/office/drawing/2014/main" id="{C33DE107-D0E4-A3D3-C344-1F55FB8100A0}"/>
+                    </a:ext>
+                  </a:extLst>
+                </p:cNvPr>
+                <p:cNvCxnSpPr>
+                  <a:cxnSpLocks/>
+                  <a:stCxn id="4" idx="2"/>
+                </p:cNvCxnSpPr>
+                <p:nvPr/>
+              </p:nvCxnSpPr>
+              <p:spPr>
+                <a:xfrm>
+                  <a:off x="1107017" y="1189049"/>
+                  <a:ext cx="1046057" cy="1810691"/>
+                </a:xfrm>
+                <a:prstGeom prst="straightConnector1">
+                  <a:avLst/>
+                </a:prstGeom>
+                <a:ln w="12700">
+                  <a:solidFill>
+                    <a:srgbClr val="FF0000"/>
+                  </a:solidFill>
+                  <a:tailEnd type="triangle"/>
+                </a:ln>
+              </p:spPr>
+              <p:style>
+                <a:lnRef idx="1">
+                  <a:schemeClr val="accent1"/>
+                </a:lnRef>
+                <a:fillRef idx="0">
+                  <a:schemeClr val="accent1"/>
+                </a:fillRef>
+                <a:effectRef idx="0">
+                  <a:schemeClr val="accent1"/>
+                </a:effectRef>
+                <a:fontRef idx="minor">
+                  <a:schemeClr val="tx1"/>
+                </a:fontRef>
+              </p:style>
+            </p:cxnSp>
+            <p:cxnSp>
+              <p:nvCxnSpPr>
+                <p:cNvPr id="11" name="Straight Arrow Connector 10">
+                  <a:extLst>
+                    <a:ext uri="{FF2B5EF4-FFF2-40B4-BE49-F238E27FC236}">
+                      <a16:creationId xmlns:a16="http://schemas.microsoft.com/office/drawing/2014/main" id="{67B58DA2-12ED-CCF3-7F18-E37B44E51874}"/>
+                    </a:ext>
+                  </a:extLst>
+                </p:cNvPr>
+                <p:cNvCxnSpPr>
+                  <a:cxnSpLocks/>
+                  <a:stCxn id="4" idx="2"/>
+                </p:cNvCxnSpPr>
+                <p:nvPr/>
+              </p:nvCxnSpPr>
+              <p:spPr>
+                <a:xfrm>
+                  <a:off x="1107017" y="1189049"/>
+                  <a:ext cx="942763" cy="898831"/>
+                </a:xfrm>
+                <a:prstGeom prst="straightConnector1">
+                  <a:avLst/>
+                </a:prstGeom>
+                <a:ln w="12700">
+                  <a:solidFill>
+                    <a:srgbClr val="FF0000"/>
+                  </a:solidFill>
+                  <a:tailEnd type="triangle"/>
+                </a:ln>
+              </p:spPr>
+              <p:style>
+                <a:lnRef idx="1">
+                  <a:schemeClr val="accent1"/>
+                </a:lnRef>
+                <a:fillRef idx="0">
+                  <a:schemeClr val="accent1"/>
+                </a:fillRef>
+                <a:effectRef idx="0">
+                  <a:schemeClr val="accent1"/>
+                </a:effectRef>
+                <a:fontRef idx="minor">
+                  <a:schemeClr val="tx1"/>
+                </a:fontRef>
+              </p:style>
+            </p:cxnSp>
+          </p:grpSp>
+          <p:cxnSp>
+            <p:nvCxnSpPr>
+              <p:cNvPr id="22" name="Straight Connector 21">
                 <a:extLst>
-                  <a:ext uri="{28A0092B-C50C-407E-A947-70E740481C1C}">
-                    <a14:useLocalDpi xmlns:a14="http://schemas.microsoft.com/office/drawing/2010/main" val="0"/>
+                  <a:ext uri="{FF2B5EF4-FFF2-40B4-BE49-F238E27FC236}">
+                    <a16:creationId xmlns:a16="http://schemas.microsoft.com/office/drawing/2014/main" id="{00C73F8F-EB91-A91F-FEAE-C51CC686C1A9}"/>
                   </a:ext>
                 </a:extLst>
-              </a:blip>
-              <a:stretch>
-                <a:fillRect/>
-              </a:stretch>
-            </p:blipFill>
+              </p:cNvPr>
+              <p:cNvCxnSpPr/>
+              <p:nvPr/>
+            </p:nvCxnSpPr>
             <p:spPr>
               <a:xfrm>
-                <a:off x="1802130" y="1570990"/>
-                <a:ext cx="2857500" cy="2857500"/>
+                <a:off x="3543300" y="1196340"/>
+                <a:ext cx="0" cy="3528060"/>
               </a:xfrm>
-              <a:prstGeom prst="rect">
+              <a:prstGeom prst="line">
                 <a:avLst/>
               </a:prstGeom>
+              <a:ln>
+                <a:solidFill>
+                  <a:schemeClr val="accent1">
+                    <a:lumMod val="50000"/>
+                  </a:schemeClr>
+                </a:solidFill>
+                <a:prstDash val="dashDot"/>
+              </a:ln>
             </p:spPr>
-          </p:pic>
+            <p:style>
+              <a:lnRef idx="3">
+                <a:schemeClr val="accent1"/>
+              </a:lnRef>
+              <a:fillRef idx="0">
+                <a:schemeClr val="accent1"/>
+              </a:fillRef>
+              <a:effectRef idx="2">
+                <a:schemeClr val="accent1"/>
+              </a:effectRef>
+              <a:fontRef idx="minor">
+                <a:schemeClr val="tx1"/>
+              </a:fontRef>
+            </p:style>
+          </p:cxnSp>
+          <p:cxnSp>
+            <p:nvCxnSpPr>
+              <p:cNvPr id="23" name="Straight Connector 22">
+                <a:extLst>
+                  <a:ext uri="{FF2B5EF4-FFF2-40B4-BE49-F238E27FC236}">
+                    <a16:creationId xmlns:a16="http://schemas.microsoft.com/office/drawing/2014/main" id="{E00CD05A-07A8-AC52-8049-8C291056625E}"/>
+                  </a:ext>
+                </a:extLst>
+              </p:cNvPr>
+              <p:cNvCxnSpPr>
+                <a:cxnSpLocks/>
+              </p:cNvCxnSpPr>
+              <p:nvPr/>
+            </p:nvCxnSpPr>
+            <p:spPr>
+              <a:xfrm flipH="1">
+                <a:off x="1817370" y="3053080"/>
+                <a:ext cx="3451860" cy="0"/>
+              </a:xfrm>
+              <a:prstGeom prst="line">
+                <a:avLst/>
+              </a:prstGeom>
+              <a:ln>
+                <a:solidFill>
+                  <a:schemeClr val="accent1">
+                    <a:lumMod val="50000"/>
+                  </a:schemeClr>
+                </a:solidFill>
+                <a:prstDash val="dashDot"/>
+              </a:ln>
+            </p:spPr>
+            <p:style>
+              <a:lnRef idx="3">
+                <a:schemeClr val="accent1"/>
+              </a:lnRef>
+              <a:fillRef idx="0">
+                <a:schemeClr val="accent1"/>
+              </a:fillRef>
+              <a:effectRef idx="2">
+                <a:schemeClr val="accent1"/>
+              </a:effectRef>
+              <a:fontRef idx="minor">
+                <a:schemeClr val="tx1"/>
+              </a:fontRef>
+            </p:style>
+          </p:cxnSp>
           <p:sp>
             <p:nvSpPr>
-              <p:cNvPr id="4" name="TextBox 3">
+              <p:cNvPr id="27" name="TextBox 26">
                 <a:extLst>
                   <a:ext uri="{FF2B5EF4-FFF2-40B4-BE49-F238E27FC236}">
-                    <a16:creationId xmlns:a16="http://schemas.microsoft.com/office/drawing/2014/main" id="{DACE2544-C1B3-420C-9299-3275F374B98F}"/>
+                    <a16:creationId xmlns:a16="http://schemas.microsoft.com/office/drawing/2014/main" id="{D2392462-F712-F2A4-FC3B-FF956B864074}"/>
                   </a:ext>
                 </a:extLst>
               </p:cNvPr>
@@ -3730,8 +4043,8 @@
             </p:nvSpPr>
             <p:spPr>
               <a:xfrm>
-                <a:off x="164253" y="727384"/>
-                <a:ext cx="2565401" cy="646331"/>
+                <a:off x="4044527" y="1012428"/>
+                <a:ext cx="1299633" cy="276999"/>
               </a:xfrm>
               <a:prstGeom prst="rect">
                 <a:avLst/>
@@ -3753,29 +4066,14 @@
               <a:p>
                 <a:pPr algn="ctr"/>
                 <a:r>
-                  <a:rPr lang="en-US" dirty="0">
+                  <a:rPr lang="en-US" sz="1200" dirty="0">
                     <a:latin typeface="CMU Sans Serif" panose="02000603000000000000" pitchFamily="2" charset="0"/>
                     <a:ea typeface="CMU Sans Serif" panose="02000603000000000000" pitchFamily="2" charset="0"/>
                     <a:cs typeface="CMU Sans Serif" panose="02000603000000000000" pitchFamily="2" charset="0"/>
                   </a:rPr>
-                  <a:t>Metallic conducting strip</a:t>
+                  <a:t>Translation axes</a:t>
                 </a:r>
-                <a:br>
-                  <a:rPr lang="en-US" dirty="0">
-                    <a:latin typeface="CMU Sans Serif" panose="02000603000000000000" pitchFamily="2" charset="0"/>
-                    <a:ea typeface="CMU Sans Serif" panose="02000603000000000000" pitchFamily="2" charset="0"/>
-                    <a:cs typeface="CMU Sans Serif" panose="02000603000000000000" pitchFamily="2" charset="0"/>
-                  </a:rPr>
-                </a:br>
-                <a:r>
-                  <a:rPr lang="en-US" dirty="0">
-                    <a:latin typeface="CMU Sans Serif" panose="02000603000000000000" pitchFamily="2" charset="0"/>
-                    <a:ea typeface="CMU Sans Serif" panose="02000603000000000000" pitchFamily="2" charset="0"/>
-                    <a:cs typeface="CMU Sans Serif" panose="02000603000000000000" pitchFamily="2" charset="0"/>
-                  </a:rPr>
-                  <a:t>(a.k.a. busbar)</a:t>
-                </a:r>
-                <a:endParaRPr lang="en-ID" dirty="0">
+                <a:endParaRPr lang="en-ID" sz="1200" dirty="0">
                   <a:latin typeface="CMU Sans Serif" panose="02000603000000000000" pitchFamily="2" charset="0"/>
                   <a:ea typeface="CMU Sans Serif" panose="02000603000000000000" pitchFamily="2" charset="0"/>
                   <a:cs typeface="CMU Sans Serif" panose="02000603000000000000" pitchFamily="2" charset="0"/>
@@ -3785,23 +4083,23 @@
           </p:sp>
           <p:cxnSp>
             <p:nvCxnSpPr>
-              <p:cNvPr id="6" name="Straight Arrow Connector 5">
+              <p:cNvPr id="28" name="Straight Arrow Connector 27">
                 <a:extLst>
                   <a:ext uri="{FF2B5EF4-FFF2-40B4-BE49-F238E27FC236}">
-                    <a16:creationId xmlns:a16="http://schemas.microsoft.com/office/drawing/2014/main" id="{CE9D023F-4C7A-9C8A-6647-85D711D5723F}"/>
+                    <a16:creationId xmlns:a16="http://schemas.microsoft.com/office/drawing/2014/main" id="{41EB7BE5-C461-F11D-5801-A7D7195999E0}"/>
                   </a:ext>
                 </a:extLst>
               </p:cNvPr>
               <p:cNvCxnSpPr>
                 <a:cxnSpLocks/>
-                <a:stCxn id="4" idx="2"/>
+                <a:stCxn id="27" idx="2"/>
               </p:cNvCxnSpPr>
               <p:nvPr/>
             </p:nvCxnSpPr>
             <p:spPr>
-              <a:xfrm>
-                <a:off x="1446954" y="1373715"/>
-                <a:ext cx="473286" cy="2588685"/>
+              <a:xfrm flipH="1">
+                <a:off x="3543300" y="1289427"/>
+                <a:ext cx="1151044" cy="950640"/>
               </a:xfrm>
               <a:prstGeom prst="straightConnector1">
                 <a:avLst/>
@@ -3830,68 +4128,23 @@
           </p:cxnSp>
           <p:cxnSp>
             <p:nvCxnSpPr>
-              <p:cNvPr id="8" name="Straight Arrow Connector 7">
+              <p:cNvPr id="31" name="Straight Arrow Connector 30">
                 <a:extLst>
                   <a:ext uri="{FF2B5EF4-FFF2-40B4-BE49-F238E27FC236}">
-                    <a16:creationId xmlns:a16="http://schemas.microsoft.com/office/drawing/2014/main" id="{C33DE107-D0E4-A3D3-C344-1F55FB8100A0}"/>
+                    <a16:creationId xmlns:a16="http://schemas.microsoft.com/office/drawing/2014/main" id="{E1804593-9C5F-2420-88B4-79E99DA18AB6}"/>
                   </a:ext>
                 </a:extLst>
               </p:cNvPr>
               <p:cNvCxnSpPr>
                 <a:cxnSpLocks/>
-                <a:stCxn id="4" idx="2"/>
+                <a:stCxn id="27" idx="2"/>
               </p:cNvCxnSpPr>
               <p:nvPr/>
             </p:nvCxnSpPr>
             <p:spPr>
-              <a:xfrm>
-                <a:off x="1446954" y="1373715"/>
-                <a:ext cx="706120" cy="1626025"/>
-              </a:xfrm>
-              <a:prstGeom prst="straightConnector1">
-                <a:avLst/>
-              </a:prstGeom>
-              <a:ln w="12700">
-                <a:solidFill>
-                  <a:srgbClr val="FF0000"/>
-                </a:solidFill>
-                <a:tailEnd type="triangle"/>
-              </a:ln>
-            </p:spPr>
-            <p:style>
-              <a:lnRef idx="1">
-                <a:schemeClr val="accent1"/>
-              </a:lnRef>
-              <a:fillRef idx="0">
-                <a:schemeClr val="accent1"/>
-              </a:fillRef>
-              <a:effectRef idx="0">
-                <a:schemeClr val="accent1"/>
-              </a:effectRef>
-              <a:fontRef idx="minor">
-                <a:schemeClr val="tx1"/>
-              </a:fontRef>
-            </p:style>
-          </p:cxnSp>
-          <p:cxnSp>
-            <p:nvCxnSpPr>
-              <p:cNvPr id="11" name="Straight Arrow Connector 10">
-                <a:extLst>
-                  <a:ext uri="{FF2B5EF4-FFF2-40B4-BE49-F238E27FC236}">
-                    <a16:creationId xmlns:a16="http://schemas.microsoft.com/office/drawing/2014/main" id="{67B58DA2-12ED-CCF3-7F18-E37B44E51874}"/>
-                  </a:ext>
-                </a:extLst>
-              </p:cNvPr>
-              <p:cNvCxnSpPr>
-                <a:cxnSpLocks/>
-                <a:stCxn id="4" idx="2"/>
-              </p:cNvCxnSpPr>
-              <p:nvPr/>
-            </p:nvCxnSpPr>
-            <p:spPr>
-              <a:xfrm>
-                <a:off x="1446954" y="1373715"/>
-                <a:ext cx="602826" cy="714165"/>
+              <a:xfrm flipH="1">
+                <a:off x="4352714" y="1289427"/>
+                <a:ext cx="341630" cy="1763653"/>
               </a:xfrm>
               <a:prstGeom prst="straightConnector1">
                 <a:avLst/>
@@ -3919,92 +4172,431 @@
             </p:style>
           </p:cxnSp>
         </p:grpSp>
-        <p:cxnSp>
-          <p:nvCxnSpPr>
-            <p:cNvPr id="22" name="Straight Connector 21">
+        <p:grpSp>
+          <p:nvGrpSpPr>
+            <p:cNvPr id="41" name="Group 40">
               <a:extLst>
                 <a:ext uri="{FF2B5EF4-FFF2-40B4-BE49-F238E27FC236}">
-                  <a16:creationId xmlns:a16="http://schemas.microsoft.com/office/drawing/2014/main" id="{00C73F8F-EB91-A91F-FEAE-C51CC686C1A9}"/>
+                  <a16:creationId xmlns:a16="http://schemas.microsoft.com/office/drawing/2014/main" id="{9A743068-DC4D-17B2-DD75-253971E39333}"/>
                 </a:ext>
               </a:extLst>
             </p:cNvPr>
-            <p:cNvCxnSpPr/>
+            <p:cNvGrpSpPr/>
             <p:nvPr/>
-          </p:nvCxnSpPr>
-          <p:spPr>
+          </p:nvGrpSpPr>
+          <p:grpSpPr>
             <a:xfrm>
-              <a:off x="3543300" y="1196340"/>
-              <a:ext cx="0" cy="3528060"/>
+              <a:off x="5746750" y="430602"/>
+              <a:ext cx="6000750" cy="1505724"/>
+              <a:chOff x="5746750" y="528074"/>
+              <a:chExt cx="6000750" cy="1505724"/>
             </a:xfrm>
-            <a:prstGeom prst="line">
-              <a:avLst/>
-            </a:prstGeom>
-            <a:ln>
-              <a:prstDash val="dashDot"/>
-            </a:ln>
-          </p:spPr>
-          <p:style>
-            <a:lnRef idx="3">
-              <a:schemeClr val="accent1"/>
-            </a:lnRef>
-            <a:fillRef idx="0">
-              <a:schemeClr val="accent1"/>
-            </a:fillRef>
-            <a:effectRef idx="2">
-              <a:schemeClr val="accent1"/>
-            </a:effectRef>
-            <a:fontRef idx="minor">
-              <a:schemeClr val="tx1"/>
-            </a:fontRef>
-          </p:style>
-        </p:cxnSp>
-        <p:cxnSp>
-          <p:nvCxnSpPr>
-            <p:cNvPr id="23" name="Straight Connector 22">
+          </p:grpSpPr>
+          <p:sp>
+            <p:nvSpPr>
+              <p:cNvPr id="10" name="TextBox 9">
+                <a:extLst>
+                  <a:ext uri="{FF2B5EF4-FFF2-40B4-BE49-F238E27FC236}">
+                    <a16:creationId xmlns:a16="http://schemas.microsoft.com/office/drawing/2014/main" id="{21600423-AA93-B4C3-8695-72E994829675}"/>
+                  </a:ext>
+                </a:extLst>
+              </p:cNvPr>
+              <p:cNvSpPr txBox="1"/>
+              <p:nvPr/>
+            </p:nvSpPr>
+            <p:spPr>
+              <a:xfrm>
+                <a:off x="7657724" y="528074"/>
+                <a:ext cx="2717411" cy="276999"/>
+              </a:xfrm>
+              <a:prstGeom prst="rect">
+                <a:avLst/>
+              </a:prstGeom>
+              <a:noFill/>
+            </p:spPr>
+            <p:txBody>
+              <a:bodyPr wrap="none" rtlCol="0">
+                <a:spAutoFit/>
+              </a:bodyPr>
+              <a:lstStyle/>
+              <a:p>
+                <a:r>
+                  <a:rPr lang="en-US" sz="1200" dirty="0">
+                    <a:latin typeface="CMU Sans Serif" panose="02000603000000000000" pitchFamily="2" charset="0"/>
+                    <a:ea typeface="CMU Sans Serif" panose="02000603000000000000" pitchFamily="2" charset="0"/>
+                    <a:cs typeface="CMU Sans Serif" panose="02000603000000000000" pitchFamily="2" charset="0"/>
+                  </a:rPr>
+                  <a:t>(ii) Random horizontal/vertical flipping</a:t>
+                </a:r>
+                <a:endParaRPr lang="en-ID" sz="1200" dirty="0">
+                  <a:latin typeface="CMU Sans Serif" panose="02000603000000000000" pitchFamily="2" charset="0"/>
+                  <a:ea typeface="CMU Sans Serif" panose="02000603000000000000" pitchFamily="2" charset="0"/>
+                  <a:cs typeface="CMU Sans Serif" panose="02000603000000000000" pitchFamily="2" charset="0"/>
+                </a:endParaRPr>
+              </a:p>
+            </p:txBody>
+          </p:sp>
+          <p:pic>
+            <p:nvPicPr>
+              <p:cNvPr id="25" name="Picture 24">
+                <a:extLst>
+                  <a:ext uri="{FF2B5EF4-FFF2-40B4-BE49-F238E27FC236}">
+                    <a16:creationId xmlns:a16="http://schemas.microsoft.com/office/drawing/2014/main" id="{B140D61A-7007-5F0F-AA64-BF5A2C5C9611}"/>
+                  </a:ext>
+                </a:extLst>
+              </p:cNvPr>
+              <p:cNvPicPr>
+                <a:picLocks noChangeAspect="1"/>
+              </p:cNvPicPr>
+              <p:nvPr/>
+            </p:nvPicPr>
+            <p:blipFill>
+              <a:blip r:embed="rId3"/>
+              <a:stretch>
+                <a:fillRect/>
+              </a:stretch>
+            </p:blipFill>
+            <p:spPr>
+              <a:xfrm>
+                <a:off x="5746750" y="805073"/>
+                <a:ext cx="6000750" cy="1228725"/>
+              </a:xfrm>
+              <a:prstGeom prst="rect">
+                <a:avLst/>
+              </a:prstGeom>
+            </p:spPr>
+          </p:pic>
+        </p:grpSp>
+        <p:grpSp>
+          <p:nvGrpSpPr>
+            <p:cNvPr id="42" name="Group 41">
               <a:extLst>
                 <a:ext uri="{FF2B5EF4-FFF2-40B4-BE49-F238E27FC236}">
-                  <a16:creationId xmlns:a16="http://schemas.microsoft.com/office/drawing/2014/main" id="{E00CD05A-07A8-AC52-8049-8C291056625E}"/>
+                  <a16:creationId xmlns:a16="http://schemas.microsoft.com/office/drawing/2014/main" id="{3E902C7D-1924-1C96-C683-1B7FCE3E3119}"/>
                 </a:ext>
               </a:extLst>
             </p:cNvPr>
-            <p:cNvCxnSpPr>
-              <a:cxnSpLocks/>
-            </p:cNvCxnSpPr>
+            <p:cNvGrpSpPr/>
             <p:nvPr/>
-          </p:nvCxnSpPr>
+          </p:nvGrpSpPr>
+          <p:grpSpPr>
+            <a:xfrm>
+              <a:off x="5746750" y="2023769"/>
+              <a:ext cx="6000750" cy="1517128"/>
+              <a:chOff x="5746750" y="2135767"/>
+              <a:chExt cx="6000750" cy="1517128"/>
+            </a:xfrm>
+          </p:grpSpPr>
+          <p:pic>
+            <p:nvPicPr>
+              <p:cNvPr id="36" name="Picture 35">
+                <a:extLst>
+                  <a:ext uri="{FF2B5EF4-FFF2-40B4-BE49-F238E27FC236}">
+                    <a16:creationId xmlns:a16="http://schemas.microsoft.com/office/drawing/2014/main" id="{72F756CD-4371-FD83-3F1B-1784318AB8E4}"/>
+                  </a:ext>
+                </a:extLst>
+              </p:cNvPr>
+              <p:cNvPicPr>
+                <a:picLocks noChangeAspect="1"/>
+              </p:cNvPicPr>
+              <p:nvPr/>
+            </p:nvPicPr>
+            <p:blipFill>
+              <a:blip r:embed="rId4"/>
+              <a:stretch>
+                <a:fillRect/>
+              </a:stretch>
+            </p:blipFill>
+            <p:spPr>
+              <a:xfrm>
+                <a:off x="5746750" y="2424170"/>
+                <a:ext cx="6000750" cy="1228725"/>
+              </a:xfrm>
+              <a:prstGeom prst="rect">
+                <a:avLst/>
+              </a:prstGeom>
+            </p:spPr>
+          </p:pic>
+          <p:sp>
+            <p:nvSpPr>
+              <p:cNvPr id="37" name="TextBox 36">
+                <a:extLst>
+                  <a:ext uri="{FF2B5EF4-FFF2-40B4-BE49-F238E27FC236}">
+                    <a16:creationId xmlns:a16="http://schemas.microsoft.com/office/drawing/2014/main" id="{562471A1-FDD0-3490-663F-EDFE1BD37C28}"/>
+                  </a:ext>
+                </a:extLst>
+              </p:cNvPr>
+              <p:cNvSpPr txBox="1"/>
+              <p:nvPr/>
+            </p:nvSpPr>
+            <p:spPr>
+              <a:xfrm>
+                <a:off x="7657724" y="2135767"/>
+                <a:ext cx="2752677" cy="276999"/>
+              </a:xfrm>
+              <a:prstGeom prst="rect">
+                <a:avLst/>
+              </a:prstGeom>
+              <a:noFill/>
+            </p:spPr>
+            <p:txBody>
+              <a:bodyPr wrap="none" rtlCol="0">
+                <a:spAutoFit/>
+              </a:bodyPr>
+              <a:lstStyle/>
+              <a:p>
+                <a:r>
+                  <a:rPr lang="en-US" sz="1200" dirty="0">
+                    <a:latin typeface="CMU Sans Serif" panose="02000603000000000000" pitchFamily="2" charset="0"/>
+                    <a:ea typeface="CMU Sans Serif" panose="02000603000000000000" pitchFamily="2" charset="0"/>
+                    <a:cs typeface="CMU Sans Serif" panose="02000603000000000000" pitchFamily="2" charset="0"/>
+                  </a:rPr>
+                  <a:t>(iii) Random horizontal/vertical shifting</a:t>
+                </a:r>
+                <a:endParaRPr lang="en-ID" sz="1200" dirty="0">
+                  <a:latin typeface="CMU Sans Serif" panose="02000603000000000000" pitchFamily="2" charset="0"/>
+                  <a:ea typeface="CMU Sans Serif" panose="02000603000000000000" pitchFamily="2" charset="0"/>
+                  <a:cs typeface="CMU Sans Serif" panose="02000603000000000000" pitchFamily="2" charset="0"/>
+                </a:endParaRPr>
+              </a:p>
+            </p:txBody>
+          </p:sp>
+        </p:grpSp>
+        <p:grpSp>
+          <p:nvGrpSpPr>
+            <p:cNvPr id="43" name="Group 42">
+              <a:extLst>
+                <a:ext uri="{FF2B5EF4-FFF2-40B4-BE49-F238E27FC236}">
+                  <a16:creationId xmlns:a16="http://schemas.microsoft.com/office/drawing/2014/main" id="{5DD8783D-01A3-1D7F-0730-2377E79C05E4}"/>
+                </a:ext>
+              </a:extLst>
+            </p:cNvPr>
+            <p:cNvGrpSpPr/>
+            <p:nvPr/>
+          </p:nvGrpSpPr>
+          <p:grpSpPr>
+            <a:xfrm>
+              <a:off x="5746750" y="3636808"/>
+              <a:ext cx="6000750" cy="1506278"/>
+              <a:chOff x="5684096" y="3763808"/>
+              <a:chExt cx="6000750" cy="1506278"/>
+            </a:xfrm>
+          </p:grpSpPr>
+          <p:pic>
+            <p:nvPicPr>
+              <p:cNvPr id="39" name="Picture 38">
+                <a:extLst>
+                  <a:ext uri="{FF2B5EF4-FFF2-40B4-BE49-F238E27FC236}">
+                    <a16:creationId xmlns:a16="http://schemas.microsoft.com/office/drawing/2014/main" id="{3A7F0A07-5DCE-9E47-787C-652F9D7103AF}"/>
+                  </a:ext>
+                </a:extLst>
+              </p:cNvPr>
+              <p:cNvPicPr>
+                <a:picLocks noChangeAspect="1"/>
+              </p:cNvPicPr>
+              <p:nvPr/>
+            </p:nvPicPr>
+            <p:blipFill>
+              <a:blip r:embed="rId5"/>
+              <a:stretch>
+                <a:fillRect/>
+              </a:stretch>
+            </p:blipFill>
+            <p:spPr>
+              <a:xfrm>
+                <a:off x="5684096" y="4041361"/>
+                <a:ext cx="6000750" cy="1228725"/>
+              </a:xfrm>
+              <a:prstGeom prst="rect">
+                <a:avLst/>
+              </a:prstGeom>
+            </p:spPr>
+          </p:pic>
+          <p:sp>
+            <p:nvSpPr>
+              <p:cNvPr id="40" name="TextBox 39">
+                <a:extLst>
+                  <a:ext uri="{FF2B5EF4-FFF2-40B4-BE49-F238E27FC236}">
+                    <a16:creationId xmlns:a16="http://schemas.microsoft.com/office/drawing/2014/main" id="{A7157EA8-1858-9FD5-40A6-A765D0289AD6}"/>
+                  </a:ext>
+                </a:extLst>
+              </p:cNvPr>
+              <p:cNvSpPr txBox="1"/>
+              <p:nvPr/>
+            </p:nvSpPr>
+            <p:spPr>
+              <a:xfrm>
+                <a:off x="7595070" y="3763808"/>
+                <a:ext cx="1582484" cy="276999"/>
+              </a:xfrm>
+              <a:prstGeom prst="rect">
+                <a:avLst/>
+              </a:prstGeom>
+              <a:noFill/>
+            </p:spPr>
+            <p:txBody>
+              <a:bodyPr wrap="none" rtlCol="0">
+                <a:spAutoFit/>
+              </a:bodyPr>
+              <a:lstStyle/>
+              <a:p>
+                <a:r>
+                  <a:rPr lang="en-US" sz="1200" dirty="0">
+                    <a:latin typeface="CMU Sans Serif" panose="02000603000000000000" pitchFamily="2" charset="0"/>
+                    <a:ea typeface="CMU Sans Serif" panose="02000603000000000000" pitchFamily="2" charset="0"/>
+                    <a:cs typeface="CMU Sans Serif" panose="02000603000000000000" pitchFamily="2" charset="0"/>
+                  </a:rPr>
+                  <a:t>(iv) Random zooming</a:t>
+                </a:r>
+                <a:endParaRPr lang="en-ID" sz="1200" dirty="0">
+                  <a:latin typeface="CMU Sans Serif" panose="02000603000000000000" pitchFamily="2" charset="0"/>
+                  <a:ea typeface="CMU Sans Serif" panose="02000603000000000000" pitchFamily="2" charset="0"/>
+                  <a:cs typeface="CMU Sans Serif" panose="02000603000000000000" pitchFamily="2" charset="0"/>
+                </a:endParaRPr>
+              </a:p>
+            </p:txBody>
+          </p:sp>
+        </p:grpSp>
+        <p:pic>
+          <p:nvPicPr>
+            <p:cNvPr id="45" name="Picture 44">
+              <a:extLst>
+                <a:ext uri="{FF2B5EF4-FFF2-40B4-BE49-F238E27FC236}">
+                  <a16:creationId xmlns:a16="http://schemas.microsoft.com/office/drawing/2014/main" id="{74F06B7E-887C-67FA-F07B-DE750A29749C}"/>
+                </a:ext>
+              </a:extLst>
+            </p:cNvPr>
+            <p:cNvPicPr>
+              <a:picLocks noChangeAspect="1"/>
+            </p:cNvPicPr>
+            <p:nvPr/>
+          </p:nvPicPr>
+          <p:blipFill>
+            <a:blip r:embed="rId6"/>
+            <a:stretch>
+              <a:fillRect/>
+            </a:stretch>
+          </p:blipFill>
           <p:spPr>
-            <a:xfrm flipH="1">
-              <a:off x="1817370" y="3053080"/>
-              <a:ext cx="3451860" cy="0"/>
+            <a:xfrm>
+              <a:off x="5746750" y="5516550"/>
+              <a:ext cx="6000750" cy="1228725"/>
             </a:xfrm>
-            <a:prstGeom prst="line">
+            <a:prstGeom prst="rect">
               <a:avLst/>
             </a:prstGeom>
-            <a:ln>
-              <a:prstDash val="dashDot"/>
-            </a:ln>
           </p:spPr>
-          <p:style>
-            <a:lnRef idx="3">
-              <a:schemeClr val="accent1"/>
-            </a:lnRef>
-            <a:fillRef idx="0">
-              <a:schemeClr val="accent1"/>
-            </a:fillRef>
-            <a:effectRef idx="2">
-              <a:schemeClr val="accent1"/>
-            </a:effectRef>
-            <a:fontRef idx="minor">
-              <a:schemeClr val="tx1"/>
-            </a:fontRef>
-          </p:style>
-        </p:cxnSp>
+        </p:pic>
+        <mc:AlternateContent xmlns:mc="http://schemas.openxmlformats.org/markup-compatibility/2006">
+          <mc:Choice xmlns:a14="http://schemas.microsoft.com/office/drawing/2010/main" Requires="a14">
+            <p:sp>
+              <p:nvSpPr>
+                <p:cNvPr id="46" name="TextBox 45">
+                  <a:extLst>
+                    <a:ext uri="{FF2B5EF4-FFF2-40B4-BE49-F238E27FC236}">
+                      <a16:creationId xmlns:a16="http://schemas.microsoft.com/office/drawing/2014/main" id="{45032233-D8DF-8E17-C3FA-8251B7839B4B}"/>
+                    </a:ext>
+                  </a:extLst>
+                </p:cNvPr>
+                <p:cNvSpPr txBox="1"/>
+                <p:nvPr/>
+              </p:nvSpPr>
+              <p:spPr>
+                <a:xfrm>
+                  <a:off x="7657724" y="5262338"/>
+                  <a:ext cx="1983235" cy="276999"/>
+                </a:xfrm>
+                <a:prstGeom prst="rect">
+                  <a:avLst/>
+                </a:prstGeom>
+                <a:noFill/>
+              </p:spPr>
+              <p:txBody>
+                <a:bodyPr wrap="none" rtlCol="0">
+                  <a:spAutoFit/>
+                </a:bodyPr>
+                <a:lstStyle/>
+                <a:p>
+                  <a:r>
+                    <a:rPr lang="en-US" sz="1200" dirty="0">
+                      <a:latin typeface="CMU Sans Serif" panose="02000603000000000000" pitchFamily="2" charset="0"/>
+                      <a:ea typeface="CMU Sans Serif" panose="02000603000000000000" pitchFamily="2" charset="0"/>
+                      <a:cs typeface="CMU Sans Serif" panose="02000603000000000000" pitchFamily="2" charset="0"/>
+                    </a:rPr>
+                    <a:t>(v) Random rotation by 90</a:t>
+                  </a:r>
+                  <a14:m>
+                    <m:oMath xmlns:m="http://schemas.openxmlformats.org/officeDocument/2006/math">
+                      <m:r>
+                        <a:rPr lang="en-US" sz="1200" b="0" i="1" smtClean="0">
+                          <a:latin typeface="Cambria Math" panose="02040503050406030204" pitchFamily="18" charset="0"/>
+                          <a:ea typeface="CMU Sans Serif" panose="02000603000000000000" pitchFamily="2" charset="0"/>
+                          <a:cs typeface="CMU Sans Serif" panose="02000603000000000000" pitchFamily="2" charset="0"/>
+                        </a:rPr>
+                        <m:t>°</m:t>
+                      </m:r>
+                    </m:oMath>
+                  </a14:m>
+                  <a:endParaRPr lang="en-ID" sz="1200" dirty="0">
+                    <a:latin typeface="CMU Sans Serif" panose="02000603000000000000" pitchFamily="2" charset="0"/>
+                    <a:ea typeface="CMU Sans Serif" panose="02000603000000000000" pitchFamily="2" charset="0"/>
+                    <a:cs typeface="CMU Sans Serif" panose="02000603000000000000" pitchFamily="2" charset="0"/>
+                  </a:endParaRPr>
+                </a:p>
+              </p:txBody>
+            </p:sp>
+          </mc:Choice>
+          <mc:Fallback>
+            <p:sp>
+              <p:nvSpPr>
+                <p:cNvPr id="46" name="TextBox 45">
+                  <a:extLst>
+                    <a:ext uri="{FF2B5EF4-FFF2-40B4-BE49-F238E27FC236}">
+                      <a16:creationId xmlns:a16="http://schemas.microsoft.com/office/drawing/2014/main" id="{45032233-D8DF-8E17-C3FA-8251B7839B4B}"/>
+                    </a:ext>
+                  </a:extLst>
+                </p:cNvPr>
+                <p:cNvSpPr txBox="1">
+                  <a:spLocks noRot="1" noChangeAspect="1" noMove="1" noResize="1" noEditPoints="1" noAdjustHandles="1" noChangeArrowheads="1" noChangeShapeType="1" noTextEdit="1"/>
+                </p:cNvSpPr>
+                <p:nvPr/>
+              </p:nvSpPr>
+              <p:spPr>
+                <a:xfrm>
+                  <a:off x="7657724" y="5262338"/>
+                  <a:ext cx="1983235" cy="276999"/>
+                </a:xfrm>
+                <a:prstGeom prst="rect">
+                  <a:avLst/>
+                </a:prstGeom>
+                <a:blipFill>
+                  <a:blip r:embed="rId7"/>
+                  <a:stretch>
+                    <a:fillRect b="-15217"/>
+                  </a:stretch>
+                </a:blipFill>
+              </p:spPr>
+              <p:txBody>
+                <a:bodyPr/>
+                <a:lstStyle/>
+                <a:p>
+                  <a:r>
+                    <a:rPr lang="en-ID">
+                      <a:noFill/>
+                    </a:rPr>
+                    <a:t> </a:t>
+                  </a:r>
+                </a:p>
+              </p:txBody>
+            </p:sp>
+          </mc:Fallback>
+        </mc:AlternateContent>
         <p:sp>
           <p:nvSpPr>
-            <p:cNvPr id="27" name="TextBox 26">
+            <p:cNvPr id="47" name="TextBox 46">
               <a:extLst>
                 <a:ext uri="{FF2B5EF4-FFF2-40B4-BE49-F238E27FC236}">
-                  <a16:creationId xmlns:a16="http://schemas.microsoft.com/office/drawing/2014/main" id="{D2392462-F712-F2A4-FC3B-FF956B864074}"/>
+                  <a16:creationId xmlns:a16="http://schemas.microsoft.com/office/drawing/2014/main" id="{58F4FB89-1584-91A4-FA66-F1BE08E5E4DD}"/>
                 </a:ext>
               </a:extLst>
             </p:cNvPr>
@@ -4013,37 +4605,45 @@
           </p:nvSpPr>
           <p:spPr>
             <a:xfrm>
-              <a:off x="4044527" y="1012428"/>
-              <a:ext cx="1759796" cy="369332"/>
+              <a:off x="2369438" y="5447758"/>
+              <a:ext cx="2023311" cy="276999"/>
             </a:xfrm>
             <a:prstGeom prst="rect">
               <a:avLst/>
             </a:prstGeom>
-            <a:solidFill>
-              <a:schemeClr val="bg1"/>
-            </a:solidFill>
-            <a:ln>
-              <a:solidFill>
-                <a:schemeClr val="tx1"/>
-              </a:solidFill>
-            </a:ln>
+            <a:noFill/>
           </p:spPr>
           <p:txBody>
-            <a:bodyPr wrap="square" rtlCol="0">
+            <a:bodyPr wrap="none" rtlCol="0">
               <a:spAutoFit/>
             </a:bodyPr>
             <a:lstStyle/>
             <a:p>
-              <a:pPr algn="ctr"/>
               <a:r>
-                <a:rPr lang="en-US" dirty="0">
+                <a:rPr lang="en-US" sz="1200" dirty="0">
                   <a:latin typeface="CMU Sans Serif" panose="02000603000000000000" pitchFamily="2" charset="0"/>
                   <a:ea typeface="CMU Sans Serif" panose="02000603000000000000" pitchFamily="2" charset="0"/>
                   <a:cs typeface="CMU Sans Serif" panose="02000603000000000000" pitchFamily="2" charset="0"/>
                 </a:rPr>
-                <a:t>Translation axes</a:t>
+                <a:t>(</a:t>
               </a:r>
-              <a:endParaRPr lang="en-ID" dirty="0">
+              <a:r>
+                <a:rPr lang="en-US" sz="1200" dirty="0" err="1">
+                  <a:latin typeface="CMU Sans Serif" panose="02000603000000000000" pitchFamily="2" charset="0"/>
+                  <a:ea typeface="CMU Sans Serif" panose="02000603000000000000" pitchFamily="2" charset="0"/>
+                  <a:cs typeface="CMU Sans Serif" panose="02000603000000000000" pitchFamily="2" charset="0"/>
+                </a:rPr>
+                <a:t>i</a:t>
+              </a:r>
+              <a:r>
+                <a:rPr lang="en-US" sz="1200" dirty="0">
+                  <a:latin typeface="CMU Sans Serif" panose="02000603000000000000" pitchFamily="2" charset="0"/>
+                  <a:ea typeface="CMU Sans Serif" panose="02000603000000000000" pitchFamily="2" charset="0"/>
+                  <a:cs typeface="CMU Sans Serif" panose="02000603000000000000" pitchFamily="2" charset="0"/>
+                </a:rPr>
+                <a:t>) Anatomy of a solar wafer</a:t>
+              </a:r>
+              <a:endParaRPr lang="en-ID" sz="1200" dirty="0">
                 <a:latin typeface="CMU Sans Serif" panose="02000603000000000000" pitchFamily="2" charset="0"/>
                 <a:ea typeface="CMU Sans Serif" panose="02000603000000000000" pitchFamily="2" charset="0"/>
                 <a:cs typeface="CMU Sans Serif" panose="02000603000000000000" pitchFamily="2" charset="0"/>
@@ -4051,96 +4651,6 @@
             </a:p>
           </p:txBody>
         </p:sp>
-        <p:cxnSp>
-          <p:nvCxnSpPr>
-            <p:cNvPr id="28" name="Straight Arrow Connector 27">
-              <a:extLst>
-                <a:ext uri="{FF2B5EF4-FFF2-40B4-BE49-F238E27FC236}">
-                  <a16:creationId xmlns:a16="http://schemas.microsoft.com/office/drawing/2014/main" id="{41EB7BE5-C461-F11D-5801-A7D7195999E0}"/>
-                </a:ext>
-              </a:extLst>
-            </p:cNvPr>
-            <p:cNvCxnSpPr>
-              <a:cxnSpLocks/>
-              <a:stCxn id="27" idx="2"/>
-            </p:cNvCxnSpPr>
-            <p:nvPr/>
-          </p:nvCxnSpPr>
-          <p:spPr>
-            <a:xfrm flipH="1">
-              <a:off x="3543300" y="1381760"/>
-              <a:ext cx="1381125" cy="858307"/>
-            </a:xfrm>
-            <a:prstGeom prst="straightConnector1">
-              <a:avLst/>
-            </a:prstGeom>
-            <a:ln w="12700">
-              <a:solidFill>
-                <a:srgbClr val="FF0000"/>
-              </a:solidFill>
-              <a:tailEnd type="triangle"/>
-            </a:ln>
-          </p:spPr>
-          <p:style>
-            <a:lnRef idx="1">
-              <a:schemeClr val="accent1"/>
-            </a:lnRef>
-            <a:fillRef idx="0">
-              <a:schemeClr val="accent1"/>
-            </a:fillRef>
-            <a:effectRef idx="0">
-              <a:schemeClr val="accent1"/>
-            </a:effectRef>
-            <a:fontRef idx="minor">
-              <a:schemeClr val="tx1"/>
-            </a:fontRef>
-          </p:style>
-        </p:cxnSp>
-        <p:cxnSp>
-          <p:nvCxnSpPr>
-            <p:cNvPr id="31" name="Straight Arrow Connector 30">
-              <a:extLst>
-                <a:ext uri="{FF2B5EF4-FFF2-40B4-BE49-F238E27FC236}">
-                  <a16:creationId xmlns:a16="http://schemas.microsoft.com/office/drawing/2014/main" id="{E1804593-9C5F-2420-88B4-79E99DA18AB6}"/>
-                </a:ext>
-              </a:extLst>
-            </p:cNvPr>
-            <p:cNvCxnSpPr>
-              <a:cxnSpLocks/>
-              <a:stCxn id="27" idx="2"/>
-            </p:cNvCxnSpPr>
-            <p:nvPr/>
-          </p:nvCxnSpPr>
-          <p:spPr>
-            <a:xfrm flipH="1">
-              <a:off x="4352714" y="1381760"/>
-              <a:ext cx="571711" cy="1671320"/>
-            </a:xfrm>
-            <a:prstGeom prst="straightConnector1">
-              <a:avLst/>
-            </a:prstGeom>
-            <a:ln w="12700">
-              <a:solidFill>
-                <a:srgbClr val="FF0000"/>
-              </a:solidFill>
-              <a:tailEnd type="triangle"/>
-            </a:ln>
-          </p:spPr>
-          <p:style>
-            <a:lnRef idx="1">
-              <a:schemeClr val="accent1"/>
-            </a:lnRef>
-            <a:fillRef idx="0">
-              <a:schemeClr val="accent1"/>
-            </a:fillRef>
-            <a:effectRef idx="0">
-              <a:schemeClr val="accent1"/>
-            </a:effectRef>
-            <a:fontRef idx="minor">
-              <a:schemeClr val="tx1"/>
-            </a:fontRef>
-          </p:style>
-        </p:cxnSp>
       </p:grpSp>
     </p:spTree>
     <p:extLst>

--- a/docs/figures.pptx
+++ b/docs/figures.pptx
@@ -18,6 +18,7 @@
     <p:sldId id="266" r:id="rId12"/>
     <p:sldId id="267" r:id="rId13"/>
     <p:sldId id="268" r:id="rId14"/>
+    <p:sldId id="269" r:id="rId15"/>
   </p:sldIdLst>
   <p:sldSz cx="12192000" cy="6858000"/>
   <p:notesSz cx="6858000" cy="9144000"/>
@@ -154,6 +155,7 @@
         <p14:section name="Classification Models" id="{3B399C14-FCA2-4AC8-AEC6-78E8BEDBFFE3}">
           <p14:sldIdLst>
             <p14:sldId id="268"/>
+            <p14:sldId id="269"/>
           </p14:sldIdLst>
         </p14:section>
       </p14:sectionLst>
@@ -314,7 +316,7 @@
           <a:p>
             <a:fld id="{6AAB0AAF-5399-46E1-8AF4-4357C98086F5}" type="datetimeFigureOut">
               <a:rPr lang="en-ID" smtClean="0"/>
-              <a:t>02/10/2022</a:t>
+              <a:t>03/10/2022</a:t>
             </a:fld>
             <a:endParaRPr lang="en-ID"/>
           </a:p>
@@ -514,7 +516,7 @@
           <a:p>
             <a:fld id="{6AAB0AAF-5399-46E1-8AF4-4357C98086F5}" type="datetimeFigureOut">
               <a:rPr lang="en-ID" smtClean="0"/>
-              <a:t>02/10/2022</a:t>
+              <a:t>03/10/2022</a:t>
             </a:fld>
             <a:endParaRPr lang="en-ID"/>
           </a:p>
@@ -724,7 +726,7 @@
           <a:p>
             <a:fld id="{6AAB0AAF-5399-46E1-8AF4-4357C98086F5}" type="datetimeFigureOut">
               <a:rPr lang="en-ID" smtClean="0"/>
-              <a:t>02/10/2022</a:t>
+              <a:t>03/10/2022</a:t>
             </a:fld>
             <a:endParaRPr lang="en-ID"/>
           </a:p>
@@ -924,7 +926,7 @@
           <a:p>
             <a:fld id="{6AAB0AAF-5399-46E1-8AF4-4357C98086F5}" type="datetimeFigureOut">
               <a:rPr lang="en-ID" smtClean="0"/>
-              <a:t>02/10/2022</a:t>
+              <a:t>03/10/2022</a:t>
             </a:fld>
             <a:endParaRPr lang="en-ID"/>
           </a:p>
@@ -1200,7 +1202,7 @@
           <a:p>
             <a:fld id="{6AAB0AAF-5399-46E1-8AF4-4357C98086F5}" type="datetimeFigureOut">
               <a:rPr lang="en-ID" smtClean="0"/>
-              <a:t>02/10/2022</a:t>
+              <a:t>03/10/2022</a:t>
             </a:fld>
             <a:endParaRPr lang="en-ID"/>
           </a:p>
@@ -1468,7 +1470,7 @@
           <a:p>
             <a:fld id="{6AAB0AAF-5399-46E1-8AF4-4357C98086F5}" type="datetimeFigureOut">
               <a:rPr lang="en-ID" smtClean="0"/>
-              <a:t>02/10/2022</a:t>
+              <a:t>03/10/2022</a:t>
             </a:fld>
             <a:endParaRPr lang="en-ID"/>
           </a:p>
@@ -1883,7 +1885,7 @@
           <a:p>
             <a:fld id="{6AAB0AAF-5399-46E1-8AF4-4357C98086F5}" type="datetimeFigureOut">
               <a:rPr lang="en-ID" smtClean="0"/>
-              <a:t>02/10/2022</a:t>
+              <a:t>03/10/2022</a:t>
             </a:fld>
             <a:endParaRPr lang="en-ID"/>
           </a:p>
@@ -2025,7 +2027,7 @@
           <a:p>
             <a:fld id="{6AAB0AAF-5399-46E1-8AF4-4357C98086F5}" type="datetimeFigureOut">
               <a:rPr lang="en-ID" smtClean="0"/>
-              <a:t>02/10/2022</a:t>
+              <a:t>03/10/2022</a:t>
             </a:fld>
             <a:endParaRPr lang="en-ID"/>
           </a:p>
@@ -2138,7 +2140,7 @@
           <a:p>
             <a:fld id="{6AAB0AAF-5399-46E1-8AF4-4357C98086F5}" type="datetimeFigureOut">
               <a:rPr lang="en-ID" smtClean="0"/>
-              <a:t>02/10/2022</a:t>
+              <a:t>03/10/2022</a:t>
             </a:fld>
             <a:endParaRPr lang="en-ID"/>
           </a:p>
@@ -2451,7 +2453,7 @@
           <a:p>
             <a:fld id="{6AAB0AAF-5399-46E1-8AF4-4357C98086F5}" type="datetimeFigureOut">
               <a:rPr lang="en-ID" smtClean="0"/>
-              <a:t>02/10/2022</a:t>
+              <a:t>03/10/2022</a:t>
             </a:fld>
             <a:endParaRPr lang="en-ID"/>
           </a:p>
@@ -2740,7 +2742,7 @@
           <a:p>
             <a:fld id="{6AAB0AAF-5399-46E1-8AF4-4357C98086F5}" type="datetimeFigureOut">
               <a:rPr lang="en-ID" smtClean="0"/>
-              <a:t>02/10/2022</a:t>
+              <a:t>03/10/2022</a:t>
             </a:fld>
             <a:endParaRPr lang="en-ID"/>
           </a:p>
@@ -2983,7 +2985,7 @@
           <a:p>
             <a:fld id="{6AAB0AAF-5399-46E1-8AF4-4357C98086F5}" type="datetimeFigureOut">
               <a:rPr lang="en-ID" smtClean="0"/>
-              <a:t>02/10/2022</a:t>
+              <a:t>03/10/2022</a:t>
             </a:fld>
             <a:endParaRPr lang="en-ID"/>
           </a:p>
@@ -4487,8 +4489,8 @@
             </a:prstGeom>
           </p:spPr>
         </p:pic>
-        <mc:AlternateContent xmlns:mc="http://schemas.openxmlformats.org/markup-compatibility/2006">
-          <mc:Choice xmlns:a14="http://schemas.microsoft.com/office/drawing/2010/main" Requires="a14">
+        <mc:AlternateContent xmlns:mc="http://schemas.openxmlformats.org/markup-compatibility/2006" xmlns:a14="http://schemas.microsoft.com/office/drawing/2010/main">
+          <mc:Choice Requires="a14">
             <p:sp>
               <p:nvSpPr>
                 <p:cNvPr id="46" name="TextBox 45">
@@ -4546,7 +4548,7 @@
               </p:txBody>
             </p:sp>
           </mc:Choice>
-          <mc:Fallback>
+          <mc:Fallback xmlns="">
             <p:sp>
               <p:nvSpPr>
                 <p:cNvPr id="46" name="TextBox 45">
@@ -4656,6 +4658,523 @@
     <p:extLst>
       <p:ext uri="{BB962C8B-B14F-4D97-AF65-F5344CB8AC3E}">
         <p14:creationId xmlns:p14="http://schemas.microsoft.com/office/powerpoint/2010/main" val="1713554960"/>
+      </p:ext>
+    </p:extLst>
+  </p:cSld>
+  <p:clrMapOvr>
+    <a:masterClrMapping/>
+  </p:clrMapOvr>
+</p:sld>
+</file>
+
+<file path=ppt/slides/slide14.xml><?xml version="1.0" encoding="utf-8"?>
+<p:sld xmlns:a="http://schemas.openxmlformats.org/drawingml/2006/main" xmlns:r="http://schemas.openxmlformats.org/officeDocument/2006/relationships" xmlns:p="http://schemas.openxmlformats.org/presentationml/2006/main">
+  <p:cSld>
+    <p:spTree>
+      <p:nvGrpSpPr>
+        <p:cNvPr id="1" name=""/>
+        <p:cNvGrpSpPr/>
+        <p:nvPr/>
+      </p:nvGrpSpPr>
+      <p:grpSpPr>
+        <a:xfrm>
+          <a:off x="0" y="0"/>
+          <a:ext cx="0" cy="0"/>
+          <a:chOff x="0" y="0"/>
+          <a:chExt cx="0" cy="0"/>
+        </a:xfrm>
+      </p:grpSpPr>
+      <p:pic>
+        <p:nvPicPr>
+          <p:cNvPr id="20" name="Picture 19">
+            <a:extLst>
+              <a:ext uri="{FF2B5EF4-FFF2-40B4-BE49-F238E27FC236}">
+                <a16:creationId xmlns:a16="http://schemas.microsoft.com/office/drawing/2014/main" id="{6A0332B3-E505-422E-5B66-E343C0E13420}"/>
+              </a:ext>
+            </a:extLst>
+          </p:cNvPr>
+          <p:cNvPicPr>
+            <a:picLocks noChangeAspect="1"/>
+          </p:cNvPicPr>
+          <p:nvPr/>
+        </p:nvPicPr>
+        <p:blipFill>
+          <a:blip r:embed="rId2"/>
+          <a:stretch>
+            <a:fillRect/>
+          </a:stretch>
+        </p:blipFill>
+        <p:spPr>
+          <a:xfrm>
+            <a:off x="919162" y="1852612"/>
+            <a:ext cx="10353675" cy="3152775"/>
+          </a:xfrm>
+          <a:prstGeom prst="rect">
+            <a:avLst/>
+          </a:prstGeom>
+        </p:spPr>
+      </p:pic>
+      <p:cxnSp>
+        <p:nvCxnSpPr>
+          <p:cNvPr id="7" name="Straight Connector 6">
+            <a:extLst>
+              <a:ext uri="{FF2B5EF4-FFF2-40B4-BE49-F238E27FC236}">
+                <a16:creationId xmlns:a16="http://schemas.microsoft.com/office/drawing/2014/main" id="{2EE14DE1-F71A-96B8-0900-2052D4D28A8E}"/>
+              </a:ext>
+            </a:extLst>
+          </p:cNvPr>
+          <p:cNvCxnSpPr>
+            <a:cxnSpLocks/>
+          </p:cNvCxnSpPr>
+          <p:nvPr/>
+        </p:nvCxnSpPr>
+        <p:spPr>
+          <a:xfrm flipV="1">
+            <a:off x="2171700" y="3543300"/>
+            <a:ext cx="1706880" cy="895350"/>
+          </a:xfrm>
+          <a:prstGeom prst="line">
+            <a:avLst/>
+          </a:prstGeom>
+          <a:ln w="12700">
+            <a:solidFill>
+              <a:schemeClr val="tx1"/>
+            </a:solidFill>
+            <a:prstDash val="dashDot"/>
+          </a:ln>
+        </p:spPr>
+        <p:style>
+          <a:lnRef idx="1">
+            <a:schemeClr val="accent1"/>
+          </a:lnRef>
+          <a:fillRef idx="0">
+            <a:schemeClr val="accent1"/>
+          </a:fillRef>
+          <a:effectRef idx="0">
+            <a:schemeClr val="accent1"/>
+          </a:effectRef>
+          <a:fontRef idx="minor">
+            <a:schemeClr val="tx1"/>
+          </a:fontRef>
+        </p:style>
+      </p:cxnSp>
+      <p:cxnSp>
+        <p:nvCxnSpPr>
+          <p:cNvPr id="10" name="Straight Connector 9">
+            <a:extLst>
+              <a:ext uri="{FF2B5EF4-FFF2-40B4-BE49-F238E27FC236}">
+                <a16:creationId xmlns:a16="http://schemas.microsoft.com/office/drawing/2014/main" id="{C29713FD-9FEE-ED5D-D901-175CD7A40200}"/>
+              </a:ext>
+            </a:extLst>
+          </p:cNvPr>
+          <p:cNvCxnSpPr>
+            <a:cxnSpLocks/>
+          </p:cNvCxnSpPr>
+          <p:nvPr/>
+        </p:nvCxnSpPr>
+        <p:spPr>
+          <a:xfrm flipV="1">
+            <a:off x="3587750" y="3523402"/>
+            <a:ext cx="290830" cy="915248"/>
+          </a:xfrm>
+          <a:prstGeom prst="line">
+            <a:avLst/>
+          </a:prstGeom>
+          <a:ln w="12700">
+            <a:solidFill>
+              <a:schemeClr val="tx1"/>
+            </a:solidFill>
+            <a:prstDash val="dashDot"/>
+          </a:ln>
+        </p:spPr>
+        <p:style>
+          <a:lnRef idx="1">
+            <a:schemeClr val="accent1"/>
+          </a:lnRef>
+          <a:fillRef idx="0">
+            <a:schemeClr val="accent1"/>
+          </a:fillRef>
+          <a:effectRef idx="0">
+            <a:schemeClr val="accent1"/>
+          </a:effectRef>
+          <a:fontRef idx="minor">
+            <a:schemeClr val="tx1"/>
+          </a:fontRef>
+        </p:style>
+      </p:cxnSp>
+      <mc:AlternateContent xmlns:mc="http://schemas.openxmlformats.org/markup-compatibility/2006">
+        <mc:Choice xmlns:a14="http://schemas.microsoft.com/office/drawing/2010/main" Requires="a14">
+          <p:sp>
+            <p:nvSpPr>
+              <p:cNvPr id="11" name="TextBox 10">
+                <a:extLst>
+                  <a:ext uri="{FF2B5EF4-FFF2-40B4-BE49-F238E27FC236}">
+                    <a16:creationId xmlns:a16="http://schemas.microsoft.com/office/drawing/2014/main" id="{F142B1EE-E645-FBE6-A237-A02FEEF6AF82}"/>
+                  </a:ext>
+                </a:extLst>
+              </p:cNvPr>
+              <p:cNvSpPr txBox="1"/>
+              <p:nvPr/>
+            </p:nvSpPr>
+            <p:spPr>
+              <a:xfrm>
+                <a:off x="3670034" y="4398853"/>
+                <a:ext cx="4394466" cy="648447"/>
+              </a:xfrm>
+              <a:prstGeom prst="rect">
+                <a:avLst/>
+              </a:prstGeom>
+              <a:noFill/>
+            </p:spPr>
+            <p:txBody>
+              <a:bodyPr wrap="square" rtlCol="0">
+                <a:spAutoFit/>
+              </a:bodyPr>
+              <a:lstStyle/>
+              <a:p>
+                <a:pPr marL="171450" indent="-171450">
+                  <a:buFont typeface="Arial" panose="020B0604020202020204" pitchFamily="34" charset="0"/>
+                  <a:buChar char="•"/>
+                </a:pPr>
+                <a:r>
+                  <a:rPr lang="en-US" sz="1200" dirty="0">
+                    <a:latin typeface="CMU Sans Serif" panose="02000603000000000000" pitchFamily="2" charset="0"/>
+                    <a:ea typeface="CMU Sans Serif" panose="02000603000000000000" pitchFamily="2" charset="0"/>
+                    <a:cs typeface="CMU Sans Serif" panose="02000603000000000000" pitchFamily="2" charset="0"/>
+                  </a:rPr>
+                  <a:t>Number of epochs: 200</a:t>
+                </a:r>
+              </a:p>
+              <a:p>
+                <a:pPr marL="171450" indent="-171450">
+                  <a:buFont typeface="Arial" panose="020B0604020202020204" pitchFamily="34" charset="0"/>
+                  <a:buChar char="•"/>
+                </a:pPr>
+                <a:r>
+                  <a:rPr lang="en-US" sz="1200" dirty="0">
+                    <a:latin typeface="CMU Sans Serif" panose="02000603000000000000" pitchFamily="2" charset="0"/>
+                    <a:ea typeface="CMU Sans Serif" panose="02000603000000000000" pitchFamily="2" charset="0"/>
+                    <a:cs typeface="CMU Sans Serif" panose="02000603000000000000" pitchFamily="2" charset="0"/>
+                  </a:rPr>
+                  <a:t>Batch size: 4</a:t>
+                </a:r>
+              </a:p>
+              <a:p>
+                <a:pPr marL="171450" indent="-171450">
+                  <a:buFont typeface="Arial" panose="020B0604020202020204" pitchFamily="34" charset="0"/>
+                  <a:buChar char="•"/>
+                </a:pPr>
+                <a:r>
+                  <a:rPr lang="en-US" sz="1200" dirty="0">
+                    <a:latin typeface="CMU Sans Serif" panose="02000603000000000000" pitchFamily="2" charset="0"/>
+                    <a:ea typeface="CMU Sans Serif" panose="02000603000000000000" pitchFamily="2" charset="0"/>
+                    <a:cs typeface="CMU Sans Serif" panose="02000603000000000000" pitchFamily="2" charset="0"/>
+                  </a:rPr>
+                  <a:t>Optimizer: Adam(</a:t>
+                </a:r>
+                <a14:m>
+                  <m:oMath xmlns:m="http://schemas.openxmlformats.org/officeDocument/2006/math">
+                    <m:r>
+                      <a:rPr lang="en-US" sz="1200" b="0" i="1" smtClean="0">
+                        <a:latin typeface="Cambria Math" panose="02040503050406030204" pitchFamily="18" charset="0"/>
+                        <a:ea typeface="CMU Sans Serif" panose="02000603000000000000" pitchFamily="2" charset="0"/>
+                        <a:cs typeface="CMU Sans Serif" panose="02000603000000000000" pitchFamily="2" charset="0"/>
+                      </a:rPr>
+                      <m:t>𝜂</m:t>
+                    </m:r>
+                    <m:r>
+                      <a:rPr lang="en-US" sz="1200" b="0" i="1" smtClean="0">
+                        <a:latin typeface="Cambria Math" panose="02040503050406030204" pitchFamily="18" charset="0"/>
+                        <a:ea typeface="CMU Sans Serif" panose="02000603000000000000" pitchFamily="2" charset="0"/>
+                        <a:cs typeface="CMU Sans Serif" panose="02000603000000000000" pitchFamily="2" charset="0"/>
+                      </a:rPr>
+                      <m:t>=</m:t>
+                    </m:r>
+                    <m:sSup>
+                      <m:sSupPr>
+                        <m:ctrlPr>
+                          <a:rPr lang="en-US" sz="1200" b="0" i="1" smtClean="0">
+                            <a:latin typeface="Cambria Math" panose="02040503050406030204" pitchFamily="18" charset="0"/>
+                            <a:ea typeface="CMU Sans Serif" panose="02000603000000000000" pitchFamily="2" charset="0"/>
+                            <a:cs typeface="CMU Sans Serif" panose="02000603000000000000" pitchFamily="2" charset="0"/>
+                          </a:rPr>
+                        </m:ctrlPr>
+                      </m:sSupPr>
+                      <m:e>
+                        <m:r>
+                          <a:rPr lang="en-US" sz="1200" b="0" i="1" smtClean="0">
+                            <a:latin typeface="Cambria Math" panose="02040503050406030204" pitchFamily="18" charset="0"/>
+                            <a:ea typeface="CMU Sans Serif" panose="02000603000000000000" pitchFamily="2" charset="0"/>
+                            <a:cs typeface="CMU Sans Serif" panose="02000603000000000000" pitchFamily="2" charset="0"/>
+                          </a:rPr>
+                          <m:t>10</m:t>
+                        </m:r>
+                      </m:e>
+                      <m:sup>
+                        <m:r>
+                          <a:rPr lang="en-US" sz="1200" b="0" i="1" smtClean="0">
+                            <a:latin typeface="Cambria Math" panose="02040503050406030204" pitchFamily="18" charset="0"/>
+                            <a:ea typeface="CMU Sans Serif" panose="02000603000000000000" pitchFamily="2" charset="0"/>
+                            <a:cs typeface="CMU Sans Serif" panose="02000603000000000000" pitchFamily="2" charset="0"/>
+                          </a:rPr>
+                          <m:t>−5</m:t>
+                        </m:r>
+                      </m:sup>
+                    </m:sSup>
+                    <m:r>
+                      <a:rPr lang="en-US" sz="1200" b="0" i="1" smtClean="0">
+                        <a:latin typeface="Cambria Math" panose="02040503050406030204" pitchFamily="18" charset="0"/>
+                        <a:ea typeface="CMU Sans Serif" panose="02000603000000000000" pitchFamily="2" charset="0"/>
+                        <a:cs typeface="CMU Sans Serif" panose="02000603000000000000" pitchFamily="2" charset="0"/>
+                      </a:rPr>
+                      <m:t>,</m:t>
+                    </m:r>
+                    <m:sSub>
+                      <m:sSubPr>
+                        <m:ctrlPr>
+                          <a:rPr lang="en-US" sz="1200" b="0" i="1" smtClean="0">
+                            <a:latin typeface="Cambria Math" panose="02040503050406030204" pitchFamily="18" charset="0"/>
+                            <a:ea typeface="CMU Sans Serif" panose="02000603000000000000" pitchFamily="2" charset="0"/>
+                            <a:cs typeface="CMU Sans Serif" panose="02000603000000000000" pitchFamily="2" charset="0"/>
+                          </a:rPr>
+                        </m:ctrlPr>
+                      </m:sSubPr>
+                      <m:e>
+                        <m:r>
+                          <a:rPr lang="en-US" sz="1200" b="0" i="1" smtClean="0">
+                            <a:latin typeface="Cambria Math" panose="02040503050406030204" pitchFamily="18" charset="0"/>
+                            <a:ea typeface="CMU Sans Serif" panose="02000603000000000000" pitchFamily="2" charset="0"/>
+                            <a:cs typeface="CMU Sans Serif" panose="02000603000000000000" pitchFamily="2" charset="0"/>
+                          </a:rPr>
+                          <m:t>𝛽</m:t>
+                        </m:r>
+                      </m:e>
+                      <m:sub>
+                        <m:r>
+                          <a:rPr lang="en-US" sz="1200" b="0" i="1" smtClean="0">
+                            <a:latin typeface="Cambria Math" panose="02040503050406030204" pitchFamily="18" charset="0"/>
+                            <a:ea typeface="CMU Sans Serif" panose="02000603000000000000" pitchFamily="2" charset="0"/>
+                            <a:cs typeface="CMU Sans Serif" panose="02000603000000000000" pitchFamily="2" charset="0"/>
+                          </a:rPr>
+                          <m:t>1</m:t>
+                        </m:r>
+                      </m:sub>
+                    </m:sSub>
+                    <m:r>
+                      <a:rPr lang="en-US" sz="1200" b="0" i="1" smtClean="0">
+                        <a:latin typeface="Cambria Math" panose="02040503050406030204" pitchFamily="18" charset="0"/>
+                        <a:ea typeface="CMU Sans Serif" panose="02000603000000000000" pitchFamily="2" charset="0"/>
+                        <a:cs typeface="CMU Sans Serif" panose="02000603000000000000" pitchFamily="2" charset="0"/>
+                      </a:rPr>
+                      <m:t>=0.9,</m:t>
+                    </m:r>
+                    <m:sSub>
+                      <m:sSubPr>
+                        <m:ctrlPr>
+                          <a:rPr lang="en-US" sz="1200" b="0" i="1" smtClean="0">
+                            <a:latin typeface="Cambria Math" panose="02040503050406030204" pitchFamily="18" charset="0"/>
+                            <a:ea typeface="CMU Sans Serif" panose="02000603000000000000" pitchFamily="2" charset="0"/>
+                            <a:cs typeface="CMU Sans Serif" panose="02000603000000000000" pitchFamily="2" charset="0"/>
+                          </a:rPr>
+                        </m:ctrlPr>
+                      </m:sSubPr>
+                      <m:e>
+                        <m:r>
+                          <a:rPr lang="en-US" sz="1200" b="0" i="1" smtClean="0">
+                            <a:latin typeface="Cambria Math" panose="02040503050406030204" pitchFamily="18" charset="0"/>
+                            <a:ea typeface="CMU Sans Serif" panose="02000603000000000000" pitchFamily="2" charset="0"/>
+                            <a:cs typeface="CMU Sans Serif" panose="02000603000000000000" pitchFamily="2" charset="0"/>
+                          </a:rPr>
+                          <m:t>𝛽</m:t>
+                        </m:r>
+                      </m:e>
+                      <m:sub>
+                        <m:r>
+                          <a:rPr lang="en-US" sz="1200" b="0" i="1" smtClean="0">
+                            <a:latin typeface="Cambria Math" panose="02040503050406030204" pitchFamily="18" charset="0"/>
+                            <a:ea typeface="CMU Sans Serif" panose="02000603000000000000" pitchFamily="2" charset="0"/>
+                            <a:cs typeface="CMU Sans Serif" panose="02000603000000000000" pitchFamily="2" charset="0"/>
+                          </a:rPr>
+                          <m:t>2</m:t>
+                        </m:r>
+                      </m:sub>
+                    </m:sSub>
+                    <m:r>
+                      <a:rPr lang="en-US" sz="1200" b="0" i="1" smtClean="0">
+                        <a:latin typeface="Cambria Math" panose="02040503050406030204" pitchFamily="18" charset="0"/>
+                        <a:ea typeface="CMU Sans Serif" panose="02000603000000000000" pitchFamily="2" charset="0"/>
+                        <a:cs typeface="CMU Sans Serif" panose="02000603000000000000" pitchFamily="2" charset="0"/>
+                      </a:rPr>
+                      <m:t>=0.999, </m:t>
+                    </m:r>
+                    <m:r>
+                      <a:rPr lang="en-US" sz="1200" b="0" i="1" smtClean="0">
+                        <a:latin typeface="Cambria Math" panose="02040503050406030204" pitchFamily="18" charset="0"/>
+                        <a:ea typeface="CMU Sans Serif" panose="02000603000000000000" pitchFamily="2" charset="0"/>
+                        <a:cs typeface="CMU Sans Serif" panose="02000603000000000000" pitchFamily="2" charset="0"/>
+                      </a:rPr>
+                      <m:t>𝜖</m:t>
+                    </m:r>
+                    <m:r>
+                      <a:rPr lang="en-US" sz="1200" b="0" i="1" smtClean="0">
+                        <a:latin typeface="Cambria Math" panose="02040503050406030204" pitchFamily="18" charset="0"/>
+                        <a:ea typeface="CMU Sans Serif" panose="02000603000000000000" pitchFamily="2" charset="0"/>
+                        <a:cs typeface="CMU Sans Serif" panose="02000603000000000000" pitchFamily="2" charset="0"/>
+                      </a:rPr>
+                      <m:t>=</m:t>
+                    </m:r>
+                    <m:sSup>
+                      <m:sSupPr>
+                        <m:ctrlPr>
+                          <a:rPr lang="en-US" sz="1200" b="0" i="1" smtClean="0">
+                            <a:latin typeface="Cambria Math" panose="02040503050406030204" pitchFamily="18" charset="0"/>
+                            <a:ea typeface="CMU Sans Serif" panose="02000603000000000000" pitchFamily="2" charset="0"/>
+                            <a:cs typeface="CMU Sans Serif" panose="02000603000000000000" pitchFamily="2" charset="0"/>
+                          </a:rPr>
+                        </m:ctrlPr>
+                      </m:sSupPr>
+                      <m:e>
+                        <m:r>
+                          <a:rPr lang="en-US" sz="1200" b="0" i="1" smtClean="0">
+                            <a:latin typeface="Cambria Math" panose="02040503050406030204" pitchFamily="18" charset="0"/>
+                            <a:ea typeface="CMU Sans Serif" panose="02000603000000000000" pitchFamily="2" charset="0"/>
+                            <a:cs typeface="CMU Sans Serif" panose="02000603000000000000" pitchFamily="2" charset="0"/>
+                          </a:rPr>
+                          <m:t>10</m:t>
+                        </m:r>
+                      </m:e>
+                      <m:sup>
+                        <m:r>
+                          <a:rPr lang="en-US" sz="1200" b="0" i="1" smtClean="0">
+                            <a:latin typeface="Cambria Math" panose="02040503050406030204" pitchFamily="18" charset="0"/>
+                            <a:ea typeface="CMU Sans Serif" panose="02000603000000000000" pitchFamily="2" charset="0"/>
+                            <a:cs typeface="CMU Sans Serif" panose="02000603000000000000" pitchFamily="2" charset="0"/>
+                          </a:rPr>
+                          <m:t>−9</m:t>
+                        </m:r>
+                      </m:sup>
+                    </m:sSup>
+                  </m:oMath>
+                </a14:m>
+                <a:r>
+                  <a:rPr lang="en-US" sz="1200" dirty="0">
+                    <a:latin typeface="CMU Sans Serif" panose="02000603000000000000" pitchFamily="2" charset="0"/>
+                    <a:ea typeface="CMU Sans Serif" panose="02000603000000000000" pitchFamily="2" charset="0"/>
+                    <a:cs typeface="CMU Sans Serif" panose="02000603000000000000" pitchFamily="2" charset="0"/>
+                  </a:rPr>
+                  <a:t>)</a:t>
+                </a:r>
+                <a:endParaRPr lang="en-ID" sz="1200" dirty="0">
+                  <a:latin typeface="CMU Sans Serif" panose="02000603000000000000" pitchFamily="2" charset="0"/>
+                  <a:ea typeface="CMU Sans Serif" panose="02000603000000000000" pitchFamily="2" charset="0"/>
+                  <a:cs typeface="CMU Sans Serif" panose="02000603000000000000" pitchFamily="2" charset="0"/>
+                </a:endParaRPr>
+              </a:p>
+            </p:txBody>
+          </p:sp>
+        </mc:Choice>
+        <mc:Fallback>
+          <p:sp>
+            <p:nvSpPr>
+              <p:cNvPr id="11" name="TextBox 10">
+                <a:extLst>
+                  <a:ext uri="{FF2B5EF4-FFF2-40B4-BE49-F238E27FC236}">
+                    <a16:creationId xmlns:a16="http://schemas.microsoft.com/office/drawing/2014/main" id="{F142B1EE-E645-FBE6-A237-A02FEEF6AF82}"/>
+                  </a:ext>
+                </a:extLst>
+              </p:cNvPr>
+              <p:cNvSpPr txBox="1">
+                <a:spLocks noRot="1" noChangeAspect="1" noMove="1" noResize="1" noEditPoints="1" noAdjustHandles="1" noChangeArrowheads="1" noChangeShapeType="1" noTextEdit="1"/>
+              </p:cNvSpPr>
+              <p:nvPr/>
+            </p:nvSpPr>
+            <p:spPr>
+              <a:xfrm>
+                <a:off x="3670034" y="4398853"/>
+                <a:ext cx="4394466" cy="648447"/>
+              </a:xfrm>
+              <a:prstGeom prst="rect">
+                <a:avLst/>
+              </a:prstGeom>
+              <a:blipFill>
+                <a:blip r:embed="rId3"/>
+                <a:stretch>
+                  <a:fillRect t="-1887" b="-6604"/>
+                </a:stretch>
+              </a:blipFill>
+            </p:spPr>
+            <p:txBody>
+              <a:bodyPr/>
+              <a:lstStyle/>
+              <a:p>
+                <a:r>
+                  <a:rPr lang="en-ID">
+                    <a:noFill/>
+                  </a:rPr>
+                  <a:t> </a:t>
+                </a:r>
+              </a:p>
+            </p:txBody>
+          </p:sp>
+        </mc:Fallback>
+      </mc:AlternateContent>
+      <p:sp>
+        <p:nvSpPr>
+          <p:cNvPr id="13" name="Left Brace 12">
+            <a:extLst>
+              <a:ext uri="{FF2B5EF4-FFF2-40B4-BE49-F238E27FC236}">
+                <a16:creationId xmlns:a16="http://schemas.microsoft.com/office/drawing/2014/main" id="{4A831496-36EA-C3C3-7B8B-BA688A6A35B8}"/>
+              </a:ext>
+            </a:extLst>
+          </p:cNvPr>
+          <p:cNvSpPr/>
+          <p:nvPr/>
+        </p:nvSpPr>
+        <p:spPr>
+          <a:xfrm>
+            <a:off x="3670034" y="4442044"/>
+            <a:ext cx="95250" cy="566737"/>
+          </a:xfrm>
+          <a:prstGeom prst="leftBrace">
+            <a:avLst/>
+          </a:prstGeom>
+          <a:ln w="6350">
+            <a:solidFill>
+              <a:schemeClr val="tx1"/>
+            </a:solidFill>
+          </a:ln>
+        </p:spPr>
+        <p:style>
+          <a:lnRef idx="1">
+            <a:schemeClr val="accent1"/>
+          </a:lnRef>
+          <a:fillRef idx="0">
+            <a:schemeClr val="accent1"/>
+          </a:fillRef>
+          <a:effectRef idx="0">
+            <a:schemeClr val="accent1"/>
+          </a:effectRef>
+          <a:fontRef idx="minor">
+            <a:schemeClr val="tx1"/>
+          </a:fontRef>
+        </p:style>
+        <p:txBody>
+          <a:bodyPr rtlCol="0" anchor="ctr"/>
+          <a:lstStyle/>
+          <a:p>
+            <a:pPr algn="ctr"/>
+            <a:endParaRPr lang="en-ID" sz="1200">
+              <a:latin typeface="CMU Sans Serif" panose="02000603000000000000" pitchFamily="2" charset="0"/>
+              <a:ea typeface="CMU Sans Serif" panose="02000603000000000000" pitchFamily="2" charset="0"/>
+              <a:cs typeface="CMU Sans Serif" panose="02000603000000000000" pitchFamily="2" charset="0"/>
+            </a:endParaRPr>
+          </a:p>
+        </p:txBody>
+      </p:sp>
+    </p:spTree>
+    <p:extLst>
+      <p:ext uri="{BB962C8B-B14F-4D97-AF65-F5344CB8AC3E}">
+        <p14:creationId xmlns:p14="http://schemas.microsoft.com/office/powerpoint/2010/main" val="3717311711"/>
       </p:ext>
     </p:extLst>
   </p:cSld>

--- a/docs/figures.pptx
+++ b/docs/figures.pptx
@@ -13,6 +13,7 @@
     <p:sldId id="262" r:id="rId7"/>
     <p:sldId id="259" r:id="rId8"/>
     <p:sldId id="261" r:id="rId9"/>
+    <p:sldId id="264" r:id="rId10"/>
   </p:sldIdLst>
   <p:sldSz cx="12192000" cy="6858000"/>
   <p:notesSz cx="6858000" cy="9144000"/>
@@ -268,7 +269,7 @@
           <a:p>
             <a:fld id="{218D2DE5-16C4-47CD-9071-AC93F263F62D}" type="datetimeFigureOut">
               <a:rPr lang="en-ID" smtClean="0"/>
-              <a:t>08/10/2022</a:t>
+              <a:t>09/10/2022</a:t>
             </a:fld>
             <a:endParaRPr lang="en-ID"/>
           </a:p>
@@ -468,7 +469,7 @@
           <a:p>
             <a:fld id="{218D2DE5-16C4-47CD-9071-AC93F263F62D}" type="datetimeFigureOut">
               <a:rPr lang="en-ID" smtClean="0"/>
-              <a:t>08/10/2022</a:t>
+              <a:t>09/10/2022</a:t>
             </a:fld>
             <a:endParaRPr lang="en-ID"/>
           </a:p>
@@ -678,7 +679,7 @@
           <a:p>
             <a:fld id="{218D2DE5-16C4-47CD-9071-AC93F263F62D}" type="datetimeFigureOut">
               <a:rPr lang="en-ID" smtClean="0"/>
-              <a:t>08/10/2022</a:t>
+              <a:t>09/10/2022</a:t>
             </a:fld>
             <a:endParaRPr lang="en-ID"/>
           </a:p>
@@ -878,7 +879,7 @@
           <a:p>
             <a:fld id="{218D2DE5-16C4-47CD-9071-AC93F263F62D}" type="datetimeFigureOut">
               <a:rPr lang="en-ID" smtClean="0"/>
-              <a:t>08/10/2022</a:t>
+              <a:t>09/10/2022</a:t>
             </a:fld>
             <a:endParaRPr lang="en-ID"/>
           </a:p>
@@ -1154,7 +1155,7 @@
           <a:p>
             <a:fld id="{218D2DE5-16C4-47CD-9071-AC93F263F62D}" type="datetimeFigureOut">
               <a:rPr lang="en-ID" smtClean="0"/>
-              <a:t>08/10/2022</a:t>
+              <a:t>09/10/2022</a:t>
             </a:fld>
             <a:endParaRPr lang="en-ID"/>
           </a:p>
@@ -1422,7 +1423,7 @@
           <a:p>
             <a:fld id="{218D2DE5-16C4-47CD-9071-AC93F263F62D}" type="datetimeFigureOut">
               <a:rPr lang="en-ID" smtClean="0"/>
-              <a:t>08/10/2022</a:t>
+              <a:t>09/10/2022</a:t>
             </a:fld>
             <a:endParaRPr lang="en-ID"/>
           </a:p>
@@ -1837,7 +1838,7 @@
           <a:p>
             <a:fld id="{218D2DE5-16C4-47CD-9071-AC93F263F62D}" type="datetimeFigureOut">
               <a:rPr lang="en-ID" smtClean="0"/>
-              <a:t>08/10/2022</a:t>
+              <a:t>09/10/2022</a:t>
             </a:fld>
             <a:endParaRPr lang="en-ID"/>
           </a:p>
@@ -1979,7 +1980,7 @@
           <a:p>
             <a:fld id="{218D2DE5-16C4-47CD-9071-AC93F263F62D}" type="datetimeFigureOut">
               <a:rPr lang="en-ID" smtClean="0"/>
-              <a:t>08/10/2022</a:t>
+              <a:t>09/10/2022</a:t>
             </a:fld>
             <a:endParaRPr lang="en-ID"/>
           </a:p>
@@ -2092,7 +2093,7 @@
           <a:p>
             <a:fld id="{218D2DE5-16C4-47CD-9071-AC93F263F62D}" type="datetimeFigureOut">
               <a:rPr lang="en-ID" smtClean="0"/>
-              <a:t>08/10/2022</a:t>
+              <a:t>09/10/2022</a:t>
             </a:fld>
             <a:endParaRPr lang="en-ID"/>
           </a:p>
@@ -2405,7 +2406,7 @@
           <a:p>
             <a:fld id="{218D2DE5-16C4-47CD-9071-AC93F263F62D}" type="datetimeFigureOut">
               <a:rPr lang="en-ID" smtClean="0"/>
-              <a:t>08/10/2022</a:t>
+              <a:t>09/10/2022</a:t>
             </a:fld>
             <a:endParaRPr lang="en-ID"/>
           </a:p>
@@ -2694,7 +2695,7 @@
           <a:p>
             <a:fld id="{218D2DE5-16C4-47CD-9071-AC93F263F62D}" type="datetimeFigureOut">
               <a:rPr lang="en-ID" smtClean="0"/>
-              <a:t>08/10/2022</a:t>
+              <a:t>09/10/2022</a:t>
             </a:fld>
             <a:endParaRPr lang="en-ID"/>
           </a:p>
@@ -2937,7 +2938,7 @@
           <a:p>
             <a:fld id="{218D2DE5-16C4-47CD-9071-AC93F263F62D}" type="datetimeFigureOut">
               <a:rPr lang="en-ID" smtClean="0"/>
-              <a:t>08/10/2022</a:t>
+              <a:t>09/10/2022</a:t>
             </a:fld>
             <a:endParaRPr lang="en-ID"/>
           </a:p>
@@ -4060,8 +4061,8 @@
           </a:prstGeom>
         </p:spPr>
       </p:pic>
-      <mc:AlternateContent xmlns:mc="http://schemas.openxmlformats.org/markup-compatibility/2006">
-        <mc:Choice xmlns:a14="http://schemas.microsoft.com/office/drawing/2010/main" Requires="a14">
+      <mc:AlternateContent xmlns:mc="http://schemas.openxmlformats.org/markup-compatibility/2006" xmlns:a14="http://schemas.microsoft.com/office/drawing/2010/main">
+        <mc:Choice Requires="a14">
           <p:sp>
             <p:nvSpPr>
               <p:cNvPr id="50" name="TextBox 49">
@@ -4117,7 +4118,7 @@
             </p:txBody>
           </p:sp>
         </mc:Choice>
-        <mc:Fallback>
+        <mc:Fallback xmlns="">
           <p:sp>
             <p:nvSpPr>
               <p:cNvPr id="50" name="TextBox 49">
@@ -7823,6 +7824,283 @@
 </p:sld>
 </file>
 
+<file path=ppt/slides/slide9.xml><?xml version="1.0" encoding="utf-8"?>
+<p:sld xmlns:a="http://schemas.openxmlformats.org/drawingml/2006/main" xmlns:r="http://schemas.openxmlformats.org/officeDocument/2006/relationships" xmlns:p="http://schemas.openxmlformats.org/presentationml/2006/main">
+  <p:cSld>
+    <p:spTree>
+      <p:nvGrpSpPr>
+        <p:cNvPr id="1" name=""/>
+        <p:cNvGrpSpPr/>
+        <p:nvPr/>
+      </p:nvGrpSpPr>
+      <p:grpSpPr>
+        <a:xfrm>
+          <a:off x="0" y="0"/>
+          <a:ext cx="0" cy="0"/>
+          <a:chOff x="0" y="0"/>
+          <a:chExt cx="0" cy="0"/>
+        </a:xfrm>
+      </p:grpSpPr>
+      <p:grpSp>
+        <p:nvGrpSpPr>
+          <p:cNvPr id="18" name="Group 17">
+            <a:extLst>
+              <a:ext uri="{FF2B5EF4-FFF2-40B4-BE49-F238E27FC236}">
+                <a16:creationId xmlns:a16="http://schemas.microsoft.com/office/drawing/2014/main" id="{A9BDB105-2E78-C389-F0A0-6154E81B262E}"/>
+              </a:ext>
+            </a:extLst>
+          </p:cNvPr>
+          <p:cNvGrpSpPr/>
+          <p:nvPr/>
+        </p:nvGrpSpPr>
+        <p:grpSpPr>
+          <a:xfrm>
+            <a:off x="-134725" y="363894"/>
+            <a:ext cx="12461450" cy="2048357"/>
+            <a:chOff x="1" y="-195"/>
+            <a:chExt cx="12461450" cy="2048357"/>
+          </a:xfrm>
+        </p:grpSpPr>
+        <p:pic>
+          <p:nvPicPr>
+            <p:cNvPr id="7" name="Picture 6">
+              <a:extLst>
+                <a:ext uri="{FF2B5EF4-FFF2-40B4-BE49-F238E27FC236}">
+                  <a16:creationId xmlns:a16="http://schemas.microsoft.com/office/drawing/2014/main" id="{ECD81947-FB9A-BC82-C564-D7962ADE5A05}"/>
+                </a:ext>
+              </a:extLst>
+            </p:cNvPr>
+            <p:cNvPicPr>
+              <a:picLocks noChangeAspect="1"/>
+            </p:cNvPicPr>
+            <p:nvPr/>
+          </p:nvPicPr>
+          <p:blipFill>
+            <a:blip r:embed="rId2"/>
+            <a:stretch>
+              <a:fillRect/>
+            </a:stretch>
+          </p:blipFill>
+          <p:spPr>
+            <a:xfrm>
+              <a:off x="1" y="0"/>
+              <a:ext cx="2024345" cy="2038635"/>
+            </a:xfrm>
+            <a:prstGeom prst="rect">
+              <a:avLst/>
+            </a:prstGeom>
+          </p:spPr>
+        </p:pic>
+        <p:pic>
+          <p:nvPicPr>
+            <p:cNvPr id="9" name="Picture 8">
+              <a:extLst>
+                <a:ext uri="{FF2B5EF4-FFF2-40B4-BE49-F238E27FC236}">
+                  <a16:creationId xmlns:a16="http://schemas.microsoft.com/office/drawing/2014/main" id="{02CE7C11-CAD3-9D3D-8194-562E7B11DD59}"/>
+                </a:ext>
+              </a:extLst>
+            </p:cNvPr>
+            <p:cNvPicPr>
+              <a:picLocks noChangeAspect="1"/>
+            </p:cNvPicPr>
+            <p:nvPr/>
+          </p:nvPicPr>
+          <p:blipFill>
+            <a:blip r:embed="rId3"/>
+            <a:stretch>
+              <a:fillRect/>
+            </a:stretch>
+          </p:blipFill>
+          <p:spPr>
+            <a:xfrm>
+              <a:off x="2094090" y="1"/>
+              <a:ext cx="2005293" cy="2048161"/>
+            </a:xfrm>
+            <a:prstGeom prst="rect">
+              <a:avLst/>
+            </a:prstGeom>
+          </p:spPr>
+        </p:pic>
+        <p:pic>
+          <p:nvPicPr>
+            <p:cNvPr id="11" name="Picture 10">
+              <a:extLst>
+                <a:ext uri="{FF2B5EF4-FFF2-40B4-BE49-F238E27FC236}">
+                  <a16:creationId xmlns:a16="http://schemas.microsoft.com/office/drawing/2014/main" id="{4B8C3A53-8D4B-534C-E48C-130F04799972}"/>
+                </a:ext>
+              </a:extLst>
+            </p:cNvPr>
+            <p:cNvPicPr>
+              <a:picLocks noChangeAspect="1"/>
+            </p:cNvPicPr>
+            <p:nvPr/>
+          </p:nvPicPr>
+          <p:blipFill>
+            <a:blip r:embed="rId4"/>
+            <a:stretch>
+              <a:fillRect/>
+            </a:stretch>
+          </p:blipFill>
+          <p:spPr>
+            <a:xfrm>
+              <a:off x="4169127" y="-195"/>
+              <a:ext cx="2038635" cy="2048161"/>
+            </a:xfrm>
+            <a:prstGeom prst="rect">
+              <a:avLst/>
+            </a:prstGeom>
+          </p:spPr>
+        </p:pic>
+        <p:pic>
+          <p:nvPicPr>
+            <p:cNvPr id="13" name="Picture 12">
+              <a:extLst>
+                <a:ext uri="{FF2B5EF4-FFF2-40B4-BE49-F238E27FC236}">
+                  <a16:creationId xmlns:a16="http://schemas.microsoft.com/office/drawing/2014/main" id="{4A73532E-334B-70C9-2E58-A3B8683C65F4}"/>
+                </a:ext>
+              </a:extLst>
+            </p:cNvPr>
+            <p:cNvPicPr>
+              <a:picLocks noChangeAspect="1"/>
+            </p:cNvPicPr>
+            <p:nvPr/>
+          </p:nvPicPr>
+          <p:blipFill>
+            <a:blip r:embed="rId5"/>
+            <a:stretch>
+              <a:fillRect/>
+            </a:stretch>
+          </p:blipFill>
+          <p:spPr>
+            <a:xfrm>
+              <a:off x="6277506" y="-195"/>
+              <a:ext cx="2019582" cy="2033872"/>
+            </a:xfrm>
+            <a:prstGeom prst="rect">
+              <a:avLst/>
+            </a:prstGeom>
+          </p:spPr>
+        </p:pic>
+        <p:pic>
+          <p:nvPicPr>
+            <p:cNvPr id="15" name="Picture 14">
+              <a:extLst>
+                <a:ext uri="{FF2B5EF4-FFF2-40B4-BE49-F238E27FC236}">
+                  <a16:creationId xmlns:a16="http://schemas.microsoft.com/office/drawing/2014/main" id="{FFDEB743-E210-D71A-C40F-7027AB5DD93B}"/>
+                </a:ext>
+              </a:extLst>
+            </p:cNvPr>
+            <p:cNvPicPr>
+              <a:picLocks noChangeAspect="1"/>
+            </p:cNvPicPr>
+            <p:nvPr/>
+          </p:nvPicPr>
+          <p:blipFill>
+            <a:blip r:embed="rId6"/>
+            <a:stretch>
+              <a:fillRect/>
+            </a:stretch>
+          </p:blipFill>
+          <p:spPr>
+            <a:xfrm>
+              <a:off x="8352543" y="0"/>
+              <a:ext cx="2029108" cy="2048161"/>
+            </a:xfrm>
+            <a:prstGeom prst="rect">
+              <a:avLst/>
+            </a:prstGeom>
+          </p:spPr>
+        </p:pic>
+        <p:pic>
+          <p:nvPicPr>
+            <p:cNvPr id="17" name="Picture 16">
+              <a:extLst>
+                <a:ext uri="{FF2B5EF4-FFF2-40B4-BE49-F238E27FC236}">
+                  <a16:creationId xmlns:a16="http://schemas.microsoft.com/office/drawing/2014/main" id="{24A74B7C-D629-CDF7-1814-F018518FDE0C}"/>
+                </a:ext>
+              </a:extLst>
+            </p:cNvPr>
+            <p:cNvPicPr>
+              <a:picLocks noChangeAspect="1"/>
+            </p:cNvPicPr>
+            <p:nvPr/>
+          </p:nvPicPr>
+          <p:blipFill>
+            <a:blip r:embed="rId7"/>
+            <a:stretch>
+              <a:fillRect/>
+            </a:stretch>
+          </p:blipFill>
+          <p:spPr>
+            <a:xfrm>
+              <a:off x="10437106" y="9331"/>
+              <a:ext cx="2024345" cy="2038635"/>
+            </a:xfrm>
+            <a:prstGeom prst="rect">
+              <a:avLst/>
+            </a:prstGeom>
+          </p:spPr>
+        </p:pic>
+      </p:grpSp>
+      <p:sp>
+        <p:nvSpPr>
+          <p:cNvPr id="19" name="TextBox 18">
+            <a:extLst>
+              <a:ext uri="{FF2B5EF4-FFF2-40B4-BE49-F238E27FC236}">
+                <a16:creationId xmlns:a16="http://schemas.microsoft.com/office/drawing/2014/main" id="{5F592CA2-A724-EA44-934C-F698F836D28F}"/>
+              </a:ext>
+            </a:extLst>
+          </p:cNvPr>
+          <p:cNvSpPr txBox="1"/>
+          <p:nvPr/>
+        </p:nvSpPr>
+        <p:spPr>
+          <a:xfrm>
+            <a:off x="5523120" y="0"/>
+            <a:ext cx="1099832" cy="307777"/>
+          </a:xfrm>
+          <a:prstGeom prst="rect">
+            <a:avLst/>
+          </a:prstGeom>
+          <a:solidFill>
+            <a:schemeClr val="bg1"/>
+          </a:solidFill>
+          <a:ln w="19050">
+            <a:noFill/>
+          </a:ln>
+        </p:spPr>
+        <p:txBody>
+          <a:bodyPr wrap="square" rtlCol="0">
+            <a:spAutoFit/>
+          </a:bodyPr>
+          <a:lstStyle/>
+          <a:p>
+            <a:pPr algn="ctr"/>
+            <a:r>
+              <a:rPr lang="en-US" sz="1400" dirty="0">
+                <a:latin typeface="TeX Gyre Bonum" panose="00000500000000000000" pitchFamily="50" charset="0"/>
+              </a:rPr>
+              <a:t>(a) VGG19</a:t>
+            </a:r>
+            <a:endParaRPr lang="en-ID" sz="1400" dirty="0">
+              <a:latin typeface="TeX Gyre Bonum" panose="00000500000000000000" pitchFamily="50" charset="0"/>
+            </a:endParaRPr>
+          </a:p>
+        </p:txBody>
+      </p:sp>
+    </p:spTree>
+    <p:extLst>
+      <p:ext uri="{BB962C8B-B14F-4D97-AF65-F5344CB8AC3E}">
+        <p14:creationId xmlns:p14="http://schemas.microsoft.com/office/powerpoint/2010/main" val="4071043023"/>
+      </p:ext>
+    </p:extLst>
+  </p:cSld>
+  <p:clrMapOvr>
+    <a:masterClrMapping/>
+  </p:clrMapOvr>
+</p:sld>
+</file>
+
 <file path=ppt/theme/theme1.xml><?xml version="1.0" encoding="utf-8"?>
 <a:theme xmlns:a="http://schemas.openxmlformats.org/drawingml/2006/main" name="Office Theme">
   <a:themeElements>

--- a/docs/figures.pptx
+++ b/docs/figures.pptx
@@ -11,9 +11,11 @@
     <p:sldId id="258" r:id="rId5"/>
     <p:sldId id="263" r:id="rId6"/>
     <p:sldId id="262" r:id="rId7"/>
-    <p:sldId id="259" r:id="rId8"/>
-    <p:sldId id="261" r:id="rId9"/>
-    <p:sldId id="264" r:id="rId10"/>
+    <p:sldId id="266" r:id="rId8"/>
+    <p:sldId id="265" r:id="rId9"/>
+    <p:sldId id="261" r:id="rId10"/>
+    <p:sldId id="259" r:id="rId11"/>
+    <p:sldId id="264" r:id="rId12"/>
   </p:sldIdLst>
   <p:sldSz cx="12192000" cy="6858000"/>
   <p:notesSz cx="6858000" cy="9144000"/>
@@ -4223,307 +4225,7 @@
 </p:sld>
 </file>
 
-<file path=ppt/slides/slide2.xml><?xml version="1.0" encoding="utf-8"?>
-<p:sld xmlns:a="http://schemas.openxmlformats.org/drawingml/2006/main" xmlns:r="http://schemas.openxmlformats.org/officeDocument/2006/relationships" xmlns:p="http://schemas.openxmlformats.org/presentationml/2006/main">
-  <p:cSld>
-    <p:spTree>
-      <p:nvGrpSpPr>
-        <p:cNvPr id="1" name=""/>
-        <p:cNvGrpSpPr/>
-        <p:nvPr/>
-      </p:nvGrpSpPr>
-      <p:grpSpPr>
-        <a:xfrm>
-          <a:off x="0" y="0"/>
-          <a:ext cx="0" cy="0"/>
-          <a:chOff x="0" y="0"/>
-          <a:chExt cx="0" cy="0"/>
-        </a:xfrm>
-      </p:grpSpPr>
-      <p:pic>
-        <p:nvPicPr>
-          <p:cNvPr id="9" name="Picture 8">
-            <a:extLst>
-              <a:ext uri="{FF2B5EF4-FFF2-40B4-BE49-F238E27FC236}">
-                <a16:creationId xmlns:a16="http://schemas.microsoft.com/office/drawing/2014/main" id="{52B61870-051F-0EFC-83F7-A85A01FF5FBB}"/>
-              </a:ext>
-            </a:extLst>
-          </p:cNvPr>
-          <p:cNvPicPr>
-            <a:picLocks noChangeAspect="1"/>
-          </p:cNvPicPr>
-          <p:nvPr/>
-        </p:nvPicPr>
-        <p:blipFill>
-          <a:blip r:embed="rId2"/>
-          <a:stretch>
-            <a:fillRect/>
-          </a:stretch>
-        </p:blipFill>
-        <p:spPr>
-          <a:xfrm>
-            <a:off x="1204912" y="1176337"/>
-            <a:ext cx="9782175" cy="4505325"/>
-          </a:xfrm>
-          <a:prstGeom prst="rect">
-            <a:avLst/>
-          </a:prstGeom>
-        </p:spPr>
-      </p:pic>
-    </p:spTree>
-    <p:extLst>
-      <p:ext uri="{BB962C8B-B14F-4D97-AF65-F5344CB8AC3E}">
-        <p14:creationId xmlns:p14="http://schemas.microsoft.com/office/powerpoint/2010/main" val="2018946382"/>
-      </p:ext>
-    </p:extLst>
-  </p:cSld>
-  <p:clrMapOvr>
-    <a:masterClrMapping/>
-  </p:clrMapOvr>
-</p:sld>
-</file>
-
-<file path=ppt/slides/slide3.xml><?xml version="1.0" encoding="utf-8"?>
-<p:sld xmlns:a="http://schemas.openxmlformats.org/drawingml/2006/main" xmlns:r="http://schemas.openxmlformats.org/officeDocument/2006/relationships" xmlns:p="http://schemas.openxmlformats.org/presentationml/2006/main">
-  <p:cSld>
-    <p:spTree>
-      <p:nvGrpSpPr>
-        <p:cNvPr id="1" name=""/>
-        <p:cNvGrpSpPr/>
-        <p:nvPr/>
-      </p:nvGrpSpPr>
-      <p:grpSpPr>
-        <a:xfrm>
-          <a:off x="0" y="0"/>
-          <a:ext cx="0" cy="0"/>
-          <a:chOff x="0" y="0"/>
-          <a:chExt cx="0" cy="0"/>
-        </a:xfrm>
-      </p:grpSpPr>
-      <p:pic>
-        <p:nvPicPr>
-          <p:cNvPr id="5" name="Picture 4">
-            <a:extLst>
-              <a:ext uri="{FF2B5EF4-FFF2-40B4-BE49-F238E27FC236}">
-                <a16:creationId xmlns:a16="http://schemas.microsoft.com/office/drawing/2014/main" id="{8AF93554-2722-C5E0-C28C-A4BFAD25E73F}"/>
-              </a:ext>
-            </a:extLst>
-          </p:cNvPr>
-          <p:cNvPicPr>
-            <a:picLocks noChangeAspect="1"/>
-          </p:cNvPicPr>
-          <p:nvPr/>
-        </p:nvPicPr>
-        <p:blipFill>
-          <a:blip r:embed="rId2"/>
-          <a:stretch>
-            <a:fillRect/>
-          </a:stretch>
-        </p:blipFill>
-        <p:spPr>
-          <a:xfrm>
-            <a:off x="1343025" y="1071562"/>
-            <a:ext cx="9505950" cy="4714875"/>
-          </a:xfrm>
-          <a:prstGeom prst="rect">
-            <a:avLst/>
-          </a:prstGeom>
-        </p:spPr>
-      </p:pic>
-    </p:spTree>
-    <p:extLst>
-      <p:ext uri="{BB962C8B-B14F-4D97-AF65-F5344CB8AC3E}">
-        <p14:creationId xmlns:p14="http://schemas.microsoft.com/office/powerpoint/2010/main" val="509048022"/>
-      </p:ext>
-    </p:extLst>
-  </p:cSld>
-  <p:clrMapOvr>
-    <a:masterClrMapping/>
-  </p:clrMapOvr>
-</p:sld>
-</file>
-
-<file path=ppt/slides/slide4.xml><?xml version="1.0" encoding="utf-8"?>
-<p:sld xmlns:a="http://schemas.openxmlformats.org/drawingml/2006/main" xmlns:r="http://schemas.openxmlformats.org/officeDocument/2006/relationships" xmlns:p="http://schemas.openxmlformats.org/presentationml/2006/main">
-  <p:cSld>
-    <p:spTree>
-      <p:nvGrpSpPr>
-        <p:cNvPr id="1" name=""/>
-        <p:cNvGrpSpPr/>
-        <p:nvPr/>
-      </p:nvGrpSpPr>
-      <p:grpSpPr>
-        <a:xfrm>
-          <a:off x="0" y="0"/>
-          <a:ext cx="0" cy="0"/>
-          <a:chOff x="0" y="0"/>
-          <a:chExt cx="0" cy="0"/>
-        </a:xfrm>
-      </p:grpSpPr>
-      <p:pic>
-        <p:nvPicPr>
-          <p:cNvPr id="5" name="Picture 4">
-            <a:extLst>
-              <a:ext uri="{FF2B5EF4-FFF2-40B4-BE49-F238E27FC236}">
-                <a16:creationId xmlns:a16="http://schemas.microsoft.com/office/drawing/2014/main" id="{03C99A4F-7017-18CB-D6B9-FA2E897BDCBB}"/>
-              </a:ext>
-            </a:extLst>
-          </p:cNvPr>
-          <p:cNvPicPr>
-            <a:picLocks noChangeAspect="1"/>
-          </p:cNvPicPr>
-          <p:nvPr/>
-        </p:nvPicPr>
-        <p:blipFill>
-          <a:blip r:embed="rId2"/>
-          <a:stretch>
-            <a:fillRect/>
-          </a:stretch>
-        </p:blipFill>
-        <p:spPr>
-          <a:xfrm>
-            <a:off x="514350" y="1966912"/>
-            <a:ext cx="11163300" cy="2924175"/>
-          </a:xfrm>
-          <a:prstGeom prst="rect">
-            <a:avLst/>
-          </a:prstGeom>
-        </p:spPr>
-      </p:pic>
-    </p:spTree>
-    <p:extLst>
-      <p:ext uri="{BB962C8B-B14F-4D97-AF65-F5344CB8AC3E}">
-        <p14:creationId xmlns:p14="http://schemas.microsoft.com/office/powerpoint/2010/main" val="1861879265"/>
-      </p:ext>
-    </p:extLst>
-  </p:cSld>
-  <p:clrMapOvr>
-    <a:masterClrMapping/>
-  </p:clrMapOvr>
-</p:sld>
-</file>
-
-<file path=ppt/slides/slide5.xml><?xml version="1.0" encoding="utf-8"?>
-<p:sld xmlns:a="http://schemas.openxmlformats.org/drawingml/2006/main" xmlns:r="http://schemas.openxmlformats.org/officeDocument/2006/relationships" xmlns:p="http://schemas.openxmlformats.org/presentationml/2006/main">
-  <p:cSld>
-    <p:spTree>
-      <p:nvGrpSpPr>
-        <p:cNvPr id="1" name=""/>
-        <p:cNvGrpSpPr/>
-        <p:nvPr/>
-      </p:nvGrpSpPr>
-      <p:grpSpPr>
-        <a:xfrm>
-          <a:off x="0" y="0"/>
-          <a:ext cx="0" cy="0"/>
-          <a:chOff x="0" y="0"/>
-          <a:chExt cx="0" cy="0"/>
-        </a:xfrm>
-      </p:grpSpPr>
-      <p:pic>
-        <p:nvPicPr>
-          <p:cNvPr id="5" name="Picture 4">
-            <a:extLst>
-              <a:ext uri="{FF2B5EF4-FFF2-40B4-BE49-F238E27FC236}">
-                <a16:creationId xmlns:a16="http://schemas.microsoft.com/office/drawing/2014/main" id="{9E429CCB-10B7-3E5D-D9BE-6CCE42840C78}"/>
-              </a:ext>
-            </a:extLst>
-          </p:cNvPr>
-          <p:cNvPicPr>
-            <a:picLocks noChangeAspect="1"/>
-          </p:cNvPicPr>
-          <p:nvPr/>
-        </p:nvPicPr>
-        <p:blipFill>
-          <a:blip r:embed="rId2"/>
-          <a:stretch>
-            <a:fillRect/>
-          </a:stretch>
-        </p:blipFill>
-        <p:spPr>
-          <a:xfrm>
-            <a:off x="1790700" y="1195387"/>
-            <a:ext cx="8610600" cy="4467225"/>
-          </a:xfrm>
-          <a:prstGeom prst="rect">
-            <a:avLst/>
-          </a:prstGeom>
-        </p:spPr>
-      </p:pic>
-    </p:spTree>
-    <p:extLst>
-      <p:ext uri="{BB962C8B-B14F-4D97-AF65-F5344CB8AC3E}">
-        <p14:creationId xmlns:p14="http://schemas.microsoft.com/office/powerpoint/2010/main" val="4000785690"/>
-      </p:ext>
-    </p:extLst>
-  </p:cSld>
-  <p:clrMapOvr>
-    <a:masterClrMapping/>
-  </p:clrMapOvr>
-</p:sld>
-</file>
-
-<file path=ppt/slides/slide6.xml><?xml version="1.0" encoding="utf-8"?>
-<p:sld xmlns:a="http://schemas.openxmlformats.org/drawingml/2006/main" xmlns:r="http://schemas.openxmlformats.org/officeDocument/2006/relationships" xmlns:p="http://schemas.openxmlformats.org/presentationml/2006/main">
-  <p:cSld>
-    <p:spTree>
-      <p:nvGrpSpPr>
-        <p:cNvPr id="1" name=""/>
-        <p:cNvGrpSpPr/>
-        <p:nvPr/>
-      </p:nvGrpSpPr>
-      <p:grpSpPr>
-        <a:xfrm>
-          <a:off x="0" y="0"/>
-          <a:ext cx="0" cy="0"/>
-          <a:chOff x="0" y="0"/>
-          <a:chExt cx="0" cy="0"/>
-        </a:xfrm>
-      </p:grpSpPr>
-      <p:pic>
-        <p:nvPicPr>
-          <p:cNvPr id="9" name="Picture 8">
-            <a:extLst>
-              <a:ext uri="{FF2B5EF4-FFF2-40B4-BE49-F238E27FC236}">
-                <a16:creationId xmlns:a16="http://schemas.microsoft.com/office/drawing/2014/main" id="{E4F30B95-C4C1-BE44-137A-5B50ED7D36E1}"/>
-              </a:ext>
-            </a:extLst>
-          </p:cNvPr>
-          <p:cNvPicPr>
-            <a:picLocks noChangeAspect="1"/>
-          </p:cNvPicPr>
-          <p:nvPr/>
-        </p:nvPicPr>
-        <p:blipFill>
-          <a:blip r:embed="rId2"/>
-          <a:stretch>
-            <a:fillRect/>
-          </a:stretch>
-        </p:blipFill>
-        <p:spPr>
-          <a:xfrm>
-            <a:off x="1628775" y="1971675"/>
-            <a:ext cx="8934450" cy="2914650"/>
-          </a:xfrm>
-          <a:prstGeom prst="rect">
-            <a:avLst/>
-          </a:prstGeom>
-        </p:spPr>
-      </p:pic>
-    </p:spTree>
-    <p:extLst>
-      <p:ext uri="{BB962C8B-B14F-4D97-AF65-F5344CB8AC3E}">
-        <p14:creationId xmlns:p14="http://schemas.microsoft.com/office/powerpoint/2010/main" val="3327994133"/>
-      </p:ext>
-    </p:extLst>
-  </p:cSld>
-  <p:clrMapOvr>
-    <a:masterClrMapping/>
-  </p:clrMapOvr>
-</p:sld>
-</file>
-
-<file path=ppt/slides/slide7.xml><?xml version="1.0" encoding="utf-8"?>
+<file path=ppt/slides/slide10.xml><?xml version="1.0" encoding="utf-8"?>
 <p:sld xmlns:a="http://schemas.openxmlformats.org/drawingml/2006/main" xmlns:r="http://schemas.openxmlformats.org/officeDocument/2006/relationships" xmlns:p="http://schemas.openxmlformats.org/presentationml/2006/main">
   <p:cSld>
     <p:spTree>
@@ -4886,2945 +4588,7 @@
 </p:sld>
 </file>
 
-<file path=ppt/slides/slide8.xml><?xml version="1.0" encoding="utf-8"?>
-<p:sld xmlns:a="http://schemas.openxmlformats.org/drawingml/2006/main" xmlns:r="http://schemas.openxmlformats.org/officeDocument/2006/relationships" xmlns:p="http://schemas.openxmlformats.org/presentationml/2006/main">
-  <p:cSld>
-    <p:spTree>
-      <p:nvGrpSpPr>
-        <p:cNvPr id="1" name=""/>
-        <p:cNvGrpSpPr/>
-        <p:nvPr/>
-      </p:nvGrpSpPr>
-      <p:grpSpPr>
-        <a:xfrm>
-          <a:off x="0" y="0"/>
-          <a:ext cx="0" cy="0"/>
-          <a:chOff x="0" y="0"/>
-          <a:chExt cx="0" cy="0"/>
-        </a:xfrm>
-      </p:grpSpPr>
-      <p:graphicFrame>
-        <p:nvGraphicFramePr>
-          <p:cNvPr id="4" name="Table 6">
-            <a:extLst>
-              <a:ext uri="{FF2B5EF4-FFF2-40B4-BE49-F238E27FC236}">
-                <a16:creationId xmlns:a16="http://schemas.microsoft.com/office/drawing/2014/main" id="{19B1E98B-4B8A-BA76-2EEC-D115421C2790}"/>
-              </a:ext>
-            </a:extLst>
-          </p:cNvPr>
-          <p:cNvGraphicFramePr>
-            <a:graphicFrameLocks noGrp="1"/>
-          </p:cNvGraphicFramePr>
-          <p:nvPr>
-            <p:extLst>
-              <p:ext uri="{D42A27DB-BD31-4B8C-83A1-F6EECF244321}">
-                <p14:modId xmlns:p14="http://schemas.microsoft.com/office/powerpoint/2010/main" val="117637910"/>
-              </p:ext>
-            </p:extLst>
-          </p:nvPr>
-        </p:nvGraphicFramePr>
-        <p:xfrm>
-          <a:off x="751732" y="3437466"/>
-          <a:ext cx="4400356" cy="1524000"/>
-        </p:xfrm>
-        <a:graphic>
-          <a:graphicData uri="http://schemas.openxmlformats.org/drawingml/2006/table">
-            <a:tbl>
-              <a:tblPr firstRow="1" bandRow="1">
-                <a:tableStyleId>{5C22544A-7EE6-4342-B048-85BDC9FD1C3A}</a:tableStyleId>
-              </a:tblPr>
-              <a:tblGrid>
-                <a:gridCol w="1076452">
-                  <a:extLst>
-                    <a:ext uri="{9D8B030D-6E8A-4147-A177-3AD203B41FA5}">
-                      <a16:colId xmlns:a16="http://schemas.microsoft.com/office/drawing/2014/main" val="3872630865"/>
-                    </a:ext>
-                  </a:extLst>
-                </a:gridCol>
-                <a:gridCol w="844867">
-                  <a:extLst>
-                    <a:ext uri="{9D8B030D-6E8A-4147-A177-3AD203B41FA5}">
-                      <a16:colId xmlns:a16="http://schemas.microsoft.com/office/drawing/2014/main" val="2317850323"/>
-                    </a:ext>
-                  </a:extLst>
-                </a:gridCol>
-                <a:gridCol w="844867">
-                  <a:extLst>
-                    <a:ext uri="{9D8B030D-6E8A-4147-A177-3AD203B41FA5}">
-                      <a16:colId xmlns:a16="http://schemas.microsoft.com/office/drawing/2014/main" val="3427173819"/>
-                    </a:ext>
-                  </a:extLst>
-                </a:gridCol>
-                <a:gridCol w="844867">
-                  <a:extLst>
-                    <a:ext uri="{9D8B030D-6E8A-4147-A177-3AD203B41FA5}">
-                      <a16:colId xmlns:a16="http://schemas.microsoft.com/office/drawing/2014/main" val="2404399359"/>
-                    </a:ext>
-                  </a:extLst>
-                </a:gridCol>
-                <a:gridCol w="789303">
-                  <a:extLst>
-                    <a:ext uri="{9D8B030D-6E8A-4147-A177-3AD203B41FA5}">
-                      <a16:colId xmlns:a16="http://schemas.microsoft.com/office/drawing/2014/main" val="1079410152"/>
-                    </a:ext>
-                  </a:extLst>
-                </a:gridCol>
-              </a:tblGrid>
-              <a:tr h="277368">
-                <a:tc>
-                  <a:txBody>
-                    <a:bodyPr/>
-                    <a:lstStyle/>
-                    <a:p>
-                      <a:pPr algn="ctr"/>
-                      <a:endParaRPr lang="en-ID" sz="1400" dirty="0">
-                        <a:solidFill>
-                          <a:schemeClr val="tx1"/>
-                        </a:solidFill>
-                        <a:latin typeface="TeX Gyre Bonum" panose="00000500000000000000" pitchFamily="50" charset="0"/>
-                        <a:ea typeface="CMU Sans Serif" panose="02000603000000000000" pitchFamily="2" charset="0"/>
-                        <a:cs typeface="CMU Sans Serif" panose="02000603000000000000" pitchFamily="2" charset="0"/>
-                      </a:endParaRPr>
-                    </a:p>
-                  </a:txBody>
-                  <a:tcPr>
-                    <a:lnL w="12700" cap="flat" cmpd="sng" algn="ctr">
-                      <a:noFill/>
-                      <a:prstDash val="solid"/>
-                      <a:round/>
-                      <a:headEnd type="none" w="med" len="med"/>
-                      <a:tailEnd type="none" w="med" len="med"/>
-                    </a:lnL>
-                    <a:lnR w="12700" cap="flat" cmpd="sng" algn="ctr">
-                      <a:noFill/>
-                      <a:prstDash val="solid"/>
-                      <a:round/>
-                      <a:headEnd type="none" w="med" len="med"/>
-                      <a:tailEnd type="none" w="med" len="med"/>
-                    </a:lnR>
-                    <a:lnT w="12700" cap="flat" cmpd="sng" algn="ctr">
-                      <a:solidFill>
-                        <a:schemeClr val="tx1"/>
-                      </a:solidFill>
-                      <a:prstDash val="solid"/>
-                      <a:round/>
-                      <a:headEnd type="none" w="med" len="med"/>
-                      <a:tailEnd type="none" w="med" len="med"/>
-                    </a:lnT>
-                    <a:lnB w="12700" cap="flat" cmpd="sng" algn="ctr">
-                      <a:solidFill>
-                        <a:schemeClr val="tx1"/>
-                      </a:solidFill>
-                      <a:prstDash val="solid"/>
-                      <a:round/>
-                      <a:headEnd type="none" w="med" len="med"/>
-                      <a:tailEnd type="none" w="med" len="med"/>
-                    </a:lnB>
-                    <a:lnTlToBr w="12700" cmpd="sng">
-                      <a:noFill/>
-                      <a:prstDash val="solid"/>
-                    </a:lnTlToBr>
-                    <a:lnBlToTr w="12700" cmpd="sng">
-                      <a:noFill/>
-                      <a:prstDash val="solid"/>
-                    </a:lnBlToTr>
-                    <a:noFill/>
-                  </a:tcPr>
-                </a:tc>
-                <a:tc>
-                  <a:txBody>
-                    <a:bodyPr/>
-                    <a:lstStyle/>
-                    <a:p>
-                      <a:pPr algn="ctr"/>
-                      <a:r>
-                        <a:rPr lang="en-US" sz="1400" b="1" dirty="0">
-                          <a:solidFill>
-                            <a:schemeClr val="tx1"/>
-                          </a:solidFill>
-                          <a:latin typeface="TeX Gyre Bonum" panose="00000500000000000000" pitchFamily="50" charset="0"/>
-                          <a:ea typeface="CMU Sans Serif" panose="02000603000000000000" pitchFamily="2" charset="0"/>
-                          <a:cs typeface="CMU Sans Serif" panose="02000603000000000000" pitchFamily="2" charset="0"/>
-                        </a:rPr>
-                        <a:t>A</a:t>
-                      </a:r>
-                      <a:endParaRPr lang="en-ID" sz="1400" b="1" dirty="0">
-                        <a:solidFill>
-                          <a:schemeClr val="tx1"/>
-                        </a:solidFill>
-                        <a:latin typeface="TeX Gyre Bonum" panose="00000500000000000000" pitchFamily="50" charset="0"/>
-                        <a:ea typeface="CMU Sans Serif" panose="02000603000000000000" pitchFamily="2" charset="0"/>
-                        <a:cs typeface="CMU Sans Serif" panose="02000603000000000000" pitchFamily="2" charset="0"/>
-                      </a:endParaRPr>
-                    </a:p>
-                  </a:txBody>
-                  <a:tcPr>
-                    <a:lnL w="12700" cap="flat" cmpd="sng" algn="ctr">
-                      <a:noFill/>
-                      <a:prstDash val="solid"/>
-                      <a:round/>
-                      <a:headEnd type="none" w="med" len="med"/>
-                      <a:tailEnd type="none" w="med" len="med"/>
-                    </a:lnL>
-                    <a:lnR w="12700" cap="flat" cmpd="sng" algn="ctr">
-                      <a:noFill/>
-                      <a:prstDash val="solid"/>
-                      <a:round/>
-                      <a:headEnd type="none" w="med" len="med"/>
-                      <a:tailEnd type="none" w="med" len="med"/>
-                    </a:lnR>
-                    <a:lnT w="12700" cap="flat" cmpd="sng" algn="ctr">
-                      <a:solidFill>
-                        <a:schemeClr val="tx1"/>
-                      </a:solidFill>
-                      <a:prstDash val="solid"/>
-                      <a:round/>
-                      <a:headEnd type="none" w="med" len="med"/>
-                      <a:tailEnd type="none" w="med" len="med"/>
-                    </a:lnT>
-                    <a:lnB w="12700" cap="flat" cmpd="sng" algn="ctr">
-                      <a:solidFill>
-                        <a:schemeClr val="tx1"/>
-                      </a:solidFill>
-                      <a:prstDash val="solid"/>
-                      <a:round/>
-                      <a:headEnd type="none" w="med" len="med"/>
-                      <a:tailEnd type="none" w="med" len="med"/>
-                    </a:lnB>
-                    <a:lnTlToBr w="12700" cmpd="sng">
-                      <a:noFill/>
-                      <a:prstDash val="solid"/>
-                    </a:lnTlToBr>
-                    <a:lnBlToTr w="12700" cmpd="sng">
-                      <a:noFill/>
-                      <a:prstDash val="solid"/>
-                    </a:lnBlToTr>
-                    <a:noFill/>
-                  </a:tcPr>
-                </a:tc>
-                <a:tc>
-                  <a:txBody>
-                    <a:bodyPr/>
-                    <a:lstStyle/>
-                    <a:p>
-                      <a:pPr algn="ctr"/>
-                      <a:r>
-                        <a:rPr lang="en-US" sz="1400" b="1" dirty="0">
-                          <a:solidFill>
-                            <a:schemeClr val="tx1"/>
-                          </a:solidFill>
-                          <a:latin typeface="TeX Gyre Bonum" panose="00000500000000000000" pitchFamily="50" charset="0"/>
-                          <a:ea typeface="CMU Sans Serif" panose="02000603000000000000" pitchFamily="2" charset="0"/>
-                          <a:cs typeface="CMU Sans Serif" panose="02000603000000000000" pitchFamily="2" charset="0"/>
-                        </a:rPr>
-                        <a:t>B</a:t>
-                      </a:r>
-                      <a:endParaRPr lang="en-ID" sz="1400" b="1" dirty="0">
-                        <a:solidFill>
-                          <a:schemeClr val="tx1"/>
-                        </a:solidFill>
-                        <a:latin typeface="TeX Gyre Bonum" panose="00000500000000000000" pitchFamily="50" charset="0"/>
-                        <a:ea typeface="CMU Sans Serif" panose="02000603000000000000" pitchFamily="2" charset="0"/>
-                        <a:cs typeface="CMU Sans Serif" panose="02000603000000000000" pitchFamily="2" charset="0"/>
-                      </a:endParaRPr>
-                    </a:p>
-                  </a:txBody>
-                  <a:tcPr>
-                    <a:lnL w="12700" cap="flat" cmpd="sng" algn="ctr">
-                      <a:noFill/>
-                      <a:prstDash val="solid"/>
-                      <a:round/>
-                      <a:headEnd type="none" w="med" len="med"/>
-                      <a:tailEnd type="none" w="med" len="med"/>
-                    </a:lnL>
-                    <a:lnR w="12700" cap="flat" cmpd="sng" algn="ctr">
-                      <a:noFill/>
-                      <a:prstDash val="solid"/>
-                      <a:round/>
-                      <a:headEnd type="none" w="med" len="med"/>
-                      <a:tailEnd type="none" w="med" len="med"/>
-                    </a:lnR>
-                    <a:lnT w="12700" cap="flat" cmpd="sng" algn="ctr">
-                      <a:solidFill>
-                        <a:schemeClr val="tx1"/>
-                      </a:solidFill>
-                      <a:prstDash val="solid"/>
-                      <a:round/>
-                      <a:headEnd type="none" w="med" len="med"/>
-                      <a:tailEnd type="none" w="med" len="med"/>
-                    </a:lnT>
-                    <a:lnB w="12700" cap="flat" cmpd="sng" algn="ctr">
-                      <a:solidFill>
-                        <a:schemeClr val="tx1"/>
-                      </a:solidFill>
-                      <a:prstDash val="solid"/>
-                      <a:round/>
-                      <a:headEnd type="none" w="med" len="med"/>
-                      <a:tailEnd type="none" w="med" len="med"/>
-                    </a:lnB>
-                    <a:lnTlToBr w="12700" cmpd="sng">
-                      <a:noFill/>
-                      <a:prstDash val="solid"/>
-                    </a:lnTlToBr>
-                    <a:lnBlToTr w="12700" cmpd="sng">
-                      <a:noFill/>
-                      <a:prstDash val="solid"/>
-                    </a:lnBlToTr>
-                    <a:noFill/>
-                  </a:tcPr>
-                </a:tc>
-                <a:tc>
-                  <a:txBody>
-                    <a:bodyPr/>
-                    <a:lstStyle/>
-                    <a:p>
-                      <a:pPr algn="ctr"/>
-                      <a:r>
-                        <a:rPr lang="en-US" sz="1400" b="1" dirty="0">
-                          <a:solidFill>
-                            <a:schemeClr val="tx1"/>
-                          </a:solidFill>
-                          <a:latin typeface="TeX Gyre Bonum" panose="00000500000000000000" pitchFamily="50" charset="0"/>
-                          <a:ea typeface="CMU Sans Serif" panose="02000603000000000000" pitchFamily="2" charset="0"/>
-                          <a:cs typeface="CMU Sans Serif" panose="02000603000000000000" pitchFamily="2" charset="0"/>
-                        </a:rPr>
-                        <a:t>C</a:t>
-                      </a:r>
-                      <a:endParaRPr lang="en-ID" sz="1400" b="1" dirty="0">
-                        <a:solidFill>
-                          <a:schemeClr val="tx1"/>
-                        </a:solidFill>
-                        <a:latin typeface="TeX Gyre Bonum" panose="00000500000000000000" pitchFamily="50" charset="0"/>
-                        <a:ea typeface="CMU Sans Serif" panose="02000603000000000000" pitchFamily="2" charset="0"/>
-                        <a:cs typeface="CMU Sans Serif" panose="02000603000000000000" pitchFamily="2" charset="0"/>
-                      </a:endParaRPr>
-                    </a:p>
-                  </a:txBody>
-                  <a:tcPr>
-                    <a:lnL w="12700" cap="flat" cmpd="sng" algn="ctr">
-                      <a:noFill/>
-                      <a:prstDash val="solid"/>
-                      <a:round/>
-                      <a:headEnd type="none" w="med" len="med"/>
-                      <a:tailEnd type="none" w="med" len="med"/>
-                    </a:lnL>
-                    <a:lnR w="12700" cap="flat" cmpd="sng" algn="ctr">
-                      <a:noFill/>
-                      <a:prstDash val="solid"/>
-                      <a:round/>
-                      <a:headEnd type="none" w="med" len="med"/>
-                      <a:tailEnd type="none" w="med" len="med"/>
-                    </a:lnR>
-                    <a:lnT w="12700" cap="flat" cmpd="sng" algn="ctr">
-                      <a:solidFill>
-                        <a:schemeClr val="tx1"/>
-                      </a:solidFill>
-                      <a:prstDash val="solid"/>
-                      <a:round/>
-                      <a:headEnd type="none" w="med" len="med"/>
-                      <a:tailEnd type="none" w="med" len="med"/>
-                    </a:lnT>
-                    <a:lnB w="12700" cap="flat" cmpd="sng" algn="ctr">
-                      <a:solidFill>
-                        <a:schemeClr val="tx1"/>
-                      </a:solidFill>
-                      <a:prstDash val="solid"/>
-                      <a:round/>
-                      <a:headEnd type="none" w="med" len="med"/>
-                      <a:tailEnd type="none" w="med" len="med"/>
-                    </a:lnB>
-                    <a:lnTlToBr w="12700" cmpd="sng">
-                      <a:noFill/>
-                      <a:prstDash val="solid"/>
-                    </a:lnTlToBr>
-                    <a:lnBlToTr w="12700" cmpd="sng">
-                      <a:noFill/>
-                      <a:prstDash val="solid"/>
-                    </a:lnBlToTr>
-                    <a:noFill/>
-                  </a:tcPr>
-                </a:tc>
-                <a:tc>
-                  <a:txBody>
-                    <a:bodyPr/>
-                    <a:lstStyle/>
-                    <a:p>
-                      <a:pPr algn="ctr"/>
-                      <a:r>
-                        <a:rPr lang="en-US" sz="1400" b="1" dirty="0">
-                          <a:solidFill>
-                            <a:schemeClr val="tx1"/>
-                          </a:solidFill>
-                          <a:latin typeface="TeX Gyre Bonum" panose="00000500000000000000" pitchFamily="50" charset="0"/>
-                          <a:ea typeface="CMU Sans Serif" panose="02000603000000000000" pitchFamily="2" charset="0"/>
-                          <a:cs typeface="CMU Sans Serif" panose="02000603000000000000" pitchFamily="2" charset="0"/>
-                        </a:rPr>
-                        <a:t>D</a:t>
-                      </a:r>
-                      <a:endParaRPr lang="en-ID" sz="1400" b="1" dirty="0">
-                        <a:solidFill>
-                          <a:schemeClr val="tx1"/>
-                        </a:solidFill>
-                        <a:latin typeface="TeX Gyre Bonum" panose="00000500000000000000" pitchFamily="50" charset="0"/>
-                        <a:ea typeface="CMU Sans Serif" panose="02000603000000000000" pitchFamily="2" charset="0"/>
-                        <a:cs typeface="CMU Sans Serif" panose="02000603000000000000" pitchFamily="2" charset="0"/>
-                      </a:endParaRPr>
-                    </a:p>
-                  </a:txBody>
-                  <a:tcPr>
-                    <a:lnL w="12700" cap="flat" cmpd="sng" algn="ctr">
-                      <a:noFill/>
-                      <a:prstDash val="solid"/>
-                      <a:round/>
-                      <a:headEnd type="none" w="med" len="med"/>
-                      <a:tailEnd type="none" w="med" len="med"/>
-                    </a:lnL>
-                    <a:lnR w="12700" cap="flat" cmpd="sng" algn="ctr">
-                      <a:noFill/>
-                      <a:prstDash val="solid"/>
-                      <a:round/>
-                      <a:headEnd type="none" w="med" len="med"/>
-                      <a:tailEnd type="none" w="med" len="med"/>
-                    </a:lnR>
-                    <a:lnT w="12700" cap="flat" cmpd="sng" algn="ctr">
-                      <a:solidFill>
-                        <a:schemeClr val="tx1"/>
-                      </a:solidFill>
-                      <a:prstDash val="solid"/>
-                      <a:round/>
-                      <a:headEnd type="none" w="med" len="med"/>
-                      <a:tailEnd type="none" w="med" len="med"/>
-                    </a:lnT>
-                    <a:lnB w="12700" cap="flat" cmpd="sng" algn="ctr">
-                      <a:solidFill>
-                        <a:schemeClr val="tx1"/>
-                      </a:solidFill>
-                      <a:prstDash val="solid"/>
-                      <a:round/>
-                      <a:headEnd type="none" w="med" len="med"/>
-                      <a:tailEnd type="none" w="med" len="med"/>
-                    </a:lnB>
-                    <a:lnTlToBr w="12700" cmpd="sng">
-                      <a:noFill/>
-                      <a:prstDash val="solid"/>
-                    </a:lnTlToBr>
-                    <a:lnBlToTr w="12700" cmpd="sng">
-                      <a:noFill/>
-                      <a:prstDash val="solid"/>
-                    </a:lnBlToTr>
-                    <a:noFill/>
-                  </a:tcPr>
-                </a:tc>
-                <a:extLst>
-                  <a:ext uri="{0D108BD9-81ED-4DB2-BD59-A6C34878D82A}">
-                    <a16:rowId xmlns:a16="http://schemas.microsoft.com/office/drawing/2014/main" val="3095788039"/>
-                  </a:ext>
-                </a:extLst>
-              </a:tr>
-              <a:tr h="277368">
-                <a:tc>
-                  <a:txBody>
-                    <a:bodyPr/>
-                    <a:lstStyle/>
-                    <a:p>
-                      <a:pPr algn="l"/>
-                      <a:r>
-                        <a:rPr lang="en-US" sz="1400" b="1" dirty="0">
-                          <a:latin typeface="TeX Gyre Bonum" panose="00000500000000000000" pitchFamily="50" charset="0"/>
-                          <a:ea typeface="CMU Sans Serif" panose="02000603000000000000" pitchFamily="2" charset="0"/>
-                          <a:cs typeface="CMU Sans Serif" panose="02000603000000000000" pitchFamily="2" charset="0"/>
-                        </a:rPr>
-                        <a:t>Accuracy</a:t>
-                      </a:r>
-                      <a:endParaRPr lang="en-ID" sz="1400" b="1" dirty="0">
-                        <a:latin typeface="TeX Gyre Bonum" panose="00000500000000000000" pitchFamily="50" charset="0"/>
-                        <a:ea typeface="CMU Sans Serif" panose="02000603000000000000" pitchFamily="2" charset="0"/>
-                        <a:cs typeface="CMU Sans Serif" panose="02000603000000000000" pitchFamily="2" charset="0"/>
-                      </a:endParaRPr>
-                    </a:p>
-                  </a:txBody>
-                  <a:tcPr>
-                    <a:lnL w="12700" cap="flat" cmpd="sng" algn="ctr">
-                      <a:noFill/>
-                      <a:prstDash val="solid"/>
-                      <a:round/>
-                      <a:headEnd type="none" w="med" len="med"/>
-                      <a:tailEnd type="none" w="med" len="med"/>
-                    </a:lnL>
-                    <a:lnR w="12700" cap="flat" cmpd="sng" algn="ctr">
-                      <a:solidFill>
-                        <a:schemeClr val="tx1"/>
-                      </a:solidFill>
-                      <a:prstDash val="solid"/>
-                      <a:round/>
-                      <a:headEnd type="none" w="med" len="med"/>
-                      <a:tailEnd type="none" w="med" len="med"/>
-                    </a:lnR>
-                    <a:lnT w="12700" cap="flat" cmpd="sng" algn="ctr">
-                      <a:solidFill>
-                        <a:schemeClr val="tx1"/>
-                      </a:solidFill>
-                      <a:prstDash val="solid"/>
-                      <a:round/>
-                      <a:headEnd type="none" w="med" len="med"/>
-                      <a:tailEnd type="none" w="med" len="med"/>
-                    </a:lnT>
-                    <a:lnB w="12700" cap="flat" cmpd="sng" algn="ctr">
-                      <a:solidFill>
-                        <a:schemeClr val="tx1"/>
-                      </a:solidFill>
-                      <a:prstDash val="solid"/>
-                      <a:round/>
-                      <a:headEnd type="none" w="med" len="med"/>
-                      <a:tailEnd type="none" w="med" len="med"/>
-                    </a:lnB>
-                    <a:lnTlToBr w="12700" cmpd="sng">
-                      <a:noFill/>
-                      <a:prstDash val="solid"/>
-                    </a:lnTlToBr>
-                    <a:lnBlToTr w="12700" cmpd="sng">
-                      <a:noFill/>
-                      <a:prstDash val="solid"/>
-                    </a:lnBlToTr>
-                    <a:noFill/>
-                  </a:tcPr>
-                </a:tc>
-                <a:tc>
-                  <a:txBody>
-                    <a:bodyPr/>
-                    <a:lstStyle/>
-                    <a:p>
-                      <a:pPr marL="0" marR="0" lvl="0" indent="0" algn="ctr" defTabSz="914400" rtl="0" eaLnBrk="1" fontAlgn="auto" latinLnBrk="0" hangingPunct="1">
-                        <a:lnSpc>
-                          <a:spcPct val="100000"/>
-                        </a:lnSpc>
-                        <a:spcBef>
-                          <a:spcPts val="0"/>
-                        </a:spcBef>
-                        <a:spcAft>
-                          <a:spcPts val="0"/>
-                        </a:spcAft>
-                        <a:buClrTx/>
-                        <a:buSzTx/>
-                        <a:buFontTx/>
-                        <a:buNone/>
-                        <a:tabLst/>
-                        <a:defRPr/>
-                      </a:pPr>
-                      <a:r>
-                        <a:rPr lang="en-ID" sz="1400" b="0" kern="1200" dirty="0">
-                          <a:solidFill>
-                            <a:schemeClr val="dk1"/>
-                          </a:solidFill>
-                          <a:effectLst/>
-                          <a:latin typeface="TeX Gyre Bonum" panose="00000500000000000000" pitchFamily="50" charset="0"/>
-                          <a:ea typeface="CMU Sans Serif" panose="02000603000000000000" pitchFamily="2" charset="0"/>
-                          <a:cs typeface="CMU Sans Serif" panose="02000603000000000000" pitchFamily="2" charset="0"/>
-                        </a:rPr>
-                        <a:t>0.7463</a:t>
-                      </a:r>
-                    </a:p>
-                  </a:txBody>
-                  <a:tcPr>
-                    <a:lnL w="12700" cap="flat" cmpd="sng" algn="ctr">
-                      <a:solidFill>
-                        <a:schemeClr val="tx1"/>
-                      </a:solidFill>
-                      <a:prstDash val="solid"/>
-                      <a:round/>
-                      <a:headEnd type="none" w="med" len="med"/>
-                      <a:tailEnd type="none" w="med" len="med"/>
-                    </a:lnL>
-                    <a:lnR w="12700" cap="flat" cmpd="sng" algn="ctr">
-                      <a:noFill/>
-                      <a:prstDash val="solid"/>
-                      <a:round/>
-                      <a:headEnd type="none" w="med" len="med"/>
-                      <a:tailEnd type="none" w="med" len="med"/>
-                    </a:lnR>
-                    <a:lnT w="12700" cap="flat" cmpd="sng" algn="ctr">
-                      <a:solidFill>
-                        <a:schemeClr val="tx1"/>
-                      </a:solidFill>
-                      <a:prstDash val="solid"/>
-                      <a:round/>
-                      <a:headEnd type="none" w="med" len="med"/>
-                      <a:tailEnd type="none" w="med" len="med"/>
-                    </a:lnT>
-                    <a:lnB w="12700" cap="flat" cmpd="sng" algn="ctr">
-                      <a:solidFill>
-                        <a:schemeClr val="tx1"/>
-                      </a:solidFill>
-                      <a:prstDash val="solid"/>
-                      <a:round/>
-                      <a:headEnd type="none" w="med" len="med"/>
-                      <a:tailEnd type="none" w="med" len="med"/>
-                    </a:lnB>
-                    <a:lnTlToBr w="12700" cmpd="sng">
-                      <a:noFill/>
-                      <a:prstDash val="solid"/>
-                    </a:lnTlToBr>
-                    <a:lnBlToTr w="12700" cmpd="sng">
-                      <a:noFill/>
-                      <a:prstDash val="solid"/>
-                    </a:lnBlToTr>
-                    <a:noFill/>
-                  </a:tcPr>
-                </a:tc>
-                <a:tc>
-                  <a:txBody>
-                    <a:bodyPr/>
-                    <a:lstStyle/>
-                    <a:p>
-                      <a:pPr marL="0" marR="0" lvl="0" indent="0" algn="ctr" defTabSz="914400" rtl="0" eaLnBrk="1" fontAlgn="auto" latinLnBrk="0" hangingPunct="1">
-                        <a:lnSpc>
-                          <a:spcPct val="100000"/>
-                        </a:lnSpc>
-                        <a:spcBef>
-                          <a:spcPts val="0"/>
-                        </a:spcBef>
-                        <a:spcAft>
-                          <a:spcPts val="0"/>
-                        </a:spcAft>
-                        <a:buClrTx/>
-                        <a:buSzTx/>
-                        <a:buFontTx/>
-                        <a:buNone/>
-                        <a:tabLst/>
-                        <a:defRPr/>
-                      </a:pPr>
-                      <a:r>
-                        <a:rPr lang="en-ID" sz="1400" b="0" kern="1200" dirty="0">
-                          <a:solidFill>
-                            <a:schemeClr val="dk1"/>
-                          </a:solidFill>
-                          <a:effectLst/>
-                          <a:latin typeface="TeX Gyre Bonum" panose="00000500000000000000" pitchFamily="50" charset="0"/>
-                          <a:ea typeface="CMU Sans Serif" panose="02000603000000000000" pitchFamily="2" charset="0"/>
-                          <a:cs typeface="CMU Sans Serif" panose="02000603000000000000" pitchFamily="2" charset="0"/>
-                        </a:rPr>
-                        <a:t>0.7015</a:t>
-                      </a:r>
-                    </a:p>
-                  </a:txBody>
-                  <a:tcPr>
-                    <a:lnL w="12700" cap="flat" cmpd="sng" algn="ctr">
-                      <a:noFill/>
-                      <a:prstDash val="solid"/>
-                      <a:round/>
-                      <a:headEnd type="none" w="med" len="med"/>
-                      <a:tailEnd type="none" w="med" len="med"/>
-                    </a:lnL>
-                    <a:lnR w="12700" cap="flat" cmpd="sng" algn="ctr">
-                      <a:noFill/>
-                      <a:prstDash val="solid"/>
-                      <a:round/>
-                      <a:headEnd type="none" w="med" len="med"/>
-                      <a:tailEnd type="none" w="med" len="med"/>
-                    </a:lnR>
-                    <a:lnT w="12700" cap="flat" cmpd="sng" algn="ctr">
-                      <a:solidFill>
-                        <a:schemeClr val="tx1"/>
-                      </a:solidFill>
-                      <a:prstDash val="solid"/>
-                      <a:round/>
-                      <a:headEnd type="none" w="med" len="med"/>
-                      <a:tailEnd type="none" w="med" len="med"/>
-                    </a:lnT>
-                    <a:lnB w="12700" cap="flat" cmpd="sng" algn="ctr">
-                      <a:solidFill>
-                        <a:schemeClr val="tx1"/>
-                      </a:solidFill>
-                      <a:prstDash val="solid"/>
-                      <a:round/>
-                      <a:headEnd type="none" w="med" len="med"/>
-                      <a:tailEnd type="none" w="med" len="med"/>
-                    </a:lnB>
-                    <a:lnTlToBr w="12700" cmpd="sng">
-                      <a:noFill/>
-                      <a:prstDash val="solid"/>
-                    </a:lnTlToBr>
-                    <a:lnBlToTr w="12700" cmpd="sng">
-                      <a:noFill/>
-                      <a:prstDash val="solid"/>
-                    </a:lnBlToTr>
-                    <a:noFill/>
-                  </a:tcPr>
-                </a:tc>
-                <a:tc>
-                  <a:txBody>
-                    <a:bodyPr/>
-                    <a:lstStyle/>
-                    <a:p>
-                      <a:pPr marL="0" marR="0" lvl="0" indent="0" algn="ctr" defTabSz="914400" rtl="0" eaLnBrk="1" fontAlgn="auto" latinLnBrk="0" hangingPunct="1">
-                        <a:lnSpc>
-                          <a:spcPct val="100000"/>
-                        </a:lnSpc>
-                        <a:spcBef>
-                          <a:spcPts val="0"/>
-                        </a:spcBef>
-                        <a:spcAft>
-                          <a:spcPts val="0"/>
-                        </a:spcAft>
-                        <a:buClrTx/>
-                        <a:buSzTx/>
-                        <a:buFontTx/>
-                        <a:buNone/>
-                        <a:tabLst/>
-                        <a:defRPr/>
-                      </a:pPr>
-                      <a:r>
-                        <a:rPr lang="en-ID" sz="1400" b="0" kern="1200" dirty="0">
-                          <a:solidFill>
-                            <a:schemeClr val="dk1"/>
-                          </a:solidFill>
-                          <a:effectLst/>
-                          <a:latin typeface="TeX Gyre Bonum" panose="00000500000000000000" pitchFamily="50" charset="0"/>
-                          <a:ea typeface="CMU Sans Serif" panose="02000603000000000000" pitchFamily="2" charset="0"/>
-                          <a:cs typeface="CMU Sans Serif" panose="02000603000000000000" pitchFamily="2" charset="0"/>
-                        </a:rPr>
-                        <a:t>0.7313</a:t>
-                      </a:r>
-                    </a:p>
-                  </a:txBody>
-                  <a:tcPr>
-                    <a:lnL w="12700" cap="flat" cmpd="sng" algn="ctr">
-                      <a:noFill/>
-                      <a:prstDash val="solid"/>
-                      <a:round/>
-                      <a:headEnd type="none" w="med" len="med"/>
-                      <a:tailEnd type="none" w="med" len="med"/>
-                    </a:lnL>
-                    <a:lnR w="12700" cap="flat" cmpd="sng" algn="ctr">
-                      <a:noFill/>
-                      <a:prstDash val="solid"/>
-                      <a:round/>
-                      <a:headEnd type="none" w="med" len="med"/>
-                      <a:tailEnd type="none" w="med" len="med"/>
-                    </a:lnR>
-                    <a:lnT w="12700" cap="flat" cmpd="sng" algn="ctr">
-                      <a:solidFill>
-                        <a:schemeClr val="tx1"/>
-                      </a:solidFill>
-                      <a:prstDash val="solid"/>
-                      <a:round/>
-                      <a:headEnd type="none" w="med" len="med"/>
-                      <a:tailEnd type="none" w="med" len="med"/>
-                    </a:lnT>
-                    <a:lnB w="12700" cap="flat" cmpd="sng" algn="ctr">
-                      <a:solidFill>
-                        <a:schemeClr val="tx1"/>
-                      </a:solidFill>
-                      <a:prstDash val="solid"/>
-                      <a:round/>
-                      <a:headEnd type="none" w="med" len="med"/>
-                      <a:tailEnd type="none" w="med" len="med"/>
-                    </a:lnB>
-                    <a:lnTlToBr w="12700" cmpd="sng">
-                      <a:noFill/>
-                      <a:prstDash val="solid"/>
-                    </a:lnTlToBr>
-                    <a:lnBlToTr w="12700" cmpd="sng">
-                      <a:noFill/>
-                      <a:prstDash val="solid"/>
-                    </a:lnBlToTr>
-                    <a:noFill/>
-                  </a:tcPr>
-                </a:tc>
-                <a:tc>
-                  <a:txBody>
-                    <a:bodyPr/>
-                    <a:lstStyle/>
-                    <a:p>
-                      <a:pPr marL="0" marR="0" lvl="0" indent="0" algn="ctr" defTabSz="914400" rtl="0" eaLnBrk="1" fontAlgn="auto" latinLnBrk="0" hangingPunct="1">
-                        <a:lnSpc>
-                          <a:spcPct val="100000"/>
-                        </a:lnSpc>
-                        <a:spcBef>
-                          <a:spcPts val="0"/>
-                        </a:spcBef>
-                        <a:spcAft>
-                          <a:spcPts val="0"/>
-                        </a:spcAft>
-                        <a:buClrTx/>
-                        <a:buSzTx/>
-                        <a:buFontTx/>
-                        <a:buNone/>
-                        <a:tabLst/>
-                        <a:defRPr/>
-                      </a:pPr>
-                      <a:r>
-                        <a:rPr lang="en-ID" sz="1400" b="0" kern="1200" dirty="0">
-                          <a:solidFill>
-                            <a:schemeClr val="dk1"/>
-                          </a:solidFill>
-                          <a:effectLst/>
-                          <a:latin typeface="TeX Gyre Bonum" panose="00000500000000000000" pitchFamily="50" charset="0"/>
-                          <a:ea typeface="CMU Sans Serif" panose="02000603000000000000" pitchFamily="2" charset="0"/>
-                          <a:cs typeface="CMU Sans Serif" panose="02000603000000000000" pitchFamily="2" charset="0"/>
-                        </a:rPr>
-                        <a:t>0.7672</a:t>
-                      </a:r>
-                    </a:p>
-                  </a:txBody>
-                  <a:tcPr>
-                    <a:lnL w="12700" cap="flat" cmpd="sng" algn="ctr">
-                      <a:noFill/>
-                      <a:prstDash val="solid"/>
-                      <a:round/>
-                      <a:headEnd type="none" w="med" len="med"/>
-                      <a:tailEnd type="none" w="med" len="med"/>
-                    </a:lnL>
-                    <a:lnR w="12700" cap="flat" cmpd="sng" algn="ctr">
-                      <a:noFill/>
-                      <a:prstDash val="solid"/>
-                      <a:round/>
-                      <a:headEnd type="none" w="med" len="med"/>
-                      <a:tailEnd type="none" w="med" len="med"/>
-                    </a:lnR>
-                    <a:lnT w="12700" cap="flat" cmpd="sng" algn="ctr">
-                      <a:solidFill>
-                        <a:schemeClr val="tx1"/>
-                      </a:solidFill>
-                      <a:prstDash val="solid"/>
-                      <a:round/>
-                      <a:headEnd type="none" w="med" len="med"/>
-                      <a:tailEnd type="none" w="med" len="med"/>
-                    </a:lnT>
-                    <a:lnB w="12700" cap="flat" cmpd="sng" algn="ctr">
-                      <a:solidFill>
-                        <a:schemeClr val="tx1"/>
-                      </a:solidFill>
-                      <a:prstDash val="solid"/>
-                      <a:round/>
-                      <a:headEnd type="none" w="med" len="med"/>
-                      <a:tailEnd type="none" w="med" len="med"/>
-                    </a:lnB>
-                    <a:lnTlToBr w="12700" cmpd="sng">
-                      <a:noFill/>
-                      <a:prstDash val="solid"/>
-                    </a:lnTlToBr>
-                    <a:lnBlToTr w="12700" cmpd="sng">
-                      <a:noFill/>
-                      <a:prstDash val="solid"/>
-                    </a:lnBlToTr>
-                    <a:noFill/>
-                  </a:tcPr>
-                </a:tc>
-                <a:extLst>
-                  <a:ext uri="{0D108BD9-81ED-4DB2-BD59-A6C34878D82A}">
-                    <a16:rowId xmlns:a16="http://schemas.microsoft.com/office/drawing/2014/main" val="3362170562"/>
-                  </a:ext>
-                </a:extLst>
-              </a:tr>
-              <a:tr h="277368">
-                <a:tc>
-                  <a:txBody>
-                    <a:bodyPr/>
-                    <a:lstStyle/>
-                    <a:p>
-                      <a:pPr algn="l"/>
-                      <a:r>
-                        <a:rPr lang="en-US" sz="1400" b="1" dirty="0">
-                          <a:latin typeface="TeX Gyre Bonum" panose="00000500000000000000" pitchFamily="50" charset="0"/>
-                          <a:ea typeface="CMU Sans Serif" panose="02000603000000000000" pitchFamily="2" charset="0"/>
-                          <a:cs typeface="CMU Sans Serif" panose="02000603000000000000" pitchFamily="2" charset="0"/>
-                        </a:rPr>
-                        <a:t>Precision</a:t>
-                      </a:r>
-                      <a:endParaRPr lang="en-ID" sz="1400" b="1" dirty="0">
-                        <a:latin typeface="TeX Gyre Bonum" panose="00000500000000000000" pitchFamily="50" charset="0"/>
-                        <a:ea typeface="CMU Sans Serif" panose="02000603000000000000" pitchFamily="2" charset="0"/>
-                        <a:cs typeface="CMU Sans Serif" panose="02000603000000000000" pitchFamily="2" charset="0"/>
-                      </a:endParaRPr>
-                    </a:p>
-                  </a:txBody>
-                  <a:tcPr>
-                    <a:lnL w="12700" cap="flat" cmpd="sng" algn="ctr">
-                      <a:noFill/>
-                      <a:prstDash val="solid"/>
-                      <a:round/>
-                      <a:headEnd type="none" w="med" len="med"/>
-                      <a:tailEnd type="none" w="med" len="med"/>
-                    </a:lnL>
-                    <a:lnR w="12700" cap="flat" cmpd="sng" algn="ctr">
-                      <a:solidFill>
-                        <a:schemeClr val="tx1"/>
-                      </a:solidFill>
-                      <a:prstDash val="solid"/>
-                      <a:round/>
-                      <a:headEnd type="none" w="med" len="med"/>
-                      <a:tailEnd type="none" w="med" len="med"/>
-                    </a:lnR>
-                    <a:lnT w="12700" cap="flat" cmpd="sng" algn="ctr">
-                      <a:solidFill>
-                        <a:schemeClr val="tx1"/>
-                      </a:solidFill>
-                      <a:prstDash val="solid"/>
-                      <a:round/>
-                      <a:headEnd type="none" w="med" len="med"/>
-                      <a:tailEnd type="none" w="med" len="med"/>
-                    </a:lnT>
-                    <a:lnB w="12700" cap="flat" cmpd="sng" algn="ctr">
-                      <a:solidFill>
-                        <a:schemeClr val="tx1"/>
-                      </a:solidFill>
-                      <a:prstDash val="solid"/>
-                      <a:round/>
-                      <a:headEnd type="none" w="med" len="med"/>
-                      <a:tailEnd type="none" w="med" len="med"/>
-                    </a:lnB>
-                    <a:lnTlToBr w="12700" cmpd="sng">
-                      <a:noFill/>
-                      <a:prstDash val="solid"/>
-                    </a:lnTlToBr>
-                    <a:lnBlToTr w="12700" cmpd="sng">
-                      <a:noFill/>
-                      <a:prstDash val="solid"/>
-                    </a:lnBlToTr>
-                    <a:noFill/>
-                  </a:tcPr>
-                </a:tc>
-                <a:tc>
-                  <a:txBody>
-                    <a:bodyPr/>
-                    <a:lstStyle/>
-                    <a:p>
-                      <a:pPr algn="ctr"/>
-                      <a:r>
-                        <a:rPr lang="en-ID" sz="1400" b="0" kern="1200" dirty="0">
-                          <a:solidFill>
-                            <a:schemeClr val="dk1"/>
-                          </a:solidFill>
-                          <a:effectLst/>
-                          <a:latin typeface="TeX Gyre Bonum" panose="00000500000000000000" pitchFamily="50" charset="0"/>
-                          <a:ea typeface="CMU Sans Serif" panose="02000603000000000000" pitchFamily="2" charset="0"/>
-                          <a:cs typeface="CMU Sans Serif" panose="02000603000000000000" pitchFamily="2" charset="0"/>
-                        </a:rPr>
-                        <a:t>0.7563</a:t>
-                      </a:r>
-                      <a:endParaRPr lang="en-ID" sz="1400" dirty="0">
-                        <a:latin typeface="TeX Gyre Bonum" panose="00000500000000000000" pitchFamily="50" charset="0"/>
-                        <a:ea typeface="CMU Sans Serif" panose="02000603000000000000" pitchFamily="2" charset="0"/>
-                        <a:cs typeface="CMU Sans Serif" panose="02000603000000000000" pitchFamily="2" charset="0"/>
-                      </a:endParaRPr>
-                    </a:p>
-                  </a:txBody>
-                  <a:tcPr>
-                    <a:lnL w="12700" cap="flat" cmpd="sng" algn="ctr">
-                      <a:solidFill>
-                        <a:schemeClr val="tx1"/>
-                      </a:solidFill>
-                      <a:prstDash val="solid"/>
-                      <a:round/>
-                      <a:headEnd type="none" w="med" len="med"/>
-                      <a:tailEnd type="none" w="med" len="med"/>
-                    </a:lnL>
-                    <a:lnR w="12700" cap="flat" cmpd="sng" algn="ctr">
-                      <a:noFill/>
-                      <a:prstDash val="solid"/>
-                      <a:round/>
-                      <a:headEnd type="none" w="med" len="med"/>
-                      <a:tailEnd type="none" w="med" len="med"/>
-                    </a:lnR>
-                    <a:lnT w="12700" cap="flat" cmpd="sng" algn="ctr">
-                      <a:solidFill>
-                        <a:schemeClr val="tx1"/>
-                      </a:solidFill>
-                      <a:prstDash val="solid"/>
-                      <a:round/>
-                      <a:headEnd type="none" w="med" len="med"/>
-                      <a:tailEnd type="none" w="med" len="med"/>
-                    </a:lnT>
-                    <a:lnB w="12700" cap="flat" cmpd="sng" algn="ctr">
-                      <a:solidFill>
-                        <a:schemeClr val="tx1"/>
-                      </a:solidFill>
-                      <a:prstDash val="solid"/>
-                      <a:round/>
-                      <a:headEnd type="none" w="med" len="med"/>
-                      <a:tailEnd type="none" w="med" len="med"/>
-                    </a:lnB>
-                    <a:lnTlToBr w="12700" cmpd="sng">
-                      <a:noFill/>
-                      <a:prstDash val="solid"/>
-                    </a:lnTlToBr>
-                    <a:lnBlToTr w="12700" cmpd="sng">
-                      <a:noFill/>
-                      <a:prstDash val="solid"/>
-                    </a:lnBlToTr>
-                    <a:noFill/>
-                  </a:tcPr>
-                </a:tc>
-                <a:tc>
-                  <a:txBody>
-                    <a:bodyPr/>
-                    <a:lstStyle/>
-                    <a:p>
-                      <a:pPr marL="0" marR="0" lvl="0" indent="0" algn="ctr" defTabSz="914400" rtl="0" eaLnBrk="1" fontAlgn="auto" latinLnBrk="0" hangingPunct="1">
-                        <a:lnSpc>
-                          <a:spcPct val="100000"/>
-                        </a:lnSpc>
-                        <a:spcBef>
-                          <a:spcPts val="0"/>
-                        </a:spcBef>
-                        <a:spcAft>
-                          <a:spcPts val="0"/>
-                        </a:spcAft>
-                        <a:buClrTx/>
-                        <a:buSzTx/>
-                        <a:buFontTx/>
-                        <a:buNone/>
-                        <a:tabLst/>
-                        <a:defRPr/>
-                      </a:pPr>
-                      <a:r>
-                        <a:rPr lang="en-ID" sz="1400" b="0" kern="1200" dirty="0">
-                          <a:solidFill>
-                            <a:schemeClr val="dk1"/>
-                          </a:solidFill>
-                          <a:effectLst/>
-                          <a:latin typeface="TeX Gyre Bonum" panose="00000500000000000000" pitchFamily="50" charset="0"/>
-                          <a:ea typeface="CMU Sans Serif" panose="02000603000000000000" pitchFamily="2" charset="0"/>
-                          <a:cs typeface="CMU Sans Serif" panose="02000603000000000000" pitchFamily="2" charset="0"/>
-                        </a:rPr>
-                        <a:t>0.7402</a:t>
-                      </a:r>
-                    </a:p>
-                  </a:txBody>
-                  <a:tcPr>
-                    <a:lnL w="12700" cap="flat" cmpd="sng" algn="ctr">
-                      <a:noFill/>
-                      <a:prstDash val="solid"/>
-                      <a:round/>
-                      <a:headEnd type="none" w="med" len="med"/>
-                      <a:tailEnd type="none" w="med" len="med"/>
-                    </a:lnL>
-                    <a:lnR w="12700" cap="flat" cmpd="sng" algn="ctr">
-                      <a:noFill/>
-                      <a:prstDash val="solid"/>
-                      <a:round/>
-                      <a:headEnd type="none" w="med" len="med"/>
-                      <a:tailEnd type="none" w="med" len="med"/>
-                    </a:lnR>
-                    <a:lnT w="12700" cap="flat" cmpd="sng" algn="ctr">
-                      <a:solidFill>
-                        <a:schemeClr val="tx1"/>
-                      </a:solidFill>
-                      <a:prstDash val="solid"/>
-                      <a:round/>
-                      <a:headEnd type="none" w="med" len="med"/>
-                      <a:tailEnd type="none" w="med" len="med"/>
-                    </a:lnT>
-                    <a:lnB w="12700" cap="flat" cmpd="sng" algn="ctr">
-                      <a:solidFill>
-                        <a:schemeClr val="tx1"/>
-                      </a:solidFill>
-                      <a:prstDash val="solid"/>
-                      <a:round/>
-                      <a:headEnd type="none" w="med" len="med"/>
-                      <a:tailEnd type="none" w="med" len="med"/>
-                    </a:lnB>
-                    <a:lnTlToBr w="12700" cmpd="sng">
-                      <a:noFill/>
-                      <a:prstDash val="solid"/>
-                    </a:lnTlToBr>
-                    <a:lnBlToTr w="12700" cmpd="sng">
-                      <a:noFill/>
-                      <a:prstDash val="solid"/>
-                    </a:lnBlToTr>
-                    <a:noFill/>
-                  </a:tcPr>
-                </a:tc>
-                <a:tc>
-                  <a:txBody>
-                    <a:bodyPr/>
-                    <a:lstStyle/>
-                    <a:p>
-                      <a:pPr marL="0" marR="0" lvl="0" indent="0" algn="ctr" defTabSz="914400" rtl="0" eaLnBrk="1" fontAlgn="auto" latinLnBrk="0" hangingPunct="1">
-                        <a:lnSpc>
-                          <a:spcPct val="100000"/>
-                        </a:lnSpc>
-                        <a:spcBef>
-                          <a:spcPts val="0"/>
-                        </a:spcBef>
-                        <a:spcAft>
-                          <a:spcPts val="0"/>
-                        </a:spcAft>
-                        <a:buClrTx/>
-                        <a:buSzTx/>
-                        <a:buFontTx/>
-                        <a:buNone/>
-                        <a:tabLst/>
-                        <a:defRPr/>
-                      </a:pPr>
-                      <a:r>
-                        <a:rPr lang="en-ID" sz="1400" b="0" kern="1200" dirty="0">
-                          <a:solidFill>
-                            <a:schemeClr val="dk1"/>
-                          </a:solidFill>
-                          <a:effectLst/>
-                          <a:latin typeface="TeX Gyre Bonum" panose="00000500000000000000" pitchFamily="50" charset="0"/>
-                          <a:ea typeface="CMU Sans Serif" panose="02000603000000000000" pitchFamily="2" charset="0"/>
-                          <a:cs typeface="CMU Sans Serif" panose="02000603000000000000" pitchFamily="2" charset="0"/>
-                        </a:rPr>
-                        <a:t>0.7417</a:t>
-                      </a:r>
-                    </a:p>
-                  </a:txBody>
-                  <a:tcPr>
-                    <a:lnL w="12700" cap="flat" cmpd="sng" algn="ctr">
-                      <a:noFill/>
-                      <a:prstDash val="solid"/>
-                      <a:round/>
-                      <a:headEnd type="none" w="med" len="med"/>
-                      <a:tailEnd type="none" w="med" len="med"/>
-                    </a:lnL>
-                    <a:lnR w="12700" cap="flat" cmpd="sng" algn="ctr">
-                      <a:noFill/>
-                      <a:prstDash val="solid"/>
-                      <a:round/>
-                      <a:headEnd type="none" w="med" len="med"/>
-                      <a:tailEnd type="none" w="med" len="med"/>
-                    </a:lnR>
-                    <a:lnT w="12700" cap="flat" cmpd="sng" algn="ctr">
-                      <a:solidFill>
-                        <a:schemeClr val="tx1"/>
-                      </a:solidFill>
-                      <a:prstDash val="solid"/>
-                      <a:round/>
-                      <a:headEnd type="none" w="med" len="med"/>
-                      <a:tailEnd type="none" w="med" len="med"/>
-                    </a:lnT>
-                    <a:lnB w="12700" cap="flat" cmpd="sng" algn="ctr">
-                      <a:solidFill>
-                        <a:schemeClr val="tx1"/>
-                      </a:solidFill>
-                      <a:prstDash val="solid"/>
-                      <a:round/>
-                      <a:headEnd type="none" w="med" len="med"/>
-                      <a:tailEnd type="none" w="med" len="med"/>
-                    </a:lnB>
-                    <a:lnTlToBr w="12700" cmpd="sng">
-                      <a:noFill/>
-                      <a:prstDash val="solid"/>
-                    </a:lnTlToBr>
-                    <a:lnBlToTr w="12700" cmpd="sng">
-                      <a:noFill/>
-                      <a:prstDash val="solid"/>
-                    </a:lnBlToTr>
-                    <a:noFill/>
-                  </a:tcPr>
-                </a:tc>
-                <a:tc>
-                  <a:txBody>
-                    <a:bodyPr/>
-                    <a:lstStyle/>
-                    <a:p>
-                      <a:pPr marL="0" marR="0" lvl="0" indent="0" algn="ctr" defTabSz="914400" rtl="0" eaLnBrk="1" fontAlgn="auto" latinLnBrk="0" hangingPunct="1">
-                        <a:lnSpc>
-                          <a:spcPct val="100000"/>
-                        </a:lnSpc>
-                        <a:spcBef>
-                          <a:spcPts val="0"/>
-                        </a:spcBef>
-                        <a:spcAft>
-                          <a:spcPts val="0"/>
-                        </a:spcAft>
-                        <a:buClrTx/>
-                        <a:buSzTx/>
-                        <a:buFontTx/>
-                        <a:buNone/>
-                        <a:tabLst/>
-                        <a:defRPr/>
-                      </a:pPr>
-                      <a:r>
-                        <a:rPr lang="en-ID" sz="1400" b="0" kern="1200" dirty="0">
-                          <a:solidFill>
-                            <a:schemeClr val="dk1"/>
-                          </a:solidFill>
-                          <a:effectLst/>
-                          <a:latin typeface="TeX Gyre Bonum" panose="00000500000000000000" pitchFamily="50" charset="0"/>
-                          <a:ea typeface="CMU Sans Serif" panose="02000603000000000000" pitchFamily="2" charset="0"/>
-                          <a:cs typeface="CMU Sans Serif" panose="02000603000000000000" pitchFamily="2" charset="0"/>
-                        </a:rPr>
-                        <a:t>0.7263</a:t>
-                      </a:r>
-                    </a:p>
-                  </a:txBody>
-                  <a:tcPr>
-                    <a:lnL w="12700" cap="flat" cmpd="sng" algn="ctr">
-                      <a:noFill/>
-                      <a:prstDash val="solid"/>
-                      <a:round/>
-                      <a:headEnd type="none" w="med" len="med"/>
-                      <a:tailEnd type="none" w="med" len="med"/>
-                    </a:lnL>
-                    <a:lnR w="12700" cap="flat" cmpd="sng" algn="ctr">
-                      <a:noFill/>
-                      <a:prstDash val="solid"/>
-                      <a:round/>
-                      <a:headEnd type="none" w="med" len="med"/>
-                      <a:tailEnd type="none" w="med" len="med"/>
-                    </a:lnR>
-                    <a:lnT w="12700" cap="flat" cmpd="sng" algn="ctr">
-                      <a:solidFill>
-                        <a:schemeClr val="tx1"/>
-                      </a:solidFill>
-                      <a:prstDash val="solid"/>
-                      <a:round/>
-                      <a:headEnd type="none" w="med" len="med"/>
-                      <a:tailEnd type="none" w="med" len="med"/>
-                    </a:lnT>
-                    <a:lnB w="12700" cap="flat" cmpd="sng" algn="ctr">
-                      <a:solidFill>
-                        <a:schemeClr val="tx1"/>
-                      </a:solidFill>
-                      <a:prstDash val="solid"/>
-                      <a:round/>
-                      <a:headEnd type="none" w="med" len="med"/>
-                      <a:tailEnd type="none" w="med" len="med"/>
-                    </a:lnB>
-                    <a:lnTlToBr w="12700" cmpd="sng">
-                      <a:noFill/>
-                      <a:prstDash val="solid"/>
-                    </a:lnTlToBr>
-                    <a:lnBlToTr w="12700" cmpd="sng">
-                      <a:noFill/>
-                      <a:prstDash val="solid"/>
-                    </a:lnBlToTr>
-                    <a:noFill/>
-                  </a:tcPr>
-                </a:tc>
-                <a:extLst>
-                  <a:ext uri="{0D108BD9-81ED-4DB2-BD59-A6C34878D82A}">
-                    <a16:rowId xmlns:a16="http://schemas.microsoft.com/office/drawing/2014/main" val="161724924"/>
-                  </a:ext>
-                </a:extLst>
-              </a:tr>
-              <a:tr h="277368">
-                <a:tc>
-                  <a:txBody>
-                    <a:bodyPr/>
-                    <a:lstStyle/>
-                    <a:p>
-                      <a:pPr algn="l"/>
-                      <a:r>
-                        <a:rPr lang="en-US" sz="1400" b="1" dirty="0">
-                          <a:latin typeface="TeX Gyre Bonum" panose="00000500000000000000" pitchFamily="50" charset="0"/>
-                          <a:ea typeface="CMU Sans Serif" panose="02000603000000000000" pitchFamily="2" charset="0"/>
-                          <a:cs typeface="CMU Sans Serif" panose="02000603000000000000" pitchFamily="2" charset="0"/>
-                        </a:rPr>
-                        <a:t>Recall</a:t>
-                      </a:r>
-                      <a:endParaRPr lang="en-ID" sz="1400" b="1" dirty="0">
-                        <a:latin typeface="TeX Gyre Bonum" panose="00000500000000000000" pitchFamily="50" charset="0"/>
-                        <a:ea typeface="CMU Sans Serif" panose="02000603000000000000" pitchFamily="2" charset="0"/>
-                        <a:cs typeface="CMU Sans Serif" panose="02000603000000000000" pitchFamily="2" charset="0"/>
-                      </a:endParaRPr>
-                    </a:p>
-                  </a:txBody>
-                  <a:tcPr>
-                    <a:lnL w="12700" cap="flat" cmpd="sng" algn="ctr">
-                      <a:noFill/>
-                      <a:prstDash val="solid"/>
-                      <a:round/>
-                      <a:headEnd type="none" w="med" len="med"/>
-                      <a:tailEnd type="none" w="med" len="med"/>
-                    </a:lnL>
-                    <a:lnR w="12700" cap="flat" cmpd="sng" algn="ctr">
-                      <a:solidFill>
-                        <a:schemeClr val="tx1"/>
-                      </a:solidFill>
-                      <a:prstDash val="solid"/>
-                      <a:round/>
-                      <a:headEnd type="none" w="med" len="med"/>
-                      <a:tailEnd type="none" w="med" len="med"/>
-                    </a:lnR>
-                    <a:lnT w="12700" cap="flat" cmpd="sng" algn="ctr">
-                      <a:solidFill>
-                        <a:schemeClr val="tx1"/>
-                      </a:solidFill>
-                      <a:prstDash val="solid"/>
-                      <a:round/>
-                      <a:headEnd type="none" w="med" len="med"/>
-                      <a:tailEnd type="none" w="med" len="med"/>
-                    </a:lnT>
-                    <a:lnB w="12700" cap="flat" cmpd="sng" algn="ctr">
-                      <a:solidFill>
-                        <a:schemeClr val="tx1"/>
-                      </a:solidFill>
-                      <a:prstDash val="solid"/>
-                      <a:round/>
-                      <a:headEnd type="none" w="med" len="med"/>
-                      <a:tailEnd type="none" w="med" len="med"/>
-                    </a:lnB>
-                    <a:lnTlToBr w="12700" cmpd="sng">
-                      <a:noFill/>
-                      <a:prstDash val="solid"/>
-                    </a:lnTlToBr>
-                    <a:lnBlToTr w="12700" cmpd="sng">
-                      <a:noFill/>
-                      <a:prstDash val="solid"/>
-                    </a:lnBlToTr>
-                    <a:noFill/>
-                  </a:tcPr>
-                </a:tc>
-                <a:tc>
-                  <a:txBody>
-                    <a:bodyPr/>
-                    <a:lstStyle/>
-                    <a:p>
-                      <a:pPr algn="ctr"/>
-                      <a:r>
-                        <a:rPr lang="en-ID" sz="1400" b="0" kern="1200" dirty="0">
-                          <a:solidFill>
-                            <a:schemeClr val="dk1"/>
-                          </a:solidFill>
-                          <a:effectLst/>
-                          <a:latin typeface="TeX Gyre Bonum" panose="00000500000000000000" pitchFamily="50" charset="0"/>
-                          <a:ea typeface="CMU Sans Serif" panose="02000603000000000000" pitchFamily="2" charset="0"/>
-                          <a:cs typeface="CMU Sans Serif" panose="02000603000000000000" pitchFamily="2" charset="0"/>
-                        </a:rPr>
-                        <a:t>0.6164</a:t>
-                      </a:r>
-                      <a:endParaRPr lang="en-ID" sz="1400" dirty="0">
-                        <a:latin typeface="TeX Gyre Bonum" panose="00000500000000000000" pitchFamily="50" charset="0"/>
-                        <a:ea typeface="CMU Sans Serif" panose="02000603000000000000" pitchFamily="2" charset="0"/>
-                        <a:cs typeface="CMU Sans Serif" panose="02000603000000000000" pitchFamily="2" charset="0"/>
-                      </a:endParaRPr>
-                    </a:p>
-                  </a:txBody>
-                  <a:tcPr>
-                    <a:lnL w="12700" cap="flat" cmpd="sng" algn="ctr">
-                      <a:solidFill>
-                        <a:schemeClr val="tx1"/>
-                      </a:solidFill>
-                      <a:prstDash val="solid"/>
-                      <a:round/>
-                      <a:headEnd type="none" w="med" len="med"/>
-                      <a:tailEnd type="none" w="med" len="med"/>
-                    </a:lnL>
-                    <a:lnR w="12700" cap="flat" cmpd="sng" algn="ctr">
-                      <a:noFill/>
-                      <a:prstDash val="solid"/>
-                      <a:round/>
-                      <a:headEnd type="none" w="med" len="med"/>
-                      <a:tailEnd type="none" w="med" len="med"/>
-                    </a:lnR>
-                    <a:lnT w="12700" cap="flat" cmpd="sng" algn="ctr">
-                      <a:solidFill>
-                        <a:schemeClr val="tx1"/>
-                      </a:solidFill>
-                      <a:prstDash val="solid"/>
-                      <a:round/>
-                      <a:headEnd type="none" w="med" len="med"/>
-                      <a:tailEnd type="none" w="med" len="med"/>
-                    </a:lnT>
-                    <a:lnB w="12700" cap="flat" cmpd="sng" algn="ctr">
-                      <a:solidFill>
-                        <a:schemeClr val="tx1"/>
-                      </a:solidFill>
-                      <a:prstDash val="solid"/>
-                      <a:round/>
-                      <a:headEnd type="none" w="med" len="med"/>
-                      <a:tailEnd type="none" w="med" len="med"/>
-                    </a:lnB>
-                    <a:lnTlToBr w="12700" cmpd="sng">
-                      <a:noFill/>
-                      <a:prstDash val="solid"/>
-                    </a:lnTlToBr>
-                    <a:lnBlToTr w="12700" cmpd="sng">
-                      <a:noFill/>
-                      <a:prstDash val="solid"/>
-                    </a:lnBlToTr>
-                    <a:noFill/>
-                  </a:tcPr>
-                </a:tc>
-                <a:tc>
-                  <a:txBody>
-                    <a:bodyPr/>
-                    <a:lstStyle/>
-                    <a:p>
-                      <a:pPr marL="0" marR="0" lvl="0" indent="0" algn="ctr" defTabSz="914400" rtl="0" eaLnBrk="1" fontAlgn="auto" latinLnBrk="0" hangingPunct="1">
-                        <a:lnSpc>
-                          <a:spcPct val="100000"/>
-                        </a:lnSpc>
-                        <a:spcBef>
-                          <a:spcPts val="0"/>
-                        </a:spcBef>
-                        <a:spcAft>
-                          <a:spcPts val="0"/>
-                        </a:spcAft>
-                        <a:buClrTx/>
-                        <a:buSzTx/>
-                        <a:buFontTx/>
-                        <a:buNone/>
-                        <a:tabLst/>
-                        <a:defRPr/>
-                      </a:pPr>
-                      <a:r>
-                        <a:rPr lang="en-ID" sz="1400" b="0" kern="1200" dirty="0">
-                          <a:solidFill>
-                            <a:schemeClr val="dk1"/>
-                          </a:solidFill>
-                          <a:effectLst/>
-                          <a:latin typeface="TeX Gyre Bonum" panose="00000500000000000000" pitchFamily="50" charset="0"/>
-                          <a:ea typeface="CMU Sans Serif" panose="02000603000000000000" pitchFamily="2" charset="0"/>
-                          <a:cs typeface="CMU Sans Serif" panose="02000603000000000000" pitchFamily="2" charset="0"/>
-                        </a:rPr>
-                        <a:t>0.5839</a:t>
-                      </a:r>
-                    </a:p>
-                  </a:txBody>
-                  <a:tcPr>
-                    <a:lnL w="12700" cap="flat" cmpd="sng" algn="ctr">
-                      <a:noFill/>
-                      <a:prstDash val="solid"/>
-                      <a:round/>
-                      <a:headEnd type="none" w="med" len="med"/>
-                      <a:tailEnd type="none" w="med" len="med"/>
-                    </a:lnL>
-                    <a:lnR w="12700" cap="flat" cmpd="sng" algn="ctr">
-                      <a:noFill/>
-                      <a:prstDash val="solid"/>
-                      <a:round/>
-                      <a:headEnd type="none" w="med" len="med"/>
-                      <a:tailEnd type="none" w="med" len="med"/>
-                    </a:lnR>
-                    <a:lnT w="12700" cap="flat" cmpd="sng" algn="ctr">
-                      <a:solidFill>
-                        <a:schemeClr val="tx1"/>
-                      </a:solidFill>
-                      <a:prstDash val="solid"/>
-                      <a:round/>
-                      <a:headEnd type="none" w="med" len="med"/>
-                      <a:tailEnd type="none" w="med" len="med"/>
-                    </a:lnT>
-                    <a:lnB w="12700" cap="flat" cmpd="sng" algn="ctr">
-                      <a:solidFill>
-                        <a:schemeClr val="tx1"/>
-                      </a:solidFill>
-                      <a:prstDash val="solid"/>
-                      <a:round/>
-                      <a:headEnd type="none" w="med" len="med"/>
-                      <a:tailEnd type="none" w="med" len="med"/>
-                    </a:lnB>
-                    <a:lnTlToBr w="12700" cmpd="sng">
-                      <a:noFill/>
-                      <a:prstDash val="solid"/>
-                    </a:lnTlToBr>
-                    <a:lnBlToTr w="12700" cmpd="sng">
-                      <a:noFill/>
-                      <a:prstDash val="solid"/>
-                    </a:lnBlToTr>
-                    <a:noFill/>
-                  </a:tcPr>
-                </a:tc>
-                <a:tc>
-                  <a:txBody>
-                    <a:bodyPr/>
-                    <a:lstStyle/>
-                    <a:p>
-                      <a:pPr marL="0" marR="0" lvl="0" indent="0" algn="ctr" defTabSz="914400" rtl="0" eaLnBrk="1" fontAlgn="auto" latinLnBrk="0" hangingPunct="1">
-                        <a:lnSpc>
-                          <a:spcPct val="100000"/>
-                        </a:lnSpc>
-                        <a:spcBef>
-                          <a:spcPts val="0"/>
-                        </a:spcBef>
-                        <a:spcAft>
-                          <a:spcPts val="0"/>
-                        </a:spcAft>
-                        <a:buClrTx/>
-                        <a:buSzTx/>
-                        <a:buFontTx/>
-                        <a:buNone/>
-                        <a:tabLst/>
-                        <a:defRPr/>
-                      </a:pPr>
-                      <a:r>
-                        <a:rPr lang="en-ID" sz="1400" b="0" kern="1200" dirty="0">
-                          <a:solidFill>
-                            <a:schemeClr val="dk1"/>
-                          </a:solidFill>
-                          <a:effectLst/>
-                          <a:latin typeface="TeX Gyre Bonum" panose="00000500000000000000" pitchFamily="50" charset="0"/>
-                          <a:ea typeface="CMU Sans Serif" panose="02000603000000000000" pitchFamily="2" charset="0"/>
-                          <a:cs typeface="CMU Sans Serif" panose="02000603000000000000" pitchFamily="2" charset="0"/>
-                        </a:rPr>
-                        <a:t>0.6871</a:t>
-                      </a:r>
-                    </a:p>
-                  </a:txBody>
-                  <a:tcPr>
-                    <a:lnL w="12700" cap="flat" cmpd="sng" algn="ctr">
-                      <a:noFill/>
-                      <a:prstDash val="solid"/>
-                      <a:round/>
-                      <a:headEnd type="none" w="med" len="med"/>
-                      <a:tailEnd type="none" w="med" len="med"/>
-                    </a:lnL>
-                    <a:lnR w="12700" cap="flat" cmpd="sng" algn="ctr">
-                      <a:noFill/>
-                      <a:prstDash val="solid"/>
-                      <a:round/>
-                      <a:headEnd type="none" w="med" len="med"/>
-                      <a:tailEnd type="none" w="med" len="med"/>
-                    </a:lnR>
-                    <a:lnT w="12700" cap="flat" cmpd="sng" algn="ctr">
-                      <a:solidFill>
-                        <a:schemeClr val="tx1"/>
-                      </a:solidFill>
-                      <a:prstDash val="solid"/>
-                      <a:round/>
-                      <a:headEnd type="none" w="med" len="med"/>
-                      <a:tailEnd type="none" w="med" len="med"/>
-                    </a:lnT>
-                    <a:lnB w="12700" cap="flat" cmpd="sng" algn="ctr">
-                      <a:solidFill>
-                        <a:schemeClr val="tx1"/>
-                      </a:solidFill>
-                      <a:prstDash val="solid"/>
-                      <a:round/>
-                      <a:headEnd type="none" w="med" len="med"/>
-                      <a:tailEnd type="none" w="med" len="med"/>
-                    </a:lnB>
-                    <a:lnTlToBr w="12700" cmpd="sng">
-                      <a:noFill/>
-                      <a:prstDash val="solid"/>
-                    </a:lnTlToBr>
-                    <a:lnBlToTr w="12700" cmpd="sng">
-                      <a:noFill/>
-                      <a:prstDash val="solid"/>
-                    </a:lnBlToTr>
-                    <a:noFill/>
-                  </a:tcPr>
-                </a:tc>
-                <a:tc>
-                  <a:txBody>
-                    <a:bodyPr/>
-                    <a:lstStyle/>
-                    <a:p>
-                      <a:pPr marL="0" marR="0" lvl="0" indent="0" algn="ctr" defTabSz="914400" rtl="0" eaLnBrk="1" fontAlgn="auto" latinLnBrk="0" hangingPunct="1">
-                        <a:lnSpc>
-                          <a:spcPct val="100000"/>
-                        </a:lnSpc>
-                        <a:spcBef>
-                          <a:spcPts val="0"/>
-                        </a:spcBef>
-                        <a:spcAft>
-                          <a:spcPts val="0"/>
-                        </a:spcAft>
-                        <a:buClrTx/>
-                        <a:buSzTx/>
-                        <a:buFontTx/>
-                        <a:buNone/>
-                        <a:tabLst/>
-                        <a:defRPr/>
-                      </a:pPr>
-                      <a:r>
-                        <a:rPr lang="en-ID" sz="1400" b="0" kern="1200" dirty="0">
-                          <a:solidFill>
-                            <a:schemeClr val="dk1"/>
-                          </a:solidFill>
-                          <a:effectLst/>
-                          <a:latin typeface="TeX Gyre Bonum" panose="00000500000000000000" pitchFamily="50" charset="0"/>
-                          <a:ea typeface="CMU Sans Serif" panose="02000603000000000000" pitchFamily="2" charset="0"/>
-                          <a:cs typeface="CMU Sans Serif" panose="02000603000000000000" pitchFamily="2" charset="0"/>
-                        </a:rPr>
-                        <a:t>0.8415</a:t>
-                      </a:r>
-                    </a:p>
-                  </a:txBody>
-                  <a:tcPr>
-                    <a:lnL w="12700" cap="flat" cmpd="sng" algn="ctr">
-                      <a:noFill/>
-                      <a:prstDash val="solid"/>
-                      <a:round/>
-                      <a:headEnd type="none" w="med" len="med"/>
-                      <a:tailEnd type="none" w="med" len="med"/>
-                    </a:lnL>
-                    <a:lnR w="12700" cap="flat" cmpd="sng" algn="ctr">
-                      <a:noFill/>
-                      <a:prstDash val="solid"/>
-                      <a:round/>
-                      <a:headEnd type="none" w="med" len="med"/>
-                      <a:tailEnd type="none" w="med" len="med"/>
-                    </a:lnR>
-                    <a:lnT w="12700" cap="flat" cmpd="sng" algn="ctr">
-                      <a:solidFill>
-                        <a:schemeClr val="tx1"/>
-                      </a:solidFill>
-                      <a:prstDash val="solid"/>
-                      <a:round/>
-                      <a:headEnd type="none" w="med" len="med"/>
-                      <a:tailEnd type="none" w="med" len="med"/>
-                    </a:lnT>
-                    <a:lnB w="12700" cap="flat" cmpd="sng" algn="ctr">
-                      <a:solidFill>
-                        <a:schemeClr val="tx1"/>
-                      </a:solidFill>
-                      <a:prstDash val="solid"/>
-                      <a:round/>
-                      <a:headEnd type="none" w="med" len="med"/>
-                      <a:tailEnd type="none" w="med" len="med"/>
-                    </a:lnB>
-                    <a:lnTlToBr w="12700" cmpd="sng">
-                      <a:noFill/>
-                      <a:prstDash val="solid"/>
-                    </a:lnTlToBr>
-                    <a:lnBlToTr w="12700" cmpd="sng">
-                      <a:noFill/>
-                      <a:prstDash val="solid"/>
-                    </a:lnBlToTr>
-                    <a:noFill/>
-                  </a:tcPr>
-                </a:tc>
-                <a:extLst>
-                  <a:ext uri="{0D108BD9-81ED-4DB2-BD59-A6C34878D82A}">
-                    <a16:rowId xmlns:a16="http://schemas.microsoft.com/office/drawing/2014/main" val="2519848077"/>
-                  </a:ext>
-                </a:extLst>
-              </a:tr>
-              <a:tr h="277368">
-                <a:tc>
-                  <a:txBody>
-                    <a:bodyPr/>
-                    <a:lstStyle/>
-                    <a:p>
-                      <a:pPr algn="l"/>
-                      <a:r>
-                        <a:rPr lang="en-US" sz="1400" b="1" dirty="0">
-                          <a:latin typeface="TeX Gyre Bonum" panose="00000500000000000000" pitchFamily="50" charset="0"/>
-                          <a:ea typeface="CMU Sans Serif" panose="02000603000000000000" pitchFamily="2" charset="0"/>
-                          <a:cs typeface="CMU Sans Serif" panose="02000603000000000000" pitchFamily="2" charset="0"/>
-                        </a:rPr>
-                        <a:t>F1-score</a:t>
-                      </a:r>
-                      <a:endParaRPr lang="en-ID" sz="1400" b="1" dirty="0">
-                        <a:latin typeface="TeX Gyre Bonum" panose="00000500000000000000" pitchFamily="50" charset="0"/>
-                        <a:ea typeface="CMU Sans Serif" panose="02000603000000000000" pitchFamily="2" charset="0"/>
-                        <a:cs typeface="CMU Sans Serif" panose="02000603000000000000" pitchFamily="2" charset="0"/>
-                      </a:endParaRPr>
-                    </a:p>
-                  </a:txBody>
-                  <a:tcPr>
-                    <a:lnL w="12700" cap="flat" cmpd="sng" algn="ctr">
-                      <a:noFill/>
-                      <a:prstDash val="solid"/>
-                      <a:round/>
-                      <a:headEnd type="none" w="med" len="med"/>
-                      <a:tailEnd type="none" w="med" len="med"/>
-                    </a:lnL>
-                    <a:lnR w="12700" cap="flat" cmpd="sng" algn="ctr">
-                      <a:solidFill>
-                        <a:schemeClr val="tx1"/>
-                      </a:solidFill>
-                      <a:prstDash val="solid"/>
-                      <a:round/>
-                      <a:headEnd type="none" w="med" len="med"/>
-                      <a:tailEnd type="none" w="med" len="med"/>
-                    </a:lnR>
-                    <a:lnT w="12700" cap="flat" cmpd="sng" algn="ctr">
-                      <a:solidFill>
-                        <a:schemeClr val="tx1"/>
-                      </a:solidFill>
-                      <a:prstDash val="solid"/>
-                      <a:round/>
-                      <a:headEnd type="none" w="med" len="med"/>
-                      <a:tailEnd type="none" w="med" len="med"/>
-                    </a:lnT>
-                    <a:lnB w="12700" cap="flat" cmpd="sng" algn="ctr">
-                      <a:solidFill>
-                        <a:schemeClr val="tx1"/>
-                      </a:solidFill>
-                      <a:prstDash val="solid"/>
-                      <a:round/>
-                      <a:headEnd type="none" w="med" len="med"/>
-                      <a:tailEnd type="none" w="med" len="med"/>
-                    </a:lnB>
-                    <a:lnTlToBr w="12700" cmpd="sng">
-                      <a:noFill/>
-                      <a:prstDash val="solid"/>
-                    </a:lnTlToBr>
-                    <a:lnBlToTr w="12700" cmpd="sng">
-                      <a:noFill/>
-                      <a:prstDash val="solid"/>
-                    </a:lnBlToTr>
-                    <a:noFill/>
-                  </a:tcPr>
-                </a:tc>
-                <a:tc>
-                  <a:txBody>
-                    <a:bodyPr/>
-                    <a:lstStyle/>
-                    <a:p>
-                      <a:pPr algn="ctr"/>
-                      <a:r>
-                        <a:rPr lang="en-US" sz="1400" dirty="0">
-                          <a:latin typeface="TeX Gyre Bonum" panose="00000500000000000000" pitchFamily="50" charset="0"/>
-                          <a:ea typeface="CMU Sans Serif" panose="02000603000000000000" pitchFamily="2" charset="0"/>
-                          <a:cs typeface="CMU Sans Serif" panose="02000603000000000000" pitchFamily="2" charset="0"/>
-                        </a:rPr>
-                        <a:t>0.3396</a:t>
-                      </a:r>
-                      <a:endParaRPr lang="en-ID" sz="1400" dirty="0">
-                        <a:latin typeface="TeX Gyre Bonum" panose="00000500000000000000" pitchFamily="50" charset="0"/>
-                        <a:ea typeface="CMU Sans Serif" panose="02000603000000000000" pitchFamily="2" charset="0"/>
-                        <a:cs typeface="CMU Sans Serif" panose="02000603000000000000" pitchFamily="2" charset="0"/>
-                      </a:endParaRPr>
-                    </a:p>
-                  </a:txBody>
-                  <a:tcPr>
-                    <a:lnL w="12700" cap="flat" cmpd="sng" algn="ctr">
-                      <a:solidFill>
-                        <a:schemeClr val="tx1"/>
-                      </a:solidFill>
-                      <a:prstDash val="solid"/>
-                      <a:round/>
-                      <a:headEnd type="none" w="med" len="med"/>
-                      <a:tailEnd type="none" w="med" len="med"/>
-                    </a:lnL>
-                    <a:lnR w="12700" cap="flat" cmpd="sng" algn="ctr">
-                      <a:noFill/>
-                      <a:prstDash val="solid"/>
-                      <a:round/>
-                      <a:headEnd type="none" w="med" len="med"/>
-                      <a:tailEnd type="none" w="med" len="med"/>
-                    </a:lnR>
-                    <a:lnT w="12700" cap="flat" cmpd="sng" algn="ctr">
-                      <a:solidFill>
-                        <a:schemeClr val="tx1"/>
-                      </a:solidFill>
-                      <a:prstDash val="solid"/>
-                      <a:round/>
-                      <a:headEnd type="none" w="med" len="med"/>
-                      <a:tailEnd type="none" w="med" len="med"/>
-                    </a:lnT>
-                    <a:lnB w="12700" cap="flat" cmpd="sng" algn="ctr">
-                      <a:solidFill>
-                        <a:schemeClr val="tx1"/>
-                      </a:solidFill>
-                      <a:prstDash val="solid"/>
-                      <a:round/>
-                      <a:headEnd type="none" w="med" len="med"/>
-                      <a:tailEnd type="none" w="med" len="med"/>
-                    </a:lnB>
-                    <a:lnTlToBr w="12700" cmpd="sng">
-                      <a:noFill/>
-                      <a:prstDash val="solid"/>
-                    </a:lnTlToBr>
-                    <a:lnBlToTr w="12700" cmpd="sng">
-                      <a:noFill/>
-                      <a:prstDash val="solid"/>
-                    </a:lnBlToTr>
-                    <a:noFill/>
-                  </a:tcPr>
-                </a:tc>
-                <a:tc>
-                  <a:txBody>
-                    <a:bodyPr/>
-                    <a:lstStyle/>
-                    <a:p>
-                      <a:pPr algn="ctr"/>
-                      <a:r>
-                        <a:rPr lang="en-US" sz="1400" dirty="0">
-                          <a:latin typeface="TeX Gyre Bonum" panose="00000500000000000000" pitchFamily="50" charset="0"/>
-                          <a:ea typeface="CMU Sans Serif" panose="02000603000000000000" pitchFamily="2" charset="0"/>
-                          <a:cs typeface="CMU Sans Serif" panose="02000603000000000000" pitchFamily="2" charset="0"/>
-                        </a:rPr>
-                        <a:t>0.3264</a:t>
-                      </a:r>
-                      <a:endParaRPr lang="en-ID" sz="1400" dirty="0">
-                        <a:latin typeface="TeX Gyre Bonum" panose="00000500000000000000" pitchFamily="50" charset="0"/>
-                        <a:ea typeface="CMU Sans Serif" panose="02000603000000000000" pitchFamily="2" charset="0"/>
-                        <a:cs typeface="CMU Sans Serif" panose="02000603000000000000" pitchFamily="2" charset="0"/>
-                      </a:endParaRPr>
-                    </a:p>
-                  </a:txBody>
-                  <a:tcPr>
-                    <a:lnL w="12700" cap="flat" cmpd="sng" algn="ctr">
-                      <a:noFill/>
-                      <a:prstDash val="solid"/>
-                      <a:round/>
-                      <a:headEnd type="none" w="med" len="med"/>
-                      <a:tailEnd type="none" w="med" len="med"/>
-                    </a:lnL>
-                    <a:lnR w="12700" cap="flat" cmpd="sng" algn="ctr">
-                      <a:noFill/>
-                      <a:prstDash val="solid"/>
-                      <a:round/>
-                      <a:headEnd type="none" w="med" len="med"/>
-                      <a:tailEnd type="none" w="med" len="med"/>
-                    </a:lnR>
-                    <a:lnT w="12700" cap="flat" cmpd="sng" algn="ctr">
-                      <a:solidFill>
-                        <a:schemeClr val="tx1"/>
-                      </a:solidFill>
-                      <a:prstDash val="solid"/>
-                      <a:round/>
-                      <a:headEnd type="none" w="med" len="med"/>
-                      <a:tailEnd type="none" w="med" len="med"/>
-                    </a:lnT>
-                    <a:lnB w="12700" cap="flat" cmpd="sng" algn="ctr">
-                      <a:solidFill>
-                        <a:schemeClr val="tx1"/>
-                      </a:solidFill>
-                      <a:prstDash val="solid"/>
-                      <a:round/>
-                      <a:headEnd type="none" w="med" len="med"/>
-                      <a:tailEnd type="none" w="med" len="med"/>
-                    </a:lnB>
-                    <a:lnTlToBr w="12700" cmpd="sng">
-                      <a:noFill/>
-                      <a:prstDash val="solid"/>
-                    </a:lnTlToBr>
-                    <a:lnBlToTr w="12700" cmpd="sng">
-                      <a:noFill/>
-                      <a:prstDash val="solid"/>
-                    </a:lnBlToTr>
-                    <a:noFill/>
-                  </a:tcPr>
-                </a:tc>
-                <a:tc>
-                  <a:txBody>
-                    <a:bodyPr/>
-                    <a:lstStyle/>
-                    <a:p>
-                      <a:pPr algn="ctr"/>
-                      <a:r>
-                        <a:rPr lang="en-US" sz="1400" dirty="0">
-                          <a:latin typeface="TeX Gyre Bonum" panose="00000500000000000000" pitchFamily="50" charset="0"/>
-                          <a:ea typeface="CMU Sans Serif" panose="02000603000000000000" pitchFamily="2" charset="0"/>
-                          <a:cs typeface="CMU Sans Serif" panose="02000603000000000000" pitchFamily="2" charset="0"/>
-                        </a:rPr>
-                        <a:t>0.3567</a:t>
-                      </a:r>
-                      <a:endParaRPr lang="en-ID" sz="1400" dirty="0">
-                        <a:latin typeface="TeX Gyre Bonum" panose="00000500000000000000" pitchFamily="50" charset="0"/>
-                        <a:ea typeface="CMU Sans Serif" panose="02000603000000000000" pitchFamily="2" charset="0"/>
-                        <a:cs typeface="CMU Sans Serif" panose="02000603000000000000" pitchFamily="2" charset="0"/>
-                      </a:endParaRPr>
-                    </a:p>
-                  </a:txBody>
-                  <a:tcPr>
-                    <a:lnL w="12700" cap="flat" cmpd="sng" algn="ctr">
-                      <a:noFill/>
-                      <a:prstDash val="solid"/>
-                      <a:round/>
-                      <a:headEnd type="none" w="med" len="med"/>
-                      <a:tailEnd type="none" w="med" len="med"/>
-                    </a:lnL>
-                    <a:lnR w="12700" cap="flat" cmpd="sng" algn="ctr">
-                      <a:noFill/>
-                      <a:prstDash val="solid"/>
-                      <a:round/>
-                      <a:headEnd type="none" w="med" len="med"/>
-                      <a:tailEnd type="none" w="med" len="med"/>
-                    </a:lnR>
-                    <a:lnT w="12700" cap="flat" cmpd="sng" algn="ctr">
-                      <a:solidFill>
-                        <a:schemeClr val="tx1"/>
-                      </a:solidFill>
-                      <a:prstDash val="solid"/>
-                      <a:round/>
-                      <a:headEnd type="none" w="med" len="med"/>
-                      <a:tailEnd type="none" w="med" len="med"/>
-                    </a:lnT>
-                    <a:lnB w="12700" cap="flat" cmpd="sng" algn="ctr">
-                      <a:solidFill>
-                        <a:schemeClr val="tx1"/>
-                      </a:solidFill>
-                      <a:prstDash val="solid"/>
-                      <a:round/>
-                      <a:headEnd type="none" w="med" len="med"/>
-                      <a:tailEnd type="none" w="med" len="med"/>
-                    </a:lnB>
-                    <a:lnTlToBr w="12700" cmpd="sng">
-                      <a:noFill/>
-                      <a:prstDash val="solid"/>
-                    </a:lnTlToBr>
-                    <a:lnBlToTr w="12700" cmpd="sng">
-                      <a:noFill/>
-                      <a:prstDash val="solid"/>
-                    </a:lnBlToTr>
-                    <a:noFill/>
-                  </a:tcPr>
-                </a:tc>
-                <a:tc>
-                  <a:txBody>
-                    <a:bodyPr/>
-                    <a:lstStyle/>
-                    <a:p>
-                      <a:pPr algn="ctr"/>
-                      <a:r>
-                        <a:rPr lang="en-US" sz="1400" dirty="0">
-                          <a:latin typeface="TeX Gyre Bonum" panose="00000500000000000000" pitchFamily="50" charset="0"/>
-                          <a:ea typeface="CMU Sans Serif" panose="02000603000000000000" pitchFamily="2" charset="0"/>
-                          <a:cs typeface="CMU Sans Serif" panose="02000603000000000000" pitchFamily="2" charset="0"/>
-                        </a:rPr>
-                        <a:t>0.3898</a:t>
-                      </a:r>
-                      <a:endParaRPr lang="en-ID" sz="1400" dirty="0">
-                        <a:latin typeface="TeX Gyre Bonum" panose="00000500000000000000" pitchFamily="50" charset="0"/>
-                        <a:ea typeface="CMU Sans Serif" panose="02000603000000000000" pitchFamily="2" charset="0"/>
-                        <a:cs typeface="CMU Sans Serif" panose="02000603000000000000" pitchFamily="2" charset="0"/>
-                      </a:endParaRPr>
-                    </a:p>
-                  </a:txBody>
-                  <a:tcPr>
-                    <a:lnL w="12700" cap="flat" cmpd="sng" algn="ctr">
-                      <a:noFill/>
-                      <a:prstDash val="solid"/>
-                      <a:round/>
-                      <a:headEnd type="none" w="med" len="med"/>
-                      <a:tailEnd type="none" w="med" len="med"/>
-                    </a:lnL>
-                    <a:lnR w="12700" cap="flat" cmpd="sng" algn="ctr">
-                      <a:noFill/>
-                      <a:prstDash val="solid"/>
-                      <a:round/>
-                      <a:headEnd type="none" w="med" len="med"/>
-                      <a:tailEnd type="none" w="med" len="med"/>
-                    </a:lnR>
-                    <a:lnT w="12700" cap="flat" cmpd="sng" algn="ctr">
-                      <a:solidFill>
-                        <a:schemeClr val="tx1"/>
-                      </a:solidFill>
-                      <a:prstDash val="solid"/>
-                      <a:round/>
-                      <a:headEnd type="none" w="med" len="med"/>
-                      <a:tailEnd type="none" w="med" len="med"/>
-                    </a:lnT>
-                    <a:lnB w="12700" cap="flat" cmpd="sng" algn="ctr">
-                      <a:solidFill>
-                        <a:schemeClr val="tx1"/>
-                      </a:solidFill>
-                      <a:prstDash val="solid"/>
-                      <a:round/>
-                      <a:headEnd type="none" w="med" len="med"/>
-                      <a:tailEnd type="none" w="med" len="med"/>
-                    </a:lnB>
-                    <a:lnTlToBr w="12700" cmpd="sng">
-                      <a:noFill/>
-                      <a:prstDash val="solid"/>
-                    </a:lnTlToBr>
-                    <a:lnBlToTr w="12700" cmpd="sng">
-                      <a:noFill/>
-                      <a:prstDash val="solid"/>
-                    </a:lnBlToTr>
-                    <a:noFill/>
-                  </a:tcPr>
-                </a:tc>
-                <a:extLst>
-                  <a:ext uri="{0D108BD9-81ED-4DB2-BD59-A6C34878D82A}">
-                    <a16:rowId xmlns:a16="http://schemas.microsoft.com/office/drawing/2014/main" val="3052852466"/>
-                  </a:ext>
-                </a:extLst>
-              </a:tr>
-            </a:tbl>
-          </a:graphicData>
-        </a:graphic>
-      </p:graphicFrame>
-      <p:pic>
-        <p:nvPicPr>
-          <p:cNvPr id="5" name="Picture 4">
-            <a:extLst>
-              <a:ext uri="{FF2B5EF4-FFF2-40B4-BE49-F238E27FC236}">
-                <a16:creationId xmlns:a16="http://schemas.microsoft.com/office/drawing/2014/main" id="{5E91247B-2324-D96A-6BB1-EE4E09B09C9E}"/>
-              </a:ext>
-            </a:extLst>
-          </p:cNvPr>
-          <p:cNvPicPr>
-            <a:picLocks noChangeAspect="1"/>
-          </p:cNvPicPr>
-          <p:nvPr/>
-        </p:nvPicPr>
-        <p:blipFill>
-          <a:blip r:embed="rId2"/>
-          <a:stretch>
-            <a:fillRect/>
-          </a:stretch>
-        </p:blipFill>
-        <p:spPr>
-          <a:xfrm>
-            <a:off x="219077" y="561979"/>
-            <a:ext cx="5465667" cy="2867021"/>
-          </a:xfrm>
-          <a:prstGeom prst="rect">
-            <a:avLst/>
-          </a:prstGeom>
-        </p:spPr>
-      </p:pic>
-      <p:graphicFrame>
-        <p:nvGraphicFramePr>
-          <p:cNvPr id="6" name="Table 6">
-            <a:extLst>
-              <a:ext uri="{FF2B5EF4-FFF2-40B4-BE49-F238E27FC236}">
-                <a16:creationId xmlns:a16="http://schemas.microsoft.com/office/drawing/2014/main" id="{E52B7D42-3110-CF3C-E6DD-738B954C18FE}"/>
-              </a:ext>
-            </a:extLst>
-          </p:cNvPr>
-          <p:cNvGraphicFramePr>
-            <a:graphicFrameLocks noGrp="1"/>
-          </p:cNvGraphicFramePr>
-          <p:nvPr>
-            <p:extLst>
-              <p:ext uri="{D42A27DB-BD31-4B8C-83A1-F6EECF244321}">
-                <p14:modId xmlns:p14="http://schemas.microsoft.com/office/powerpoint/2010/main" val="4054838974"/>
-              </p:ext>
-            </p:extLst>
-          </p:nvPr>
-        </p:nvGraphicFramePr>
-        <p:xfrm>
-          <a:off x="7124352" y="3437466"/>
-          <a:ext cx="4173845" cy="609600"/>
-        </p:xfrm>
-        <a:graphic>
-          <a:graphicData uri="http://schemas.openxmlformats.org/drawingml/2006/table">
-            <a:tbl>
-              <a:tblPr firstRow="1" bandRow="1">
-                <a:tableStyleId>{5C22544A-7EE6-4342-B048-85BDC9FD1C3A}</a:tableStyleId>
-              </a:tblPr>
-              <a:tblGrid>
-                <a:gridCol w="849941">
-                  <a:extLst>
-                    <a:ext uri="{9D8B030D-6E8A-4147-A177-3AD203B41FA5}">
-                      <a16:colId xmlns:a16="http://schemas.microsoft.com/office/drawing/2014/main" val="3872630865"/>
-                    </a:ext>
-                  </a:extLst>
-                </a:gridCol>
-                <a:gridCol w="844867">
-                  <a:extLst>
-                    <a:ext uri="{9D8B030D-6E8A-4147-A177-3AD203B41FA5}">
-                      <a16:colId xmlns:a16="http://schemas.microsoft.com/office/drawing/2014/main" val="2317850323"/>
-                    </a:ext>
-                  </a:extLst>
-                </a:gridCol>
-                <a:gridCol w="844867">
-                  <a:extLst>
-                    <a:ext uri="{9D8B030D-6E8A-4147-A177-3AD203B41FA5}">
-                      <a16:colId xmlns:a16="http://schemas.microsoft.com/office/drawing/2014/main" val="3427173819"/>
-                    </a:ext>
-                  </a:extLst>
-                </a:gridCol>
-                <a:gridCol w="844867">
-                  <a:extLst>
-                    <a:ext uri="{9D8B030D-6E8A-4147-A177-3AD203B41FA5}">
-                      <a16:colId xmlns:a16="http://schemas.microsoft.com/office/drawing/2014/main" val="2404399359"/>
-                    </a:ext>
-                  </a:extLst>
-                </a:gridCol>
-                <a:gridCol w="789303">
-                  <a:extLst>
-                    <a:ext uri="{9D8B030D-6E8A-4147-A177-3AD203B41FA5}">
-                      <a16:colId xmlns:a16="http://schemas.microsoft.com/office/drawing/2014/main" val="1079410152"/>
-                    </a:ext>
-                  </a:extLst>
-                </a:gridCol>
-              </a:tblGrid>
-              <a:tr h="277368">
-                <a:tc>
-                  <a:txBody>
-                    <a:bodyPr/>
-                    <a:lstStyle/>
-                    <a:p>
-                      <a:pPr algn="ctr"/>
-                      <a:endParaRPr lang="en-ID" sz="1400" dirty="0">
-                        <a:solidFill>
-                          <a:schemeClr val="tx1"/>
-                        </a:solidFill>
-                        <a:latin typeface="TeX Gyre Bonum" panose="00000500000000000000" pitchFamily="50" charset="0"/>
-                        <a:ea typeface="CMU Sans Serif" panose="02000603000000000000" pitchFamily="2" charset="0"/>
-                        <a:cs typeface="CMU Sans Serif" panose="02000603000000000000" pitchFamily="2" charset="0"/>
-                      </a:endParaRPr>
-                    </a:p>
-                  </a:txBody>
-                  <a:tcPr>
-                    <a:lnL w="12700" cap="flat" cmpd="sng" algn="ctr">
-                      <a:noFill/>
-                      <a:prstDash val="solid"/>
-                      <a:round/>
-                      <a:headEnd type="none" w="med" len="med"/>
-                      <a:tailEnd type="none" w="med" len="med"/>
-                    </a:lnL>
-                    <a:lnR w="12700" cap="flat" cmpd="sng" algn="ctr">
-                      <a:noFill/>
-                      <a:prstDash val="solid"/>
-                      <a:round/>
-                      <a:headEnd type="none" w="med" len="med"/>
-                      <a:tailEnd type="none" w="med" len="med"/>
-                    </a:lnR>
-                    <a:lnT w="12700" cap="flat" cmpd="sng" algn="ctr">
-                      <a:solidFill>
-                        <a:schemeClr val="tx1"/>
-                      </a:solidFill>
-                      <a:prstDash val="solid"/>
-                      <a:round/>
-                      <a:headEnd type="none" w="med" len="med"/>
-                      <a:tailEnd type="none" w="med" len="med"/>
-                    </a:lnT>
-                    <a:lnB w="12700" cap="flat" cmpd="sng" algn="ctr">
-                      <a:solidFill>
-                        <a:schemeClr val="tx1"/>
-                      </a:solidFill>
-                      <a:prstDash val="solid"/>
-                      <a:round/>
-                      <a:headEnd type="none" w="med" len="med"/>
-                      <a:tailEnd type="none" w="med" len="med"/>
-                    </a:lnB>
-                    <a:lnTlToBr w="12700" cmpd="sng">
-                      <a:noFill/>
-                      <a:prstDash val="solid"/>
-                    </a:lnTlToBr>
-                    <a:lnBlToTr w="12700" cmpd="sng">
-                      <a:noFill/>
-                      <a:prstDash val="solid"/>
-                    </a:lnBlToTr>
-                    <a:noFill/>
-                  </a:tcPr>
-                </a:tc>
-                <a:tc>
-                  <a:txBody>
-                    <a:bodyPr/>
-                    <a:lstStyle/>
-                    <a:p>
-                      <a:pPr algn="ctr"/>
-                      <a:r>
-                        <a:rPr lang="en-US" sz="1400" b="1" dirty="0">
-                          <a:solidFill>
-                            <a:schemeClr val="tx1"/>
-                          </a:solidFill>
-                          <a:latin typeface="TeX Gyre Bonum" panose="00000500000000000000" pitchFamily="50" charset="0"/>
-                          <a:ea typeface="CMU Sans Serif" panose="02000603000000000000" pitchFamily="2" charset="0"/>
-                          <a:cs typeface="CMU Sans Serif" panose="02000603000000000000" pitchFamily="2" charset="0"/>
-                        </a:rPr>
-                        <a:t>A</a:t>
-                      </a:r>
-                      <a:endParaRPr lang="en-ID" sz="1400" b="1" dirty="0">
-                        <a:solidFill>
-                          <a:schemeClr val="tx1"/>
-                        </a:solidFill>
-                        <a:latin typeface="TeX Gyre Bonum" panose="00000500000000000000" pitchFamily="50" charset="0"/>
-                        <a:ea typeface="CMU Sans Serif" panose="02000603000000000000" pitchFamily="2" charset="0"/>
-                        <a:cs typeface="CMU Sans Serif" panose="02000603000000000000" pitchFamily="2" charset="0"/>
-                      </a:endParaRPr>
-                    </a:p>
-                  </a:txBody>
-                  <a:tcPr>
-                    <a:lnL w="12700" cap="flat" cmpd="sng" algn="ctr">
-                      <a:noFill/>
-                      <a:prstDash val="solid"/>
-                      <a:round/>
-                      <a:headEnd type="none" w="med" len="med"/>
-                      <a:tailEnd type="none" w="med" len="med"/>
-                    </a:lnL>
-                    <a:lnR w="12700" cap="flat" cmpd="sng" algn="ctr">
-                      <a:noFill/>
-                      <a:prstDash val="solid"/>
-                      <a:round/>
-                      <a:headEnd type="none" w="med" len="med"/>
-                      <a:tailEnd type="none" w="med" len="med"/>
-                    </a:lnR>
-                    <a:lnT w="12700" cap="flat" cmpd="sng" algn="ctr">
-                      <a:solidFill>
-                        <a:schemeClr val="tx1"/>
-                      </a:solidFill>
-                      <a:prstDash val="solid"/>
-                      <a:round/>
-                      <a:headEnd type="none" w="med" len="med"/>
-                      <a:tailEnd type="none" w="med" len="med"/>
-                    </a:lnT>
-                    <a:lnB w="12700" cap="flat" cmpd="sng" algn="ctr">
-                      <a:solidFill>
-                        <a:schemeClr val="tx1"/>
-                      </a:solidFill>
-                      <a:prstDash val="solid"/>
-                      <a:round/>
-                      <a:headEnd type="none" w="med" len="med"/>
-                      <a:tailEnd type="none" w="med" len="med"/>
-                    </a:lnB>
-                    <a:lnTlToBr w="12700" cmpd="sng">
-                      <a:noFill/>
-                      <a:prstDash val="solid"/>
-                    </a:lnTlToBr>
-                    <a:lnBlToTr w="12700" cmpd="sng">
-                      <a:noFill/>
-                      <a:prstDash val="solid"/>
-                    </a:lnBlToTr>
-                    <a:noFill/>
-                  </a:tcPr>
-                </a:tc>
-                <a:tc>
-                  <a:txBody>
-                    <a:bodyPr/>
-                    <a:lstStyle/>
-                    <a:p>
-                      <a:pPr algn="ctr"/>
-                      <a:r>
-                        <a:rPr lang="en-US" sz="1400" b="1" dirty="0">
-                          <a:solidFill>
-                            <a:schemeClr val="tx1"/>
-                          </a:solidFill>
-                          <a:latin typeface="TeX Gyre Bonum" panose="00000500000000000000" pitchFamily="50" charset="0"/>
-                          <a:ea typeface="CMU Sans Serif" panose="02000603000000000000" pitchFamily="2" charset="0"/>
-                          <a:cs typeface="CMU Sans Serif" panose="02000603000000000000" pitchFamily="2" charset="0"/>
-                        </a:rPr>
-                        <a:t>B</a:t>
-                      </a:r>
-                      <a:endParaRPr lang="en-ID" sz="1400" b="1" dirty="0">
-                        <a:solidFill>
-                          <a:schemeClr val="tx1"/>
-                        </a:solidFill>
-                        <a:latin typeface="TeX Gyre Bonum" panose="00000500000000000000" pitchFamily="50" charset="0"/>
-                        <a:ea typeface="CMU Sans Serif" panose="02000603000000000000" pitchFamily="2" charset="0"/>
-                        <a:cs typeface="CMU Sans Serif" panose="02000603000000000000" pitchFamily="2" charset="0"/>
-                      </a:endParaRPr>
-                    </a:p>
-                  </a:txBody>
-                  <a:tcPr>
-                    <a:lnL w="12700" cap="flat" cmpd="sng" algn="ctr">
-                      <a:noFill/>
-                      <a:prstDash val="solid"/>
-                      <a:round/>
-                      <a:headEnd type="none" w="med" len="med"/>
-                      <a:tailEnd type="none" w="med" len="med"/>
-                    </a:lnL>
-                    <a:lnR w="12700" cap="flat" cmpd="sng" algn="ctr">
-                      <a:noFill/>
-                      <a:prstDash val="solid"/>
-                      <a:round/>
-                      <a:headEnd type="none" w="med" len="med"/>
-                      <a:tailEnd type="none" w="med" len="med"/>
-                    </a:lnR>
-                    <a:lnT w="12700" cap="flat" cmpd="sng" algn="ctr">
-                      <a:solidFill>
-                        <a:schemeClr val="tx1"/>
-                      </a:solidFill>
-                      <a:prstDash val="solid"/>
-                      <a:round/>
-                      <a:headEnd type="none" w="med" len="med"/>
-                      <a:tailEnd type="none" w="med" len="med"/>
-                    </a:lnT>
-                    <a:lnB w="12700" cap="flat" cmpd="sng" algn="ctr">
-                      <a:solidFill>
-                        <a:schemeClr val="tx1"/>
-                      </a:solidFill>
-                      <a:prstDash val="solid"/>
-                      <a:round/>
-                      <a:headEnd type="none" w="med" len="med"/>
-                      <a:tailEnd type="none" w="med" len="med"/>
-                    </a:lnB>
-                    <a:lnTlToBr w="12700" cmpd="sng">
-                      <a:noFill/>
-                      <a:prstDash val="solid"/>
-                    </a:lnTlToBr>
-                    <a:lnBlToTr w="12700" cmpd="sng">
-                      <a:noFill/>
-                      <a:prstDash val="solid"/>
-                    </a:lnBlToTr>
-                    <a:noFill/>
-                  </a:tcPr>
-                </a:tc>
-                <a:tc>
-                  <a:txBody>
-                    <a:bodyPr/>
-                    <a:lstStyle/>
-                    <a:p>
-                      <a:pPr algn="ctr"/>
-                      <a:r>
-                        <a:rPr lang="en-US" sz="1400" b="1" dirty="0">
-                          <a:solidFill>
-                            <a:schemeClr val="tx1"/>
-                          </a:solidFill>
-                          <a:latin typeface="TeX Gyre Bonum" panose="00000500000000000000" pitchFamily="50" charset="0"/>
-                          <a:ea typeface="CMU Sans Serif" panose="02000603000000000000" pitchFamily="2" charset="0"/>
-                          <a:cs typeface="CMU Sans Serif" panose="02000603000000000000" pitchFamily="2" charset="0"/>
-                        </a:rPr>
-                        <a:t>C</a:t>
-                      </a:r>
-                      <a:endParaRPr lang="en-ID" sz="1400" b="1" dirty="0">
-                        <a:solidFill>
-                          <a:schemeClr val="tx1"/>
-                        </a:solidFill>
-                        <a:latin typeface="TeX Gyre Bonum" panose="00000500000000000000" pitchFamily="50" charset="0"/>
-                        <a:ea typeface="CMU Sans Serif" panose="02000603000000000000" pitchFamily="2" charset="0"/>
-                        <a:cs typeface="CMU Sans Serif" panose="02000603000000000000" pitchFamily="2" charset="0"/>
-                      </a:endParaRPr>
-                    </a:p>
-                  </a:txBody>
-                  <a:tcPr>
-                    <a:lnL w="12700" cap="flat" cmpd="sng" algn="ctr">
-                      <a:noFill/>
-                      <a:prstDash val="solid"/>
-                      <a:round/>
-                      <a:headEnd type="none" w="med" len="med"/>
-                      <a:tailEnd type="none" w="med" len="med"/>
-                    </a:lnL>
-                    <a:lnR w="12700" cap="flat" cmpd="sng" algn="ctr">
-                      <a:noFill/>
-                      <a:prstDash val="solid"/>
-                      <a:round/>
-                      <a:headEnd type="none" w="med" len="med"/>
-                      <a:tailEnd type="none" w="med" len="med"/>
-                    </a:lnR>
-                    <a:lnT w="12700" cap="flat" cmpd="sng" algn="ctr">
-                      <a:solidFill>
-                        <a:schemeClr val="tx1"/>
-                      </a:solidFill>
-                      <a:prstDash val="solid"/>
-                      <a:round/>
-                      <a:headEnd type="none" w="med" len="med"/>
-                      <a:tailEnd type="none" w="med" len="med"/>
-                    </a:lnT>
-                    <a:lnB w="12700" cap="flat" cmpd="sng" algn="ctr">
-                      <a:solidFill>
-                        <a:schemeClr val="tx1"/>
-                      </a:solidFill>
-                      <a:prstDash val="solid"/>
-                      <a:round/>
-                      <a:headEnd type="none" w="med" len="med"/>
-                      <a:tailEnd type="none" w="med" len="med"/>
-                    </a:lnB>
-                    <a:lnTlToBr w="12700" cmpd="sng">
-                      <a:noFill/>
-                      <a:prstDash val="solid"/>
-                    </a:lnTlToBr>
-                    <a:lnBlToTr w="12700" cmpd="sng">
-                      <a:noFill/>
-                      <a:prstDash val="solid"/>
-                    </a:lnBlToTr>
-                    <a:noFill/>
-                  </a:tcPr>
-                </a:tc>
-                <a:tc>
-                  <a:txBody>
-                    <a:bodyPr/>
-                    <a:lstStyle/>
-                    <a:p>
-                      <a:pPr algn="ctr"/>
-                      <a:r>
-                        <a:rPr lang="en-US" sz="1400" b="1" dirty="0">
-                          <a:solidFill>
-                            <a:schemeClr val="tx1"/>
-                          </a:solidFill>
-                          <a:latin typeface="TeX Gyre Bonum" panose="00000500000000000000" pitchFamily="50" charset="0"/>
-                          <a:ea typeface="CMU Sans Serif" panose="02000603000000000000" pitchFamily="2" charset="0"/>
-                          <a:cs typeface="CMU Sans Serif" panose="02000603000000000000" pitchFamily="2" charset="0"/>
-                        </a:rPr>
-                        <a:t>D</a:t>
-                      </a:r>
-                      <a:endParaRPr lang="en-ID" sz="1400" b="1" dirty="0">
-                        <a:solidFill>
-                          <a:schemeClr val="tx1"/>
-                        </a:solidFill>
-                        <a:latin typeface="TeX Gyre Bonum" panose="00000500000000000000" pitchFamily="50" charset="0"/>
-                        <a:ea typeface="CMU Sans Serif" panose="02000603000000000000" pitchFamily="2" charset="0"/>
-                        <a:cs typeface="CMU Sans Serif" panose="02000603000000000000" pitchFamily="2" charset="0"/>
-                      </a:endParaRPr>
-                    </a:p>
-                  </a:txBody>
-                  <a:tcPr>
-                    <a:lnL w="12700" cap="flat" cmpd="sng" algn="ctr">
-                      <a:noFill/>
-                      <a:prstDash val="solid"/>
-                      <a:round/>
-                      <a:headEnd type="none" w="med" len="med"/>
-                      <a:tailEnd type="none" w="med" len="med"/>
-                    </a:lnL>
-                    <a:lnR w="12700" cap="flat" cmpd="sng" algn="ctr">
-                      <a:noFill/>
-                      <a:prstDash val="solid"/>
-                      <a:round/>
-                      <a:headEnd type="none" w="med" len="med"/>
-                      <a:tailEnd type="none" w="med" len="med"/>
-                    </a:lnR>
-                    <a:lnT w="12700" cap="flat" cmpd="sng" algn="ctr">
-                      <a:solidFill>
-                        <a:schemeClr val="tx1"/>
-                      </a:solidFill>
-                      <a:prstDash val="solid"/>
-                      <a:round/>
-                      <a:headEnd type="none" w="med" len="med"/>
-                      <a:tailEnd type="none" w="med" len="med"/>
-                    </a:lnT>
-                    <a:lnB w="12700" cap="flat" cmpd="sng" algn="ctr">
-                      <a:solidFill>
-                        <a:schemeClr val="tx1"/>
-                      </a:solidFill>
-                      <a:prstDash val="solid"/>
-                      <a:round/>
-                      <a:headEnd type="none" w="med" len="med"/>
-                      <a:tailEnd type="none" w="med" len="med"/>
-                    </a:lnB>
-                    <a:lnTlToBr w="12700" cmpd="sng">
-                      <a:noFill/>
-                      <a:prstDash val="solid"/>
-                    </a:lnTlToBr>
-                    <a:lnBlToTr w="12700" cmpd="sng">
-                      <a:noFill/>
-                      <a:prstDash val="solid"/>
-                    </a:lnBlToTr>
-                    <a:noFill/>
-                  </a:tcPr>
-                </a:tc>
-                <a:extLst>
-                  <a:ext uri="{0D108BD9-81ED-4DB2-BD59-A6C34878D82A}">
-                    <a16:rowId xmlns:a16="http://schemas.microsoft.com/office/drawing/2014/main" val="3095788039"/>
-                  </a:ext>
-                </a:extLst>
-              </a:tr>
-              <a:tr h="277368">
-                <a:tc>
-                  <a:txBody>
-                    <a:bodyPr/>
-                    <a:lstStyle/>
-                    <a:p>
-                      <a:pPr algn="l"/>
-                      <a:r>
-                        <a:rPr lang="en-US" sz="1400" b="1" dirty="0">
-                          <a:latin typeface="TeX Gyre Bonum" panose="00000500000000000000" pitchFamily="50" charset="0"/>
-                          <a:ea typeface="CMU Sans Serif" panose="02000603000000000000" pitchFamily="2" charset="0"/>
-                          <a:cs typeface="CMU Sans Serif" panose="02000603000000000000" pitchFamily="2" charset="0"/>
-                        </a:rPr>
-                        <a:t>AUC</a:t>
-                      </a:r>
-                      <a:endParaRPr lang="en-ID" sz="1400" b="1" dirty="0">
-                        <a:latin typeface="TeX Gyre Bonum" panose="00000500000000000000" pitchFamily="50" charset="0"/>
-                        <a:ea typeface="CMU Sans Serif" panose="02000603000000000000" pitchFamily="2" charset="0"/>
-                        <a:cs typeface="CMU Sans Serif" panose="02000603000000000000" pitchFamily="2" charset="0"/>
-                      </a:endParaRPr>
-                    </a:p>
-                  </a:txBody>
-                  <a:tcPr>
-                    <a:lnL w="12700" cap="flat" cmpd="sng" algn="ctr">
-                      <a:noFill/>
-                      <a:prstDash val="solid"/>
-                      <a:round/>
-                      <a:headEnd type="none" w="med" len="med"/>
-                      <a:tailEnd type="none" w="med" len="med"/>
-                    </a:lnL>
-                    <a:lnR w="12700" cap="flat" cmpd="sng" algn="ctr">
-                      <a:solidFill>
-                        <a:schemeClr val="tx1"/>
-                      </a:solidFill>
-                      <a:prstDash val="solid"/>
-                      <a:round/>
-                      <a:headEnd type="none" w="med" len="med"/>
-                      <a:tailEnd type="none" w="med" len="med"/>
-                    </a:lnR>
-                    <a:lnT w="12700" cap="flat" cmpd="sng" algn="ctr">
-                      <a:solidFill>
-                        <a:schemeClr val="tx1"/>
-                      </a:solidFill>
-                      <a:prstDash val="solid"/>
-                      <a:round/>
-                      <a:headEnd type="none" w="med" len="med"/>
-                      <a:tailEnd type="none" w="med" len="med"/>
-                    </a:lnT>
-                    <a:lnB w="12700" cap="flat" cmpd="sng" algn="ctr">
-                      <a:solidFill>
-                        <a:schemeClr val="tx1"/>
-                      </a:solidFill>
-                      <a:prstDash val="solid"/>
-                      <a:round/>
-                      <a:headEnd type="none" w="med" len="med"/>
-                      <a:tailEnd type="none" w="med" len="med"/>
-                    </a:lnB>
-                    <a:lnTlToBr w="12700" cmpd="sng">
-                      <a:noFill/>
-                      <a:prstDash val="solid"/>
-                    </a:lnTlToBr>
-                    <a:lnBlToTr w="12700" cmpd="sng">
-                      <a:noFill/>
-                      <a:prstDash val="solid"/>
-                    </a:lnBlToTr>
-                    <a:noFill/>
-                  </a:tcPr>
-                </a:tc>
-                <a:tc>
-                  <a:txBody>
-                    <a:bodyPr/>
-                    <a:lstStyle/>
-                    <a:p>
-                      <a:pPr marL="0" marR="0" lvl="0" indent="0" algn="ctr" defTabSz="914400" rtl="0" eaLnBrk="1" fontAlgn="auto" latinLnBrk="0" hangingPunct="1">
-                        <a:lnSpc>
-                          <a:spcPct val="100000"/>
-                        </a:lnSpc>
-                        <a:spcBef>
-                          <a:spcPts val="0"/>
-                        </a:spcBef>
-                        <a:spcAft>
-                          <a:spcPts val="0"/>
-                        </a:spcAft>
-                        <a:buClrTx/>
-                        <a:buSzTx/>
-                        <a:buFontTx/>
-                        <a:buNone/>
-                        <a:tabLst/>
-                        <a:defRPr/>
-                      </a:pPr>
-                      <a:r>
-                        <a:rPr lang="en-ID" sz="1400" b="0" kern="1200" dirty="0">
-                          <a:solidFill>
-                            <a:schemeClr val="dk1"/>
-                          </a:solidFill>
-                          <a:effectLst/>
-                          <a:latin typeface="TeX Gyre Bonum" panose="00000500000000000000" pitchFamily="50" charset="0"/>
-                          <a:ea typeface="CMU Sans Serif" panose="02000603000000000000" pitchFamily="2" charset="0"/>
-                          <a:cs typeface="CMU Sans Serif" panose="02000603000000000000" pitchFamily="2" charset="0"/>
-                        </a:rPr>
-                        <a:t>0.7557</a:t>
-                      </a:r>
-                    </a:p>
-                  </a:txBody>
-                  <a:tcPr>
-                    <a:lnL w="12700" cap="flat" cmpd="sng" algn="ctr">
-                      <a:solidFill>
-                        <a:schemeClr val="tx1"/>
-                      </a:solidFill>
-                      <a:prstDash val="solid"/>
-                      <a:round/>
-                      <a:headEnd type="none" w="med" len="med"/>
-                      <a:tailEnd type="none" w="med" len="med"/>
-                    </a:lnL>
-                    <a:lnR w="12700" cap="flat" cmpd="sng" algn="ctr">
-                      <a:noFill/>
-                      <a:prstDash val="solid"/>
-                      <a:round/>
-                      <a:headEnd type="none" w="med" len="med"/>
-                      <a:tailEnd type="none" w="med" len="med"/>
-                    </a:lnR>
-                    <a:lnT w="12700" cap="flat" cmpd="sng" algn="ctr">
-                      <a:solidFill>
-                        <a:schemeClr val="tx1"/>
-                      </a:solidFill>
-                      <a:prstDash val="solid"/>
-                      <a:round/>
-                      <a:headEnd type="none" w="med" len="med"/>
-                      <a:tailEnd type="none" w="med" len="med"/>
-                    </a:lnT>
-                    <a:lnB w="12700" cap="flat" cmpd="sng" algn="ctr">
-                      <a:solidFill>
-                        <a:schemeClr val="tx1"/>
-                      </a:solidFill>
-                      <a:prstDash val="solid"/>
-                      <a:round/>
-                      <a:headEnd type="none" w="med" len="med"/>
-                      <a:tailEnd type="none" w="med" len="med"/>
-                    </a:lnB>
-                    <a:lnTlToBr w="12700" cmpd="sng">
-                      <a:noFill/>
-                      <a:prstDash val="solid"/>
-                    </a:lnTlToBr>
-                    <a:lnBlToTr w="12700" cmpd="sng">
-                      <a:noFill/>
-                      <a:prstDash val="solid"/>
-                    </a:lnBlToTr>
-                    <a:noFill/>
-                  </a:tcPr>
-                </a:tc>
-                <a:tc>
-                  <a:txBody>
-                    <a:bodyPr/>
-                    <a:lstStyle/>
-                    <a:p>
-                      <a:pPr marL="0" marR="0" lvl="0" indent="0" algn="ctr" defTabSz="914400" rtl="0" eaLnBrk="1" fontAlgn="auto" latinLnBrk="0" hangingPunct="1">
-                        <a:lnSpc>
-                          <a:spcPct val="100000"/>
-                        </a:lnSpc>
-                        <a:spcBef>
-                          <a:spcPts val="0"/>
-                        </a:spcBef>
-                        <a:spcAft>
-                          <a:spcPts val="0"/>
-                        </a:spcAft>
-                        <a:buClrTx/>
-                        <a:buSzTx/>
-                        <a:buFontTx/>
-                        <a:buNone/>
-                        <a:tabLst/>
-                        <a:defRPr/>
-                      </a:pPr>
-                      <a:r>
-                        <a:rPr lang="en-ID" sz="1400" b="0" kern="1200" dirty="0">
-                          <a:solidFill>
-                            <a:schemeClr val="dk1"/>
-                          </a:solidFill>
-                          <a:effectLst/>
-                          <a:latin typeface="TeX Gyre Bonum" panose="00000500000000000000" pitchFamily="50" charset="0"/>
-                          <a:ea typeface="CMU Sans Serif" panose="02000603000000000000" pitchFamily="2" charset="0"/>
-                          <a:cs typeface="CMU Sans Serif" panose="02000603000000000000" pitchFamily="2" charset="0"/>
-                        </a:rPr>
-                        <a:t>0.7015</a:t>
-                      </a:r>
-                    </a:p>
-                  </a:txBody>
-                  <a:tcPr>
-                    <a:lnL w="12700" cap="flat" cmpd="sng" algn="ctr">
-                      <a:noFill/>
-                      <a:prstDash val="solid"/>
-                      <a:round/>
-                      <a:headEnd type="none" w="med" len="med"/>
-                      <a:tailEnd type="none" w="med" len="med"/>
-                    </a:lnL>
-                    <a:lnR w="12700" cap="flat" cmpd="sng" algn="ctr">
-                      <a:noFill/>
-                      <a:prstDash val="solid"/>
-                      <a:round/>
-                      <a:headEnd type="none" w="med" len="med"/>
-                      <a:tailEnd type="none" w="med" len="med"/>
-                    </a:lnR>
-                    <a:lnT w="12700" cap="flat" cmpd="sng" algn="ctr">
-                      <a:solidFill>
-                        <a:schemeClr val="tx1"/>
-                      </a:solidFill>
-                      <a:prstDash val="solid"/>
-                      <a:round/>
-                      <a:headEnd type="none" w="med" len="med"/>
-                      <a:tailEnd type="none" w="med" len="med"/>
-                    </a:lnT>
-                    <a:lnB w="12700" cap="flat" cmpd="sng" algn="ctr">
-                      <a:solidFill>
-                        <a:schemeClr val="tx1"/>
-                      </a:solidFill>
-                      <a:prstDash val="solid"/>
-                      <a:round/>
-                      <a:headEnd type="none" w="med" len="med"/>
-                      <a:tailEnd type="none" w="med" len="med"/>
-                    </a:lnB>
-                    <a:lnTlToBr w="12700" cmpd="sng">
-                      <a:noFill/>
-                      <a:prstDash val="solid"/>
-                    </a:lnTlToBr>
-                    <a:lnBlToTr w="12700" cmpd="sng">
-                      <a:noFill/>
-                      <a:prstDash val="solid"/>
-                    </a:lnBlToTr>
-                    <a:noFill/>
-                  </a:tcPr>
-                </a:tc>
-                <a:tc>
-                  <a:txBody>
-                    <a:bodyPr/>
-                    <a:lstStyle/>
-                    <a:p>
-                      <a:pPr marL="0" marR="0" lvl="0" indent="0" algn="ctr" defTabSz="914400" rtl="0" eaLnBrk="1" fontAlgn="auto" latinLnBrk="0" hangingPunct="1">
-                        <a:lnSpc>
-                          <a:spcPct val="100000"/>
-                        </a:lnSpc>
-                        <a:spcBef>
-                          <a:spcPts val="0"/>
-                        </a:spcBef>
-                        <a:spcAft>
-                          <a:spcPts val="0"/>
-                        </a:spcAft>
-                        <a:buClrTx/>
-                        <a:buSzTx/>
-                        <a:buFontTx/>
-                        <a:buNone/>
-                        <a:tabLst/>
-                        <a:defRPr/>
-                      </a:pPr>
-                      <a:r>
-                        <a:rPr lang="en-US" sz="1400" b="0" kern="1200" dirty="0">
-                          <a:solidFill>
-                            <a:schemeClr val="dk1"/>
-                          </a:solidFill>
-                          <a:effectLst/>
-                          <a:latin typeface="TeX Gyre Bonum" panose="00000500000000000000" pitchFamily="50" charset="0"/>
-                          <a:ea typeface="CMU Sans Serif" panose="02000603000000000000" pitchFamily="2" charset="0"/>
-                          <a:cs typeface="CMU Sans Serif" panose="02000603000000000000" pitchFamily="2" charset="0"/>
-                        </a:rPr>
-                        <a:t>0.6307</a:t>
-                      </a:r>
-                      <a:endParaRPr lang="en-ID" sz="1400" b="0" kern="1200" dirty="0">
-                        <a:solidFill>
-                          <a:schemeClr val="dk1"/>
-                        </a:solidFill>
-                        <a:effectLst/>
-                        <a:latin typeface="TeX Gyre Bonum" panose="00000500000000000000" pitchFamily="50" charset="0"/>
-                        <a:ea typeface="CMU Sans Serif" panose="02000603000000000000" pitchFamily="2" charset="0"/>
-                        <a:cs typeface="CMU Sans Serif" panose="02000603000000000000" pitchFamily="2" charset="0"/>
-                      </a:endParaRPr>
-                    </a:p>
-                  </a:txBody>
-                  <a:tcPr>
-                    <a:lnL w="12700" cap="flat" cmpd="sng" algn="ctr">
-                      <a:noFill/>
-                      <a:prstDash val="solid"/>
-                      <a:round/>
-                      <a:headEnd type="none" w="med" len="med"/>
-                      <a:tailEnd type="none" w="med" len="med"/>
-                    </a:lnL>
-                    <a:lnR w="12700" cap="flat" cmpd="sng" algn="ctr">
-                      <a:noFill/>
-                      <a:prstDash val="solid"/>
-                      <a:round/>
-                      <a:headEnd type="none" w="med" len="med"/>
-                      <a:tailEnd type="none" w="med" len="med"/>
-                    </a:lnR>
-                    <a:lnT w="12700" cap="flat" cmpd="sng" algn="ctr">
-                      <a:solidFill>
-                        <a:schemeClr val="tx1"/>
-                      </a:solidFill>
-                      <a:prstDash val="solid"/>
-                      <a:round/>
-                      <a:headEnd type="none" w="med" len="med"/>
-                      <a:tailEnd type="none" w="med" len="med"/>
-                    </a:lnT>
-                    <a:lnB w="12700" cap="flat" cmpd="sng" algn="ctr">
-                      <a:solidFill>
-                        <a:schemeClr val="tx1"/>
-                      </a:solidFill>
-                      <a:prstDash val="solid"/>
-                      <a:round/>
-                      <a:headEnd type="none" w="med" len="med"/>
-                      <a:tailEnd type="none" w="med" len="med"/>
-                    </a:lnB>
-                    <a:lnTlToBr w="12700" cmpd="sng">
-                      <a:noFill/>
-                      <a:prstDash val="solid"/>
-                    </a:lnTlToBr>
-                    <a:lnBlToTr w="12700" cmpd="sng">
-                      <a:noFill/>
-                      <a:prstDash val="solid"/>
-                    </a:lnBlToTr>
-                    <a:noFill/>
-                  </a:tcPr>
-                </a:tc>
-                <a:tc>
-                  <a:txBody>
-                    <a:bodyPr/>
-                    <a:lstStyle/>
-                    <a:p>
-                      <a:pPr marL="0" marR="0" lvl="0" indent="0" algn="ctr" defTabSz="914400" rtl="0" eaLnBrk="1" fontAlgn="auto" latinLnBrk="0" hangingPunct="1">
-                        <a:lnSpc>
-                          <a:spcPct val="100000"/>
-                        </a:lnSpc>
-                        <a:spcBef>
-                          <a:spcPts val="0"/>
-                        </a:spcBef>
-                        <a:spcAft>
-                          <a:spcPts val="0"/>
-                        </a:spcAft>
-                        <a:buClrTx/>
-                        <a:buSzTx/>
-                        <a:buFontTx/>
-                        <a:buNone/>
-                        <a:tabLst/>
-                        <a:defRPr/>
-                      </a:pPr>
-                      <a:r>
-                        <a:rPr lang="en-US" sz="1400" b="0" kern="1200" dirty="0">
-                          <a:solidFill>
-                            <a:schemeClr val="dk1"/>
-                          </a:solidFill>
-                          <a:effectLst/>
-                          <a:latin typeface="TeX Gyre Bonum" panose="00000500000000000000" pitchFamily="50" charset="0"/>
-                          <a:ea typeface="CMU Sans Serif" panose="02000603000000000000" pitchFamily="2" charset="0"/>
-                          <a:cs typeface="CMU Sans Serif" panose="02000603000000000000" pitchFamily="2" charset="0"/>
-                        </a:rPr>
-                        <a:t>0.6612</a:t>
-                      </a:r>
-                      <a:endParaRPr lang="en-ID" sz="1400" b="0" kern="1200" dirty="0">
-                        <a:solidFill>
-                          <a:schemeClr val="dk1"/>
-                        </a:solidFill>
-                        <a:effectLst/>
-                        <a:latin typeface="TeX Gyre Bonum" panose="00000500000000000000" pitchFamily="50" charset="0"/>
-                        <a:ea typeface="CMU Sans Serif" panose="02000603000000000000" pitchFamily="2" charset="0"/>
-                        <a:cs typeface="CMU Sans Serif" panose="02000603000000000000" pitchFamily="2" charset="0"/>
-                      </a:endParaRPr>
-                    </a:p>
-                  </a:txBody>
-                  <a:tcPr>
-                    <a:lnL w="12700" cap="flat" cmpd="sng" algn="ctr">
-                      <a:noFill/>
-                      <a:prstDash val="solid"/>
-                      <a:round/>
-                      <a:headEnd type="none" w="med" len="med"/>
-                      <a:tailEnd type="none" w="med" len="med"/>
-                    </a:lnL>
-                    <a:lnR w="12700" cap="flat" cmpd="sng" algn="ctr">
-                      <a:noFill/>
-                      <a:prstDash val="solid"/>
-                      <a:round/>
-                      <a:headEnd type="none" w="med" len="med"/>
-                      <a:tailEnd type="none" w="med" len="med"/>
-                    </a:lnR>
-                    <a:lnT w="12700" cap="flat" cmpd="sng" algn="ctr">
-                      <a:solidFill>
-                        <a:schemeClr val="tx1"/>
-                      </a:solidFill>
-                      <a:prstDash val="solid"/>
-                      <a:round/>
-                      <a:headEnd type="none" w="med" len="med"/>
-                      <a:tailEnd type="none" w="med" len="med"/>
-                    </a:lnT>
-                    <a:lnB w="12700" cap="flat" cmpd="sng" algn="ctr">
-                      <a:solidFill>
-                        <a:schemeClr val="tx1"/>
-                      </a:solidFill>
-                      <a:prstDash val="solid"/>
-                      <a:round/>
-                      <a:headEnd type="none" w="med" len="med"/>
-                      <a:tailEnd type="none" w="med" len="med"/>
-                    </a:lnB>
-                    <a:lnTlToBr w="12700" cmpd="sng">
-                      <a:noFill/>
-                      <a:prstDash val="solid"/>
-                    </a:lnTlToBr>
-                    <a:lnBlToTr w="12700" cmpd="sng">
-                      <a:noFill/>
-                      <a:prstDash val="solid"/>
-                    </a:lnBlToTr>
-                    <a:noFill/>
-                  </a:tcPr>
-                </a:tc>
-                <a:extLst>
-                  <a:ext uri="{0D108BD9-81ED-4DB2-BD59-A6C34878D82A}">
-                    <a16:rowId xmlns:a16="http://schemas.microsoft.com/office/drawing/2014/main" val="3362170562"/>
-                  </a:ext>
-                </a:extLst>
-              </a:tr>
-            </a:tbl>
-          </a:graphicData>
-        </a:graphic>
-      </p:graphicFrame>
-      <p:sp>
-        <p:nvSpPr>
-          <p:cNvPr id="7" name="TextBox 6">
-            <a:extLst>
-              <a:ext uri="{FF2B5EF4-FFF2-40B4-BE49-F238E27FC236}">
-                <a16:creationId xmlns:a16="http://schemas.microsoft.com/office/drawing/2014/main" id="{38FCE7A4-4365-8648-61A6-E0F5AB59F3CB}"/>
-              </a:ext>
-            </a:extLst>
-          </p:cNvPr>
-          <p:cNvSpPr txBox="1"/>
-          <p:nvPr/>
-        </p:nvSpPr>
-        <p:spPr>
-          <a:xfrm>
-            <a:off x="1852089" y="192646"/>
-            <a:ext cx="2458494" cy="369332"/>
-          </a:xfrm>
-          <a:prstGeom prst="rect">
-            <a:avLst/>
-          </a:prstGeom>
-          <a:noFill/>
-        </p:spPr>
-        <p:txBody>
-          <a:bodyPr wrap="none" rtlCol="0">
-            <a:spAutoFit/>
-          </a:bodyPr>
-          <a:lstStyle/>
-          <a:p>
-            <a:r>
-              <a:rPr lang="en-US" dirty="0">
-                <a:latin typeface="TeX Gyre Bonum" panose="00000500000000000000" pitchFamily="50" charset="0"/>
-                <a:ea typeface="CMU Sans Serif" panose="02000603000000000000" pitchFamily="2" charset="0"/>
-                <a:cs typeface="CMU Sans Serif" panose="02000603000000000000" pitchFamily="2" charset="0"/>
-              </a:rPr>
-              <a:t>(a) Validation Result</a:t>
-            </a:r>
-            <a:endParaRPr lang="en-ID" dirty="0">
-              <a:latin typeface="TeX Gyre Bonum" panose="00000500000000000000" pitchFamily="50" charset="0"/>
-              <a:ea typeface="CMU Sans Serif" panose="02000603000000000000" pitchFamily="2" charset="0"/>
-              <a:cs typeface="CMU Sans Serif" panose="02000603000000000000" pitchFamily="2" charset="0"/>
-            </a:endParaRPr>
-          </a:p>
-        </p:txBody>
-      </p:sp>
-      <p:pic>
-        <p:nvPicPr>
-          <p:cNvPr id="8" name="Picture 7">
-            <a:extLst>
-              <a:ext uri="{FF2B5EF4-FFF2-40B4-BE49-F238E27FC236}">
-                <a16:creationId xmlns:a16="http://schemas.microsoft.com/office/drawing/2014/main" id="{3FA101E1-33D0-296F-9597-97B54FAF8B54}"/>
-              </a:ext>
-            </a:extLst>
-          </p:cNvPr>
-          <p:cNvPicPr>
-            <a:picLocks noChangeAspect="1"/>
-          </p:cNvPicPr>
-          <p:nvPr/>
-        </p:nvPicPr>
-        <p:blipFill>
-          <a:blip r:embed="rId3"/>
-          <a:stretch>
-            <a:fillRect/>
-          </a:stretch>
-        </p:blipFill>
-        <p:spPr>
-          <a:xfrm>
-            <a:off x="6168693" y="561978"/>
-            <a:ext cx="5465667" cy="2867021"/>
-          </a:xfrm>
-          <a:prstGeom prst="rect">
-            <a:avLst/>
-          </a:prstGeom>
-        </p:spPr>
-      </p:pic>
-      <p:sp>
-        <p:nvSpPr>
-          <p:cNvPr id="9" name="TextBox 8">
-            <a:extLst>
-              <a:ext uri="{FF2B5EF4-FFF2-40B4-BE49-F238E27FC236}">
-                <a16:creationId xmlns:a16="http://schemas.microsoft.com/office/drawing/2014/main" id="{DDAA370D-BA34-79C4-3C91-AAD20A039205}"/>
-              </a:ext>
-            </a:extLst>
-          </p:cNvPr>
-          <p:cNvSpPr txBox="1"/>
-          <p:nvPr/>
-        </p:nvSpPr>
-        <p:spPr>
-          <a:xfrm>
-            <a:off x="8011257" y="194792"/>
-            <a:ext cx="2136354" cy="369332"/>
-          </a:xfrm>
-          <a:prstGeom prst="rect">
-            <a:avLst/>
-          </a:prstGeom>
-          <a:noFill/>
-        </p:spPr>
-        <p:txBody>
-          <a:bodyPr wrap="none" rtlCol="0">
-            <a:spAutoFit/>
-          </a:bodyPr>
-          <a:lstStyle/>
-          <a:p>
-            <a:r>
-              <a:rPr lang="en-US" dirty="0">
-                <a:latin typeface="TeX Gyre Bonum" panose="00000500000000000000" pitchFamily="50" charset="0"/>
-                <a:ea typeface="CMU Sans Serif" panose="02000603000000000000" pitchFamily="2" charset="0"/>
-                <a:cs typeface="CMU Sans Serif" panose="02000603000000000000" pitchFamily="2" charset="0"/>
-              </a:rPr>
-              <a:t>(b) ROC and AUC</a:t>
-            </a:r>
-            <a:endParaRPr lang="en-ID" dirty="0">
-              <a:latin typeface="TeX Gyre Bonum" panose="00000500000000000000" pitchFamily="50" charset="0"/>
-              <a:ea typeface="CMU Sans Serif" panose="02000603000000000000" pitchFamily="2" charset="0"/>
-              <a:cs typeface="CMU Sans Serif" panose="02000603000000000000" pitchFamily="2" charset="0"/>
-            </a:endParaRPr>
-          </a:p>
-        </p:txBody>
-      </p:sp>
-    </p:spTree>
-    <p:extLst>
-      <p:ext uri="{BB962C8B-B14F-4D97-AF65-F5344CB8AC3E}">
-        <p14:creationId xmlns:p14="http://schemas.microsoft.com/office/powerpoint/2010/main" val="3458743690"/>
-      </p:ext>
-    </p:extLst>
-  </p:cSld>
-  <p:clrMapOvr>
-    <a:masterClrMapping/>
-  </p:clrMapOvr>
-</p:sld>
-</file>
-
-<file path=ppt/slides/slide9.xml><?xml version="1.0" encoding="utf-8"?>
+<file path=ppt/slides/slide11.xml><?xml version="1.0" encoding="utf-8"?>
 <p:sld xmlns:a="http://schemas.openxmlformats.org/drawingml/2006/main" xmlns:r="http://schemas.openxmlformats.org/officeDocument/2006/relationships" xmlns:p="http://schemas.openxmlformats.org/presentationml/2006/main">
   <p:cSld>
     <p:spTree>
@@ -8092,6 +4856,3713 @@
     <p:extLst>
       <p:ext uri="{BB962C8B-B14F-4D97-AF65-F5344CB8AC3E}">
         <p14:creationId xmlns:p14="http://schemas.microsoft.com/office/powerpoint/2010/main" val="4071043023"/>
+      </p:ext>
+    </p:extLst>
+  </p:cSld>
+  <p:clrMapOvr>
+    <a:masterClrMapping/>
+  </p:clrMapOvr>
+</p:sld>
+</file>
+
+<file path=ppt/slides/slide2.xml><?xml version="1.0" encoding="utf-8"?>
+<p:sld xmlns:a="http://schemas.openxmlformats.org/drawingml/2006/main" xmlns:r="http://schemas.openxmlformats.org/officeDocument/2006/relationships" xmlns:p="http://schemas.openxmlformats.org/presentationml/2006/main">
+  <p:cSld>
+    <p:spTree>
+      <p:nvGrpSpPr>
+        <p:cNvPr id="1" name=""/>
+        <p:cNvGrpSpPr/>
+        <p:nvPr/>
+      </p:nvGrpSpPr>
+      <p:grpSpPr>
+        <a:xfrm>
+          <a:off x="0" y="0"/>
+          <a:ext cx="0" cy="0"/>
+          <a:chOff x="0" y="0"/>
+          <a:chExt cx="0" cy="0"/>
+        </a:xfrm>
+      </p:grpSpPr>
+      <p:pic>
+        <p:nvPicPr>
+          <p:cNvPr id="9" name="Picture 8">
+            <a:extLst>
+              <a:ext uri="{FF2B5EF4-FFF2-40B4-BE49-F238E27FC236}">
+                <a16:creationId xmlns:a16="http://schemas.microsoft.com/office/drawing/2014/main" id="{52B61870-051F-0EFC-83F7-A85A01FF5FBB}"/>
+              </a:ext>
+            </a:extLst>
+          </p:cNvPr>
+          <p:cNvPicPr>
+            <a:picLocks noChangeAspect="1"/>
+          </p:cNvPicPr>
+          <p:nvPr/>
+        </p:nvPicPr>
+        <p:blipFill>
+          <a:blip r:embed="rId2"/>
+          <a:stretch>
+            <a:fillRect/>
+          </a:stretch>
+        </p:blipFill>
+        <p:spPr>
+          <a:xfrm>
+            <a:off x="1204912" y="1176337"/>
+            <a:ext cx="9782175" cy="4505325"/>
+          </a:xfrm>
+          <a:prstGeom prst="rect">
+            <a:avLst/>
+          </a:prstGeom>
+        </p:spPr>
+      </p:pic>
+    </p:spTree>
+    <p:extLst>
+      <p:ext uri="{BB962C8B-B14F-4D97-AF65-F5344CB8AC3E}">
+        <p14:creationId xmlns:p14="http://schemas.microsoft.com/office/powerpoint/2010/main" val="2018946382"/>
+      </p:ext>
+    </p:extLst>
+  </p:cSld>
+  <p:clrMapOvr>
+    <a:masterClrMapping/>
+  </p:clrMapOvr>
+</p:sld>
+</file>
+
+<file path=ppt/slides/slide3.xml><?xml version="1.0" encoding="utf-8"?>
+<p:sld xmlns:a="http://schemas.openxmlformats.org/drawingml/2006/main" xmlns:r="http://schemas.openxmlformats.org/officeDocument/2006/relationships" xmlns:p="http://schemas.openxmlformats.org/presentationml/2006/main">
+  <p:cSld>
+    <p:spTree>
+      <p:nvGrpSpPr>
+        <p:cNvPr id="1" name=""/>
+        <p:cNvGrpSpPr/>
+        <p:nvPr/>
+      </p:nvGrpSpPr>
+      <p:grpSpPr>
+        <a:xfrm>
+          <a:off x="0" y="0"/>
+          <a:ext cx="0" cy="0"/>
+          <a:chOff x="0" y="0"/>
+          <a:chExt cx="0" cy="0"/>
+        </a:xfrm>
+      </p:grpSpPr>
+      <p:pic>
+        <p:nvPicPr>
+          <p:cNvPr id="5" name="Picture 4">
+            <a:extLst>
+              <a:ext uri="{FF2B5EF4-FFF2-40B4-BE49-F238E27FC236}">
+                <a16:creationId xmlns:a16="http://schemas.microsoft.com/office/drawing/2014/main" id="{8AF93554-2722-C5E0-C28C-A4BFAD25E73F}"/>
+              </a:ext>
+            </a:extLst>
+          </p:cNvPr>
+          <p:cNvPicPr>
+            <a:picLocks noChangeAspect="1"/>
+          </p:cNvPicPr>
+          <p:nvPr/>
+        </p:nvPicPr>
+        <p:blipFill>
+          <a:blip r:embed="rId2"/>
+          <a:stretch>
+            <a:fillRect/>
+          </a:stretch>
+        </p:blipFill>
+        <p:spPr>
+          <a:xfrm>
+            <a:off x="1343025" y="1071562"/>
+            <a:ext cx="9505950" cy="4714875"/>
+          </a:xfrm>
+          <a:prstGeom prst="rect">
+            <a:avLst/>
+          </a:prstGeom>
+        </p:spPr>
+      </p:pic>
+    </p:spTree>
+    <p:extLst>
+      <p:ext uri="{BB962C8B-B14F-4D97-AF65-F5344CB8AC3E}">
+        <p14:creationId xmlns:p14="http://schemas.microsoft.com/office/powerpoint/2010/main" val="509048022"/>
+      </p:ext>
+    </p:extLst>
+  </p:cSld>
+  <p:clrMapOvr>
+    <a:masterClrMapping/>
+  </p:clrMapOvr>
+</p:sld>
+</file>
+
+<file path=ppt/slides/slide4.xml><?xml version="1.0" encoding="utf-8"?>
+<p:sld xmlns:a="http://schemas.openxmlformats.org/drawingml/2006/main" xmlns:r="http://schemas.openxmlformats.org/officeDocument/2006/relationships" xmlns:p="http://schemas.openxmlformats.org/presentationml/2006/main">
+  <p:cSld>
+    <p:spTree>
+      <p:nvGrpSpPr>
+        <p:cNvPr id="1" name=""/>
+        <p:cNvGrpSpPr/>
+        <p:nvPr/>
+      </p:nvGrpSpPr>
+      <p:grpSpPr>
+        <a:xfrm>
+          <a:off x="0" y="0"/>
+          <a:ext cx="0" cy="0"/>
+          <a:chOff x="0" y="0"/>
+          <a:chExt cx="0" cy="0"/>
+        </a:xfrm>
+      </p:grpSpPr>
+      <p:pic>
+        <p:nvPicPr>
+          <p:cNvPr id="5" name="Picture 4">
+            <a:extLst>
+              <a:ext uri="{FF2B5EF4-FFF2-40B4-BE49-F238E27FC236}">
+                <a16:creationId xmlns:a16="http://schemas.microsoft.com/office/drawing/2014/main" id="{03C99A4F-7017-18CB-D6B9-FA2E897BDCBB}"/>
+              </a:ext>
+            </a:extLst>
+          </p:cNvPr>
+          <p:cNvPicPr>
+            <a:picLocks noChangeAspect="1"/>
+          </p:cNvPicPr>
+          <p:nvPr/>
+        </p:nvPicPr>
+        <p:blipFill>
+          <a:blip r:embed="rId2"/>
+          <a:stretch>
+            <a:fillRect/>
+          </a:stretch>
+        </p:blipFill>
+        <p:spPr>
+          <a:xfrm>
+            <a:off x="514350" y="1966912"/>
+            <a:ext cx="11163300" cy="2924175"/>
+          </a:xfrm>
+          <a:prstGeom prst="rect">
+            <a:avLst/>
+          </a:prstGeom>
+        </p:spPr>
+      </p:pic>
+    </p:spTree>
+    <p:extLst>
+      <p:ext uri="{BB962C8B-B14F-4D97-AF65-F5344CB8AC3E}">
+        <p14:creationId xmlns:p14="http://schemas.microsoft.com/office/powerpoint/2010/main" val="1861879265"/>
+      </p:ext>
+    </p:extLst>
+  </p:cSld>
+  <p:clrMapOvr>
+    <a:masterClrMapping/>
+  </p:clrMapOvr>
+</p:sld>
+</file>
+
+<file path=ppt/slides/slide5.xml><?xml version="1.0" encoding="utf-8"?>
+<p:sld xmlns:a="http://schemas.openxmlformats.org/drawingml/2006/main" xmlns:r="http://schemas.openxmlformats.org/officeDocument/2006/relationships" xmlns:p="http://schemas.openxmlformats.org/presentationml/2006/main">
+  <p:cSld>
+    <p:spTree>
+      <p:nvGrpSpPr>
+        <p:cNvPr id="1" name=""/>
+        <p:cNvGrpSpPr/>
+        <p:nvPr/>
+      </p:nvGrpSpPr>
+      <p:grpSpPr>
+        <a:xfrm>
+          <a:off x="0" y="0"/>
+          <a:ext cx="0" cy="0"/>
+          <a:chOff x="0" y="0"/>
+          <a:chExt cx="0" cy="0"/>
+        </a:xfrm>
+      </p:grpSpPr>
+      <p:pic>
+        <p:nvPicPr>
+          <p:cNvPr id="5" name="Picture 4">
+            <a:extLst>
+              <a:ext uri="{FF2B5EF4-FFF2-40B4-BE49-F238E27FC236}">
+                <a16:creationId xmlns:a16="http://schemas.microsoft.com/office/drawing/2014/main" id="{9E429CCB-10B7-3E5D-D9BE-6CCE42840C78}"/>
+              </a:ext>
+            </a:extLst>
+          </p:cNvPr>
+          <p:cNvPicPr>
+            <a:picLocks noChangeAspect="1"/>
+          </p:cNvPicPr>
+          <p:nvPr/>
+        </p:nvPicPr>
+        <p:blipFill>
+          <a:blip r:embed="rId2"/>
+          <a:stretch>
+            <a:fillRect/>
+          </a:stretch>
+        </p:blipFill>
+        <p:spPr>
+          <a:xfrm>
+            <a:off x="1790700" y="1195387"/>
+            <a:ext cx="8610600" cy="4467225"/>
+          </a:xfrm>
+          <a:prstGeom prst="rect">
+            <a:avLst/>
+          </a:prstGeom>
+        </p:spPr>
+      </p:pic>
+    </p:spTree>
+    <p:extLst>
+      <p:ext uri="{BB962C8B-B14F-4D97-AF65-F5344CB8AC3E}">
+        <p14:creationId xmlns:p14="http://schemas.microsoft.com/office/powerpoint/2010/main" val="4000785690"/>
+      </p:ext>
+    </p:extLst>
+  </p:cSld>
+  <p:clrMapOvr>
+    <a:masterClrMapping/>
+  </p:clrMapOvr>
+</p:sld>
+</file>
+
+<file path=ppt/slides/slide6.xml><?xml version="1.0" encoding="utf-8"?>
+<p:sld xmlns:a="http://schemas.openxmlformats.org/drawingml/2006/main" xmlns:r="http://schemas.openxmlformats.org/officeDocument/2006/relationships" xmlns:p="http://schemas.openxmlformats.org/presentationml/2006/main">
+  <p:cSld>
+    <p:spTree>
+      <p:nvGrpSpPr>
+        <p:cNvPr id="1" name=""/>
+        <p:cNvGrpSpPr/>
+        <p:nvPr/>
+      </p:nvGrpSpPr>
+      <p:grpSpPr>
+        <a:xfrm>
+          <a:off x="0" y="0"/>
+          <a:ext cx="0" cy="0"/>
+          <a:chOff x="0" y="0"/>
+          <a:chExt cx="0" cy="0"/>
+        </a:xfrm>
+      </p:grpSpPr>
+      <p:pic>
+        <p:nvPicPr>
+          <p:cNvPr id="9" name="Picture 8">
+            <a:extLst>
+              <a:ext uri="{FF2B5EF4-FFF2-40B4-BE49-F238E27FC236}">
+                <a16:creationId xmlns:a16="http://schemas.microsoft.com/office/drawing/2014/main" id="{E4F30B95-C4C1-BE44-137A-5B50ED7D36E1}"/>
+              </a:ext>
+            </a:extLst>
+          </p:cNvPr>
+          <p:cNvPicPr>
+            <a:picLocks noChangeAspect="1"/>
+          </p:cNvPicPr>
+          <p:nvPr/>
+        </p:nvPicPr>
+        <p:blipFill>
+          <a:blip r:embed="rId2"/>
+          <a:stretch>
+            <a:fillRect/>
+          </a:stretch>
+        </p:blipFill>
+        <p:spPr>
+          <a:xfrm>
+            <a:off x="1628775" y="1971675"/>
+            <a:ext cx="8934450" cy="2914650"/>
+          </a:xfrm>
+          <a:prstGeom prst="rect">
+            <a:avLst/>
+          </a:prstGeom>
+        </p:spPr>
+      </p:pic>
+    </p:spTree>
+    <p:extLst>
+      <p:ext uri="{BB962C8B-B14F-4D97-AF65-F5344CB8AC3E}">
+        <p14:creationId xmlns:p14="http://schemas.microsoft.com/office/powerpoint/2010/main" val="3327994133"/>
+      </p:ext>
+    </p:extLst>
+  </p:cSld>
+  <p:clrMapOvr>
+    <a:masterClrMapping/>
+  </p:clrMapOvr>
+</p:sld>
+</file>
+
+<file path=ppt/slides/slide7.xml><?xml version="1.0" encoding="utf-8"?>
+<p:sld xmlns:a="http://schemas.openxmlformats.org/drawingml/2006/main" xmlns:r="http://schemas.openxmlformats.org/officeDocument/2006/relationships" xmlns:p="http://schemas.openxmlformats.org/presentationml/2006/main">
+  <p:cSld>
+    <p:spTree>
+      <p:nvGrpSpPr>
+        <p:cNvPr id="1" name=""/>
+        <p:cNvGrpSpPr/>
+        <p:nvPr/>
+      </p:nvGrpSpPr>
+      <p:grpSpPr>
+        <a:xfrm>
+          <a:off x="0" y="0"/>
+          <a:ext cx="0" cy="0"/>
+          <a:chOff x="0" y="0"/>
+          <a:chExt cx="0" cy="0"/>
+        </a:xfrm>
+      </p:grpSpPr>
+      <p:grpSp>
+        <p:nvGrpSpPr>
+          <p:cNvPr id="12" name="Group 11">
+            <a:extLst>
+              <a:ext uri="{FF2B5EF4-FFF2-40B4-BE49-F238E27FC236}">
+                <a16:creationId xmlns:a16="http://schemas.microsoft.com/office/drawing/2014/main" id="{1FDF8A07-D904-4716-C9CA-332AD8E8368D}"/>
+              </a:ext>
+            </a:extLst>
+          </p:cNvPr>
+          <p:cNvGrpSpPr/>
+          <p:nvPr/>
+        </p:nvGrpSpPr>
+        <p:grpSpPr>
+          <a:xfrm>
+            <a:off x="2583656" y="0"/>
+            <a:ext cx="7024688" cy="5378054"/>
+            <a:chOff x="2583656" y="0"/>
+            <a:chExt cx="7024688" cy="5378054"/>
+          </a:xfrm>
+        </p:grpSpPr>
+        <p:grpSp>
+          <p:nvGrpSpPr>
+            <p:cNvPr id="9" name="Group 8">
+              <a:extLst>
+                <a:ext uri="{FF2B5EF4-FFF2-40B4-BE49-F238E27FC236}">
+                  <a16:creationId xmlns:a16="http://schemas.microsoft.com/office/drawing/2014/main" id="{62540B22-CF47-E3AF-7A62-4FA68043FCB0}"/>
+                </a:ext>
+              </a:extLst>
+            </p:cNvPr>
+            <p:cNvGrpSpPr/>
+            <p:nvPr/>
+          </p:nvGrpSpPr>
+          <p:grpSpPr>
+            <a:xfrm>
+              <a:off x="2583656" y="0"/>
+              <a:ext cx="7024688" cy="2689027"/>
+              <a:chOff x="2669381" y="473273"/>
+              <a:chExt cx="7024688" cy="2689027"/>
+            </a:xfrm>
+          </p:grpSpPr>
+          <p:pic>
+            <p:nvPicPr>
+              <p:cNvPr id="5" name="Picture 4">
+                <a:extLst>
+                  <a:ext uri="{FF2B5EF4-FFF2-40B4-BE49-F238E27FC236}">
+                    <a16:creationId xmlns:a16="http://schemas.microsoft.com/office/drawing/2014/main" id="{0D725C2F-662D-BAEC-DFFB-26F0C176EF02}"/>
+                  </a:ext>
+                </a:extLst>
+              </p:cNvPr>
+              <p:cNvPicPr>
+                <a:picLocks noChangeAspect="1"/>
+              </p:cNvPicPr>
+              <p:nvPr/>
+            </p:nvPicPr>
+            <p:blipFill>
+              <a:blip r:embed="rId2"/>
+              <a:stretch>
+                <a:fillRect/>
+              </a:stretch>
+            </p:blipFill>
+            <p:spPr>
+              <a:xfrm>
+                <a:off x="2669381" y="781050"/>
+                <a:ext cx="7024688" cy="2381250"/>
+              </a:xfrm>
+              <a:prstGeom prst="rect">
+                <a:avLst/>
+              </a:prstGeom>
+            </p:spPr>
+          </p:pic>
+          <p:sp>
+            <p:nvSpPr>
+              <p:cNvPr id="8" name="TextBox 7">
+                <a:extLst>
+                  <a:ext uri="{FF2B5EF4-FFF2-40B4-BE49-F238E27FC236}">
+                    <a16:creationId xmlns:a16="http://schemas.microsoft.com/office/drawing/2014/main" id="{0A5747E1-EAFD-B9D6-0BA0-9005D6BF7941}"/>
+                  </a:ext>
+                </a:extLst>
+              </p:cNvPr>
+              <p:cNvSpPr txBox="1"/>
+              <p:nvPr/>
+            </p:nvSpPr>
+            <p:spPr>
+              <a:xfrm>
+                <a:off x="3865380" y="473273"/>
+                <a:ext cx="4632690" cy="307777"/>
+              </a:xfrm>
+              <a:prstGeom prst="rect">
+                <a:avLst/>
+              </a:prstGeom>
+              <a:solidFill>
+                <a:schemeClr val="bg1"/>
+              </a:solidFill>
+              <a:ln w="19050">
+                <a:noFill/>
+              </a:ln>
+            </p:spPr>
+            <p:txBody>
+              <a:bodyPr wrap="square" rtlCol="0">
+                <a:spAutoFit/>
+              </a:bodyPr>
+              <a:lstStyle/>
+              <a:p>
+                <a:pPr algn="ctr"/>
+                <a:r>
+                  <a:rPr lang="en-US" sz="1400" dirty="0">
+                    <a:latin typeface="TeX Gyre Bonum" panose="00000500000000000000" pitchFamily="50" charset="0"/>
+                  </a:rPr>
+                  <a:t>(a) Monocrystalline samples</a:t>
+                </a:r>
+                <a:endParaRPr lang="en-ID" sz="1400" dirty="0">
+                  <a:latin typeface="TeX Gyre Bonum" panose="00000500000000000000" pitchFamily="50" charset="0"/>
+                </a:endParaRPr>
+              </a:p>
+            </p:txBody>
+          </p:sp>
+        </p:grpSp>
+        <p:grpSp>
+          <p:nvGrpSpPr>
+            <p:cNvPr id="11" name="Group 10">
+              <a:extLst>
+                <a:ext uri="{FF2B5EF4-FFF2-40B4-BE49-F238E27FC236}">
+                  <a16:creationId xmlns:a16="http://schemas.microsoft.com/office/drawing/2014/main" id="{CBA5558C-2660-4000-FA3D-CC3305193D4F}"/>
+                </a:ext>
+              </a:extLst>
+            </p:cNvPr>
+            <p:cNvGrpSpPr/>
+            <p:nvPr/>
+          </p:nvGrpSpPr>
+          <p:grpSpPr>
+            <a:xfrm>
+              <a:off x="2583656" y="2689027"/>
+              <a:ext cx="7024688" cy="2689027"/>
+              <a:chOff x="2583656" y="3655107"/>
+              <a:chExt cx="7024688" cy="2689027"/>
+            </a:xfrm>
+          </p:grpSpPr>
+          <p:pic>
+            <p:nvPicPr>
+              <p:cNvPr id="7" name="Picture 6">
+                <a:extLst>
+                  <a:ext uri="{FF2B5EF4-FFF2-40B4-BE49-F238E27FC236}">
+                    <a16:creationId xmlns:a16="http://schemas.microsoft.com/office/drawing/2014/main" id="{FDA1F150-7B8C-1907-5D9C-9A12596B7DEA}"/>
+                  </a:ext>
+                </a:extLst>
+              </p:cNvPr>
+              <p:cNvPicPr>
+                <a:picLocks noChangeAspect="1"/>
+              </p:cNvPicPr>
+              <p:nvPr/>
+            </p:nvPicPr>
+            <p:blipFill>
+              <a:blip r:embed="rId3"/>
+              <a:stretch>
+                <a:fillRect/>
+              </a:stretch>
+            </p:blipFill>
+            <p:spPr>
+              <a:xfrm>
+                <a:off x="2583656" y="3962884"/>
+                <a:ext cx="7024688" cy="2381250"/>
+              </a:xfrm>
+              <a:prstGeom prst="rect">
+                <a:avLst/>
+              </a:prstGeom>
+            </p:spPr>
+          </p:pic>
+          <p:sp>
+            <p:nvSpPr>
+              <p:cNvPr id="10" name="TextBox 9">
+                <a:extLst>
+                  <a:ext uri="{FF2B5EF4-FFF2-40B4-BE49-F238E27FC236}">
+                    <a16:creationId xmlns:a16="http://schemas.microsoft.com/office/drawing/2014/main" id="{8478A695-76F7-0E26-9FD2-8789B3FC7152}"/>
+                  </a:ext>
+                </a:extLst>
+              </p:cNvPr>
+              <p:cNvSpPr txBox="1"/>
+              <p:nvPr/>
+            </p:nvSpPr>
+            <p:spPr>
+              <a:xfrm>
+                <a:off x="3779655" y="3655107"/>
+                <a:ext cx="4632690" cy="307777"/>
+              </a:xfrm>
+              <a:prstGeom prst="rect">
+                <a:avLst/>
+              </a:prstGeom>
+              <a:solidFill>
+                <a:schemeClr val="bg1"/>
+              </a:solidFill>
+              <a:ln w="19050">
+                <a:noFill/>
+              </a:ln>
+            </p:spPr>
+            <p:txBody>
+              <a:bodyPr wrap="square" rtlCol="0">
+                <a:spAutoFit/>
+              </a:bodyPr>
+              <a:lstStyle/>
+              <a:p>
+                <a:pPr algn="ctr"/>
+                <a:r>
+                  <a:rPr lang="en-US" sz="1400" dirty="0">
+                    <a:latin typeface="TeX Gyre Bonum" panose="00000500000000000000" pitchFamily="50" charset="0"/>
+                  </a:rPr>
+                  <a:t>(b) Polycrystalline samples</a:t>
+                </a:r>
+                <a:endParaRPr lang="en-ID" sz="1400" dirty="0">
+                  <a:latin typeface="TeX Gyre Bonum" panose="00000500000000000000" pitchFamily="50" charset="0"/>
+                </a:endParaRPr>
+              </a:p>
+            </p:txBody>
+          </p:sp>
+        </p:grpSp>
+      </p:grpSp>
+    </p:spTree>
+    <p:extLst>
+      <p:ext uri="{BB962C8B-B14F-4D97-AF65-F5344CB8AC3E}">
+        <p14:creationId xmlns:p14="http://schemas.microsoft.com/office/powerpoint/2010/main" val="612033564"/>
+      </p:ext>
+    </p:extLst>
+  </p:cSld>
+  <p:clrMapOvr>
+    <a:masterClrMapping/>
+  </p:clrMapOvr>
+</p:sld>
+</file>
+
+<file path=ppt/slides/slide8.xml><?xml version="1.0" encoding="utf-8"?>
+<p:sld xmlns:a="http://schemas.openxmlformats.org/drawingml/2006/main" xmlns:r="http://schemas.openxmlformats.org/officeDocument/2006/relationships" xmlns:p="http://schemas.openxmlformats.org/presentationml/2006/main">
+  <p:cSld>
+    <p:spTree>
+      <p:nvGrpSpPr>
+        <p:cNvPr id="1" name=""/>
+        <p:cNvGrpSpPr/>
+        <p:nvPr/>
+      </p:nvGrpSpPr>
+      <p:grpSpPr>
+        <a:xfrm>
+          <a:off x="0" y="0"/>
+          <a:ext cx="0" cy="0"/>
+          <a:chOff x="0" y="0"/>
+          <a:chExt cx="0" cy="0"/>
+        </a:xfrm>
+      </p:grpSpPr>
+      <p:grpSp>
+        <p:nvGrpSpPr>
+          <p:cNvPr id="11" name="Group 10">
+            <a:extLst>
+              <a:ext uri="{FF2B5EF4-FFF2-40B4-BE49-F238E27FC236}">
+                <a16:creationId xmlns:a16="http://schemas.microsoft.com/office/drawing/2014/main" id="{2DFD6DB4-1249-AB04-2654-FCC7E80F80B4}"/>
+              </a:ext>
+            </a:extLst>
+          </p:cNvPr>
+          <p:cNvGrpSpPr/>
+          <p:nvPr/>
+        </p:nvGrpSpPr>
+        <p:grpSpPr>
+          <a:xfrm>
+            <a:off x="2800350" y="-431602"/>
+            <a:ext cx="7024688" cy="7721204"/>
+            <a:chOff x="2800350" y="-431602"/>
+            <a:chExt cx="7024688" cy="7721204"/>
+          </a:xfrm>
+        </p:grpSpPr>
+        <p:pic>
+          <p:nvPicPr>
+            <p:cNvPr id="7" name="Picture 6">
+              <a:extLst>
+                <a:ext uri="{FF2B5EF4-FFF2-40B4-BE49-F238E27FC236}">
+                  <a16:creationId xmlns:a16="http://schemas.microsoft.com/office/drawing/2014/main" id="{6B400022-DE5B-06D2-8BD1-5FCD9E244EDD}"/>
+                </a:ext>
+              </a:extLst>
+            </p:cNvPr>
+            <p:cNvPicPr>
+              <a:picLocks noChangeAspect="1"/>
+            </p:cNvPicPr>
+            <p:nvPr/>
+          </p:nvPicPr>
+          <p:blipFill>
+            <a:blip r:embed="rId2"/>
+            <a:stretch>
+              <a:fillRect/>
+            </a:stretch>
+          </p:blipFill>
+          <p:spPr>
+            <a:xfrm>
+              <a:off x="2800350" y="3736777"/>
+              <a:ext cx="7024688" cy="3552825"/>
+            </a:xfrm>
+            <a:prstGeom prst="rect">
+              <a:avLst/>
+            </a:prstGeom>
+          </p:spPr>
+        </p:pic>
+        <p:grpSp>
+          <p:nvGrpSpPr>
+            <p:cNvPr id="9" name="Group 8">
+              <a:extLst>
+                <a:ext uri="{FF2B5EF4-FFF2-40B4-BE49-F238E27FC236}">
+                  <a16:creationId xmlns:a16="http://schemas.microsoft.com/office/drawing/2014/main" id="{6299BAD6-8DAA-ED1A-5F49-F375727E8F7B}"/>
+                </a:ext>
+              </a:extLst>
+            </p:cNvPr>
+            <p:cNvGrpSpPr/>
+            <p:nvPr/>
+          </p:nvGrpSpPr>
+          <p:grpSpPr>
+            <a:xfrm>
+              <a:off x="2800350" y="-431602"/>
+              <a:ext cx="7024688" cy="3860602"/>
+              <a:chOff x="0" y="191344"/>
+              <a:chExt cx="7024688" cy="3860602"/>
+            </a:xfrm>
+          </p:grpSpPr>
+          <p:pic>
+            <p:nvPicPr>
+              <p:cNvPr id="5" name="Picture 4">
+                <a:extLst>
+                  <a:ext uri="{FF2B5EF4-FFF2-40B4-BE49-F238E27FC236}">
+                    <a16:creationId xmlns:a16="http://schemas.microsoft.com/office/drawing/2014/main" id="{96F2FD8D-9B58-1A61-9FA2-E9D432EB2091}"/>
+                  </a:ext>
+                </a:extLst>
+              </p:cNvPr>
+              <p:cNvPicPr>
+                <a:picLocks noChangeAspect="1"/>
+              </p:cNvPicPr>
+              <p:nvPr/>
+            </p:nvPicPr>
+            <p:blipFill>
+              <a:blip r:embed="rId3"/>
+              <a:stretch>
+                <a:fillRect/>
+              </a:stretch>
+            </p:blipFill>
+            <p:spPr>
+              <a:xfrm>
+                <a:off x="0" y="499121"/>
+                <a:ext cx="7024688" cy="3552825"/>
+              </a:xfrm>
+              <a:prstGeom prst="rect">
+                <a:avLst/>
+              </a:prstGeom>
+            </p:spPr>
+          </p:pic>
+          <p:sp>
+            <p:nvSpPr>
+              <p:cNvPr id="8" name="TextBox 7">
+                <a:extLst>
+                  <a:ext uri="{FF2B5EF4-FFF2-40B4-BE49-F238E27FC236}">
+                    <a16:creationId xmlns:a16="http://schemas.microsoft.com/office/drawing/2014/main" id="{DAB21CEC-0011-945A-C968-EB5C8305D422}"/>
+                  </a:ext>
+                </a:extLst>
+              </p:cNvPr>
+              <p:cNvSpPr txBox="1"/>
+              <p:nvPr/>
+            </p:nvSpPr>
+            <p:spPr>
+              <a:xfrm>
+                <a:off x="1195999" y="191344"/>
+                <a:ext cx="4632690" cy="307777"/>
+              </a:xfrm>
+              <a:prstGeom prst="rect">
+                <a:avLst/>
+              </a:prstGeom>
+              <a:solidFill>
+                <a:schemeClr val="bg1"/>
+              </a:solidFill>
+              <a:ln w="19050">
+                <a:noFill/>
+              </a:ln>
+            </p:spPr>
+            <p:txBody>
+              <a:bodyPr wrap="square" rtlCol="0">
+                <a:spAutoFit/>
+              </a:bodyPr>
+              <a:lstStyle/>
+              <a:p>
+                <a:pPr algn="ctr"/>
+                <a:r>
+                  <a:rPr lang="en-US" sz="1400" dirty="0">
+                    <a:latin typeface="TeX Gyre Bonum" panose="00000500000000000000" pitchFamily="50" charset="0"/>
+                  </a:rPr>
+                  <a:t>(a) Monocrystalline samples</a:t>
+                </a:r>
+                <a:endParaRPr lang="en-ID" sz="1400" dirty="0">
+                  <a:latin typeface="TeX Gyre Bonum" panose="00000500000000000000" pitchFamily="50" charset="0"/>
+                </a:endParaRPr>
+              </a:p>
+            </p:txBody>
+          </p:sp>
+        </p:grpSp>
+        <p:sp>
+          <p:nvSpPr>
+            <p:cNvPr id="10" name="TextBox 9">
+              <a:extLst>
+                <a:ext uri="{FF2B5EF4-FFF2-40B4-BE49-F238E27FC236}">
+                  <a16:creationId xmlns:a16="http://schemas.microsoft.com/office/drawing/2014/main" id="{7867C5A5-31D3-8B3F-9773-87B6EEA77243}"/>
+                </a:ext>
+              </a:extLst>
+            </p:cNvPr>
+            <p:cNvSpPr txBox="1"/>
+            <p:nvPr/>
+          </p:nvSpPr>
+          <p:spPr>
+            <a:xfrm>
+              <a:off x="3996349" y="3429000"/>
+              <a:ext cx="4632690" cy="307777"/>
+            </a:xfrm>
+            <a:prstGeom prst="rect">
+              <a:avLst/>
+            </a:prstGeom>
+            <a:solidFill>
+              <a:schemeClr val="bg1"/>
+            </a:solidFill>
+            <a:ln w="19050">
+              <a:noFill/>
+            </a:ln>
+          </p:spPr>
+          <p:txBody>
+            <a:bodyPr wrap="square" rtlCol="0">
+              <a:spAutoFit/>
+            </a:bodyPr>
+            <a:lstStyle/>
+            <a:p>
+              <a:pPr algn="ctr"/>
+              <a:r>
+                <a:rPr lang="en-US" sz="1400" dirty="0">
+                  <a:latin typeface="TeX Gyre Bonum" panose="00000500000000000000" pitchFamily="50" charset="0"/>
+                </a:rPr>
+                <a:t>(b) Polycrystalline samples</a:t>
+              </a:r>
+              <a:endParaRPr lang="en-ID" sz="1400" dirty="0">
+                <a:latin typeface="TeX Gyre Bonum" panose="00000500000000000000" pitchFamily="50" charset="0"/>
+              </a:endParaRPr>
+            </a:p>
+          </p:txBody>
+        </p:sp>
+      </p:grpSp>
+    </p:spTree>
+    <p:extLst>
+      <p:ext uri="{BB962C8B-B14F-4D97-AF65-F5344CB8AC3E}">
+        <p14:creationId xmlns:p14="http://schemas.microsoft.com/office/powerpoint/2010/main" val="1047951534"/>
+      </p:ext>
+    </p:extLst>
+  </p:cSld>
+  <p:clrMapOvr>
+    <a:masterClrMapping/>
+  </p:clrMapOvr>
+</p:sld>
+</file>
+
+<file path=ppt/slides/slide9.xml><?xml version="1.0" encoding="utf-8"?>
+<p:sld xmlns:a="http://schemas.openxmlformats.org/drawingml/2006/main" xmlns:r="http://schemas.openxmlformats.org/officeDocument/2006/relationships" xmlns:p="http://schemas.openxmlformats.org/presentationml/2006/main">
+  <p:cSld>
+    <p:spTree>
+      <p:nvGrpSpPr>
+        <p:cNvPr id="1" name=""/>
+        <p:cNvGrpSpPr/>
+        <p:nvPr/>
+      </p:nvGrpSpPr>
+      <p:grpSpPr>
+        <a:xfrm>
+          <a:off x="0" y="0"/>
+          <a:ext cx="0" cy="0"/>
+          <a:chOff x="0" y="0"/>
+          <a:chExt cx="0" cy="0"/>
+        </a:xfrm>
+      </p:grpSpPr>
+      <p:graphicFrame>
+        <p:nvGraphicFramePr>
+          <p:cNvPr id="4" name="Table 6">
+            <a:extLst>
+              <a:ext uri="{FF2B5EF4-FFF2-40B4-BE49-F238E27FC236}">
+                <a16:creationId xmlns:a16="http://schemas.microsoft.com/office/drawing/2014/main" id="{19B1E98B-4B8A-BA76-2EEC-D115421C2790}"/>
+              </a:ext>
+            </a:extLst>
+          </p:cNvPr>
+          <p:cNvGraphicFramePr>
+            <a:graphicFrameLocks noGrp="1"/>
+          </p:cNvGraphicFramePr>
+          <p:nvPr>
+            <p:extLst>
+              <p:ext uri="{D42A27DB-BD31-4B8C-83A1-F6EECF244321}">
+                <p14:modId xmlns:p14="http://schemas.microsoft.com/office/powerpoint/2010/main" val="117637910"/>
+              </p:ext>
+            </p:extLst>
+          </p:nvPr>
+        </p:nvGraphicFramePr>
+        <p:xfrm>
+          <a:off x="751732" y="3437466"/>
+          <a:ext cx="4400356" cy="1524000"/>
+        </p:xfrm>
+        <a:graphic>
+          <a:graphicData uri="http://schemas.openxmlformats.org/drawingml/2006/table">
+            <a:tbl>
+              <a:tblPr firstRow="1" bandRow="1">
+                <a:tableStyleId>{5C22544A-7EE6-4342-B048-85BDC9FD1C3A}</a:tableStyleId>
+              </a:tblPr>
+              <a:tblGrid>
+                <a:gridCol w="1076452">
+                  <a:extLst>
+                    <a:ext uri="{9D8B030D-6E8A-4147-A177-3AD203B41FA5}">
+                      <a16:colId xmlns:a16="http://schemas.microsoft.com/office/drawing/2014/main" val="3872630865"/>
+                    </a:ext>
+                  </a:extLst>
+                </a:gridCol>
+                <a:gridCol w="844867">
+                  <a:extLst>
+                    <a:ext uri="{9D8B030D-6E8A-4147-A177-3AD203B41FA5}">
+                      <a16:colId xmlns:a16="http://schemas.microsoft.com/office/drawing/2014/main" val="2317850323"/>
+                    </a:ext>
+                  </a:extLst>
+                </a:gridCol>
+                <a:gridCol w="844867">
+                  <a:extLst>
+                    <a:ext uri="{9D8B030D-6E8A-4147-A177-3AD203B41FA5}">
+                      <a16:colId xmlns:a16="http://schemas.microsoft.com/office/drawing/2014/main" val="3427173819"/>
+                    </a:ext>
+                  </a:extLst>
+                </a:gridCol>
+                <a:gridCol w="844867">
+                  <a:extLst>
+                    <a:ext uri="{9D8B030D-6E8A-4147-A177-3AD203B41FA5}">
+                      <a16:colId xmlns:a16="http://schemas.microsoft.com/office/drawing/2014/main" val="2404399359"/>
+                    </a:ext>
+                  </a:extLst>
+                </a:gridCol>
+                <a:gridCol w="789303">
+                  <a:extLst>
+                    <a:ext uri="{9D8B030D-6E8A-4147-A177-3AD203B41FA5}">
+                      <a16:colId xmlns:a16="http://schemas.microsoft.com/office/drawing/2014/main" val="1079410152"/>
+                    </a:ext>
+                  </a:extLst>
+                </a:gridCol>
+              </a:tblGrid>
+              <a:tr h="277368">
+                <a:tc>
+                  <a:txBody>
+                    <a:bodyPr/>
+                    <a:lstStyle/>
+                    <a:p>
+                      <a:pPr algn="ctr"/>
+                      <a:endParaRPr lang="en-ID" sz="1400" dirty="0">
+                        <a:solidFill>
+                          <a:schemeClr val="tx1"/>
+                        </a:solidFill>
+                        <a:latin typeface="TeX Gyre Bonum" panose="00000500000000000000" pitchFamily="50" charset="0"/>
+                        <a:ea typeface="CMU Sans Serif" panose="02000603000000000000" pitchFamily="2" charset="0"/>
+                        <a:cs typeface="CMU Sans Serif" panose="02000603000000000000" pitchFamily="2" charset="0"/>
+                      </a:endParaRPr>
+                    </a:p>
+                  </a:txBody>
+                  <a:tcPr>
+                    <a:lnL w="12700" cap="flat" cmpd="sng" algn="ctr">
+                      <a:noFill/>
+                      <a:prstDash val="solid"/>
+                      <a:round/>
+                      <a:headEnd type="none" w="med" len="med"/>
+                      <a:tailEnd type="none" w="med" len="med"/>
+                    </a:lnL>
+                    <a:lnR w="12700" cap="flat" cmpd="sng" algn="ctr">
+                      <a:noFill/>
+                      <a:prstDash val="solid"/>
+                      <a:round/>
+                      <a:headEnd type="none" w="med" len="med"/>
+                      <a:tailEnd type="none" w="med" len="med"/>
+                    </a:lnR>
+                    <a:lnT w="12700" cap="flat" cmpd="sng" algn="ctr">
+                      <a:solidFill>
+                        <a:schemeClr val="tx1"/>
+                      </a:solidFill>
+                      <a:prstDash val="solid"/>
+                      <a:round/>
+                      <a:headEnd type="none" w="med" len="med"/>
+                      <a:tailEnd type="none" w="med" len="med"/>
+                    </a:lnT>
+                    <a:lnB w="12700" cap="flat" cmpd="sng" algn="ctr">
+                      <a:solidFill>
+                        <a:schemeClr val="tx1"/>
+                      </a:solidFill>
+                      <a:prstDash val="solid"/>
+                      <a:round/>
+                      <a:headEnd type="none" w="med" len="med"/>
+                      <a:tailEnd type="none" w="med" len="med"/>
+                    </a:lnB>
+                    <a:lnTlToBr w="12700" cmpd="sng">
+                      <a:noFill/>
+                      <a:prstDash val="solid"/>
+                    </a:lnTlToBr>
+                    <a:lnBlToTr w="12700" cmpd="sng">
+                      <a:noFill/>
+                      <a:prstDash val="solid"/>
+                    </a:lnBlToTr>
+                    <a:noFill/>
+                  </a:tcPr>
+                </a:tc>
+                <a:tc>
+                  <a:txBody>
+                    <a:bodyPr/>
+                    <a:lstStyle/>
+                    <a:p>
+                      <a:pPr algn="ctr"/>
+                      <a:r>
+                        <a:rPr lang="en-US" sz="1400" b="1" dirty="0">
+                          <a:solidFill>
+                            <a:schemeClr val="tx1"/>
+                          </a:solidFill>
+                          <a:latin typeface="TeX Gyre Bonum" panose="00000500000000000000" pitchFamily="50" charset="0"/>
+                          <a:ea typeface="CMU Sans Serif" panose="02000603000000000000" pitchFamily="2" charset="0"/>
+                          <a:cs typeface="CMU Sans Serif" panose="02000603000000000000" pitchFamily="2" charset="0"/>
+                        </a:rPr>
+                        <a:t>A</a:t>
+                      </a:r>
+                      <a:endParaRPr lang="en-ID" sz="1400" b="1" dirty="0">
+                        <a:solidFill>
+                          <a:schemeClr val="tx1"/>
+                        </a:solidFill>
+                        <a:latin typeface="TeX Gyre Bonum" panose="00000500000000000000" pitchFamily="50" charset="0"/>
+                        <a:ea typeface="CMU Sans Serif" panose="02000603000000000000" pitchFamily="2" charset="0"/>
+                        <a:cs typeface="CMU Sans Serif" panose="02000603000000000000" pitchFamily="2" charset="0"/>
+                      </a:endParaRPr>
+                    </a:p>
+                  </a:txBody>
+                  <a:tcPr>
+                    <a:lnL w="12700" cap="flat" cmpd="sng" algn="ctr">
+                      <a:noFill/>
+                      <a:prstDash val="solid"/>
+                      <a:round/>
+                      <a:headEnd type="none" w="med" len="med"/>
+                      <a:tailEnd type="none" w="med" len="med"/>
+                    </a:lnL>
+                    <a:lnR w="12700" cap="flat" cmpd="sng" algn="ctr">
+                      <a:noFill/>
+                      <a:prstDash val="solid"/>
+                      <a:round/>
+                      <a:headEnd type="none" w="med" len="med"/>
+                      <a:tailEnd type="none" w="med" len="med"/>
+                    </a:lnR>
+                    <a:lnT w="12700" cap="flat" cmpd="sng" algn="ctr">
+                      <a:solidFill>
+                        <a:schemeClr val="tx1"/>
+                      </a:solidFill>
+                      <a:prstDash val="solid"/>
+                      <a:round/>
+                      <a:headEnd type="none" w="med" len="med"/>
+                      <a:tailEnd type="none" w="med" len="med"/>
+                    </a:lnT>
+                    <a:lnB w="12700" cap="flat" cmpd="sng" algn="ctr">
+                      <a:solidFill>
+                        <a:schemeClr val="tx1"/>
+                      </a:solidFill>
+                      <a:prstDash val="solid"/>
+                      <a:round/>
+                      <a:headEnd type="none" w="med" len="med"/>
+                      <a:tailEnd type="none" w="med" len="med"/>
+                    </a:lnB>
+                    <a:lnTlToBr w="12700" cmpd="sng">
+                      <a:noFill/>
+                      <a:prstDash val="solid"/>
+                    </a:lnTlToBr>
+                    <a:lnBlToTr w="12700" cmpd="sng">
+                      <a:noFill/>
+                      <a:prstDash val="solid"/>
+                    </a:lnBlToTr>
+                    <a:noFill/>
+                  </a:tcPr>
+                </a:tc>
+                <a:tc>
+                  <a:txBody>
+                    <a:bodyPr/>
+                    <a:lstStyle/>
+                    <a:p>
+                      <a:pPr algn="ctr"/>
+                      <a:r>
+                        <a:rPr lang="en-US" sz="1400" b="1" dirty="0">
+                          <a:solidFill>
+                            <a:schemeClr val="tx1"/>
+                          </a:solidFill>
+                          <a:latin typeface="TeX Gyre Bonum" panose="00000500000000000000" pitchFamily="50" charset="0"/>
+                          <a:ea typeface="CMU Sans Serif" panose="02000603000000000000" pitchFamily="2" charset="0"/>
+                          <a:cs typeface="CMU Sans Serif" panose="02000603000000000000" pitchFamily="2" charset="0"/>
+                        </a:rPr>
+                        <a:t>B</a:t>
+                      </a:r>
+                      <a:endParaRPr lang="en-ID" sz="1400" b="1" dirty="0">
+                        <a:solidFill>
+                          <a:schemeClr val="tx1"/>
+                        </a:solidFill>
+                        <a:latin typeface="TeX Gyre Bonum" panose="00000500000000000000" pitchFamily="50" charset="0"/>
+                        <a:ea typeface="CMU Sans Serif" panose="02000603000000000000" pitchFamily="2" charset="0"/>
+                        <a:cs typeface="CMU Sans Serif" panose="02000603000000000000" pitchFamily="2" charset="0"/>
+                      </a:endParaRPr>
+                    </a:p>
+                  </a:txBody>
+                  <a:tcPr>
+                    <a:lnL w="12700" cap="flat" cmpd="sng" algn="ctr">
+                      <a:noFill/>
+                      <a:prstDash val="solid"/>
+                      <a:round/>
+                      <a:headEnd type="none" w="med" len="med"/>
+                      <a:tailEnd type="none" w="med" len="med"/>
+                    </a:lnL>
+                    <a:lnR w="12700" cap="flat" cmpd="sng" algn="ctr">
+                      <a:noFill/>
+                      <a:prstDash val="solid"/>
+                      <a:round/>
+                      <a:headEnd type="none" w="med" len="med"/>
+                      <a:tailEnd type="none" w="med" len="med"/>
+                    </a:lnR>
+                    <a:lnT w="12700" cap="flat" cmpd="sng" algn="ctr">
+                      <a:solidFill>
+                        <a:schemeClr val="tx1"/>
+                      </a:solidFill>
+                      <a:prstDash val="solid"/>
+                      <a:round/>
+                      <a:headEnd type="none" w="med" len="med"/>
+                      <a:tailEnd type="none" w="med" len="med"/>
+                    </a:lnT>
+                    <a:lnB w="12700" cap="flat" cmpd="sng" algn="ctr">
+                      <a:solidFill>
+                        <a:schemeClr val="tx1"/>
+                      </a:solidFill>
+                      <a:prstDash val="solid"/>
+                      <a:round/>
+                      <a:headEnd type="none" w="med" len="med"/>
+                      <a:tailEnd type="none" w="med" len="med"/>
+                    </a:lnB>
+                    <a:lnTlToBr w="12700" cmpd="sng">
+                      <a:noFill/>
+                      <a:prstDash val="solid"/>
+                    </a:lnTlToBr>
+                    <a:lnBlToTr w="12700" cmpd="sng">
+                      <a:noFill/>
+                      <a:prstDash val="solid"/>
+                    </a:lnBlToTr>
+                    <a:noFill/>
+                  </a:tcPr>
+                </a:tc>
+                <a:tc>
+                  <a:txBody>
+                    <a:bodyPr/>
+                    <a:lstStyle/>
+                    <a:p>
+                      <a:pPr algn="ctr"/>
+                      <a:r>
+                        <a:rPr lang="en-US" sz="1400" b="1" dirty="0">
+                          <a:solidFill>
+                            <a:schemeClr val="tx1"/>
+                          </a:solidFill>
+                          <a:latin typeface="TeX Gyre Bonum" panose="00000500000000000000" pitchFamily="50" charset="0"/>
+                          <a:ea typeface="CMU Sans Serif" panose="02000603000000000000" pitchFamily="2" charset="0"/>
+                          <a:cs typeface="CMU Sans Serif" panose="02000603000000000000" pitchFamily="2" charset="0"/>
+                        </a:rPr>
+                        <a:t>C</a:t>
+                      </a:r>
+                      <a:endParaRPr lang="en-ID" sz="1400" b="1" dirty="0">
+                        <a:solidFill>
+                          <a:schemeClr val="tx1"/>
+                        </a:solidFill>
+                        <a:latin typeface="TeX Gyre Bonum" panose="00000500000000000000" pitchFamily="50" charset="0"/>
+                        <a:ea typeface="CMU Sans Serif" panose="02000603000000000000" pitchFamily="2" charset="0"/>
+                        <a:cs typeface="CMU Sans Serif" panose="02000603000000000000" pitchFamily="2" charset="0"/>
+                      </a:endParaRPr>
+                    </a:p>
+                  </a:txBody>
+                  <a:tcPr>
+                    <a:lnL w="12700" cap="flat" cmpd="sng" algn="ctr">
+                      <a:noFill/>
+                      <a:prstDash val="solid"/>
+                      <a:round/>
+                      <a:headEnd type="none" w="med" len="med"/>
+                      <a:tailEnd type="none" w="med" len="med"/>
+                    </a:lnL>
+                    <a:lnR w="12700" cap="flat" cmpd="sng" algn="ctr">
+                      <a:noFill/>
+                      <a:prstDash val="solid"/>
+                      <a:round/>
+                      <a:headEnd type="none" w="med" len="med"/>
+                      <a:tailEnd type="none" w="med" len="med"/>
+                    </a:lnR>
+                    <a:lnT w="12700" cap="flat" cmpd="sng" algn="ctr">
+                      <a:solidFill>
+                        <a:schemeClr val="tx1"/>
+                      </a:solidFill>
+                      <a:prstDash val="solid"/>
+                      <a:round/>
+                      <a:headEnd type="none" w="med" len="med"/>
+                      <a:tailEnd type="none" w="med" len="med"/>
+                    </a:lnT>
+                    <a:lnB w="12700" cap="flat" cmpd="sng" algn="ctr">
+                      <a:solidFill>
+                        <a:schemeClr val="tx1"/>
+                      </a:solidFill>
+                      <a:prstDash val="solid"/>
+                      <a:round/>
+                      <a:headEnd type="none" w="med" len="med"/>
+                      <a:tailEnd type="none" w="med" len="med"/>
+                    </a:lnB>
+                    <a:lnTlToBr w="12700" cmpd="sng">
+                      <a:noFill/>
+                      <a:prstDash val="solid"/>
+                    </a:lnTlToBr>
+                    <a:lnBlToTr w="12700" cmpd="sng">
+                      <a:noFill/>
+                      <a:prstDash val="solid"/>
+                    </a:lnBlToTr>
+                    <a:noFill/>
+                  </a:tcPr>
+                </a:tc>
+                <a:tc>
+                  <a:txBody>
+                    <a:bodyPr/>
+                    <a:lstStyle/>
+                    <a:p>
+                      <a:pPr algn="ctr"/>
+                      <a:r>
+                        <a:rPr lang="en-US" sz="1400" b="1" dirty="0">
+                          <a:solidFill>
+                            <a:schemeClr val="tx1"/>
+                          </a:solidFill>
+                          <a:latin typeface="TeX Gyre Bonum" panose="00000500000000000000" pitchFamily="50" charset="0"/>
+                          <a:ea typeface="CMU Sans Serif" panose="02000603000000000000" pitchFamily="2" charset="0"/>
+                          <a:cs typeface="CMU Sans Serif" panose="02000603000000000000" pitchFamily="2" charset="0"/>
+                        </a:rPr>
+                        <a:t>D</a:t>
+                      </a:r>
+                      <a:endParaRPr lang="en-ID" sz="1400" b="1" dirty="0">
+                        <a:solidFill>
+                          <a:schemeClr val="tx1"/>
+                        </a:solidFill>
+                        <a:latin typeface="TeX Gyre Bonum" panose="00000500000000000000" pitchFamily="50" charset="0"/>
+                        <a:ea typeface="CMU Sans Serif" panose="02000603000000000000" pitchFamily="2" charset="0"/>
+                        <a:cs typeface="CMU Sans Serif" panose="02000603000000000000" pitchFamily="2" charset="0"/>
+                      </a:endParaRPr>
+                    </a:p>
+                  </a:txBody>
+                  <a:tcPr>
+                    <a:lnL w="12700" cap="flat" cmpd="sng" algn="ctr">
+                      <a:noFill/>
+                      <a:prstDash val="solid"/>
+                      <a:round/>
+                      <a:headEnd type="none" w="med" len="med"/>
+                      <a:tailEnd type="none" w="med" len="med"/>
+                    </a:lnL>
+                    <a:lnR w="12700" cap="flat" cmpd="sng" algn="ctr">
+                      <a:noFill/>
+                      <a:prstDash val="solid"/>
+                      <a:round/>
+                      <a:headEnd type="none" w="med" len="med"/>
+                      <a:tailEnd type="none" w="med" len="med"/>
+                    </a:lnR>
+                    <a:lnT w="12700" cap="flat" cmpd="sng" algn="ctr">
+                      <a:solidFill>
+                        <a:schemeClr val="tx1"/>
+                      </a:solidFill>
+                      <a:prstDash val="solid"/>
+                      <a:round/>
+                      <a:headEnd type="none" w="med" len="med"/>
+                      <a:tailEnd type="none" w="med" len="med"/>
+                    </a:lnT>
+                    <a:lnB w="12700" cap="flat" cmpd="sng" algn="ctr">
+                      <a:solidFill>
+                        <a:schemeClr val="tx1"/>
+                      </a:solidFill>
+                      <a:prstDash val="solid"/>
+                      <a:round/>
+                      <a:headEnd type="none" w="med" len="med"/>
+                      <a:tailEnd type="none" w="med" len="med"/>
+                    </a:lnB>
+                    <a:lnTlToBr w="12700" cmpd="sng">
+                      <a:noFill/>
+                      <a:prstDash val="solid"/>
+                    </a:lnTlToBr>
+                    <a:lnBlToTr w="12700" cmpd="sng">
+                      <a:noFill/>
+                      <a:prstDash val="solid"/>
+                    </a:lnBlToTr>
+                    <a:noFill/>
+                  </a:tcPr>
+                </a:tc>
+                <a:extLst>
+                  <a:ext uri="{0D108BD9-81ED-4DB2-BD59-A6C34878D82A}">
+                    <a16:rowId xmlns:a16="http://schemas.microsoft.com/office/drawing/2014/main" val="3095788039"/>
+                  </a:ext>
+                </a:extLst>
+              </a:tr>
+              <a:tr h="277368">
+                <a:tc>
+                  <a:txBody>
+                    <a:bodyPr/>
+                    <a:lstStyle/>
+                    <a:p>
+                      <a:pPr algn="l"/>
+                      <a:r>
+                        <a:rPr lang="en-US" sz="1400" b="1" dirty="0">
+                          <a:latin typeface="TeX Gyre Bonum" panose="00000500000000000000" pitchFamily="50" charset="0"/>
+                          <a:ea typeface="CMU Sans Serif" panose="02000603000000000000" pitchFamily="2" charset="0"/>
+                          <a:cs typeface="CMU Sans Serif" panose="02000603000000000000" pitchFamily="2" charset="0"/>
+                        </a:rPr>
+                        <a:t>Accuracy</a:t>
+                      </a:r>
+                      <a:endParaRPr lang="en-ID" sz="1400" b="1" dirty="0">
+                        <a:latin typeface="TeX Gyre Bonum" panose="00000500000000000000" pitchFamily="50" charset="0"/>
+                        <a:ea typeface="CMU Sans Serif" panose="02000603000000000000" pitchFamily="2" charset="0"/>
+                        <a:cs typeface="CMU Sans Serif" panose="02000603000000000000" pitchFamily="2" charset="0"/>
+                      </a:endParaRPr>
+                    </a:p>
+                  </a:txBody>
+                  <a:tcPr>
+                    <a:lnL w="12700" cap="flat" cmpd="sng" algn="ctr">
+                      <a:noFill/>
+                      <a:prstDash val="solid"/>
+                      <a:round/>
+                      <a:headEnd type="none" w="med" len="med"/>
+                      <a:tailEnd type="none" w="med" len="med"/>
+                    </a:lnL>
+                    <a:lnR w="12700" cap="flat" cmpd="sng" algn="ctr">
+                      <a:solidFill>
+                        <a:schemeClr val="tx1"/>
+                      </a:solidFill>
+                      <a:prstDash val="solid"/>
+                      <a:round/>
+                      <a:headEnd type="none" w="med" len="med"/>
+                      <a:tailEnd type="none" w="med" len="med"/>
+                    </a:lnR>
+                    <a:lnT w="12700" cap="flat" cmpd="sng" algn="ctr">
+                      <a:solidFill>
+                        <a:schemeClr val="tx1"/>
+                      </a:solidFill>
+                      <a:prstDash val="solid"/>
+                      <a:round/>
+                      <a:headEnd type="none" w="med" len="med"/>
+                      <a:tailEnd type="none" w="med" len="med"/>
+                    </a:lnT>
+                    <a:lnB w="12700" cap="flat" cmpd="sng" algn="ctr">
+                      <a:solidFill>
+                        <a:schemeClr val="tx1"/>
+                      </a:solidFill>
+                      <a:prstDash val="solid"/>
+                      <a:round/>
+                      <a:headEnd type="none" w="med" len="med"/>
+                      <a:tailEnd type="none" w="med" len="med"/>
+                    </a:lnB>
+                    <a:lnTlToBr w="12700" cmpd="sng">
+                      <a:noFill/>
+                      <a:prstDash val="solid"/>
+                    </a:lnTlToBr>
+                    <a:lnBlToTr w="12700" cmpd="sng">
+                      <a:noFill/>
+                      <a:prstDash val="solid"/>
+                    </a:lnBlToTr>
+                    <a:noFill/>
+                  </a:tcPr>
+                </a:tc>
+                <a:tc>
+                  <a:txBody>
+                    <a:bodyPr/>
+                    <a:lstStyle/>
+                    <a:p>
+                      <a:pPr marL="0" marR="0" lvl="0" indent="0" algn="ctr" defTabSz="914400" rtl="0" eaLnBrk="1" fontAlgn="auto" latinLnBrk="0" hangingPunct="1">
+                        <a:lnSpc>
+                          <a:spcPct val="100000"/>
+                        </a:lnSpc>
+                        <a:spcBef>
+                          <a:spcPts val="0"/>
+                        </a:spcBef>
+                        <a:spcAft>
+                          <a:spcPts val="0"/>
+                        </a:spcAft>
+                        <a:buClrTx/>
+                        <a:buSzTx/>
+                        <a:buFontTx/>
+                        <a:buNone/>
+                        <a:tabLst/>
+                        <a:defRPr/>
+                      </a:pPr>
+                      <a:r>
+                        <a:rPr lang="en-ID" sz="1400" b="0" kern="1200" dirty="0">
+                          <a:solidFill>
+                            <a:schemeClr val="dk1"/>
+                          </a:solidFill>
+                          <a:effectLst/>
+                          <a:latin typeface="TeX Gyre Bonum" panose="00000500000000000000" pitchFamily="50" charset="0"/>
+                          <a:ea typeface="CMU Sans Serif" panose="02000603000000000000" pitchFamily="2" charset="0"/>
+                          <a:cs typeface="CMU Sans Serif" panose="02000603000000000000" pitchFamily="2" charset="0"/>
+                        </a:rPr>
+                        <a:t>0.7463</a:t>
+                      </a:r>
+                    </a:p>
+                  </a:txBody>
+                  <a:tcPr>
+                    <a:lnL w="12700" cap="flat" cmpd="sng" algn="ctr">
+                      <a:solidFill>
+                        <a:schemeClr val="tx1"/>
+                      </a:solidFill>
+                      <a:prstDash val="solid"/>
+                      <a:round/>
+                      <a:headEnd type="none" w="med" len="med"/>
+                      <a:tailEnd type="none" w="med" len="med"/>
+                    </a:lnL>
+                    <a:lnR w="12700" cap="flat" cmpd="sng" algn="ctr">
+                      <a:noFill/>
+                      <a:prstDash val="solid"/>
+                      <a:round/>
+                      <a:headEnd type="none" w="med" len="med"/>
+                      <a:tailEnd type="none" w="med" len="med"/>
+                    </a:lnR>
+                    <a:lnT w="12700" cap="flat" cmpd="sng" algn="ctr">
+                      <a:solidFill>
+                        <a:schemeClr val="tx1"/>
+                      </a:solidFill>
+                      <a:prstDash val="solid"/>
+                      <a:round/>
+                      <a:headEnd type="none" w="med" len="med"/>
+                      <a:tailEnd type="none" w="med" len="med"/>
+                    </a:lnT>
+                    <a:lnB w="12700" cap="flat" cmpd="sng" algn="ctr">
+                      <a:solidFill>
+                        <a:schemeClr val="tx1"/>
+                      </a:solidFill>
+                      <a:prstDash val="solid"/>
+                      <a:round/>
+                      <a:headEnd type="none" w="med" len="med"/>
+                      <a:tailEnd type="none" w="med" len="med"/>
+                    </a:lnB>
+                    <a:lnTlToBr w="12700" cmpd="sng">
+                      <a:noFill/>
+                      <a:prstDash val="solid"/>
+                    </a:lnTlToBr>
+                    <a:lnBlToTr w="12700" cmpd="sng">
+                      <a:noFill/>
+                      <a:prstDash val="solid"/>
+                    </a:lnBlToTr>
+                    <a:noFill/>
+                  </a:tcPr>
+                </a:tc>
+                <a:tc>
+                  <a:txBody>
+                    <a:bodyPr/>
+                    <a:lstStyle/>
+                    <a:p>
+                      <a:pPr marL="0" marR="0" lvl="0" indent="0" algn="ctr" defTabSz="914400" rtl="0" eaLnBrk="1" fontAlgn="auto" latinLnBrk="0" hangingPunct="1">
+                        <a:lnSpc>
+                          <a:spcPct val="100000"/>
+                        </a:lnSpc>
+                        <a:spcBef>
+                          <a:spcPts val="0"/>
+                        </a:spcBef>
+                        <a:spcAft>
+                          <a:spcPts val="0"/>
+                        </a:spcAft>
+                        <a:buClrTx/>
+                        <a:buSzTx/>
+                        <a:buFontTx/>
+                        <a:buNone/>
+                        <a:tabLst/>
+                        <a:defRPr/>
+                      </a:pPr>
+                      <a:r>
+                        <a:rPr lang="en-ID" sz="1400" b="0" kern="1200" dirty="0">
+                          <a:solidFill>
+                            <a:schemeClr val="dk1"/>
+                          </a:solidFill>
+                          <a:effectLst/>
+                          <a:latin typeface="TeX Gyre Bonum" panose="00000500000000000000" pitchFamily="50" charset="0"/>
+                          <a:ea typeface="CMU Sans Serif" panose="02000603000000000000" pitchFamily="2" charset="0"/>
+                          <a:cs typeface="CMU Sans Serif" panose="02000603000000000000" pitchFamily="2" charset="0"/>
+                        </a:rPr>
+                        <a:t>0.7015</a:t>
+                      </a:r>
+                    </a:p>
+                  </a:txBody>
+                  <a:tcPr>
+                    <a:lnL w="12700" cap="flat" cmpd="sng" algn="ctr">
+                      <a:noFill/>
+                      <a:prstDash val="solid"/>
+                      <a:round/>
+                      <a:headEnd type="none" w="med" len="med"/>
+                      <a:tailEnd type="none" w="med" len="med"/>
+                    </a:lnL>
+                    <a:lnR w="12700" cap="flat" cmpd="sng" algn="ctr">
+                      <a:noFill/>
+                      <a:prstDash val="solid"/>
+                      <a:round/>
+                      <a:headEnd type="none" w="med" len="med"/>
+                      <a:tailEnd type="none" w="med" len="med"/>
+                    </a:lnR>
+                    <a:lnT w="12700" cap="flat" cmpd="sng" algn="ctr">
+                      <a:solidFill>
+                        <a:schemeClr val="tx1"/>
+                      </a:solidFill>
+                      <a:prstDash val="solid"/>
+                      <a:round/>
+                      <a:headEnd type="none" w="med" len="med"/>
+                      <a:tailEnd type="none" w="med" len="med"/>
+                    </a:lnT>
+                    <a:lnB w="12700" cap="flat" cmpd="sng" algn="ctr">
+                      <a:solidFill>
+                        <a:schemeClr val="tx1"/>
+                      </a:solidFill>
+                      <a:prstDash val="solid"/>
+                      <a:round/>
+                      <a:headEnd type="none" w="med" len="med"/>
+                      <a:tailEnd type="none" w="med" len="med"/>
+                    </a:lnB>
+                    <a:lnTlToBr w="12700" cmpd="sng">
+                      <a:noFill/>
+                      <a:prstDash val="solid"/>
+                    </a:lnTlToBr>
+                    <a:lnBlToTr w="12700" cmpd="sng">
+                      <a:noFill/>
+                      <a:prstDash val="solid"/>
+                    </a:lnBlToTr>
+                    <a:noFill/>
+                  </a:tcPr>
+                </a:tc>
+                <a:tc>
+                  <a:txBody>
+                    <a:bodyPr/>
+                    <a:lstStyle/>
+                    <a:p>
+                      <a:pPr marL="0" marR="0" lvl="0" indent="0" algn="ctr" defTabSz="914400" rtl="0" eaLnBrk="1" fontAlgn="auto" latinLnBrk="0" hangingPunct="1">
+                        <a:lnSpc>
+                          <a:spcPct val="100000"/>
+                        </a:lnSpc>
+                        <a:spcBef>
+                          <a:spcPts val="0"/>
+                        </a:spcBef>
+                        <a:spcAft>
+                          <a:spcPts val="0"/>
+                        </a:spcAft>
+                        <a:buClrTx/>
+                        <a:buSzTx/>
+                        <a:buFontTx/>
+                        <a:buNone/>
+                        <a:tabLst/>
+                        <a:defRPr/>
+                      </a:pPr>
+                      <a:r>
+                        <a:rPr lang="en-ID" sz="1400" b="0" kern="1200" dirty="0">
+                          <a:solidFill>
+                            <a:schemeClr val="dk1"/>
+                          </a:solidFill>
+                          <a:effectLst/>
+                          <a:latin typeface="TeX Gyre Bonum" panose="00000500000000000000" pitchFamily="50" charset="0"/>
+                          <a:ea typeface="CMU Sans Serif" panose="02000603000000000000" pitchFamily="2" charset="0"/>
+                          <a:cs typeface="CMU Sans Serif" panose="02000603000000000000" pitchFamily="2" charset="0"/>
+                        </a:rPr>
+                        <a:t>0.7313</a:t>
+                      </a:r>
+                    </a:p>
+                  </a:txBody>
+                  <a:tcPr>
+                    <a:lnL w="12700" cap="flat" cmpd="sng" algn="ctr">
+                      <a:noFill/>
+                      <a:prstDash val="solid"/>
+                      <a:round/>
+                      <a:headEnd type="none" w="med" len="med"/>
+                      <a:tailEnd type="none" w="med" len="med"/>
+                    </a:lnL>
+                    <a:lnR w="12700" cap="flat" cmpd="sng" algn="ctr">
+                      <a:noFill/>
+                      <a:prstDash val="solid"/>
+                      <a:round/>
+                      <a:headEnd type="none" w="med" len="med"/>
+                      <a:tailEnd type="none" w="med" len="med"/>
+                    </a:lnR>
+                    <a:lnT w="12700" cap="flat" cmpd="sng" algn="ctr">
+                      <a:solidFill>
+                        <a:schemeClr val="tx1"/>
+                      </a:solidFill>
+                      <a:prstDash val="solid"/>
+                      <a:round/>
+                      <a:headEnd type="none" w="med" len="med"/>
+                      <a:tailEnd type="none" w="med" len="med"/>
+                    </a:lnT>
+                    <a:lnB w="12700" cap="flat" cmpd="sng" algn="ctr">
+                      <a:solidFill>
+                        <a:schemeClr val="tx1"/>
+                      </a:solidFill>
+                      <a:prstDash val="solid"/>
+                      <a:round/>
+                      <a:headEnd type="none" w="med" len="med"/>
+                      <a:tailEnd type="none" w="med" len="med"/>
+                    </a:lnB>
+                    <a:lnTlToBr w="12700" cmpd="sng">
+                      <a:noFill/>
+                      <a:prstDash val="solid"/>
+                    </a:lnTlToBr>
+                    <a:lnBlToTr w="12700" cmpd="sng">
+                      <a:noFill/>
+                      <a:prstDash val="solid"/>
+                    </a:lnBlToTr>
+                    <a:noFill/>
+                  </a:tcPr>
+                </a:tc>
+                <a:tc>
+                  <a:txBody>
+                    <a:bodyPr/>
+                    <a:lstStyle/>
+                    <a:p>
+                      <a:pPr marL="0" marR="0" lvl="0" indent="0" algn="ctr" defTabSz="914400" rtl="0" eaLnBrk="1" fontAlgn="auto" latinLnBrk="0" hangingPunct="1">
+                        <a:lnSpc>
+                          <a:spcPct val="100000"/>
+                        </a:lnSpc>
+                        <a:spcBef>
+                          <a:spcPts val="0"/>
+                        </a:spcBef>
+                        <a:spcAft>
+                          <a:spcPts val="0"/>
+                        </a:spcAft>
+                        <a:buClrTx/>
+                        <a:buSzTx/>
+                        <a:buFontTx/>
+                        <a:buNone/>
+                        <a:tabLst/>
+                        <a:defRPr/>
+                      </a:pPr>
+                      <a:r>
+                        <a:rPr lang="en-ID" sz="1400" b="0" kern="1200" dirty="0">
+                          <a:solidFill>
+                            <a:schemeClr val="dk1"/>
+                          </a:solidFill>
+                          <a:effectLst/>
+                          <a:latin typeface="TeX Gyre Bonum" panose="00000500000000000000" pitchFamily="50" charset="0"/>
+                          <a:ea typeface="CMU Sans Serif" panose="02000603000000000000" pitchFamily="2" charset="0"/>
+                          <a:cs typeface="CMU Sans Serif" panose="02000603000000000000" pitchFamily="2" charset="0"/>
+                        </a:rPr>
+                        <a:t>0.7672</a:t>
+                      </a:r>
+                    </a:p>
+                  </a:txBody>
+                  <a:tcPr>
+                    <a:lnL w="12700" cap="flat" cmpd="sng" algn="ctr">
+                      <a:noFill/>
+                      <a:prstDash val="solid"/>
+                      <a:round/>
+                      <a:headEnd type="none" w="med" len="med"/>
+                      <a:tailEnd type="none" w="med" len="med"/>
+                    </a:lnL>
+                    <a:lnR w="12700" cap="flat" cmpd="sng" algn="ctr">
+                      <a:noFill/>
+                      <a:prstDash val="solid"/>
+                      <a:round/>
+                      <a:headEnd type="none" w="med" len="med"/>
+                      <a:tailEnd type="none" w="med" len="med"/>
+                    </a:lnR>
+                    <a:lnT w="12700" cap="flat" cmpd="sng" algn="ctr">
+                      <a:solidFill>
+                        <a:schemeClr val="tx1"/>
+                      </a:solidFill>
+                      <a:prstDash val="solid"/>
+                      <a:round/>
+                      <a:headEnd type="none" w="med" len="med"/>
+                      <a:tailEnd type="none" w="med" len="med"/>
+                    </a:lnT>
+                    <a:lnB w="12700" cap="flat" cmpd="sng" algn="ctr">
+                      <a:solidFill>
+                        <a:schemeClr val="tx1"/>
+                      </a:solidFill>
+                      <a:prstDash val="solid"/>
+                      <a:round/>
+                      <a:headEnd type="none" w="med" len="med"/>
+                      <a:tailEnd type="none" w="med" len="med"/>
+                    </a:lnB>
+                    <a:lnTlToBr w="12700" cmpd="sng">
+                      <a:noFill/>
+                      <a:prstDash val="solid"/>
+                    </a:lnTlToBr>
+                    <a:lnBlToTr w="12700" cmpd="sng">
+                      <a:noFill/>
+                      <a:prstDash val="solid"/>
+                    </a:lnBlToTr>
+                    <a:noFill/>
+                  </a:tcPr>
+                </a:tc>
+                <a:extLst>
+                  <a:ext uri="{0D108BD9-81ED-4DB2-BD59-A6C34878D82A}">
+                    <a16:rowId xmlns:a16="http://schemas.microsoft.com/office/drawing/2014/main" val="3362170562"/>
+                  </a:ext>
+                </a:extLst>
+              </a:tr>
+              <a:tr h="277368">
+                <a:tc>
+                  <a:txBody>
+                    <a:bodyPr/>
+                    <a:lstStyle/>
+                    <a:p>
+                      <a:pPr algn="l"/>
+                      <a:r>
+                        <a:rPr lang="en-US" sz="1400" b="1" dirty="0">
+                          <a:latin typeface="TeX Gyre Bonum" panose="00000500000000000000" pitchFamily="50" charset="0"/>
+                          <a:ea typeface="CMU Sans Serif" panose="02000603000000000000" pitchFamily="2" charset="0"/>
+                          <a:cs typeface="CMU Sans Serif" panose="02000603000000000000" pitchFamily="2" charset="0"/>
+                        </a:rPr>
+                        <a:t>Precision</a:t>
+                      </a:r>
+                      <a:endParaRPr lang="en-ID" sz="1400" b="1" dirty="0">
+                        <a:latin typeface="TeX Gyre Bonum" panose="00000500000000000000" pitchFamily="50" charset="0"/>
+                        <a:ea typeface="CMU Sans Serif" panose="02000603000000000000" pitchFamily="2" charset="0"/>
+                        <a:cs typeface="CMU Sans Serif" panose="02000603000000000000" pitchFamily="2" charset="0"/>
+                      </a:endParaRPr>
+                    </a:p>
+                  </a:txBody>
+                  <a:tcPr>
+                    <a:lnL w="12700" cap="flat" cmpd="sng" algn="ctr">
+                      <a:noFill/>
+                      <a:prstDash val="solid"/>
+                      <a:round/>
+                      <a:headEnd type="none" w="med" len="med"/>
+                      <a:tailEnd type="none" w="med" len="med"/>
+                    </a:lnL>
+                    <a:lnR w="12700" cap="flat" cmpd="sng" algn="ctr">
+                      <a:solidFill>
+                        <a:schemeClr val="tx1"/>
+                      </a:solidFill>
+                      <a:prstDash val="solid"/>
+                      <a:round/>
+                      <a:headEnd type="none" w="med" len="med"/>
+                      <a:tailEnd type="none" w="med" len="med"/>
+                    </a:lnR>
+                    <a:lnT w="12700" cap="flat" cmpd="sng" algn="ctr">
+                      <a:solidFill>
+                        <a:schemeClr val="tx1"/>
+                      </a:solidFill>
+                      <a:prstDash val="solid"/>
+                      <a:round/>
+                      <a:headEnd type="none" w="med" len="med"/>
+                      <a:tailEnd type="none" w="med" len="med"/>
+                    </a:lnT>
+                    <a:lnB w="12700" cap="flat" cmpd="sng" algn="ctr">
+                      <a:solidFill>
+                        <a:schemeClr val="tx1"/>
+                      </a:solidFill>
+                      <a:prstDash val="solid"/>
+                      <a:round/>
+                      <a:headEnd type="none" w="med" len="med"/>
+                      <a:tailEnd type="none" w="med" len="med"/>
+                    </a:lnB>
+                    <a:lnTlToBr w="12700" cmpd="sng">
+                      <a:noFill/>
+                      <a:prstDash val="solid"/>
+                    </a:lnTlToBr>
+                    <a:lnBlToTr w="12700" cmpd="sng">
+                      <a:noFill/>
+                      <a:prstDash val="solid"/>
+                    </a:lnBlToTr>
+                    <a:noFill/>
+                  </a:tcPr>
+                </a:tc>
+                <a:tc>
+                  <a:txBody>
+                    <a:bodyPr/>
+                    <a:lstStyle/>
+                    <a:p>
+                      <a:pPr algn="ctr"/>
+                      <a:r>
+                        <a:rPr lang="en-ID" sz="1400" b="0" kern="1200" dirty="0">
+                          <a:solidFill>
+                            <a:schemeClr val="dk1"/>
+                          </a:solidFill>
+                          <a:effectLst/>
+                          <a:latin typeface="TeX Gyre Bonum" panose="00000500000000000000" pitchFamily="50" charset="0"/>
+                          <a:ea typeface="CMU Sans Serif" panose="02000603000000000000" pitchFamily="2" charset="0"/>
+                          <a:cs typeface="CMU Sans Serif" panose="02000603000000000000" pitchFamily="2" charset="0"/>
+                        </a:rPr>
+                        <a:t>0.7563</a:t>
+                      </a:r>
+                      <a:endParaRPr lang="en-ID" sz="1400" dirty="0">
+                        <a:latin typeface="TeX Gyre Bonum" panose="00000500000000000000" pitchFamily="50" charset="0"/>
+                        <a:ea typeface="CMU Sans Serif" panose="02000603000000000000" pitchFamily="2" charset="0"/>
+                        <a:cs typeface="CMU Sans Serif" panose="02000603000000000000" pitchFamily="2" charset="0"/>
+                      </a:endParaRPr>
+                    </a:p>
+                  </a:txBody>
+                  <a:tcPr>
+                    <a:lnL w="12700" cap="flat" cmpd="sng" algn="ctr">
+                      <a:solidFill>
+                        <a:schemeClr val="tx1"/>
+                      </a:solidFill>
+                      <a:prstDash val="solid"/>
+                      <a:round/>
+                      <a:headEnd type="none" w="med" len="med"/>
+                      <a:tailEnd type="none" w="med" len="med"/>
+                    </a:lnL>
+                    <a:lnR w="12700" cap="flat" cmpd="sng" algn="ctr">
+                      <a:noFill/>
+                      <a:prstDash val="solid"/>
+                      <a:round/>
+                      <a:headEnd type="none" w="med" len="med"/>
+                      <a:tailEnd type="none" w="med" len="med"/>
+                    </a:lnR>
+                    <a:lnT w="12700" cap="flat" cmpd="sng" algn="ctr">
+                      <a:solidFill>
+                        <a:schemeClr val="tx1"/>
+                      </a:solidFill>
+                      <a:prstDash val="solid"/>
+                      <a:round/>
+                      <a:headEnd type="none" w="med" len="med"/>
+                      <a:tailEnd type="none" w="med" len="med"/>
+                    </a:lnT>
+                    <a:lnB w="12700" cap="flat" cmpd="sng" algn="ctr">
+                      <a:solidFill>
+                        <a:schemeClr val="tx1"/>
+                      </a:solidFill>
+                      <a:prstDash val="solid"/>
+                      <a:round/>
+                      <a:headEnd type="none" w="med" len="med"/>
+                      <a:tailEnd type="none" w="med" len="med"/>
+                    </a:lnB>
+                    <a:lnTlToBr w="12700" cmpd="sng">
+                      <a:noFill/>
+                      <a:prstDash val="solid"/>
+                    </a:lnTlToBr>
+                    <a:lnBlToTr w="12700" cmpd="sng">
+                      <a:noFill/>
+                      <a:prstDash val="solid"/>
+                    </a:lnBlToTr>
+                    <a:noFill/>
+                  </a:tcPr>
+                </a:tc>
+                <a:tc>
+                  <a:txBody>
+                    <a:bodyPr/>
+                    <a:lstStyle/>
+                    <a:p>
+                      <a:pPr marL="0" marR="0" lvl="0" indent="0" algn="ctr" defTabSz="914400" rtl="0" eaLnBrk="1" fontAlgn="auto" latinLnBrk="0" hangingPunct="1">
+                        <a:lnSpc>
+                          <a:spcPct val="100000"/>
+                        </a:lnSpc>
+                        <a:spcBef>
+                          <a:spcPts val="0"/>
+                        </a:spcBef>
+                        <a:spcAft>
+                          <a:spcPts val="0"/>
+                        </a:spcAft>
+                        <a:buClrTx/>
+                        <a:buSzTx/>
+                        <a:buFontTx/>
+                        <a:buNone/>
+                        <a:tabLst/>
+                        <a:defRPr/>
+                      </a:pPr>
+                      <a:r>
+                        <a:rPr lang="en-ID" sz="1400" b="0" kern="1200" dirty="0">
+                          <a:solidFill>
+                            <a:schemeClr val="dk1"/>
+                          </a:solidFill>
+                          <a:effectLst/>
+                          <a:latin typeface="TeX Gyre Bonum" panose="00000500000000000000" pitchFamily="50" charset="0"/>
+                          <a:ea typeface="CMU Sans Serif" panose="02000603000000000000" pitchFamily="2" charset="0"/>
+                          <a:cs typeface="CMU Sans Serif" panose="02000603000000000000" pitchFamily="2" charset="0"/>
+                        </a:rPr>
+                        <a:t>0.7402</a:t>
+                      </a:r>
+                    </a:p>
+                  </a:txBody>
+                  <a:tcPr>
+                    <a:lnL w="12700" cap="flat" cmpd="sng" algn="ctr">
+                      <a:noFill/>
+                      <a:prstDash val="solid"/>
+                      <a:round/>
+                      <a:headEnd type="none" w="med" len="med"/>
+                      <a:tailEnd type="none" w="med" len="med"/>
+                    </a:lnL>
+                    <a:lnR w="12700" cap="flat" cmpd="sng" algn="ctr">
+                      <a:noFill/>
+                      <a:prstDash val="solid"/>
+                      <a:round/>
+                      <a:headEnd type="none" w="med" len="med"/>
+                      <a:tailEnd type="none" w="med" len="med"/>
+                    </a:lnR>
+                    <a:lnT w="12700" cap="flat" cmpd="sng" algn="ctr">
+                      <a:solidFill>
+                        <a:schemeClr val="tx1"/>
+                      </a:solidFill>
+                      <a:prstDash val="solid"/>
+                      <a:round/>
+                      <a:headEnd type="none" w="med" len="med"/>
+                      <a:tailEnd type="none" w="med" len="med"/>
+                    </a:lnT>
+                    <a:lnB w="12700" cap="flat" cmpd="sng" algn="ctr">
+                      <a:solidFill>
+                        <a:schemeClr val="tx1"/>
+                      </a:solidFill>
+                      <a:prstDash val="solid"/>
+                      <a:round/>
+                      <a:headEnd type="none" w="med" len="med"/>
+                      <a:tailEnd type="none" w="med" len="med"/>
+                    </a:lnB>
+                    <a:lnTlToBr w="12700" cmpd="sng">
+                      <a:noFill/>
+                      <a:prstDash val="solid"/>
+                    </a:lnTlToBr>
+                    <a:lnBlToTr w="12700" cmpd="sng">
+                      <a:noFill/>
+                      <a:prstDash val="solid"/>
+                    </a:lnBlToTr>
+                    <a:noFill/>
+                  </a:tcPr>
+                </a:tc>
+                <a:tc>
+                  <a:txBody>
+                    <a:bodyPr/>
+                    <a:lstStyle/>
+                    <a:p>
+                      <a:pPr marL="0" marR="0" lvl="0" indent="0" algn="ctr" defTabSz="914400" rtl="0" eaLnBrk="1" fontAlgn="auto" latinLnBrk="0" hangingPunct="1">
+                        <a:lnSpc>
+                          <a:spcPct val="100000"/>
+                        </a:lnSpc>
+                        <a:spcBef>
+                          <a:spcPts val="0"/>
+                        </a:spcBef>
+                        <a:spcAft>
+                          <a:spcPts val="0"/>
+                        </a:spcAft>
+                        <a:buClrTx/>
+                        <a:buSzTx/>
+                        <a:buFontTx/>
+                        <a:buNone/>
+                        <a:tabLst/>
+                        <a:defRPr/>
+                      </a:pPr>
+                      <a:r>
+                        <a:rPr lang="en-ID" sz="1400" b="0" kern="1200" dirty="0">
+                          <a:solidFill>
+                            <a:schemeClr val="dk1"/>
+                          </a:solidFill>
+                          <a:effectLst/>
+                          <a:latin typeface="TeX Gyre Bonum" panose="00000500000000000000" pitchFamily="50" charset="0"/>
+                          <a:ea typeface="CMU Sans Serif" panose="02000603000000000000" pitchFamily="2" charset="0"/>
+                          <a:cs typeface="CMU Sans Serif" panose="02000603000000000000" pitchFamily="2" charset="0"/>
+                        </a:rPr>
+                        <a:t>0.7417</a:t>
+                      </a:r>
+                    </a:p>
+                  </a:txBody>
+                  <a:tcPr>
+                    <a:lnL w="12700" cap="flat" cmpd="sng" algn="ctr">
+                      <a:noFill/>
+                      <a:prstDash val="solid"/>
+                      <a:round/>
+                      <a:headEnd type="none" w="med" len="med"/>
+                      <a:tailEnd type="none" w="med" len="med"/>
+                    </a:lnL>
+                    <a:lnR w="12700" cap="flat" cmpd="sng" algn="ctr">
+                      <a:noFill/>
+                      <a:prstDash val="solid"/>
+                      <a:round/>
+                      <a:headEnd type="none" w="med" len="med"/>
+                      <a:tailEnd type="none" w="med" len="med"/>
+                    </a:lnR>
+                    <a:lnT w="12700" cap="flat" cmpd="sng" algn="ctr">
+                      <a:solidFill>
+                        <a:schemeClr val="tx1"/>
+                      </a:solidFill>
+                      <a:prstDash val="solid"/>
+                      <a:round/>
+                      <a:headEnd type="none" w="med" len="med"/>
+                      <a:tailEnd type="none" w="med" len="med"/>
+                    </a:lnT>
+                    <a:lnB w="12700" cap="flat" cmpd="sng" algn="ctr">
+                      <a:solidFill>
+                        <a:schemeClr val="tx1"/>
+                      </a:solidFill>
+                      <a:prstDash val="solid"/>
+                      <a:round/>
+                      <a:headEnd type="none" w="med" len="med"/>
+                      <a:tailEnd type="none" w="med" len="med"/>
+                    </a:lnB>
+                    <a:lnTlToBr w="12700" cmpd="sng">
+                      <a:noFill/>
+                      <a:prstDash val="solid"/>
+                    </a:lnTlToBr>
+                    <a:lnBlToTr w="12700" cmpd="sng">
+                      <a:noFill/>
+                      <a:prstDash val="solid"/>
+                    </a:lnBlToTr>
+                    <a:noFill/>
+                  </a:tcPr>
+                </a:tc>
+                <a:tc>
+                  <a:txBody>
+                    <a:bodyPr/>
+                    <a:lstStyle/>
+                    <a:p>
+                      <a:pPr marL="0" marR="0" lvl="0" indent="0" algn="ctr" defTabSz="914400" rtl="0" eaLnBrk="1" fontAlgn="auto" latinLnBrk="0" hangingPunct="1">
+                        <a:lnSpc>
+                          <a:spcPct val="100000"/>
+                        </a:lnSpc>
+                        <a:spcBef>
+                          <a:spcPts val="0"/>
+                        </a:spcBef>
+                        <a:spcAft>
+                          <a:spcPts val="0"/>
+                        </a:spcAft>
+                        <a:buClrTx/>
+                        <a:buSzTx/>
+                        <a:buFontTx/>
+                        <a:buNone/>
+                        <a:tabLst/>
+                        <a:defRPr/>
+                      </a:pPr>
+                      <a:r>
+                        <a:rPr lang="en-ID" sz="1400" b="0" kern="1200" dirty="0">
+                          <a:solidFill>
+                            <a:schemeClr val="dk1"/>
+                          </a:solidFill>
+                          <a:effectLst/>
+                          <a:latin typeface="TeX Gyre Bonum" panose="00000500000000000000" pitchFamily="50" charset="0"/>
+                          <a:ea typeface="CMU Sans Serif" panose="02000603000000000000" pitchFamily="2" charset="0"/>
+                          <a:cs typeface="CMU Sans Serif" panose="02000603000000000000" pitchFamily="2" charset="0"/>
+                        </a:rPr>
+                        <a:t>0.7263</a:t>
+                      </a:r>
+                    </a:p>
+                  </a:txBody>
+                  <a:tcPr>
+                    <a:lnL w="12700" cap="flat" cmpd="sng" algn="ctr">
+                      <a:noFill/>
+                      <a:prstDash val="solid"/>
+                      <a:round/>
+                      <a:headEnd type="none" w="med" len="med"/>
+                      <a:tailEnd type="none" w="med" len="med"/>
+                    </a:lnL>
+                    <a:lnR w="12700" cap="flat" cmpd="sng" algn="ctr">
+                      <a:noFill/>
+                      <a:prstDash val="solid"/>
+                      <a:round/>
+                      <a:headEnd type="none" w="med" len="med"/>
+                      <a:tailEnd type="none" w="med" len="med"/>
+                    </a:lnR>
+                    <a:lnT w="12700" cap="flat" cmpd="sng" algn="ctr">
+                      <a:solidFill>
+                        <a:schemeClr val="tx1"/>
+                      </a:solidFill>
+                      <a:prstDash val="solid"/>
+                      <a:round/>
+                      <a:headEnd type="none" w="med" len="med"/>
+                      <a:tailEnd type="none" w="med" len="med"/>
+                    </a:lnT>
+                    <a:lnB w="12700" cap="flat" cmpd="sng" algn="ctr">
+                      <a:solidFill>
+                        <a:schemeClr val="tx1"/>
+                      </a:solidFill>
+                      <a:prstDash val="solid"/>
+                      <a:round/>
+                      <a:headEnd type="none" w="med" len="med"/>
+                      <a:tailEnd type="none" w="med" len="med"/>
+                    </a:lnB>
+                    <a:lnTlToBr w="12700" cmpd="sng">
+                      <a:noFill/>
+                      <a:prstDash val="solid"/>
+                    </a:lnTlToBr>
+                    <a:lnBlToTr w="12700" cmpd="sng">
+                      <a:noFill/>
+                      <a:prstDash val="solid"/>
+                    </a:lnBlToTr>
+                    <a:noFill/>
+                  </a:tcPr>
+                </a:tc>
+                <a:extLst>
+                  <a:ext uri="{0D108BD9-81ED-4DB2-BD59-A6C34878D82A}">
+                    <a16:rowId xmlns:a16="http://schemas.microsoft.com/office/drawing/2014/main" val="161724924"/>
+                  </a:ext>
+                </a:extLst>
+              </a:tr>
+              <a:tr h="277368">
+                <a:tc>
+                  <a:txBody>
+                    <a:bodyPr/>
+                    <a:lstStyle/>
+                    <a:p>
+                      <a:pPr algn="l"/>
+                      <a:r>
+                        <a:rPr lang="en-US" sz="1400" b="1" dirty="0">
+                          <a:latin typeface="TeX Gyre Bonum" panose="00000500000000000000" pitchFamily="50" charset="0"/>
+                          <a:ea typeface="CMU Sans Serif" panose="02000603000000000000" pitchFamily="2" charset="0"/>
+                          <a:cs typeface="CMU Sans Serif" panose="02000603000000000000" pitchFamily="2" charset="0"/>
+                        </a:rPr>
+                        <a:t>Recall</a:t>
+                      </a:r>
+                      <a:endParaRPr lang="en-ID" sz="1400" b="1" dirty="0">
+                        <a:latin typeface="TeX Gyre Bonum" panose="00000500000000000000" pitchFamily="50" charset="0"/>
+                        <a:ea typeface="CMU Sans Serif" panose="02000603000000000000" pitchFamily="2" charset="0"/>
+                        <a:cs typeface="CMU Sans Serif" panose="02000603000000000000" pitchFamily="2" charset="0"/>
+                      </a:endParaRPr>
+                    </a:p>
+                  </a:txBody>
+                  <a:tcPr>
+                    <a:lnL w="12700" cap="flat" cmpd="sng" algn="ctr">
+                      <a:noFill/>
+                      <a:prstDash val="solid"/>
+                      <a:round/>
+                      <a:headEnd type="none" w="med" len="med"/>
+                      <a:tailEnd type="none" w="med" len="med"/>
+                    </a:lnL>
+                    <a:lnR w="12700" cap="flat" cmpd="sng" algn="ctr">
+                      <a:solidFill>
+                        <a:schemeClr val="tx1"/>
+                      </a:solidFill>
+                      <a:prstDash val="solid"/>
+                      <a:round/>
+                      <a:headEnd type="none" w="med" len="med"/>
+                      <a:tailEnd type="none" w="med" len="med"/>
+                    </a:lnR>
+                    <a:lnT w="12700" cap="flat" cmpd="sng" algn="ctr">
+                      <a:solidFill>
+                        <a:schemeClr val="tx1"/>
+                      </a:solidFill>
+                      <a:prstDash val="solid"/>
+                      <a:round/>
+                      <a:headEnd type="none" w="med" len="med"/>
+                      <a:tailEnd type="none" w="med" len="med"/>
+                    </a:lnT>
+                    <a:lnB w="12700" cap="flat" cmpd="sng" algn="ctr">
+                      <a:solidFill>
+                        <a:schemeClr val="tx1"/>
+                      </a:solidFill>
+                      <a:prstDash val="solid"/>
+                      <a:round/>
+                      <a:headEnd type="none" w="med" len="med"/>
+                      <a:tailEnd type="none" w="med" len="med"/>
+                    </a:lnB>
+                    <a:lnTlToBr w="12700" cmpd="sng">
+                      <a:noFill/>
+                      <a:prstDash val="solid"/>
+                    </a:lnTlToBr>
+                    <a:lnBlToTr w="12700" cmpd="sng">
+                      <a:noFill/>
+                      <a:prstDash val="solid"/>
+                    </a:lnBlToTr>
+                    <a:noFill/>
+                  </a:tcPr>
+                </a:tc>
+                <a:tc>
+                  <a:txBody>
+                    <a:bodyPr/>
+                    <a:lstStyle/>
+                    <a:p>
+                      <a:pPr algn="ctr"/>
+                      <a:r>
+                        <a:rPr lang="en-ID" sz="1400" b="0" kern="1200" dirty="0">
+                          <a:solidFill>
+                            <a:schemeClr val="dk1"/>
+                          </a:solidFill>
+                          <a:effectLst/>
+                          <a:latin typeface="TeX Gyre Bonum" panose="00000500000000000000" pitchFamily="50" charset="0"/>
+                          <a:ea typeface="CMU Sans Serif" panose="02000603000000000000" pitchFamily="2" charset="0"/>
+                          <a:cs typeface="CMU Sans Serif" panose="02000603000000000000" pitchFamily="2" charset="0"/>
+                        </a:rPr>
+                        <a:t>0.6164</a:t>
+                      </a:r>
+                      <a:endParaRPr lang="en-ID" sz="1400" dirty="0">
+                        <a:latin typeface="TeX Gyre Bonum" panose="00000500000000000000" pitchFamily="50" charset="0"/>
+                        <a:ea typeface="CMU Sans Serif" panose="02000603000000000000" pitchFamily="2" charset="0"/>
+                        <a:cs typeface="CMU Sans Serif" panose="02000603000000000000" pitchFamily="2" charset="0"/>
+                      </a:endParaRPr>
+                    </a:p>
+                  </a:txBody>
+                  <a:tcPr>
+                    <a:lnL w="12700" cap="flat" cmpd="sng" algn="ctr">
+                      <a:solidFill>
+                        <a:schemeClr val="tx1"/>
+                      </a:solidFill>
+                      <a:prstDash val="solid"/>
+                      <a:round/>
+                      <a:headEnd type="none" w="med" len="med"/>
+                      <a:tailEnd type="none" w="med" len="med"/>
+                    </a:lnL>
+                    <a:lnR w="12700" cap="flat" cmpd="sng" algn="ctr">
+                      <a:noFill/>
+                      <a:prstDash val="solid"/>
+                      <a:round/>
+                      <a:headEnd type="none" w="med" len="med"/>
+                      <a:tailEnd type="none" w="med" len="med"/>
+                    </a:lnR>
+                    <a:lnT w="12700" cap="flat" cmpd="sng" algn="ctr">
+                      <a:solidFill>
+                        <a:schemeClr val="tx1"/>
+                      </a:solidFill>
+                      <a:prstDash val="solid"/>
+                      <a:round/>
+                      <a:headEnd type="none" w="med" len="med"/>
+                      <a:tailEnd type="none" w="med" len="med"/>
+                    </a:lnT>
+                    <a:lnB w="12700" cap="flat" cmpd="sng" algn="ctr">
+                      <a:solidFill>
+                        <a:schemeClr val="tx1"/>
+                      </a:solidFill>
+                      <a:prstDash val="solid"/>
+                      <a:round/>
+                      <a:headEnd type="none" w="med" len="med"/>
+                      <a:tailEnd type="none" w="med" len="med"/>
+                    </a:lnB>
+                    <a:lnTlToBr w="12700" cmpd="sng">
+                      <a:noFill/>
+                      <a:prstDash val="solid"/>
+                    </a:lnTlToBr>
+                    <a:lnBlToTr w="12700" cmpd="sng">
+                      <a:noFill/>
+                      <a:prstDash val="solid"/>
+                    </a:lnBlToTr>
+                    <a:noFill/>
+                  </a:tcPr>
+                </a:tc>
+                <a:tc>
+                  <a:txBody>
+                    <a:bodyPr/>
+                    <a:lstStyle/>
+                    <a:p>
+                      <a:pPr marL="0" marR="0" lvl="0" indent="0" algn="ctr" defTabSz="914400" rtl="0" eaLnBrk="1" fontAlgn="auto" latinLnBrk="0" hangingPunct="1">
+                        <a:lnSpc>
+                          <a:spcPct val="100000"/>
+                        </a:lnSpc>
+                        <a:spcBef>
+                          <a:spcPts val="0"/>
+                        </a:spcBef>
+                        <a:spcAft>
+                          <a:spcPts val="0"/>
+                        </a:spcAft>
+                        <a:buClrTx/>
+                        <a:buSzTx/>
+                        <a:buFontTx/>
+                        <a:buNone/>
+                        <a:tabLst/>
+                        <a:defRPr/>
+                      </a:pPr>
+                      <a:r>
+                        <a:rPr lang="en-ID" sz="1400" b="0" kern="1200" dirty="0">
+                          <a:solidFill>
+                            <a:schemeClr val="dk1"/>
+                          </a:solidFill>
+                          <a:effectLst/>
+                          <a:latin typeface="TeX Gyre Bonum" panose="00000500000000000000" pitchFamily="50" charset="0"/>
+                          <a:ea typeface="CMU Sans Serif" panose="02000603000000000000" pitchFamily="2" charset="0"/>
+                          <a:cs typeface="CMU Sans Serif" panose="02000603000000000000" pitchFamily="2" charset="0"/>
+                        </a:rPr>
+                        <a:t>0.5839</a:t>
+                      </a:r>
+                    </a:p>
+                  </a:txBody>
+                  <a:tcPr>
+                    <a:lnL w="12700" cap="flat" cmpd="sng" algn="ctr">
+                      <a:noFill/>
+                      <a:prstDash val="solid"/>
+                      <a:round/>
+                      <a:headEnd type="none" w="med" len="med"/>
+                      <a:tailEnd type="none" w="med" len="med"/>
+                    </a:lnL>
+                    <a:lnR w="12700" cap="flat" cmpd="sng" algn="ctr">
+                      <a:noFill/>
+                      <a:prstDash val="solid"/>
+                      <a:round/>
+                      <a:headEnd type="none" w="med" len="med"/>
+                      <a:tailEnd type="none" w="med" len="med"/>
+                    </a:lnR>
+                    <a:lnT w="12700" cap="flat" cmpd="sng" algn="ctr">
+                      <a:solidFill>
+                        <a:schemeClr val="tx1"/>
+                      </a:solidFill>
+                      <a:prstDash val="solid"/>
+                      <a:round/>
+                      <a:headEnd type="none" w="med" len="med"/>
+                      <a:tailEnd type="none" w="med" len="med"/>
+                    </a:lnT>
+                    <a:lnB w="12700" cap="flat" cmpd="sng" algn="ctr">
+                      <a:solidFill>
+                        <a:schemeClr val="tx1"/>
+                      </a:solidFill>
+                      <a:prstDash val="solid"/>
+                      <a:round/>
+                      <a:headEnd type="none" w="med" len="med"/>
+                      <a:tailEnd type="none" w="med" len="med"/>
+                    </a:lnB>
+                    <a:lnTlToBr w="12700" cmpd="sng">
+                      <a:noFill/>
+                      <a:prstDash val="solid"/>
+                    </a:lnTlToBr>
+                    <a:lnBlToTr w="12700" cmpd="sng">
+                      <a:noFill/>
+                      <a:prstDash val="solid"/>
+                    </a:lnBlToTr>
+                    <a:noFill/>
+                  </a:tcPr>
+                </a:tc>
+                <a:tc>
+                  <a:txBody>
+                    <a:bodyPr/>
+                    <a:lstStyle/>
+                    <a:p>
+                      <a:pPr marL="0" marR="0" lvl="0" indent="0" algn="ctr" defTabSz="914400" rtl="0" eaLnBrk="1" fontAlgn="auto" latinLnBrk="0" hangingPunct="1">
+                        <a:lnSpc>
+                          <a:spcPct val="100000"/>
+                        </a:lnSpc>
+                        <a:spcBef>
+                          <a:spcPts val="0"/>
+                        </a:spcBef>
+                        <a:spcAft>
+                          <a:spcPts val="0"/>
+                        </a:spcAft>
+                        <a:buClrTx/>
+                        <a:buSzTx/>
+                        <a:buFontTx/>
+                        <a:buNone/>
+                        <a:tabLst/>
+                        <a:defRPr/>
+                      </a:pPr>
+                      <a:r>
+                        <a:rPr lang="en-ID" sz="1400" b="0" kern="1200" dirty="0">
+                          <a:solidFill>
+                            <a:schemeClr val="dk1"/>
+                          </a:solidFill>
+                          <a:effectLst/>
+                          <a:latin typeface="TeX Gyre Bonum" panose="00000500000000000000" pitchFamily="50" charset="0"/>
+                          <a:ea typeface="CMU Sans Serif" panose="02000603000000000000" pitchFamily="2" charset="0"/>
+                          <a:cs typeface="CMU Sans Serif" panose="02000603000000000000" pitchFamily="2" charset="0"/>
+                        </a:rPr>
+                        <a:t>0.6871</a:t>
+                      </a:r>
+                    </a:p>
+                  </a:txBody>
+                  <a:tcPr>
+                    <a:lnL w="12700" cap="flat" cmpd="sng" algn="ctr">
+                      <a:noFill/>
+                      <a:prstDash val="solid"/>
+                      <a:round/>
+                      <a:headEnd type="none" w="med" len="med"/>
+                      <a:tailEnd type="none" w="med" len="med"/>
+                    </a:lnL>
+                    <a:lnR w="12700" cap="flat" cmpd="sng" algn="ctr">
+                      <a:noFill/>
+                      <a:prstDash val="solid"/>
+                      <a:round/>
+                      <a:headEnd type="none" w="med" len="med"/>
+                      <a:tailEnd type="none" w="med" len="med"/>
+                    </a:lnR>
+                    <a:lnT w="12700" cap="flat" cmpd="sng" algn="ctr">
+                      <a:solidFill>
+                        <a:schemeClr val="tx1"/>
+                      </a:solidFill>
+                      <a:prstDash val="solid"/>
+                      <a:round/>
+                      <a:headEnd type="none" w="med" len="med"/>
+                      <a:tailEnd type="none" w="med" len="med"/>
+                    </a:lnT>
+                    <a:lnB w="12700" cap="flat" cmpd="sng" algn="ctr">
+                      <a:solidFill>
+                        <a:schemeClr val="tx1"/>
+                      </a:solidFill>
+                      <a:prstDash val="solid"/>
+                      <a:round/>
+                      <a:headEnd type="none" w="med" len="med"/>
+                      <a:tailEnd type="none" w="med" len="med"/>
+                    </a:lnB>
+                    <a:lnTlToBr w="12700" cmpd="sng">
+                      <a:noFill/>
+                      <a:prstDash val="solid"/>
+                    </a:lnTlToBr>
+                    <a:lnBlToTr w="12700" cmpd="sng">
+                      <a:noFill/>
+                      <a:prstDash val="solid"/>
+                    </a:lnBlToTr>
+                    <a:noFill/>
+                  </a:tcPr>
+                </a:tc>
+                <a:tc>
+                  <a:txBody>
+                    <a:bodyPr/>
+                    <a:lstStyle/>
+                    <a:p>
+                      <a:pPr marL="0" marR="0" lvl="0" indent="0" algn="ctr" defTabSz="914400" rtl="0" eaLnBrk="1" fontAlgn="auto" latinLnBrk="0" hangingPunct="1">
+                        <a:lnSpc>
+                          <a:spcPct val="100000"/>
+                        </a:lnSpc>
+                        <a:spcBef>
+                          <a:spcPts val="0"/>
+                        </a:spcBef>
+                        <a:spcAft>
+                          <a:spcPts val="0"/>
+                        </a:spcAft>
+                        <a:buClrTx/>
+                        <a:buSzTx/>
+                        <a:buFontTx/>
+                        <a:buNone/>
+                        <a:tabLst/>
+                        <a:defRPr/>
+                      </a:pPr>
+                      <a:r>
+                        <a:rPr lang="en-ID" sz="1400" b="0" kern="1200" dirty="0">
+                          <a:solidFill>
+                            <a:schemeClr val="dk1"/>
+                          </a:solidFill>
+                          <a:effectLst/>
+                          <a:latin typeface="TeX Gyre Bonum" panose="00000500000000000000" pitchFamily="50" charset="0"/>
+                          <a:ea typeface="CMU Sans Serif" panose="02000603000000000000" pitchFamily="2" charset="0"/>
+                          <a:cs typeface="CMU Sans Serif" panose="02000603000000000000" pitchFamily="2" charset="0"/>
+                        </a:rPr>
+                        <a:t>0.8415</a:t>
+                      </a:r>
+                    </a:p>
+                  </a:txBody>
+                  <a:tcPr>
+                    <a:lnL w="12700" cap="flat" cmpd="sng" algn="ctr">
+                      <a:noFill/>
+                      <a:prstDash val="solid"/>
+                      <a:round/>
+                      <a:headEnd type="none" w="med" len="med"/>
+                      <a:tailEnd type="none" w="med" len="med"/>
+                    </a:lnL>
+                    <a:lnR w="12700" cap="flat" cmpd="sng" algn="ctr">
+                      <a:noFill/>
+                      <a:prstDash val="solid"/>
+                      <a:round/>
+                      <a:headEnd type="none" w="med" len="med"/>
+                      <a:tailEnd type="none" w="med" len="med"/>
+                    </a:lnR>
+                    <a:lnT w="12700" cap="flat" cmpd="sng" algn="ctr">
+                      <a:solidFill>
+                        <a:schemeClr val="tx1"/>
+                      </a:solidFill>
+                      <a:prstDash val="solid"/>
+                      <a:round/>
+                      <a:headEnd type="none" w="med" len="med"/>
+                      <a:tailEnd type="none" w="med" len="med"/>
+                    </a:lnT>
+                    <a:lnB w="12700" cap="flat" cmpd="sng" algn="ctr">
+                      <a:solidFill>
+                        <a:schemeClr val="tx1"/>
+                      </a:solidFill>
+                      <a:prstDash val="solid"/>
+                      <a:round/>
+                      <a:headEnd type="none" w="med" len="med"/>
+                      <a:tailEnd type="none" w="med" len="med"/>
+                    </a:lnB>
+                    <a:lnTlToBr w="12700" cmpd="sng">
+                      <a:noFill/>
+                      <a:prstDash val="solid"/>
+                    </a:lnTlToBr>
+                    <a:lnBlToTr w="12700" cmpd="sng">
+                      <a:noFill/>
+                      <a:prstDash val="solid"/>
+                    </a:lnBlToTr>
+                    <a:noFill/>
+                  </a:tcPr>
+                </a:tc>
+                <a:extLst>
+                  <a:ext uri="{0D108BD9-81ED-4DB2-BD59-A6C34878D82A}">
+                    <a16:rowId xmlns:a16="http://schemas.microsoft.com/office/drawing/2014/main" val="2519848077"/>
+                  </a:ext>
+                </a:extLst>
+              </a:tr>
+              <a:tr h="277368">
+                <a:tc>
+                  <a:txBody>
+                    <a:bodyPr/>
+                    <a:lstStyle/>
+                    <a:p>
+                      <a:pPr algn="l"/>
+                      <a:r>
+                        <a:rPr lang="en-US" sz="1400" b="1" dirty="0">
+                          <a:latin typeface="TeX Gyre Bonum" panose="00000500000000000000" pitchFamily="50" charset="0"/>
+                          <a:ea typeface="CMU Sans Serif" panose="02000603000000000000" pitchFamily="2" charset="0"/>
+                          <a:cs typeface="CMU Sans Serif" panose="02000603000000000000" pitchFamily="2" charset="0"/>
+                        </a:rPr>
+                        <a:t>F1-score</a:t>
+                      </a:r>
+                      <a:endParaRPr lang="en-ID" sz="1400" b="1" dirty="0">
+                        <a:latin typeface="TeX Gyre Bonum" panose="00000500000000000000" pitchFamily="50" charset="0"/>
+                        <a:ea typeface="CMU Sans Serif" panose="02000603000000000000" pitchFamily="2" charset="0"/>
+                        <a:cs typeface="CMU Sans Serif" panose="02000603000000000000" pitchFamily="2" charset="0"/>
+                      </a:endParaRPr>
+                    </a:p>
+                  </a:txBody>
+                  <a:tcPr>
+                    <a:lnL w="12700" cap="flat" cmpd="sng" algn="ctr">
+                      <a:noFill/>
+                      <a:prstDash val="solid"/>
+                      <a:round/>
+                      <a:headEnd type="none" w="med" len="med"/>
+                      <a:tailEnd type="none" w="med" len="med"/>
+                    </a:lnL>
+                    <a:lnR w="12700" cap="flat" cmpd="sng" algn="ctr">
+                      <a:solidFill>
+                        <a:schemeClr val="tx1"/>
+                      </a:solidFill>
+                      <a:prstDash val="solid"/>
+                      <a:round/>
+                      <a:headEnd type="none" w="med" len="med"/>
+                      <a:tailEnd type="none" w="med" len="med"/>
+                    </a:lnR>
+                    <a:lnT w="12700" cap="flat" cmpd="sng" algn="ctr">
+                      <a:solidFill>
+                        <a:schemeClr val="tx1"/>
+                      </a:solidFill>
+                      <a:prstDash val="solid"/>
+                      <a:round/>
+                      <a:headEnd type="none" w="med" len="med"/>
+                      <a:tailEnd type="none" w="med" len="med"/>
+                    </a:lnT>
+                    <a:lnB w="12700" cap="flat" cmpd="sng" algn="ctr">
+                      <a:solidFill>
+                        <a:schemeClr val="tx1"/>
+                      </a:solidFill>
+                      <a:prstDash val="solid"/>
+                      <a:round/>
+                      <a:headEnd type="none" w="med" len="med"/>
+                      <a:tailEnd type="none" w="med" len="med"/>
+                    </a:lnB>
+                    <a:lnTlToBr w="12700" cmpd="sng">
+                      <a:noFill/>
+                      <a:prstDash val="solid"/>
+                    </a:lnTlToBr>
+                    <a:lnBlToTr w="12700" cmpd="sng">
+                      <a:noFill/>
+                      <a:prstDash val="solid"/>
+                    </a:lnBlToTr>
+                    <a:noFill/>
+                  </a:tcPr>
+                </a:tc>
+                <a:tc>
+                  <a:txBody>
+                    <a:bodyPr/>
+                    <a:lstStyle/>
+                    <a:p>
+                      <a:pPr algn="ctr"/>
+                      <a:r>
+                        <a:rPr lang="en-US" sz="1400" dirty="0">
+                          <a:latin typeface="TeX Gyre Bonum" panose="00000500000000000000" pitchFamily="50" charset="0"/>
+                          <a:ea typeface="CMU Sans Serif" panose="02000603000000000000" pitchFamily="2" charset="0"/>
+                          <a:cs typeface="CMU Sans Serif" panose="02000603000000000000" pitchFamily="2" charset="0"/>
+                        </a:rPr>
+                        <a:t>0.3396</a:t>
+                      </a:r>
+                      <a:endParaRPr lang="en-ID" sz="1400" dirty="0">
+                        <a:latin typeface="TeX Gyre Bonum" panose="00000500000000000000" pitchFamily="50" charset="0"/>
+                        <a:ea typeface="CMU Sans Serif" panose="02000603000000000000" pitchFamily="2" charset="0"/>
+                        <a:cs typeface="CMU Sans Serif" panose="02000603000000000000" pitchFamily="2" charset="0"/>
+                      </a:endParaRPr>
+                    </a:p>
+                  </a:txBody>
+                  <a:tcPr>
+                    <a:lnL w="12700" cap="flat" cmpd="sng" algn="ctr">
+                      <a:solidFill>
+                        <a:schemeClr val="tx1"/>
+                      </a:solidFill>
+                      <a:prstDash val="solid"/>
+                      <a:round/>
+                      <a:headEnd type="none" w="med" len="med"/>
+                      <a:tailEnd type="none" w="med" len="med"/>
+                    </a:lnL>
+                    <a:lnR w="12700" cap="flat" cmpd="sng" algn="ctr">
+                      <a:noFill/>
+                      <a:prstDash val="solid"/>
+                      <a:round/>
+                      <a:headEnd type="none" w="med" len="med"/>
+                      <a:tailEnd type="none" w="med" len="med"/>
+                    </a:lnR>
+                    <a:lnT w="12700" cap="flat" cmpd="sng" algn="ctr">
+                      <a:solidFill>
+                        <a:schemeClr val="tx1"/>
+                      </a:solidFill>
+                      <a:prstDash val="solid"/>
+                      <a:round/>
+                      <a:headEnd type="none" w="med" len="med"/>
+                      <a:tailEnd type="none" w="med" len="med"/>
+                    </a:lnT>
+                    <a:lnB w="12700" cap="flat" cmpd="sng" algn="ctr">
+                      <a:solidFill>
+                        <a:schemeClr val="tx1"/>
+                      </a:solidFill>
+                      <a:prstDash val="solid"/>
+                      <a:round/>
+                      <a:headEnd type="none" w="med" len="med"/>
+                      <a:tailEnd type="none" w="med" len="med"/>
+                    </a:lnB>
+                    <a:lnTlToBr w="12700" cmpd="sng">
+                      <a:noFill/>
+                      <a:prstDash val="solid"/>
+                    </a:lnTlToBr>
+                    <a:lnBlToTr w="12700" cmpd="sng">
+                      <a:noFill/>
+                      <a:prstDash val="solid"/>
+                    </a:lnBlToTr>
+                    <a:noFill/>
+                  </a:tcPr>
+                </a:tc>
+                <a:tc>
+                  <a:txBody>
+                    <a:bodyPr/>
+                    <a:lstStyle/>
+                    <a:p>
+                      <a:pPr algn="ctr"/>
+                      <a:r>
+                        <a:rPr lang="en-US" sz="1400" dirty="0">
+                          <a:latin typeface="TeX Gyre Bonum" panose="00000500000000000000" pitchFamily="50" charset="0"/>
+                          <a:ea typeface="CMU Sans Serif" panose="02000603000000000000" pitchFamily="2" charset="0"/>
+                          <a:cs typeface="CMU Sans Serif" panose="02000603000000000000" pitchFamily="2" charset="0"/>
+                        </a:rPr>
+                        <a:t>0.3264</a:t>
+                      </a:r>
+                      <a:endParaRPr lang="en-ID" sz="1400" dirty="0">
+                        <a:latin typeface="TeX Gyre Bonum" panose="00000500000000000000" pitchFamily="50" charset="0"/>
+                        <a:ea typeface="CMU Sans Serif" panose="02000603000000000000" pitchFamily="2" charset="0"/>
+                        <a:cs typeface="CMU Sans Serif" panose="02000603000000000000" pitchFamily="2" charset="0"/>
+                      </a:endParaRPr>
+                    </a:p>
+                  </a:txBody>
+                  <a:tcPr>
+                    <a:lnL w="12700" cap="flat" cmpd="sng" algn="ctr">
+                      <a:noFill/>
+                      <a:prstDash val="solid"/>
+                      <a:round/>
+                      <a:headEnd type="none" w="med" len="med"/>
+                      <a:tailEnd type="none" w="med" len="med"/>
+                    </a:lnL>
+                    <a:lnR w="12700" cap="flat" cmpd="sng" algn="ctr">
+                      <a:noFill/>
+                      <a:prstDash val="solid"/>
+                      <a:round/>
+                      <a:headEnd type="none" w="med" len="med"/>
+                      <a:tailEnd type="none" w="med" len="med"/>
+                    </a:lnR>
+                    <a:lnT w="12700" cap="flat" cmpd="sng" algn="ctr">
+                      <a:solidFill>
+                        <a:schemeClr val="tx1"/>
+                      </a:solidFill>
+                      <a:prstDash val="solid"/>
+                      <a:round/>
+                      <a:headEnd type="none" w="med" len="med"/>
+                      <a:tailEnd type="none" w="med" len="med"/>
+                    </a:lnT>
+                    <a:lnB w="12700" cap="flat" cmpd="sng" algn="ctr">
+                      <a:solidFill>
+                        <a:schemeClr val="tx1"/>
+                      </a:solidFill>
+                      <a:prstDash val="solid"/>
+                      <a:round/>
+                      <a:headEnd type="none" w="med" len="med"/>
+                      <a:tailEnd type="none" w="med" len="med"/>
+                    </a:lnB>
+                    <a:lnTlToBr w="12700" cmpd="sng">
+                      <a:noFill/>
+                      <a:prstDash val="solid"/>
+                    </a:lnTlToBr>
+                    <a:lnBlToTr w="12700" cmpd="sng">
+                      <a:noFill/>
+                      <a:prstDash val="solid"/>
+                    </a:lnBlToTr>
+                    <a:noFill/>
+                  </a:tcPr>
+                </a:tc>
+                <a:tc>
+                  <a:txBody>
+                    <a:bodyPr/>
+                    <a:lstStyle/>
+                    <a:p>
+                      <a:pPr algn="ctr"/>
+                      <a:r>
+                        <a:rPr lang="en-US" sz="1400" dirty="0">
+                          <a:latin typeface="TeX Gyre Bonum" panose="00000500000000000000" pitchFamily="50" charset="0"/>
+                          <a:ea typeface="CMU Sans Serif" panose="02000603000000000000" pitchFamily="2" charset="0"/>
+                          <a:cs typeface="CMU Sans Serif" panose="02000603000000000000" pitchFamily="2" charset="0"/>
+                        </a:rPr>
+                        <a:t>0.3567</a:t>
+                      </a:r>
+                      <a:endParaRPr lang="en-ID" sz="1400" dirty="0">
+                        <a:latin typeface="TeX Gyre Bonum" panose="00000500000000000000" pitchFamily="50" charset="0"/>
+                        <a:ea typeface="CMU Sans Serif" panose="02000603000000000000" pitchFamily="2" charset="0"/>
+                        <a:cs typeface="CMU Sans Serif" panose="02000603000000000000" pitchFamily="2" charset="0"/>
+                      </a:endParaRPr>
+                    </a:p>
+                  </a:txBody>
+                  <a:tcPr>
+                    <a:lnL w="12700" cap="flat" cmpd="sng" algn="ctr">
+                      <a:noFill/>
+                      <a:prstDash val="solid"/>
+                      <a:round/>
+                      <a:headEnd type="none" w="med" len="med"/>
+                      <a:tailEnd type="none" w="med" len="med"/>
+                    </a:lnL>
+                    <a:lnR w="12700" cap="flat" cmpd="sng" algn="ctr">
+                      <a:noFill/>
+                      <a:prstDash val="solid"/>
+                      <a:round/>
+                      <a:headEnd type="none" w="med" len="med"/>
+                      <a:tailEnd type="none" w="med" len="med"/>
+                    </a:lnR>
+                    <a:lnT w="12700" cap="flat" cmpd="sng" algn="ctr">
+                      <a:solidFill>
+                        <a:schemeClr val="tx1"/>
+                      </a:solidFill>
+                      <a:prstDash val="solid"/>
+                      <a:round/>
+                      <a:headEnd type="none" w="med" len="med"/>
+                      <a:tailEnd type="none" w="med" len="med"/>
+                    </a:lnT>
+                    <a:lnB w="12700" cap="flat" cmpd="sng" algn="ctr">
+                      <a:solidFill>
+                        <a:schemeClr val="tx1"/>
+                      </a:solidFill>
+                      <a:prstDash val="solid"/>
+                      <a:round/>
+                      <a:headEnd type="none" w="med" len="med"/>
+                      <a:tailEnd type="none" w="med" len="med"/>
+                    </a:lnB>
+                    <a:lnTlToBr w="12700" cmpd="sng">
+                      <a:noFill/>
+                      <a:prstDash val="solid"/>
+                    </a:lnTlToBr>
+                    <a:lnBlToTr w="12700" cmpd="sng">
+                      <a:noFill/>
+                      <a:prstDash val="solid"/>
+                    </a:lnBlToTr>
+                    <a:noFill/>
+                  </a:tcPr>
+                </a:tc>
+                <a:tc>
+                  <a:txBody>
+                    <a:bodyPr/>
+                    <a:lstStyle/>
+                    <a:p>
+                      <a:pPr algn="ctr"/>
+                      <a:r>
+                        <a:rPr lang="en-US" sz="1400" dirty="0">
+                          <a:latin typeface="TeX Gyre Bonum" panose="00000500000000000000" pitchFamily="50" charset="0"/>
+                          <a:ea typeface="CMU Sans Serif" panose="02000603000000000000" pitchFamily="2" charset="0"/>
+                          <a:cs typeface="CMU Sans Serif" panose="02000603000000000000" pitchFamily="2" charset="0"/>
+                        </a:rPr>
+                        <a:t>0.3898</a:t>
+                      </a:r>
+                      <a:endParaRPr lang="en-ID" sz="1400" dirty="0">
+                        <a:latin typeface="TeX Gyre Bonum" panose="00000500000000000000" pitchFamily="50" charset="0"/>
+                        <a:ea typeface="CMU Sans Serif" panose="02000603000000000000" pitchFamily="2" charset="0"/>
+                        <a:cs typeface="CMU Sans Serif" panose="02000603000000000000" pitchFamily="2" charset="0"/>
+                      </a:endParaRPr>
+                    </a:p>
+                  </a:txBody>
+                  <a:tcPr>
+                    <a:lnL w="12700" cap="flat" cmpd="sng" algn="ctr">
+                      <a:noFill/>
+                      <a:prstDash val="solid"/>
+                      <a:round/>
+                      <a:headEnd type="none" w="med" len="med"/>
+                      <a:tailEnd type="none" w="med" len="med"/>
+                    </a:lnL>
+                    <a:lnR w="12700" cap="flat" cmpd="sng" algn="ctr">
+                      <a:noFill/>
+                      <a:prstDash val="solid"/>
+                      <a:round/>
+                      <a:headEnd type="none" w="med" len="med"/>
+                      <a:tailEnd type="none" w="med" len="med"/>
+                    </a:lnR>
+                    <a:lnT w="12700" cap="flat" cmpd="sng" algn="ctr">
+                      <a:solidFill>
+                        <a:schemeClr val="tx1"/>
+                      </a:solidFill>
+                      <a:prstDash val="solid"/>
+                      <a:round/>
+                      <a:headEnd type="none" w="med" len="med"/>
+                      <a:tailEnd type="none" w="med" len="med"/>
+                    </a:lnT>
+                    <a:lnB w="12700" cap="flat" cmpd="sng" algn="ctr">
+                      <a:solidFill>
+                        <a:schemeClr val="tx1"/>
+                      </a:solidFill>
+                      <a:prstDash val="solid"/>
+                      <a:round/>
+                      <a:headEnd type="none" w="med" len="med"/>
+                      <a:tailEnd type="none" w="med" len="med"/>
+                    </a:lnB>
+                    <a:lnTlToBr w="12700" cmpd="sng">
+                      <a:noFill/>
+                      <a:prstDash val="solid"/>
+                    </a:lnTlToBr>
+                    <a:lnBlToTr w="12700" cmpd="sng">
+                      <a:noFill/>
+                      <a:prstDash val="solid"/>
+                    </a:lnBlToTr>
+                    <a:noFill/>
+                  </a:tcPr>
+                </a:tc>
+                <a:extLst>
+                  <a:ext uri="{0D108BD9-81ED-4DB2-BD59-A6C34878D82A}">
+                    <a16:rowId xmlns:a16="http://schemas.microsoft.com/office/drawing/2014/main" val="3052852466"/>
+                  </a:ext>
+                </a:extLst>
+              </a:tr>
+            </a:tbl>
+          </a:graphicData>
+        </a:graphic>
+      </p:graphicFrame>
+      <p:pic>
+        <p:nvPicPr>
+          <p:cNvPr id="5" name="Picture 4">
+            <a:extLst>
+              <a:ext uri="{FF2B5EF4-FFF2-40B4-BE49-F238E27FC236}">
+                <a16:creationId xmlns:a16="http://schemas.microsoft.com/office/drawing/2014/main" id="{5E91247B-2324-D96A-6BB1-EE4E09B09C9E}"/>
+              </a:ext>
+            </a:extLst>
+          </p:cNvPr>
+          <p:cNvPicPr>
+            <a:picLocks noChangeAspect="1"/>
+          </p:cNvPicPr>
+          <p:nvPr/>
+        </p:nvPicPr>
+        <p:blipFill>
+          <a:blip r:embed="rId2"/>
+          <a:stretch>
+            <a:fillRect/>
+          </a:stretch>
+        </p:blipFill>
+        <p:spPr>
+          <a:xfrm>
+            <a:off x="219077" y="561979"/>
+            <a:ext cx="5465667" cy="2867021"/>
+          </a:xfrm>
+          <a:prstGeom prst="rect">
+            <a:avLst/>
+          </a:prstGeom>
+        </p:spPr>
+      </p:pic>
+      <p:graphicFrame>
+        <p:nvGraphicFramePr>
+          <p:cNvPr id="6" name="Table 6">
+            <a:extLst>
+              <a:ext uri="{FF2B5EF4-FFF2-40B4-BE49-F238E27FC236}">
+                <a16:creationId xmlns:a16="http://schemas.microsoft.com/office/drawing/2014/main" id="{E52B7D42-3110-CF3C-E6DD-738B954C18FE}"/>
+              </a:ext>
+            </a:extLst>
+          </p:cNvPr>
+          <p:cNvGraphicFramePr>
+            <a:graphicFrameLocks noGrp="1"/>
+          </p:cNvGraphicFramePr>
+          <p:nvPr>
+            <p:extLst>
+              <p:ext uri="{D42A27DB-BD31-4B8C-83A1-F6EECF244321}">
+                <p14:modId xmlns:p14="http://schemas.microsoft.com/office/powerpoint/2010/main" val="4054838974"/>
+              </p:ext>
+            </p:extLst>
+          </p:nvPr>
+        </p:nvGraphicFramePr>
+        <p:xfrm>
+          <a:off x="7124352" y="3437466"/>
+          <a:ext cx="4173845" cy="609600"/>
+        </p:xfrm>
+        <a:graphic>
+          <a:graphicData uri="http://schemas.openxmlformats.org/drawingml/2006/table">
+            <a:tbl>
+              <a:tblPr firstRow="1" bandRow="1">
+                <a:tableStyleId>{5C22544A-7EE6-4342-B048-85BDC9FD1C3A}</a:tableStyleId>
+              </a:tblPr>
+              <a:tblGrid>
+                <a:gridCol w="849941">
+                  <a:extLst>
+                    <a:ext uri="{9D8B030D-6E8A-4147-A177-3AD203B41FA5}">
+                      <a16:colId xmlns:a16="http://schemas.microsoft.com/office/drawing/2014/main" val="3872630865"/>
+                    </a:ext>
+                  </a:extLst>
+                </a:gridCol>
+                <a:gridCol w="844867">
+                  <a:extLst>
+                    <a:ext uri="{9D8B030D-6E8A-4147-A177-3AD203B41FA5}">
+                      <a16:colId xmlns:a16="http://schemas.microsoft.com/office/drawing/2014/main" val="2317850323"/>
+                    </a:ext>
+                  </a:extLst>
+                </a:gridCol>
+                <a:gridCol w="844867">
+                  <a:extLst>
+                    <a:ext uri="{9D8B030D-6E8A-4147-A177-3AD203B41FA5}">
+                      <a16:colId xmlns:a16="http://schemas.microsoft.com/office/drawing/2014/main" val="3427173819"/>
+                    </a:ext>
+                  </a:extLst>
+                </a:gridCol>
+                <a:gridCol w="844867">
+                  <a:extLst>
+                    <a:ext uri="{9D8B030D-6E8A-4147-A177-3AD203B41FA5}">
+                      <a16:colId xmlns:a16="http://schemas.microsoft.com/office/drawing/2014/main" val="2404399359"/>
+                    </a:ext>
+                  </a:extLst>
+                </a:gridCol>
+                <a:gridCol w="789303">
+                  <a:extLst>
+                    <a:ext uri="{9D8B030D-6E8A-4147-A177-3AD203B41FA5}">
+                      <a16:colId xmlns:a16="http://schemas.microsoft.com/office/drawing/2014/main" val="1079410152"/>
+                    </a:ext>
+                  </a:extLst>
+                </a:gridCol>
+              </a:tblGrid>
+              <a:tr h="277368">
+                <a:tc>
+                  <a:txBody>
+                    <a:bodyPr/>
+                    <a:lstStyle/>
+                    <a:p>
+                      <a:pPr algn="ctr"/>
+                      <a:endParaRPr lang="en-ID" sz="1400" dirty="0">
+                        <a:solidFill>
+                          <a:schemeClr val="tx1"/>
+                        </a:solidFill>
+                        <a:latin typeface="TeX Gyre Bonum" panose="00000500000000000000" pitchFamily="50" charset="0"/>
+                        <a:ea typeface="CMU Sans Serif" panose="02000603000000000000" pitchFamily="2" charset="0"/>
+                        <a:cs typeface="CMU Sans Serif" panose="02000603000000000000" pitchFamily="2" charset="0"/>
+                      </a:endParaRPr>
+                    </a:p>
+                  </a:txBody>
+                  <a:tcPr>
+                    <a:lnL w="12700" cap="flat" cmpd="sng" algn="ctr">
+                      <a:noFill/>
+                      <a:prstDash val="solid"/>
+                      <a:round/>
+                      <a:headEnd type="none" w="med" len="med"/>
+                      <a:tailEnd type="none" w="med" len="med"/>
+                    </a:lnL>
+                    <a:lnR w="12700" cap="flat" cmpd="sng" algn="ctr">
+                      <a:noFill/>
+                      <a:prstDash val="solid"/>
+                      <a:round/>
+                      <a:headEnd type="none" w="med" len="med"/>
+                      <a:tailEnd type="none" w="med" len="med"/>
+                    </a:lnR>
+                    <a:lnT w="12700" cap="flat" cmpd="sng" algn="ctr">
+                      <a:solidFill>
+                        <a:schemeClr val="tx1"/>
+                      </a:solidFill>
+                      <a:prstDash val="solid"/>
+                      <a:round/>
+                      <a:headEnd type="none" w="med" len="med"/>
+                      <a:tailEnd type="none" w="med" len="med"/>
+                    </a:lnT>
+                    <a:lnB w="12700" cap="flat" cmpd="sng" algn="ctr">
+                      <a:solidFill>
+                        <a:schemeClr val="tx1"/>
+                      </a:solidFill>
+                      <a:prstDash val="solid"/>
+                      <a:round/>
+                      <a:headEnd type="none" w="med" len="med"/>
+                      <a:tailEnd type="none" w="med" len="med"/>
+                    </a:lnB>
+                    <a:lnTlToBr w="12700" cmpd="sng">
+                      <a:noFill/>
+                      <a:prstDash val="solid"/>
+                    </a:lnTlToBr>
+                    <a:lnBlToTr w="12700" cmpd="sng">
+                      <a:noFill/>
+                      <a:prstDash val="solid"/>
+                    </a:lnBlToTr>
+                    <a:noFill/>
+                  </a:tcPr>
+                </a:tc>
+                <a:tc>
+                  <a:txBody>
+                    <a:bodyPr/>
+                    <a:lstStyle/>
+                    <a:p>
+                      <a:pPr algn="ctr"/>
+                      <a:r>
+                        <a:rPr lang="en-US" sz="1400" b="1" dirty="0">
+                          <a:solidFill>
+                            <a:schemeClr val="tx1"/>
+                          </a:solidFill>
+                          <a:latin typeface="TeX Gyre Bonum" panose="00000500000000000000" pitchFamily="50" charset="0"/>
+                          <a:ea typeface="CMU Sans Serif" panose="02000603000000000000" pitchFamily="2" charset="0"/>
+                          <a:cs typeface="CMU Sans Serif" panose="02000603000000000000" pitchFamily="2" charset="0"/>
+                        </a:rPr>
+                        <a:t>A</a:t>
+                      </a:r>
+                      <a:endParaRPr lang="en-ID" sz="1400" b="1" dirty="0">
+                        <a:solidFill>
+                          <a:schemeClr val="tx1"/>
+                        </a:solidFill>
+                        <a:latin typeface="TeX Gyre Bonum" panose="00000500000000000000" pitchFamily="50" charset="0"/>
+                        <a:ea typeface="CMU Sans Serif" panose="02000603000000000000" pitchFamily="2" charset="0"/>
+                        <a:cs typeface="CMU Sans Serif" panose="02000603000000000000" pitchFamily="2" charset="0"/>
+                      </a:endParaRPr>
+                    </a:p>
+                  </a:txBody>
+                  <a:tcPr>
+                    <a:lnL w="12700" cap="flat" cmpd="sng" algn="ctr">
+                      <a:noFill/>
+                      <a:prstDash val="solid"/>
+                      <a:round/>
+                      <a:headEnd type="none" w="med" len="med"/>
+                      <a:tailEnd type="none" w="med" len="med"/>
+                    </a:lnL>
+                    <a:lnR w="12700" cap="flat" cmpd="sng" algn="ctr">
+                      <a:noFill/>
+                      <a:prstDash val="solid"/>
+                      <a:round/>
+                      <a:headEnd type="none" w="med" len="med"/>
+                      <a:tailEnd type="none" w="med" len="med"/>
+                    </a:lnR>
+                    <a:lnT w="12700" cap="flat" cmpd="sng" algn="ctr">
+                      <a:solidFill>
+                        <a:schemeClr val="tx1"/>
+                      </a:solidFill>
+                      <a:prstDash val="solid"/>
+                      <a:round/>
+                      <a:headEnd type="none" w="med" len="med"/>
+                      <a:tailEnd type="none" w="med" len="med"/>
+                    </a:lnT>
+                    <a:lnB w="12700" cap="flat" cmpd="sng" algn="ctr">
+                      <a:solidFill>
+                        <a:schemeClr val="tx1"/>
+                      </a:solidFill>
+                      <a:prstDash val="solid"/>
+                      <a:round/>
+                      <a:headEnd type="none" w="med" len="med"/>
+                      <a:tailEnd type="none" w="med" len="med"/>
+                    </a:lnB>
+                    <a:lnTlToBr w="12700" cmpd="sng">
+                      <a:noFill/>
+                      <a:prstDash val="solid"/>
+                    </a:lnTlToBr>
+                    <a:lnBlToTr w="12700" cmpd="sng">
+                      <a:noFill/>
+                      <a:prstDash val="solid"/>
+                    </a:lnBlToTr>
+                    <a:noFill/>
+                  </a:tcPr>
+                </a:tc>
+                <a:tc>
+                  <a:txBody>
+                    <a:bodyPr/>
+                    <a:lstStyle/>
+                    <a:p>
+                      <a:pPr algn="ctr"/>
+                      <a:r>
+                        <a:rPr lang="en-US" sz="1400" b="1" dirty="0">
+                          <a:solidFill>
+                            <a:schemeClr val="tx1"/>
+                          </a:solidFill>
+                          <a:latin typeface="TeX Gyre Bonum" panose="00000500000000000000" pitchFamily="50" charset="0"/>
+                          <a:ea typeface="CMU Sans Serif" panose="02000603000000000000" pitchFamily="2" charset="0"/>
+                          <a:cs typeface="CMU Sans Serif" panose="02000603000000000000" pitchFamily="2" charset="0"/>
+                        </a:rPr>
+                        <a:t>B</a:t>
+                      </a:r>
+                      <a:endParaRPr lang="en-ID" sz="1400" b="1" dirty="0">
+                        <a:solidFill>
+                          <a:schemeClr val="tx1"/>
+                        </a:solidFill>
+                        <a:latin typeface="TeX Gyre Bonum" panose="00000500000000000000" pitchFamily="50" charset="0"/>
+                        <a:ea typeface="CMU Sans Serif" panose="02000603000000000000" pitchFamily="2" charset="0"/>
+                        <a:cs typeface="CMU Sans Serif" panose="02000603000000000000" pitchFamily="2" charset="0"/>
+                      </a:endParaRPr>
+                    </a:p>
+                  </a:txBody>
+                  <a:tcPr>
+                    <a:lnL w="12700" cap="flat" cmpd="sng" algn="ctr">
+                      <a:noFill/>
+                      <a:prstDash val="solid"/>
+                      <a:round/>
+                      <a:headEnd type="none" w="med" len="med"/>
+                      <a:tailEnd type="none" w="med" len="med"/>
+                    </a:lnL>
+                    <a:lnR w="12700" cap="flat" cmpd="sng" algn="ctr">
+                      <a:noFill/>
+                      <a:prstDash val="solid"/>
+                      <a:round/>
+                      <a:headEnd type="none" w="med" len="med"/>
+                      <a:tailEnd type="none" w="med" len="med"/>
+                    </a:lnR>
+                    <a:lnT w="12700" cap="flat" cmpd="sng" algn="ctr">
+                      <a:solidFill>
+                        <a:schemeClr val="tx1"/>
+                      </a:solidFill>
+                      <a:prstDash val="solid"/>
+                      <a:round/>
+                      <a:headEnd type="none" w="med" len="med"/>
+                      <a:tailEnd type="none" w="med" len="med"/>
+                    </a:lnT>
+                    <a:lnB w="12700" cap="flat" cmpd="sng" algn="ctr">
+                      <a:solidFill>
+                        <a:schemeClr val="tx1"/>
+                      </a:solidFill>
+                      <a:prstDash val="solid"/>
+                      <a:round/>
+                      <a:headEnd type="none" w="med" len="med"/>
+                      <a:tailEnd type="none" w="med" len="med"/>
+                    </a:lnB>
+                    <a:lnTlToBr w="12700" cmpd="sng">
+                      <a:noFill/>
+                      <a:prstDash val="solid"/>
+                    </a:lnTlToBr>
+                    <a:lnBlToTr w="12700" cmpd="sng">
+                      <a:noFill/>
+                      <a:prstDash val="solid"/>
+                    </a:lnBlToTr>
+                    <a:noFill/>
+                  </a:tcPr>
+                </a:tc>
+                <a:tc>
+                  <a:txBody>
+                    <a:bodyPr/>
+                    <a:lstStyle/>
+                    <a:p>
+                      <a:pPr algn="ctr"/>
+                      <a:r>
+                        <a:rPr lang="en-US" sz="1400" b="1" dirty="0">
+                          <a:solidFill>
+                            <a:schemeClr val="tx1"/>
+                          </a:solidFill>
+                          <a:latin typeface="TeX Gyre Bonum" panose="00000500000000000000" pitchFamily="50" charset="0"/>
+                          <a:ea typeface="CMU Sans Serif" panose="02000603000000000000" pitchFamily="2" charset="0"/>
+                          <a:cs typeface="CMU Sans Serif" panose="02000603000000000000" pitchFamily="2" charset="0"/>
+                        </a:rPr>
+                        <a:t>C</a:t>
+                      </a:r>
+                      <a:endParaRPr lang="en-ID" sz="1400" b="1" dirty="0">
+                        <a:solidFill>
+                          <a:schemeClr val="tx1"/>
+                        </a:solidFill>
+                        <a:latin typeface="TeX Gyre Bonum" panose="00000500000000000000" pitchFamily="50" charset="0"/>
+                        <a:ea typeface="CMU Sans Serif" panose="02000603000000000000" pitchFamily="2" charset="0"/>
+                        <a:cs typeface="CMU Sans Serif" panose="02000603000000000000" pitchFamily="2" charset="0"/>
+                      </a:endParaRPr>
+                    </a:p>
+                  </a:txBody>
+                  <a:tcPr>
+                    <a:lnL w="12700" cap="flat" cmpd="sng" algn="ctr">
+                      <a:noFill/>
+                      <a:prstDash val="solid"/>
+                      <a:round/>
+                      <a:headEnd type="none" w="med" len="med"/>
+                      <a:tailEnd type="none" w="med" len="med"/>
+                    </a:lnL>
+                    <a:lnR w="12700" cap="flat" cmpd="sng" algn="ctr">
+                      <a:noFill/>
+                      <a:prstDash val="solid"/>
+                      <a:round/>
+                      <a:headEnd type="none" w="med" len="med"/>
+                      <a:tailEnd type="none" w="med" len="med"/>
+                    </a:lnR>
+                    <a:lnT w="12700" cap="flat" cmpd="sng" algn="ctr">
+                      <a:solidFill>
+                        <a:schemeClr val="tx1"/>
+                      </a:solidFill>
+                      <a:prstDash val="solid"/>
+                      <a:round/>
+                      <a:headEnd type="none" w="med" len="med"/>
+                      <a:tailEnd type="none" w="med" len="med"/>
+                    </a:lnT>
+                    <a:lnB w="12700" cap="flat" cmpd="sng" algn="ctr">
+                      <a:solidFill>
+                        <a:schemeClr val="tx1"/>
+                      </a:solidFill>
+                      <a:prstDash val="solid"/>
+                      <a:round/>
+                      <a:headEnd type="none" w="med" len="med"/>
+                      <a:tailEnd type="none" w="med" len="med"/>
+                    </a:lnB>
+                    <a:lnTlToBr w="12700" cmpd="sng">
+                      <a:noFill/>
+                      <a:prstDash val="solid"/>
+                    </a:lnTlToBr>
+                    <a:lnBlToTr w="12700" cmpd="sng">
+                      <a:noFill/>
+                      <a:prstDash val="solid"/>
+                    </a:lnBlToTr>
+                    <a:noFill/>
+                  </a:tcPr>
+                </a:tc>
+                <a:tc>
+                  <a:txBody>
+                    <a:bodyPr/>
+                    <a:lstStyle/>
+                    <a:p>
+                      <a:pPr algn="ctr"/>
+                      <a:r>
+                        <a:rPr lang="en-US" sz="1400" b="1" dirty="0">
+                          <a:solidFill>
+                            <a:schemeClr val="tx1"/>
+                          </a:solidFill>
+                          <a:latin typeface="TeX Gyre Bonum" panose="00000500000000000000" pitchFamily="50" charset="0"/>
+                          <a:ea typeface="CMU Sans Serif" panose="02000603000000000000" pitchFamily="2" charset="0"/>
+                          <a:cs typeface="CMU Sans Serif" panose="02000603000000000000" pitchFamily="2" charset="0"/>
+                        </a:rPr>
+                        <a:t>D</a:t>
+                      </a:r>
+                      <a:endParaRPr lang="en-ID" sz="1400" b="1" dirty="0">
+                        <a:solidFill>
+                          <a:schemeClr val="tx1"/>
+                        </a:solidFill>
+                        <a:latin typeface="TeX Gyre Bonum" panose="00000500000000000000" pitchFamily="50" charset="0"/>
+                        <a:ea typeface="CMU Sans Serif" panose="02000603000000000000" pitchFamily="2" charset="0"/>
+                        <a:cs typeface="CMU Sans Serif" panose="02000603000000000000" pitchFamily="2" charset="0"/>
+                      </a:endParaRPr>
+                    </a:p>
+                  </a:txBody>
+                  <a:tcPr>
+                    <a:lnL w="12700" cap="flat" cmpd="sng" algn="ctr">
+                      <a:noFill/>
+                      <a:prstDash val="solid"/>
+                      <a:round/>
+                      <a:headEnd type="none" w="med" len="med"/>
+                      <a:tailEnd type="none" w="med" len="med"/>
+                    </a:lnL>
+                    <a:lnR w="12700" cap="flat" cmpd="sng" algn="ctr">
+                      <a:noFill/>
+                      <a:prstDash val="solid"/>
+                      <a:round/>
+                      <a:headEnd type="none" w="med" len="med"/>
+                      <a:tailEnd type="none" w="med" len="med"/>
+                    </a:lnR>
+                    <a:lnT w="12700" cap="flat" cmpd="sng" algn="ctr">
+                      <a:solidFill>
+                        <a:schemeClr val="tx1"/>
+                      </a:solidFill>
+                      <a:prstDash val="solid"/>
+                      <a:round/>
+                      <a:headEnd type="none" w="med" len="med"/>
+                      <a:tailEnd type="none" w="med" len="med"/>
+                    </a:lnT>
+                    <a:lnB w="12700" cap="flat" cmpd="sng" algn="ctr">
+                      <a:solidFill>
+                        <a:schemeClr val="tx1"/>
+                      </a:solidFill>
+                      <a:prstDash val="solid"/>
+                      <a:round/>
+                      <a:headEnd type="none" w="med" len="med"/>
+                      <a:tailEnd type="none" w="med" len="med"/>
+                    </a:lnB>
+                    <a:lnTlToBr w="12700" cmpd="sng">
+                      <a:noFill/>
+                      <a:prstDash val="solid"/>
+                    </a:lnTlToBr>
+                    <a:lnBlToTr w="12700" cmpd="sng">
+                      <a:noFill/>
+                      <a:prstDash val="solid"/>
+                    </a:lnBlToTr>
+                    <a:noFill/>
+                  </a:tcPr>
+                </a:tc>
+                <a:extLst>
+                  <a:ext uri="{0D108BD9-81ED-4DB2-BD59-A6C34878D82A}">
+                    <a16:rowId xmlns:a16="http://schemas.microsoft.com/office/drawing/2014/main" val="3095788039"/>
+                  </a:ext>
+                </a:extLst>
+              </a:tr>
+              <a:tr h="277368">
+                <a:tc>
+                  <a:txBody>
+                    <a:bodyPr/>
+                    <a:lstStyle/>
+                    <a:p>
+                      <a:pPr algn="l"/>
+                      <a:r>
+                        <a:rPr lang="en-US" sz="1400" b="1" dirty="0">
+                          <a:latin typeface="TeX Gyre Bonum" panose="00000500000000000000" pitchFamily="50" charset="0"/>
+                          <a:ea typeface="CMU Sans Serif" panose="02000603000000000000" pitchFamily="2" charset="0"/>
+                          <a:cs typeface="CMU Sans Serif" panose="02000603000000000000" pitchFamily="2" charset="0"/>
+                        </a:rPr>
+                        <a:t>AUC</a:t>
+                      </a:r>
+                      <a:endParaRPr lang="en-ID" sz="1400" b="1" dirty="0">
+                        <a:latin typeface="TeX Gyre Bonum" panose="00000500000000000000" pitchFamily="50" charset="0"/>
+                        <a:ea typeface="CMU Sans Serif" panose="02000603000000000000" pitchFamily="2" charset="0"/>
+                        <a:cs typeface="CMU Sans Serif" panose="02000603000000000000" pitchFamily="2" charset="0"/>
+                      </a:endParaRPr>
+                    </a:p>
+                  </a:txBody>
+                  <a:tcPr>
+                    <a:lnL w="12700" cap="flat" cmpd="sng" algn="ctr">
+                      <a:noFill/>
+                      <a:prstDash val="solid"/>
+                      <a:round/>
+                      <a:headEnd type="none" w="med" len="med"/>
+                      <a:tailEnd type="none" w="med" len="med"/>
+                    </a:lnL>
+                    <a:lnR w="12700" cap="flat" cmpd="sng" algn="ctr">
+                      <a:solidFill>
+                        <a:schemeClr val="tx1"/>
+                      </a:solidFill>
+                      <a:prstDash val="solid"/>
+                      <a:round/>
+                      <a:headEnd type="none" w="med" len="med"/>
+                      <a:tailEnd type="none" w="med" len="med"/>
+                    </a:lnR>
+                    <a:lnT w="12700" cap="flat" cmpd="sng" algn="ctr">
+                      <a:solidFill>
+                        <a:schemeClr val="tx1"/>
+                      </a:solidFill>
+                      <a:prstDash val="solid"/>
+                      <a:round/>
+                      <a:headEnd type="none" w="med" len="med"/>
+                      <a:tailEnd type="none" w="med" len="med"/>
+                    </a:lnT>
+                    <a:lnB w="12700" cap="flat" cmpd="sng" algn="ctr">
+                      <a:solidFill>
+                        <a:schemeClr val="tx1"/>
+                      </a:solidFill>
+                      <a:prstDash val="solid"/>
+                      <a:round/>
+                      <a:headEnd type="none" w="med" len="med"/>
+                      <a:tailEnd type="none" w="med" len="med"/>
+                    </a:lnB>
+                    <a:lnTlToBr w="12700" cmpd="sng">
+                      <a:noFill/>
+                      <a:prstDash val="solid"/>
+                    </a:lnTlToBr>
+                    <a:lnBlToTr w="12700" cmpd="sng">
+                      <a:noFill/>
+                      <a:prstDash val="solid"/>
+                    </a:lnBlToTr>
+                    <a:noFill/>
+                  </a:tcPr>
+                </a:tc>
+                <a:tc>
+                  <a:txBody>
+                    <a:bodyPr/>
+                    <a:lstStyle/>
+                    <a:p>
+                      <a:pPr marL="0" marR="0" lvl="0" indent="0" algn="ctr" defTabSz="914400" rtl="0" eaLnBrk="1" fontAlgn="auto" latinLnBrk="0" hangingPunct="1">
+                        <a:lnSpc>
+                          <a:spcPct val="100000"/>
+                        </a:lnSpc>
+                        <a:spcBef>
+                          <a:spcPts val="0"/>
+                        </a:spcBef>
+                        <a:spcAft>
+                          <a:spcPts val="0"/>
+                        </a:spcAft>
+                        <a:buClrTx/>
+                        <a:buSzTx/>
+                        <a:buFontTx/>
+                        <a:buNone/>
+                        <a:tabLst/>
+                        <a:defRPr/>
+                      </a:pPr>
+                      <a:r>
+                        <a:rPr lang="en-ID" sz="1400" b="0" kern="1200" dirty="0">
+                          <a:solidFill>
+                            <a:schemeClr val="dk1"/>
+                          </a:solidFill>
+                          <a:effectLst/>
+                          <a:latin typeface="TeX Gyre Bonum" panose="00000500000000000000" pitchFamily="50" charset="0"/>
+                          <a:ea typeface="CMU Sans Serif" panose="02000603000000000000" pitchFamily="2" charset="0"/>
+                          <a:cs typeface="CMU Sans Serif" panose="02000603000000000000" pitchFamily="2" charset="0"/>
+                        </a:rPr>
+                        <a:t>0.7557</a:t>
+                      </a:r>
+                    </a:p>
+                  </a:txBody>
+                  <a:tcPr>
+                    <a:lnL w="12700" cap="flat" cmpd="sng" algn="ctr">
+                      <a:solidFill>
+                        <a:schemeClr val="tx1"/>
+                      </a:solidFill>
+                      <a:prstDash val="solid"/>
+                      <a:round/>
+                      <a:headEnd type="none" w="med" len="med"/>
+                      <a:tailEnd type="none" w="med" len="med"/>
+                    </a:lnL>
+                    <a:lnR w="12700" cap="flat" cmpd="sng" algn="ctr">
+                      <a:noFill/>
+                      <a:prstDash val="solid"/>
+                      <a:round/>
+                      <a:headEnd type="none" w="med" len="med"/>
+                      <a:tailEnd type="none" w="med" len="med"/>
+                    </a:lnR>
+                    <a:lnT w="12700" cap="flat" cmpd="sng" algn="ctr">
+                      <a:solidFill>
+                        <a:schemeClr val="tx1"/>
+                      </a:solidFill>
+                      <a:prstDash val="solid"/>
+                      <a:round/>
+                      <a:headEnd type="none" w="med" len="med"/>
+                      <a:tailEnd type="none" w="med" len="med"/>
+                    </a:lnT>
+                    <a:lnB w="12700" cap="flat" cmpd="sng" algn="ctr">
+                      <a:solidFill>
+                        <a:schemeClr val="tx1"/>
+                      </a:solidFill>
+                      <a:prstDash val="solid"/>
+                      <a:round/>
+                      <a:headEnd type="none" w="med" len="med"/>
+                      <a:tailEnd type="none" w="med" len="med"/>
+                    </a:lnB>
+                    <a:lnTlToBr w="12700" cmpd="sng">
+                      <a:noFill/>
+                      <a:prstDash val="solid"/>
+                    </a:lnTlToBr>
+                    <a:lnBlToTr w="12700" cmpd="sng">
+                      <a:noFill/>
+                      <a:prstDash val="solid"/>
+                    </a:lnBlToTr>
+                    <a:noFill/>
+                  </a:tcPr>
+                </a:tc>
+                <a:tc>
+                  <a:txBody>
+                    <a:bodyPr/>
+                    <a:lstStyle/>
+                    <a:p>
+                      <a:pPr marL="0" marR="0" lvl="0" indent="0" algn="ctr" defTabSz="914400" rtl="0" eaLnBrk="1" fontAlgn="auto" latinLnBrk="0" hangingPunct="1">
+                        <a:lnSpc>
+                          <a:spcPct val="100000"/>
+                        </a:lnSpc>
+                        <a:spcBef>
+                          <a:spcPts val="0"/>
+                        </a:spcBef>
+                        <a:spcAft>
+                          <a:spcPts val="0"/>
+                        </a:spcAft>
+                        <a:buClrTx/>
+                        <a:buSzTx/>
+                        <a:buFontTx/>
+                        <a:buNone/>
+                        <a:tabLst/>
+                        <a:defRPr/>
+                      </a:pPr>
+                      <a:r>
+                        <a:rPr lang="en-ID" sz="1400" b="0" kern="1200" dirty="0">
+                          <a:solidFill>
+                            <a:schemeClr val="dk1"/>
+                          </a:solidFill>
+                          <a:effectLst/>
+                          <a:latin typeface="TeX Gyre Bonum" panose="00000500000000000000" pitchFamily="50" charset="0"/>
+                          <a:ea typeface="CMU Sans Serif" panose="02000603000000000000" pitchFamily="2" charset="0"/>
+                          <a:cs typeface="CMU Sans Serif" panose="02000603000000000000" pitchFamily="2" charset="0"/>
+                        </a:rPr>
+                        <a:t>0.7015</a:t>
+                      </a:r>
+                    </a:p>
+                  </a:txBody>
+                  <a:tcPr>
+                    <a:lnL w="12700" cap="flat" cmpd="sng" algn="ctr">
+                      <a:noFill/>
+                      <a:prstDash val="solid"/>
+                      <a:round/>
+                      <a:headEnd type="none" w="med" len="med"/>
+                      <a:tailEnd type="none" w="med" len="med"/>
+                    </a:lnL>
+                    <a:lnR w="12700" cap="flat" cmpd="sng" algn="ctr">
+                      <a:noFill/>
+                      <a:prstDash val="solid"/>
+                      <a:round/>
+                      <a:headEnd type="none" w="med" len="med"/>
+                      <a:tailEnd type="none" w="med" len="med"/>
+                    </a:lnR>
+                    <a:lnT w="12700" cap="flat" cmpd="sng" algn="ctr">
+                      <a:solidFill>
+                        <a:schemeClr val="tx1"/>
+                      </a:solidFill>
+                      <a:prstDash val="solid"/>
+                      <a:round/>
+                      <a:headEnd type="none" w="med" len="med"/>
+                      <a:tailEnd type="none" w="med" len="med"/>
+                    </a:lnT>
+                    <a:lnB w="12700" cap="flat" cmpd="sng" algn="ctr">
+                      <a:solidFill>
+                        <a:schemeClr val="tx1"/>
+                      </a:solidFill>
+                      <a:prstDash val="solid"/>
+                      <a:round/>
+                      <a:headEnd type="none" w="med" len="med"/>
+                      <a:tailEnd type="none" w="med" len="med"/>
+                    </a:lnB>
+                    <a:lnTlToBr w="12700" cmpd="sng">
+                      <a:noFill/>
+                      <a:prstDash val="solid"/>
+                    </a:lnTlToBr>
+                    <a:lnBlToTr w="12700" cmpd="sng">
+                      <a:noFill/>
+                      <a:prstDash val="solid"/>
+                    </a:lnBlToTr>
+                    <a:noFill/>
+                  </a:tcPr>
+                </a:tc>
+                <a:tc>
+                  <a:txBody>
+                    <a:bodyPr/>
+                    <a:lstStyle/>
+                    <a:p>
+                      <a:pPr marL="0" marR="0" lvl="0" indent="0" algn="ctr" defTabSz="914400" rtl="0" eaLnBrk="1" fontAlgn="auto" latinLnBrk="0" hangingPunct="1">
+                        <a:lnSpc>
+                          <a:spcPct val="100000"/>
+                        </a:lnSpc>
+                        <a:spcBef>
+                          <a:spcPts val="0"/>
+                        </a:spcBef>
+                        <a:spcAft>
+                          <a:spcPts val="0"/>
+                        </a:spcAft>
+                        <a:buClrTx/>
+                        <a:buSzTx/>
+                        <a:buFontTx/>
+                        <a:buNone/>
+                        <a:tabLst/>
+                        <a:defRPr/>
+                      </a:pPr>
+                      <a:r>
+                        <a:rPr lang="en-US" sz="1400" b="0" kern="1200" dirty="0">
+                          <a:solidFill>
+                            <a:schemeClr val="dk1"/>
+                          </a:solidFill>
+                          <a:effectLst/>
+                          <a:latin typeface="TeX Gyre Bonum" panose="00000500000000000000" pitchFamily="50" charset="0"/>
+                          <a:ea typeface="CMU Sans Serif" panose="02000603000000000000" pitchFamily="2" charset="0"/>
+                          <a:cs typeface="CMU Sans Serif" panose="02000603000000000000" pitchFamily="2" charset="0"/>
+                        </a:rPr>
+                        <a:t>0.6307</a:t>
+                      </a:r>
+                      <a:endParaRPr lang="en-ID" sz="1400" b="0" kern="1200" dirty="0">
+                        <a:solidFill>
+                          <a:schemeClr val="dk1"/>
+                        </a:solidFill>
+                        <a:effectLst/>
+                        <a:latin typeface="TeX Gyre Bonum" panose="00000500000000000000" pitchFamily="50" charset="0"/>
+                        <a:ea typeface="CMU Sans Serif" panose="02000603000000000000" pitchFamily="2" charset="0"/>
+                        <a:cs typeface="CMU Sans Serif" panose="02000603000000000000" pitchFamily="2" charset="0"/>
+                      </a:endParaRPr>
+                    </a:p>
+                  </a:txBody>
+                  <a:tcPr>
+                    <a:lnL w="12700" cap="flat" cmpd="sng" algn="ctr">
+                      <a:noFill/>
+                      <a:prstDash val="solid"/>
+                      <a:round/>
+                      <a:headEnd type="none" w="med" len="med"/>
+                      <a:tailEnd type="none" w="med" len="med"/>
+                    </a:lnL>
+                    <a:lnR w="12700" cap="flat" cmpd="sng" algn="ctr">
+                      <a:noFill/>
+                      <a:prstDash val="solid"/>
+                      <a:round/>
+                      <a:headEnd type="none" w="med" len="med"/>
+                      <a:tailEnd type="none" w="med" len="med"/>
+                    </a:lnR>
+                    <a:lnT w="12700" cap="flat" cmpd="sng" algn="ctr">
+                      <a:solidFill>
+                        <a:schemeClr val="tx1"/>
+                      </a:solidFill>
+                      <a:prstDash val="solid"/>
+                      <a:round/>
+                      <a:headEnd type="none" w="med" len="med"/>
+                      <a:tailEnd type="none" w="med" len="med"/>
+                    </a:lnT>
+                    <a:lnB w="12700" cap="flat" cmpd="sng" algn="ctr">
+                      <a:solidFill>
+                        <a:schemeClr val="tx1"/>
+                      </a:solidFill>
+                      <a:prstDash val="solid"/>
+                      <a:round/>
+                      <a:headEnd type="none" w="med" len="med"/>
+                      <a:tailEnd type="none" w="med" len="med"/>
+                    </a:lnB>
+                    <a:lnTlToBr w="12700" cmpd="sng">
+                      <a:noFill/>
+                      <a:prstDash val="solid"/>
+                    </a:lnTlToBr>
+                    <a:lnBlToTr w="12700" cmpd="sng">
+                      <a:noFill/>
+                      <a:prstDash val="solid"/>
+                    </a:lnBlToTr>
+                    <a:noFill/>
+                  </a:tcPr>
+                </a:tc>
+                <a:tc>
+                  <a:txBody>
+                    <a:bodyPr/>
+                    <a:lstStyle/>
+                    <a:p>
+                      <a:pPr marL="0" marR="0" lvl="0" indent="0" algn="ctr" defTabSz="914400" rtl="0" eaLnBrk="1" fontAlgn="auto" latinLnBrk="0" hangingPunct="1">
+                        <a:lnSpc>
+                          <a:spcPct val="100000"/>
+                        </a:lnSpc>
+                        <a:spcBef>
+                          <a:spcPts val="0"/>
+                        </a:spcBef>
+                        <a:spcAft>
+                          <a:spcPts val="0"/>
+                        </a:spcAft>
+                        <a:buClrTx/>
+                        <a:buSzTx/>
+                        <a:buFontTx/>
+                        <a:buNone/>
+                        <a:tabLst/>
+                        <a:defRPr/>
+                      </a:pPr>
+                      <a:r>
+                        <a:rPr lang="en-US" sz="1400" b="0" kern="1200" dirty="0">
+                          <a:solidFill>
+                            <a:schemeClr val="dk1"/>
+                          </a:solidFill>
+                          <a:effectLst/>
+                          <a:latin typeface="TeX Gyre Bonum" panose="00000500000000000000" pitchFamily="50" charset="0"/>
+                          <a:ea typeface="CMU Sans Serif" panose="02000603000000000000" pitchFamily="2" charset="0"/>
+                          <a:cs typeface="CMU Sans Serif" panose="02000603000000000000" pitchFamily="2" charset="0"/>
+                        </a:rPr>
+                        <a:t>0.6612</a:t>
+                      </a:r>
+                      <a:endParaRPr lang="en-ID" sz="1400" b="0" kern="1200" dirty="0">
+                        <a:solidFill>
+                          <a:schemeClr val="dk1"/>
+                        </a:solidFill>
+                        <a:effectLst/>
+                        <a:latin typeface="TeX Gyre Bonum" panose="00000500000000000000" pitchFamily="50" charset="0"/>
+                        <a:ea typeface="CMU Sans Serif" panose="02000603000000000000" pitchFamily="2" charset="0"/>
+                        <a:cs typeface="CMU Sans Serif" panose="02000603000000000000" pitchFamily="2" charset="0"/>
+                      </a:endParaRPr>
+                    </a:p>
+                  </a:txBody>
+                  <a:tcPr>
+                    <a:lnL w="12700" cap="flat" cmpd="sng" algn="ctr">
+                      <a:noFill/>
+                      <a:prstDash val="solid"/>
+                      <a:round/>
+                      <a:headEnd type="none" w="med" len="med"/>
+                      <a:tailEnd type="none" w="med" len="med"/>
+                    </a:lnL>
+                    <a:lnR w="12700" cap="flat" cmpd="sng" algn="ctr">
+                      <a:noFill/>
+                      <a:prstDash val="solid"/>
+                      <a:round/>
+                      <a:headEnd type="none" w="med" len="med"/>
+                      <a:tailEnd type="none" w="med" len="med"/>
+                    </a:lnR>
+                    <a:lnT w="12700" cap="flat" cmpd="sng" algn="ctr">
+                      <a:solidFill>
+                        <a:schemeClr val="tx1"/>
+                      </a:solidFill>
+                      <a:prstDash val="solid"/>
+                      <a:round/>
+                      <a:headEnd type="none" w="med" len="med"/>
+                      <a:tailEnd type="none" w="med" len="med"/>
+                    </a:lnT>
+                    <a:lnB w="12700" cap="flat" cmpd="sng" algn="ctr">
+                      <a:solidFill>
+                        <a:schemeClr val="tx1"/>
+                      </a:solidFill>
+                      <a:prstDash val="solid"/>
+                      <a:round/>
+                      <a:headEnd type="none" w="med" len="med"/>
+                      <a:tailEnd type="none" w="med" len="med"/>
+                    </a:lnB>
+                    <a:lnTlToBr w="12700" cmpd="sng">
+                      <a:noFill/>
+                      <a:prstDash val="solid"/>
+                    </a:lnTlToBr>
+                    <a:lnBlToTr w="12700" cmpd="sng">
+                      <a:noFill/>
+                      <a:prstDash val="solid"/>
+                    </a:lnBlToTr>
+                    <a:noFill/>
+                  </a:tcPr>
+                </a:tc>
+                <a:extLst>
+                  <a:ext uri="{0D108BD9-81ED-4DB2-BD59-A6C34878D82A}">
+                    <a16:rowId xmlns:a16="http://schemas.microsoft.com/office/drawing/2014/main" val="3362170562"/>
+                  </a:ext>
+                </a:extLst>
+              </a:tr>
+            </a:tbl>
+          </a:graphicData>
+        </a:graphic>
+      </p:graphicFrame>
+      <p:sp>
+        <p:nvSpPr>
+          <p:cNvPr id="7" name="TextBox 6">
+            <a:extLst>
+              <a:ext uri="{FF2B5EF4-FFF2-40B4-BE49-F238E27FC236}">
+                <a16:creationId xmlns:a16="http://schemas.microsoft.com/office/drawing/2014/main" id="{38FCE7A4-4365-8648-61A6-E0F5AB59F3CB}"/>
+              </a:ext>
+            </a:extLst>
+          </p:cNvPr>
+          <p:cNvSpPr txBox="1"/>
+          <p:nvPr/>
+        </p:nvSpPr>
+        <p:spPr>
+          <a:xfrm>
+            <a:off x="1852089" y="192646"/>
+            <a:ext cx="2458494" cy="369332"/>
+          </a:xfrm>
+          <a:prstGeom prst="rect">
+            <a:avLst/>
+          </a:prstGeom>
+          <a:noFill/>
+        </p:spPr>
+        <p:txBody>
+          <a:bodyPr wrap="none" rtlCol="0">
+            <a:spAutoFit/>
+          </a:bodyPr>
+          <a:lstStyle/>
+          <a:p>
+            <a:r>
+              <a:rPr lang="en-US" dirty="0">
+                <a:latin typeface="TeX Gyre Bonum" panose="00000500000000000000" pitchFamily="50" charset="0"/>
+                <a:ea typeface="CMU Sans Serif" panose="02000603000000000000" pitchFamily="2" charset="0"/>
+                <a:cs typeface="CMU Sans Serif" panose="02000603000000000000" pitchFamily="2" charset="0"/>
+              </a:rPr>
+              <a:t>(a) Validation Result</a:t>
+            </a:r>
+            <a:endParaRPr lang="en-ID" dirty="0">
+              <a:latin typeface="TeX Gyre Bonum" panose="00000500000000000000" pitchFamily="50" charset="0"/>
+              <a:ea typeface="CMU Sans Serif" panose="02000603000000000000" pitchFamily="2" charset="0"/>
+              <a:cs typeface="CMU Sans Serif" panose="02000603000000000000" pitchFamily="2" charset="0"/>
+            </a:endParaRPr>
+          </a:p>
+        </p:txBody>
+      </p:sp>
+      <p:pic>
+        <p:nvPicPr>
+          <p:cNvPr id="8" name="Picture 7">
+            <a:extLst>
+              <a:ext uri="{FF2B5EF4-FFF2-40B4-BE49-F238E27FC236}">
+                <a16:creationId xmlns:a16="http://schemas.microsoft.com/office/drawing/2014/main" id="{3FA101E1-33D0-296F-9597-97B54FAF8B54}"/>
+              </a:ext>
+            </a:extLst>
+          </p:cNvPr>
+          <p:cNvPicPr>
+            <a:picLocks noChangeAspect="1"/>
+          </p:cNvPicPr>
+          <p:nvPr/>
+        </p:nvPicPr>
+        <p:blipFill>
+          <a:blip r:embed="rId3"/>
+          <a:stretch>
+            <a:fillRect/>
+          </a:stretch>
+        </p:blipFill>
+        <p:spPr>
+          <a:xfrm>
+            <a:off x="6168693" y="561978"/>
+            <a:ext cx="5465667" cy="2867021"/>
+          </a:xfrm>
+          <a:prstGeom prst="rect">
+            <a:avLst/>
+          </a:prstGeom>
+        </p:spPr>
+      </p:pic>
+      <p:sp>
+        <p:nvSpPr>
+          <p:cNvPr id="9" name="TextBox 8">
+            <a:extLst>
+              <a:ext uri="{FF2B5EF4-FFF2-40B4-BE49-F238E27FC236}">
+                <a16:creationId xmlns:a16="http://schemas.microsoft.com/office/drawing/2014/main" id="{DDAA370D-BA34-79C4-3C91-AAD20A039205}"/>
+              </a:ext>
+            </a:extLst>
+          </p:cNvPr>
+          <p:cNvSpPr txBox="1"/>
+          <p:nvPr/>
+        </p:nvSpPr>
+        <p:spPr>
+          <a:xfrm>
+            <a:off x="8011257" y="194792"/>
+            <a:ext cx="2136354" cy="369332"/>
+          </a:xfrm>
+          <a:prstGeom prst="rect">
+            <a:avLst/>
+          </a:prstGeom>
+          <a:noFill/>
+        </p:spPr>
+        <p:txBody>
+          <a:bodyPr wrap="none" rtlCol="0">
+            <a:spAutoFit/>
+          </a:bodyPr>
+          <a:lstStyle/>
+          <a:p>
+            <a:r>
+              <a:rPr lang="en-US" dirty="0">
+                <a:latin typeface="TeX Gyre Bonum" panose="00000500000000000000" pitchFamily="50" charset="0"/>
+                <a:ea typeface="CMU Sans Serif" panose="02000603000000000000" pitchFamily="2" charset="0"/>
+                <a:cs typeface="CMU Sans Serif" panose="02000603000000000000" pitchFamily="2" charset="0"/>
+              </a:rPr>
+              <a:t>(b) ROC and AUC</a:t>
+            </a:r>
+            <a:endParaRPr lang="en-ID" dirty="0">
+              <a:latin typeface="TeX Gyre Bonum" panose="00000500000000000000" pitchFamily="50" charset="0"/>
+              <a:ea typeface="CMU Sans Serif" panose="02000603000000000000" pitchFamily="2" charset="0"/>
+              <a:cs typeface="CMU Sans Serif" panose="02000603000000000000" pitchFamily="2" charset="0"/>
+            </a:endParaRPr>
+          </a:p>
+        </p:txBody>
+      </p:sp>
+    </p:spTree>
+    <p:extLst>
+      <p:ext uri="{BB962C8B-B14F-4D97-AF65-F5344CB8AC3E}">
+        <p14:creationId xmlns:p14="http://schemas.microsoft.com/office/powerpoint/2010/main" val="3458743690"/>
       </p:ext>
     </p:extLst>
   </p:cSld>

--- a/docs/figures.pptx
+++ b/docs/figures.pptx
@@ -16,6 +16,7 @@
     <p:sldId id="261" r:id="rId10"/>
     <p:sldId id="259" r:id="rId11"/>
     <p:sldId id="264" r:id="rId12"/>
+    <p:sldId id="267" r:id="rId13"/>
   </p:sldIdLst>
   <p:sldSz cx="12192000" cy="6858000"/>
   <p:notesSz cx="6858000" cy="9144000"/>
@@ -4607,10 +4608,10 @@
       </p:grpSpPr>
       <p:grpSp>
         <p:nvGrpSpPr>
-          <p:cNvPr id="18" name="Group 17">
+          <p:cNvPr id="1029" name="Group 1028">
             <a:extLst>
               <a:ext uri="{FF2B5EF4-FFF2-40B4-BE49-F238E27FC236}">
-                <a16:creationId xmlns:a16="http://schemas.microsoft.com/office/drawing/2014/main" id="{A9BDB105-2E78-C389-F0A0-6154E81B262E}"/>
+                <a16:creationId xmlns:a16="http://schemas.microsoft.com/office/drawing/2014/main" id="{ED437B33-E5DA-2E2E-4D4F-B9C0E83E3CAE}"/>
               </a:ext>
             </a:extLst>
           </p:cNvPr>
@@ -4619,18 +4620,1988 @@
         </p:nvGrpSpPr>
         <p:grpSpPr>
           <a:xfrm>
-            <a:off x="-134725" y="363894"/>
-            <a:ext cx="12461450" cy="2048357"/>
-            <a:chOff x="1" y="-195"/>
-            <a:chExt cx="12461450" cy="2048357"/>
+            <a:off x="-134725" y="0"/>
+            <a:ext cx="12461450" cy="5562010"/>
+            <a:chOff x="-134725" y="0"/>
+            <a:chExt cx="12461450" cy="5562010"/>
+          </a:xfrm>
+        </p:grpSpPr>
+        <p:grpSp>
+          <p:nvGrpSpPr>
+            <p:cNvPr id="18" name="Group 17">
+              <a:extLst>
+                <a:ext uri="{FF2B5EF4-FFF2-40B4-BE49-F238E27FC236}">
+                  <a16:creationId xmlns:a16="http://schemas.microsoft.com/office/drawing/2014/main" id="{A9BDB105-2E78-C389-F0A0-6154E81B262E}"/>
+                </a:ext>
+              </a:extLst>
+            </p:cNvPr>
+            <p:cNvGrpSpPr/>
+            <p:nvPr/>
+          </p:nvGrpSpPr>
+          <p:grpSpPr>
+            <a:xfrm>
+              <a:off x="-134725" y="363894"/>
+              <a:ext cx="12461450" cy="2048357"/>
+              <a:chOff x="1" y="-195"/>
+              <a:chExt cx="12461450" cy="2048357"/>
+            </a:xfrm>
+          </p:grpSpPr>
+          <p:pic>
+            <p:nvPicPr>
+              <p:cNvPr id="7" name="Picture 6">
+                <a:extLst>
+                  <a:ext uri="{FF2B5EF4-FFF2-40B4-BE49-F238E27FC236}">
+                    <a16:creationId xmlns:a16="http://schemas.microsoft.com/office/drawing/2014/main" id="{ECD81947-FB9A-BC82-C564-D7962ADE5A05}"/>
+                  </a:ext>
+                </a:extLst>
+              </p:cNvPr>
+              <p:cNvPicPr>
+                <a:picLocks noChangeAspect="1"/>
+              </p:cNvPicPr>
+              <p:nvPr/>
+            </p:nvPicPr>
+            <p:blipFill>
+              <a:blip r:embed="rId2"/>
+              <a:stretch>
+                <a:fillRect/>
+              </a:stretch>
+            </p:blipFill>
+            <p:spPr>
+              <a:xfrm>
+                <a:off x="1" y="0"/>
+                <a:ext cx="2024345" cy="2038635"/>
+              </a:xfrm>
+              <a:prstGeom prst="rect">
+                <a:avLst/>
+              </a:prstGeom>
+            </p:spPr>
+          </p:pic>
+          <p:pic>
+            <p:nvPicPr>
+              <p:cNvPr id="9" name="Picture 8">
+                <a:extLst>
+                  <a:ext uri="{FF2B5EF4-FFF2-40B4-BE49-F238E27FC236}">
+                    <a16:creationId xmlns:a16="http://schemas.microsoft.com/office/drawing/2014/main" id="{02CE7C11-CAD3-9D3D-8194-562E7B11DD59}"/>
+                  </a:ext>
+                </a:extLst>
+              </p:cNvPr>
+              <p:cNvPicPr>
+                <a:picLocks noChangeAspect="1"/>
+              </p:cNvPicPr>
+              <p:nvPr/>
+            </p:nvPicPr>
+            <p:blipFill>
+              <a:blip r:embed="rId3"/>
+              <a:stretch>
+                <a:fillRect/>
+              </a:stretch>
+            </p:blipFill>
+            <p:spPr>
+              <a:xfrm>
+                <a:off x="2094090" y="1"/>
+                <a:ext cx="2005293" cy="2048161"/>
+              </a:xfrm>
+              <a:prstGeom prst="rect">
+                <a:avLst/>
+              </a:prstGeom>
+            </p:spPr>
+          </p:pic>
+          <p:pic>
+            <p:nvPicPr>
+              <p:cNvPr id="11" name="Picture 10">
+                <a:extLst>
+                  <a:ext uri="{FF2B5EF4-FFF2-40B4-BE49-F238E27FC236}">
+                    <a16:creationId xmlns:a16="http://schemas.microsoft.com/office/drawing/2014/main" id="{4B8C3A53-8D4B-534C-E48C-130F04799972}"/>
+                  </a:ext>
+                </a:extLst>
+              </p:cNvPr>
+              <p:cNvPicPr>
+                <a:picLocks noChangeAspect="1"/>
+              </p:cNvPicPr>
+              <p:nvPr/>
+            </p:nvPicPr>
+            <p:blipFill>
+              <a:blip r:embed="rId4"/>
+              <a:stretch>
+                <a:fillRect/>
+              </a:stretch>
+            </p:blipFill>
+            <p:spPr>
+              <a:xfrm>
+                <a:off x="4169127" y="-195"/>
+                <a:ext cx="2038635" cy="2048161"/>
+              </a:xfrm>
+              <a:prstGeom prst="rect">
+                <a:avLst/>
+              </a:prstGeom>
+            </p:spPr>
+          </p:pic>
+          <p:pic>
+            <p:nvPicPr>
+              <p:cNvPr id="13" name="Picture 12">
+                <a:extLst>
+                  <a:ext uri="{FF2B5EF4-FFF2-40B4-BE49-F238E27FC236}">
+                    <a16:creationId xmlns:a16="http://schemas.microsoft.com/office/drawing/2014/main" id="{4A73532E-334B-70C9-2E58-A3B8683C65F4}"/>
+                  </a:ext>
+                </a:extLst>
+              </p:cNvPr>
+              <p:cNvPicPr>
+                <a:picLocks noChangeAspect="1"/>
+              </p:cNvPicPr>
+              <p:nvPr/>
+            </p:nvPicPr>
+            <p:blipFill>
+              <a:blip r:embed="rId5"/>
+              <a:stretch>
+                <a:fillRect/>
+              </a:stretch>
+            </p:blipFill>
+            <p:spPr>
+              <a:xfrm>
+                <a:off x="6277506" y="-195"/>
+                <a:ext cx="2019582" cy="2033872"/>
+              </a:xfrm>
+              <a:prstGeom prst="rect">
+                <a:avLst/>
+              </a:prstGeom>
+            </p:spPr>
+          </p:pic>
+          <p:pic>
+            <p:nvPicPr>
+              <p:cNvPr id="15" name="Picture 14">
+                <a:extLst>
+                  <a:ext uri="{FF2B5EF4-FFF2-40B4-BE49-F238E27FC236}">
+                    <a16:creationId xmlns:a16="http://schemas.microsoft.com/office/drawing/2014/main" id="{FFDEB743-E210-D71A-C40F-7027AB5DD93B}"/>
+                  </a:ext>
+                </a:extLst>
+              </p:cNvPr>
+              <p:cNvPicPr>
+                <a:picLocks noChangeAspect="1"/>
+              </p:cNvPicPr>
+              <p:nvPr/>
+            </p:nvPicPr>
+            <p:blipFill>
+              <a:blip r:embed="rId6"/>
+              <a:stretch>
+                <a:fillRect/>
+              </a:stretch>
+            </p:blipFill>
+            <p:spPr>
+              <a:xfrm>
+                <a:off x="8352543" y="0"/>
+                <a:ext cx="2029108" cy="2048161"/>
+              </a:xfrm>
+              <a:prstGeom prst="rect">
+                <a:avLst/>
+              </a:prstGeom>
+            </p:spPr>
+          </p:pic>
+          <p:pic>
+            <p:nvPicPr>
+              <p:cNvPr id="17" name="Picture 16">
+                <a:extLst>
+                  <a:ext uri="{FF2B5EF4-FFF2-40B4-BE49-F238E27FC236}">
+                    <a16:creationId xmlns:a16="http://schemas.microsoft.com/office/drawing/2014/main" id="{24A74B7C-D629-CDF7-1814-F018518FDE0C}"/>
+                  </a:ext>
+                </a:extLst>
+              </p:cNvPr>
+              <p:cNvPicPr>
+                <a:picLocks noChangeAspect="1"/>
+              </p:cNvPicPr>
+              <p:nvPr/>
+            </p:nvPicPr>
+            <p:blipFill>
+              <a:blip r:embed="rId7"/>
+              <a:stretch>
+                <a:fillRect/>
+              </a:stretch>
+            </p:blipFill>
+            <p:spPr>
+              <a:xfrm>
+                <a:off x="10437106" y="9331"/>
+                <a:ext cx="2024345" cy="2038635"/>
+              </a:xfrm>
+              <a:prstGeom prst="rect">
+                <a:avLst/>
+              </a:prstGeom>
+            </p:spPr>
+          </p:pic>
+        </p:grpSp>
+        <p:sp>
+          <p:nvSpPr>
+            <p:cNvPr id="19" name="TextBox 18">
+              <a:extLst>
+                <a:ext uri="{FF2B5EF4-FFF2-40B4-BE49-F238E27FC236}">
+                  <a16:creationId xmlns:a16="http://schemas.microsoft.com/office/drawing/2014/main" id="{5F592CA2-A724-EA44-934C-F698F836D28F}"/>
+                </a:ext>
+              </a:extLst>
+            </p:cNvPr>
+            <p:cNvSpPr txBox="1"/>
+            <p:nvPr/>
+          </p:nvSpPr>
+          <p:spPr>
+            <a:xfrm>
+              <a:off x="5523120" y="0"/>
+              <a:ext cx="1099832" cy="307777"/>
+            </a:xfrm>
+            <a:prstGeom prst="rect">
+              <a:avLst/>
+            </a:prstGeom>
+            <a:solidFill>
+              <a:schemeClr val="bg1"/>
+            </a:solidFill>
+            <a:ln w="19050">
+              <a:noFill/>
+            </a:ln>
+          </p:spPr>
+          <p:txBody>
+            <a:bodyPr wrap="square" rtlCol="0">
+              <a:spAutoFit/>
+            </a:bodyPr>
+            <a:lstStyle/>
+            <a:p>
+              <a:pPr algn="ctr"/>
+              <a:r>
+                <a:rPr lang="en-US" sz="1400" dirty="0">
+                  <a:latin typeface="TeX Gyre Bonum" panose="00000500000000000000" pitchFamily="50" charset="0"/>
+                </a:rPr>
+                <a:t>(a) VGG19</a:t>
+              </a:r>
+              <a:endParaRPr lang="en-ID" sz="1400" dirty="0">
+                <a:latin typeface="TeX Gyre Bonum" panose="00000500000000000000" pitchFamily="50" charset="0"/>
+              </a:endParaRPr>
+            </a:p>
+          </p:txBody>
+        </p:sp>
+        <p:grpSp>
+          <p:nvGrpSpPr>
+            <p:cNvPr id="24" name="Group 23">
+              <a:extLst>
+                <a:ext uri="{FF2B5EF4-FFF2-40B4-BE49-F238E27FC236}">
+                  <a16:creationId xmlns:a16="http://schemas.microsoft.com/office/drawing/2014/main" id="{B50A38C0-6D30-1A83-6D35-81E616804EF7}"/>
+                </a:ext>
+              </a:extLst>
+            </p:cNvPr>
+            <p:cNvGrpSpPr/>
+            <p:nvPr/>
+          </p:nvGrpSpPr>
+          <p:grpSpPr>
+            <a:xfrm>
+              <a:off x="-134725" y="2799000"/>
+              <a:ext cx="12461450" cy="2451954"/>
+              <a:chOff x="-120657" y="2477457"/>
+              <a:chExt cx="12433314" cy="2451954"/>
+            </a:xfrm>
+          </p:grpSpPr>
+          <p:grpSp>
+            <p:nvGrpSpPr>
+              <p:cNvPr id="22" name="Group 21">
+                <a:extLst>
+                  <a:ext uri="{FF2B5EF4-FFF2-40B4-BE49-F238E27FC236}">
+                    <a16:creationId xmlns:a16="http://schemas.microsoft.com/office/drawing/2014/main" id="{575E5D06-4CEA-5597-7279-0D4E595577CD}"/>
+                  </a:ext>
+                </a:extLst>
+              </p:cNvPr>
+              <p:cNvGrpSpPr/>
+              <p:nvPr/>
+            </p:nvGrpSpPr>
+            <p:grpSpPr>
+              <a:xfrm>
+                <a:off x="-120657" y="2866960"/>
+                <a:ext cx="12433314" cy="2062451"/>
+                <a:chOff x="-135168" y="2663760"/>
+                <a:chExt cx="12433314" cy="2062451"/>
+              </a:xfrm>
+            </p:grpSpPr>
+            <p:pic>
+              <p:nvPicPr>
+                <p:cNvPr id="3" name="Picture 2">
+                  <a:extLst>
+                    <a:ext uri="{FF2B5EF4-FFF2-40B4-BE49-F238E27FC236}">
+                      <a16:creationId xmlns:a16="http://schemas.microsoft.com/office/drawing/2014/main" id="{04F908B7-3349-8F68-4457-8734C0F66FCB}"/>
+                    </a:ext>
+                  </a:extLst>
+                </p:cNvPr>
+                <p:cNvPicPr>
+                  <a:picLocks noChangeAspect="1"/>
+                </p:cNvPicPr>
+                <p:nvPr/>
+              </p:nvPicPr>
+              <p:blipFill>
+                <a:blip r:embed="rId8"/>
+                <a:stretch>
+                  <a:fillRect/>
+                </a:stretch>
+              </p:blipFill>
+              <p:spPr>
+                <a:xfrm>
+                  <a:off x="-135168" y="2697103"/>
+                  <a:ext cx="2052924" cy="2029108"/>
+                </a:xfrm>
+                <a:prstGeom prst="rect">
+                  <a:avLst/>
+                </a:prstGeom>
+              </p:spPr>
+            </p:pic>
+            <p:pic>
+              <p:nvPicPr>
+                <p:cNvPr id="5" name="Picture 4">
+                  <a:extLst>
+                    <a:ext uri="{FF2B5EF4-FFF2-40B4-BE49-F238E27FC236}">
+                      <a16:creationId xmlns:a16="http://schemas.microsoft.com/office/drawing/2014/main" id="{CDB24DE2-036A-3272-AC75-B43C4C25906D}"/>
+                    </a:ext>
+                  </a:extLst>
+                </p:cNvPr>
+                <p:cNvPicPr>
+                  <a:picLocks noChangeAspect="1"/>
+                </p:cNvPicPr>
+                <p:nvPr/>
+              </p:nvPicPr>
+              <p:blipFill>
+                <a:blip r:embed="rId9"/>
+                <a:stretch>
+                  <a:fillRect/>
+                </a:stretch>
+              </p:blipFill>
+              <p:spPr>
+                <a:xfrm>
+                  <a:off x="1935548" y="2682813"/>
+                  <a:ext cx="2052924" cy="2043398"/>
+                </a:xfrm>
+                <a:prstGeom prst="rect">
+                  <a:avLst/>
+                </a:prstGeom>
+              </p:spPr>
+            </p:pic>
+            <p:pic>
+              <p:nvPicPr>
+                <p:cNvPr id="8" name="Picture 7">
+                  <a:extLst>
+                    <a:ext uri="{FF2B5EF4-FFF2-40B4-BE49-F238E27FC236}">
+                      <a16:creationId xmlns:a16="http://schemas.microsoft.com/office/drawing/2014/main" id="{C696B0AE-B675-23D3-3220-1AE850BC6743}"/>
+                    </a:ext>
+                  </a:extLst>
+                </p:cNvPr>
+                <p:cNvPicPr>
+                  <a:picLocks noChangeAspect="1"/>
+                </p:cNvPicPr>
+                <p:nvPr/>
+              </p:nvPicPr>
+              <p:blipFill>
+                <a:blip r:embed="rId10"/>
+                <a:stretch>
+                  <a:fillRect/>
+                </a:stretch>
+              </p:blipFill>
+              <p:spPr>
+                <a:xfrm>
+                  <a:off x="6141542" y="2663760"/>
+                  <a:ext cx="2014819" cy="2043398"/>
+                </a:xfrm>
+                <a:prstGeom prst="rect">
+                  <a:avLst/>
+                </a:prstGeom>
+              </p:spPr>
+            </p:pic>
+            <p:pic>
+              <p:nvPicPr>
+                <p:cNvPr id="12" name="Picture 11">
+                  <a:extLst>
+                    <a:ext uri="{FF2B5EF4-FFF2-40B4-BE49-F238E27FC236}">
+                      <a16:creationId xmlns:a16="http://schemas.microsoft.com/office/drawing/2014/main" id="{3934A20F-C5D1-103D-E30E-087D046CE3D6}"/>
+                    </a:ext>
+                  </a:extLst>
+                </p:cNvPr>
+                <p:cNvPicPr>
+                  <a:picLocks noChangeAspect="1"/>
+                </p:cNvPicPr>
+                <p:nvPr/>
+              </p:nvPicPr>
+              <p:blipFill>
+                <a:blip r:embed="rId11"/>
+                <a:stretch>
+                  <a:fillRect/>
+                </a:stretch>
+              </p:blipFill>
+              <p:spPr>
+                <a:xfrm>
+                  <a:off x="4034401" y="2663760"/>
+                  <a:ext cx="2029108" cy="2062451"/>
+                </a:xfrm>
+                <a:prstGeom prst="rect">
+                  <a:avLst/>
+                </a:prstGeom>
+              </p:spPr>
+            </p:pic>
+            <p:pic>
+              <p:nvPicPr>
+                <p:cNvPr id="16" name="Picture 15">
+                  <a:extLst>
+                    <a:ext uri="{FF2B5EF4-FFF2-40B4-BE49-F238E27FC236}">
+                      <a16:creationId xmlns:a16="http://schemas.microsoft.com/office/drawing/2014/main" id="{7B8DE175-48F3-683B-EC4B-0F5E9595891D}"/>
+                    </a:ext>
+                  </a:extLst>
+                </p:cNvPr>
+                <p:cNvPicPr>
+                  <a:picLocks noChangeAspect="1"/>
+                </p:cNvPicPr>
+                <p:nvPr/>
+              </p:nvPicPr>
+              <p:blipFill>
+                <a:blip r:embed="rId12"/>
+                <a:stretch>
+                  <a:fillRect/>
+                </a:stretch>
+              </p:blipFill>
+              <p:spPr>
+                <a:xfrm>
+                  <a:off x="8217817" y="2663760"/>
+                  <a:ext cx="2029108" cy="2038635"/>
+                </a:xfrm>
+                <a:prstGeom prst="rect">
+                  <a:avLst/>
+                </a:prstGeom>
+              </p:spPr>
+            </p:pic>
+            <p:pic>
+              <p:nvPicPr>
+                <p:cNvPr id="21" name="Picture 20">
+                  <a:extLst>
+                    <a:ext uri="{FF2B5EF4-FFF2-40B4-BE49-F238E27FC236}">
+                      <a16:creationId xmlns:a16="http://schemas.microsoft.com/office/drawing/2014/main" id="{57A8A9B0-B306-9692-370C-D89ED7CBBA08}"/>
+                    </a:ext>
+                  </a:extLst>
+                </p:cNvPr>
+                <p:cNvPicPr>
+                  <a:picLocks noChangeAspect="1"/>
+                </p:cNvPicPr>
+                <p:nvPr/>
+              </p:nvPicPr>
+              <p:blipFill>
+                <a:blip r:embed="rId13"/>
+                <a:stretch>
+                  <a:fillRect/>
+                </a:stretch>
+              </p:blipFill>
+              <p:spPr>
+                <a:xfrm>
+                  <a:off x="10302380" y="2668523"/>
+                  <a:ext cx="1995766" cy="2052924"/>
+                </a:xfrm>
+                <a:prstGeom prst="rect">
+                  <a:avLst/>
+                </a:prstGeom>
+              </p:spPr>
+            </p:pic>
+          </p:grpSp>
+          <p:sp>
+            <p:nvSpPr>
+              <p:cNvPr id="23" name="TextBox 22">
+                <a:extLst>
+                  <a:ext uri="{FF2B5EF4-FFF2-40B4-BE49-F238E27FC236}">
+                    <a16:creationId xmlns:a16="http://schemas.microsoft.com/office/drawing/2014/main" id="{A7B90D69-C472-3EA5-2AE2-63B913FE0BDE}"/>
+                  </a:ext>
+                </a:extLst>
+              </p:cNvPr>
+              <p:cNvSpPr txBox="1"/>
+              <p:nvPr/>
+            </p:nvSpPr>
+            <p:spPr>
+              <a:xfrm>
+                <a:off x="5523120" y="2477457"/>
+                <a:ext cx="1605813" cy="307777"/>
+              </a:xfrm>
+              <a:prstGeom prst="rect">
+                <a:avLst/>
+              </a:prstGeom>
+              <a:solidFill>
+                <a:schemeClr val="bg1"/>
+              </a:solidFill>
+              <a:ln w="19050">
+                <a:noFill/>
+              </a:ln>
+            </p:spPr>
+            <p:txBody>
+              <a:bodyPr wrap="square" rtlCol="0">
+                <a:spAutoFit/>
+              </a:bodyPr>
+              <a:lstStyle/>
+              <a:p>
+                <a:pPr algn="ctr"/>
+                <a:r>
+                  <a:rPr lang="en-US" sz="1400" dirty="0">
+                    <a:latin typeface="TeX Gyre Bonum" panose="00000500000000000000" pitchFamily="50" charset="0"/>
+                  </a:rPr>
+                  <a:t>(b) ResNet152v2</a:t>
+                </a:r>
+                <a:endParaRPr lang="en-ID" sz="1400" dirty="0">
+                  <a:latin typeface="TeX Gyre Bonum" panose="00000500000000000000" pitchFamily="50" charset="0"/>
+                </a:endParaRPr>
+              </a:p>
+            </p:txBody>
+          </p:sp>
+        </p:grpSp>
+        <p:grpSp>
+          <p:nvGrpSpPr>
+            <p:cNvPr id="26" name="Group 25">
+              <a:extLst>
+                <a:ext uri="{FF2B5EF4-FFF2-40B4-BE49-F238E27FC236}">
+                  <a16:creationId xmlns:a16="http://schemas.microsoft.com/office/drawing/2014/main" id="{9BD066DA-1A27-6F13-90D7-D891424F6BEB}"/>
+                </a:ext>
+              </a:extLst>
+            </p:cNvPr>
+            <p:cNvGrpSpPr/>
+            <p:nvPr/>
+          </p:nvGrpSpPr>
+          <p:grpSpPr>
+            <a:xfrm>
+              <a:off x="320679" y="2370680"/>
+              <a:ext cx="1113536" cy="339318"/>
+              <a:chOff x="-134725" y="2402222"/>
+              <a:chExt cx="1113536" cy="339318"/>
+            </a:xfrm>
+          </p:grpSpPr>
+          <p:pic>
+            <p:nvPicPr>
+              <p:cNvPr id="1028" name="Picture 4" descr="Check Mark Clipart Png - Powerpoint Check Mark Symbols, Transparent Png -  kindpng">
+                <a:extLst>
+                  <a:ext uri="{FF2B5EF4-FFF2-40B4-BE49-F238E27FC236}">
+                    <a16:creationId xmlns:a16="http://schemas.microsoft.com/office/drawing/2014/main" id="{770B7964-9EC4-D0D8-F7EB-EFBE9E280CAB}"/>
+                  </a:ext>
+                </a:extLst>
+              </p:cNvPr>
+              <p:cNvPicPr>
+                <a:picLocks noChangeAspect="1" noChangeArrowheads="1"/>
+              </p:cNvPicPr>
+              <p:nvPr/>
+            </p:nvPicPr>
+            <p:blipFill>
+              <a:blip r:embed="rId14">
+                <a:extLst>
+                  <a:ext uri="{BEBA8EAE-BF5A-486C-A8C5-ECC9F3942E4B}">
+                    <a14:imgProps xmlns:a14="http://schemas.microsoft.com/office/drawing/2010/main">
+                      <a14:imgLayer r:embed="rId15">
+                        <a14:imgEffect>
+                          <a14:backgroundRemoval t="10000" b="90000" l="10000" r="90000"/>
+                        </a14:imgEffect>
+                      </a14:imgLayer>
+                    </a14:imgProps>
+                  </a:ext>
+                  <a:ext uri="{28A0092B-C50C-407E-A947-70E740481C1C}">
+                    <a14:useLocalDpi xmlns:a14="http://schemas.microsoft.com/office/drawing/2010/main" val="0"/>
+                  </a:ext>
+                </a:extLst>
+              </a:blip>
+              <a:srcRect/>
+              <a:stretch>
+                <a:fillRect/>
+              </a:stretch>
+            </p:blipFill>
+            <p:spPr bwMode="auto">
+              <a:xfrm>
+                <a:off x="-134725" y="2402222"/>
+                <a:ext cx="476819" cy="339318"/>
+              </a:xfrm>
+              <a:prstGeom prst="rect">
+                <a:avLst/>
+              </a:prstGeom>
+              <a:noFill/>
+              <a:extLst>
+                <a:ext uri="{909E8E84-426E-40DD-AFC4-6F175D3DCCD1}">
+                  <a14:hiddenFill xmlns:a14="http://schemas.microsoft.com/office/drawing/2010/main">
+                    <a:solidFill>
+                      <a:srgbClr val="FFFFFF"/>
+                    </a:solidFill>
+                  </a14:hiddenFill>
+                </a:ext>
+              </a:extLst>
+            </p:spPr>
+          </p:pic>
+          <p:sp>
+            <p:nvSpPr>
+              <p:cNvPr id="25" name="TextBox 24">
+                <a:extLst>
+                  <a:ext uri="{FF2B5EF4-FFF2-40B4-BE49-F238E27FC236}">
+                    <a16:creationId xmlns:a16="http://schemas.microsoft.com/office/drawing/2014/main" id="{934B14B4-789E-CAE5-0F52-D7C905A6925A}"/>
+                  </a:ext>
+                </a:extLst>
+              </p:cNvPr>
+              <p:cNvSpPr txBox="1"/>
+              <p:nvPr/>
+            </p:nvSpPr>
+            <p:spPr>
+              <a:xfrm>
+                <a:off x="143646" y="2417992"/>
+                <a:ext cx="835165" cy="307777"/>
+              </a:xfrm>
+              <a:prstGeom prst="rect">
+                <a:avLst/>
+              </a:prstGeom>
+              <a:noFill/>
+            </p:spPr>
+            <p:txBody>
+              <a:bodyPr wrap="none" rtlCol="0">
+                <a:spAutoFit/>
+              </a:bodyPr>
+              <a:lstStyle/>
+              <a:p>
+                <a:r>
+                  <a:rPr lang="en-US" sz="1400" dirty="0">
+                    <a:latin typeface="TeX Gyre Bonum" panose="00000500000000000000" pitchFamily="50" charset="0"/>
+                  </a:rPr>
+                  <a:t>Correct</a:t>
+                </a:r>
+                <a:endParaRPr lang="en-ID" sz="1400" dirty="0">
+                  <a:latin typeface="TeX Gyre Bonum" panose="00000500000000000000" pitchFamily="50" charset="0"/>
+                </a:endParaRPr>
+              </a:p>
+            </p:txBody>
+          </p:sp>
+        </p:grpSp>
+        <p:grpSp>
+          <p:nvGrpSpPr>
+            <p:cNvPr id="30" name="Group 29">
+              <a:extLst>
+                <a:ext uri="{FF2B5EF4-FFF2-40B4-BE49-F238E27FC236}">
+                  <a16:creationId xmlns:a16="http://schemas.microsoft.com/office/drawing/2014/main" id="{E3368CEB-A3C9-14B8-7B2D-5405748FB249}"/>
+                </a:ext>
+              </a:extLst>
+            </p:cNvPr>
+            <p:cNvGrpSpPr/>
+            <p:nvPr/>
+          </p:nvGrpSpPr>
+          <p:grpSpPr>
+            <a:xfrm>
+              <a:off x="2405242" y="2354909"/>
+              <a:ext cx="1113536" cy="339318"/>
+              <a:chOff x="-134725" y="2402222"/>
+              <a:chExt cx="1113536" cy="339318"/>
+            </a:xfrm>
+          </p:grpSpPr>
+          <p:pic>
+            <p:nvPicPr>
+              <p:cNvPr id="31" name="Picture 4" descr="Check Mark Clipart Png - Powerpoint Check Mark Symbols, Transparent Png -  kindpng">
+                <a:extLst>
+                  <a:ext uri="{FF2B5EF4-FFF2-40B4-BE49-F238E27FC236}">
+                    <a16:creationId xmlns:a16="http://schemas.microsoft.com/office/drawing/2014/main" id="{F72D2B26-D817-7E67-CFBD-267D349980C5}"/>
+                  </a:ext>
+                </a:extLst>
+              </p:cNvPr>
+              <p:cNvPicPr>
+                <a:picLocks noChangeAspect="1" noChangeArrowheads="1"/>
+              </p:cNvPicPr>
+              <p:nvPr/>
+            </p:nvPicPr>
+            <p:blipFill>
+              <a:blip r:embed="rId14">
+                <a:extLst>
+                  <a:ext uri="{BEBA8EAE-BF5A-486C-A8C5-ECC9F3942E4B}">
+                    <a14:imgProps xmlns:a14="http://schemas.microsoft.com/office/drawing/2010/main">
+                      <a14:imgLayer r:embed="rId15">
+                        <a14:imgEffect>
+                          <a14:backgroundRemoval t="10000" b="90000" l="10000" r="90000"/>
+                        </a14:imgEffect>
+                      </a14:imgLayer>
+                    </a14:imgProps>
+                  </a:ext>
+                  <a:ext uri="{28A0092B-C50C-407E-A947-70E740481C1C}">
+                    <a14:useLocalDpi xmlns:a14="http://schemas.microsoft.com/office/drawing/2010/main" val="0"/>
+                  </a:ext>
+                </a:extLst>
+              </a:blip>
+              <a:srcRect/>
+              <a:stretch>
+                <a:fillRect/>
+              </a:stretch>
+            </p:blipFill>
+            <p:spPr bwMode="auto">
+              <a:xfrm>
+                <a:off x="-134725" y="2402222"/>
+                <a:ext cx="476819" cy="339318"/>
+              </a:xfrm>
+              <a:prstGeom prst="rect">
+                <a:avLst/>
+              </a:prstGeom>
+              <a:noFill/>
+              <a:extLst>
+                <a:ext uri="{909E8E84-426E-40DD-AFC4-6F175D3DCCD1}">
+                  <a14:hiddenFill xmlns:a14="http://schemas.microsoft.com/office/drawing/2010/main">
+                    <a:solidFill>
+                      <a:srgbClr val="FFFFFF"/>
+                    </a:solidFill>
+                  </a14:hiddenFill>
+                </a:ext>
+              </a:extLst>
+            </p:spPr>
+          </p:pic>
+          <p:sp>
+            <p:nvSpPr>
+              <p:cNvPr id="32" name="TextBox 31">
+                <a:extLst>
+                  <a:ext uri="{FF2B5EF4-FFF2-40B4-BE49-F238E27FC236}">
+                    <a16:creationId xmlns:a16="http://schemas.microsoft.com/office/drawing/2014/main" id="{3315FB48-B026-FE1F-E7CC-FB65530F150A}"/>
+                  </a:ext>
+                </a:extLst>
+              </p:cNvPr>
+              <p:cNvSpPr txBox="1"/>
+              <p:nvPr/>
+            </p:nvSpPr>
+            <p:spPr>
+              <a:xfrm>
+                <a:off x="143646" y="2417992"/>
+                <a:ext cx="835165" cy="307777"/>
+              </a:xfrm>
+              <a:prstGeom prst="rect">
+                <a:avLst/>
+              </a:prstGeom>
+              <a:noFill/>
+            </p:spPr>
+            <p:txBody>
+              <a:bodyPr wrap="none" rtlCol="0">
+                <a:spAutoFit/>
+              </a:bodyPr>
+              <a:lstStyle/>
+              <a:p>
+                <a:r>
+                  <a:rPr lang="en-US" sz="1400" dirty="0">
+                    <a:latin typeface="TeX Gyre Bonum" panose="00000500000000000000" pitchFamily="50" charset="0"/>
+                  </a:rPr>
+                  <a:t>Correct</a:t>
+                </a:r>
+                <a:endParaRPr lang="en-ID" sz="1400" dirty="0">
+                  <a:latin typeface="TeX Gyre Bonum" panose="00000500000000000000" pitchFamily="50" charset="0"/>
+                </a:endParaRPr>
+              </a:p>
+            </p:txBody>
+          </p:sp>
+        </p:grpSp>
+        <p:grpSp>
+          <p:nvGrpSpPr>
+            <p:cNvPr id="36" name="Group 35">
+              <a:extLst>
+                <a:ext uri="{FF2B5EF4-FFF2-40B4-BE49-F238E27FC236}">
+                  <a16:creationId xmlns:a16="http://schemas.microsoft.com/office/drawing/2014/main" id="{BCF1BCBB-AF7C-13A1-816F-D1864C8F8691}"/>
+                </a:ext>
+              </a:extLst>
+            </p:cNvPr>
+            <p:cNvGrpSpPr/>
+            <p:nvPr/>
+          </p:nvGrpSpPr>
+          <p:grpSpPr>
+            <a:xfrm>
+              <a:off x="6524995" y="2348078"/>
+              <a:ext cx="1113536" cy="339318"/>
+              <a:chOff x="-134725" y="2402222"/>
+              <a:chExt cx="1113536" cy="339318"/>
+            </a:xfrm>
+          </p:grpSpPr>
+          <p:pic>
+            <p:nvPicPr>
+              <p:cNvPr id="37" name="Picture 4" descr="Check Mark Clipart Png - Powerpoint Check Mark Symbols, Transparent Png -  kindpng">
+                <a:extLst>
+                  <a:ext uri="{FF2B5EF4-FFF2-40B4-BE49-F238E27FC236}">
+                    <a16:creationId xmlns:a16="http://schemas.microsoft.com/office/drawing/2014/main" id="{7D667084-8C6D-92FD-E5BB-B4E8DE1D1E94}"/>
+                  </a:ext>
+                </a:extLst>
+              </p:cNvPr>
+              <p:cNvPicPr>
+                <a:picLocks noChangeAspect="1" noChangeArrowheads="1"/>
+              </p:cNvPicPr>
+              <p:nvPr/>
+            </p:nvPicPr>
+            <p:blipFill>
+              <a:blip r:embed="rId14">
+                <a:extLst>
+                  <a:ext uri="{BEBA8EAE-BF5A-486C-A8C5-ECC9F3942E4B}">
+                    <a14:imgProps xmlns:a14="http://schemas.microsoft.com/office/drawing/2010/main">
+                      <a14:imgLayer r:embed="rId15">
+                        <a14:imgEffect>
+                          <a14:backgroundRemoval t="10000" b="90000" l="10000" r="90000"/>
+                        </a14:imgEffect>
+                      </a14:imgLayer>
+                    </a14:imgProps>
+                  </a:ext>
+                  <a:ext uri="{28A0092B-C50C-407E-A947-70E740481C1C}">
+                    <a14:useLocalDpi xmlns:a14="http://schemas.microsoft.com/office/drawing/2010/main" val="0"/>
+                  </a:ext>
+                </a:extLst>
+              </a:blip>
+              <a:srcRect/>
+              <a:stretch>
+                <a:fillRect/>
+              </a:stretch>
+            </p:blipFill>
+            <p:spPr bwMode="auto">
+              <a:xfrm>
+                <a:off x="-134725" y="2402222"/>
+                <a:ext cx="476819" cy="339318"/>
+              </a:xfrm>
+              <a:prstGeom prst="rect">
+                <a:avLst/>
+              </a:prstGeom>
+              <a:noFill/>
+              <a:extLst>
+                <a:ext uri="{909E8E84-426E-40DD-AFC4-6F175D3DCCD1}">
+                  <a14:hiddenFill xmlns:a14="http://schemas.microsoft.com/office/drawing/2010/main">
+                    <a:solidFill>
+                      <a:srgbClr val="FFFFFF"/>
+                    </a:solidFill>
+                  </a14:hiddenFill>
+                </a:ext>
+              </a:extLst>
+            </p:spPr>
+          </p:pic>
+          <p:sp>
+            <p:nvSpPr>
+              <p:cNvPr id="38" name="TextBox 37">
+                <a:extLst>
+                  <a:ext uri="{FF2B5EF4-FFF2-40B4-BE49-F238E27FC236}">
+                    <a16:creationId xmlns:a16="http://schemas.microsoft.com/office/drawing/2014/main" id="{7C75CA4E-5D53-E1C6-4D38-AB6FAE4FD922}"/>
+                  </a:ext>
+                </a:extLst>
+              </p:cNvPr>
+              <p:cNvSpPr txBox="1"/>
+              <p:nvPr/>
+            </p:nvSpPr>
+            <p:spPr>
+              <a:xfrm>
+                <a:off x="143646" y="2417992"/>
+                <a:ext cx="835165" cy="307777"/>
+              </a:xfrm>
+              <a:prstGeom prst="rect">
+                <a:avLst/>
+              </a:prstGeom>
+              <a:noFill/>
+            </p:spPr>
+            <p:txBody>
+              <a:bodyPr wrap="none" rtlCol="0">
+                <a:spAutoFit/>
+              </a:bodyPr>
+              <a:lstStyle/>
+              <a:p>
+                <a:r>
+                  <a:rPr lang="en-US" sz="1400" dirty="0">
+                    <a:latin typeface="TeX Gyre Bonum" panose="00000500000000000000" pitchFamily="50" charset="0"/>
+                  </a:rPr>
+                  <a:t>Correct</a:t>
+                </a:r>
+                <a:endParaRPr lang="en-ID" sz="1400" dirty="0">
+                  <a:latin typeface="TeX Gyre Bonum" panose="00000500000000000000" pitchFamily="50" charset="0"/>
+                </a:endParaRPr>
+              </a:p>
+            </p:txBody>
+          </p:sp>
+        </p:grpSp>
+        <p:grpSp>
+          <p:nvGrpSpPr>
+            <p:cNvPr id="39" name="Group 38">
+              <a:extLst>
+                <a:ext uri="{FF2B5EF4-FFF2-40B4-BE49-F238E27FC236}">
+                  <a16:creationId xmlns:a16="http://schemas.microsoft.com/office/drawing/2014/main" id="{8D8F7486-63AD-4A38-E43E-F17D8885F23B}"/>
+                </a:ext>
+              </a:extLst>
+            </p:cNvPr>
+            <p:cNvGrpSpPr/>
+            <p:nvPr/>
+          </p:nvGrpSpPr>
+          <p:grpSpPr>
+            <a:xfrm>
+              <a:off x="8736894" y="2332307"/>
+              <a:ext cx="1113536" cy="339318"/>
+              <a:chOff x="-134725" y="2402222"/>
+              <a:chExt cx="1113536" cy="339318"/>
+            </a:xfrm>
+          </p:grpSpPr>
+          <p:pic>
+            <p:nvPicPr>
+              <p:cNvPr id="40" name="Picture 4" descr="Check Mark Clipart Png - Powerpoint Check Mark Symbols, Transparent Png -  kindpng">
+                <a:extLst>
+                  <a:ext uri="{FF2B5EF4-FFF2-40B4-BE49-F238E27FC236}">
+                    <a16:creationId xmlns:a16="http://schemas.microsoft.com/office/drawing/2014/main" id="{AB1F6211-3F1E-51A5-5FA7-F20E4E0EFA05}"/>
+                  </a:ext>
+                </a:extLst>
+              </p:cNvPr>
+              <p:cNvPicPr>
+                <a:picLocks noChangeAspect="1" noChangeArrowheads="1"/>
+              </p:cNvPicPr>
+              <p:nvPr/>
+            </p:nvPicPr>
+            <p:blipFill>
+              <a:blip r:embed="rId14">
+                <a:extLst>
+                  <a:ext uri="{BEBA8EAE-BF5A-486C-A8C5-ECC9F3942E4B}">
+                    <a14:imgProps xmlns:a14="http://schemas.microsoft.com/office/drawing/2010/main">
+                      <a14:imgLayer r:embed="rId15">
+                        <a14:imgEffect>
+                          <a14:backgroundRemoval t="10000" b="90000" l="10000" r="90000"/>
+                        </a14:imgEffect>
+                      </a14:imgLayer>
+                    </a14:imgProps>
+                  </a:ext>
+                  <a:ext uri="{28A0092B-C50C-407E-A947-70E740481C1C}">
+                    <a14:useLocalDpi xmlns:a14="http://schemas.microsoft.com/office/drawing/2010/main" val="0"/>
+                  </a:ext>
+                </a:extLst>
+              </a:blip>
+              <a:srcRect/>
+              <a:stretch>
+                <a:fillRect/>
+              </a:stretch>
+            </p:blipFill>
+            <p:spPr bwMode="auto">
+              <a:xfrm>
+                <a:off x="-134725" y="2402222"/>
+                <a:ext cx="476819" cy="339318"/>
+              </a:xfrm>
+              <a:prstGeom prst="rect">
+                <a:avLst/>
+              </a:prstGeom>
+              <a:noFill/>
+              <a:extLst>
+                <a:ext uri="{909E8E84-426E-40DD-AFC4-6F175D3DCCD1}">
+                  <a14:hiddenFill xmlns:a14="http://schemas.microsoft.com/office/drawing/2010/main">
+                    <a:solidFill>
+                      <a:srgbClr val="FFFFFF"/>
+                    </a:solidFill>
+                  </a14:hiddenFill>
+                </a:ext>
+              </a:extLst>
+            </p:spPr>
+          </p:pic>
+          <p:sp>
+            <p:nvSpPr>
+              <p:cNvPr id="41" name="TextBox 40">
+                <a:extLst>
+                  <a:ext uri="{FF2B5EF4-FFF2-40B4-BE49-F238E27FC236}">
+                    <a16:creationId xmlns:a16="http://schemas.microsoft.com/office/drawing/2014/main" id="{B39DBC35-2197-05BD-FB94-07250AD56F28}"/>
+                  </a:ext>
+                </a:extLst>
+              </p:cNvPr>
+              <p:cNvSpPr txBox="1"/>
+              <p:nvPr/>
+            </p:nvSpPr>
+            <p:spPr>
+              <a:xfrm>
+                <a:off x="143646" y="2417992"/>
+                <a:ext cx="835165" cy="307777"/>
+              </a:xfrm>
+              <a:prstGeom prst="rect">
+                <a:avLst/>
+              </a:prstGeom>
+              <a:noFill/>
+            </p:spPr>
+            <p:txBody>
+              <a:bodyPr wrap="none" rtlCol="0">
+                <a:spAutoFit/>
+              </a:bodyPr>
+              <a:lstStyle/>
+              <a:p>
+                <a:r>
+                  <a:rPr lang="en-US" sz="1400" dirty="0">
+                    <a:latin typeface="TeX Gyre Bonum" panose="00000500000000000000" pitchFamily="50" charset="0"/>
+                  </a:rPr>
+                  <a:t>Correct</a:t>
+                </a:r>
+                <a:endParaRPr lang="en-ID" sz="1400" dirty="0">
+                  <a:latin typeface="TeX Gyre Bonum" panose="00000500000000000000" pitchFamily="50" charset="0"/>
+                </a:endParaRPr>
+              </a:p>
+            </p:txBody>
+          </p:sp>
+        </p:grpSp>
+        <p:grpSp>
+          <p:nvGrpSpPr>
+            <p:cNvPr id="42" name="Group 41">
+              <a:extLst>
+                <a:ext uri="{FF2B5EF4-FFF2-40B4-BE49-F238E27FC236}">
+                  <a16:creationId xmlns:a16="http://schemas.microsoft.com/office/drawing/2014/main" id="{63CB3203-4934-8025-EBE0-FC67E923AB27}"/>
+                </a:ext>
+              </a:extLst>
+            </p:cNvPr>
+            <p:cNvGrpSpPr/>
+            <p:nvPr/>
+          </p:nvGrpSpPr>
+          <p:grpSpPr>
+            <a:xfrm>
+              <a:off x="10757785" y="2332306"/>
+              <a:ext cx="1113536" cy="339318"/>
+              <a:chOff x="-134725" y="2402222"/>
+              <a:chExt cx="1113536" cy="339318"/>
+            </a:xfrm>
+          </p:grpSpPr>
+          <p:pic>
+            <p:nvPicPr>
+              <p:cNvPr id="43" name="Picture 4" descr="Check Mark Clipart Png - Powerpoint Check Mark Symbols, Transparent Png -  kindpng">
+                <a:extLst>
+                  <a:ext uri="{FF2B5EF4-FFF2-40B4-BE49-F238E27FC236}">
+                    <a16:creationId xmlns:a16="http://schemas.microsoft.com/office/drawing/2014/main" id="{B608EF1A-70C9-B6C3-2776-20740B0B11D8}"/>
+                  </a:ext>
+                </a:extLst>
+              </p:cNvPr>
+              <p:cNvPicPr>
+                <a:picLocks noChangeAspect="1" noChangeArrowheads="1"/>
+              </p:cNvPicPr>
+              <p:nvPr/>
+            </p:nvPicPr>
+            <p:blipFill>
+              <a:blip r:embed="rId14">
+                <a:extLst>
+                  <a:ext uri="{BEBA8EAE-BF5A-486C-A8C5-ECC9F3942E4B}">
+                    <a14:imgProps xmlns:a14="http://schemas.microsoft.com/office/drawing/2010/main">
+                      <a14:imgLayer r:embed="rId15">
+                        <a14:imgEffect>
+                          <a14:backgroundRemoval t="10000" b="90000" l="10000" r="90000"/>
+                        </a14:imgEffect>
+                      </a14:imgLayer>
+                    </a14:imgProps>
+                  </a:ext>
+                  <a:ext uri="{28A0092B-C50C-407E-A947-70E740481C1C}">
+                    <a14:useLocalDpi xmlns:a14="http://schemas.microsoft.com/office/drawing/2010/main" val="0"/>
+                  </a:ext>
+                </a:extLst>
+              </a:blip>
+              <a:srcRect/>
+              <a:stretch>
+                <a:fillRect/>
+              </a:stretch>
+            </p:blipFill>
+            <p:spPr bwMode="auto">
+              <a:xfrm>
+                <a:off x="-134725" y="2402222"/>
+                <a:ext cx="476819" cy="339318"/>
+              </a:xfrm>
+              <a:prstGeom prst="rect">
+                <a:avLst/>
+              </a:prstGeom>
+              <a:noFill/>
+              <a:extLst>
+                <a:ext uri="{909E8E84-426E-40DD-AFC4-6F175D3DCCD1}">
+                  <a14:hiddenFill xmlns:a14="http://schemas.microsoft.com/office/drawing/2010/main">
+                    <a:solidFill>
+                      <a:srgbClr val="FFFFFF"/>
+                    </a:solidFill>
+                  </a14:hiddenFill>
+                </a:ext>
+              </a:extLst>
+            </p:spPr>
+          </p:pic>
+          <p:sp>
+            <p:nvSpPr>
+              <p:cNvPr id="44" name="TextBox 43">
+                <a:extLst>
+                  <a:ext uri="{FF2B5EF4-FFF2-40B4-BE49-F238E27FC236}">
+                    <a16:creationId xmlns:a16="http://schemas.microsoft.com/office/drawing/2014/main" id="{C9509787-98BC-D95A-555B-B4C9EE740441}"/>
+                  </a:ext>
+                </a:extLst>
+              </p:cNvPr>
+              <p:cNvSpPr txBox="1"/>
+              <p:nvPr/>
+            </p:nvSpPr>
+            <p:spPr>
+              <a:xfrm>
+                <a:off x="143646" y="2417992"/>
+                <a:ext cx="835165" cy="307777"/>
+              </a:xfrm>
+              <a:prstGeom prst="rect">
+                <a:avLst/>
+              </a:prstGeom>
+              <a:noFill/>
+            </p:spPr>
+            <p:txBody>
+              <a:bodyPr wrap="none" rtlCol="0">
+                <a:spAutoFit/>
+              </a:bodyPr>
+              <a:lstStyle/>
+              <a:p>
+                <a:r>
+                  <a:rPr lang="en-US" sz="1400" dirty="0">
+                    <a:latin typeface="TeX Gyre Bonum" panose="00000500000000000000" pitchFamily="50" charset="0"/>
+                  </a:rPr>
+                  <a:t>Correct</a:t>
+                </a:r>
+                <a:endParaRPr lang="en-ID" sz="1400" dirty="0">
+                  <a:latin typeface="TeX Gyre Bonum" panose="00000500000000000000" pitchFamily="50" charset="0"/>
+                </a:endParaRPr>
+              </a:p>
+            </p:txBody>
+          </p:sp>
+        </p:grpSp>
+        <p:grpSp>
+          <p:nvGrpSpPr>
+            <p:cNvPr id="45" name="Group 44">
+              <a:extLst>
+                <a:ext uri="{FF2B5EF4-FFF2-40B4-BE49-F238E27FC236}">
+                  <a16:creationId xmlns:a16="http://schemas.microsoft.com/office/drawing/2014/main" id="{DFBB87FB-FD3D-81BD-A64F-957D961A2B34}"/>
+                </a:ext>
+              </a:extLst>
+            </p:cNvPr>
+            <p:cNvGrpSpPr/>
+            <p:nvPr/>
+          </p:nvGrpSpPr>
+          <p:grpSpPr>
+            <a:xfrm>
+              <a:off x="4524178" y="2349000"/>
+              <a:ext cx="961099" cy="364549"/>
+              <a:chOff x="4524178" y="2349000"/>
+              <a:chExt cx="961099" cy="364549"/>
+            </a:xfrm>
+          </p:grpSpPr>
+          <p:sp>
+            <p:nvSpPr>
+              <p:cNvPr id="35" name="TextBox 34">
+                <a:extLst>
+                  <a:ext uri="{FF2B5EF4-FFF2-40B4-BE49-F238E27FC236}">
+                    <a16:creationId xmlns:a16="http://schemas.microsoft.com/office/drawing/2014/main" id="{1194A25D-0D9C-580C-CB3B-293FEDE51829}"/>
+                  </a:ext>
+                </a:extLst>
+              </p:cNvPr>
+              <p:cNvSpPr txBox="1"/>
+              <p:nvPr/>
+            </p:nvSpPr>
+            <p:spPr>
+              <a:xfrm>
+                <a:off x="4738534" y="2361615"/>
+                <a:ext cx="746743" cy="307777"/>
+              </a:xfrm>
+              <a:prstGeom prst="rect">
+                <a:avLst/>
+              </a:prstGeom>
+              <a:noFill/>
+            </p:spPr>
+            <p:txBody>
+              <a:bodyPr wrap="none" rtlCol="0">
+                <a:spAutoFit/>
+              </a:bodyPr>
+              <a:lstStyle/>
+              <a:p>
+                <a:r>
+                  <a:rPr lang="en-US" sz="1400" dirty="0">
+                    <a:latin typeface="TeX Gyre Bonum" panose="00000500000000000000" pitchFamily="50" charset="0"/>
+                  </a:rPr>
+                  <a:t>Wrong</a:t>
+                </a:r>
+                <a:endParaRPr lang="en-ID" sz="1400" dirty="0">
+                  <a:latin typeface="TeX Gyre Bonum" panose="00000500000000000000" pitchFamily="50" charset="0"/>
+                </a:endParaRPr>
+              </a:p>
+            </p:txBody>
+          </p:sp>
+          <p:pic>
+            <p:nvPicPr>
+              <p:cNvPr id="1030" name="Picture 6" descr="Cross Mark Images – Browse 108,812 Stock Photos, Vectors, and Video | Adobe  Stock">
+                <a:extLst>
+                  <a:ext uri="{FF2B5EF4-FFF2-40B4-BE49-F238E27FC236}">
+                    <a16:creationId xmlns:a16="http://schemas.microsoft.com/office/drawing/2014/main" id="{05EF2C95-DCAD-8089-1ADF-5664DF412943}"/>
+                  </a:ext>
+                </a:extLst>
+              </p:cNvPr>
+              <p:cNvPicPr>
+                <a:picLocks noChangeAspect="1" noChangeArrowheads="1"/>
+              </p:cNvPicPr>
+              <p:nvPr/>
+            </p:nvPicPr>
+            <p:blipFill>
+              <a:blip r:embed="rId16">
+                <a:extLst>
+                  <a:ext uri="{BEBA8EAE-BF5A-486C-A8C5-ECC9F3942E4B}">
+                    <a14:imgProps xmlns:a14="http://schemas.microsoft.com/office/drawing/2010/main">
+                      <a14:imgLayer r:embed="rId17">
+                        <a14:imgEffect>
+                          <a14:backgroundRemoval t="10000" b="90000" l="10000" r="90000"/>
+                        </a14:imgEffect>
+                      </a14:imgLayer>
+                    </a14:imgProps>
+                  </a:ext>
+                  <a:ext uri="{28A0092B-C50C-407E-A947-70E740481C1C}">
+                    <a14:useLocalDpi xmlns:a14="http://schemas.microsoft.com/office/drawing/2010/main" val="0"/>
+                  </a:ext>
+                </a:extLst>
+              </a:blip>
+              <a:srcRect/>
+              <a:stretch>
+                <a:fillRect/>
+              </a:stretch>
+            </p:blipFill>
+            <p:spPr bwMode="auto">
+              <a:xfrm>
+                <a:off x="4524178" y="2349000"/>
+                <a:ext cx="364549" cy="364549"/>
+              </a:xfrm>
+              <a:prstGeom prst="rect">
+                <a:avLst/>
+              </a:prstGeom>
+              <a:noFill/>
+              <a:extLst>
+                <a:ext uri="{909E8E84-426E-40DD-AFC4-6F175D3DCCD1}">
+                  <a14:hiddenFill xmlns:a14="http://schemas.microsoft.com/office/drawing/2010/main">
+                    <a:solidFill>
+                      <a:srgbClr val="FFFFFF"/>
+                    </a:solidFill>
+                  </a14:hiddenFill>
+                </a:ext>
+              </a:extLst>
+            </p:spPr>
+          </p:pic>
+        </p:grpSp>
+        <p:grpSp>
+          <p:nvGrpSpPr>
+            <p:cNvPr id="46" name="Group 45">
+              <a:extLst>
+                <a:ext uri="{FF2B5EF4-FFF2-40B4-BE49-F238E27FC236}">
+                  <a16:creationId xmlns:a16="http://schemas.microsoft.com/office/drawing/2014/main" id="{800A3D11-4544-7EBD-005C-B340239AE994}"/>
+                </a:ext>
+              </a:extLst>
+            </p:cNvPr>
+            <p:cNvGrpSpPr/>
+            <p:nvPr/>
+          </p:nvGrpSpPr>
+          <p:grpSpPr>
+            <a:xfrm>
+              <a:off x="459864" y="5222692"/>
+              <a:ext cx="1113536" cy="339318"/>
+              <a:chOff x="-134725" y="2402222"/>
+              <a:chExt cx="1113536" cy="339318"/>
+            </a:xfrm>
+          </p:grpSpPr>
+          <p:pic>
+            <p:nvPicPr>
+              <p:cNvPr id="47" name="Picture 4" descr="Check Mark Clipart Png - Powerpoint Check Mark Symbols, Transparent Png -  kindpng">
+                <a:extLst>
+                  <a:ext uri="{FF2B5EF4-FFF2-40B4-BE49-F238E27FC236}">
+                    <a16:creationId xmlns:a16="http://schemas.microsoft.com/office/drawing/2014/main" id="{E7AA6E2A-79C5-2368-ACF5-23B820AE1B49}"/>
+                  </a:ext>
+                </a:extLst>
+              </p:cNvPr>
+              <p:cNvPicPr>
+                <a:picLocks noChangeAspect="1" noChangeArrowheads="1"/>
+              </p:cNvPicPr>
+              <p:nvPr/>
+            </p:nvPicPr>
+            <p:blipFill>
+              <a:blip r:embed="rId14">
+                <a:extLst>
+                  <a:ext uri="{BEBA8EAE-BF5A-486C-A8C5-ECC9F3942E4B}">
+                    <a14:imgProps xmlns:a14="http://schemas.microsoft.com/office/drawing/2010/main">
+                      <a14:imgLayer r:embed="rId15">
+                        <a14:imgEffect>
+                          <a14:backgroundRemoval t="10000" b="90000" l="10000" r="90000"/>
+                        </a14:imgEffect>
+                      </a14:imgLayer>
+                    </a14:imgProps>
+                  </a:ext>
+                  <a:ext uri="{28A0092B-C50C-407E-A947-70E740481C1C}">
+                    <a14:useLocalDpi xmlns:a14="http://schemas.microsoft.com/office/drawing/2010/main" val="0"/>
+                  </a:ext>
+                </a:extLst>
+              </a:blip>
+              <a:srcRect/>
+              <a:stretch>
+                <a:fillRect/>
+              </a:stretch>
+            </p:blipFill>
+            <p:spPr bwMode="auto">
+              <a:xfrm>
+                <a:off x="-134725" y="2402222"/>
+                <a:ext cx="476819" cy="339318"/>
+              </a:xfrm>
+              <a:prstGeom prst="rect">
+                <a:avLst/>
+              </a:prstGeom>
+              <a:noFill/>
+              <a:extLst>
+                <a:ext uri="{909E8E84-426E-40DD-AFC4-6F175D3DCCD1}">
+                  <a14:hiddenFill xmlns:a14="http://schemas.microsoft.com/office/drawing/2010/main">
+                    <a:solidFill>
+                      <a:srgbClr val="FFFFFF"/>
+                    </a:solidFill>
+                  </a14:hiddenFill>
+                </a:ext>
+              </a:extLst>
+            </p:spPr>
+          </p:pic>
+          <p:sp>
+            <p:nvSpPr>
+              <p:cNvPr id="48" name="TextBox 47">
+                <a:extLst>
+                  <a:ext uri="{FF2B5EF4-FFF2-40B4-BE49-F238E27FC236}">
+                    <a16:creationId xmlns:a16="http://schemas.microsoft.com/office/drawing/2014/main" id="{9FA7C95C-61D2-5AD0-52CD-6D8348C282EB}"/>
+                  </a:ext>
+                </a:extLst>
+              </p:cNvPr>
+              <p:cNvSpPr txBox="1"/>
+              <p:nvPr/>
+            </p:nvSpPr>
+            <p:spPr>
+              <a:xfrm>
+                <a:off x="143646" y="2417992"/>
+                <a:ext cx="835165" cy="307777"/>
+              </a:xfrm>
+              <a:prstGeom prst="rect">
+                <a:avLst/>
+              </a:prstGeom>
+              <a:noFill/>
+            </p:spPr>
+            <p:txBody>
+              <a:bodyPr wrap="none" rtlCol="0">
+                <a:spAutoFit/>
+              </a:bodyPr>
+              <a:lstStyle/>
+              <a:p>
+                <a:r>
+                  <a:rPr lang="en-US" sz="1400" dirty="0">
+                    <a:latin typeface="TeX Gyre Bonum" panose="00000500000000000000" pitchFamily="50" charset="0"/>
+                  </a:rPr>
+                  <a:t>Correct</a:t>
+                </a:r>
+                <a:endParaRPr lang="en-ID" sz="1400" dirty="0">
+                  <a:latin typeface="TeX Gyre Bonum" panose="00000500000000000000" pitchFamily="50" charset="0"/>
+                </a:endParaRPr>
+              </a:p>
+            </p:txBody>
+          </p:sp>
+        </p:grpSp>
+        <p:grpSp>
+          <p:nvGrpSpPr>
+            <p:cNvPr id="49" name="Group 48">
+              <a:extLst>
+                <a:ext uri="{FF2B5EF4-FFF2-40B4-BE49-F238E27FC236}">
+                  <a16:creationId xmlns:a16="http://schemas.microsoft.com/office/drawing/2014/main" id="{E7B52733-E7FC-5947-2394-4CD0A85D5096}"/>
+                </a:ext>
+              </a:extLst>
+            </p:cNvPr>
+            <p:cNvGrpSpPr/>
+            <p:nvPr/>
+          </p:nvGrpSpPr>
+          <p:grpSpPr>
+            <a:xfrm>
+              <a:off x="4496950" y="5196544"/>
+              <a:ext cx="1113536" cy="339318"/>
+              <a:chOff x="-134725" y="2402222"/>
+              <a:chExt cx="1113536" cy="339318"/>
+            </a:xfrm>
+          </p:grpSpPr>
+          <p:pic>
+            <p:nvPicPr>
+              <p:cNvPr id="50" name="Picture 4" descr="Check Mark Clipart Png - Powerpoint Check Mark Symbols, Transparent Png -  kindpng">
+                <a:extLst>
+                  <a:ext uri="{FF2B5EF4-FFF2-40B4-BE49-F238E27FC236}">
+                    <a16:creationId xmlns:a16="http://schemas.microsoft.com/office/drawing/2014/main" id="{C47EE0D5-D2B4-6FCC-6682-93751F0CDAE4}"/>
+                  </a:ext>
+                </a:extLst>
+              </p:cNvPr>
+              <p:cNvPicPr>
+                <a:picLocks noChangeAspect="1" noChangeArrowheads="1"/>
+              </p:cNvPicPr>
+              <p:nvPr/>
+            </p:nvPicPr>
+            <p:blipFill>
+              <a:blip r:embed="rId14">
+                <a:extLst>
+                  <a:ext uri="{BEBA8EAE-BF5A-486C-A8C5-ECC9F3942E4B}">
+                    <a14:imgProps xmlns:a14="http://schemas.microsoft.com/office/drawing/2010/main">
+                      <a14:imgLayer r:embed="rId15">
+                        <a14:imgEffect>
+                          <a14:backgroundRemoval t="10000" b="90000" l="10000" r="90000"/>
+                        </a14:imgEffect>
+                      </a14:imgLayer>
+                    </a14:imgProps>
+                  </a:ext>
+                  <a:ext uri="{28A0092B-C50C-407E-A947-70E740481C1C}">
+                    <a14:useLocalDpi xmlns:a14="http://schemas.microsoft.com/office/drawing/2010/main" val="0"/>
+                  </a:ext>
+                </a:extLst>
+              </a:blip>
+              <a:srcRect/>
+              <a:stretch>
+                <a:fillRect/>
+              </a:stretch>
+            </p:blipFill>
+            <p:spPr bwMode="auto">
+              <a:xfrm>
+                <a:off x="-134725" y="2402222"/>
+                <a:ext cx="476819" cy="339318"/>
+              </a:xfrm>
+              <a:prstGeom prst="rect">
+                <a:avLst/>
+              </a:prstGeom>
+              <a:noFill/>
+              <a:extLst>
+                <a:ext uri="{909E8E84-426E-40DD-AFC4-6F175D3DCCD1}">
+                  <a14:hiddenFill xmlns:a14="http://schemas.microsoft.com/office/drawing/2010/main">
+                    <a:solidFill>
+                      <a:srgbClr val="FFFFFF"/>
+                    </a:solidFill>
+                  </a14:hiddenFill>
+                </a:ext>
+              </a:extLst>
+            </p:spPr>
+          </p:pic>
+          <p:sp>
+            <p:nvSpPr>
+              <p:cNvPr id="51" name="TextBox 50">
+                <a:extLst>
+                  <a:ext uri="{FF2B5EF4-FFF2-40B4-BE49-F238E27FC236}">
+                    <a16:creationId xmlns:a16="http://schemas.microsoft.com/office/drawing/2014/main" id="{F97D0810-1BC8-4C8D-A0DD-76CB0B810F66}"/>
+                  </a:ext>
+                </a:extLst>
+              </p:cNvPr>
+              <p:cNvSpPr txBox="1"/>
+              <p:nvPr/>
+            </p:nvSpPr>
+            <p:spPr>
+              <a:xfrm>
+                <a:off x="143646" y="2417992"/>
+                <a:ext cx="835165" cy="307777"/>
+              </a:xfrm>
+              <a:prstGeom prst="rect">
+                <a:avLst/>
+              </a:prstGeom>
+              <a:noFill/>
+            </p:spPr>
+            <p:txBody>
+              <a:bodyPr wrap="none" rtlCol="0">
+                <a:spAutoFit/>
+              </a:bodyPr>
+              <a:lstStyle/>
+              <a:p>
+                <a:r>
+                  <a:rPr lang="en-US" sz="1400" dirty="0">
+                    <a:latin typeface="TeX Gyre Bonum" panose="00000500000000000000" pitchFamily="50" charset="0"/>
+                  </a:rPr>
+                  <a:t>Correct</a:t>
+                </a:r>
+                <a:endParaRPr lang="en-ID" sz="1400" dirty="0">
+                  <a:latin typeface="TeX Gyre Bonum" panose="00000500000000000000" pitchFamily="50" charset="0"/>
+                </a:endParaRPr>
+              </a:p>
+            </p:txBody>
+          </p:sp>
+        </p:grpSp>
+        <p:grpSp>
+          <p:nvGrpSpPr>
+            <p:cNvPr id="52" name="Group 51">
+              <a:extLst>
+                <a:ext uri="{FF2B5EF4-FFF2-40B4-BE49-F238E27FC236}">
+                  <a16:creationId xmlns:a16="http://schemas.microsoft.com/office/drawing/2014/main" id="{7E0A835F-DB35-6708-B1B8-29BC7FCB160F}"/>
+                </a:ext>
+              </a:extLst>
+            </p:cNvPr>
+            <p:cNvGrpSpPr/>
+            <p:nvPr/>
+          </p:nvGrpSpPr>
+          <p:grpSpPr>
+            <a:xfrm>
+              <a:off x="6581516" y="5178619"/>
+              <a:ext cx="1113536" cy="339318"/>
+              <a:chOff x="-134725" y="2402222"/>
+              <a:chExt cx="1113536" cy="339318"/>
+            </a:xfrm>
+          </p:grpSpPr>
+          <p:pic>
+            <p:nvPicPr>
+              <p:cNvPr id="53" name="Picture 4" descr="Check Mark Clipart Png - Powerpoint Check Mark Symbols, Transparent Png -  kindpng">
+                <a:extLst>
+                  <a:ext uri="{FF2B5EF4-FFF2-40B4-BE49-F238E27FC236}">
+                    <a16:creationId xmlns:a16="http://schemas.microsoft.com/office/drawing/2014/main" id="{698E6B15-84FA-3093-E1EA-AB08FE371CC7}"/>
+                  </a:ext>
+                </a:extLst>
+              </p:cNvPr>
+              <p:cNvPicPr>
+                <a:picLocks noChangeAspect="1" noChangeArrowheads="1"/>
+              </p:cNvPicPr>
+              <p:nvPr/>
+            </p:nvPicPr>
+            <p:blipFill>
+              <a:blip r:embed="rId14">
+                <a:extLst>
+                  <a:ext uri="{BEBA8EAE-BF5A-486C-A8C5-ECC9F3942E4B}">
+                    <a14:imgProps xmlns:a14="http://schemas.microsoft.com/office/drawing/2010/main">
+                      <a14:imgLayer r:embed="rId15">
+                        <a14:imgEffect>
+                          <a14:backgroundRemoval t="10000" b="90000" l="10000" r="90000"/>
+                        </a14:imgEffect>
+                      </a14:imgLayer>
+                    </a14:imgProps>
+                  </a:ext>
+                  <a:ext uri="{28A0092B-C50C-407E-A947-70E740481C1C}">
+                    <a14:useLocalDpi xmlns:a14="http://schemas.microsoft.com/office/drawing/2010/main" val="0"/>
+                  </a:ext>
+                </a:extLst>
+              </a:blip>
+              <a:srcRect/>
+              <a:stretch>
+                <a:fillRect/>
+              </a:stretch>
+            </p:blipFill>
+            <p:spPr bwMode="auto">
+              <a:xfrm>
+                <a:off x="-134725" y="2402222"/>
+                <a:ext cx="476819" cy="339318"/>
+              </a:xfrm>
+              <a:prstGeom prst="rect">
+                <a:avLst/>
+              </a:prstGeom>
+              <a:noFill/>
+              <a:extLst>
+                <a:ext uri="{909E8E84-426E-40DD-AFC4-6F175D3DCCD1}">
+                  <a14:hiddenFill xmlns:a14="http://schemas.microsoft.com/office/drawing/2010/main">
+                    <a:solidFill>
+                      <a:srgbClr val="FFFFFF"/>
+                    </a:solidFill>
+                  </a14:hiddenFill>
+                </a:ext>
+              </a:extLst>
+            </p:spPr>
+          </p:pic>
+          <p:sp>
+            <p:nvSpPr>
+              <p:cNvPr id="54" name="TextBox 53">
+                <a:extLst>
+                  <a:ext uri="{FF2B5EF4-FFF2-40B4-BE49-F238E27FC236}">
+                    <a16:creationId xmlns:a16="http://schemas.microsoft.com/office/drawing/2014/main" id="{46C448B4-BB9A-E6E9-7895-DC346B4F0729}"/>
+                  </a:ext>
+                </a:extLst>
+              </p:cNvPr>
+              <p:cNvSpPr txBox="1"/>
+              <p:nvPr/>
+            </p:nvSpPr>
+            <p:spPr>
+              <a:xfrm>
+                <a:off x="143646" y="2417992"/>
+                <a:ext cx="835165" cy="307777"/>
+              </a:xfrm>
+              <a:prstGeom prst="rect">
+                <a:avLst/>
+              </a:prstGeom>
+              <a:noFill/>
+            </p:spPr>
+            <p:txBody>
+              <a:bodyPr wrap="none" rtlCol="0">
+                <a:spAutoFit/>
+              </a:bodyPr>
+              <a:lstStyle/>
+              <a:p>
+                <a:r>
+                  <a:rPr lang="en-US" sz="1400" dirty="0">
+                    <a:latin typeface="TeX Gyre Bonum" panose="00000500000000000000" pitchFamily="50" charset="0"/>
+                  </a:rPr>
+                  <a:t>Correct</a:t>
+                </a:r>
+                <a:endParaRPr lang="en-ID" sz="1400" dirty="0">
+                  <a:latin typeface="TeX Gyre Bonum" panose="00000500000000000000" pitchFamily="50" charset="0"/>
+                </a:endParaRPr>
+              </a:p>
+            </p:txBody>
+          </p:sp>
+        </p:grpSp>
+        <p:grpSp>
+          <p:nvGrpSpPr>
+            <p:cNvPr id="55" name="Group 54">
+              <a:extLst>
+                <a:ext uri="{FF2B5EF4-FFF2-40B4-BE49-F238E27FC236}">
+                  <a16:creationId xmlns:a16="http://schemas.microsoft.com/office/drawing/2014/main" id="{2A6325A5-4B11-B59D-B4B6-8AE05B298C6E}"/>
+                </a:ext>
+              </a:extLst>
+            </p:cNvPr>
+            <p:cNvGrpSpPr/>
+            <p:nvPr/>
+          </p:nvGrpSpPr>
+          <p:grpSpPr>
+            <a:xfrm>
+              <a:off x="8652085" y="5164975"/>
+              <a:ext cx="1113536" cy="339318"/>
+              <a:chOff x="-134725" y="2402222"/>
+              <a:chExt cx="1113536" cy="339318"/>
+            </a:xfrm>
+          </p:grpSpPr>
+          <p:pic>
+            <p:nvPicPr>
+              <p:cNvPr id="56" name="Picture 4" descr="Check Mark Clipart Png - Powerpoint Check Mark Symbols, Transparent Png -  kindpng">
+                <a:extLst>
+                  <a:ext uri="{FF2B5EF4-FFF2-40B4-BE49-F238E27FC236}">
+                    <a16:creationId xmlns:a16="http://schemas.microsoft.com/office/drawing/2014/main" id="{5FE4443D-8554-4901-938D-1EF97B1CFFAC}"/>
+                  </a:ext>
+                </a:extLst>
+              </p:cNvPr>
+              <p:cNvPicPr>
+                <a:picLocks noChangeAspect="1" noChangeArrowheads="1"/>
+              </p:cNvPicPr>
+              <p:nvPr/>
+            </p:nvPicPr>
+            <p:blipFill>
+              <a:blip r:embed="rId14">
+                <a:extLst>
+                  <a:ext uri="{BEBA8EAE-BF5A-486C-A8C5-ECC9F3942E4B}">
+                    <a14:imgProps xmlns:a14="http://schemas.microsoft.com/office/drawing/2010/main">
+                      <a14:imgLayer r:embed="rId15">
+                        <a14:imgEffect>
+                          <a14:backgroundRemoval t="10000" b="90000" l="10000" r="90000"/>
+                        </a14:imgEffect>
+                      </a14:imgLayer>
+                    </a14:imgProps>
+                  </a:ext>
+                  <a:ext uri="{28A0092B-C50C-407E-A947-70E740481C1C}">
+                    <a14:useLocalDpi xmlns:a14="http://schemas.microsoft.com/office/drawing/2010/main" val="0"/>
+                  </a:ext>
+                </a:extLst>
+              </a:blip>
+              <a:srcRect/>
+              <a:stretch>
+                <a:fillRect/>
+              </a:stretch>
+            </p:blipFill>
+            <p:spPr bwMode="auto">
+              <a:xfrm>
+                <a:off x="-134725" y="2402222"/>
+                <a:ext cx="476819" cy="339318"/>
+              </a:xfrm>
+              <a:prstGeom prst="rect">
+                <a:avLst/>
+              </a:prstGeom>
+              <a:noFill/>
+              <a:extLst>
+                <a:ext uri="{909E8E84-426E-40DD-AFC4-6F175D3DCCD1}">
+                  <a14:hiddenFill xmlns:a14="http://schemas.microsoft.com/office/drawing/2010/main">
+                    <a:solidFill>
+                      <a:srgbClr val="FFFFFF"/>
+                    </a:solidFill>
+                  </a14:hiddenFill>
+                </a:ext>
+              </a:extLst>
+            </p:spPr>
+          </p:pic>
+          <p:sp>
+            <p:nvSpPr>
+              <p:cNvPr id="57" name="TextBox 56">
+                <a:extLst>
+                  <a:ext uri="{FF2B5EF4-FFF2-40B4-BE49-F238E27FC236}">
+                    <a16:creationId xmlns:a16="http://schemas.microsoft.com/office/drawing/2014/main" id="{B32F5D22-D84F-F168-02D1-263F92B0C32C}"/>
+                  </a:ext>
+                </a:extLst>
+              </p:cNvPr>
+              <p:cNvSpPr txBox="1"/>
+              <p:nvPr/>
+            </p:nvSpPr>
+            <p:spPr>
+              <a:xfrm>
+                <a:off x="143646" y="2417992"/>
+                <a:ext cx="835165" cy="307777"/>
+              </a:xfrm>
+              <a:prstGeom prst="rect">
+                <a:avLst/>
+              </a:prstGeom>
+              <a:noFill/>
+            </p:spPr>
+            <p:txBody>
+              <a:bodyPr wrap="none" rtlCol="0">
+                <a:spAutoFit/>
+              </a:bodyPr>
+              <a:lstStyle/>
+              <a:p>
+                <a:r>
+                  <a:rPr lang="en-US" sz="1400" dirty="0">
+                    <a:latin typeface="TeX Gyre Bonum" panose="00000500000000000000" pitchFamily="50" charset="0"/>
+                  </a:rPr>
+                  <a:t>Correct</a:t>
+                </a:r>
+                <a:endParaRPr lang="en-ID" sz="1400" dirty="0">
+                  <a:latin typeface="TeX Gyre Bonum" panose="00000500000000000000" pitchFamily="50" charset="0"/>
+                </a:endParaRPr>
+              </a:p>
+            </p:txBody>
+          </p:sp>
+        </p:grpSp>
+        <p:grpSp>
+          <p:nvGrpSpPr>
+            <p:cNvPr id="61" name="Group 60">
+              <a:extLst>
+                <a:ext uri="{FF2B5EF4-FFF2-40B4-BE49-F238E27FC236}">
+                  <a16:creationId xmlns:a16="http://schemas.microsoft.com/office/drawing/2014/main" id="{B6B2DF27-1BD8-8D38-AF0C-79609F761867}"/>
+                </a:ext>
+              </a:extLst>
+            </p:cNvPr>
+            <p:cNvGrpSpPr/>
+            <p:nvPr/>
+          </p:nvGrpSpPr>
+          <p:grpSpPr>
+            <a:xfrm>
+              <a:off x="2541570" y="5172239"/>
+              <a:ext cx="961099" cy="364549"/>
+              <a:chOff x="4524178" y="2349000"/>
+              <a:chExt cx="961099" cy="364549"/>
+            </a:xfrm>
+          </p:grpSpPr>
+          <p:sp>
+            <p:nvSpPr>
+              <p:cNvPr id="62" name="TextBox 61">
+                <a:extLst>
+                  <a:ext uri="{FF2B5EF4-FFF2-40B4-BE49-F238E27FC236}">
+                    <a16:creationId xmlns:a16="http://schemas.microsoft.com/office/drawing/2014/main" id="{289E0D86-8E4C-4325-420D-1A004A4BFE54}"/>
+                  </a:ext>
+                </a:extLst>
+              </p:cNvPr>
+              <p:cNvSpPr txBox="1"/>
+              <p:nvPr/>
+            </p:nvSpPr>
+            <p:spPr>
+              <a:xfrm>
+                <a:off x="4738534" y="2361615"/>
+                <a:ext cx="746743" cy="307777"/>
+              </a:xfrm>
+              <a:prstGeom prst="rect">
+                <a:avLst/>
+              </a:prstGeom>
+              <a:noFill/>
+            </p:spPr>
+            <p:txBody>
+              <a:bodyPr wrap="none" rtlCol="0">
+                <a:spAutoFit/>
+              </a:bodyPr>
+              <a:lstStyle/>
+              <a:p>
+                <a:r>
+                  <a:rPr lang="en-US" sz="1400" dirty="0">
+                    <a:latin typeface="TeX Gyre Bonum" panose="00000500000000000000" pitchFamily="50" charset="0"/>
+                  </a:rPr>
+                  <a:t>Wrong</a:t>
+                </a:r>
+                <a:endParaRPr lang="en-ID" sz="1400" dirty="0">
+                  <a:latin typeface="TeX Gyre Bonum" panose="00000500000000000000" pitchFamily="50" charset="0"/>
+                </a:endParaRPr>
+              </a:p>
+            </p:txBody>
+          </p:sp>
+          <p:pic>
+            <p:nvPicPr>
+              <p:cNvPr id="63" name="Picture 6" descr="Cross Mark Images – Browse 108,812 Stock Photos, Vectors, and Video | Adobe  Stock">
+                <a:extLst>
+                  <a:ext uri="{FF2B5EF4-FFF2-40B4-BE49-F238E27FC236}">
+                    <a16:creationId xmlns:a16="http://schemas.microsoft.com/office/drawing/2014/main" id="{2923DD76-4014-331D-E386-1431D72F86BB}"/>
+                  </a:ext>
+                </a:extLst>
+              </p:cNvPr>
+              <p:cNvPicPr>
+                <a:picLocks noChangeAspect="1" noChangeArrowheads="1"/>
+              </p:cNvPicPr>
+              <p:nvPr/>
+            </p:nvPicPr>
+            <p:blipFill>
+              <a:blip r:embed="rId16">
+                <a:extLst>
+                  <a:ext uri="{BEBA8EAE-BF5A-486C-A8C5-ECC9F3942E4B}">
+                    <a14:imgProps xmlns:a14="http://schemas.microsoft.com/office/drawing/2010/main">
+                      <a14:imgLayer r:embed="rId17">
+                        <a14:imgEffect>
+                          <a14:backgroundRemoval t="10000" b="90000" l="10000" r="90000"/>
+                        </a14:imgEffect>
+                      </a14:imgLayer>
+                    </a14:imgProps>
+                  </a:ext>
+                  <a:ext uri="{28A0092B-C50C-407E-A947-70E740481C1C}">
+                    <a14:useLocalDpi xmlns:a14="http://schemas.microsoft.com/office/drawing/2010/main" val="0"/>
+                  </a:ext>
+                </a:extLst>
+              </a:blip>
+              <a:srcRect/>
+              <a:stretch>
+                <a:fillRect/>
+              </a:stretch>
+            </p:blipFill>
+            <p:spPr bwMode="auto">
+              <a:xfrm>
+                <a:off x="4524178" y="2349000"/>
+                <a:ext cx="364549" cy="364549"/>
+              </a:xfrm>
+              <a:prstGeom prst="rect">
+                <a:avLst/>
+              </a:prstGeom>
+              <a:noFill/>
+              <a:extLst>
+                <a:ext uri="{909E8E84-426E-40DD-AFC4-6F175D3DCCD1}">
+                  <a14:hiddenFill xmlns:a14="http://schemas.microsoft.com/office/drawing/2010/main">
+                    <a:solidFill>
+                      <a:srgbClr val="FFFFFF"/>
+                    </a:solidFill>
+                  </a14:hiddenFill>
+                </a:ext>
+              </a:extLst>
+            </p:spPr>
+          </p:pic>
+        </p:grpSp>
+        <p:grpSp>
+          <p:nvGrpSpPr>
+            <p:cNvPr id="1024" name="Group 1023">
+              <a:extLst>
+                <a:ext uri="{FF2B5EF4-FFF2-40B4-BE49-F238E27FC236}">
+                  <a16:creationId xmlns:a16="http://schemas.microsoft.com/office/drawing/2014/main" id="{C5474D5F-E43F-4F1C-8288-B30544022A89}"/>
+                </a:ext>
+              </a:extLst>
+            </p:cNvPr>
+            <p:cNvGrpSpPr/>
+            <p:nvPr/>
+          </p:nvGrpSpPr>
+          <p:grpSpPr>
+            <a:xfrm>
+              <a:off x="11036156" y="5166002"/>
+              <a:ext cx="961099" cy="364549"/>
+              <a:chOff x="4524178" y="2349000"/>
+              <a:chExt cx="961099" cy="364549"/>
+            </a:xfrm>
+          </p:grpSpPr>
+          <p:sp>
+            <p:nvSpPr>
+              <p:cNvPr id="1025" name="TextBox 1024">
+                <a:extLst>
+                  <a:ext uri="{FF2B5EF4-FFF2-40B4-BE49-F238E27FC236}">
+                    <a16:creationId xmlns:a16="http://schemas.microsoft.com/office/drawing/2014/main" id="{3D15E181-709E-BFB7-E513-58DF79CF5CE4}"/>
+                  </a:ext>
+                </a:extLst>
+              </p:cNvPr>
+              <p:cNvSpPr txBox="1"/>
+              <p:nvPr/>
+            </p:nvSpPr>
+            <p:spPr>
+              <a:xfrm>
+                <a:off x="4738534" y="2361615"/>
+                <a:ext cx="746743" cy="307777"/>
+              </a:xfrm>
+              <a:prstGeom prst="rect">
+                <a:avLst/>
+              </a:prstGeom>
+              <a:noFill/>
+            </p:spPr>
+            <p:txBody>
+              <a:bodyPr wrap="none" rtlCol="0">
+                <a:spAutoFit/>
+              </a:bodyPr>
+              <a:lstStyle/>
+              <a:p>
+                <a:r>
+                  <a:rPr lang="en-US" sz="1400" dirty="0">
+                    <a:latin typeface="TeX Gyre Bonum" panose="00000500000000000000" pitchFamily="50" charset="0"/>
+                  </a:rPr>
+                  <a:t>Wrong</a:t>
+                </a:r>
+                <a:endParaRPr lang="en-ID" sz="1400" dirty="0">
+                  <a:latin typeface="TeX Gyre Bonum" panose="00000500000000000000" pitchFamily="50" charset="0"/>
+                </a:endParaRPr>
+              </a:p>
+            </p:txBody>
+          </p:sp>
+          <p:pic>
+            <p:nvPicPr>
+              <p:cNvPr id="1027" name="Picture 6" descr="Cross Mark Images – Browse 108,812 Stock Photos, Vectors, and Video | Adobe  Stock">
+                <a:extLst>
+                  <a:ext uri="{FF2B5EF4-FFF2-40B4-BE49-F238E27FC236}">
+                    <a16:creationId xmlns:a16="http://schemas.microsoft.com/office/drawing/2014/main" id="{2DE5DC61-C8AC-2D9B-C635-FBCF823BD4C3}"/>
+                  </a:ext>
+                </a:extLst>
+              </p:cNvPr>
+              <p:cNvPicPr>
+                <a:picLocks noChangeAspect="1" noChangeArrowheads="1"/>
+              </p:cNvPicPr>
+              <p:nvPr/>
+            </p:nvPicPr>
+            <p:blipFill>
+              <a:blip r:embed="rId16">
+                <a:extLst>
+                  <a:ext uri="{BEBA8EAE-BF5A-486C-A8C5-ECC9F3942E4B}">
+                    <a14:imgProps xmlns:a14="http://schemas.microsoft.com/office/drawing/2010/main">
+                      <a14:imgLayer r:embed="rId17">
+                        <a14:imgEffect>
+                          <a14:backgroundRemoval t="10000" b="90000" l="10000" r="90000"/>
+                        </a14:imgEffect>
+                      </a14:imgLayer>
+                    </a14:imgProps>
+                  </a:ext>
+                  <a:ext uri="{28A0092B-C50C-407E-A947-70E740481C1C}">
+                    <a14:useLocalDpi xmlns:a14="http://schemas.microsoft.com/office/drawing/2010/main" val="0"/>
+                  </a:ext>
+                </a:extLst>
+              </a:blip>
+              <a:srcRect/>
+              <a:stretch>
+                <a:fillRect/>
+              </a:stretch>
+            </p:blipFill>
+            <p:spPr bwMode="auto">
+              <a:xfrm>
+                <a:off x="4524178" y="2349000"/>
+                <a:ext cx="364549" cy="364549"/>
+              </a:xfrm>
+              <a:prstGeom prst="rect">
+                <a:avLst/>
+              </a:prstGeom>
+              <a:noFill/>
+              <a:extLst>
+                <a:ext uri="{909E8E84-426E-40DD-AFC4-6F175D3DCCD1}">
+                  <a14:hiddenFill xmlns:a14="http://schemas.microsoft.com/office/drawing/2010/main">
+                    <a:solidFill>
+                      <a:srgbClr val="FFFFFF"/>
+                    </a:solidFill>
+                  </a14:hiddenFill>
+                </a:ext>
+              </a:extLst>
+            </p:spPr>
+          </p:pic>
+        </p:grpSp>
+      </p:grpSp>
+    </p:spTree>
+    <p:extLst>
+      <p:ext uri="{BB962C8B-B14F-4D97-AF65-F5344CB8AC3E}">
+        <p14:creationId xmlns:p14="http://schemas.microsoft.com/office/powerpoint/2010/main" val="4071043023"/>
+      </p:ext>
+    </p:extLst>
+  </p:cSld>
+  <p:clrMapOvr>
+    <a:masterClrMapping/>
+  </p:clrMapOvr>
+</p:sld>
+</file>
+
+<file path=ppt/slides/slide12.xml><?xml version="1.0" encoding="utf-8"?>
+<p:sld xmlns:a="http://schemas.openxmlformats.org/drawingml/2006/main" xmlns:r="http://schemas.openxmlformats.org/officeDocument/2006/relationships" xmlns:p="http://schemas.openxmlformats.org/presentationml/2006/main">
+  <p:cSld>
+    <p:spTree>
+      <p:nvGrpSpPr>
+        <p:cNvPr id="1" name=""/>
+        <p:cNvGrpSpPr/>
+        <p:nvPr/>
+      </p:nvGrpSpPr>
+      <p:grpSpPr>
+        <a:xfrm>
+          <a:off x="0" y="0"/>
+          <a:ext cx="0" cy="0"/>
+          <a:chOff x="0" y="0"/>
+          <a:chExt cx="0" cy="0"/>
+        </a:xfrm>
+      </p:grpSpPr>
+      <p:grpSp>
+        <p:nvGrpSpPr>
+          <p:cNvPr id="10" name="Group 9">
+            <a:extLst>
+              <a:ext uri="{FF2B5EF4-FFF2-40B4-BE49-F238E27FC236}">
+                <a16:creationId xmlns:a16="http://schemas.microsoft.com/office/drawing/2014/main" id="{860C4D7C-E206-18FC-86C2-D741EF26B3E5}"/>
+              </a:ext>
+            </a:extLst>
+          </p:cNvPr>
+          <p:cNvGrpSpPr/>
+          <p:nvPr/>
+        </p:nvGrpSpPr>
+        <p:grpSpPr>
+          <a:xfrm>
+            <a:off x="0" y="-1"/>
+            <a:ext cx="12192000" cy="4236840"/>
+            <a:chOff x="0" y="-1"/>
+            <a:chExt cx="12192000" cy="4236840"/>
           </a:xfrm>
         </p:grpSpPr>
         <p:pic>
           <p:nvPicPr>
-            <p:cNvPr id="7" name="Picture 6">
+            <p:cNvPr id="5" name="Picture 4">
               <a:extLst>
                 <a:ext uri="{FF2B5EF4-FFF2-40B4-BE49-F238E27FC236}">
-                  <a16:creationId xmlns:a16="http://schemas.microsoft.com/office/drawing/2014/main" id="{ECD81947-FB9A-BC82-C564-D7962ADE5A05}"/>
+                  <a16:creationId xmlns:a16="http://schemas.microsoft.com/office/drawing/2014/main" id="{A5921467-EA3E-C93D-BA07-C26866EC1D9B}"/>
                 </a:ext>
               </a:extLst>
             </p:cNvPr>
@@ -4647,8 +6618,8 @@
           </p:blipFill>
           <p:spPr>
             <a:xfrm>
-              <a:off x="1" y="0"/>
-              <a:ext cx="2024345" cy="2038635"/>
+              <a:off x="6343650" y="-1"/>
+              <a:ext cx="5848350" cy="3929063"/>
             </a:xfrm>
             <a:prstGeom prst="rect">
               <a:avLst/>
@@ -4657,10 +6628,10 @@
         </p:pic>
         <p:pic>
           <p:nvPicPr>
-            <p:cNvPr id="9" name="Picture 8">
+            <p:cNvPr id="7" name="Picture 6">
               <a:extLst>
                 <a:ext uri="{FF2B5EF4-FFF2-40B4-BE49-F238E27FC236}">
-                  <a16:creationId xmlns:a16="http://schemas.microsoft.com/office/drawing/2014/main" id="{02CE7C11-CAD3-9D3D-8194-562E7B11DD59}"/>
+                  <a16:creationId xmlns:a16="http://schemas.microsoft.com/office/drawing/2014/main" id="{EDFF979A-57E9-1217-AFE2-C176776C7C80}"/>
                 </a:ext>
               </a:extLst>
             </p:cNvPr>
@@ -4677,185 +6648,111 @@
           </p:blipFill>
           <p:spPr>
             <a:xfrm>
-              <a:off x="2094090" y="1"/>
-              <a:ext cx="2005293" cy="2048161"/>
+              <a:off x="0" y="0"/>
+              <a:ext cx="5900738" cy="3929063"/>
             </a:xfrm>
             <a:prstGeom prst="rect">
               <a:avLst/>
             </a:prstGeom>
           </p:spPr>
         </p:pic>
-        <p:pic>
-          <p:nvPicPr>
-            <p:cNvPr id="11" name="Picture 10">
+        <p:sp>
+          <p:nvSpPr>
+            <p:cNvPr id="8" name="TextBox 7">
               <a:extLst>
                 <a:ext uri="{FF2B5EF4-FFF2-40B4-BE49-F238E27FC236}">
-                  <a16:creationId xmlns:a16="http://schemas.microsoft.com/office/drawing/2014/main" id="{4B8C3A53-8D4B-534C-E48C-130F04799972}"/>
+                  <a16:creationId xmlns:a16="http://schemas.microsoft.com/office/drawing/2014/main" id="{EE01D8FE-4AF3-982E-D7E1-2DE9136890CB}"/>
                 </a:ext>
               </a:extLst>
             </p:cNvPr>
-            <p:cNvPicPr>
-              <a:picLocks noChangeAspect="1"/>
-            </p:cNvPicPr>
+            <p:cNvSpPr txBox="1"/>
             <p:nvPr/>
-          </p:nvPicPr>
-          <p:blipFill>
-            <a:blip r:embed="rId4"/>
-            <a:stretch>
-              <a:fillRect/>
-            </a:stretch>
-          </p:blipFill>
+          </p:nvSpPr>
           <p:spPr>
             <a:xfrm>
-              <a:off x="4169127" y="-195"/>
-              <a:ext cx="2038635" cy="2048161"/>
+              <a:off x="634024" y="3929062"/>
+              <a:ext cx="4632690" cy="307777"/>
             </a:xfrm>
             <a:prstGeom prst="rect">
               <a:avLst/>
             </a:prstGeom>
+            <a:solidFill>
+              <a:schemeClr val="bg1"/>
+            </a:solidFill>
+            <a:ln w="19050">
+              <a:noFill/>
+            </a:ln>
           </p:spPr>
-        </p:pic>
-        <p:pic>
-          <p:nvPicPr>
-            <p:cNvPr id="13" name="Picture 12">
+          <p:txBody>
+            <a:bodyPr wrap="square" rtlCol="0">
+              <a:spAutoFit/>
+            </a:bodyPr>
+            <a:lstStyle/>
+            <a:p>
+              <a:pPr algn="ctr"/>
+              <a:r>
+                <a:rPr lang="en-US" sz="1400" dirty="0">
+                  <a:latin typeface="TeX Gyre Bonum" panose="00000500000000000000" pitchFamily="50" charset="0"/>
+                </a:rPr>
+                <a:t>(a) PCA embedding</a:t>
+              </a:r>
+              <a:endParaRPr lang="en-ID" sz="1400" dirty="0">
+                <a:latin typeface="TeX Gyre Bonum" panose="00000500000000000000" pitchFamily="50" charset="0"/>
+              </a:endParaRPr>
+            </a:p>
+          </p:txBody>
+        </p:sp>
+        <p:sp>
+          <p:nvSpPr>
+            <p:cNvPr id="9" name="TextBox 8">
               <a:extLst>
                 <a:ext uri="{FF2B5EF4-FFF2-40B4-BE49-F238E27FC236}">
-                  <a16:creationId xmlns:a16="http://schemas.microsoft.com/office/drawing/2014/main" id="{4A73532E-334B-70C9-2E58-A3B8683C65F4}"/>
+                  <a16:creationId xmlns:a16="http://schemas.microsoft.com/office/drawing/2014/main" id="{D97A4177-1BC7-F19A-A280-4152C944A639}"/>
                 </a:ext>
               </a:extLst>
             </p:cNvPr>
-            <p:cNvPicPr>
-              <a:picLocks noChangeAspect="1"/>
-            </p:cNvPicPr>
+            <p:cNvSpPr txBox="1"/>
             <p:nvPr/>
-          </p:nvPicPr>
-          <p:blipFill>
-            <a:blip r:embed="rId5"/>
-            <a:stretch>
-              <a:fillRect/>
-            </a:stretch>
-          </p:blipFill>
+          </p:nvSpPr>
           <p:spPr>
             <a:xfrm>
-              <a:off x="6277506" y="-195"/>
-              <a:ext cx="2019582" cy="2033872"/>
+              <a:off x="6951480" y="3929062"/>
+              <a:ext cx="4632690" cy="307777"/>
             </a:xfrm>
             <a:prstGeom prst="rect">
               <a:avLst/>
             </a:prstGeom>
+            <a:solidFill>
+              <a:schemeClr val="bg1"/>
+            </a:solidFill>
+            <a:ln w="19050">
+              <a:noFill/>
+            </a:ln>
           </p:spPr>
-        </p:pic>
-        <p:pic>
-          <p:nvPicPr>
-            <p:cNvPr id="15" name="Picture 14">
-              <a:extLst>
-                <a:ext uri="{FF2B5EF4-FFF2-40B4-BE49-F238E27FC236}">
-                  <a16:creationId xmlns:a16="http://schemas.microsoft.com/office/drawing/2014/main" id="{FFDEB743-E210-D71A-C40F-7027AB5DD93B}"/>
-                </a:ext>
-              </a:extLst>
-            </p:cNvPr>
-            <p:cNvPicPr>
-              <a:picLocks noChangeAspect="1"/>
-            </p:cNvPicPr>
-            <p:nvPr/>
-          </p:nvPicPr>
-          <p:blipFill>
-            <a:blip r:embed="rId6"/>
-            <a:stretch>
-              <a:fillRect/>
-            </a:stretch>
-          </p:blipFill>
-          <p:spPr>
-            <a:xfrm>
-              <a:off x="8352543" y="0"/>
-              <a:ext cx="2029108" cy="2048161"/>
-            </a:xfrm>
-            <a:prstGeom prst="rect">
-              <a:avLst/>
-            </a:prstGeom>
-          </p:spPr>
-        </p:pic>
-        <p:pic>
-          <p:nvPicPr>
-            <p:cNvPr id="17" name="Picture 16">
-              <a:extLst>
-                <a:ext uri="{FF2B5EF4-FFF2-40B4-BE49-F238E27FC236}">
-                  <a16:creationId xmlns:a16="http://schemas.microsoft.com/office/drawing/2014/main" id="{24A74B7C-D629-CDF7-1814-F018518FDE0C}"/>
-                </a:ext>
-              </a:extLst>
-            </p:cNvPr>
-            <p:cNvPicPr>
-              <a:picLocks noChangeAspect="1"/>
-            </p:cNvPicPr>
-            <p:nvPr/>
-          </p:nvPicPr>
-          <p:blipFill>
-            <a:blip r:embed="rId7"/>
-            <a:stretch>
-              <a:fillRect/>
-            </a:stretch>
-          </p:blipFill>
-          <p:spPr>
-            <a:xfrm>
-              <a:off x="10437106" y="9331"/>
-              <a:ext cx="2024345" cy="2038635"/>
-            </a:xfrm>
-            <a:prstGeom prst="rect">
-              <a:avLst/>
-            </a:prstGeom>
-          </p:spPr>
-        </p:pic>
+          <p:txBody>
+            <a:bodyPr wrap="square" rtlCol="0">
+              <a:spAutoFit/>
+            </a:bodyPr>
+            <a:lstStyle/>
+            <a:p>
+              <a:pPr algn="ctr"/>
+              <a:r>
+                <a:rPr lang="en-US" sz="1400" dirty="0">
+                  <a:latin typeface="TeX Gyre Bonum" panose="00000500000000000000" pitchFamily="50" charset="0"/>
+                </a:rPr>
+                <a:t>(b) t-SNE embedding</a:t>
+              </a:r>
+              <a:endParaRPr lang="en-ID" sz="1400" dirty="0">
+                <a:latin typeface="TeX Gyre Bonum" panose="00000500000000000000" pitchFamily="50" charset="0"/>
+              </a:endParaRPr>
+            </a:p>
+          </p:txBody>
+        </p:sp>
       </p:grpSp>
-      <p:sp>
-        <p:nvSpPr>
-          <p:cNvPr id="19" name="TextBox 18">
-            <a:extLst>
-              <a:ext uri="{FF2B5EF4-FFF2-40B4-BE49-F238E27FC236}">
-                <a16:creationId xmlns:a16="http://schemas.microsoft.com/office/drawing/2014/main" id="{5F592CA2-A724-EA44-934C-F698F836D28F}"/>
-              </a:ext>
-            </a:extLst>
-          </p:cNvPr>
-          <p:cNvSpPr txBox="1"/>
-          <p:nvPr/>
-        </p:nvSpPr>
-        <p:spPr>
-          <a:xfrm>
-            <a:off x="5523120" y="0"/>
-            <a:ext cx="1099832" cy="307777"/>
-          </a:xfrm>
-          <a:prstGeom prst="rect">
-            <a:avLst/>
-          </a:prstGeom>
-          <a:solidFill>
-            <a:schemeClr val="bg1"/>
-          </a:solidFill>
-          <a:ln w="19050">
-            <a:noFill/>
-          </a:ln>
-        </p:spPr>
-        <p:txBody>
-          <a:bodyPr wrap="square" rtlCol="0">
-            <a:spAutoFit/>
-          </a:bodyPr>
-          <a:lstStyle/>
-          <a:p>
-            <a:pPr algn="ctr"/>
-            <a:r>
-              <a:rPr lang="en-US" sz="1400" dirty="0">
-                <a:latin typeface="TeX Gyre Bonum" panose="00000500000000000000" pitchFamily="50" charset="0"/>
-              </a:rPr>
-              <a:t>(a) VGG19</a:t>
-            </a:r>
-            <a:endParaRPr lang="en-ID" sz="1400" dirty="0">
-              <a:latin typeface="TeX Gyre Bonum" panose="00000500000000000000" pitchFamily="50" charset="0"/>
-            </a:endParaRPr>
-          </a:p>
-        </p:txBody>
-      </p:sp>
     </p:spTree>
     <p:extLst>
       <p:ext uri="{BB962C8B-B14F-4D97-AF65-F5344CB8AC3E}">
-        <p14:creationId xmlns:p14="http://schemas.microsoft.com/office/powerpoint/2010/main" val="4071043023"/>
+        <p14:creationId xmlns:p14="http://schemas.microsoft.com/office/powerpoint/2010/main" val="4135412413"/>
       </p:ext>
     </p:extLst>
   </p:cSld>

--- a/docs/figures.pptx
+++ b/docs/figures.pptx
@@ -12,11 +12,12 @@
     <p:sldId id="263" r:id="rId6"/>
     <p:sldId id="262" r:id="rId7"/>
     <p:sldId id="266" r:id="rId8"/>
-    <p:sldId id="265" r:id="rId9"/>
-    <p:sldId id="261" r:id="rId10"/>
-    <p:sldId id="259" r:id="rId11"/>
-    <p:sldId id="264" r:id="rId12"/>
-    <p:sldId id="267" r:id="rId13"/>
+    <p:sldId id="268" r:id="rId9"/>
+    <p:sldId id="265" r:id="rId10"/>
+    <p:sldId id="261" r:id="rId11"/>
+    <p:sldId id="259" r:id="rId12"/>
+    <p:sldId id="264" r:id="rId13"/>
+    <p:sldId id="267" r:id="rId14"/>
   </p:sldIdLst>
   <p:sldSz cx="12192000" cy="6858000"/>
   <p:notesSz cx="6858000" cy="9144000"/>
@@ -272,7 +273,7 @@
           <a:p>
             <a:fld id="{218D2DE5-16C4-47CD-9071-AC93F263F62D}" type="datetimeFigureOut">
               <a:rPr lang="en-ID" smtClean="0"/>
-              <a:t>09/10/2022</a:t>
+              <a:t>10/10/2022</a:t>
             </a:fld>
             <a:endParaRPr lang="en-ID"/>
           </a:p>
@@ -472,7 +473,7 @@
           <a:p>
             <a:fld id="{218D2DE5-16C4-47CD-9071-AC93F263F62D}" type="datetimeFigureOut">
               <a:rPr lang="en-ID" smtClean="0"/>
-              <a:t>09/10/2022</a:t>
+              <a:t>10/10/2022</a:t>
             </a:fld>
             <a:endParaRPr lang="en-ID"/>
           </a:p>
@@ -682,7 +683,7 @@
           <a:p>
             <a:fld id="{218D2DE5-16C4-47CD-9071-AC93F263F62D}" type="datetimeFigureOut">
               <a:rPr lang="en-ID" smtClean="0"/>
-              <a:t>09/10/2022</a:t>
+              <a:t>10/10/2022</a:t>
             </a:fld>
             <a:endParaRPr lang="en-ID"/>
           </a:p>
@@ -882,7 +883,7 @@
           <a:p>
             <a:fld id="{218D2DE5-16C4-47CD-9071-AC93F263F62D}" type="datetimeFigureOut">
               <a:rPr lang="en-ID" smtClean="0"/>
-              <a:t>09/10/2022</a:t>
+              <a:t>10/10/2022</a:t>
             </a:fld>
             <a:endParaRPr lang="en-ID"/>
           </a:p>
@@ -1158,7 +1159,7 @@
           <a:p>
             <a:fld id="{218D2DE5-16C4-47CD-9071-AC93F263F62D}" type="datetimeFigureOut">
               <a:rPr lang="en-ID" smtClean="0"/>
-              <a:t>09/10/2022</a:t>
+              <a:t>10/10/2022</a:t>
             </a:fld>
             <a:endParaRPr lang="en-ID"/>
           </a:p>
@@ -1426,7 +1427,7 @@
           <a:p>
             <a:fld id="{218D2DE5-16C4-47CD-9071-AC93F263F62D}" type="datetimeFigureOut">
               <a:rPr lang="en-ID" smtClean="0"/>
-              <a:t>09/10/2022</a:t>
+              <a:t>10/10/2022</a:t>
             </a:fld>
             <a:endParaRPr lang="en-ID"/>
           </a:p>
@@ -1841,7 +1842,7 @@
           <a:p>
             <a:fld id="{218D2DE5-16C4-47CD-9071-AC93F263F62D}" type="datetimeFigureOut">
               <a:rPr lang="en-ID" smtClean="0"/>
-              <a:t>09/10/2022</a:t>
+              <a:t>10/10/2022</a:t>
             </a:fld>
             <a:endParaRPr lang="en-ID"/>
           </a:p>
@@ -1983,7 +1984,7 @@
           <a:p>
             <a:fld id="{218D2DE5-16C4-47CD-9071-AC93F263F62D}" type="datetimeFigureOut">
               <a:rPr lang="en-ID" smtClean="0"/>
-              <a:t>09/10/2022</a:t>
+              <a:t>10/10/2022</a:t>
             </a:fld>
             <a:endParaRPr lang="en-ID"/>
           </a:p>
@@ -2096,7 +2097,7 @@
           <a:p>
             <a:fld id="{218D2DE5-16C4-47CD-9071-AC93F263F62D}" type="datetimeFigureOut">
               <a:rPr lang="en-ID" smtClean="0"/>
-              <a:t>09/10/2022</a:t>
+              <a:t>10/10/2022</a:t>
             </a:fld>
             <a:endParaRPr lang="en-ID"/>
           </a:p>
@@ -2409,7 +2410,7 @@
           <a:p>
             <a:fld id="{218D2DE5-16C4-47CD-9071-AC93F263F62D}" type="datetimeFigureOut">
               <a:rPr lang="en-ID" smtClean="0"/>
-              <a:t>09/10/2022</a:t>
+              <a:t>10/10/2022</a:t>
             </a:fld>
             <a:endParaRPr lang="en-ID"/>
           </a:p>
@@ -2698,7 +2699,7 @@
           <a:p>
             <a:fld id="{218D2DE5-16C4-47CD-9071-AC93F263F62D}" type="datetimeFigureOut">
               <a:rPr lang="en-ID" smtClean="0"/>
-              <a:t>09/10/2022</a:t>
+              <a:t>10/10/2022</a:t>
             </a:fld>
             <a:endParaRPr lang="en-ID"/>
           </a:p>
@@ -2941,7 +2942,7 @@
           <a:p>
             <a:fld id="{218D2DE5-16C4-47CD-9071-AC93F263F62D}" type="datetimeFigureOut">
               <a:rPr lang="en-ID" smtClean="0"/>
-              <a:t>09/10/2022</a:t>
+              <a:t>10/10/2022</a:t>
             </a:fld>
             <a:endParaRPr lang="en-ID"/>
           </a:p>
@@ -4243,6 +4244,2944 @@
           <a:chExt cx="0" cy="0"/>
         </a:xfrm>
       </p:grpSpPr>
+      <p:graphicFrame>
+        <p:nvGraphicFramePr>
+          <p:cNvPr id="4" name="Table 6">
+            <a:extLst>
+              <a:ext uri="{FF2B5EF4-FFF2-40B4-BE49-F238E27FC236}">
+                <a16:creationId xmlns:a16="http://schemas.microsoft.com/office/drawing/2014/main" id="{19B1E98B-4B8A-BA76-2EEC-D115421C2790}"/>
+              </a:ext>
+            </a:extLst>
+          </p:cNvPr>
+          <p:cNvGraphicFramePr>
+            <a:graphicFrameLocks noGrp="1"/>
+          </p:cNvGraphicFramePr>
+          <p:nvPr>
+            <p:extLst>
+              <p:ext uri="{D42A27DB-BD31-4B8C-83A1-F6EECF244321}">
+                <p14:modId xmlns:p14="http://schemas.microsoft.com/office/powerpoint/2010/main" val="117637910"/>
+              </p:ext>
+            </p:extLst>
+          </p:nvPr>
+        </p:nvGraphicFramePr>
+        <p:xfrm>
+          <a:off x="751732" y="3437466"/>
+          <a:ext cx="4400356" cy="1524000"/>
+        </p:xfrm>
+        <a:graphic>
+          <a:graphicData uri="http://schemas.openxmlformats.org/drawingml/2006/table">
+            <a:tbl>
+              <a:tblPr firstRow="1" bandRow="1">
+                <a:tableStyleId>{5C22544A-7EE6-4342-B048-85BDC9FD1C3A}</a:tableStyleId>
+              </a:tblPr>
+              <a:tblGrid>
+                <a:gridCol w="1076452">
+                  <a:extLst>
+                    <a:ext uri="{9D8B030D-6E8A-4147-A177-3AD203B41FA5}">
+                      <a16:colId xmlns:a16="http://schemas.microsoft.com/office/drawing/2014/main" val="3872630865"/>
+                    </a:ext>
+                  </a:extLst>
+                </a:gridCol>
+                <a:gridCol w="844867">
+                  <a:extLst>
+                    <a:ext uri="{9D8B030D-6E8A-4147-A177-3AD203B41FA5}">
+                      <a16:colId xmlns:a16="http://schemas.microsoft.com/office/drawing/2014/main" val="2317850323"/>
+                    </a:ext>
+                  </a:extLst>
+                </a:gridCol>
+                <a:gridCol w="844867">
+                  <a:extLst>
+                    <a:ext uri="{9D8B030D-6E8A-4147-A177-3AD203B41FA5}">
+                      <a16:colId xmlns:a16="http://schemas.microsoft.com/office/drawing/2014/main" val="3427173819"/>
+                    </a:ext>
+                  </a:extLst>
+                </a:gridCol>
+                <a:gridCol w="844867">
+                  <a:extLst>
+                    <a:ext uri="{9D8B030D-6E8A-4147-A177-3AD203B41FA5}">
+                      <a16:colId xmlns:a16="http://schemas.microsoft.com/office/drawing/2014/main" val="2404399359"/>
+                    </a:ext>
+                  </a:extLst>
+                </a:gridCol>
+                <a:gridCol w="789303">
+                  <a:extLst>
+                    <a:ext uri="{9D8B030D-6E8A-4147-A177-3AD203B41FA5}">
+                      <a16:colId xmlns:a16="http://schemas.microsoft.com/office/drawing/2014/main" val="1079410152"/>
+                    </a:ext>
+                  </a:extLst>
+                </a:gridCol>
+              </a:tblGrid>
+              <a:tr h="277368">
+                <a:tc>
+                  <a:txBody>
+                    <a:bodyPr/>
+                    <a:lstStyle/>
+                    <a:p>
+                      <a:pPr algn="ctr"/>
+                      <a:endParaRPr lang="en-ID" sz="1400" dirty="0">
+                        <a:solidFill>
+                          <a:schemeClr val="tx1"/>
+                        </a:solidFill>
+                        <a:latin typeface="TeX Gyre Bonum" panose="00000500000000000000" pitchFamily="50" charset="0"/>
+                        <a:ea typeface="CMU Sans Serif" panose="02000603000000000000" pitchFamily="2" charset="0"/>
+                        <a:cs typeface="CMU Sans Serif" panose="02000603000000000000" pitchFamily="2" charset="0"/>
+                      </a:endParaRPr>
+                    </a:p>
+                  </a:txBody>
+                  <a:tcPr>
+                    <a:lnL w="12700" cap="flat" cmpd="sng" algn="ctr">
+                      <a:noFill/>
+                      <a:prstDash val="solid"/>
+                      <a:round/>
+                      <a:headEnd type="none" w="med" len="med"/>
+                      <a:tailEnd type="none" w="med" len="med"/>
+                    </a:lnL>
+                    <a:lnR w="12700" cap="flat" cmpd="sng" algn="ctr">
+                      <a:noFill/>
+                      <a:prstDash val="solid"/>
+                      <a:round/>
+                      <a:headEnd type="none" w="med" len="med"/>
+                      <a:tailEnd type="none" w="med" len="med"/>
+                    </a:lnR>
+                    <a:lnT w="12700" cap="flat" cmpd="sng" algn="ctr">
+                      <a:solidFill>
+                        <a:schemeClr val="tx1"/>
+                      </a:solidFill>
+                      <a:prstDash val="solid"/>
+                      <a:round/>
+                      <a:headEnd type="none" w="med" len="med"/>
+                      <a:tailEnd type="none" w="med" len="med"/>
+                    </a:lnT>
+                    <a:lnB w="12700" cap="flat" cmpd="sng" algn="ctr">
+                      <a:solidFill>
+                        <a:schemeClr val="tx1"/>
+                      </a:solidFill>
+                      <a:prstDash val="solid"/>
+                      <a:round/>
+                      <a:headEnd type="none" w="med" len="med"/>
+                      <a:tailEnd type="none" w="med" len="med"/>
+                    </a:lnB>
+                    <a:lnTlToBr w="12700" cmpd="sng">
+                      <a:noFill/>
+                      <a:prstDash val="solid"/>
+                    </a:lnTlToBr>
+                    <a:lnBlToTr w="12700" cmpd="sng">
+                      <a:noFill/>
+                      <a:prstDash val="solid"/>
+                    </a:lnBlToTr>
+                    <a:noFill/>
+                  </a:tcPr>
+                </a:tc>
+                <a:tc>
+                  <a:txBody>
+                    <a:bodyPr/>
+                    <a:lstStyle/>
+                    <a:p>
+                      <a:pPr algn="ctr"/>
+                      <a:r>
+                        <a:rPr lang="en-US" sz="1400" b="1" dirty="0">
+                          <a:solidFill>
+                            <a:schemeClr val="tx1"/>
+                          </a:solidFill>
+                          <a:latin typeface="TeX Gyre Bonum" panose="00000500000000000000" pitchFamily="50" charset="0"/>
+                          <a:ea typeface="CMU Sans Serif" panose="02000603000000000000" pitchFamily="2" charset="0"/>
+                          <a:cs typeface="CMU Sans Serif" panose="02000603000000000000" pitchFamily="2" charset="0"/>
+                        </a:rPr>
+                        <a:t>A</a:t>
+                      </a:r>
+                      <a:endParaRPr lang="en-ID" sz="1400" b="1" dirty="0">
+                        <a:solidFill>
+                          <a:schemeClr val="tx1"/>
+                        </a:solidFill>
+                        <a:latin typeface="TeX Gyre Bonum" panose="00000500000000000000" pitchFamily="50" charset="0"/>
+                        <a:ea typeface="CMU Sans Serif" panose="02000603000000000000" pitchFamily="2" charset="0"/>
+                        <a:cs typeface="CMU Sans Serif" panose="02000603000000000000" pitchFamily="2" charset="0"/>
+                      </a:endParaRPr>
+                    </a:p>
+                  </a:txBody>
+                  <a:tcPr>
+                    <a:lnL w="12700" cap="flat" cmpd="sng" algn="ctr">
+                      <a:noFill/>
+                      <a:prstDash val="solid"/>
+                      <a:round/>
+                      <a:headEnd type="none" w="med" len="med"/>
+                      <a:tailEnd type="none" w="med" len="med"/>
+                    </a:lnL>
+                    <a:lnR w="12700" cap="flat" cmpd="sng" algn="ctr">
+                      <a:noFill/>
+                      <a:prstDash val="solid"/>
+                      <a:round/>
+                      <a:headEnd type="none" w="med" len="med"/>
+                      <a:tailEnd type="none" w="med" len="med"/>
+                    </a:lnR>
+                    <a:lnT w="12700" cap="flat" cmpd="sng" algn="ctr">
+                      <a:solidFill>
+                        <a:schemeClr val="tx1"/>
+                      </a:solidFill>
+                      <a:prstDash val="solid"/>
+                      <a:round/>
+                      <a:headEnd type="none" w="med" len="med"/>
+                      <a:tailEnd type="none" w="med" len="med"/>
+                    </a:lnT>
+                    <a:lnB w="12700" cap="flat" cmpd="sng" algn="ctr">
+                      <a:solidFill>
+                        <a:schemeClr val="tx1"/>
+                      </a:solidFill>
+                      <a:prstDash val="solid"/>
+                      <a:round/>
+                      <a:headEnd type="none" w="med" len="med"/>
+                      <a:tailEnd type="none" w="med" len="med"/>
+                    </a:lnB>
+                    <a:lnTlToBr w="12700" cmpd="sng">
+                      <a:noFill/>
+                      <a:prstDash val="solid"/>
+                    </a:lnTlToBr>
+                    <a:lnBlToTr w="12700" cmpd="sng">
+                      <a:noFill/>
+                      <a:prstDash val="solid"/>
+                    </a:lnBlToTr>
+                    <a:noFill/>
+                  </a:tcPr>
+                </a:tc>
+                <a:tc>
+                  <a:txBody>
+                    <a:bodyPr/>
+                    <a:lstStyle/>
+                    <a:p>
+                      <a:pPr algn="ctr"/>
+                      <a:r>
+                        <a:rPr lang="en-US" sz="1400" b="1" dirty="0">
+                          <a:solidFill>
+                            <a:schemeClr val="tx1"/>
+                          </a:solidFill>
+                          <a:latin typeface="TeX Gyre Bonum" panose="00000500000000000000" pitchFamily="50" charset="0"/>
+                          <a:ea typeface="CMU Sans Serif" panose="02000603000000000000" pitchFamily="2" charset="0"/>
+                          <a:cs typeface="CMU Sans Serif" panose="02000603000000000000" pitchFamily="2" charset="0"/>
+                        </a:rPr>
+                        <a:t>B</a:t>
+                      </a:r>
+                      <a:endParaRPr lang="en-ID" sz="1400" b="1" dirty="0">
+                        <a:solidFill>
+                          <a:schemeClr val="tx1"/>
+                        </a:solidFill>
+                        <a:latin typeface="TeX Gyre Bonum" panose="00000500000000000000" pitchFamily="50" charset="0"/>
+                        <a:ea typeface="CMU Sans Serif" panose="02000603000000000000" pitchFamily="2" charset="0"/>
+                        <a:cs typeface="CMU Sans Serif" panose="02000603000000000000" pitchFamily="2" charset="0"/>
+                      </a:endParaRPr>
+                    </a:p>
+                  </a:txBody>
+                  <a:tcPr>
+                    <a:lnL w="12700" cap="flat" cmpd="sng" algn="ctr">
+                      <a:noFill/>
+                      <a:prstDash val="solid"/>
+                      <a:round/>
+                      <a:headEnd type="none" w="med" len="med"/>
+                      <a:tailEnd type="none" w="med" len="med"/>
+                    </a:lnL>
+                    <a:lnR w="12700" cap="flat" cmpd="sng" algn="ctr">
+                      <a:noFill/>
+                      <a:prstDash val="solid"/>
+                      <a:round/>
+                      <a:headEnd type="none" w="med" len="med"/>
+                      <a:tailEnd type="none" w="med" len="med"/>
+                    </a:lnR>
+                    <a:lnT w="12700" cap="flat" cmpd="sng" algn="ctr">
+                      <a:solidFill>
+                        <a:schemeClr val="tx1"/>
+                      </a:solidFill>
+                      <a:prstDash val="solid"/>
+                      <a:round/>
+                      <a:headEnd type="none" w="med" len="med"/>
+                      <a:tailEnd type="none" w="med" len="med"/>
+                    </a:lnT>
+                    <a:lnB w="12700" cap="flat" cmpd="sng" algn="ctr">
+                      <a:solidFill>
+                        <a:schemeClr val="tx1"/>
+                      </a:solidFill>
+                      <a:prstDash val="solid"/>
+                      <a:round/>
+                      <a:headEnd type="none" w="med" len="med"/>
+                      <a:tailEnd type="none" w="med" len="med"/>
+                    </a:lnB>
+                    <a:lnTlToBr w="12700" cmpd="sng">
+                      <a:noFill/>
+                      <a:prstDash val="solid"/>
+                    </a:lnTlToBr>
+                    <a:lnBlToTr w="12700" cmpd="sng">
+                      <a:noFill/>
+                      <a:prstDash val="solid"/>
+                    </a:lnBlToTr>
+                    <a:noFill/>
+                  </a:tcPr>
+                </a:tc>
+                <a:tc>
+                  <a:txBody>
+                    <a:bodyPr/>
+                    <a:lstStyle/>
+                    <a:p>
+                      <a:pPr algn="ctr"/>
+                      <a:r>
+                        <a:rPr lang="en-US" sz="1400" b="1" dirty="0">
+                          <a:solidFill>
+                            <a:schemeClr val="tx1"/>
+                          </a:solidFill>
+                          <a:latin typeface="TeX Gyre Bonum" panose="00000500000000000000" pitchFamily="50" charset="0"/>
+                          <a:ea typeface="CMU Sans Serif" panose="02000603000000000000" pitchFamily="2" charset="0"/>
+                          <a:cs typeface="CMU Sans Serif" panose="02000603000000000000" pitchFamily="2" charset="0"/>
+                        </a:rPr>
+                        <a:t>C</a:t>
+                      </a:r>
+                      <a:endParaRPr lang="en-ID" sz="1400" b="1" dirty="0">
+                        <a:solidFill>
+                          <a:schemeClr val="tx1"/>
+                        </a:solidFill>
+                        <a:latin typeface="TeX Gyre Bonum" panose="00000500000000000000" pitchFamily="50" charset="0"/>
+                        <a:ea typeface="CMU Sans Serif" panose="02000603000000000000" pitchFamily="2" charset="0"/>
+                        <a:cs typeface="CMU Sans Serif" panose="02000603000000000000" pitchFamily="2" charset="0"/>
+                      </a:endParaRPr>
+                    </a:p>
+                  </a:txBody>
+                  <a:tcPr>
+                    <a:lnL w="12700" cap="flat" cmpd="sng" algn="ctr">
+                      <a:noFill/>
+                      <a:prstDash val="solid"/>
+                      <a:round/>
+                      <a:headEnd type="none" w="med" len="med"/>
+                      <a:tailEnd type="none" w="med" len="med"/>
+                    </a:lnL>
+                    <a:lnR w="12700" cap="flat" cmpd="sng" algn="ctr">
+                      <a:noFill/>
+                      <a:prstDash val="solid"/>
+                      <a:round/>
+                      <a:headEnd type="none" w="med" len="med"/>
+                      <a:tailEnd type="none" w="med" len="med"/>
+                    </a:lnR>
+                    <a:lnT w="12700" cap="flat" cmpd="sng" algn="ctr">
+                      <a:solidFill>
+                        <a:schemeClr val="tx1"/>
+                      </a:solidFill>
+                      <a:prstDash val="solid"/>
+                      <a:round/>
+                      <a:headEnd type="none" w="med" len="med"/>
+                      <a:tailEnd type="none" w="med" len="med"/>
+                    </a:lnT>
+                    <a:lnB w="12700" cap="flat" cmpd="sng" algn="ctr">
+                      <a:solidFill>
+                        <a:schemeClr val="tx1"/>
+                      </a:solidFill>
+                      <a:prstDash val="solid"/>
+                      <a:round/>
+                      <a:headEnd type="none" w="med" len="med"/>
+                      <a:tailEnd type="none" w="med" len="med"/>
+                    </a:lnB>
+                    <a:lnTlToBr w="12700" cmpd="sng">
+                      <a:noFill/>
+                      <a:prstDash val="solid"/>
+                    </a:lnTlToBr>
+                    <a:lnBlToTr w="12700" cmpd="sng">
+                      <a:noFill/>
+                      <a:prstDash val="solid"/>
+                    </a:lnBlToTr>
+                    <a:noFill/>
+                  </a:tcPr>
+                </a:tc>
+                <a:tc>
+                  <a:txBody>
+                    <a:bodyPr/>
+                    <a:lstStyle/>
+                    <a:p>
+                      <a:pPr algn="ctr"/>
+                      <a:r>
+                        <a:rPr lang="en-US" sz="1400" b="1" dirty="0">
+                          <a:solidFill>
+                            <a:schemeClr val="tx1"/>
+                          </a:solidFill>
+                          <a:latin typeface="TeX Gyre Bonum" panose="00000500000000000000" pitchFamily="50" charset="0"/>
+                          <a:ea typeface="CMU Sans Serif" panose="02000603000000000000" pitchFamily="2" charset="0"/>
+                          <a:cs typeface="CMU Sans Serif" panose="02000603000000000000" pitchFamily="2" charset="0"/>
+                        </a:rPr>
+                        <a:t>D</a:t>
+                      </a:r>
+                      <a:endParaRPr lang="en-ID" sz="1400" b="1" dirty="0">
+                        <a:solidFill>
+                          <a:schemeClr val="tx1"/>
+                        </a:solidFill>
+                        <a:latin typeface="TeX Gyre Bonum" panose="00000500000000000000" pitchFamily="50" charset="0"/>
+                        <a:ea typeface="CMU Sans Serif" panose="02000603000000000000" pitchFamily="2" charset="0"/>
+                        <a:cs typeface="CMU Sans Serif" panose="02000603000000000000" pitchFamily="2" charset="0"/>
+                      </a:endParaRPr>
+                    </a:p>
+                  </a:txBody>
+                  <a:tcPr>
+                    <a:lnL w="12700" cap="flat" cmpd="sng" algn="ctr">
+                      <a:noFill/>
+                      <a:prstDash val="solid"/>
+                      <a:round/>
+                      <a:headEnd type="none" w="med" len="med"/>
+                      <a:tailEnd type="none" w="med" len="med"/>
+                    </a:lnL>
+                    <a:lnR w="12700" cap="flat" cmpd="sng" algn="ctr">
+                      <a:noFill/>
+                      <a:prstDash val="solid"/>
+                      <a:round/>
+                      <a:headEnd type="none" w="med" len="med"/>
+                      <a:tailEnd type="none" w="med" len="med"/>
+                    </a:lnR>
+                    <a:lnT w="12700" cap="flat" cmpd="sng" algn="ctr">
+                      <a:solidFill>
+                        <a:schemeClr val="tx1"/>
+                      </a:solidFill>
+                      <a:prstDash val="solid"/>
+                      <a:round/>
+                      <a:headEnd type="none" w="med" len="med"/>
+                      <a:tailEnd type="none" w="med" len="med"/>
+                    </a:lnT>
+                    <a:lnB w="12700" cap="flat" cmpd="sng" algn="ctr">
+                      <a:solidFill>
+                        <a:schemeClr val="tx1"/>
+                      </a:solidFill>
+                      <a:prstDash val="solid"/>
+                      <a:round/>
+                      <a:headEnd type="none" w="med" len="med"/>
+                      <a:tailEnd type="none" w="med" len="med"/>
+                    </a:lnB>
+                    <a:lnTlToBr w="12700" cmpd="sng">
+                      <a:noFill/>
+                      <a:prstDash val="solid"/>
+                    </a:lnTlToBr>
+                    <a:lnBlToTr w="12700" cmpd="sng">
+                      <a:noFill/>
+                      <a:prstDash val="solid"/>
+                    </a:lnBlToTr>
+                    <a:noFill/>
+                  </a:tcPr>
+                </a:tc>
+                <a:extLst>
+                  <a:ext uri="{0D108BD9-81ED-4DB2-BD59-A6C34878D82A}">
+                    <a16:rowId xmlns:a16="http://schemas.microsoft.com/office/drawing/2014/main" val="3095788039"/>
+                  </a:ext>
+                </a:extLst>
+              </a:tr>
+              <a:tr h="277368">
+                <a:tc>
+                  <a:txBody>
+                    <a:bodyPr/>
+                    <a:lstStyle/>
+                    <a:p>
+                      <a:pPr algn="l"/>
+                      <a:r>
+                        <a:rPr lang="en-US" sz="1400" b="1" dirty="0">
+                          <a:latin typeface="TeX Gyre Bonum" panose="00000500000000000000" pitchFamily="50" charset="0"/>
+                          <a:ea typeface="CMU Sans Serif" panose="02000603000000000000" pitchFamily="2" charset="0"/>
+                          <a:cs typeface="CMU Sans Serif" panose="02000603000000000000" pitchFamily="2" charset="0"/>
+                        </a:rPr>
+                        <a:t>Accuracy</a:t>
+                      </a:r>
+                      <a:endParaRPr lang="en-ID" sz="1400" b="1" dirty="0">
+                        <a:latin typeface="TeX Gyre Bonum" panose="00000500000000000000" pitchFamily="50" charset="0"/>
+                        <a:ea typeface="CMU Sans Serif" panose="02000603000000000000" pitchFamily="2" charset="0"/>
+                        <a:cs typeface="CMU Sans Serif" panose="02000603000000000000" pitchFamily="2" charset="0"/>
+                      </a:endParaRPr>
+                    </a:p>
+                  </a:txBody>
+                  <a:tcPr>
+                    <a:lnL w="12700" cap="flat" cmpd="sng" algn="ctr">
+                      <a:noFill/>
+                      <a:prstDash val="solid"/>
+                      <a:round/>
+                      <a:headEnd type="none" w="med" len="med"/>
+                      <a:tailEnd type="none" w="med" len="med"/>
+                    </a:lnL>
+                    <a:lnR w="12700" cap="flat" cmpd="sng" algn="ctr">
+                      <a:solidFill>
+                        <a:schemeClr val="tx1"/>
+                      </a:solidFill>
+                      <a:prstDash val="solid"/>
+                      <a:round/>
+                      <a:headEnd type="none" w="med" len="med"/>
+                      <a:tailEnd type="none" w="med" len="med"/>
+                    </a:lnR>
+                    <a:lnT w="12700" cap="flat" cmpd="sng" algn="ctr">
+                      <a:solidFill>
+                        <a:schemeClr val="tx1"/>
+                      </a:solidFill>
+                      <a:prstDash val="solid"/>
+                      <a:round/>
+                      <a:headEnd type="none" w="med" len="med"/>
+                      <a:tailEnd type="none" w="med" len="med"/>
+                    </a:lnT>
+                    <a:lnB w="12700" cap="flat" cmpd="sng" algn="ctr">
+                      <a:solidFill>
+                        <a:schemeClr val="tx1"/>
+                      </a:solidFill>
+                      <a:prstDash val="solid"/>
+                      <a:round/>
+                      <a:headEnd type="none" w="med" len="med"/>
+                      <a:tailEnd type="none" w="med" len="med"/>
+                    </a:lnB>
+                    <a:lnTlToBr w="12700" cmpd="sng">
+                      <a:noFill/>
+                      <a:prstDash val="solid"/>
+                    </a:lnTlToBr>
+                    <a:lnBlToTr w="12700" cmpd="sng">
+                      <a:noFill/>
+                      <a:prstDash val="solid"/>
+                    </a:lnBlToTr>
+                    <a:noFill/>
+                  </a:tcPr>
+                </a:tc>
+                <a:tc>
+                  <a:txBody>
+                    <a:bodyPr/>
+                    <a:lstStyle/>
+                    <a:p>
+                      <a:pPr marL="0" marR="0" lvl="0" indent="0" algn="ctr" defTabSz="914400" rtl="0" eaLnBrk="1" fontAlgn="auto" latinLnBrk="0" hangingPunct="1">
+                        <a:lnSpc>
+                          <a:spcPct val="100000"/>
+                        </a:lnSpc>
+                        <a:spcBef>
+                          <a:spcPts val="0"/>
+                        </a:spcBef>
+                        <a:spcAft>
+                          <a:spcPts val="0"/>
+                        </a:spcAft>
+                        <a:buClrTx/>
+                        <a:buSzTx/>
+                        <a:buFontTx/>
+                        <a:buNone/>
+                        <a:tabLst/>
+                        <a:defRPr/>
+                      </a:pPr>
+                      <a:r>
+                        <a:rPr lang="en-ID" sz="1400" b="0" kern="1200" dirty="0">
+                          <a:solidFill>
+                            <a:schemeClr val="dk1"/>
+                          </a:solidFill>
+                          <a:effectLst/>
+                          <a:latin typeface="TeX Gyre Bonum" panose="00000500000000000000" pitchFamily="50" charset="0"/>
+                          <a:ea typeface="CMU Sans Serif" panose="02000603000000000000" pitchFamily="2" charset="0"/>
+                          <a:cs typeface="CMU Sans Serif" panose="02000603000000000000" pitchFamily="2" charset="0"/>
+                        </a:rPr>
+                        <a:t>0.7463</a:t>
+                      </a:r>
+                    </a:p>
+                  </a:txBody>
+                  <a:tcPr>
+                    <a:lnL w="12700" cap="flat" cmpd="sng" algn="ctr">
+                      <a:solidFill>
+                        <a:schemeClr val="tx1"/>
+                      </a:solidFill>
+                      <a:prstDash val="solid"/>
+                      <a:round/>
+                      <a:headEnd type="none" w="med" len="med"/>
+                      <a:tailEnd type="none" w="med" len="med"/>
+                    </a:lnL>
+                    <a:lnR w="12700" cap="flat" cmpd="sng" algn="ctr">
+                      <a:noFill/>
+                      <a:prstDash val="solid"/>
+                      <a:round/>
+                      <a:headEnd type="none" w="med" len="med"/>
+                      <a:tailEnd type="none" w="med" len="med"/>
+                    </a:lnR>
+                    <a:lnT w="12700" cap="flat" cmpd="sng" algn="ctr">
+                      <a:solidFill>
+                        <a:schemeClr val="tx1"/>
+                      </a:solidFill>
+                      <a:prstDash val="solid"/>
+                      <a:round/>
+                      <a:headEnd type="none" w="med" len="med"/>
+                      <a:tailEnd type="none" w="med" len="med"/>
+                    </a:lnT>
+                    <a:lnB w="12700" cap="flat" cmpd="sng" algn="ctr">
+                      <a:solidFill>
+                        <a:schemeClr val="tx1"/>
+                      </a:solidFill>
+                      <a:prstDash val="solid"/>
+                      <a:round/>
+                      <a:headEnd type="none" w="med" len="med"/>
+                      <a:tailEnd type="none" w="med" len="med"/>
+                    </a:lnB>
+                    <a:lnTlToBr w="12700" cmpd="sng">
+                      <a:noFill/>
+                      <a:prstDash val="solid"/>
+                    </a:lnTlToBr>
+                    <a:lnBlToTr w="12700" cmpd="sng">
+                      <a:noFill/>
+                      <a:prstDash val="solid"/>
+                    </a:lnBlToTr>
+                    <a:noFill/>
+                  </a:tcPr>
+                </a:tc>
+                <a:tc>
+                  <a:txBody>
+                    <a:bodyPr/>
+                    <a:lstStyle/>
+                    <a:p>
+                      <a:pPr marL="0" marR="0" lvl="0" indent="0" algn="ctr" defTabSz="914400" rtl="0" eaLnBrk="1" fontAlgn="auto" latinLnBrk="0" hangingPunct="1">
+                        <a:lnSpc>
+                          <a:spcPct val="100000"/>
+                        </a:lnSpc>
+                        <a:spcBef>
+                          <a:spcPts val="0"/>
+                        </a:spcBef>
+                        <a:spcAft>
+                          <a:spcPts val="0"/>
+                        </a:spcAft>
+                        <a:buClrTx/>
+                        <a:buSzTx/>
+                        <a:buFontTx/>
+                        <a:buNone/>
+                        <a:tabLst/>
+                        <a:defRPr/>
+                      </a:pPr>
+                      <a:r>
+                        <a:rPr lang="en-ID" sz="1400" b="0" kern="1200" dirty="0">
+                          <a:solidFill>
+                            <a:schemeClr val="dk1"/>
+                          </a:solidFill>
+                          <a:effectLst/>
+                          <a:latin typeface="TeX Gyre Bonum" panose="00000500000000000000" pitchFamily="50" charset="0"/>
+                          <a:ea typeface="CMU Sans Serif" panose="02000603000000000000" pitchFamily="2" charset="0"/>
+                          <a:cs typeface="CMU Sans Serif" panose="02000603000000000000" pitchFamily="2" charset="0"/>
+                        </a:rPr>
+                        <a:t>0.7015</a:t>
+                      </a:r>
+                    </a:p>
+                  </a:txBody>
+                  <a:tcPr>
+                    <a:lnL w="12700" cap="flat" cmpd="sng" algn="ctr">
+                      <a:noFill/>
+                      <a:prstDash val="solid"/>
+                      <a:round/>
+                      <a:headEnd type="none" w="med" len="med"/>
+                      <a:tailEnd type="none" w="med" len="med"/>
+                    </a:lnL>
+                    <a:lnR w="12700" cap="flat" cmpd="sng" algn="ctr">
+                      <a:noFill/>
+                      <a:prstDash val="solid"/>
+                      <a:round/>
+                      <a:headEnd type="none" w="med" len="med"/>
+                      <a:tailEnd type="none" w="med" len="med"/>
+                    </a:lnR>
+                    <a:lnT w="12700" cap="flat" cmpd="sng" algn="ctr">
+                      <a:solidFill>
+                        <a:schemeClr val="tx1"/>
+                      </a:solidFill>
+                      <a:prstDash val="solid"/>
+                      <a:round/>
+                      <a:headEnd type="none" w="med" len="med"/>
+                      <a:tailEnd type="none" w="med" len="med"/>
+                    </a:lnT>
+                    <a:lnB w="12700" cap="flat" cmpd="sng" algn="ctr">
+                      <a:solidFill>
+                        <a:schemeClr val="tx1"/>
+                      </a:solidFill>
+                      <a:prstDash val="solid"/>
+                      <a:round/>
+                      <a:headEnd type="none" w="med" len="med"/>
+                      <a:tailEnd type="none" w="med" len="med"/>
+                    </a:lnB>
+                    <a:lnTlToBr w="12700" cmpd="sng">
+                      <a:noFill/>
+                      <a:prstDash val="solid"/>
+                    </a:lnTlToBr>
+                    <a:lnBlToTr w="12700" cmpd="sng">
+                      <a:noFill/>
+                      <a:prstDash val="solid"/>
+                    </a:lnBlToTr>
+                    <a:noFill/>
+                  </a:tcPr>
+                </a:tc>
+                <a:tc>
+                  <a:txBody>
+                    <a:bodyPr/>
+                    <a:lstStyle/>
+                    <a:p>
+                      <a:pPr marL="0" marR="0" lvl="0" indent="0" algn="ctr" defTabSz="914400" rtl="0" eaLnBrk="1" fontAlgn="auto" latinLnBrk="0" hangingPunct="1">
+                        <a:lnSpc>
+                          <a:spcPct val="100000"/>
+                        </a:lnSpc>
+                        <a:spcBef>
+                          <a:spcPts val="0"/>
+                        </a:spcBef>
+                        <a:spcAft>
+                          <a:spcPts val="0"/>
+                        </a:spcAft>
+                        <a:buClrTx/>
+                        <a:buSzTx/>
+                        <a:buFontTx/>
+                        <a:buNone/>
+                        <a:tabLst/>
+                        <a:defRPr/>
+                      </a:pPr>
+                      <a:r>
+                        <a:rPr lang="en-ID" sz="1400" b="0" kern="1200" dirty="0">
+                          <a:solidFill>
+                            <a:schemeClr val="dk1"/>
+                          </a:solidFill>
+                          <a:effectLst/>
+                          <a:latin typeface="TeX Gyre Bonum" panose="00000500000000000000" pitchFamily="50" charset="0"/>
+                          <a:ea typeface="CMU Sans Serif" panose="02000603000000000000" pitchFamily="2" charset="0"/>
+                          <a:cs typeface="CMU Sans Serif" panose="02000603000000000000" pitchFamily="2" charset="0"/>
+                        </a:rPr>
+                        <a:t>0.7313</a:t>
+                      </a:r>
+                    </a:p>
+                  </a:txBody>
+                  <a:tcPr>
+                    <a:lnL w="12700" cap="flat" cmpd="sng" algn="ctr">
+                      <a:noFill/>
+                      <a:prstDash val="solid"/>
+                      <a:round/>
+                      <a:headEnd type="none" w="med" len="med"/>
+                      <a:tailEnd type="none" w="med" len="med"/>
+                    </a:lnL>
+                    <a:lnR w="12700" cap="flat" cmpd="sng" algn="ctr">
+                      <a:noFill/>
+                      <a:prstDash val="solid"/>
+                      <a:round/>
+                      <a:headEnd type="none" w="med" len="med"/>
+                      <a:tailEnd type="none" w="med" len="med"/>
+                    </a:lnR>
+                    <a:lnT w="12700" cap="flat" cmpd="sng" algn="ctr">
+                      <a:solidFill>
+                        <a:schemeClr val="tx1"/>
+                      </a:solidFill>
+                      <a:prstDash val="solid"/>
+                      <a:round/>
+                      <a:headEnd type="none" w="med" len="med"/>
+                      <a:tailEnd type="none" w="med" len="med"/>
+                    </a:lnT>
+                    <a:lnB w="12700" cap="flat" cmpd="sng" algn="ctr">
+                      <a:solidFill>
+                        <a:schemeClr val="tx1"/>
+                      </a:solidFill>
+                      <a:prstDash val="solid"/>
+                      <a:round/>
+                      <a:headEnd type="none" w="med" len="med"/>
+                      <a:tailEnd type="none" w="med" len="med"/>
+                    </a:lnB>
+                    <a:lnTlToBr w="12700" cmpd="sng">
+                      <a:noFill/>
+                      <a:prstDash val="solid"/>
+                    </a:lnTlToBr>
+                    <a:lnBlToTr w="12700" cmpd="sng">
+                      <a:noFill/>
+                      <a:prstDash val="solid"/>
+                    </a:lnBlToTr>
+                    <a:noFill/>
+                  </a:tcPr>
+                </a:tc>
+                <a:tc>
+                  <a:txBody>
+                    <a:bodyPr/>
+                    <a:lstStyle/>
+                    <a:p>
+                      <a:pPr marL="0" marR="0" lvl="0" indent="0" algn="ctr" defTabSz="914400" rtl="0" eaLnBrk="1" fontAlgn="auto" latinLnBrk="0" hangingPunct="1">
+                        <a:lnSpc>
+                          <a:spcPct val="100000"/>
+                        </a:lnSpc>
+                        <a:spcBef>
+                          <a:spcPts val="0"/>
+                        </a:spcBef>
+                        <a:spcAft>
+                          <a:spcPts val="0"/>
+                        </a:spcAft>
+                        <a:buClrTx/>
+                        <a:buSzTx/>
+                        <a:buFontTx/>
+                        <a:buNone/>
+                        <a:tabLst/>
+                        <a:defRPr/>
+                      </a:pPr>
+                      <a:r>
+                        <a:rPr lang="en-ID" sz="1400" b="0" kern="1200" dirty="0">
+                          <a:solidFill>
+                            <a:schemeClr val="dk1"/>
+                          </a:solidFill>
+                          <a:effectLst/>
+                          <a:latin typeface="TeX Gyre Bonum" panose="00000500000000000000" pitchFamily="50" charset="0"/>
+                          <a:ea typeface="CMU Sans Serif" panose="02000603000000000000" pitchFamily="2" charset="0"/>
+                          <a:cs typeface="CMU Sans Serif" panose="02000603000000000000" pitchFamily="2" charset="0"/>
+                        </a:rPr>
+                        <a:t>0.7672</a:t>
+                      </a:r>
+                    </a:p>
+                  </a:txBody>
+                  <a:tcPr>
+                    <a:lnL w="12700" cap="flat" cmpd="sng" algn="ctr">
+                      <a:noFill/>
+                      <a:prstDash val="solid"/>
+                      <a:round/>
+                      <a:headEnd type="none" w="med" len="med"/>
+                      <a:tailEnd type="none" w="med" len="med"/>
+                    </a:lnL>
+                    <a:lnR w="12700" cap="flat" cmpd="sng" algn="ctr">
+                      <a:noFill/>
+                      <a:prstDash val="solid"/>
+                      <a:round/>
+                      <a:headEnd type="none" w="med" len="med"/>
+                      <a:tailEnd type="none" w="med" len="med"/>
+                    </a:lnR>
+                    <a:lnT w="12700" cap="flat" cmpd="sng" algn="ctr">
+                      <a:solidFill>
+                        <a:schemeClr val="tx1"/>
+                      </a:solidFill>
+                      <a:prstDash val="solid"/>
+                      <a:round/>
+                      <a:headEnd type="none" w="med" len="med"/>
+                      <a:tailEnd type="none" w="med" len="med"/>
+                    </a:lnT>
+                    <a:lnB w="12700" cap="flat" cmpd="sng" algn="ctr">
+                      <a:solidFill>
+                        <a:schemeClr val="tx1"/>
+                      </a:solidFill>
+                      <a:prstDash val="solid"/>
+                      <a:round/>
+                      <a:headEnd type="none" w="med" len="med"/>
+                      <a:tailEnd type="none" w="med" len="med"/>
+                    </a:lnB>
+                    <a:lnTlToBr w="12700" cmpd="sng">
+                      <a:noFill/>
+                      <a:prstDash val="solid"/>
+                    </a:lnTlToBr>
+                    <a:lnBlToTr w="12700" cmpd="sng">
+                      <a:noFill/>
+                      <a:prstDash val="solid"/>
+                    </a:lnBlToTr>
+                    <a:noFill/>
+                  </a:tcPr>
+                </a:tc>
+                <a:extLst>
+                  <a:ext uri="{0D108BD9-81ED-4DB2-BD59-A6C34878D82A}">
+                    <a16:rowId xmlns:a16="http://schemas.microsoft.com/office/drawing/2014/main" val="3362170562"/>
+                  </a:ext>
+                </a:extLst>
+              </a:tr>
+              <a:tr h="277368">
+                <a:tc>
+                  <a:txBody>
+                    <a:bodyPr/>
+                    <a:lstStyle/>
+                    <a:p>
+                      <a:pPr algn="l"/>
+                      <a:r>
+                        <a:rPr lang="en-US" sz="1400" b="1" dirty="0">
+                          <a:latin typeface="TeX Gyre Bonum" panose="00000500000000000000" pitchFamily="50" charset="0"/>
+                          <a:ea typeface="CMU Sans Serif" panose="02000603000000000000" pitchFamily="2" charset="0"/>
+                          <a:cs typeface="CMU Sans Serif" panose="02000603000000000000" pitchFamily="2" charset="0"/>
+                        </a:rPr>
+                        <a:t>Precision</a:t>
+                      </a:r>
+                      <a:endParaRPr lang="en-ID" sz="1400" b="1" dirty="0">
+                        <a:latin typeface="TeX Gyre Bonum" panose="00000500000000000000" pitchFamily="50" charset="0"/>
+                        <a:ea typeface="CMU Sans Serif" panose="02000603000000000000" pitchFamily="2" charset="0"/>
+                        <a:cs typeface="CMU Sans Serif" panose="02000603000000000000" pitchFamily="2" charset="0"/>
+                      </a:endParaRPr>
+                    </a:p>
+                  </a:txBody>
+                  <a:tcPr>
+                    <a:lnL w="12700" cap="flat" cmpd="sng" algn="ctr">
+                      <a:noFill/>
+                      <a:prstDash val="solid"/>
+                      <a:round/>
+                      <a:headEnd type="none" w="med" len="med"/>
+                      <a:tailEnd type="none" w="med" len="med"/>
+                    </a:lnL>
+                    <a:lnR w="12700" cap="flat" cmpd="sng" algn="ctr">
+                      <a:solidFill>
+                        <a:schemeClr val="tx1"/>
+                      </a:solidFill>
+                      <a:prstDash val="solid"/>
+                      <a:round/>
+                      <a:headEnd type="none" w="med" len="med"/>
+                      <a:tailEnd type="none" w="med" len="med"/>
+                    </a:lnR>
+                    <a:lnT w="12700" cap="flat" cmpd="sng" algn="ctr">
+                      <a:solidFill>
+                        <a:schemeClr val="tx1"/>
+                      </a:solidFill>
+                      <a:prstDash val="solid"/>
+                      <a:round/>
+                      <a:headEnd type="none" w="med" len="med"/>
+                      <a:tailEnd type="none" w="med" len="med"/>
+                    </a:lnT>
+                    <a:lnB w="12700" cap="flat" cmpd="sng" algn="ctr">
+                      <a:solidFill>
+                        <a:schemeClr val="tx1"/>
+                      </a:solidFill>
+                      <a:prstDash val="solid"/>
+                      <a:round/>
+                      <a:headEnd type="none" w="med" len="med"/>
+                      <a:tailEnd type="none" w="med" len="med"/>
+                    </a:lnB>
+                    <a:lnTlToBr w="12700" cmpd="sng">
+                      <a:noFill/>
+                      <a:prstDash val="solid"/>
+                    </a:lnTlToBr>
+                    <a:lnBlToTr w="12700" cmpd="sng">
+                      <a:noFill/>
+                      <a:prstDash val="solid"/>
+                    </a:lnBlToTr>
+                    <a:noFill/>
+                  </a:tcPr>
+                </a:tc>
+                <a:tc>
+                  <a:txBody>
+                    <a:bodyPr/>
+                    <a:lstStyle/>
+                    <a:p>
+                      <a:pPr algn="ctr"/>
+                      <a:r>
+                        <a:rPr lang="en-ID" sz="1400" b="0" kern="1200" dirty="0">
+                          <a:solidFill>
+                            <a:schemeClr val="dk1"/>
+                          </a:solidFill>
+                          <a:effectLst/>
+                          <a:latin typeface="TeX Gyre Bonum" panose="00000500000000000000" pitchFamily="50" charset="0"/>
+                          <a:ea typeface="CMU Sans Serif" panose="02000603000000000000" pitchFamily="2" charset="0"/>
+                          <a:cs typeface="CMU Sans Serif" panose="02000603000000000000" pitchFamily="2" charset="0"/>
+                        </a:rPr>
+                        <a:t>0.7563</a:t>
+                      </a:r>
+                      <a:endParaRPr lang="en-ID" sz="1400" dirty="0">
+                        <a:latin typeface="TeX Gyre Bonum" panose="00000500000000000000" pitchFamily="50" charset="0"/>
+                        <a:ea typeface="CMU Sans Serif" panose="02000603000000000000" pitchFamily="2" charset="0"/>
+                        <a:cs typeface="CMU Sans Serif" panose="02000603000000000000" pitchFamily="2" charset="0"/>
+                      </a:endParaRPr>
+                    </a:p>
+                  </a:txBody>
+                  <a:tcPr>
+                    <a:lnL w="12700" cap="flat" cmpd="sng" algn="ctr">
+                      <a:solidFill>
+                        <a:schemeClr val="tx1"/>
+                      </a:solidFill>
+                      <a:prstDash val="solid"/>
+                      <a:round/>
+                      <a:headEnd type="none" w="med" len="med"/>
+                      <a:tailEnd type="none" w="med" len="med"/>
+                    </a:lnL>
+                    <a:lnR w="12700" cap="flat" cmpd="sng" algn="ctr">
+                      <a:noFill/>
+                      <a:prstDash val="solid"/>
+                      <a:round/>
+                      <a:headEnd type="none" w="med" len="med"/>
+                      <a:tailEnd type="none" w="med" len="med"/>
+                    </a:lnR>
+                    <a:lnT w="12700" cap="flat" cmpd="sng" algn="ctr">
+                      <a:solidFill>
+                        <a:schemeClr val="tx1"/>
+                      </a:solidFill>
+                      <a:prstDash val="solid"/>
+                      <a:round/>
+                      <a:headEnd type="none" w="med" len="med"/>
+                      <a:tailEnd type="none" w="med" len="med"/>
+                    </a:lnT>
+                    <a:lnB w="12700" cap="flat" cmpd="sng" algn="ctr">
+                      <a:solidFill>
+                        <a:schemeClr val="tx1"/>
+                      </a:solidFill>
+                      <a:prstDash val="solid"/>
+                      <a:round/>
+                      <a:headEnd type="none" w="med" len="med"/>
+                      <a:tailEnd type="none" w="med" len="med"/>
+                    </a:lnB>
+                    <a:lnTlToBr w="12700" cmpd="sng">
+                      <a:noFill/>
+                      <a:prstDash val="solid"/>
+                    </a:lnTlToBr>
+                    <a:lnBlToTr w="12700" cmpd="sng">
+                      <a:noFill/>
+                      <a:prstDash val="solid"/>
+                    </a:lnBlToTr>
+                    <a:noFill/>
+                  </a:tcPr>
+                </a:tc>
+                <a:tc>
+                  <a:txBody>
+                    <a:bodyPr/>
+                    <a:lstStyle/>
+                    <a:p>
+                      <a:pPr marL="0" marR="0" lvl="0" indent="0" algn="ctr" defTabSz="914400" rtl="0" eaLnBrk="1" fontAlgn="auto" latinLnBrk="0" hangingPunct="1">
+                        <a:lnSpc>
+                          <a:spcPct val="100000"/>
+                        </a:lnSpc>
+                        <a:spcBef>
+                          <a:spcPts val="0"/>
+                        </a:spcBef>
+                        <a:spcAft>
+                          <a:spcPts val="0"/>
+                        </a:spcAft>
+                        <a:buClrTx/>
+                        <a:buSzTx/>
+                        <a:buFontTx/>
+                        <a:buNone/>
+                        <a:tabLst/>
+                        <a:defRPr/>
+                      </a:pPr>
+                      <a:r>
+                        <a:rPr lang="en-ID" sz="1400" b="0" kern="1200" dirty="0">
+                          <a:solidFill>
+                            <a:schemeClr val="dk1"/>
+                          </a:solidFill>
+                          <a:effectLst/>
+                          <a:latin typeface="TeX Gyre Bonum" panose="00000500000000000000" pitchFamily="50" charset="0"/>
+                          <a:ea typeface="CMU Sans Serif" panose="02000603000000000000" pitchFamily="2" charset="0"/>
+                          <a:cs typeface="CMU Sans Serif" panose="02000603000000000000" pitchFamily="2" charset="0"/>
+                        </a:rPr>
+                        <a:t>0.7402</a:t>
+                      </a:r>
+                    </a:p>
+                  </a:txBody>
+                  <a:tcPr>
+                    <a:lnL w="12700" cap="flat" cmpd="sng" algn="ctr">
+                      <a:noFill/>
+                      <a:prstDash val="solid"/>
+                      <a:round/>
+                      <a:headEnd type="none" w="med" len="med"/>
+                      <a:tailEnd type="none" w="med" len="med"/>
+                    </a:lnL>
+                    <a:lnR w="12700" cap="flat" cmpd="sng" algn="ctr">
+                      <a:noFill/>
+                      <a:prstDash val="solid"/>
+                      <a:round/>
+                      <a:headEnd type="none" w="med" len="med"/>
+                      <a:tailEnd type="none" w="med" len="med"/>
+                    </a:lnR>
+                    <a:lnT w="12700" cap="flat" cmpd="sng" algn="ctr">
+                      <a:solidFill>
+                        <a:schemeClr val="tx1"/>
+                      </a:solidFill>
+                      <a:prstDash val="solid"/>
+                      <a:round/>
+                      <a:headEnd type="none" w="med" len="med"/>
+                      <a:tailEnd type="none" w="med" len="med"/>
+                    </a:lnT>
+                    <a:lnB w="12700" cap="flat" cmpd="sng" algn="ctr">
+                      <a:solidFill>
+                        <a:schemeClr val="tx1"/>
+                      </a:solidFill>
+                      <a:prstDash val="solid"/>
+                      <a:round/>
+                      <a:headEnd type="none" w="med" len="med"/>
+                      <a:tailEnd type="none" w="med" len="med"/>
+                    </a:lnB>
+                    <a:lnTlToBr w="12700" cmpd="sng">
+                      <a:noFill/>
+                      <a:prstDash val="solid"/>
+                    </a:lnTlToBr>
+                    <a:lnBlToTr w="12700" cmpd="sng">
+                      <a:noFill/>
+                      <a:prstDash val="solid"/>
+                    </a:lnBlToTr>
+                    <a:noFill/>
+                  </a:tcPr>
+                </a:tc>
+                <a:tc>
+                  <a:txBody>
+                    <a:bodyPr/>
+                    <a:lstStyle/>
+                    <a:p>
+                      <a:pPr marL="0" marR="0" lvl="0" indent="0" algn="ctr" defTabSz="914400" rtl="0" eaLnBrk="1" fontAlgn="auto" latinLnBrk="0" hangingPunct="1">
+                        <a:lnSpc>
+                          <a:spcPct val="100000"/>
+                        </a:lnSpc>
+                        <a:spcBef>
+                          <a:spcPts val="0"/>
+                        </a:spcBef>
+                        <a:spcAft>
+                          <a:spcPts val="0"/>
+                        </a:spcAft>
+                        <a:buClrTx/>
+                        <a:buSzTx/>
+                        <a:buFontTx/>
+                        <a:buNone/>
+                        <a:tabLst/>
+                        <a:defRPr/>
+                      </a:pPr>
+                      <a:r>
+                        <a:rPr lang="en-ID" sz="1400" b="0" kern="1200" dirty="0">
+                          <a:solidFill>
+                            <a:schemeClr val="dk1"/>
+                          </a:solidFill>
+                          <a:effectLst/>
+                          <a:latin typeface="TeX Gyre Bonum" panose="00000500000000000000" pitchFamily="50" charset="0"/>
+                          <a:ea typeface="CMU Sans Serif" panose="02000603000000000000" pitchFamily="2" charset="0"/>
+                          <a:cs typeface="CMU Sans Serif" panose="02000603000000000000" pitchFamily="2" charset="0"/>
+                        </a:rPr>
+                        <a:t>0.7417</a:t>
+                      </a:r>
+                    </a:p>
+                  </a:txBody>
+                  <a:tcPr>
+                    <a:lnL w="12700" cap="flat" cmpd="sng" algn="ctr">
+                      <a:noFill/>
+                      <a:prstDash val="solid"/>
+                      <a:round/>
+                      <a:headEnd type="none" w="med" len="med"/>
+                      <a:tailEnd type="none" w="med" len="med"/>
+                    </a:lnL>
+                    <a:lnR w="12700" cap="flat" cmpd="sng" algn="ctr">
+                      <a:noFill/>
+                      <a:prstDash val="solid"/>
+                      <a:round/>
+                      <a:headEnd type="none" w="med" len="med"/>
+                      <a:tailEnd type="none" w="med" len="med"/>
+                    </a:lnR>
+                    <a:lnT w="12700" cap="flat" cmpd="sng" algn="ctr">
+                      <a:solidFill>
+                        <a:schemeClr val="tx1"/>
+                      </a:solidFill>
+                      <a:prstDash val="solid"/>
+                      <a:round/>
+                      <a:headEnd type="none" w="med" len="med"/>
+                      <a:tailEnd type="none" w="med" len="med"/>
+                    </a:lnT>
+                    <a:lnB w="12700" cap="flat" cmpd="sng" algn="ctr">
+                      <a:solidFill>
+                        <a:schemeClr val="tx1"/>
+                      </a:solidFill>
+                      <a:prstDash val="solid"/>
+                      <a:round/>
+                      <a:headEnd type="none" w="med" len="med"/>
+                      <a:tailEnd type="none" w="med" len="med"/>
+                    </a:lnB>
+                    <a:lnTlToBr w="12700" cmpd="sng">
+                      <a:noFill/>
+                      <a:prstDash val="solid"/>
+                    </a:lnTlToBr>
+                    <a:lnBlToTr w="12700" cmpd="sng">
+                      <a:noFill/>
+                      <a:prstDash val="solid"/>
+                    </a:lnBlToTr>
+                    <a:noFill/>
+                  </a:tcPr>
+                </a:tc>
+                <a:tc>
+                  <a:txBody>
+                    <a:bodyPr/>
+                    <a:lstStyle/>
+                    <a:p>
+                      <a:pPr marL="0" marR="0" lvl="0" indent="0" algn="ctr" defTabSz="914400" rtl="0" eaLnBrk="1" fontAlgn="auto" latinLnBrk="0" hangingPunct="1">
+                        <a:lnSpc>
+                          <a:spcPct val="100000"/>
+                        </a:lnSpc>
+                        <a:spcBef>
+                          <a:spcPts val="0"/>
+                        </a:spcBef>
+                        <a:spcAft>
+                          <a:spcPts val="0"/>
+                        </a:spcAft>
+                        <a:buClrTx/>
+                        <a:buSzTx/>
+                        <a:buFontTx/>
+                        <a:buNone/>
+                        <a:tabLst/>
+                        <a:defRPr/>
+                      </a:pPr>
+                      <a:r>
+                        <a:rPr lang="en-ID" sz="1400" b="0" kern="1200" dirty="0">
+                          <a:solidFill>
+                            <a:schemeClr val="dk1"/>
+                          </a:solidFill>
+                          <a:effectLst/>
+                          <a:latin typeface="TeX Gyre Bonum" panose="00000500000000000000" pitchFamily="50" charset="0"/>
+                          <a:ea typeface="CMU Sans Serif" panose="02000603000000000000" pitchFamily="2" charset="0"/>
+                          <a:cs typeface="CMU Sans Serif" panose="02000603000000000000" pitchFamily="2" charset="0"/>
+                        </a:rPr>
+                        <a:t>0.7263</a:t>
+                      </a:r>
+                    </a:p>
+                  </a:txBody>
+                  <a:tcPr>
+                    <a:lnL w="12700" cap="flat" cmpd="sng" algn="ctr">
+                      <a:noFill/>
+                      <a:prstDash val="solid"/>
+                      <a:round/>
+                      <a:headEnd type="none" w="med" len="med"/>
+                      <a:tailEnd type="none" w="med" len="med"/>
+                    </a:lnL>
+                    <a:lnR w="12700" cap="flat" cmpd="sng" algn="ctr">
+                      <a:noFill/>
+                      <a:prstDash val="solid"/>
+                      <a:round/>
+                      <a:headEnd type="none" w="med" len="med"/>
+                      <a:tailEnd type="none" w="med" len="med"/>
+                    </a:lnR>
+                    <a:lnT w="12700" cap="flat" cmpd="sng" algn="ctr">
+                      <a:solidFill>
+                        <a:schemeClr val="tx1"/>
+                      </a:solidFill>
+                      <a:prstDash val="solid"/>
+                      <a:round/>
+                      <a:headEnd type="none" w="med" len="med"/>
+                      <a:tailEnd type="none" w="med" len="med"/>
+                    </a:lnT>
+                    <a:lnB w="12700" cap="flat" cmpd="sng" algn="ctr">
+                      <a:solidFill>
+                        <a:schemeClr val="tx1"/>
+                      </a:solidFill>
+                      <a:prstDash val="solid"/>
+                      <a:round/>
+                      <a:headEnd type="none" w="med" len="med"/>
+                      <a:tailEnd type="none" w="med" len="med"/>
+                    </a:lnB>
+                    <a:lnTlToBr w="12700" cmpd="sng">
+                      <a:noFill/>
+                      <a:prstDash val="solid"/>
+                    </a:lnTlToBr>
+                    <a:lnBlToTr w="12700" cmpd="sng">
+                      <a:noFill/>
+                      <a:prstDash val="solid"/>
+                    </a:lnBlToTr>
+                    <a:noFill/>
+                  </a:tcPr>
+                </a:tc>
+                <a:extLst>
+                  <a:ext uri="{0D108BD9-81ED-4DB2-BD59-A6C34878D82A}">
+                    <a16:rowId xmlns:a16="http://schemas.microsoft.com/office/drawing/2014/main" val="161724924"/>
+                  </a:ext>
+                </a:extLst>
+              </a:tr>
+              <a:tr h="277368">
+                <a:tc>
+                  <a:txBody>
+                    <a:bodyPr/>
+                    <a:lstStyle/>
+                    <a:p>
+                      <a:pPr algn="l"/>
+                      <a:r>
+                        <a:rPr lang="en-US" sz="1400" b="1" dirty="0">
+                          <a:latin typeface="TeX Gyre Bonum" panose="00000500000000000000" pitchFamily="50" charset="0"/>
+                          <a:ea typeface="CMU Sans Serif" panose="02000603000000000000" pitchFamily="2" charset="0"/>
+                          <a:cs typeface="CMU Sans Serif" panose="02000603000000000000" pitchFamily="2" charset="0"/>
+                        </a:rPr>
+                        <a:t>Recall</a:t>
+                      </a:r>
+                      <a:endParaRPr lang="en-ID" sz="1400" b="1" dirty="0">
+                        <a:latin typeface="TeX Gyre Bonum" panose="00000500000000000000" pitchFamily="50" charset="0"/>
+                        <a:ea typeface="CMU Sans Serif" panose="02000603000000000000" pitchFamily="2" charset="0"/>
+                        <a:cs typeface="CMU Sans Serif" panose="02000603000000000000" pitchFamily="2" charset="0"/>
+                      </a:endParaRPr>
+                    </a:p>
+                  </a:txBody>
+                  <a:tcPr>
+                    <a:lnL w="12700" cap="flat" cmpd="sng" algn="ctr">
+                      <a:noFill/>
+                      <a:prstDash val="solid"/>
+                      <a:round/>
+                      <a:headEnd type="none" w="med" len="med"/>
+                      <a:tailEnd type="none" w="med" len="med"/>
+                    </a:lnL>
+                    <a:lnR w="12700" cap="flat" cmpd="sng" algn="ctr">
+                      <a:solidFill>
+                        <a:schemeClr val="tx1"/>
+                      </a:solidFill>
+                      <a:prstDash val="solid"/>
+                      <a:round/>
+                      <a:headEnd type="none" w="med" len="med"/>
+                      <a:tailEnd type="none" w="med" len="med"/>
+                    </a:lnR>
+                    <a:lnT w="12700" cap="flat" cmpd="sng" algn="ctr">
+                      <a:solidFill>
+                        <a:schemeClr val="tx1"/>
+                      </a:solidFill>
+                      <a:prstDash val="solid"/>
+                      <a:round/>
+                      <a:headEnd type="none" w="med" len="med"/>
+                      <a:tailEnd type="none" w="med" len="med"/>
+                    </a:lnT>
+                    <a:lnB w="12700" cap="flat" cmpd="sng" algn="ctr">
+                      <a:solidFill>
+                        <a:schemeClr val="tx1"/>
+                      </a:solidFill>
+                      <a:prstDash val="solid"/>
+                      <a:round/>
+                      <a:headEnd type="none" w="med" len="med"/>
+                      <a:tailEnd type="none" w="med" len="med"/>
+                    </a:lnB>
+                    <a:lnTlToBr w="12700" cmpd="sng">
+                      <a:noFill/>
+                      <a:prstDash val="solid"/>
+                    </a:lnTlToBr>
+                    <a:lnBlToTr w="12700" cmpd="sng">
+                      <a:noFill/>
+                      <a:prstDash val="solid"/>
+                    </a:lnBlToTr>
+                    <a:noFill/>
+                  </a:tcPr>
+                </a:tc>
+                <a:tc>
+                  <a:txBody>
+                    <a:bodyPr/>
+                    <a:lstStyle/>
+                    <a:p>
+                      <a:pPr algn="ctr"/>
+                      <a:r>
+                        <a:rPr lang="en-ID" sz="1400" b="0" kern="1200" dirty="0">
+                          <a:solidFill>
+                            <a:schemeClr val="dk1"/>
+                          </a:solidFill>
+                          <a:effectLst/>
+                          <a:latin typeface="TeX Gyre Bonum" panose="00000500000000000000" pitchFamily="50" charset="0"/>
+                          <a:ea typeface="CMU Sans Serif" panose="02000603000000000000" pitchFamily="2" charset="0"/>
+                          <a:cs typeface="CMU Sans Serif" panose="02000603000000000000" pitchFamily="2" charset="0"/>
+                        </a:rPr>
+                        <a:t>0.6164</a:t>
+                      </a:r>
+                      <a:endParaRPr lang="en-ID" sz="1400" dirty="0">
+                        <a:latin typeface="TeX Gyre Bonum" panose="00000500000000000000" pitchFamily="50" charset="0"/>
+                        <a:ea typeface="CMU Sans Serif" panose="02000603000000000000" pitchFamily="2" charset="0"/>
+                        <a:cs typeface="CMU Sans Serif" panose="02000603000000000000" pitchFamily="2" charset="0"/>
+                      </a:endParaRPr>
+                    </a:p>
+                  </a:txBody>
+                  <a:tcPr>
+                    <a:lnL w="12700" cap="flat" cmpd="sng" algn="ctr">
+                      <a:solidFill>
+                        <a:schemeClr val="tx1"/>
+                      </a:solidFill>
+                      <a:prstDash val="solid"/>
+                      <a:round/>
+                      <a:headEnd type="none" w="med" len="med"/>
+                      <a:tailEnd type="none" w="med" len="med"/>
+                    </a:lnL>
+                    <a:lnR w="12700" cap="flat" cmpd="sng" algn="ctr">
+                      <a:noFill/>
+                      <a:prstDash val="solid"/>
+                      <a:round/>
+                      <a:headEnd type="none" w="med" len="med"/>
+                      <a:tailEnd type="none" w="med" len="med"/>
+                    </a:lnR>
+                    <a:lnT w="12700" cap="flat" cmpd="sng" algn="ctr">
+                      <a:solidFill>
+                        <a:schemeClr val="tx1"/>
+                      </a:solidFill>
+                      <a:prstDash val="solid"/>
+                      <a:round/>
+                      <a:headEnd type="none" w="med" len="med"/>
+                      <a:tailEnd type="none" w="med" len="med"/>
+                    </a:lnT>
+                    <a:lnB w="12700" cap="flat" cmpd="sng" algn="ctr">
+                      <a:solidFill>
+                        <a:schemeClr val="tx1"/>
+                      </a:solidFill>
+                      <a:prstDash val="solid"/>
+                      <a:round/>
+                      <a:headEnd type="none" w="med" len="med"/>
+                      <a:tailEnd type="none" w="med" len="med"/>
+                    </a:lnB>
+                    <a:lnTlToBr w="12700" cmpd="sng">
+                      <a:noFill/>
+                      <a:prstDash val="solid"/>
+                    </a:lnTlToBr>
+                    <a:lnBlToTr w="12700" cmpd="sng">
+                      <a:noFill/>
+                      <a:prstDash val="solid"/>
+                    </a:lnBlToTr>
+                    <a:noFill/>
+                  </a:tcPr>
+                </a:tc>
+                <a:tc>
+                  <a:txBody>
+                    <a:bodyPr/>
+                    <a:lstStyle/>
+                    <a:p>
+                      <a:pPr marL="0" marR="0" lvl="0" indent="0" algn="ctr" defTabSz="914400" rtl="0" eaLnBrk="1" fontAlgn="auto" latinLnBrk="0" hangingPunct="1">
+                        <a:lnSpc>
+                          <a:spcPct val="100000"/>
+                        </a:lnSpc>
+                        <a:spcBef>
+                          <a:spcPts val="0"/>
+                        </a:spcBef>
+                        <a:spcAft>
+                          <a:spcPts val="0"/>
+                        </a:spcAft>
+                        <a:buClrTx/>
+                        <a:buSzTx/>
+                        <a:buFontTx/>
+                        <a:buNone/>
+                        <a:tabLst/>
+                        <a:defRPr/>
+                      </a:pPr>
+                      <a:r>
+                        <a:rPr lang="en-ID" sz="1400" b="0" kern="1200" dirty="0">
+                          <a:solidFill>
+                            <a:schemeClr val="dk1"/>
+                          </a:solidFill>
+                          <a:effectLst/>
+                          <a:latin typeface="TeX Gyre Bonum" panose="00000500000000000000" pitchFamily="50" charset="0"/>
+                          <a:ea typeface="CMU Sans Serif" panose="02000603000000000000" pitchFamily="2" charset="0"/>
+                          <a:cs typeface="CMU Sans Serif" panose="02000603000000000000" pitchFamily="2" charset="0"/>
+                        </a:rPr>
+                        <a:t>0.5839</a:t>
+                      </a:r>
+                    </a:p>
+                  </a:txBody>
+                  <a:tcPr>
+                    <a:lnL w="12700" cap="flat" cmpd="sng" algn="ctr">
+                      <a:noFill/>
+                      <a:prstDash val="solid"/>
+                      <a:round/>
+                      <a:headEnd type="none" w="med" len="med"/>
+                      <a:tailEnd type="none" w="med" len="med"/>
+                    </a:lnL>
+                    <a:lnR w="12700" cap="flat" cmpd="sng" algn="ctr">
+                      <a:noFill/>
+                      <a:prstDash val="solid"/>
+                      <a:round/>
+                      <a:headEnd type="none" w="med" len="med"/>
+                      <a:tailEnd type="none" w="med" len="med"/>
+                    </a:lnR>
+                    <a:lnT w="12700" cap="flat" cmpd="sng" algn="ctr">
+                      <a:solidFill>
+                        <a:schemeClr val="tx1"/>
+                      </a:solidFill>
+                      <a:prstDash val="solid"/>
+                      <a:round/>
+                      <a:headEnd type="none" w="med" len="med"/>
+                      <a:tailEnd type="none" w="med" len="med"/>
+                    </a:lnT>
+                    <a:lnB w="12700" cap="flat" cmpd="sng" algn="ctr">
+                      <a:solidFill>
+                        <a:schemeClr val="tx1"/>
+                      </a:solidFill>
+                      <a:prstDash val="solid"/>
+                      <a:round/>
+                      <a:headEnd type="none" w="med" len="med"/>
+                      <a:tailEnd type="none" w="med" len="med"/>
+                    </a:lnB>
+                    <a:lnTlToBr w="12700" cmpd="sng">
+                      <a:noFill/>
+                      <a:prstDash val="solid"/>
+                    </a:lnTlToBr>
+                    <a:lnBlToTr w="12700" cmpd="sng">
+                      <a:noFill/>
+                      <a:prstDash val="solid"/>
+                    </a:lnBlToTr>
+                    <a:noFill/>
+                  </a:tcPr>
+                </a:tc>
+                <a:tc>
+                  <a:txBody>
+                    <a:bodyPr/>
+                    <a:lstStyle/>
+                    <a:p>
+                      <a:pPr marL="0" marR="0" lvl="0" indent="0" algn="ctr" defTabSz="914400" rtl="0" eaLnBrk="1" fontAlgn="auto" latinLnBrk="0" hangingPunct="1">
+                        <a:lnSpc>
+                          <a:spcPct val="100000"/>
+                        </a:lnSpc>
+                        <a:spcBef>
+                          <a:spcPts val="0"/>
+                        </a:spcBef>
+                        <a:spcAft>
+                          <a:spcPts val="0"/>
+                        </a:spcAft>
+                        <a:buClrTx/>
+                        <a:buSzTx/>
+                        <a:buFontTx/>
+                        <a:buNone/>
+                        <a:tabLst/>
+                        <a:defRPr/>
+                      </a:pPr>
+                      <a:r>
+                        <a:rPr lang="en-ID" sz="1400" b="0" kern="1200" dirty="0">
+                          <a:solidFill>
+                            <a:schemeClr val="dk1"/>
+                          </a:solidFill>
+                          <a:effectLst/>
+                          <a:latin typeface="TeX Gyre Bonum" panose="00000500000000000000" pitchFamily="50" charset="0"/>
+                          <a:ea typeface="CMU Sans Serif" panose="02000603000000000000" pitchFamily="2" charset="0"/>
+                          <a:cs typeface="CMU Sans Serif" panose="02000603000000000000" pitchFamily="2" charset="0"/>
+                        </a:rPr>
+                        <a:t>0.6871</a:t>
+                      </a:r>
+                    </a:p>
+                  </a:txBody>
+                  <a:tcPr>
+                    <a:lnL w="12700" cap="flat" cmpd="sng" algn="ctr">
+                      <a:noFill/>
+                      <a:prstDash val="solid"/>
+                      <a:round/>
+                      <a:headEnd type="none" w="med" len="med"/>
+                      <a:tailEnd type="none" w="med" len="med"/>
+                    </a:lnL>
+                    <a:lnR w="12700" cap="flat" cmpd="sng" algn="ctr">
+                      <a:noFill/>
+                      <a:prstDash val="solid"/>
+                      <a:round/>
+                      <a:headEnd type="none" w="med" len="med"/>
+                      <a:tailEnd type="none" w="med" len="med"/>
+                    </a:lnR>
+                    <a:lnT w="12700" cap="flat" cmpd="sng" algn="ctr">
+                      <a:solidFill>
+                        <a:schemeClr val="tx1"/>
+                      </a:solidFill>
+                      <a:prstDash val="solid"/>
+                      <a:round/>
+                      <a:headEnd type="none" w="med" len="med"/>
+                      <a:tailEnd type="none" w="med" len="med"/>
+                    </a:lnT>
+                    <a:lnB w="12700" cap="flat" cmpd="sng" algn="ctr">
+                      <a:solidFill>
+                        <a:schemeClr val="tx1"/>
+                      </a:solidFill>
+                      <a:prstDash val="solid"/>
+                      <a:round/>
+                      <a:headEnd type="none" w="med" len="med"/>
+                      <a:tailEnd type="none" w="med" len="med"/>
+                    </a:lnB>
+                    <a:lnTlToBr w="12700" cmpd="sng">
+                      <a:noFill/>
+                      <a:prstDash val="solid"/>
+                    </a:lnTlToBr>
+                    <a:lnBlToTr w="12700" cmpd="sng">
+                      <a:noFill/>
+                      <a:prstDash val="solid"/>
+                    </a:lnBlToTr>
+                    <a:noFill/>
+                  </a:tcPr>
+                </a:tc>
+                <a:tc>
+                  <a:txBody>
+                    <a:bodyPr/>
+                    <a:lstStyle/>
+                    <a:p>
+                      <a:pPr marL="0" marR="0" lvl="0" indent="0" algn="ctr" defTabSz="914400" rtl="0" eaLnBrk="1" fontAlgn="auto" latinLnBrk="0" hangingPunct="1">
+                        <a:lnSpc>
+                          <a:spcPct val="100000"/>
+                        </a:lnSpc>
+                        <a:spcBef>
+                          <a:spcPts val="0"/>
+                        </a:spcBef>
+                        <a:spcAft>
+                          <a:spcPts val="0"/>
+                        </a:spcAft>
+                        <a:buClrTx/>
+                        <a:buSzTx/>
+                        <a:buFontTx/>
+                        <a:buNone/>
+                        <a:tabLst/>
+                        <a:defRPr/>
+                      </a:pPr>
+                      <a:r>
+                        <a:rPr lang="en-ID" sz="1400" b="0" kern="1200" dirty="0">
+                          <a:solidFill>
+                            <a:schemeClr val="dk1"/>
+                          </a:solidFill>
+                          <a:effectLst/>
+                          <a:latin typeface="TeX Gyre Bonum" panose="00000500000000000000" pitchFamily="50" charset="0"/>
+                          <a:ea typeface="CMU Sans Serif" panose="02000603000000000000" pitchFamily="2" charset="0"/>
+                          <a:cs typeface="CMU Sans Serif" panose="02000603000000000000" pitchFamily="2" charset="0"/>
+                        </a:rPr>
+                        <a:t>0.8415</a:t>
+                      </a:r>
+                    </a:p>
+                  </a:txBody>
+                  <a:tcPr>
+                    <a:lnL w="12700" cap="flat" cmpd="sng" algn="ctr">
+                      <a:noFill/>
+                      <a:prstDash val="solid"/>
+                      <a:round/>
+                      <a:headEnd type="none" w="med" len="med"/>
+                      <a:tailEnd type="none" w="med" len="med"/>
+                    </a:lnL>
+                    <a:lnR w="12700" cap="flat" cmpd="sng" algn="ctr">
+                      <a:noFill/>
+                      <a:prstDash val="solid"/>
+                      <a:round/>
+                      <a:headEnd type="none" w="med" len="med"/>
+                      <a:tailEnd type="none" w="med" len="med"/>
+                    </a:lnR>
+                    <a:lnT w="12700" cap="flat" cmpd="sng" algn="ctr">
+                      <a:solidFill>
+                        <a:schemeClr val="tx1"/>
+                      </a:solidFill>
+                      <a:prstDash val="solid"/>
+                      <a:round/>
+                      <a:headEnd type="none" w="med" len="med"/>
+                      <a:tailEnd type="none" w="med" len="med"/>
+                    </a:lnT>
+                    <a:lnB w="12700" cap="flat" cmpd="sng" algn="ctr">
+                      <a:solidFill>
+                        <a:schemeClr val="tx1"/>
+                      </a:solidFill>
+                      <a:prstDash val="solid"/>
+                      <a:round/>
+                      <a:headEnd type="none" w="med" len="med"/>
+                      <a:tailEnd type="none" w="med" len="med"/>
+                    </a:lnB>
+                    <a:lnTlToBr w="12700" cmpd="sng">
+                      <a:noFill/>
+                      <a:prstDash val="solid"/>
+                    </a:lnTlToBr>
+                    <a:lnBlToTr w="12700" cmpd="sng">
+                      <a:noFill/>
+                      <a:prstDash val="solid"/>
+                    </a:lnBlToTr>
+                    <a:noFill/>
+                  </a:tcPr>
+                </a:tc>
+                <a:extLst>
+                  <a:ext uri="{0D108BD9-81ED-4DB2-BD59-A6C34878D82A}">
+                    <a16:rowId xmlns:a16="http://schemas.microsoft.com/office/drawing/2014/main" val="2519848077"/>
+                  </a:ext>
+                </a:extLst>
+              </a:tr>
+              <a:tr h="277368">
+                <a:tc>
+                  <a:txBody>
+                    <a:bodyPr/>
+                    <a:lstStyle/>
+                    <a:p>
+                      <a:pPr algn="l"/>
+                      <a:r>
+                        <a:rPr lang="en-US" sz="1400" b="1" dirty="0">
+                          <a:latin typeface="TeX Gyre Bonum" panose="00000500000000000000" pitchFamily="50" charset="0"/>
+                          <a:ea typeface="CMU Sans Serif" panose="02000603000000000000" pitchFamily="2" charset="0"/>
+                          <a:cs typeface="CMU Sans Serif" panose="02000603000000000000" pitchFamily="2" charset="0"/>
+                        </a:rPr>
+                        <a:t>F1-score</a:t>
+                      </a:r>
+                      <a:endParaRPr lang="en-ID" sz="1400" b="1" dirty="0">
+                        <a:latin typeface="TeX Gyre Bonum" panose="00000500000000000000" pitchFamily="50" charset="0"/>
+                        <a:ea typeface="CMU Sans Serif" panose="02000603000000000000" pitchFamily="2" charset="0"/>
+                        <a:cs typeface="CMU Sans Serif" panose="02000603000000000000" pitchFamily="2" charset="0"/>
+                      </a:endParaRPr>
+                    </a:p>
+                  </a:txBody>
+                  <a:tcPr>
+                    <a:lnL w="12700" cap="flat" cmpd="sng" algn="ctr">
+                      <a:noFill/>
+                      <a:prstDash val="solid"/>
+                      <a:round/>
+                      <a:headEnd type="none" w="med" len="med"/>
+                      <a:tailEnd type="none" w="med" len="med"/>
+                    </a:lnL>
+                    <a:lnR w="12700" cap="flat" cmpd="sng" algn="ctr">
+                      <a:solidFill>
+                        <a:schemeClr val="tx1"/>
+                      </a:solidFill>
+                      <a:prstDash val="solid"/>
+                      <a:round/>
+                      <a:headEnd type="none" w="med" len="med"/>
+                      <a:tailEnd type="none" w="med" len="med"/>
+                    </a:lnR>
+                    <a:lnT w="12700" cap="flat" cmpd="sng" algn="ctr">
+                      <a:solidFill>
+                        <a:schemeClr val="tx1"/>
+                      </a:solidFill>
+                      <a:prstDash val="solid"/>
+                      <a:round/>
+                      <a:headEnd type="none" w="med" len="med"/>
+                      <a:tailEnd type="none" w="med" len="med"/>
+                    </a:lnT>
+                    <a:lnB w="12700" cap="flat" cmpd="sng" algn="ctr">
+                      <a:solidFill>
+                        <a:schemeClr val="tx1"/>
+                      </a:solidFill>
+                      <a:prstDash val="solid"/>
+                      <a:round/>
+                      <a:headEnd type="none" w="med" len="med"/>
+                      <a:tailEnd type="none" w="med" len="med"/>
+                    </a:lnB>
+                    <a:lnTlToBr w="12700" cmpd="sng">
+                      <a:noFill/>
+                      <a:prstDash val="solid"/>
+                    </a:lnTlToBr>
+                    <a:lnBlToTr w="12700" cmpd="sng">
+                      <a:noFill/>
+                      <a:prstDash val="solid"/>
+                    </a:lnBlToTr>
+                    <a:noFill/>
+                  </a:tcPr>
+                </a:tc>
+                <a:tc>
+                  <a:txBody>
+                    <a:bodyPr/>
+                    <a:lstStyle/>
+                    <a:p>
+                      <a:pPr algn="ctr"/>
+                      <a:r>
+                        <a:rPr lang="en-US" sz="1400" dirty="0">
+                          <a:latin typeface="TeX Gyre Bonum" panose="00000500000000000000" pitchFamily="50" charset="0"/>
+                          <a:ea typeface="CMU Sans Serif" panose="02000603000000000000" pitchFamily="2" charset="0"/>
+                          <a:cs typeface="CMU Sans Serif" panose="02000603000000000000" pitchFamily="2" charset="0"/>
+                        </a:rPr>
+                        <a:t>0.3396</a:t>
+                      </a:r>
+                      <a:endParaRPr lang="en-ID" sz="1400" dirty="0">
+                        <a:latin typeface="TeX Gyre Bonum" panose="00000500000000000000" pitchFamily="50" charset="0"/>
+                        <a:ea typeface="CMU Sans Serif" panose="02000603000000000000" pitchFamily="2" charset="0"/>
+                        <a:cs typeface="CMU Sans Serif" panose="02000603000000000000" pitchFamily="2" charset="0"/>
+                      </a:endParaRPr>
+                    </a:p>
+                  </a:txBody>
+                  <a:tcPr>
+                    <a:lnL w="12700" cap="flat" cmpd="sng" algn="ctr">
+                      <a:solidFill>
+                        <a:schemeClr val="tx1"/>
+                      </a:solidFill>
+                      <a:prstDash val="solid"/>
+                      <a:round/>
+                      <a:headEnd type="none" w="med" len="med"/>
+                      <a:tailEnd type="none" w="med" len="med"/>
+                    </a:lnL>
+                    <a:lnR w="12700" cap="flat" cmpd="sng" algn="ctr">
+                      <a:noFill/>
+                      <a:prstDash val="solid"/>
+                      <a:round/>
+                      <a:headEnd type="none" w="med" len="med"/>
+                      <a:tailEnd type="none" w="med" len="med"/>
+                    </a:lnR>
+                    <a:lnT w="12700" cap="flat" cmpd="sng" algn="ctr">
+                      <a:solidFill>
+                        <a:schemeClr val="tx1"/>
+                      </a:solidFill>
+                      <a:prstDash val="solid"/>
+                      <a:round/>
+                      <a:headEnd type="none" w="med" len="med"/>
+                      <a:tailEnd type="none" w="med" len="med"/>
+                    </a:lnT>
+                    <a:lnB w="12700" cap="flat" cmpd="sng" algn="ctr">
+                      <a:solidFill>
+                        <a:schemeClr val="tx1"/>
+                      </a:solidFill>
+                      <a:prstDash val="solid"/>
+                      <a:round/>
+                      <a:headEnd type="none" w="med" len="med"/>
+                      <a:tailEnd type="none" w="med" len="med"/>
+                    </a:lnB>
+                    <a:lnTlToBr w="12700" cmpd="sng">
+                      <a:noFill/>
+                      <a:prstDash val="solid"/>
+                    </a:lnTlToBr>
+                    <a:lnBlToTr w="12700" cmpd="sng">
+                      <a:noFill/>
+                      <a:prstDash val="solid"/>
+                    </a:lnBlToTr>
+                    <a:noFill/>
+                  </a:tcPr>
+                </a:tc>
+                <a:tc>
+                  <a:txBody>
+                    <a:bodyPr/>
+                    <a:lstStyle/>
+                    <a:p>
+                      <a:pPr algn="ctr"/>
+                      <a:r>
+                        <a:rPr lang="en-US" sz="1400" dirty="0">
+                          <a:latin typeface="TeX Gyre Bonum" panose="00000500000000000000" pitchFamily="50" charset="0"/>
+                          <a:ea typeface="CMU Sans Serif" panose="02000603000000000000" pitchFamily="2" charset="0"/>
+                          <a:cs typeface="CMU Sans Serif" panose="02000603000000000000" pitchFamily="2" charset="0"/>
+                        </a:rPr>
+                        <a:t>0.3264</a:t>
+                      </a:r>
+                      <a:endParaRPr lang="en-ID" sz="1400" dirty="0">
+                        <a:latin typeface="TeX Gyre Bonum" panose="00000500000000000000" pitchFamily="50" charset="0"/>
+                        <a:ea typeface="CMU Sans Serif" panose="02000603000000000000" pitchFamily="2" charset="0"/>
+                        <a:cs typeface="CMU Sans Serif" panose="02000603000000000000" pitchFamily="2" charset="0"/>
+                      </a:endParaRPr>
+                    </a:p>
+                  </a:txBody>
+                  <a:tcPr>
+                    <a:lnL w="12700" cap="flat" cmpd="sng" algn="ctr">
+                      <a:noFill/>
+                      <a:prstDash val="solid"/>
+                      <a:round/>
+                      <a:headEnd type="none" w="med" len="med"/>
+                      <a:tailEnd type="none" w="med" len="med"/>
+                    </a:lnL>
+                    <a:lnR w="12700" cap="flat" cmpd="sng" algn="ctr">
+                      <a:noFill/>
+                      <a:prstDash val="solid"/>
+                      <a:round/>
+                      <a:headEnd type="none" w="med" len="med"/>
+                      <a:tailEnd type="none" w="med" len="med"/>
+                    </a:lnR>
+                    <a:lnT w="12700" cap="flat" cmpd="sng" algn="ctr">
+                      <a:solidFill>
+                        <a:schemeClr val="tx1"/>
+                      </a:solidFill>
+                      <a:prstDash val="solid"/>
+                      <a:round/>
+                      <a:headEnd type="none" w="med" len="med"/>
+                      <a:tailEnd type="none" w="med" len="med"/>
+                    </a:lnT>
+                    <a:lnB w="12700" cap="flat" cmpd="sng" algn="ctr">
+                      <a:solidFill>
+                        <a:schemeClr val="tx1"/>
+                      </a:solidFill>
+                      <a:prstDash val="solid"/>
+                      <a:round/>
+                      <a:headEnd type="none" w="med" len="med"/>
+                      <a:tailEnd type="none" w="med" len="med"/>
+                    </a:lnB>
+                    <a:lnTlToBr w="12700" cmpd="sng">
+                      <a:noFill/>
+                      <a:prstDash val="solid"/>
+                    </a:lnTlToBr>
+                    <a:lnBlToTr w="12700" cmpd="sng">
+                      <a:noFill/>
+                      <a:prstDash val="solid"/>
+                    </a:lnBlToTr>
+                    <a:noFill/>
+                  </a:tcPr>
+                </a:tc>
+                <a:tc>
+                  <a:txBody>
+                    <a:bodyPr/>
+                    <a:lstStyle/>
+                    <a:p>
+                      <a:pPr algn="ctr"/>
+                      <a:r>
+                        <a:rPr lang="en-US" sz="1400" dirty="0">
+                          <a:latin typeface="TeX Gyre Bonum" panose="00000500000000000000" pitchFamily="50" charset="0"/>
+                          <a:ea typeface="CMU Sans Serif" panose="02000603000000000000" pitchFamily="2" charset="0"/>
+                          <a:cs typeface="CMU Sans Serif" panose="02000603000000000000" pitchFamily="2" charset="0"/>
+                        </a:rPr>
+                        <a:t>0.3567</a:t>
+                      </a:r>
+                      <a:endParaRPr lang="en-ID" sz="1400" dirty="0">
+                        <a:latin typeface="TeX Gyre Bonum" panose="00000500000000000000" pitchFamily="50" charset="0"/>
+                        <a:ea typeface="CMU Sans Serif" panose="02000603000000000000" pitchFamily="2" charset="0"/>
+                        <a:cs typeface="CMU Sans Serif" panose="02000603000000000000" pitchFamily="2" charset="0"/>
+                      </a:endParaRPr>
+                    </a:p>
+                  </a:txBody>
+                  <a:tcPr>
+                    <a:lnL w="12700" cap="flat" cmpd="sng" algn="ctr">
+                      <a:noFill/>
+                      <a:prstDash val="solid"/>
+                      <a:round/>
+                      <a:headEnd type="none" w="med" len="med"/>
+                      <a:tailEnd type="none" w="med" len="med"/>
+                    </a:lnL>
+                    <a:lnR w="12700" cap="flat" cmpd="sng" algn="ctr">
+                      <a:noFill/>
+                      <a:prstDash val="solid"/>
+                      <a:round/>
+                      <a:headEnd type="none" w="med" len="med"/>
+                      <a:tailEnd type="none" w="med" len="med"/>
+                    </a:lnR>
+                    <a:lnT w="12700" cap="flat" cmpd="sng" algn="ctr">
+                      <a:solidFill>
+                        <a:schemeClr val="tx1"/>
+                      </a:solidFill>
+                      <a:prstDash val="solid"/>
+                      <a:round/>
+                      <a:headEnd type="none" w="med" len="med"/>
+                      <a:tailEnd type="none" w="med" len="med"/>
+                    </a:lnT>
+                    <a:lnB w="12700" cap="flat" cmpd="sng" algn="ctr">
+                      <a:solidFill>
+                        <a:schemeClr val="tx1"/>
+                      </a:solidFill>
+                      <a:prstDash val="solid"/>
+                      <a:round/>
+                      <a:headEnd type="none" w="med" len="med"/>
+                      <a:tailEnd type="none" w="med" len="med"/>
+                    </a:lnB>
+                    <a:lnTlToBr w="12700" cmpd="sng">
+                      <a:noFill/>
+                      <a:prstDash val="solid"/>
+                    </a:lnTlToBr>
+                    <a:lnBlToTr w="12700" cmpd="sng">
+                      <a:noFill/>
+                      <a:prstDash val="solid"/>
+                    </a:lnBlToTr>
+                    <a:noFill/>
+                  </a:tcPr>
+                </a:tc>
+                <a:tc>
+                  <a:txBody>
+                    <a:bodyPr/>
+                    <a:lstStyle/>
+                    <a:p>
+                      <a:pPr algn="ctr"/>
+                      <a:r>
+                        <a:rPr lang="en-US" sz="1400" dirty="0">
+                          <a:latin typeface="TeX Gyre Bonum" panose="00000500000000000000" pitchFamily="50" charset="0"/>
+                          <a:ea typeface="CMU Sans Serif" panose="02000603000000000000" pitchFamily="2" charset="0"/>
+                          <a:cs typeface="CMU Sans Serif" panose="02000603000000000000" pitchFamily="2" charset="0"/>
+                        </a:rPr>
+                        <a:t>0.3898</a:t>
+                      </a:r>
+                      <a:endParaRPr lang="en-ID" sz="1400" dirty="0">
+                        <a:latin typeface="TeX Gyre Bonum" panose="00000500000000000000" pitchFamily="50" charset="0"/>
+                        <a:ea typeface="CMU Sans Serif" panose="02000603000000000000" pitchFamily="2" charset="0"/>
+                        <a:cs typeface="CMU Sans Serif" panose="02000603000000000000" pitchFamily="2" charset="0"/>
+                      </a:endParaRPr>
+                    </a:p>
+                  </a:txBody>
+                  <a:tcPr>
+                    <a:lnL w="12700" cap="flat" cmpd="sng" algn="ctr">
+                      <a:noFill/>
+                      <a:prstDash val="solid"/>
+                      <a:round/>
+                      <a:headEnd type="none" w="med" len="med"/>
+                      <a:tailEnd type="none" w="med" len="med"/>
+                    </a:lnL>
+                    <a:lnR w="12700" cap="flat" cmpd="sng" algn="ctr">
+                      <a:noFill/>
+                      <a:prstDash val="solid"/>
+                      <a:round/>
+                      <a:headEnd type="none" w="med" len="med"/>
+                      <a:tailEnd type="none" w="med" len="med"/>
+                    </a:lnR>
+                    <a:lnT w="12700" cap="flat" cmpd="sng" algn="ctr">
+                      <a:solidFill>
+                        <a:schemeClr val="tx1"/>
+                      </a:solidFill>
+                      <a:prstDash val="solid"/>
+                      <a:round/>
+                      <a:headEnd type="none" w="med" len="med"/>
+                      <a:tailEnd type="none" w="med" len="med"/>
+                    </a:lnT>
+                    <a:lnB w="12700" cap="flat" cmpd="sng" algn="ctr">
+                      <a:solidFill>
+                        <a:schemeClr val="tx1"/>
+                      </a:solidFill>
+                      <a:prstDash val="solid"/>
+                      <a:round/>
+                      <a:headEnd type="none" w="med" len="med"/>
+                      <a:tailEnd type="none" w="med" len="med"/>
+                    </a:lnB>
+                    <a:lnTlToBr w="12700" cmpd="sng">
+                      <a:noFill/>
+                      <a:prstDash val="solid"/>
+                    </a:lnTlToBr>
+                    <a:lnBlToTr w="12700" cmpd="sng">
+                      <a:noFill/>
+                      <a:prstDash val="solid"/>
+                    </a:lnBlToTr>
+                    <a:noFill/>
+                  </a:tcPr>
+                </a:tc>
+                <a:extLst>
+                  <a:ext uri="{0D108BD9-81ED-4DB2-BD59-A6C34878D82A}">
+                    <a16:rowId xmlns:a16="http://schemas.microsoft.com/office/drawing/2014/main" val="3052852466"/>
+                  </a:ext>
+                </a:extLst>
+              </a:tr>
+            </a:tbl>
+          </a:graphicData>
+        </a:graphic>
+      </p:graphicFrame>
+      <p:pic>
+        <p:nvPicPr>
+          <p:cNvPr id="5" name="Picture 4">
+            <a:extLst>
+              <a:ext uri="{FF2B5EF4-FFF2-40B4-BE49-F238E27FC236}">
+                <a16:creationId xmlns:a16="http://schemas.microsoft.com/office/drawing/2014/main" id="{5E91247B-2324-D96A-6BB1-EE4E09B09C9E}"/>
+              </a:ext>
+            </a:extLst>
+          </p:cNvPr>
+          <p:cNvPicPr>
+            <a:picLocks noChangeAspect="1"/>
+          </p:cNvPicPr>
+          <p:nvPr/>
+        </p:nvPicPr>
+        <p:blipFill>
+          <a:blip r:embed="rId2"/>
+          <a:stretch>
+            <a:fillRect/>
+          </a:stretch>
+        </p:blipFill>
+        <p:spPr>
+          <a:xfrm>
+            <a:off x="219077" y="561979"/>
+            <a:ext cx="5465667" cy="2867021"/>
+          </a:xfrm>
+          <a:prstGeom prst="rect">
+            <a:avLst/>
+          </a:prstGeom>
+        </p:spPr>
+      </p:pic>
+      <p:graphicFrame>
+        <p:nvGraphicFramePr>
+          <p:cNvPr id="6" name="Table 6">
+            <a:extLst>
+              <a:ext uri="{FF2B5EF4-FFF2-40B4-BE49-F238E27FC236}">
+                <a16:creationId xmlns:a16="http://schemas.microsoft.com/office/drawing/2014/main" id="{E52B7D42-3110-CF3C-E6DD-738B954C18FE}"/>
+              </a:ext>
+            </a:extLst>
+          </p:cNvPr>
+          <p:cNvGraphicFramePr>
+            <a:graphicFrameLocks noGrp="1"/>
+          </p:cNvGraphicFramePr>
+          <p:nvPr>
+            <p:extLst>
+              <p:ext uri="{D42A27DB-BD31-4B8C-83A1-F6EECF244321}">
+                <p14:modId xmlns:p14="http://schemas.microsoft.com/office/powerpoint/2010/main" val="4054838974"/>
+              </p:ext>
+            </p:extLst>
+          </p:nvPr>
+        </p:nvGraphicFramePr>
+        <p:xfrm>
+          <a:off x="7124352" y="3437466"/>
+          <a:ext cx="4173845" cy="609600"/>
+        </p:xfrm>
+        <a:graphic>
+          <a:graphicData uri="http://schemas.openxmlformats.org/drawingml/2006/table">
+            <a:tbl>
+              <a:tblPr firstRow="1" bandRow="1">
+                <a:tableStyleId>{5C22544A-7EE6-4342-B048-85BDC9FD1C3A}</a:tableStyleId>
+              </a:tblPr>
+              <a:tblGrid>
+                <a:gridCol w="849941">
+                  <a:extLst>
+                    <a:ext uri="{9D8B030D-6E8A-4147-A177-3AD203B41FA5}">
+                      <a16:colId xmlns:a16="http://schemas.microsoft.com/office/drawing/2014/main" val="3872630865"/>
+                    </a:ext>
+                  </a:extLst>
+                </a:gridCol>
+                <a:gridCol w="844867">
+                  <a:extLst>
+                    <a:ext uri="{9D8B030D-6E8A-4147-A177-3AD203B41FA5}">
+                      <a16:colId xmlns:a16="http://schemas.microsoft.com/office/drawing/2014/main" val="2317850323"/>
+                    </a:ext>
+                  </a:extLst>
+                </a:gridCol>
+                <a:gridCol w="844867">
+                  <a:extLst>
+                    <a:ext uri="{9D8B030D-6E8A-4147-A177-3AD203B41FA5}">
+                      <a16:colId xmlns:a16="http://schemas.microsoft.com/office/drawing/2014/main" val="3427173819"/>
+                    </a:ext>
+                  </a:extLst>
+                </a:gridCol>
+                <a:gridCol w="844867">
+                  <a:extLst>
+                    <a:ext uri="{9D8B030D-6E8A-4147-A177-3AD203B41FA5}">
+                      <a16:colId xmlns:a16="http://schemas.microsoft.com/office/drawing/2014/main" val="2404399359"/>
+                    </a:ext>
+                  </a:extLst>
+                </a:gridCol>
+                <a:gridCol w="789303">
+                  <a:extLst>
+                    <a:ext uri="{9D8B030D-6E8A-4147-A177-3AD203B41FA5}">
+                      <a16:colId xmlns:a16="http://schemas.microsoft.com/office/drawing/2014/main" val="1079410152"/>
+                    </a:ext>
+                  </a:extLst>
+                </a:gridCol>
+              </a:tblGrid>
+              <a:tr h="277368">
+                <a:tc>
+                  <a:txBody>
+                    <a:bodyPr/>
+                    <a:lstStyle/>
+                    <a:p>
+                      <a:pPr algn="ctr"/>
+                      <a:endParaRPr lang="en-ID" sz="1400" dirty="0">
+                        <a:solidFill>
+                          <a:schemeClr val="tx1"/>
+                        </a:solidFill>
+                        <a:latin typeface="TeX Gyre Bonum" panose="00000500000000000000" pitchFamily="50" charset="0"/>
+                        <a:ea typeface="CMU Sans Serif" panose="02000603000000000000" pitchFamily="2" charset="0"/>
+                        <a:cs typeface="CMU Sans Serif" panose="02000603000000000000" pitchFamily="2" charset="0"/>
+                      </a:endParaRPr>
+                    </a:p>
+                  </a:txBody>
+                  <a:tcPr>
+                    <a:lnL w="12700" cap="flat" cmpd="sng" algn="ctr">
+                      <a:noFill/>
+                      <a:prstDash val="solid"/>
+                      <a:round/>
+                      <a:headEnd type="none" w="med" len="med"/>
+                      <a:tailEnd type="none" w="med" len="med"/>
+                    </a:lnL>
+                    <a:lnR w="12700" cap="flat" cmpd="sng" algn="ctr">
+                      <a:noFill/>
+                      <a:prstDash val="solid"/>
+                      <a:round/>
+                      <a:headEnd type="none" w="med" len="med"/>
+                      <a:tailEnd type="none" w="med" len="med"/>
+                    </a:lnR>
+                    <a:lnT w="12700" cap="flat" cmpd="sng" algn="ctr">
+                      <a:solidFill>
+                        <a:schemeClr val="tx1"/>
+                      </a:solidFill>
+                      <a:prstDash val="solid"/>
+                      <a:round/>
+                      <a:headEnd type="none" w="med" len="med"/>
+                      <a:tailEnd type="none" w="med" len="med"/>
+                    </a:lnT>
+                    <a:lnB w="12700" cap="flat" cmpd="sng" algn="ctr">
+                      <a:solidFill>
+                        <a:schemeClr val="tx1"/>
+                      </a:solidFill>
+                      <a:prstDash val="solid"/>
+                      <a:round/>
+                      <a:headEnd type="none" w="med" len="med"/>
+                      <a:tailEnd type="none" w="med" len="med"/>
+                    </a:lnB>
+                    <a:lnTlToBr w="12700" cmpd="sng">
+                      <a:noFill/>
+                      <a:prstDash val="solid"/>
+                    </a:lnTlToBr>
+                    <a:lnBlToTr w="12700" cmpd="sng">
+                      <a:noFill/>
+                      <a:prstDash val="solid"/>
+                    </a:lnBlToTr>
+                    <a:noFill/>
+                  </a:tcPr>
+                </a:tc>
+                <a:tc>
+                  <a:txBody>
+                    <a:bodyPr/>
+                    <a:lstStyle/>
+                    <a:p>
+                      <a:pPr algn="ctr"/>
+                      <a:r>
+                        <a:rPr lang="en-US" sz="1400" b="1" dirty="0">
+                          <a:solidFill>
+                            <a:schemeClr val="tx1"/>
+                          </a:solidFill>
+                          <a:latin typeface="TeX Gyre Bonum" panose="00000500000000000000" pitchFamily="50" charset="0"/>
+                          <a:ea typeface="CMU Sans Serif" panose="02000603000000000000" pitchFamily="2" charset="0"/>
+                          <a:cs typeface="CMU Sans Serif" panose="02000603000000000000" pitchFamily="2" charset="0"/>
+                        </a:rPr>
+                        <a:t>A</a:t>
+                      </a:r>
+                      <a:endParaRPr lang="en-ID" sz="1400" b="1" dirty="0">
+                        <a:solidFill>
+                          <a:schemeClr val="tx1"/>
+                        </a:solidFill>
+                        <a:latin typeface="TeX Gyre Bonum" panose="00000500000000000000" pitchFamily="50" charset="0"/>
+                        <a:ea typeface="CMU Sans Serif" panose="02000603000000000000" pitchFamily="2" charset="0"/>
+                        <a:cs typeface="CMU Sans Serif" panose="02000603000000000000" pitchFamily="2" charset="0"/>
+                      </a:endParaRPr>
+                    </a:p>
+                  </a:txBody>
+                  <a:tcPr>
+                    <a:lnL w="12700" cap="flat" cmpd="sng" algn="ctr">
+                      <a:noFill/>
+                      <a:prstDash val="solid"/>
+                      <a:round/>
+                      <a:headEnd type="none" w="med" len="med"/>
+                      <a:tailEnd type="none" w="med" len="med"/>
+                    </a:lnL>
+                    <a:lnR w="12700" cap="flat" cmpd="sng" algn="ctr">
+                      <a:noFill/>
+                      <a:prstDash val="solid"/>
+                      <a:round/>
+                      <a:headEnd type="none" w="med" len="med"/>
+                      <a:tailEnd type="none" w="med" len="med"/>
+                    </a:lnR>
+                    <a:lnT w="12700" cap="flat" cmpd="sng" algn="ctr">
+                      <a:solidFill>
+                        <a:schemeClr val="tx1"/>
+                      </a:solidFill>
+                      <a:prstDash val="solid"/>
+                      <a:round/>
+                      <a:headEnd type="none" w="med" len="med"/>
+                      <a:tailEnd type="none" w="med" len="med"/>
+                    </a:lnT>
+                    <a:lnB w="12700" cap="flat" cmpd="sng" algn="ctr">
+                      <a:solidFill>
+                        <a:schemeClr val="tx1"/>
+                      </a:solidFill>
+                      <a:prstDash val="solid"/>
+                      <a:round/>
+                      <a:headEnd type="none" w="med" len="med"/>
+                      <a:tailEnd type="none" w="med" len="med"/>
+                    </a:lnB>
+                    <a:lnTlToBr w="12700" cmpd="sng">
+                      <a:noFill/>
+                      <a:prstDash val="solid"/>
+                    </a:lnTlToBr>
+                    <a:lnBlToTr w="12700" cmpd="sng">
+                      <a:noFill/>
+                      <a:prstDash val="solid"/>
+                    </a:lnBlToTr>
+                    <a:noFill/>
+                  </a:tcPr>
+                </a:tc>
+                <a:tc>
+                  <a:txBody>
+                    <a:bodyPr/>
+                    <a:lstStyle/>
+                    <a:p>
+                      <a:pPr algn="ctr"/>
+                      <a:r>
+                        <a:rPr lang="en-US" sz="1400" b="1" dirty="0">
+                          <a:solidFill>
+                            <a:schemeClr val="tx1"/>
+                          </a:solidFill>
+                          <a:latin typeface="TeX Gyre Bonum" panose="00000500000000000000" pitchFamily="50" charset="0"/>
+                          <a:ea typeface="CMU Sans Serif" panose="02000603000000000000" pitchFamily="2" charset="0"/>
+                          <a:cs typeface="CMU Sans Serif" panose="02000603000000000000" pitchFamily="2" charset="0"/>
+                        </a:rPr>
+                        <a:t>B</a:t>
+                      </a:r>
+                      <a:endParaRPr lang="en-ID" sz="1400" b="1" dirty="0">
+                        <a:solidFill>
+                          <a:schemeClr val="tx1"/>
+                        </a:solidFill>
+                        <a:latin typeface="TeX Gyre Bonum" panose="00000500000000000000" pitchFamily="50" charset="0"/>
+                        <a:ea typeface="CMU Sans Serif" panose="02000603000000000000" pitchFamily="2" charset="0"/>
+                        <a:cs typeface="CMU Sans Serif" panose="02000603000000000000" pitchFamily="2" charset="0"/>
+                      </a:endParaRPr>
+                    </a:p>
+                  </a:txBody>
+                  <a:tcPr>
+                    <a:lnL w="12700" cap="flat" cmpd="sng" algn="ctr">
+                      <a:noFill/>
+                      <a:prstDash val="solid"/>
+                      <a:round/>
+                      <a:headEnd type="none" w="med" len="med"/>
+                      <a:tailEnd type="none" w="med" len="med"/>
+                    </a:lnL>
+                    <a:lnR w="12700" cap="flat" cmpd="sng" algn="ctr">
+                      <a:noFill/>
+                      <a:prstDash val="solid"/>
+                      <a:round/>
+                      <a:headEnd type="none" w="med" len="med"/>
+                      <a:tailEnd type="none" w="med" len="med"/>
+                    </a:lnR>
+                    <a:lnT w="12700" cap="flat" cmpd="sng" algn="ctr">
+                      <a:solidFill>
+                        <a:schemeClr val="tx1"/>
+                      </a:solidFill>
+                      <a:prstDash val="solid"/>
+                      <a:round/>
+                      <a:headEnd type="none" w="med" len="med"/>
+                      <a:tailEnd type="none" w="med" len="med"/>
+                    </a:lnT>
+                    <a:lnB w="12700" cap="flat" cmpd="sng" algn="ctr">
+                      <a:solidFill>
+                        <a:schemeClr val="tx1"/>
+                      </a:solidFill>
+                      <a:prstDash val="solid"/>
+                      <a:round/>
+                      <a:headEnd type="none" w="med" len="med"/>
+                      <a:tailEnd type="none" w="med" len="med"/>
+                    </a:lnB>
+                    <a:lnTlToBr w="12700" cmpd="sng">
+                      <a:noFill/>
+                      <a:prstDash val="solid"/>
+                    </a:lnTlToBr>
+                    <a:lnBlToTr w="12700" cmpd="sng">
+                      <a:noFill/>
+                      <a:prstDash val="solid"/>
+                    </a:lnBlToTr>
+                    <a:noFill/>
+                  </a:tcPr>
+                </a:tc>
+                <a:tc>
+                  <a:txBody>
+                    <a:bodyPr/>
+                    <a:lstStyle/>
+                    <a:p>
+                      <a:pPr algn="ctr"/>
+                      <a:r>
+                        <a:rPr lang="en-US" sz="1400" b="1" dirty="0">
+                          <a:solidFill>
+                            <a:schemeClr val="tx1"/>
+                          </a:solidFill>
+                          <a:latin typeface="TeX Gyre Bonum" panose="00000500000000000000" pitchFamily="50" charset="0"/>
+                          <a:ea typeface="CMU Sans Serif" panose="02000603000000000000" pitchFamily="2" charset="0"/>
+                          <a:cs typeface="CMU Sans Serif" panose="02000603000000000000" pitchFamily="2" charset="0"/>
+                        </a:rPr>
+                        <a:t>C</a:t>
+                      </a:r>
+                      <a:endParaRPr lang="en-ID" sz="1400" b="1" dirty="0">
+                        <a:solidFill>
+                          <a:schemeClr val="tx1"/>
+                        </a:solidFill>
+                        <a:latin typeface="TeX Gyre Bonum" panose="00000500000000000000" pitchFamily="50" charset="0"/>
+                        <a:ea typeface="CMU Sans Serif" panose="02000603000000000000" pitchFamily="2" charset="0"/>
+                        <a:cs typeface="CMU Sans Serif" panose="02000603000000000000" pitchFamily="2" charset="0"/>
+                      </a:endParaRPr>
+                    </a:p>
+                  </a:txBody>
+                  <a:tcPr>
+                    <a:lnL w="12700" cap="flat" cmpd="sng" algn="ctr">
+                      <a:noFill/>
+                      <a:prstDash val="solid"/>
+                      <a:round/>
+                      <a:headEnd type="none" w="med" len="med"/>
+                      <a:tailEnd type="none" w="med" len="med"/>
+                    </a:lnL>
+                    <a:lnR w="12700" cap="flat" cmpd="sng" algn="ctr">
+                      <a:noFill/>
+                      <a:prstDash val="solid"/>
+                      <a:round/>
+                      <a:headEnd type="none" w="med" len="med"/>
+                      <a:tailEnd type="none" w="med" len="med"/>
+                    </a:lnR>
+                    <a:lnT w="12700" cap="flat" cmpd="sng" algn="ctr">
+                      <a:solidFill>
+                        <a:schemeClr val="tx1"/>
+                      </a:solidFill>
+                      <a:prstDash val="solid"/>
+                      <a:round/>
+                      <a:headEnd type="none" w="med" len="med"/>
+                      <a:tailEnd type="none" w="med" len="med"/>
+                    </a:lnT>
+                    <a:lnB w="12700" cap="flat" cmpd="sng" algn="ctr">
+                      <a:solidFill>
+                        <a:schemeClr val="tx1"/>
+                      </a:solidFill>
+                      <a:prstDash val="solid"/>
+                      <a:round/>
+                      <a:headEnd type="none" w="med" len="med"/>
+                      <a:tailEnd type="none" w="med" len="med"/>
+                    </a:lnB>
+                    <a:lnTlToBr w="12700" cmpd="sng">
+                      <a:noFill/>
+                      <a:prstDash val="solid"/>
+                    </a:lnTlToBr>
+                    <a:lnBlToTr w="12700" cmpd="sng">
+                      <a:noFill/>
+                      <a:prstDash val="solid"/>
+                    </a:lnBlToTr>
+                    <a:noFill/>
+                  </a:tcPr>
+                </a:tc>
+                <a:tc>
+                  <a:txBody>
+                    <a:bodyPr/>
+                    <a:lstStyle/>
+                    <a:p>
+                      <a:pPr algn="ctr"/>
+                      <a:r>
+                        <a:rPr lang="en-US" sz="1400" b="1" dirty="0">
+                          <a:solidFill>
+                            <a:schemeClr val="tx1"/>
+                          </a:solidFill>
+                          <a:latin typeface="TeX Gyre Bonum" panose="00000500000000000000" pitchFamily="50" charset="0"/>
+                          <a:ea typeface="CMU Sans Serif" panose="02000603000000000000" pitchFamily="2" charset="0"/>
+                          <a:cs typeface="CMU Sans Serif" panose="02000603000000000000" pitchFamily="2" charset="0"/>
+                        </a:rPr>
+                        <a:t>D</a:t>
+                      </a:r>
+                      <a:endParaRPr lang="en-ID" sz="1400" b="1" dirty="0">
+                        <a:solidFill>
+                          <a:schemeClr val="tx1"/>
+                        </a:solidFill>
+                        <a:latin typeface="TeX Gyre Bonum" panose="00000500000000000000" pitchFamily="50" charset="0"/>
+                        <a:ea typeface="CMU Sans Serif" panose="02000603000000000000" pitchFamily="2" charset="0"/>
+                        <a:cs typeface="CMU Sans Serif" panose="02000603000000000000" pitchFamily="2" charset="0"/>
+                      </a:endParaRPr>
+                    </a:p>
+                  </a:txBody>
+                  <a:tcPr>
+                    <a:lnL w="12700" cap="flat" cmpd="sng" algn="ctr">
+                      <a:noFill/>
+                      <a:prstDash val="solid"/>
+                      <a:round/>
+                      <a:headEnd type="none" w="med" len="med"/>
+                      <a:tailEnd type="none" w="med" len="med"/>
+                    </a:lnL>
+                    <a:lnR w="12700" cap="flat" cmpd="sng" algn="ctr">
+                      <a:noFill/>
+                      <a:prstDash val="solid"/>
+                      <a:round/>
+                      <a:headEnd type="none" w="med" len="med"/>
+                      <a:tailEnd type="none" w="med" len="med"/>
+                    </a:lnR>
+                    <a:lnT w="12700" cap="flat" cmpd="sng" algn="ctr">
+                      <a:solidFill>
+                        <a:schemeClr val="tx1"/>
+                      </a:solidFill>
+                      <a:prstDash val="solid"/>
+                      <a:round/>
+                      <a:headEnd type="none" w="med" len="med"/>
+                      <a:tailEnd type="none" w="med" len="med"/>
+                    </a:lnT>
+                    <a:lnB w="12700" cap="flat" cmpd="sng" algn="ctr">
+                      <a:solidFill>
+                        <a:schemeClr val="tx1"/>
+                      </a:solidFill>
+                      <a:prstDash val="solid"/>
+                      <a:round/>
+                      <a:headEnd type="none" w="med" len="med"/>
+                      <a:tailEnd type="none" w="med" len="med"/>
+                    </a:lnB>
+                    <a:lnTlToBr w="12700" cmpd="sng">
+                      <a:noFill/>
+                      <a:prstDash val="solid"/>
+                    </a:lnTlToBr>
+                    <a:lnBlToTr w="12700" cmpd="sng">
+                      <a:noFill/>
+                      <a:prstDash val="solid"/>
+                    </a:lnBlToTr>
+                    <a:noFill/>
+                  </a:tcPr>
+                </a:tc>
+                <a:extLst>
+                  <a:ext uri="{0D108BD9-81ED-4DB2-BD59-A6C34878D82A}">
+                    <a16:rowId xmlns:a16="http://schemas.microsoft.com/office/drawing/2014/main" val="3095788039"/>
+                  </a:ext>
+                </a:extLst>
+              </a:tr>
+              <a:tr h="277368">
+                <a:tc>
+                  <a:txBody>
+                    <a:bodyPr/>
+                    <a:lstStyle/>
+                    <a:p>
+                      <a:pPr algn="l"/>
+                      <a:r>
+                        <a:rPr lang="en-US" sz="1400" b="1" dirty="0">
+                          <a:latin typeface="TeX Gyre Bonum" panose="00000500000000000000" pitchFamily="50" charset="0"/>
+                          <a:ea typeface="CMU Sans Serif" panose="02000603000000000000" pitchFamily="2" charset="0"/>
+                          <a:cs typeface="CMU Sans Serif" panose="02000603000000000000" pitchFamily="2" charset="0"/>
+                        </a:rPr>
+                        <a:t>AUC</a:t>
+                      </a:r>
+                      <a:endParaRPr lang="en-ID" sz="1400" b="1" dirty="0">
+                        <a:latin typeface="TeX Gyre Bonum" panose="00000500000000000000" pitchFamily="50" charset="0"/>
+                        <a:ea typeface="CMU Sans Serif" panose="02000603000000000000" pitchFamily="2" charset="0"/>
+                        <a:cs typeface="CMU Sans Serif" panose="02000603000000000000" pitchFamily="2" charset="0"/>
+                      </a:endParaRPr>
+                    </a:p>
+                  </a:txBody>
+                  <a:tcPr>
+                    <a:lnL w="12700" cap="flat" cmpd="sng" algn="ctr">
+                      <a:noFill/>
+                      <a:prstDash val="solid"/>
+                      <a:round/>
+                      <a:headEnd type="none" w="med" len="med"/>
+                      <a:tailEnd type="none" w="med" len="med"/>
+                    </a:lnL>
+                    <a:lnR w="12700" cap="flat" cmpd="sng" algn="ctr">
+                      <a:solidFill>
+                        <a:schemeClr val="tx1"/>
+                      </a:solidFill>
+                      <a:prstDash val="solid"/>
+                      <a:round/>
+                      <a:headEnd type="none" w="med" len="med"/>
+                      <a:tailEnd type="none" w="med" len="med"/>
+                    </a:lnR>
+                    <a:lnT w="12700" cap="flat" cmpd="sng" algn="ctr">
+                      <a:solidFill>
+                        <a:schemeClr val="tx1"/>
+                      </a:solidFill>
+                      <a:prstDash val="solid"/>
+                      <a:round/>
+                      <a:headEnd type="none" w="med" len="med"/>
+                      <a:tailEnd type="none" w="med" len="med"/>
+                    </a:lnT>
+                    <a:lnB w="12700" cap="flat" cmpd="sng" algn="ctr">
+                      <a:solidFill>
+                        <a:schemeClr val="tx1"/>
+                      </a:solidFill>
+                      <a:prstDash val="solid"/>
+                      <a:round/>
+                      <a:headEnd type="none" w="med" len="med"/>
+                      <a:tailEnd type="none" w="med" len="med"/>
+                    </a:lnB>
+                    <a:lnTlToBr w="12700" cmpd="sng">
+                      <a:noFill/>
+                      <a:prstDash val="solid"/>
+                    </a:lnTlToBr>
+                    <a:lnBlToTr w="12700" cmpd="sng">
+                      <a:noFill/>
+                      <a:prstDash val="solid"/>
+                    </a:lnBlToTr>
+                    <a:noFill/>
+                  </a:tcPr>
+                </a:tc>
+                <a:tc>
+                  <a:txBody>
+                    <a:bodyPr/>
+                    <a:lstStyle/>
+                    <a:p>
+                      <a:pPr marL="0" marR="0" lvl="0" indent="0" algn="ctr" defTabSz="914400" rtl="0" eaLnBrk="1" fontAlgn="auto" latinLnBrk="0" hangingPunct="1">
+                        <a:lnSpc>
+                          <a:spcPct val="100000"/>
+                        </a:lnSpc>
+                        <a:spcBef>
+                          <a:spcPts val="0"/>
+                        </a:spcBef>
+                        <a:spcAft>
+                          <a:spcPts val="0"/>
+                        </a:spcAft>
+                        <a:buClrTx/>
+                        <a:buSzTx/>
+                        <a:buFontTx/>
+                        <a:buNone/>
+                        <a:tabLst/>
+                        <a:defRPr/>
+                      </a:pPr>
+                      <a:r>
+                        <a:rPr lang="en-ID" sz="1400" b="0" kern="1200" dirty="0">
+                          <a:solidFill>
+                            <a:schemeClr val="dk1"/>
+                          </a:solidFill>
+                          <a:effectLst/>
+                          <a:latin typeface="TeX Gyre Bonum" panose="00000500000000000000" pitchFamily="50" charset="0"/>
+                          <a:ea typeface="CMU Sans Serif" panose="02000603000000000000" pitchFamily="2" charset="0"/>
+                          <a:cs typeface="CMU Sans Serif" panose="02000603000000000000" pitchFamily="2" charset="0"/>
+                        </a:rPr>
+                        <a:t>0.7557</a:t>
+                      </a:r>
+                    </a:p>
+                  </a:txBody>
+                  <a:tcPr>
+                    <a:lnL w="12700" cap="flat" cmpd="sng" algn="ctr">
+                      <a:solidFill>
+                        <a:schemeClr val="tx1"/>
+                      </a:solidFill>
+                      <a:prstDash val="solid"/>
+                      <a:round/>
+                      <a:headEnd type="none" w="med" len="med"/>
+                      <a:tailEnd type="none" w="med" len="med"/>
+                    </a:lnL>
+                    <a:lnR w="12700" cap="flat" cmpd="sng" algn="ctr">
+                      <a:noFill/>
+                      <a:prstDash val="solid"/>
+                      <a:round/>
+                      <a:headEnd type="none" w="med" len="med"/>
+                      <a:tailEnd type="none" w="med" len="med"/>
+                    </a:lnR>
+                    <a:lnT w="12700" cap="flat" cmpd="sng" algn="ctr">
+                      <a:solidFill>
+                        <a:schemeClr val="tx1"/>
+                      </a:solidFill>
+                      <a:prstDash val="solid"/>
+                      <a:round/>
+                      <a:headEnd type="none" w="med" len="med"/>
+                      <a:tailEnd type="none" w="med" len="med"/>
+                    </a:lnT>
+                    <a:lnB w="12700" cap="flat" cmpd="sng" algn="ctr">
+                      <a:solidFill>
+                        <a:schemeClr val="tx1"/>
+                      </a:solidFill>
+                      <a:prstDash val="solid"/>
+                      <a:round/>
+                      <a:headEnd type="none" w="med" len="med"/>
+                      <a:tailEnd type="none" w="med" len="med"/>
+                    </a:lnB>
+                    <a:lnTlToBr w="12700" cmpd="sng">
+                      <a:noFill/>
+                      <a:prstDash val="solid"/>
+                    </a:lnTlToBr>
+                    <a:lnBlToTr w="12700" cmpd="sng">
+                      <a:noFill/>
+                      <a:prstDash val="solid"/>
+                    </a:lnBlToTr>
+                    <a:noFill/>
+                  </a:tcPr>
+                </a:tc>
+                <a:tc>
+                  <a:txBody>
+                    <a:bodyPr/>
+                    <a:lstStyle/>
+                    <a:p>
+                      <a:pPr marL="0" marR="0" lvl="0" indent="0" algn="ctr" defTabSz="914400" rtl="0" eaLnBrk="1" fontAlgn="auto" latinLnBrk="0" hangingPunct="1">
+                        <a:lnSpc>
+                          <a:spcPct val="100000"/>
+                        </a:lnSpc>
+                        <a:spcBef>
+                          <a:spcPts val="0"/>
+                        </a:spcBef>
+                        <a:spcAft>
+                          <a:spcPts val="0"/>
+                        </a:spcAft>
+                        <a:buClrTx/>
+                        <a:buSzTx/>
+                        <a:buFontTx/>
+                        <a:buNone/>
+                        <a:tabLst/>
+                        <a:defRPr/>
+                      </a:pPr>
+                      <a:r>
+                        <a:rPr lang="en-ID" sz="1400" b="0" kern="1200" dirty="0">
+                          <a:solidFill>
+                            <a:schemeClr val="dk1"/>
+                          </a:solidFill>
+                          <a:effectLst/>
+                          <a:latin typeface="TeX Gyre Bonum" panose="00000500000000000000" pitchFamily="50" charset="0"/>
+                          <a:ea typeface="CMU Sans Serif" panose="02000603000000000000" pitchFamily="2" charset="0"/>
+                          <a:cs typeface="CMU Sans Serif" panose="02000603000000000000" pitchFamily="2" charset="0"/>
+                        </a:rPr>
+                        <a:t>0.7015</a:t>
+                      </a:r>
+                    </a:p>
+                  </a:txBody>
+                  <a:tcPr>
+                    <a:lnL w="12700" cap="flat" cmpd="sng" algn="ctr">
+                      <a:noFill/>
+                      <a:prstDash val="solid"/>
+                      <a:round/>
+                      <a:headEnd type="none" w="med" len="med"/>
+                      <a:tailEnd type="none" w="med" len="med"/>
+                    </a:lnL>
+                    <a:lnR w="12700" cap="flat" cmpd="sng" algn="ctr">
+                      <a:noFill/>
+                      <a:prstDash val="solid"/>
+                      <a:round/>
+                      <a:headEnd type="none" w="med" len="med"/>
+                      <a:tailEnd type="none" w="med" len="med"/>
+                    </a:lnR>
+                    <a:lnT w="12700" cap="flat" cmpd="sng" algn="ctr">
+                      <a:solidFill>
+                        <a:schemeClr val="tx1"/>
+                      </a:solidFill>
+                      <a:prstDash val="solid"/>
+                      <a:round/>
+                      <a:headEnd type="none" w="med" len="med"/>
+                      <a:tailEnd type="none" w="med" len="med"/>
+                    </a:lnT>
+                    <a:lnB w="12700" cap="flat" cmpd="sng" algn="ctr">
+                      <a:solidFill>
+                        <a:schemeClr val="tx1"/>
+                      </a:solidFill>
+                      <a:prstDash val="solid"/>
+                      <a:round/>
+                      <a:headEnd type="none" w="med" len="med"/>
+                      <a:tailEnd type="none" w="med" len="med"/>
+                    </a:lnB>
+                    <a:lnTlToBr w="12700" cmpd="sng">
+                      <a:noFill/>
+                      <a:prstDash val="solid"/>
+                    </a:lnTlToBr>
+                    <a:lnBlToTr w="12700" cmpd="sng">
+                      <a:noFill/>
+                      <a:prstDash val="solid"/>
+                    </a:lnBlToTr>
+                    <a:noFill/>
+                  </a:tcPr>
+                </a:tc>
+                <a:tc>
+                  <a:txBody>
+                    <a:bodyPr/>
+                    <a:lstStyle/>
+                    <a:p>
+                      <a:pPr marL="0" marR="0" lvl="0" indent="0" algn="ctr" defTabSz="914400" rtl="0" eaLnBrk="1" fontAlgn="auto" latinLnBrk="0" hangingPunct="1">
+                        <a:lnSpc>
+                          <a:spcPct val="100000"/>
+                        </a:lnSpc>
+                        <a:spcBef>
+                          <a:spcPts val="0"/>
+                        </a:spcBef>
+                        <a:spcAft>
+                          <a:spcPts val="0"/>
+                        </a:spcAft>
+                        <a:buClrTx/>
+                        <a:buSzTx/>
+                        <a:buFontTx/>
+                        <a:buNone/>
+                        <a:tabLst/>
+                        <a:defRPr/>
+                      </a:pPr>
+                      <a:r>
+                        <a:rPr lang="en-US" sz="1400" b="0" kern="1200" dirty="0">
+                          <a:solidFill>
+                            <a:schemeClr val="dk1"/>
+                          </a:solidFill>
+                          <a:effectLst/>
+                          <a:latin typeface="TeX Gyre Bonum" panose="00000500000000000000" pitchFamily="50" charset="0"/>
+                          <a:ea typeface="CMU Sans Serif" panose="02000603000000000000" pitchFamily="2" charset="0"/>
+                          <a:cs typeface="CMU Sans Serif" panose="02000603000000000000" pitchFamily="2" charset="0"/>
+                        </a:rPr>
+                        <a:t>0.6307</a:t>
+                      </a:r>
+                      <a:endParaRPr lang="en-ID" sz="1400" b="0" kern="1200" dirty="0">
+                        <a:solidFill>
+                          <a:schemeClr val="dk1"/>
+                        </a:solidFill>
+                        <a:effectLst/>
+                        <a:latin typeface="TeX Gyre Bonum" panose="00000500000000000000" pitchFamily="50" charset="0"/>
+                        <a:ea typeface="CMU Sans Serif" panose="02000603000000000000" pitchFamily="2" charset="0"/>
+                        <a:cs typeface="CMU Sans Serif" panose="02000603000000000000" pitchFamily="2" charset="0"/>
+                      </a:endParaRPr>
+                    </a:p>
+                  </a:txBody>
+                  <a:tcPr>
+                    <a:lnL w="12700" cap="flat" cmpd="sng" algn="ctr">
+                      <a:noFill/>
+                      <a:prstDash val="solid"/>
+                      <a:round/>
+                      <a:headEnd type="none" w="med" len="med"/>
+                      <a:tailEnd type="none" w="med" len="med"/>
+                    </a:lnL>
+                    <a:lnR w="12700" cap="flat" cmpd="sng" algn="ctr">
+                      <a:noFill/>
+                      <a:prstDash val="solid"/>
+                      <a:round/>
+                      <a:headEnd type="none" w="med" len="med"/>
+                      <a:tailEnd type="none" w="med" len="med"/>
+                    </a:lnR>
+                    <a:lnT w="12700" cap="flat" cmpd="sng" algn="ctr">
+                      <a:solidFill>
+                        <a:schemeClr val="tx1"/>
+                      </a:solidFill>
+                      <a:prstDash val="solid"/>
+                      <a:round/>
+                      <a:headEnd type="none" w="med" len="med"/>
+                      <a:tailEnd type="none" w="med" len="med"/>
+                    </a:lnT>
+                    <a:lnB w="12700" cap="flat" cmpd="sng" algn="ctr">
+                      <a:solidFill>
+                        <a:schemeClr val="tx1"/>
+                      </a:solidFill>
+                      <a:prstDash val="solid"/>
+                      <a:round/>
+                      <a:headEnd type="none" w="med" len="med"/>
+                      <a:tailEnd type="none" w="med" len="med"/>
+                    </a:lnB>
+                    <a:lnTlToBr w="12700" cmpd="sng">
+                      <a:noFill/>
+                      <a:prstDash val="solid"/>
+                    </a:lnTlToBr>
+                    <a:lnBlToTr w="12700" cmpd="sng">
+                      <a:noFill/>
+                      <a:prstDash val="solid"/>
+                    </a:lnBlToTr>
+                    <a:noFill/>
+                  </a:tcPr>
+                </a:tc>
+                <a:tc>
+                  <a:txBody>
+                    <a:bodyPr/>
+                    <a:lstStyle/>
+                    <a:p>
+                      <a:pPr marL="0" marR="0" lvl="0" indent="0" algn="ctr" defTabSz="914400" rtl="0" eaLnBrk="1" fontAlgn="auto" latinLnBrk="0" hangingPunct="1">
+                        <a:lnSpc>
+                          <a:spcPct val="100000"/>
+                        </a:lnSpc>
+                        <a:spcBef>
+                          <a:spcPts val="0"/>
+                        </a:spcBef>
+                        <a:spcAft>
+                          <a:spcPts val="0"/>
+                        </a:spcAft>
+                        <a:buClrTx/>
+                        <a:buSzTx/>
+                        <a:buFontTx/>
+                        <a:buNone/>
+                        <a:tabLst/>
+                        <a:defRPr/>
+                      </a:pPr>
+                      <a:r>
+                        <a:rPr lang="en-US" sz="1400" b="0" kern="1200" dirty="0">
+                          <a:solidFill>
+                            <a:schemeClr val="dk1"/>
+                          </a:solidFill>
+                          <a:effectLst/>
+                          <a:latin typeface="TeX Gyre Bonum" panose="00000500000000000000" pitchFamily="50" charset="0"/>
+                          <a:ea typeface="CMU Sans Serif" panose="02000603000000000000" pitchFamily="2" charset="0"/>
+                          <a:cs typeface="CMU Sans Serif" panose="02000603000000000000" pitchFamily="2" charset="0"/>
+                        </a:rPr>
+                        <a:t>0.6612</a:t>
+                      </a:r>
+                      <a:endParaRPr lang="en-ID" sz="1400" b="0" kern="1200" dirty="0">
+                        <a:solidFill>
+                          <a:schemeClr val="dk1"/>
+                        </a:solidFill>
+                        <a:effectLst/>
+                        <a:latin typeface="TeX Gyre Bonum" panose="00000500000000000000" pitchFamily="50" charset="0"/>
+                        <a:ea typeface="CMU Sans Serif" panose="02000603000000000000" pitchFamily="2" charset="0"/>
+                        <a:cs typeface="CMU Sans Serif" panose="02000603000000000000" pitchFamily="2" charset="0"/>
+                      </a:endParaRPr>
+                    </a:p>
+                  </a:txBody>
+                  <a:tcPr>
+                    <a:lnL w="12700" cap="flat" cmpd="sng" algn="ctr">
+                      <a:noFill/>
+                      <a:prstDash val="solid"/>
+                      <a:round/>
+                      <a:headEnd type="none" w="med" len="med"/>
+                      <a:tailEnd type="none" w="med" len="med"/>
+                    </a:lnL>
+                    <a:lnR w="12700" cap="flat" cmpd="sng" algn="ctr">
+                      <a:noFill/>
+                      <a:prstDash val="solid"/>
+                      <a:round/>
+                      <a:headEnd type="none" w="med" len="med"/>
+                      <a:tailEnd type="none" w="med" len="med"/>
+                    </a:lnR>
+                    <a:lnT w="12700" cap="flat" cmpd="sng" algn="ctr">
+                      <a:solidFill>
+                        <a:schemeClr val="tx1"/>
+                      </a:solidFill>
+                      <a:prstDash val="solid"/>
+                      <a:round/>
+                      <a:headEnd type="none" w="med" len="med"/>
+                      <a:tailEnd type="none" w="med" len="med"/>
+                    </a:lnT>
+                    <a:lnB w="12700" cap="flat" cmpd="sng" algn="ctr">
+                      <a:solidFill>
+                        <a:schemeClr val="tx1"/>
+                      </a:solidFill>
+                      <a:prstDash val="solid"/>
+                      <a:round/>
+                      <a:headEnd type="none" w="med" len="med"/>
+                      <a:tailEnd type="none" w="med" len="med"/>
+                    </a:lnB>
+                    <a:lnTlToBr w="12700" cmpd="sng">
+                      <a:noFill/>
+                      <a:prstDash val="solid"/>
+                    </a:lnTlToBr>
+                    <a:lnBlToTr w="12700" cmpd="sng">
+                      <a:noFill/>
+                      <a:prstDash val="solid"/>
+                    </a:lnBlToTr>
+                    <a:noFill/>
+                  </a:tcPr>
+                </a:tc>
+                <a:extLst>
+                  <a:ext uri="{0D108BD9-81ED-4DB2-BD59-A6C34878D82A}">
+                    <a16:rowId xmlns:a16="http://schemas.microsoft.com/office/drawing/2014/main" val="3362170562"/>
+                  </a:ext>
+                </a:extLst>
+              </a:tr>
+            </a:tbl>
+          </a:graphicData>
+        </a:graphic>
+      </p:graphicFrame>
+      <p:sp>
+        <p:nvSpPr>
+          <p:cNvPr id="7" name="TextBox 6">
+            <a:extLst>
+              <a:ext uri="{FF2B5EF4-FFF2-40B4-BE49-F238E27FC236}">
+                <a16:creationId xmlns:a16="http://schemas.microsoft.com/office/drawing/2014/main" id="{38FCE7A4-4365-8648-61A6-E0F5AB59F3CB}"/>
+              </a:ext>
+            </a:extLst>
+          </p:cNvPr>
+          <p:cNvSpPr txBox="1"/>
+          <p:nvPr/>
+        </p:nvSpPr>
+        <p:spPr>
+          <a:xfrm>
+            <a:off x="1852089" y="192646"/>
+            <a:ext cx="2458494" cy="369332"/>
+          </a:xfrm>
+          <a:prstGeom prst="rect">
+            <a:avLst/>
+          </a:prstGeom>
+          <a:noFill/>
+        </p:spPr>
+        <p:txBody>
+          <a:bodyPr wrap="none" rtlCol="0">
+            <a:spAutoFit/>
+          </a:bodyPr>
+          <a:lstStyle/>
+          <a:p>
+            <a:r>
+              <a:rPr lang="en-US" dirty="0">
+                <a:latin typeface="TeX Gyre Bonum" panose="00000500000000000000" pitchFamily="50" charset="0"/>
+                <a:ea typeface="CMU Sans Serif" panose="02000603000000000000" pitchFamily="2" charset="0"/>
+                <a:cs typeface="CMU Sans Serif" panose="02000603000000000000" pitchFamily="2" charset="0"/>
+              </a:rPr>
+              <a:t>(a) Validation Result</a:t>
+            </a:r>
+            <a:endParaRPr lang="en-ID" dirty="0">
+              <a:latin typeface="TeX Gyre Bonum" panose="00000500000000000000" pitchFamily="50" charset="0"/>
+              <a:ea typeface="CMU Sans Serif" panose="02000603000000000000" pitchFamily="2" charset="0"/>
+              <a:cs typeface="CMU Sans Serif" panose="02000603000000000000" pitchFamily="2" charset="0"/>
+            </a:endParaRPr>
+          </a:p>
+        </p:txBody>
+      </p:sp>
+      <p:pic>
+        <p:nvPicPr>
+          <p:cNvPr id="8" name="Picture 7">
+            <a:extLst>
+              <a:ext uri="{FF2B5EF4-FFF2-40B4-BE49-F238E27FC236}">
+                <a16:creationId xmlns:a16="http://schemas.microsoft.com/office/drawing/2014/main" id="{3FA101E1-33D0-296F-9597-97B54FAF8B54}"/>
+              </a:ext>
+            </a:extLst>
+          </p:cNvPr>
+          <p:cNvPicPr>
+            <a:picLocks noChangeAspect="1"/>
+          </p:cNvPicPr>
+          <p:nvPr/>
+        </p:nvPicPr>
+        <p:blipFill>
+          <a:blip r:embed="rId3"/>
+          <a:stretch>
+            <a:fillRect/>
+          </a:stretch>
+        </p:blipFill>
+        <p:spPr>
+          <a:xfrm>
+            <a:off x="6168693" y="561978"/>
+            <a:ext cx="5465667" cy="2867021"/>
+          </a:xfrm>
+          <a:prstGeom prst="rect">
+            <a:avLst/>
+          </a:prstGeom>
+        </p:spPr>
+      </p:pic>
+      <p:sp>
+        <p:nvSpPr>
+          <p:cNvPr id="9" name="TextBox 8">
+            <a:extLst>
+              <a:ext uri="{FF2B5EF4-FFF2-40B4-BE49-F238E27FC236}">
+                <a16:creationId xmlns:a16="http://schemas.microsoft.com/office/drawing/2014/main" id="{DDAA370D-BA34-79C4-3C91-AAD20A039205}"/>
+              </a:ext>
+            </a:extLst>
+          </p:cNvPr>
+          <p:cNvSpPr txBox="1"/>
+          <p:nvPr/>
+        </p:nvSpPr>
+        <p:spPr>
+          <a:xfrm>
+            <a:off x="8011257" y="194792"/>
+            <a:ext cx="2136354" cy="369332"/>
+          </a:xfrm>
+          <a:prstGeom prst="rect">
+            <a:avLst/>
+          </a:prstGeom>
+          <a:noFill/>
+        </p:spPr>
+        <p:txBody>
+          <a:bodyPr wrap="none" rtlCol="0">
+            <a:spAutoFit/>
+          </a:bodyPr>
+          <a:lstStyle/>
+          <a:p>
+            <a:r>
+              <a:rPr lang="en-US" dirty="0">
+                <a:latin typeface="TeX Gyre Bonum" panose="00000500000000000000" pitchFamily="50" charset="0"/>
+                <a:ea typeface="CMU Sans Serif" panose="02000603000000000000" pitchFamily="2" charset="0"/>
+                <a:cs typeface="CMU Sans Serif" panose="02000603000000000000" pitchFamily="2" charset="0"/>
+              </a:rPr>
+              <a:t>(b) ROC and AUC</a:t>
+            </a:r>
+            <a:endParaRPr lang="en-ID" dirty="0">
+              <a:latin typeface="TeX Gyre Bonum" panose="00000500000000000000" pitchFamily="50" charset="0"/>
+              <a:ea typeface="CMU Sans Serif" panose="02000603000000000000" pitchFamily="2" charset="0"/>
+              <a:cs typeface="CMU Sans Serif" panose="02000603000000000000" pitchFamily="2" charset="0"/>
+            </a:endParaRPr>
+          </a:p>
+        </p:txBody>
+      </p:sp>
+    </p:spTree>
+    <p:extLst>
+      <p:ext uri="{BB962C8B-B14F-4D97-AF65-F5344CB8AC3E}">
+        <p14:creationId xmlns:p14="http://schemas.microsoft.com/office/powerpoint/2010/main" val="3458743690"/>
+      </p:ext>
+    </p:extLst>
+  </p:cSld>
+  <p:clrMapOvr>
+    <a:masterClrMapping/>
+  </p:clrMapOvr>
+</p:sld>
+</file>
+
+<file path=ppt/slides/slide11.xml><?xml version="1.0" encoding="utf-8"?>
+<p:sld xmlns:a="http://schemas.openxmlformats.org/drawingml/2006/main" xmlns:r="http://schemas.openxmlformats.org/officeDocument/2006/relationships" xmlns:p="http://schemas.openxmlformats.org/presentationml/2006/main">
+  <p:cSld>
+    <p:spTree>
+      <p:nvGrpSpPr>
+        <p:cNvPr id="1" name=""/>
+        <p:cNvGrpSpPr/>
+        <p:nvPr/>
+      </p:nvGrpSpPr>
+      <p:grpSpPr>
+        <a:xfrm>
+          <a:off x="0" y="0"/>
+          <a:ext cx="0" cy="0"/>
+          <a:chOff x="0" y="0"/>
+          <a:chExt cx="0" cy="0"/>
+        </a:xfrm>
+      </p:grpSpPr>
       <p:pic>
         <p:nvPicPr>
           <p:cNvPr id="20" name="Picture 19">
@@ -4589,7 +7528,7 @@
 </p:sld>
 </file>
 
-<file path=ppt/slides/slide11.xml><?xml version="1.0" encoding="utf-8"?>
+<file path=ppt/slides/slide12.xml><?xml version="1.0" encoding="utf-8"?>
 <p:sld xmlns:a="http://schemas.openxmlformats.org/drawingml/2006/main" xmlns:r="http://schemas.openxmlformats.org/officeDocument/2006/relationships" xmlns:p="http://schemas.openxmlformats.org/presentationml/2006/main">
   <p:cSld>
     <p:spTree>
@@ -6559,7 +9498,7 @@
 </p:sld>
 </file>
 
-<file path=ppt/slides/slide12.xml><?xml version="1.0" encoding="utf-8"?>
+<file path=ppt/slides/slide13.xml><?xml version="1.0" encoding="utf-8"?>
 <p:sld xmlns:a="http://schemas.openxmlformats.org/drawingml/2006/main" xmlns:r="http://schemas.openxmlformats.org/officeDocument/2006/relationships" xmlns:p="http://schemas.openxmlformats.org/presentationml/2006/main">
   <p:cSld>
     <p:spTree>
@@ -7324,6 +10263,96 @@
           <a:chExt cx="0" cy="0"/>
         </a:xfrm>
       </p:grpSpPr>
+      <p:pic>
+        <p:nvPicPr>
+          <p:cNvPr id="15" name="Picture 14">
+            <a:extLst>
+              <a:ext uri="{FF2B5EF4-FFF2-40B4-BE49-F238E27FC236}">
+                <a16:creationId xmlns:a16="http://schemas.microsoft.com/office/drawing/2014/main" id="{B2C3E534-DCD1-47FA-73AB-D67D566CC691}"/>
+              </a:ext>
+            </a:extLst>
+          </p:cNvPr>
+          <p:cNvPicPr>
+            <a:picLocks noChangeAspect="1"/>
+          </p:cNvPicPr>
+          <p:nvPr/>
+        </p:nvPicPr>
+        <p:blipFill>
+          <a:blip r:embed="rId2"/>
+          <a:stretch>
+            <a:fillRect/>
+          </a:stretch>
+        </p:blipFill>
+        <p:spPr>
+          <a:xfrm>
+            <a:off x="1432560" y="20625"/>
+            <a:ext cx="9326880" cy="3489960"/>
+          </a:xfrm>
+          <a:prstGeom prst="rect">
+            <a:avLst/>
+          </a:prstGeom>
+        </p:spPr>
+      </p:pic>
+      <p:pic>
+        <p:nvPicPr>
+          <p:cNvPr id="17" name="Picture 16">
+            <a:extLst>
+              <a:ext uri="{FF2B5EF4-FFF2-40B4-BE49-F238E27FC236}">
+                <a16:creationId xmlns:a16="http://schemas.microsoft.com/office/drawing/2014/main" id="{DDE1FCF4-FD1B-7C97-52F1-D2BF3937CF64}"/>
+              </a:ext>
+            </a:extLst>
+          </p:cNvPr>
+          <p:cNvPicPr>
+            <a:picLocks noChangeAspect="1"/>
+          </p:cNvPicPr>
+          <p:nvPr/>
+        </p:nvPicPr>
+        <p:blipFill>
+          <a:blip r:embed="rId3"/>
+          <a:stretch>
+            <a:fillRect/>
+          </a:stretch>
+        </p:blipFill>
+        <p:spPr>
+          <a:xfrm>
+            <a:off x="1432560" y="3510585"/>
+            <a:ext cx="9326880" cy="3489960"/>
+          </a:xfrm>
+          <a:prstGeom prst="rect">
+            <a:avLst/>
+          </a:prstGeom>
+        </p:spPr>
+      </p:pic>
+    </p:spTree>
+    <p:extLst>
+      <p:ext uri="{BB962C8B-B14F-4D97-AF65-F5344CB8AC3E}">
+        <p14:creationId xmlns:p14="http://schemas.microsoft.com/office/powerpoint/2010/main" val="1752689257"/>
+      </p:ext>
+    </p:extLst>
+  </p:cSld>
+  <p:clrMapOvr>
+    <a:masterClrMapping/>
+  </p:clrMapOvr>
+</p:sld>
+</file>
+
+<file path=ppt/slides/slide9.xml><?xml version="1.0" encoding="utf-8"?>
+<p:sld xmlns:a="http://schemas.openxmlformats.org/drawingml/2006/main" xmlns:r="http://schemas.openxmlformats.org/officeDocument/2006/relationships" xmlns:p="http://schemas.openxmlformats.org/presentationml/2006/main">
+  <p:cSld>
+    <p:spTree>
+      <p:nvGrpSpPr>
+        <p:cNvPr id="1" name=""/>
+        <p:cNvGrpSpPr/>
+        <p:nvPr/>
+      </p:nvGrpSpPr>
+      <p:grpSpPr>
+        <a:xfrm>
+          <a:off x="0" y="0"/>
+          <a:ext cx="0" cy="0"/>
+          <a:chOff x="0" y="0"/>
+          <a:chExt cx="0" cy="0"/>
+        </a:xfrm>
+      </p:grpSpPr>
       <p:grpSp>
         <p:nvGrpSpPr>
           <p:cNvPr id="11" name="Group 10">
@@ -7522,2944 +10551,6 @@
     <p:extLst>
       <p:ext uri="{BB962C8B-B14F-4D97-AF65-F5344CB8AC3E}">
         <p14:creationId xmlns:p14="http://schemas.microsoft.com/office/powerpoint/2010/main" val="1047951534"/>
-      </p:ext>
-    </p:extLst>
-  </p:cSld>
-  <p:clrMapOvr>
-    <a:masterClrMapping/>
-  </p:clrMapOvr>
-</p:sld>
-</file>
-
-<file path=ppt/slides/slide9.xml><?xml version="1.0" encoding="utf-8"?>
-<p:sld xmlns:a="http://schemas.openxmlformats.org/drawingml/2006/main" xmlns:r="http://schemas.openxmlformats.org/officeDocument/2006/relationships" xmlns:p="http://schemas.openxmlformats.org/presentationml/2006/main">
-  <p:cSld>
-    <p:spTree>
-      <p:nvGrpSpPr>
-        <p:cNvPr id="1" name=""/>
-        <p:cNvGrpSpPr/>
-        <p:nvPr/>
-      </p:nvGrpSpPr>
-      <p:grpSpPr>
-        <a:xfrm>
-          <a:off x="0" y="0"/>
-          <a:ext cx="0" cy="0"/>
-          <a:chOff x="0" y="0"/>
-          <a:chExt cx="0" cy="0"/>
-        </a:xfrm>
-      </p:grpSpPr>
-      <p:graphicFrame>
-        <p:nvGraphicFramePr>
-          <p:cNvPr id="4" name="Table 6">
-            <a:extLst>
-              <a:ext uri="{FF2B5EF4-FFF2-40B4-BE49-F238E27FC236}">
-                <a16:creationId xmlns:a16="http://schemas.microsoft.com/office/drawing/2014/main" id="{19B1E98B-4B8A-BA76-2EEC-D115421C2790}"/>
-              </a:ext>
-            </a:extLst>
-          </p:cNvPr>
-          <p:cNvGraphicFramePr>
-            <a:graphicFrameLocks noGrp="1"/>
-          </p:cNvGraphicFramePr>
-          <p:nvPr>
-            <p:extLst>
-              <p:ext uri="{D42A27DB-BD31-4B8C-83A1-F6EECF244321}">
-                <p14:modId xmlns:p14="http://schemas.microsoft.com/office/powerpoint/2010/main" val="117637910"/>
-              </p:ext>
-            </p:extLst>
-          </p:nvPr>
-        </p:nvGraphicFramePr>
-        <p:xfrm>
-          <a:off x="751732" y="3437466"/>
-          <a:ext cx="4400356" cy="1524000"/>
-        </p:xfrm>
-        <a:graphic>
-          <a:graphicData uri="http://schemas.openxmlformats.org/drawingml/2006/table">
-            <a:tbl>
-              <a:tblPr firstRow="1" bandRow="1">
-                <a:tableStyleId>{5C22544A-7EE6-4342-B048-85BDC9FD1C3A}</a:tableStyleId>
-              </a:tblPr>
-              <a:tblGrid>
-                <a:gridCol w="1076452">
-                  <a:extLst>
-                    <a:ext uri="{9D8B030D-6E8A-4147-A177-3AD203B41FA5}">
-                      <a16:colId xmlns:a16="http://schemas.microsoft.com/office/drawing/2014/main" val="3872630865"/>
-                    </a:ext>
-                  </a:extLst>
-                </a:gridCol>
-                <a:gridCol w="844867">
-                  <a:extLst>
-                    <a:ext uri="{9D8B030D-6E8A-4147-A177-3AD203B41FA5}">
-                      <a16:colId xmlns:a16="http://schemas.microsoft.com/office/drawing/2014/main" val="2317850323"/>
-                    </a:ext>
-                  </a:extLst>
-                </a:gridCol>
-                <a:gridCol w="844867">
-                  <a:extLst>
-                    <a:ext uri="{9D8B030D-6E8A-4147-A177-3AD203B41FA5}">
-                      <a16:colId xmlns:a16="http://schemas.microsoft.com/office/drawing/2014/main" val="3427173819"/>
-                    </a:ext>
-                  </a:extLst>
-                </a:gridCol>
-                <a:gridCol w="844867">
-                  <a:extLst>
-                    <a:ext uri="{9D8B030D-6E8A-4147-A177-3AD203B41FA5}">
-                      <a16:colId xmlns:a16="http://schemas.microsoft.com/office/drawing/2014/main" val="2404399359"/>
-                    </a:ext>
-                  </a:extLst>
-                </a:gridCol>
-                <a:gridCol w="789303">
-                  <a:extLst>
-                    <a:ext uri="{9D8B030D-6E8A-4147-A177-3AD203B41FA5}">
-                      <a16:colId xmlns:a16="http://schemas.microsoft.com/office/drawing/2014/main" val="1079410152"/>
-                    </a:ext>
-                  </a:extLst>
-                </a:gridCol>
-              </a:tblGrid>
-              <a:tr h="277368">
-                <a:tc>
-                  <a:txBody>
-                    <a:bodyPr/>
-                    <a:lstStyle/>
-                    <a:p>
-                      <a:pPr algn="ctr"/>
-                      <a:endParaRPr lang="en-ID" sz="1400" dirty="0">
-                        <a:solidFill>
-                          <a:schemeClr val="tx1"/>
-                        </a:solidFill>
-                        <a:latin typeface="TeX Gyre Bonum" panose="00000500000000000000" pitchFamily="50" charset="0"/>
-                        <a:ea typeface="CMU Sans Serif" panose="02000603000000000000" pitchFamily="2" charset="0"/>
-                        <a:cs typeface="CMU Sans Serif" panose="02000603000000000000" pitchFamily="2" charset="0"/>
-                      </a:endParaRPr>
-                    </a:p>
-                  </a:txBody>
-                  <a:tcPr>
-                    <a:lnL w="12700" cap="flat" cmpd="sng" algn="ctr">
-                      <a:noFill/>
-                      <a:prstDash val="solid"/>
-                      <a:round/>
-                      <a:headEnd type="none" w="med" len="med"/>
-                      <a:tailEnd type="none" w="med" len="med"/>
-                    </a:lnL>
-                    <a:lnR w="12700" cap="flat" cmpd="sng" algn="ctr">
-                      <a:noFill/>
-                      <a:prstDash val="solid"/>
-                      <a:round/>
-                      <a:headEnd type="none" w="med" len="med"/>
-                      <a:tailEnd type="none" w="med" len="med"/>
-                    </a:lnR>
-                    <a:lnT w="12700" cap="flat" cmpd="sng" algn="ctr">
-                      <a:solidFill>
-                        <a:schemeClr val="tx1"/>
-                      </a:solidFill>
-                      <a:prstDash val="solid"/>
-                      <a:round/>
-                      <a:headEnd type="none" w="med" len="med"/>
-                      <a:tailEnd type="none" w="med" len="med"/>
-                    </a:lnT>
-                    <a:lnB w="12700" cap="flat" cmpd="sng" algn="ctr">
-                      <a:solidFill>
-                        <a:schemeClr val="tx1"/>
-                      </a:solidFill>
-                      <a:prstDash val="solid"/>
-                      <a:round/>
-                      <a:headEnd type="none" w="med" len="med"/>
-                      <a:tailEnd type="none" w="med" len="med"/>
-                    </a:lnB>
-                    <a:lnTlToBr w="12700" cmpd="sng">
-                      <a:noFill/>
-                      <a:prstDash val="solid"/>
-                    </a:lnTlToBr>
-                    <a:lnBlToTr w="12700" cmpd="sng">
-                      <a:noFill/>
-                      <a:prstDash val="solid"/>
-                    </a:lnBlToTr>
-                    <a:noFill/>
-                  </a:tcPr>
-                </a:tc>
-                <a:tc>
-                  <a:txBody>
-                    <a:bodyPr/>
-                    <a:lstStyle/>
-                    <a:p>
-                      <a:pPr algn="ctr"/>
-                      <a:r>
-                        <a:rPr lang="en-US" sz="1400" b="1" dirty="0">
-                          <a:solidFill>
-                            <a:schemeClr val="tx1"/>
-                          </a:solidFill>
-                          <a:latin typeface="TeX Gyre Bonum" panose="00000500000000000000" pitchFamily="50" charset="0"/>
-                          <a:ea typeface="CMU Sans Serif" panose="02000603000000000000" pitchFamily="2" charset="0"/>
-                          <a:cs typeface="CMU Sans Serif" panose="02000603000000000000" pitchFamily="2" charset="0"/>
-                        </a:rPr>
-                        <a:t>A</a:t>
-                      </a:r>
-                      <a:endParaRPr lang="en-ID" sz="1400" b="1" dirty="0">
-                        <a:solidFill>
-                          <a:schemeClr val="tx1"/>
-                        </a:solidFill>
-                        <a:latin typeface="TeX Gyre Bonum" panose="00000500000000000000" pitchFamily="50" charset="0"/>
-                        <a:ea typeface="CMU Sans Serif" panose="02000603000000000000" pitchFamily="2" charset="0"/>
-                        <a:cs typeface="CMU Sans Serif" panose="02000603000000000000" pitchFamily="2" charset="0"/>
-                      </a:endParaRPr>
-                    </a:p>
-                  </a:txBody>
-                  <a:tcPr>
-                    <a:lnL w="12700" cap="flat" cmpd="sng" algn="ctr">
-                      <a:noFill/>
-                      <a:prstDash val="solid"/>
-                      <a:round/>
-                      <a:headEnd type="none" w="med" len="med"/>
-                      <a:tailEnd type="none" w="med" len="med"/>
-                    </a:lnL>
-                    <a:lnR w="12700" cap="flat" cmpd="sng" algn="ctr">
-                      <a:noFill/>
-                      <a:prstDash val="solid"/>
-                      <a:round/>
-                      <a:headEnd type="none" w="med" len="med"/>
-                      <a:tailEnd type="none" w="med" len="med"/>
-                    </a:lnR>
-                    <a:lnT w="12700" cap="flat" cmpd="sng" algn="ctr">
-                      <a:solidFill>
-                        <a:schemeClr val="tx1"/>
-                      </a:solidFill>
-                      <a:prstDash val="solid"/>
-                      <a:round/>
-                      <a:headEnd type="none" w="med" len="med"/>
-                      <a:tailEnd type="none" w="med" len="med"/>
-                    </a:lnT>
-                    <a:lnB w="12700" cap="flat" cmpd="sng" algn="ctr">
-                      <a:solidFill>
-                        <a:schemeClr val="tx1"/>
-                      </a:solidFill>
-                      <a:prstDash val="solid"/>
-                      <a:round/>
-                      <a:headEnd type="none" w="med" len="med"/>
-                      <a:tailEnd type="none" w="med" len="med"/>
-                    </a:lnB>
-                    <a:lnTlToBr w="12700" cmpd="sng">
-                      <a:noFill/>
-                      <a:prstDash val="solid"/>
-                    </a:lnTlToBr>
-                    <a:lnBlToTr w="12700" cmpd="sng">
-                      <a:noFill/>
-                      <a:prstDash val="solid"/>
-                    </a:lnBlToTr>
-                    <a:noFill/>
-                  </a:tcPr>
-                </a:tc>
-                <a:tc>
-                  <a:txBody>
-                    <a:bodyPr/>
-                    <a:lstStyle/>
-                    <a:p>
-                      <a:pPr algn="ctr"/>
-                      <a:r>
-                        <a:rPr lang="en-US" sz="1400" b="1" dirty="0">
-                          <a:solidFill>
-                            <a:schemeClr val="tx1"/>
-                          </a:solidFill>
-                          <a:latin typeface="TeX Gyre Bonum" panose="00000500000000000000" pitchFamily="50" charset="0"/>
-                          <a:ea typeface="CMU Sans Serif" panose="02000603000000000000" pitchFamily="2" charset="0"/>
-                          <a:cs typeface="CMU Sans Serif" panose="02000603000000000000" pitchFamily="2" charset="0"/>
-                        </a:rPr>
-                        <a:t>B</a:t>
-                      </a:r>
-                      <a:endParaRPr lang="en-ID" sz="1400" b="1" dirty="0">
-                        <a:solidFill>
-                          <a:schemeClr val="tx1"/>
-                        </a:solidFill>
-                        <a:latin typeface="TeX Gyre Bonum" panose="00000500000000000000" pitchFamily="50" charset="0"/>
-                        <a:ea typeface="CMU Sans Serif" panose="02000603000000000000" pitchFamily="2" charset="0"/>
-                        <a:cs typeface="CMU Sans Serif" panose="02000603000000000000" pitchFamily="2" charset="0"/>
-                      </a:endParaRPr>
-                    </a:p>
-                  </a:txBody>
-                  <a:tcPr>
-                    <a:lnL w="12700" cap="flat" cmpd="sng" algn="ctr">
-                      <a:noFill/>
-                      <a:prstDash val="solid"/>
-                      <a:round/>
-                      <a:headEnd type="none" w="med" len="med"/>
-                      <a:tailEnd type="none" w="med" len="med"/>
-                    </a:lnL>
-                    <a:lnR w="12700" cap="flat" cmpd="sng" algn="ctr">
-                      <a:noFill/>
-                      <a:prstDash val="solid"/>
-                      <a:round/>
-                      <a:headEnd type="none" w="med" len="med"/>
-                      <a:tailEnd type="none" w="med" len="med"/>
-                    </a:lnR>
-                    <a:lnT w="12700" cap="flat" cmpd="sng" algn="ctr">
-                      <a:solidFill>
-                        <a:schemeClr val="tx1"/>
-                      </a:solidFill>
-                      <a:prstDash val="solid"/>
-                      <a:round/>
-                      <a:headEnd type="none" w="med" len="med"/>
-                      <a:tailEnd type="none" w="med" len="med"/>
-                    </a:lnT>
-                    <a:lnB w="12700" cap="flat" cmpd="sng" algn="ctr">
-                      <a:solidFill>
-                        <a:schemeClr val="tx1"/>
-                      </a:solidFill>
-                      <a:prstDash val="solid"/>
-                      <a:round/>
-                      <a:headEnd type="none" w="med" len="med"/>
-                      <a:tailEnd type="none" w="med" len="med"/>
-                    </a:lnB>
-                    <a:lnTlToBr w="12700" cmpd="sng">
-                      <a:noFill/>
-                      <a:prstDash val="solid"/>
-                    </a:lnTlToBr>
-                    <a:lnBlToTr w="12700" cmpd="sng">
-                      <a:noFill/>
-                      <a:prstDash val="solid"/>
-                    </a:lnBlToTr>
-                    <a:noFill/>
-                  </a:tcPr>
-                </a:tc>
-                <a:tc>
-                  <a:txBody>
-                    <a:bodyPr/>
-                    <a:lstStyle/>
-                    <a:p>
-                      <a:pPr algn="ctr"/>
-                      <a:r>
-                        <a:rPr lang="en-US" sz="1400" b="1" dirty="0">
-                          <a:solidFill>
-                            <a:schemeClr val="tx1"/>
-                          </a:solidFill>
-                          <a:latin typeface="TeX Gyre Bonum" panose="00000500000000000000" pitchFamily="50" charset="0"/>
-                          <a:ea typeface="CMU Sans Serif" panose="02000603000000000000" pitchFamily="2" charset="0"/>
-                          <a:cs typeface="CMU Sans Serif" panose="02000603000000000000" pitchFamily="2" charset="0"/>
-                        </a:rPr>
-                        <a:t>C</a:t>
-                      </a:r>
-                      <a:endParaRPr lang="en-ID" sz="1400" b="1" dirty="0">
-                        <a:solidFill>
-                          <a:schemeClr val="tx1"/>
-                        </a:solidFill>
-                        <a:latin typeface="TeX Gyre Bonum" panose="00000500000000000000" pitchFamily="50" charset="0"/>
-                        <a:ea typeface="CMU Sans Serif" panose="02000603000000000000" pitchFamily="2" charset="0"/>
-                        <a:cs typeface="CMU Sans Serif" panose="02000603000000000000" pitchFamily="2" charset="0"/>
-                      </a:endParaRPr>
-                    </a:p>
-                  </a:txBody>
-                  <a:tcPr>
-                    <a:lnL w="12700" cap="flat" cmpd="sng" algn="ctr">
-                      <a:noFill/>
-                      <a:prstDash val="solid"/>
-                      <a:round/>
-                      <a:headEnd type="none" w="med" len="med"/>
-                      <a:tailEnd type="none" w="med" len="med"/>
-                    </a:lnL>
-                    <a:lnR w="12700" cap="flat" cmpd="sng" algn="ctr">
-                      <a:noFill/>
-                      <a:prstDash val="solid"/>
-                      <a:round/>
-                      <a:headEnd type="none" w="med" len="med"/>
-                      <a:tailEnd type="none" w="med" len="med"/>
-                    </a:lnR>
-                    <a:lnT w="12700" cap="flat" cmpd="sng" algn="ctr">
-                      <a:solidFill>
-                        <a:schemeClr val="tx1"/>
-                      </a:solidFill>
-                      <a:prstDash val="solid"/>
-                      <a:round/>
-                      <a:headEnd type="none" w="med" len="med"/>
-                      <a:tailEnd type="none" w="med" len="med"/>
-                    </a:lnT>
-                    <a:lnB w="12700" cap="flat" cmpd="sng" algn="ctr">
-                      <a:solidFill>
-                        <a:schemeClr val="tx1"/>
-                      </a:solidFill>
-                      <a:prstDash val="solid"/>
-                      <a:round/>
-                      <a:headEnd type="none" w="med" len="med"/>
-                      <a:tailEnd type="none" w="med" len="med"/>
-                    </a:lnB>
-                    <a:lnTlToBr w="12700" cmpd="sng">
-                      <a:noFill/>
-                      <a:prstDash val="solid"/>
-                    </a:lnTlToBr>
-                    <a:lnBlToTr w="12700" cmpd="sng">
-                      <a:noFill/>
-                      <a:prstDash val="solid"/>
-                    </a:lnBlToTr>
-                    <a:noFill/>
-                  </a:tcPr>
-                </a:tc>
-                <a:tc>
-                  <a:txBody>
-                    <a:bodyPr/>
-                    <a:lstStyle/>
-                    <a:p>
-                      <a:pPr algn="ctr"/>
-                      <a:r>
-                        <a:rPr lang="en-US" sz="1400" b="1" dirty="0">
-                          <a:solidFill>
-                            <a:schemeClr val="tx1"/>
-                          </a:solidFill>
-                          <a:latin typeface="TeX Gyre Bonum" panose="00000500000000000000" pitchFamily="50" charset="0"/>
-                          <a:ea typeface="CMU Sans Serif" panose="02000603000000000000" pitchFamily="2" charset="0"/>
-                          <a:cs typeface="CMU Sans Serif" panose="02000603000000000000" pitchFamily="2" charset="0"/>
-                        </a:rPr>
-                        <a:t>D</a:t>
-                      </a:r>
-                      <a:endParaRPr lang="en-ID" sz="1400" b="1" dirty="0">
-                        <a:solidFill>
-                          <a:schemeClr val="tx1"/>
-                        </a:solidFill>
-                        <a:latin typeface="TeX Gyre Bonum" panose="00000500000000000000" pitchFamily="50" charset="0"/>
-                        <a:ea typeface="CMU Sans Serif" panose="02000603000000000000" pitchFamily="2" charset="0"/>
-                        <a:cs typeface="CMU Sans Serif" panose="02000603000000000000" pitchFamily="2" charset="0"/>
-                      </a:endParaRPr>
-                    </a:p>
-                  </a:txBody>
-                  <a:tcPr>
-                    <a:lnL w="12700" cap="flat" cmpd="sng" algn="ctr">
-                      <a:noFill/>
-                      <a:prstDash val="solid"/>
-                      <a:round/>
-                      <a:headEnd type="none" w="med" len="med"/>
-                      <a:tailEnd type="none" w="med" len="med"/>
-                    </a:lnL>
-                    <a:lnR w="12700" cap="flat" cmpd="sng" algn="ctr">
-                      <a:noFill/>
-                      <a:prstDash val="solid"/>
-                      <a:round/>
-                      <a:headEnd type="none" w="med" len="med"/>
-                      <a:tailEnd type="none" w="med" len="med"/>
-                    </a:lnR>
-                    <a:lnT w="12700" cap="flat" cmpd="sng" algn="ctr">
-                      <a:solidFill>
-                        <a:schemeClr val="tx1"/>
-                      </a:solidFill>
-                      <a:prstDash val="solid"/>
-                      <a:round/>
-                      <a:headEnd type="none" w="med" len="med"/>
-                      <a:tailEnd type="none" w="med" len="med"/>
-                    </a:lnT>
-                    <a:lnB w="12700" cap="flat" cmpd="sng" algn="ctr">
-                      <a:solidFill>
-                        <a:schemeClr val="tx1"/>
-                      </a:solidFill>
-                      <a:prstDash val="solid"/>
-                      <a:round/>
-                      <a:headEnd type="none" w="med" len="med"/>
-                      <a:tailEnd type="none" w="med" len="med"/>
-                    </a:lnB>
-                    <a:lnTlToBr w="12700" cmpd="sng">
-                      <a:noFill/>
-                      <a:prstDash val="solid"/>
-                    </a:lnTlToBr>
-                    <a:lnBlToTr w="12700" cmpd="sng">
-                      <a:noFill/>
-                      <a:prstDash val="solid"/>
-                    </a:lnBlToTr>
-                    <a:noFill/>
-                  </a:tcPr>
-                </a:tc>
-                <a:extLst>
-                  <a:ext uri="{0D108BD9-81ED-4DB2-BD59-A6C34878D82A}">
-                    <a16:rowId xmlns:a16="http://schemas.microsoft.com/office/drawing/2014/main" val="3095788039"/>
-                  </a:ext>
-                </a:extLst>
-              </a:tr>
-              <a:tr h="277368">
-                <a:tc>
-                  <a:txBody>
-                    <a:bodyPr/>
-                    <a:lstStyle/>
-                    <a:p>
-                      <a:pPr algn="l"/>
-                      <a:r>
-                        <a:rPr lang="en-US" sz="1400" b="1" dirty="0">
-                          <a:latin typeface="TeX Gyre Bonum" panose="00000500000000000000" pitchFamily="50" charset="0"/>
-                          <a:ea typeface="CMU Sans Serif" panose="02000603000000000000" pitchFamily="2" charset="0"/>
-                          <a:cs typeface="CMU Sans Serif" panose="02000603000000000000" pitchFamily="2" charset="0"/>
-                        </a:rPr>
-                        <a:t>Accuracy</a:t>
-                      </a:r>
-                      <a:endParaRPr lang="en-ID" sz="1400" b="1" dirty="0">
-                        <a:latin typeface="TeX Gyre Bonum" panose="00000500000000000000" pitchFamily="50" charset="0"/>
-                        <a:ea typeface="CMU Sans Serif" panose="02000603000000000000" pitchFamily="2" charset="0"/>
-                        <a:cs typeface="CMU Sans Serif" panose="02000603000000000000" pitchFamily="2" charset="0"/>
-                      </a:endParaRPr>
-                    </a:p>
-                  </a:txBody>
-                  <a:tcPr>
-                    <a:lnL w="12700" cap="flat" cmpd="sng" algn="ctr">
-                      <a:noFill/>
-                      <a:prstDash val="solid"/>
-                      <a:round/>
-                      <a:headEnd type="none" w="med" len="med"/>
-                      <a:tailEnd type="none" w="med" len="med"/>
-                    </a:lnL>
-                    <a:lnR w="12700" cap="flat" cmpd="sng" algn="ctr">
-                      <a:solidFill>
-                        <a:schemeClr val="tx1"/>
-                      </a:solidFill>
-                      <a:prstDash val="solid"/>
-                      <a:round/>
-                      <a:headEnd type="none" w="med" len="med"/>
-                      <a:tailEnd type="none" w="med" len="med"/>
-                    </a:lnR>
-                    <a:lnT w="12700" cap="flat" cmpd="sng" algn="ctr">
-                      <a:solidFill>
-                        <a:schemeClr val="tx1"/>
-                      </a:solidFill>
-                      <a:prstDash val="solid"/>
-                      <a:round/>
-                      <a:headEnd type="none" w="med" len="med"/>
-                      <a:tailEnd type="none" w="med" len="med"/>
-                    </a:lnT>
-                    <a:lnB w="12700" cap="flat" cmpd="sng" algn="ctr">
-                      <a:solidFill>
-                        <a:schemeClr val="tx1"/>
-                      </a:solidFill>
-                      <a:prstDash val="solid"/>
-                      <a:round/>
-                      <a:headEnd type="none" w="med" len="med"/>
-                      <a:tailEnd type="none" w="med" len="med"/>
-                    </a:lnB>
-                    <a:lnTlToBr w="12700" cmpd="sng">
-                      <a:noFill/>
-                      <a:prstDash val="solid"/>
-                    </a:lnTlToBr>
-                    <a:lnBlToTr w="12700" cmpd="sng">
-                      <a:noFill/>
-                      <a:prstDash val="solid"/>
-                    </a:lnBlToTr>
-                    <a:noFill/>
-                  </a:tcPr>
-                </a:tc>
-                <a:tc>
-                  <a:txBody>
-                    <a:bodyPr/>
-                    <a:lstStyle/>
-                    <a:p>
-                      <a:pPr marL="0" marR="0" lvl="0" indent="0" algn="ctr" defTabSz="914400" rtl="0" eaLnBrk="1" fontAlgn="auto" latinLnBrk="0" hangingPunct="1">
-                        <a:lnSpc>
-                          <a:spcPct val="100000"/>
-                        </a:lnSpc>
-                        <a:spcBef>
-                          <a:spcPts val="0"/>
-                        </a:spcBef>
-                        <a:spcAft>
-                          <a:spcPts val="0"/>
-                        </a:spcAft>
-                        <a:buClrTx/>
-                        <a:buSzTx/>
-                        <a:buFontTx/>
-                        <a:buNone/>
-                        <a:tabLst/>
-                        <a:defRPr/>
-                      </a:pPr>
-                      <a:r>
-                        <a:rPr lang="en-ID" sz="1400" b="0" kern="1200" dirty="0">
-                          <a:solidFill>
-                            <a:schemeClr val="dk1"/>
-                          </a:solidFill>
-                          <a:effectLst/>
-                          <a:latin typeface="TeX Gyre Bonum" panose="00000500000000000000" pitchFamily="50" charset="0"/>
-                          <a:ea typeface="CMU Sans Serif" panose="02000603000000000000" pitchFamily="2" charset="0"/>
-                          <a:cs typeface="CMU Sans Serif" panose="02000603000000000000" pitchFamily="2" charset="0"/>
-                        </a:rPr>
-                        <a:t>0.7463</a:t>
-                      </a:r>
-                    </a:p>
-                  </a:txBody>
-                  <a:tcPr>
-                    <a:lnL w="12700" cap="flat" cmpd="sng" algn="ctr">
-                      <a:solidFill>
-                        <a:schemeClr val="tx1"/>
-                      </a:solidFill>
-                      <a:prstDash val="solid"/>
-                      <a:round/>
-                      <a:headEnd type="none" w="med" len="med"/>
-                      <a:tailEnd type="none" w="med" len="med"/>
-                    </a:lnL>
-                    <a:lnR w="12700" cap="flat" cmpd="sng" algn="ctr">
-                      <a:noFill/>
-                      <a:prstDash val="solid"/>
-                      <a:round/>
-                      <a:headEnd type="none" w="med" len="med"/>
-                      <a:tailEnd type="none" w="med" len="med"/>
-                    </a:lnR>
-                    <a:lnT w="12700" cap="flat" cmpd="sng" algn="ctr">
-                      <a:solidFill>
-                        <a:schemeClr val="tx1"/>
-                      </a:solidFill>
-                      <a:prstDash val="solid"/>
-                      <a:round/>
-                      <a:headEnd type="none" w="med" len="med"/>
-                      <a:tailEnd type="none" w="med" len="med"/>
-                    </a:lnT>
-                    <a:lnB w="12700" cap="flat" cmpd="sng" algn="ctr">
-                      <a:solidFill>
-                        <a:schemeClr val="tx1"/>
-                      </a:solidFill>
-                      <a:prstDash val="solid"/>
-                      <a:round/>
-                      <a:headEnd type="none" w="med" len="med"/>
-                      <a:tailEnd type="none" w="med" len="med"/>
-                    </a:lnB>
-                    <a:lnTlToBr w="12700" cmpd="sng">
-                      <a:noFill/>
-                      <a:prstDash val="solid"/>
-                    </a:lnTlToBr>
-                    <a:lnBlToTr w="12700" cmpd="sng">
-                      <a:noFill/>
-                      <a:prstDash val="solid"/>
-                    </a:lnBlToTr>
-                    <a:noFill/>
-                  </a:tcPr>
-                </a:tc>
-                <a:tc>
-                  <a:txBody>
-                    <a:bodyPr/>
-                    <a:lstStyle/>
-                    <a:p>
-                      <a:pPr marL="0" marR="0" lvl="0" indent="0" algn="ctr" defTabSz="914400" rtl="0" eaLnBrk="1" fontAlgn="auto" latinLnBrk="0" hangingPunct="1">
-                        <a:lnSpc>
-                          <a:spcPct val="100000"/>
-                        </a:lnSpc>
-                        <a:spcBef>
-                          <a:spcPts val="0"/>
-                        </a:spcBef>
-                        <a:spcAft>
-                          <a:spcPts val="0"/>
-                        </a:spcAft>
-                        <a:buClrTx/>
-                        <a:buSzTx/>
-                        <a:buFontTx/>
-                        <a:buNone/>
-                        <a:tabLst/>
-                        <a:defRPr/>
-                      </a:pPr>
-                      <a:r>
-                        <a:rPr lang="en-ID" sz="1400" b="0" kern="1200" dirty="0">
-                          <a:solidFill>
-                            <a:schemeClr val="dk1"/>
-                          </a:solidFill>
-                          <a:effectLst/>
-                          <a:latin typeface="TeX Gyre Bonum" panose="00000500000000000000" pitchFamily="50" charset="0"/>
-                          <a:ea typeface="CMU Sans Serif" panose="02000603000000000000" pitchFamily="2" charset="0"/>
-                          <a:cs typeface="CMU Sans Serif" panose="02000603000000000000" pitchFamily="2" charset="0"/>
-                        </a:rPr>
-                        <a:t>0.7015</a:t>
-                      </a:r>
-                    </a:p>
-                  </a:txBody>
-                  <a:tcPr>
-                    <a:lnL w="12700" cap="flat" cmpd="sng" algn="ctr">
-                      <a:noFill/>
-                      <a:prstDash val="solid"/>
-                      <a:round/>
-                      <a:headEnd type="none" w="med" len="med"/>
-                      <a:tailEnd type="none" w="med" len="med"/>
-                    </a:lnL>
-                    <a:lnR w="12700" cap="flat" cmpd="sng" algn="ctr">
-                      <a:noFill/>
-                      <a:prstDash val="solid"/>
-                      <a:round/>
-                      <a:headEnd type="none" w="med" len="med"/>
-                      <a:tailEnd type="none" w="med" len="med"/>
-                    </a:lnR>
-                    <a:lnT w="12700" cap="flat" cmpd="sng" algn="ctr">
-                      <a:solidFill>
-                        <a:schemeClr val="tx1"/>
-                      </a:solidFill>
-                      <a:prstDash val="solid"/>
-                      <a:round/>
-                      <a:headEnd type="none" w="med" len="med"/>
-                      <a:tailEnd type="none" w="med" len="med"/>
-                    </a:lnT>
-                    <a:lnB w="12700" cap="flat" cmpd="sng" algn="ctr">
-                      <a:solidFill>
-                        <a:schemeClr val="tx1"/>
-                      </a:solidFill>
-                      <a:prstDash val="solid"/>
-                      <a:round/>
-                      <a:headEnd type="none" w="med" len="med"/>
-                      <a:tailEnd type="none" w="med" len="med"/>
-                    </a:lnB>
-                    <a:lnTlToBr w="12700" cmpd="sng">
-                      <a:noFill/>
-                      <a:prstDash val="solid"/>
-                    </a:lnTlToBr>
-                    <a:lnBlToTr w="12700" cmpd="sng">
-                      <a:noFill/>
-                      <a:prstDash val="solid"/>
-                    </a:lnBlToTr>
-                    <a:noFill/>
-                  </a:tcPr>
-                </a:tc>
-                <a:tc>
-                  <a:txBody>
-                    <a:bodyPr/>
-                    <a:lstStyle/>
-                    <a:p>
-                      <a:pPr marL="0" marR="0" lvl="0" indent="0" algn="ctr" defTabSz="914400" rtl="0" eaLnBrk="1" fontAlgn="auto" latinLnBrk="0" hangingPunct="1">
-                        <a:lnSpc>
-                          <a:spcPct val="100000"/>
-                        </a:lnSpc>
-                        <a:spcBef>
-                          <a:spcPts val="0"/>
-                        </a:spcBef>
-                        <a:spcAft>
-                          <a:spcPts val="0"/>
-                        </a:spcAft>
-                        <a:buClrTx/>
-                        <a:buSzTx/>
-                        <a:buFontTx/>
-                        <a:buNone/>
-                        <a:tabLst/>
-                        <a:defRPr/>
-                      </a:pPr>
-                      <a:r>
-                        <a:rPr lang="en-ID" sz="1400" b="0" kern="1200" dirty="0">
-                          <a:solidFill>
-                            <a:schemeClr val="dk1"/>
-                          </a:solidFill>
-                          <a:effectLst/>
-                          <a:latin typeface="TeX Gyre Bonum" panose="00000500000000000000" pitchFamily="50" charset="0"/>
-                          <a:ea typeface="CMU Sans Serif" panose="02000603000000000000" pitchFamily="2" charset="0"/>
-                          <a:cs typeface="CMU Sans Serif" panose="02000603000000000000" pitchFamily="2" charset="0"/>
-                        </a:rPr>
-                        <a:t>0.7313</a:t>
-                      </a:r>
-                    </a:p>
-                  </a:txBody>
-                  <a:tcPr>
-                    <a:lnL w="12700" cap="flat" cmpd="sng" algn="ctr">
-                      <a:noFill/>
-                      <a:prstDash val="solid"/>
-                      <a:round/>
-                      <a:headEnd type="none" w="med" len="med"/>
-                      <a:tailEnd type="none" w="med" len="med"/>
-                    </a:lnL>
-                    <a:lnR w="12700" cap="flat" cmpd="sng" algn="ctr">
-                      <a:noFill/>
-                      <a:prstDash val="solid"/>
-                      <a:round/>
-                      <a:headEnd type="none" w="med" len="med"/>
-                      <a:tailEnd type="none" w="med" len="med"/>
-                    </a:lnR>
-                    <a:lnT w="12700" cap="flat" cmpd="sng" algn="ctr">
-                      <a:solidFill>
-                        <a:schemeClr val="tx1"/>
-                      </a:solidFill>
-                      <a:prstDash val="solid"/>
-                      <a:round/>
-                      <a:headEnd type="none" w="med" len="med"/>
-                      <a:tailEnd type="none" w="med" len="med"/>
-                    </a:lnT>
-                    <a:lnB w="12700" cap="flat" cmpd="sng" algn="ctr">
-                      <a:solidFill>
-                        <a:schemeClr val="tx1"/>
-                      </a:solidFill>
-                      <a:prstDash val="solid"/>
-                      <a:round/>
-                      <a:headEnd type="none" w="med" len="med"/>
-                      <a:tailEnd type="none" w="med" len="med"/>
-                    </a:lnB>
-                    <a:lnTlToBr w="12700" cmpd="sng">
-                      <a:noFill/>
-                      <a:prstDash val="solid"/>
-                    </a:lnTlToBr>
-                    <a:lnBlToTr w="12700" cmpd="sng">
-                      <a:noFill/>
-                      <a:prstDash val="solid"/>
-                    </a:lnBlToTr>
-                    <a:noFill/>
-                  </a:tcPr>
-                </a:tc>
-                <a:tc>
-                  <a:txBody>
-                    <a:bodyPr/>
-                    <a:lstStyle/>
-                    <a:p>
-                      <a:pPr marL="0" marR="0" lvl="0" indent="0" algn="ctr" defTabSz="914400" rtl="0" eaLnBrk="1" fontAlgn="auto" latinLnBrk="0" hangingPunct="1">
-                        <a:lnSpc>
-                          <a:spcPct val="100000"/>
-                        </a:lnSpc>
-                        <a:spcBef>
-                          <a:spcPts val="0"/>
-                        </a:spcBef>
-                        <a:spcAft>
-                          <a:spcPts val="0"/>
-                        </a:spcAft>
-                        <a:buClrTx/>
-                        <a:buSzTx/>
-                        <a:buFontTx/>
-                        <a:buNone/>
-                        <a:tabLst/>
-                        <a:defRPr/>
-                      </a:pPr>
-                      <a:r>
-                        <a:rPr lang="en-ID" sz="1400" b="0" kern="1200" dirty="0">
-                          <a:solidFill>
-                            <a:schemeClr val="dk1"/>
-                          </a:solidFill>
-                          <a:effectLst/>
-                          <a:latin typeface="TeX Gyre Bonum" panose="00000500000000000000" pitchFamily="50" charset="0"/>
-                          <a:ea typeface="CMU Sans Serif" panose="02000603000000000000" pitchFamily="2" charset="0"/>
-                          <a:cs typeface="CMU Sans Serif" panose="02000603000000000000" pitchFamily="2" charset="0"/>
-                        </a:rPr>
-                        <a:t>0.7672</a:t>
-                      </a:r>
-                    </a:p>
-                  </a:txBody>
-                  <a:tcPr>
-                    <a:lnL w="12700" cap="flat" cmpd="sng" algn="ctr">
-                      <a:noFill/>
-                      <a:prstDash val="solid"/>
-                      <a:round/>
-                      <a:headEnd type="none" w="med" len="med"/>
-                      <a:tailEnd type="none" w="med" len="med"/>
-                    </a:lnL>
-                    <a:lnR w="12700" cap="flat" cmpd="sng" algn="ctr">
-                      <a:noFill/>
-                      <a:prstDash val="solid"/>
-                      <a:round/>
-                      <a:headEnd type="none" w="med" len="med"/>
-                      <a:tailEnd type="none" w="med" len="med"/>
-                    </a:lnR>
-                    <a:lnT w="12700" cap="flat" cmpd="sng" algn="ctr">
-                      <a:solidFill>
-                        <a:schemeClr val="tx1"/>
-                      </a:solidFill>
-                      <a:prstDash val="solid"/>
-                      <a:round/>
-                      <a:headEnd type="none" w="med" len="med"/>
-                      <a:tailEnd type="none" w="med" len="med"/>
-                    </a:lnT>
-                    <a:lnB w="12700" cap="flat" cmpd="sng" algn="ctr">
-                      <a:solidFill>
-                        <a:schemeClr val="tx1"/>
-                      </a:solidFill>
-                      <a:prstDash val="solid"/>
-                      <a:round/>
-                      <a:headEnd type="none" w="med" len="med"/>
-                      <a:tailEnd type="none" w="med" len="med"/>
-                    </a:lnB>
-                    <a:lnTlToBr w="12700" cmpd="sng">
-                      <a:noFill/>
-                      <a:prstDash val="solid"/>
-                    </a:lnTlToBr>
-                    <a:lnBlToTr w="12700" cmpd="sng">
-                      <a:noFill/>
-                      <a:prstDash val="solid"/>
-                    </a:lnBlToTr>
-                    <a:noFill/>
-                  </a:tcPr>
-                </a:tc>
-                <a:extLst>
-                  <a:ext uri="{0D108BD9-81ED-4DB2-BD59-A6C34878D82A}">
-                    <a16:rowId xmlns:a16="http://schemas.microsoft.com/office/drawing/2014/main" val="3362170562"/>
-                  </a:ext>
-                </a:extLst>
-              </a:tr>
-              <a:tr h="277368">
-                <a:tc>
-                  <a:txBody>
-                    <a:bodyPr/>
-                    <a:lstStyle/>
-                    <a:p>
-                      <a:pPr algn="l"/>
-                      <a:r>
-                        <a:rPr lang="en-US" sz="1400" b="1" dirty="0">
-                          <a:latin typeface="TeX Gyre Bonum" panose="00000500000000000000" pitchFamily="50" charset="0"/>
-                          <a:ea typeface="CMU Sans Serif" panose="02000603000000000000" pitchFamily="2" charset="0"/>
-                          <a:cs typeface="CMU Sans Serif" panose="02000603000000000000" pitchFamily="2" charset="0"/>
-                        </a:rPr>
-                        <a:t>Precision</a:t>
-                      </a:r>
-                      <a:endParaRPr lang="en-ID" sz="1400" b="1" dirty="0">
-                        <a:latin typeface="TeX Gyre Bonum" panose="00000500000000000000" pitchFamily="50" charset="0"/>
-                        <a:ea typeface="CMU Sans Serif" panose="02000603000000000000" pitchFamily="2" charset="0"/>
-                        <a:cs typeface="CMU Sans Serif" panose="02000603000000000000" pitchFamily="2" charset="0"/>
-                      </a:endParaRPr>
-                    </a:p>
-                  </a:txBody>
-                  <a:tcPr>
-                    <a:lnL w="12700" cap="flat" cmpd="sng" algn="ctr">
-                      <a:noFill/>
-                      <a:prstDash val="solid"/>
-                      <a:round/>
-                      <a:headEnd type="none" w="med" len="med"/>
-                      <a:tailEnd type="none" w="med" len="med"/>
-                    </a:lnL>
-                    <a:lnR w="12700" cap="flat" cmpd="sng" algn="ctr">
-                      <a:solidFill>
-                        <a:schemeClr val="tx1"/>
-                      </a:solidFill>
-                      <a:prstDash val="solid"/>
-                      <a:round/>
-                      <a:headEnd type="none" w="med" len="med"/>
-                      <a:tailEnd type="none" w="med" len="med"/>
-                    </a:lnR>
-                    <a:lnT w="12700" cap="flat" cmpd="sng" algn="ctr">
-                      <a:solidFill>
-                        <a:schemeClr val="tx1"/>
-                      </a:solidFill>
-                      <a:prstDash val="solid"/>
-                      <a:round/>
-                      <a:headEnd type="none" w="med" len="med"/>
-                      <a:tailEnd type="none" w="med" len="med"/>
-                    </a:lnT>
-                    <a:lnB w="12700" cap="flat" cmpd="sng" algn="ctr">
-                      <a:solidFill>
-                        <a:schemeClr val="tx1"/>
-                      </a:solidFill>
-                      <a:prstDash val="solid"/>
-                      <a:round/>
-                      <a:headEnd type="none" w="med" len="med"/>
-                      <a:tailEnd type="none" w="med" len="med"/>
-                    </a:lnB>
-                    <a:lnTlToBr w="12700" cmpd="sng">
-                      <a:noFill/>
-                      <a:prstDash val="solid"/>
-                    </a:lnTlToBr>
-                    <a:lnBlToTr w="12700" cmpd="sng">
-                      <a:noFill/>
-                      <a:prstDash val="solid"/>
-                    </a:lnBlToTr>
-                    <a:noFill/>
-                  </a:tcPr>
-                </a:tc>
-                <a:tc>
-                  <a:txBody>
-                    <a:bodyPr/>
-                    <a:lstStyle/>
-                    <a:p>
-                      <a:pPr algn="ctr"/>
-                      <a:r>
-                        <a:rPr lang="en-ID" sz="1400" b="0" kern="1200" dirty="0">
-                          <a:solidFill>
-                            <a:schemeClr val="dk1"/>
-                          </a:solidFill>
-                          <a:effectLst/>
-                          <a:latin typeface="TeX Gyre Bonum" panose="00000500000000000000" pitchFamily="50" charset="0"/>
-                          <a:ea typeface="CMU Sans Serif" panose="02000603000000000000" pitchFamily="2" charset="0"/>
-                          <a:cs typeface="CMU Sans Serif" panose="02000603000000000000" pitchFamily="2" charset="0"/>
-                        </a:rPr>
-                        <a:t>0.7563</a:t>
-                      </a:r>
-                      <a:endParaRPr lang="en-ID" sz="1400" dirty="0">
-                        <a:latin typeface="TeX Gyre Bonum" panose="00000500000000000000" pitchFamily="50" charset="0"/>
-                        <a:ea typeface="CMU Sans Serif" panose="02000603000000000000" pitchFamily="2" charset="0"/>
-                        <a:cs typeface="CMU Sans Serif" panose="02000603000000000000" pitchFamily="2" charset="0"/>
-                      </a:endParaRPr>
-                    </a:p>
-                  </a:txBody>
-                  <a:tcPr>
-                    <a:lnL w="12700" cap="flat" cmpd="sng" algn="ctr">
-                      <a:solidFill>
-                        <a:schemeClr val="tx1"/>
-                      </a:solidFill>
-                      <a:prstDash val="solid"/>
-                      <a:round/>
-                      <a:headEnd type="none" w="med" len="med"/>
-                      <a:tailEnd type="none" w="med" len="med"/>
-                    </a:lnL>
-                    <a:lnR w="12700" cap="flat" cmpd="sng" algn="ctr">
-                      <a:noFill/>
-                      <a:prstDash val="solid"/>
-                      <a:round/>
-                      <a:headEnd type="none" w="med" len="med"/>
-                      <a:tailEnd type="none" w="med" len="med"/>
-                    </a:lnR>
-                    <a:lnT w="12700" cap="flat" cmpd="sng" algn="ctr">
-                      <a:solidFill>
-                        <a:schemeClr val="tx1"/>
-                      </a:solidFill>
-                      <a:prstDash val="solid"/>
-                      <a:round/>
-                      <a:headEnd type="none" w="med" len="med"/>
-                      <a:tailEnd type="none" w="med" len="med"/>
-                    </a:lnT>
-                    <a:lnB w="12700" cap="flat" cmpd="sng" algn="ctr">
-                      <a:solidFill>
-                        <a:schemeClr val="tx1"/>
-                      </a:solidFill>
-                      <a:prstDash val="solid"/>
-                      <a:round/>
-                      <a:headEnd type="none" w="med" len="med"/>
-                      <a:tailEnd type="none" w="med" len="med"/>
-                    </a:lnB>
-                    <a:lnTlToBr w="12700" cmpd="sng">
-                      <a:noFill/>
-                      <a:prstDash val="solid"/>
-                    </a:lnTlToBr>
-                    <a:lnBlToTr w="12700" cmpd="sng">
-                      <a:noFill/>
-                      <a:prstDash val="solid"/>
-                    </a:lnBlToTr>
-                    <a:noFill/>
-                  </a:tcPr>
-                </a:tc>
-                <a:tc>
-                  <a:txBody>
-                    <a:bodyPr/>
-                    <a:lstStyle/>
-                    <a:p>
-                      <a:pPr marL="0" marR="0" lvl="0" indent="0" algn="ctr" defTabSz="914400" rtl="0" eaLnBrk="1" fontAlgn="auto" latinLnBrk="0" hangingPunct="1">
-                        <a:lnSpc>
-                          <a:spcPct val="100000"/>
-                        </a:lnSpc>
-                        <a:spcBef>
-                          <a:spcPts val="0"/>
-                        </a:spcBef>
-                        <a:spcAft>
-                          <a:spcPts val="0"/>
-                        </a:spcAft>
-                        <a:buClrTx/>
-                        <a:buSzTx/>
-                        <a:buFontTx/>
-                        <a:buNone/>
-                        <a:tabLst/>
-                        <a:defRPr/>
-                      </a:pPr>
-                      <a:r>
-                        <a:rPr lang="en-ID" sz="1400" b="0" kern="1200" dirty="0">
-                          <a:solidFill>
-                            <a:schemeClr val="dk1"/>
-                          </a:solidFill>
-                          <a:effectLst/>
-                          <a:latin typeface="TeX Gyre Bonum" panose="00000500000000000000" pitchFamily="50" charset="0"/>
-                          <a:ea typeface="CMU Sans Serif" panose="02000603000000000000" pitchFamily="2" charset="0"/>
-                          <a:cs typeface="CMU Sans Serif" panose="02000603000000000000" pitchFamily="2" charset="0"/>
-                        </a:rPr>
-                        <a:t>0.7402</a:t>
-                      </a:r>
-                    </a:p>
-                  </a:txBody>
-                  <a:tcPr>
-                    <a:lnL w="12700" cap="flat" cmpd="sng" algn="ctr">
-                      <a:noFill/>
-                      <a:prstDash val="solid"/>
-                      <a:round/>
-                      <a:headEnd type="none" w="med" len="med"/>
-                      <a:tailEnd type="none" w="med" len="med"/>
-                    </a:lnL>
-                    <a:lnR w="12700" cap="flat" cmpd="sng" algn="ctr">
-                      <a:noFill/>
-                      <a:prstDash val="solid"/>
-                      <a:round/>
-                      <a:headEnd type="none" w="med" len="med"/>
-                      <a:tailEnd type="none" w="med" len="med"/>
-                    </a:lnR>
-                    <a:lnT w="12700" cap="flat" cmpd="sng" algn="ctr">
-                      <a:solidFill>
-                        <a:schemeClr val="tx1"/>
-                      </a:solidFill>
-                      <a:prstDash val="solid"/>
-                      <a:round/>
-                      <a:headEnd type="none" w="med" len="med"/>
-                      <a:tailEnd type="none" w="med" len="med"/>
-                    </a:lnT>
-                    <a:lnB w="12700" cap="flat" cmpd="sng" algn="ctr">
-                      <a:solidFill>
-                        <a:schemeClr val="tx1"/>
-                      </a:solidFill>
-                      <a:prstDash val="solid"/>
-                      <a:round/>
-                      <a:headEnd type="none" w="med" len="med"/>
-                      <a:tailEnd type="none" w="med" len="med"/>
-                    </a:lnB>
-                    <a:lnTlToBr w="12700" cmpd="sng">
-                      <a:noFill/>
-                      <a:prstDash val="solid"/>
-                    </a:lnTlToBr>
-                    <a:lnBlToTr w="12700" cmpd="sng">
-                      <a:noFill/>
-                      <a:prstDash val="solid"/>
-                    </a:lnBlToTr>
-                    <a:noFill/>
-                  </a:tcPr>
-                </a:tc>
-                <a:tc>
-                  <a:txBody>
-                    <a:bodyPr/>
-                    <a:lstStyle/>
-                    <a:p>
-                      <a:pPr marL="0" marR="0" lvl="0" indent="0" algn="ctr" defTabSz="914400" rtl="0" eaLnBrk="1" fontAlgn="auto" latinLnBrk="0" hangingPunct="1">
-                        <a:lnSpc>
-                          <a:spcPct val="100000"/>
-                        </a:lnSpc>
-                        <a:spcBef>
-                          <a:spcPts val="0"/>
-                        </a:spcBef>
-                        <a:spcAft>
-                          <a:spcPts val="0"/>
-                        </a:spcAft>
-                        <a:buClrTx/>
-                        <a:buSzTx/>
-                        <a:buFontTx/>
-                        <a:buNone/>
-                        <a:tabLst/>
-                        <a:defRPr/>
-                      </a:pPr>
-                      <a:r>
-                        <a:rPr lang="en-ID" sz="1400" b="0" kern="1200" dirty="0">
-                          <a:solidFill>
-                            <a:schemeClr val="dk1"/>
-                          </a:solidFill>
-                          <a:effectLst/>
-                          <a:latin typeface="TeX Gyre Bonum" panose="00000500000000000000" pitchFamily="50" charset="0"/>
-                          <a:ea typeface="CMU Sans Serif" panose="02000603000000000000" pitchFamily="2" charset="0"/>
-                          <a:cs typeface="CMU Sans Serif" panose="02000603000000000000" pitchFamily="2" charset="0"/>
-                        </a:rPr>
-                        <a:t>0.7417</a:t>
-                      </a:r>
-                    </a:p>
-                  </a:txBody>
-                  <a:tcPr>
-                    <a:lnL w="12700" cap="flat" cmpd="sng" algn="ctr">
-                      <a:noFill/>
-                      <a:prstDash val="solid"/>
-                      <a:round/>
-                      <a:headEnd type="none" w="med" len="med"/>
-                      <a:tailEnd type="none" w="med" len="med"/>
-                    </a:lnL>
-                    <a:lnR w="12700" cap="flat" cmpd="sng" algn="ctr">
-                      <a:noFill/>
-                      <a:prstDash val="solid"/>
-                      <a:round/>
-                      <a:headEnd type="none" w="med" len="med"/>
-                      <a:tailEnd type="none" w="med" len="med"/>
-                    </a:lnR>
-                    <a:lnT w="12700" cap="flat" cmpd="sng" algn="ctr">
-                      <a:solidFill>
-                        <a:schemeClr val="tx1"/>
-                      </a:solidFill>
-                      <a:prstDash val="solid"/>
-                      <a:round/>
-                      <a:headEnd type="none" w="med" len="med"/>
-                      <a:tailEnd type="none" w="med" len="med"/>
-                    </a:lnT>
-                    <a:lnB w="12700" cap="flat" cmpd="sng" algn="ctr">
-                      <a:solidFill>
-                        <a:schemeClr val="tx1"/>
-                      </a:solidFill>
-                      <a:prstDash val="solid"/>
-                      <a:round/>
-                      <a:headEnd type="none" w="med" len="med"/>
-                      <a:tailEnd type="none" w="med" len="med"/>
-                    </a:lnB>
-                    <a:lnTlToBr w="12700" cmpd="sng">
-                      <a:noFill/>
-                      <a:prstDash val="solid"/>
-                    </a:lnTlToBr>
-                    <a:lnBlToTr w="12700" cmpd="sng">
-                      <a:noFill/>
-                      <a:prstDash val="solid"/>
-                    </a:lnBlToTr>
-                    <a:noFill/>
-                  </a:tcPr>
-                </a:tc>
-                <a:tc>
-                  <a:txBody>
-                    <a:bodyPr/>
-                    <a:lstStyle/>
-                    <a:p>
-                      <a:pPr marL="0" marR="0" lvl="0" indent="0" algn="ctr" defTabSz="914400" rtl="0" eaLnBrk="1" fontAlgn="auto" latinLnBrk="0" hangingPunct="1">
-                        <a:lnSpc>
-                          <a:spcPct val="100000"/>
-                        </a:lnSpc>
-                        <a:spcBef>
-                          <a:spcPts val="0"/>
-                        </a:spcBef>
-                        <a:spcAft>
-                          <a:spcPts val="0"/>
-                        </a:spcAft>
-                        <a:buClrTx/>
-                        <a:buSzTx/>
-                        <a:buFontTx/>
-                        <a:buNone/>
-                        <a:tabLst/>
-                        <a:defRPr/>
-                      </a:pPr>
-                      <a:r>
-                        <a:rPr lang="en-ID" sz="1400" b="0" kern="1200" dirty="0">
-                          <a:solidFill>
-                            <a:schemeClr val="dk1"/>
-                          </a:solidFill>
-                          <a:effectLst/>
-                          <a:latin typeface="TeX Gyre Bonum" panose="00000500000000000000" pitchFamily="50" charset="0"/>
-                          <a:ea typeface="CMU Sans Serif" panose="02000603000000000000" pitchFamily="2" charset="0"/>
-                          <a:cs typeface="CMU Sans Serif" panose="02000603000000000000" pitchFamily="2" charset="0"/>
-                        </a:rPr>
-                        <a:t>0.7263</a:t>
-                      </a:r>
-                    </a:p>
-                  </a:txBody>
-                  <a:tcPr>
-                    <a:lnL w="12700" cap="flat" cmpd="sng" algn="ctr">
-                      <a:noFill/>
-                      <a:prstDash val="solid"/>
-                      <a:round/>
-                      <a:headEnd type="none" w="med" len="med"/>
-                      <a:tailEnd type="none" w="med" len="med"/>
-                    </a:lnL>
-                    <a:lnR w="12700" cap="flat" cmpd="sng" algn="ctr">
-                      <a:noFill/>
-                      <a:prstDash val="solid"/>
-                      <a:round/>
-                      <a:headEnd type="none" w="med" len="med"/>
-                      <a:tailEnd type="none" w="med" len="med"/>
-                    </a:lnR>
-                    <a:lnT w="12700" cap="flat" cmpd="sng" algn="ctr">
-                      <a:solidFill>
-                        <a:schemeClr val="tx1"/>
-                      </a:solidFill>
-                      <a:prstDash val="solid"/>
-                      <a:round/>
-                      <a:headEnd type="none" w="med" len="med"/>
-                      <a:tailEnd type="none" w="med" len="med"/>
-                    </a:lnT>
-                    <a:lnB w="12700" cap="flat" cmpd="sng" algn="ctr">
-                      <a:solidFill>
-                        <a:schemeClr val="tx1"/>
-                      </a:solidFill>
-                      <a:prstDash val="solid"/>
-                      <a:round/>
-                      <a:headEnd type="none" w="med" len="med"/>
-                      <a:tailEnd type="none" w="med" len="med"/>
-                    </a:lnB>
-                    <a:lnTlToBr w="12700" cmpd="sng">
-                      <a:noFill/>
-                      <a:prstDash val="solid"/>
-                    </a:lnTlToBr>
-                    <a:lnBlToTr w="12700" cmpd="sng">
-                      <a:noFill/>
-                      <a:prstDash val="solid"/>
-                    </a:lnBlToTr>
-                    <a:noFill/>
-                  </a:tcPr>
-                </a:tc>
-                <a:extLst>
-                  <a:ext uri="{0D108BD9-81ED-4DB2-BD59-A6C34878D82A}">
-                    <a16:rowId xmlns:a16="http://schemas.microsoft.com/office/drawing/2014/main" val="161724924"/>
-                  </a:ext>
-                </a:extLst>
-              </a:tr>
-              <a:tr h="277368">
-                <a:tc>
-                  <a:txBody>
-                    <a:bodyPr/>
-                    <a:lstStyle/>
-                    <a:p>
-                      <a:pPr algn="l"/>
-                      <a:r>
-                        <a:rPr lang="en-US" sz="1400" b="1" dirty="0">
-                          <a:latin typeface="TeX Gyre Bonum" panose="00000500000000000000" pitchFamily="50" charset="0"/>
-                          <a:ea typeface="CMU Sans Serif" panose="02000603000000000000" pitchFamily="2" charset="0"/>
-                          <a:cs typeface="CMU Sans Serif" panose="02000603000000000000" pitchFamily="2" charset="0"/>
-                        </a:rPr>
-                        <a:t>Recall</a:t>
-                      </a:r>
-                      <a:endParaRPr lang="en-ID" sz="1400" b="1" dirty="0">
-                        <a:latin typeface="TeX Gyre Bonum" panose="00000500000000000000" pitchFamily="50" charset="0"/>
-                        <a:ea typeface="CMU Sans Serif" panose="02000603000000000000" pitchFamily="2" charset="0"/>
-                        <a:cs typeface="CMU Sans Serif" panose="02000603000000000000" pitchFamily="2" charset="0"/>
-                      </a:endParaRPr>
-                    </a:p>
-                  </a:txBody>
-                  <a:tcPr>
-                    <a:lnL w="12700" cap="flat" cmpd="sng" algn="ctr">
-                      <a:noFill/>
-                      <a:prstDash val="solid"/>
-                      <a:round/>
-                      <a:headEnd type="none" w="med" len="med"/>
-                      <a:tailEnd type="none" w="med" len="med"/>
-                    </a:lnL>
-                    <a:lnR w="12700" cap="flat" cmpd="sng" algn="ctr">
-                      <a:solidFill>
-                        <a:schemeClr val="tx1"/>
-                      </a:solidFill>
-                      <a:prstDash val="solid"/>
-                      <a:round/>
-                      <a:headEnd type="none" w="med" len="med"/>
-                      <a:tailEnd type="none" w="med" len="med"/>
-                    </a:lnR>
-                    <a:lnT w="12700" cap="flat" cmpd="sng" algn="ctr">
-                      <a:solidFill>
-                        <a:schemeClr val="tx1"/>
-                      </a:solidFill>
-                      <a:prstDash val="solid"/>
-                      <a:round/>
-                      <a:headEnd type="none" w="med" len="med"/>
-                      <a:tailEnd type="none" w="med" len="med"/>
-                    </a:lnT>
-                    <a:lnB w="12700" cap="flat" cmpd="sng" algn="ctr">
-                      <a:solidFill>
-                        <a:schemeClr val="tx1"/>
-                      </a:solidFill>
-                      <a:prstDash val="solid"/>
-                      <a:round/>
-                      <a:headEnd type="none" w="med" len="med"/>
-                      <a:tailEnd type="none" w="med" len="med"/>
-                    </a:lnB>
-                    <a:lnTlToBr w="12700" cmpd="sng">
-                      <a:noFill/>
-                      <a:prstDash val="solid"/>
-                    </a:lnTlToBr>
-                    <a:lnBlToTr w="12700" cmpd="sng">
-                      <a:noFill/>
-                      <a:prstDash val="solid"/>
-                    </a:lnBlToTr>
-                    <a:noFill/>
-                  </a:tcPr>
-                </a:tc>
-                <a:tc>
-                  <a:txBody>
-                    <a:bodyPr/>
-                    <a:lstStyle/>
-                    <a:p>
-                      <a:pPr algn="ctr"/>
-                      <a:r>
-                        <a:rPr lang="en-ID" sz="1400" b="0" kern="1200" dirty="0">
-                          <a:solidFill>
-                            <a:schemeClr val="dk1"/>
-                          </a:solidFill>
-                          <a:effectLst/>
-                          <a:latin typeface="TeX Gyre Bonum" panose="00000500000000000000" pitchFamily="50" charset="0"/>
-                          <a:ea typeface="CMU Sans Serif" panose="02000603000000000000" pitchFamily="2" charset="0"/>
-                          <a:cs typeface="CMU Sans Serif" panose="02000603000000000000" pitchFamily="2" charset="0"/>
-                        </a:rPr>
-                        <a:t>0.6164</a:t>
-                      </a:r>
-                      <a:endParaRPr lang="en-ID" sz="1400" dirty="0">
-                        <a:latin typeface="TeX Gyre Bonum" panose="00000500000000000000" pitchFamily="50" charset="0"/>
-                        <a:ea typeface="CMU Sans Serif" panose="02000603000000000000" pitchFamily="2" charset="0"/>
-                        <a:cs typeface="CMU Sans Serif" panose="02000603000000000000" pitchFamily="2" charset="0"/>
-                      </a:endParaRPr>
-                    </a:p>
-                  </a:txBody>
-                  <a:tcPr>
-                    <a:lnL w="12700" cap="flat" cmpd="sng" algn="ctr">
-                      <a:solidFill>
-                        <a:schemeClr val="tx1"/>
-                      </a:solidFill>
-                      <a:prstDash val="solid"/>
-                      <a:round/>
-                      <a:headEnd type="none" w="med" len="med"/>
-                      <a:tailEnd type="none" w="med" len="med"/>
-                    </a:lnL>
-                    <a:lnR w="12700" cap="flat" cmpd="sng" algn="ctr">
-                      <a:noFill/>
-                      <a:prstDash val="solid"/>
-                      <a:round/>
-                      <a:headEnd type="none" w="med" len="med"/>
-                      <a:tailEnd type="none" w="med" len="med"/>
-                    </a:lnR>
-                    <a:lnT w="12700" cap="flat" cmpd="sng" algn="ctr">
-                      <a:solidFill>
-                        <a:schemeClr val="tx1"/>
-                      </a:solidFill>
-                      <a:prstDash val="solid"/>
-                      <a:round/>
-                      <a:headEnd type="none" w="med" len="med"/>
-                      <a:tailEnd type="none" w="med" len="med"/>
-                    </a:lnT>
-                    <a:lnB w="12700" cap="flat" cmpd="sng" algn="ctr">
-                      <a:solidFill>
-                        <a:schemeClr val="tx1"/>
-                      </a:solidFill>
-                      <a:prstDash val="solid"/>
-                      <a:round/>
-                      <a:headEnd type="none" w="med" len="med"/>
-                      <a:tailEnd type="none" w="med" len="med"/>
-                    </a:lnB>
-                    <a:lnTlToBr w="12700" cmpd="sng">
-                      <a:noFill/>
-                      <a:prstDash val="solid"/>
-                    </a:lnTlToBr>
-                    <a:lnBlToTr w="12700" cmpd="sng">
-                      <a:noFill/>
-                      <a:prstDash val="solid"/>
-                    </a:lnBlToTr>
-                    <a:noFill/>
-                  </a:tcPr>
-                </a:tc>
-                <a:tc>
-                  <a:txBody>
-                    <a:bodyPr/>
-                    <a:lstStyle/>
-                    <a:p>
-                      <a:pPr marL="0" marR="0" lvl="0" indent="0" algn="ctr" defTabSz="914400" rtl="0" eaLnBrk="1" fontAlgn="auto" latinLnBrk="0" hangingPunct="1">
-                        <a:lnSpc>
-                          <a:spcPct val="100000"/>
-                        </a:lnSpc>
-                        <a:spcBef>
-                          <a:spcPts val="0"/>
-                        </a:spcBef>
-                        <a:spcAft>
-                          <a:spcPts val="0"/>
-                        </a:spcAft>
-                        <a:buClrTx/>
-                        <a:buSzTx/>
-                        <a:buFontTx/>
-                        <a:buNone/>
-                        <a:tabLst/>
-                        <a:defRPr/>
-                      </a:pPr>
-                      <a:r>
-                        <a:rPr lang="en-ID" sz="1400" b="0" kern="1200" dirty="0">
-                          <a:solidFill>
-                            <a:schemeClr val="dk1"/>
-                          </a:solidFill>
-                          <a:effectLst/>
-                          <a:latin typeface="TeX Gyre Bonum" panose="00000500000000000000" pitchFamily="50" charset="0"/>
-                          <a:ea typeface="CMU Sans Serif" panose="02000603000000000000" pitchFamily="2" charset="0"/>
-                          <a:cs typeface="CMU Sans Serif" panose="02000603000000000000" pitchFamily="2" charset="0"/>
-                        </a:rPr>
-                        <a:t>0.5839</a:t>
-                      </a:r>
-                    </a:p>
-                  </a:txBody>
-                  <a:tcPr>
-                    <a:lnL w="12700" cap="flat" cmpd="sng" algn="ctr">
-                      <a:noFill/>
-                      <a:prstDash val="solid"/>
-                      <a:round/>
-                      <a:headEnd type="none" w="med" len="med"/>
-                      <a:tailEnd type="none" w="med" len="med"/>
-                    </a:lnL>
-                    <a:lnR w="12700" cap="flat" cmpd="sng" algn="ctr">
-                      <a:noFill/>
-                      <a:prstDash val="solid"/>
-                      <a:round/>
-                      <a:headEnd type="none" w="med" len="med"/>
-                      <a:tailEnd type="none" w="med" len="med"/>
-                    </a:lnR>
-                    <a:lnT w="12700" cap="flat" cmpd="sng" algn="ctr">
-                      <a:solidFill>
-                        <a:schemeClr val="tx1"/>
-                      </a:solidFill>
-                      <a:prstDash val="solid"/>
-                      <a:round/>
-                      <a:headEnd type="none" w="med" len="med"/>
-                      <a:tailEnd type="none" w="med" len="med"/>
-                    </a:lnT>
-                    <a:lnB w="12700" cap="flat" cmpd="sng" algn="ctr">
-                      <a:solidFill>
-                        <a:schemeClr val="tx1"/>
-                      </a:solidFill>
-                      <a:prstDash val="solid"/>
-                      <a:round/>
-                      <a:headEnd type="none" w="med" len="med"/>
-                      <a:tailEnd type="none" w="med" len="med"/>
-                    </a:lnB>
-                    <a:lnTlToBr w="12700" cmpd="sng">
-                      <a:noFill/>
-                      <a:prstDash val="solid"/>
-                    </a:lnTlToBr>
-                    <a:lnBlToTr w="12700" cmpd="sng">
-                      <a:noFill/>
-                      <a:prstDash val="solid"/>
-                    </a:lnBlToTr>
-                    <a:noFill/>
-                  </a:tcPr>
-                </a:tc>
-                <a:tc>
-                  <a:txBody>
-                    <a:bodyPr/>
-                    <a:lstStyle/>
-                    <a:p>
-                      <a:pPr marL="0" marR="0" lvl="0" indent="0" algn="ctr" defTabSz="914400" rtl="0" eaLnBrk="1" fontAlgn="auto" latinLnBrk="0" hangingPunct="1">
-                        <a:lnSpc>
-                          <a:spcPct val="100000"/>
-                        </a:lnSpc>
-                        <a:spcBef>
-                          <a:spcPts val="0"/>
-                        </a:spcBef>
-                        <a:spcAft>
-                          <a:spcPts val="0"/>
-                        </a:spcAft>
-                        <a:buClrTx/>
-                        <a:buSzTx/>
-                        <a:buFontTx/>
-                        <a:buNone/>
-                        <a:tabLst/>
-                        <a:defRPr/>
-                      </a:pPr>
-                      <a:r>
-                        <a:rPr lang="en-ID" sz="1400" b="0" kern="1200" dirty="0">
-                          <a:solidFill>
-                            <a:schemeClr val="dk1"/>
-                          </a:solidFill>
-                          <a:effectLst/>
-                          <a:latin typeface="TeX Gyre Bonum" panose="00000500000000000000" pitchFamily="50" charset="0"/>
-                          <a:ea typeface="CMU Sans Serif" panose="02000603000000000000" pitchFamily="2" charset="0"/>
-                          <a:cs typeface="CMU Sans Serif" panose="02000603000000000000" pitchFamily="2" charset="0"/>
-                        </a:rPr>
-                        <a:t>0.6871</a:t>
-                      </a:r>
-                    </a:p>
-                  </a:txBody>
-                  <a:tcPr>
-                    <a:lnL w="12700" cap="flat" cmpd="sng" algn="ctr">
-                      <a:noFill/>
-                      <a:prstDash val="solid"/>
-                      <a:round/>
-                      <a:headEnd type="none" w="med" len="med"/>
-                      <a:tailEnd type="none" w="med" len="med"/>
-                    </a:lnL>
-                    <a:lnR w="12700" cap="flat" cmpd="sng" algn="ctr">
-                      <a:noFill/>
-                      <a:prstDash val="solid"/>
-                      <a:round/>
-                      <a:headEnd type="none" w="med" len="med"/>
-                      <a:tailEnd type="none" w="med" len="med"/>
-                    </a:lnR>
-                    <a:lnT w="12700" cap="flat" cmpd="sng" algn="ctr">
-                      <a:solidFill>
-                        <a:schemeClr val="tx1"/>
-                      </a:solidFill>
-                      <a:prstDash val="solid"/>
-                      <a:round/>
-                      <a:headEnd type="none" w="med" len="med"/>
-                      <a:tailEnd type="none" w="med" len="med"/>
-                    </a:lnT>
-                    <a:lnB w="12700" cap="flat" cmpd="sng" algn="ctr">
-                      <a:solidFill>
-                        <a:schemeClr val="tx1"/>
-                      </a:solidFill>
-                      <a:prstDash val="solid"/>
-                      <a:round/>
-                      <a:headEnd type="none" w="med" len="med"/>
-                      <a:tailEnd type="none" w="med" len="med"/>
-                    </a:lnB>
-                    <a:lnTlToBr w="12700" cmpd="sng">
-                      <a:noFill/>
-                      <a:prstDash val="solid"/>
-                    </a:lnTlToBr>
-                    <a:lnBlToTr w="12700" cmpd="sng">
-                      <a:noFill/>
-                      <a:prstDash val="solid"/>
-                    </a:lnBlToTr>
-                    <a:noFill/>
-                  </a:tcPr>
-                </a:tc>
-                <a:tc>
-                  <a:txBody>
-                    <a:bodyPr/>
-                    <a:lstStyle/>
-                    <a:p>
-                      <a:pPr marL="0" marR="0" lvl="0" indent="0" algn="ctr" defTabSz="914400" rtl="0" eaLnBrk="1" fontAlgn="auto" latinLnBrk="0" hangingPunct="1">
-                        <a:lnSpc>
-                          <a:spcPct val="100000"/>
-                        </a:lnSpc>
-                        <a:spcBef>
-                          <a:spcPts val="0"/>
-                        </a:spcBef>
-                        <a:spcAft>
-                          <a:spcPts val="0"/>
-                        </a:spcAft>
-                        <a:buClrTx/>
-                        <a:buSzTx/>
-                        <a:buFontTx/>
-                        <a:buNone/>
-                        <a:tabLst/>
-                        <a:defRPr/>
-                      </a:pPr>
-                      <a:r>
-                        <a:rPr lang="en-ID" sz="1400" b="0" kern="1200" dirty="0">
-                          <a:solidFill>
-                            <a:schemeClr val="dk1"/>
-                          </a:solidFill>
-                          <a:effectLst/>
-                          <a:latin typeface="TeX Gyre Bonum" panose="00000500000000000000" pitchFamily="50" charset="0"/>
-                          <a:ea typeface="CMU Sans Serif" panose="02000603000000000000" pitchFamily="2" charset="0"/>
-                          <a:cs typeface="CMU Sans Serif" panose="02000603000000000000" pitchFamily="2" charset="0"/>
-                        </a:rPr>
-                        <a:t>0.8415</a:t>
-                      </a:r>
-                    </a:p>
-                  </a:txBody>
-                  <a:tcPr>
-                    <a:lnL w="12700" cap="flat" cmpd="sng" algn="ctr">
-                      <a:noFill/>
-                      <a:prstDash val="solid"/>
-                      <a:round/>
-                      <a:headEnd type="none" w="med" len="med"/>
-                      <a:tailEnd type="none" w="med" len="med"/>
-                    </a:lnL>
-                    <a:lnR w="12700" cap="flat" cmpd="sng" algn="ctr">
-                      <a:noFill/>
-                      <a:prstDash val="solid"/>
-                      <a:round/>
-                      <a:headEnd type="none" w="med" len="med"/>
-                      <a:tailEnd type="none" w="med" len="med"/>
-                    </a:lnR>
-                    <a:lnT w="12700" cap="flat" cmpd="sng" algn="ctr">
-                      <a:solidFill>
-                        <a:schemeClr val="tx1"/>
-                      </a:solidFill>
-                      <a:prstDash val="solid"/>
-                      <a:round/>
-                      <a:headEnd type="none" w="med" len="med"/>
-                      <a:tailEnd type="none" w="med" len="med"/>
-                    </a:lnT>
-                    <a:lnB w="12700" cap="flat" cmpd="sng" algn="ctr">
-                      <a:solidFill>
-                        <a:schemeClr val="tx1"/>
-                      </a:solidFill>
-                      <a:prstDash val="solid"/>
-                      <a:round/>
-                      <a:headEnd type="none" w="med" len="med"/>
-                      <a:tailEnd type="none" w="med" len="med"/>
-                    </a:lnB>
-                    <a:lnTlToBr w="12700" cmpd="sng">
-                      <a:noFill/>
-                      <a:prstDash val="solid"/>
-                    </a:lnTlToBr>
-                    <a:lnBlToTr w="12700" cmpd="sng">
-                      <a:noFill/>
-                      <a:prstDash val="solid"/>
-                    </a:lnBlToTr>
-                    <a:noFill/>
-                  </a:tcPr>
-                </a:tc>
-                <a:extLst>
-                  <a:ext uri="{0D108BD9-81ED-4DB2-BD59-A6C34878D82A}">
-                    <a16:rowId xmlns:a16="http://schemas.microsoft.com/office/drawing/2014/main" val="2519848077"/>
-                  </a:ext>
-                </a:extLst>
-              </a:tr>
-              <a:tr h="277368">
-                <a:tc>
-                  <a:txBody>
-                    <a:bodyPr/>
-                    <a:lstStyle/>
-                    <a:p>
-                      <a:pPr algn="l"/>
-                      <a:r>
-                        <a:rPr lang="en-US" sz="1400" b="1" dirty="0">
-                          <a:latin typeface="TeX Gyre Bonum" panose="00000500000000000000" pitchFamily="50" charset="0"/>
-                          <a:ea typeface="CMU Sans Serif" panose="02000603000000000000" pitchFamily="2" charset="0"/>
-                          <a:cs typeface="CMU Sans Serif" panose="02000603000000000000" pitchFamily="2" charset="0"/>
-                        </a:rPr>
-                        <a:t>F1-score</a:t>
-                      </a:r>
-                      <a:endParaRPr lang="en-ID" sz="1400" b="1" dirty="0">
-                        <a:latin typeface="TeX Gyre Bonum" panose="00000500000000000000" pitchFamily="50" charset="0"/>
-                        <a:ea typeface="CMU Sans Serif" panose="02000603000000000000" pitchFamily="2" charset="0"/>
-                        <a:cs typeface="CMU Sans Serif" panose="02000603000000000000" pitchFamily="2" charset="0"/>
-                      </a:endParaRPr>
-                    </a:p>
-                  </a:txBody>
-                  <a:tcPr>
-                    <a:lnL w="12700" cap="flat" cmpd="sng" algn="ctr">
-                      <a:noFill/>
-                      <a:prstDash val="solid"/>
-                      <a:round/>
-                      <a:headEnd type="none" w="med" len="med"/>
-                      <a:tailEnd type="none" w="med" len="med"/>
-                    </a:lnL>
-                    <a:lnR w="12700" cap="flat" cmpd="sng" algn="ctr">
-                      <a:solidFill>
-                        <a:schemeClr val="tx1"/>
-                      </a:solidFill>
-                      <a:prstDash val="solid"/>
-                      <a:round/>
-                      <a:headEnd type="none" w="med" len="med"/>
-                      <a:tailEnd type="none" w="med" len="med"/>
-                    </a:lnR>
-                    <a:lnT w="12700" cap="flat" cmpd="sng" algn="ctr">
-                      <a:solidFill>
-                        <a:schemeClr val="tx1"/>
-                      </a:solidFill>
-                      <a:prstDash val="solid"/>
-                      <a:round/>
-                      <a:headEnd type="none" w="med" len="med"/>
-                      <a:tailEnd type="none" w="med" len="med"/>
-                    </a:lnT>
-                    <a:lnB w="12700" cap="flat" cmpd="sng" algn="ctr">
-                      <a:solidFill>
-                        <a:schemeClr val="tx1"/>
-                      </a:solidFill>
-                      <a:prstDash val="solid"/>
-                      <a:round/>
-                      <a:headEnd type="none" w="med" len="med"/>
-                      <a:tailEnd type="none" w="med" len="med"/>
-                    </a:lnB>
-                    <a:lnTlToBr w="12700" cmpd="sng">
-                      <a:noFill/>
-                      <a:prstDash val="solid"/>
-                    </a:lnTlToBr>
-                    <a:lnBlToTr w="12700" cmpd="sng">
-                      <a:noFill/>
-                      <a:prstDash val="solid"/>
-                    </a:lnBlToTr>
-                    <a:noFill/>
-                  </a:tcPr>
-                </a:tc>
-                <a:tc>
-                  <a:txBody>
-                    <a:bodyPr/>
-                    <a:lstStyle/>
-                    <a:p>
-                      <a:pPr algn="ctr"/>
-                      <a:r>
-                        <a:rPr lang="en-US" sz="1400" dirty="0">
-                          <a:latin typeface="TeX Gyre Bonum" panose="00000500000000000000" pitchFamily="50" charset="0"/>
-                          <a:ea typeface="CMU Sans Serif" panose="02000603000000000000" pitchFamily="2" charset="0"/>
-                          <a:cs typeface="CMU Sans Serif" panose="02000603000000000000" pitchFamily="2" charset="0"/>
-                        </a:rPr>
-                        <a:t>0.3396</a:t>
-                      </a:r>
-                      <a:endParaRPr lang="en-ID" sz="1400" dirty="0">
-                        <a:latin typeface="TeX Gyre Bonum" panose="00000500000000000000" pitchFamily="50" charset="0"/>
-                        <a:ea typeface="CMU Sans Serif" panose="02000603000000000000" pitchFamily="2" charset="0"/>
-                        <a:cs typeface="CMU Sans Serif" panose="02000603000000000000" pitchFamily="2" charset="0"/>
-                      </a:endParaRPr>
-                    </a:p>
-                  </a:txBody>
-                  <a:tcPr>
-                    <a:lnL w="12700" cap="flat" cmpd="sng" algn="ctr">
-                      <a:solidFill>
-                        <a:schemeClr val="tx1"/>
-                      </a:solidFill>
-                      <a:prstDash val="solid"/>
-                      <a:round/>
-                      <a:headEnd type="none" w="med" len="med"/>
-                      <a:tailEnd type="none" w="med" len="med"/>
-                    </a:lnL>
-                    <a:lnR w="12700" cap="flat" cmpd="sng" algn="ctr">
-                      <a:noFill/>
-                      <a:prstDash val="solid"/>
-                      <a:round/>
-                      <a:headEnd type="none" w="med" len="med"/>
-                      <a:tailEnd type="none" w="med" len="med"/>
-                    </a:lnR>
-                    <a:lnT w="12700" cap="flat" cmpd="sng" algn="ctr">
-                      <a:solidFill>
-                        <a:schemeClr val="tx1"/>
-                      </a:solidFill>
-                      <a:prstDash val="solid"/>
-                      <a:round/>
-                      <a:headEnd type="none" w="med" len="med"/>
-                      <a:tailEnd type="none" w="med" len="med"/>
-                    </a:lnT>
-                    <a:lnB w="12700" cap="flat" cmpd="sng" algn="ctr">
-                      <a:solidFill>
-                        <a:schemeClr val="tx1"/>
-                      </a:solidFill>
-                      <a:prstDash val="solid"/>
-                      <a:round/>
-                      <a:headEnd type="none" w="med" len="med"/>
-                      <a:tailEnd type="none" w="med" len="med"/>
-                    </a:lnB>
-                    <a:lnTlToBr w="12700" cmpd="sng">
-                      <a:noFill/>
-                      <a:prstDash val="solid"/>
-                    </a:lnTlToBr>
-                    <a:lnBlToTr w="12700" cmpd="sng">
-                      <a:noFill/>
-                      <a:prstDash val="solid"/>
-                    </a:lnBlToTr>
-                    <a:noFill/>
-                  </a:tcPr>
-                </a:tc>
-                <a:tc>
-                  <a:txBody>
-                    <a:bodyPr/>
-                    <a:lstStyle/>
-                    <a:p>
-                      <a:pPr algn="ctr"/>
-                      <a:r>
-                        <a:rPr lang="en-US" sz="1400" dirty="0">
-                          <a:latin typeface="TeX Gyre Bonum" panose="00000500000000000000" pitchFamily="50" charset="0"/>
-                          <a:ea typeface="CMU Sans Serif" panose="02000603000000000000" pitchFamily="2" charset="0"/>
-                          <a:cs typeface="CMU Sans Serif" panose="02000603000000000000" pitchFamily="2" charset="0"/>
-                        </a:rPr>
-                        <a:t>0.3264</a:t>
-                      </a:r>
-                      <a:endParaRPr lang="en-ID" sz="1400" dirty="0">
-                        <a:latin typeface="TeX Gyre Bonum" panose="00000500000000000000" pitchFamily="50" charset="0"/>
-                        <a:ea typeface="CMU Sans Serif" panose="02000603000000000000" pitchFamily="2" charset="0"/>
-                        <a:cs typeface="CMU Sans Serif" panose="02000603000000000000" pitchFamily="2" charset="0"/>
-                      </a:endParaRPr>
-                    </a:p>
-                  </a:txBody>
-                  <a:tcPr>
-                    <a:lnL w="12700" cap="flat" cmpd="sng" algn="ctr">
-                      <a:noFill/>
-                      <a:prstDash val="solid"/>
-                      <a:round/>
-                      <a:headEnd type="none" w="med" len="med"/>
-                      <a:tailEnd type="none" w="med" len="med"/>
-                    </a:lnL>
-                    <a:lnR w="12700" cap="flat" cmpd="sng" algn="ctr">
-                      <a:noFill/>
-                      <a:prstDash val="solid"/>
-                      <a:round/>
-                      <a:headEnd type="none" w="med" len="med"/>
-                      <a:tailEnd type="none" w="med" len="med"/>
-                    </a:lnR>
-                    <a:lnT w="12700" cap="flat" cmpd="sng" algn="ctr">
-                      <a:solidFill>
-                        <a:schemeClr val="tx1"/>
-                      </a:solidFill>
-                      <a:prstDash val="solid"/>
-                      <a:round/>
-                      <a:headEnd type="none" w="med" len="med"/>
-                      <a:tailEnd type="none" w="med" len="med"/>
-                    </a:lnT>
-                    <a:lnB w="12700" cap="flat" cmpd="sng" algn="ctr">
-                      <a:solidFill>
-                        <a:schemeClr val="tx1"/>
-                      </a:solidFill>
-                      <a:prstDash val="solid"/>
-                      <a:round/>
-                      <a:headEnd type="none" w="med" len="med"/>
-                      <a:tailEnd type="none" w="med" len="med"/>
-                    </a:lnB>
-                    <a:lnTlToBr w="12700" cmpd="sng">
-                      <a:noFill/>
-                      <a:prstDash val="solid"/>
-                    </a:lnTlToBr>
-                    <a:lnBlToTr w="12700" cmpd="sng">
-                      <a:noFill/>
-                      <a:prstDash val="solid"/>
-                    </a:lnBlToTr>
-                    <a:noFill/>
-                  </a:tcPr>
-                </a:tc>
-                <a:tc>
-                  <a:txBody>
-                    <a:bodyPr/>
-                    <a:lstStyle/>
-                    <a:p>
-                      <a:pPr algn="ctr"/>
-                      <a:r>
-                        <a:rPr lang="en-US" sz="1400" dirty="0">
-                          <a:latin typeface="TeX Gyre Bonum" panose="00000500000000000000" pitchFamily="50" charset="0"/>
-                          <a:ea typeface="CMU Sans Serif" panose="02000603000000000000" pitchFamily="2" charset="0"/>
-                          <a:cs typeface="CMU Sans Serif" panose="02000603000000000000" pitchFamily="2" charset="0"/>
-                        </a:rPr>
-                        <a:t>0.3567</a:t>
-                      </a:r>
-                      <a:endParaRPr lang="en-ID" sz="1400" dirty="0">
-                        <a:latin typeface="TeX Gyre Bonum" panose="00000500000000000000" pitchFamily="50" charset="0"/>
-                        <a:ea typeface="CMU Sans Serif" panose="02000603000000000000" pitchFamily="2" charset="0"/>
-                        <a:cs typeface="CMU Sans Serif" panose="02000603000000000000" pitchFamily="2" charset="0"/>
-                      </a:endParaRPr>
-                    </a:p>
-                  </a:txBody>
-                  <a:tcPr>
-                    <a:lnL w="12700" cap="flat" cmpd="sng" algn="ctr">
-                      <a:noFill/>
-                      <a:prstDash val="solid"/>
-                      <a:round/>
-                      <a:headEnd type="none" w="med" len="med"/>
-                      <a:tailEnd type="none" w="med" len="med"/>
-                    </a:lnL>
-                    <a:lnR w="12700" cap="flat" cmpd="sng" algn="ctr">
-                      <a:noFill/>
-                      <a:prstDash val="solid"/>
-                      <a:round/>
-                      <a:headEnd type="none" w="med" len="med"/>
-                      <a:tailEnd type="none" w="med" len="med"/>
-                    </a:lnR>
-                    <a:lnT w="12700" cap="flat" cmpd="sng" algn="ctr">
-                      <a:solidFill>
-                        <a:schemeClr val="tx1"/>
-                      </a:solidFill>
-                      <a:prstDash val="solid"/>
-                      <a:round/>
-                      <a:headEnd type="none" w="med" len="med"/>
-                      <a:tailEnd type="none" w="med" len="med"/>
-                    </a:lnT>
-                    <a:lnB w="12700" cap="flat" cmpd="sng" algn="ctr">
-                      <a:solidFill>
-                        <a:schemeClr val="tx1"/>
-                      </a:solidFill>
-                      <a:prstDash val="solid"/>
-                      <a:round/>
-                      <a:headEnd type="none" w="med" len="med"/>
-                      <a:tailEnd type="none" w="med" len="med"/>
-                    </a:lnB>
-                    <a:lnTlToBr w="12700" cmpd="sng">
-                      <a:noFill/>
-                      <a:prstDash val="solid"/>
-                    </a:lnTlToBr>
-                    <a:lnBlToTr w="12700" cmpd="sng">
-                      <a:noFill/>
-                      <a:prstDash val="solid"/>
-                    </a:lnBlToTr>
-                    <a:noFill/>
-                  </a:tcPr>
-                </a:tc>
-                <a:tc>
-                  <a:txBody>
-                    <a:bodyPr/>
-                    <a:lstStyle/>
-                    <a:p>
-                      <a:pPr algn="ctr"/>
-                      <a:r>
-                        <a:rPr lang="en-US" sz="1400" dirty="0">
-                          <a:latin typeface="TeX Gyre Bonum" panose="00000500000000000000" pitchFamily="50" charset="0"/>
-                          <a:ea typeface="CMU Sans Serif" panose="02000603000000000000" pitchFamily="2" charset="0"/>
-                          <a:cs typeface="CMU Sans Serif" panose="02000603000000000000" pitchFamily="2" charset="0"/>
-                        </a:rPr>
-                        <a:t>0.3898</a:t>
-                      </a:r>
-                      <a:endParaRPr lang="en-ID" sz="1400" dirty="0">
-                        <a:latin typeface="TeX Gyre Bonum" panose="00000500000000000000" pitchFamily="50" charset="0"/>
-                        <a:ea typeface="CMU Sans Serif" panose="02000603000000000000" pitchFamily="2" charset="0"/>
-                        <a:cs typeface="CMU Sans Serif" panose="02000603000000000000" pitchFamily="2" charset="0"/>
-                      </a:endParaRPr>
-                    </a:p>
-                  </a:txBody>
-                  <a:tcPr>
-                    <a:lnL w="12700" cap="flat" cmpd="sng" algn="ctr">
-                      <a:noFill/>
-                      <a:prstDash val="solid"/>
-                      <a:round/>
-                      <a:headEnd type="none" w="med" len="med"/>
-                      <a:tailEnd type="none" w="med" len="med"/>
-                    </a:lnL>
-                    <a:lnR w="12700" cap="flat" cmpd="sng" algn="ctr">
-                      <a:noFill/>
-                      <a:prstDash val="solid"/>
-                      <a:round/>
-                      <a:headEnd type="none" w="med" len="med"/>
-                      <a:tailEnd type="none" w="med" len="med"/>
-                    </a:lnR>
-                    <a:lnT w="12700" cap="flat" cmpd="sng" algn="ctr">
-                      <a:solidFill>
-                        <a:schemeClr val="tx1"/>
-                      </a:solidFill>
-                      <a:prstDash val="solid"/>
-                      <a:round/>
-                      <a:headEnd type="none" w="med" len="med"/>
-                      <a:tailEnd type="none" w="med" len="med"/>
-                    </a:lnT>
-                    <a:lnB w="12700" cap="flat" cmpd="sng" algn="ctr">
-                      <a:solidFill>
-                        <a:schemeClr val="tx1"/>
-                      </a:solidFill>
-                      <a:prstDash val="solid"/>
-                      <a:round/>
-                      <a:headEnd type="none" w="med" len="med"/>
-                      <a:tailEnd type="none" w="med" len="med"/>
-                    </a:lnB>
-                    <a:lnTlToBr w="12700" cmpd="sng">
-                      <a:noFill/>
-                      <a:prstDash val="solid"/>
-                    </a:lnTlToBr>
-                    <a:lnBlToTr w="12700" cmpd="sng">
-                      <a:noFill/>
-                      <a:prstDash val="solid"/>
-                    </a:lnBlToTr>
-                    <a:noFill/>
-                  </a:tcPr>
-                </a:tc>
-                <a:extLst>
-                  <a:ext uri="{0D108BD9-81ED-4DB2-BD59-A6C34878D82A}">
-                    <a16:rowId xmlns:a16="http://schemas.microsoft.com/office/drawing/2014/main" val="3052852466"/>
-                  </a:ext>
-                </a:extLst>
-              </a:tr>
-            </a:tbl>
-          </a:graphicData>
-        </a:graphic>
-      </p:graphicFrame>
-      <p:pic>
-        <p:nvPicPr>
-          <p:cNvPr id="5" name="Picture 4">
-            <a:extLst>
-              <a:ext uri="{FF2B5EF4-FFF2-40B4-BE49-F238E27FC236}">
-                <a16:creationId xmlns:a16="http://schemas.microsoft.com/office/drawing/2014/main" id="{5E91247B-2324-D96A-6BB1-EE4E09B09C9E}"/>
-              </a:ext>
-            </a:extLst>
-          </p:cNvPr>
-          <p:cNvPicPr>
-            <a:picLocks noChangeAspect="1"/>
-          </p:cNvPicPr>
-          <p:nvPr/>
-        </p:nvPicPr>
-        <p:blipFill>
-          <a:blip r:embed="rId2"/>
-          <a:stretch>
-            <a:fillRect/>
-          </a:stretch>
-        </p:blipFill>
-        <p:spPr>
-          <a:xfrm>
-            <a:off x="219077" y="561979"/>
-            <a:ext cx="5465667" cy="2867021"/>
-          </a:xfrm>
-          <a:prstGeom prst="rect">
-            <a:avLst/>
-          </a:prstGeom>
-        </p:spPr>
-      </p:pic>
-      <p:graphicFrame>
-        <p:nvGraphicFramePr>
-          <p:cNvPr id="6" name="Table 6">
-            <a:extLst>
-              <a:ext uri="{FF2B5EF4-FFF2-40B4-BE49-F238E27FC236}">
-                <a16:creationId xmlns:a16="http://schemas.microsoft.com/office/drawing/2014/main" id="{E52B7D42-3110-CF3C-E6DD-738B954C18FE}"/>
-              </a:ext>
-            </a:extLst>
-          </p:cNvPr>
-          <p:cNvGraphicFramePr>
-            <a:graphicFrameLocks noGrp="1"/>
-          </p:cNvGraphicFramePr>
-          <p:nvPr>
-            <p:extLst>
-              <p:ext uri="{D42A27DB-BD31-4B8C-83A1-F6EECF244321}">
-                <p14:modId xmlns:p14="http://schemas.microsoft.com/office/powerpoint/2010/main" val="4054838974"/>
-              </p:ext>
-            </p:extLst>
-          </p:nvPr>
-        </p:nvGraphicFramePr>
-        <p:xfrm>
-          <a:off x="7124352" y="3437466"/>
-          <a:ext cx="4173845" cy="609600"/>
-        </p:xfrm>
-        <a:graphic>
-          <a:graphicData uri="http://schemas.openxmlformats.org/drawingml/2006/table">
-            <a:tbl>
-              <a:tblPr firstRow="1" bandRow="1">
-                <a:tableStyleId>{5C22544A-7EE6-4342-B048-85BDC9FD1C3A}</a:tableStyleId>
-              </a:tblPr>
-              <a:tblGrid>
-                <a:gridCol w="849941">
-                  <a:extLst>
-                    <a:ext uri="{9D8B030D-6E8A-4147-A177-3AD203B41FA5}">
-                      <a16:colId xmlns:a16="http://schemas.microsoft.com/office/drawing/2014/main" val="3872630865"/>
-                    </a:ext>
-                  </a:extLst>
-                </a:gridCol>
-                <a:gridCol w="844867">
-                  <a:extLst>
-                    <a:ext uri="{9D8B030D-6E8A-4147-A177-3AD203B41FA5}">
-                      <a16:colId xmlns:a16="http://schemas.microsoft.com/office/drawing/2014/main" val="2317850323"/>
-                    </a:ext>
-                  </a:extLst>
-                </a:gridCol>
-                <a:gridCol w="844867">
-                  <a:extLst>
-                    <a:ext uri="{9D8B030D-6E8A-4147-A177-3AD203B41FA5}">
-                      <a16:colId xmlns:a16="http://schemas.microsoft.com/office/drawing/2014/main" val="3427173819"/>
-                    </a:ext>
-                  </a:extLst>
-                </a:gridCol>
-                <a:gridCol w="844867">
-                  <a:extLst>
-                    <a:ext uri="{9D8B030D-6E8A-4147-A177-3AD203B41FA5}">
-                      <a16:colId xmlns:a16="http://schemas.microsoft.com/office/drawing/2014/main" val="2404399359"/>
-                    </a:ext>
-                  </a:extLst>
-                </a:gridCol>
-                <a:gridCol w="789303">
-                  <a:extLst>
-                    <a:ext uri="{9D8B030D-6E8A-4147-A177-3AD203B41FA5}">
-                      <a16:colId xmlns:a16="http://schemas.microsoft.com/office/drawing/2014/main" val="1079410152"/>
-                    </a:ext>
-                  </a:extLst>
-                </a:gridCol>
-              </a:tblGrid>
-              <a:tr h="277368">
-                <a:tc>
-                  <a:txBody>
-                    <a:bodyPr/>
-                    <a:lstStyle/>
-                    <a:p>
-                      <a:pPr algn="ctr"/>
-                      <a:endParaRPr lang="en-ID" sz="1400" dirty="0">
-                        <a:solidFill>
-                          <a:schemeClr val="tx1"/>
-                        </a:solidFill>
-                        <a:latin typeface="TeX Gyre Bonum" panose="00000500000000000000" pitchFamily="50" charset="0"/>
-                        <a:ea typeface="CMU Sans Serif" panose="02000603000000000000" pitchFamily="2" charset="0"/>
-                        <a:cs typeface="CMU Sans Serif" panose="02000603000000000000" pitchFamily="2" charset="0"/>
-                      </a:endParaRPr>
-                    </a:p>
-                  </a:txBody>
-                  <a:tcPr>
-                    <a:lnL w="12700" cap="flat" cmpd="sng" algn="ctr">
-                      <a:noFill/>
-                      <a:prstDash val="solid"/>
-                      <a:round/>
-                      <a:headEnd type="none" w="med" len="med"/>
-                      <a:tailEnd type="none" w="med" len="med"/>
-                    </a:lnL>
-                    <a:lnR w="12700" cap="flat" cmpd="sng" algn="ctr">
-                      <a:noFill/>
-                      <a:prstDash val="solid"/>
-                      <a:round/>
-                      <a:headEnd type="none" w="med" len="med"/>
-                      <a:tailEnd type="none" w="med" len="med"/>
-                    </a:lnR>
-                    <a:lnT w="12700" cap="flat" cmpd="sng" algn="ctr">
-                      <a:solidFill>
-                        <a:schemeClr val="tx1"/>
-                      </a:solidFill>
-                      <a:prstDash val="solid"/>
-                      <a:round/>
-                      <a:headEnd type="none" w="med" len="med"/>
-                      <a:tailEnd type="none" w="med" len="med"/>
-                    </a:lnT>
-                    <a:lnB w="12700" cap="flat" cmpd="sng" algn="ctr">
-                      <a:solidFill>
-                        <a:schemeClr val="tx1"/>
-                      </a:solidFill>
-                      <a:prstDash val="solid"/>
-                      <a:round/>
-                      <a:headEnd type="none" w="med" len="med"/>
-                      <a:tailEnd type="none" w="med" len="med"/>
-                    </a:lnB>
-                    <a:lnTlToBr w="12700" cmpd="sng">
-                      <a:noFill/>
-                      <a:prstDash val="solid"/>
-                    </a:lnTlToBr>
-                    <a:lnBlToTr w="12700" cmpd="sng">
-                      <a:noFill/>
-                      <a:prstDash val="solid"/>
-                    </a:lnBlToTr>
-                    <a:noFill/>
-                  </a:tcPr>
-                </a:tc>
-                <a:tc>
-                  <a:txBody>
-                    <a:bodyPr/>
-                    <a:lstStyle/>
-                    <a:p>
-                      <a:pPr algn="ctr"/>
-                      <a:r>
-                        <a:rPr lang="en-US" sz="1400" b="1" dirty="0">
-                          <a:solidFill>
-                            <a:schemeClr val="tx1"/>
-                          </a:solidFill>
-                          <a:latin typeface="TeX Gyre Bonum" panose="00000500000000000000" pitchFamily="50" charset="0"/>
-                          <a:ea typeface="CMU Sans Serif" panose="02000603000000000000" pitchFamily="2" charset="0"/>
-                          <a:cs typeface="CMU Sans Serif" panose="02000603000000000000" pitchFamily="2" charset="0"/>
-                        </a:rPr>
-                        <a:t>A</a:t>
-                      </a:r>
-                      <a:endParaRPr lang="en-ID" sz="1400" b="1" dirty="0">
-                        <a:solidFill>
-                          <a:schemeClr val="tx1"/>
-                        </a:solidFill>
-                        <a:latin typeface="TeX Gyre Bonum" panose="00000500000000000000" pitchFamily="50" charset="0"/>
-                        <a:ea typeface="CMU Sans Serif" panose="02000603000000000000" pitchFamily="2" charset="0"/>
-                        <a:cs typeface="CMU Sans Serif" panose="02000603000000000000" pitchFamily="2" charset="0"/>
-                      </a:endParaRPr>
-                    </a:p>
-                  </a:txBody>
-                  <a:tcPr>
-                    <a:lnL w="12700" cap="flat" cmpd="sng" algn="ctr">
-                      <a:noFill/>
-                      <a:prstDash val="solid"/>
-                      <a:round/>
-                      <a:headEnd type="none" w="med" len="med"/>
-                      <a:tailEnd type="none" w="med" len="med"/>
-                    </a:lnL>
-                    <a:lnR w="12700" cap="flat" cmpd="sng" algn="ctr">
-                      <a:noFill/>
-                      <a:prstDash val="solid"/>
-                      <a:round/>
-                      <a:headEnd type="none" w="med" len="med"/>
-                      <a:tailEnd type="none" w="med" len="med"/>
-                    </a:lnR>
-                    <a:lnT w="12700" cap="flat" cmpd="sng" algn="ctr">
-                      <a:solidFill>
-                        <a:schemeClr val="tx1"/>
-                      </a:solidFill>
-                      <a:prstDash val="solid"/>
-                      <a:round/>
-                      <a:headEnd type="none" w="med" len="med"/>
-                      <a:tailEnd type="none" w="med" len="med"/>
-                    </a:lnT>
-                    <a:lnB w="12700" cap="flat" cmpd="sng" algn="ctr">
-                      <a:solidFill>
-                        <a:schemeClr val="tx1"/>
-                      </a:solidFill>
-                      <a:prstDash val="solid"/>
-                      <a:round/>
-                      <a:headEnd type="none" w="med" len="med"/>
-                      <a:tailEnd type="none" w="med" len="med"/>
-                    </a:lnB>
-                    <a:lnTlToBr w="12700" cmpd="sng">
-                      <a:noFill/>
-                      <a:prstDash val="solid"/>
-                    </a:lnTlToBr>
-                    <a:lnBlToTr w="12700" cmpd="sng">
-                      <a:noFill/>
-                      <a:prstDash val="solid"/>
-                    </a:lnBlToTr>
-                    <a:noFill/>
-                  </a:tcPr>
-                </a:tc>
-                <a:tc>
-                  <a:txBody>
-                    <a:bodyPr/>
-                    <a:lstStyle/>
-                    <a:p>
-                      <a:pPr algn="ctr"/>
-                      <a:r>
-                        <a:rPr lang="en-US" sz="1400" b="1" dirty="0">
-                          <a:solidFill>
-                            <a:schemeClr val="tx1"/>
-                          </a:solidFill>
-                          <a:latin typeface="TeX Gyre Bonum" panose="00000500000000000000" pitchFamily="50" charset="0"/>
-                          <a:ea typeface="CMU Sans Serif" panose="02000603000000000000" pitchFamily="2" charset="0"/>
-                          <a:cs typeface="CMU Sans Serif" panose="02000603000000000000" pitchFamily="2" charset="0"/>
-                        </a:rPr>
-                        <a:t>B</a:t>
-                      </a:r>
-                      <a:endParaRPr lang="en-ID" sz="1400" b="1" dirty="0">
-                        <a:solidFill>
-                          <a:schemeClr val="tx1"/>
-                        </a:solidFill>
-                        <a:latin typeface="TeX Gyre Bonum" panose="00000500000000000000" pitchFamily="50" charset="0"/>
-                        <a:ea typeface="CMU Sans Serif" panose="02000603000000000000" pitchFamily="2" charset="0"/>
-                        <a:cs typeface="CMU Sans Serif" panose="02000603000000000000" pitchFamily="2" charset="0"/>
-                      </a:endParaRPr>
-                    </a:p>
-                  </a:txBody>
-                  <a:tcPr>
-                    <a:lnL w="12700" cap="flat" cmpd="sng" algn="ctr">
-                      <a:noFill/>
-                      <a:prstDash val="solid"/>
-                      <a:round/>
-                      <a:headEnd type="none" w="med" len="med"/>
-                      <a:tailEnd type="none" w="med" len="med"/>
-                    </a:lnL>
-                    <a:lnR w="12700" cap="flat" cmpd="sng" algn="ctr">
-                      <a:noFill/>
-                      <a:prstDash val="solid"/>
-                      <a:round/>
-                      <a:headEnd type="none" w="med" len="med"/>
-                      <a:tailEnd type="none" w="med" len="med"/>
-                    </a:lnR>
-                    <a:lnT w="12700" cap="flat" cmpd="sng" algn="ctr">
-                      <a:solidFill>
-                        <a:schemeClr val="tx1"/>
-                      </a:solidFill>
-                      <a:prstDash val="solid"/>
-                      <a:round/>
-                      <a:headEnd type="none" w="med" len="med"/>
-                      <a:tailEnd type="none" w="med" len="med"/>
-                    </a:lnT>
-                    <a:lnB w="12700" cap="flat" cmpd="sng" algn="ctr">
-                      <a:solidFill>
-                        <a:schemeClr val="tx1"/>
-                      </a:solidFill>
-                      <a:prstDash val="solid"/>
-                      <a:round/>
-                      <a:headEnd type="none" w="med" len="med"/>
-                      <a:tailEnd type="none" w="med" len="med"/>
-                    </a:lnB>
-                    <a:lnTlToBr w="12700" cmpd="sng">
-                      <a:noFill/>
-                      <a:prstDash val="solid"/>
-                    </a:lnTlToBr>
-                    <a:lnBlToTr w="12700" cmpd="sng">
-                      <a:noFill/>
-                      <a:prstDash val="solid"/>
-                    </a:lnBlToTr>
-                    <a:noFill/>
-                  </a:tcPr>
-                </a:tc>
-                <a:tc>
-                  <a:txBody>
-                    <a:bodyPr/>
-                    <a:lstStyle/>
-                    <a:p>
-                      <a:pPr algn="ctr"/>
-                      <a:r>
-                        <a:rPr lang="en-US" sz="1400" b="1" dirty="0">
-                          <a:solidFill>
-                            <a:schemeClr val="tx1"/>
-                          </a:solidFill>
-                          <a:latin typeface="TeX Gyre Bonum" panose="00000500000000000000" pitchFamily="50" charset="0"/>
-                          <a:ea typeface="CMU Sans Serif" panose="02000603000000000000" pitchFamily="2" charset="0"/>
-                          <a:cs typeface="CMU Sans Serif" panose="02000603000000000000" pitchFamily="2" charset="0"/>
-                        </a:rPr>
-                        <a:t>C</a:t>
-                      </a:r>
-                      <a:endParaRPr lang="en-ID" sz="1400" b="1" dirty="0">
-                        <a:solidFill>
-                          <a:schemeClr val="tx1"/>
-                        </a:solidFill>
-                        <a:latin typeface="TeX Gyre Bonum" panose="00000500000000000000" pitchFamily="50" charset="0"/>
-                        <a:ea typeface="CMU Sans Serif" panose="02000603000000000000" pitchFamily="2" charset="0"/>
-                        <a:cs typeface="CMU Sans Serif" panose="02000603000000000000" pitchFamily="2" charset="0"/>
-                      </a:endParaRPr>
-                    </a:p>
-                  </a:txBody>
-                  <a:tcPr>
-                    <a:lnL w="12700" cap="flat" cmpd="sng" algn="ctr">
-                      <a:noFill/>
-                      <a:prstDash val="solid"/>
-                      <a:round/>
-                      <a:headEnd type="none" w="med" len="med"/>
-                      <a:tailEnd type="none" w="med" len="med"/>
-                    </a:lnL>
-                    <a:lnR w="12700" cap="flat" cmpd="sng" algn="ctr">
-                      <a:noFill/>
-                      <a:prstDash val="solid"/>
-                      <a:round/>
-                      <a:headEnd type="none" w="med" len="med"/>
-                      <a:tailEnd type="none" w="med" len="med"/>
-                    </a:lnR>
-                    <a:lnT w="12700" cap="flat" cmpd="sng" algn="ctr">
-                      <a:solidFill>
-                        <a:schemeClr val="tx1"/>
-                      </a:solidFill>
-                      <a:prstDash val="solid"/>
-                      <a:round/>
-                      <a:headEnd type="none" w="med" len="med"/>
-                      <a:tailEnd type="none" w="med" len="med"/>
-                    </a:lnT>
-                    <a:lnB w="12700" cap="flat" cmpd="sng" algn="ctr">
-                      <a:solidFill>
-                        <a:schemeClr val="tx1"/>
-                      </a:solidFill>
-                      <a:prstDash val="solid"/>
-                      <a:round/>
-                      <a:headEnd type="none" w="med" len="med"/>
-                      <a:tailEnd type="none" w="med" len="med"/>
-                    </a:lnB>
-                    <a:lnTlToBr w="12700" cmpd="sng">
-                      <a:noFill/>
-                      <a:prstDash val="solid"/>
-                    </a:lnTlToBr>
-                    <a:lnBlToTr w="12700" cmpd="sng">
-                      <a:noFill/>
-                      <a:prstDash val="solid"/>
-                    </a:lnBlToTr>
-                    <a:noFill/>
-                  </a:tcPr>
-                </a:tc>
-                <a:tc>
-                  <a:txBody>
-                    <a:bodyPr/>
-                    <a:lstStyle/>
-                    <a:p>
-                      <a:pPr algn="ctr"/>
-                      <a:r>
-                        <a:rPr lang="en-US" sz="1400" b="1" dirty="0">
-                          <a:solidFill>
-                            <a:schemeClr val="tx1"/>
-                          </a:solidFill>
-                          <a:latin typeface="TeX Gyre Bonum" panose="00000500000000000000" pitchFamily="50" charset="0"/>
-                          <a:ea typeface="CMU Sans Serif" panose="02000603000000000000" pitchFamily="2" charset="0"/>
-                          <a:cs typeface="CMU Sans Serif" panose="02000603000000000000" pitchFamily="2" charset="0"/>
-                        </a:rPr>
-                        <a:t>D</a:t>
-                      </a:r>
-                      <a:endParaRPr lang="en-ID" sz="1400" b="1" dirty="0">
-                        <a:solidFill>
-                          <a:schemeClr val="tx1"/>
-                        </a:solidFill>
-                        <a:latin typeface="TeX Gyre Bonum" panose="00000500000000000000" pitchFamily="50" charset="0"/>
-                        <a:ea typeface="CMU Sans Serif" panose="02000603000000000000" pitchFamily="2" charset="0"/>
-                        <a:cs typeface="CMU Sans Serif" panose="02000603000000000000" pitchFamily="2" charset="0"/>
-                      </a:endParaRPr>
-                    </a:p>
-                  </a:txBody>
-                  <a:tcPr>
-                    <a:lnL w="12700" cap="flat" cmpd="sng" algn="ctr">
-                      <a:noFill/>
-                      <a:prstDash val="solid"/>
-                      <a:round/>
-                      <a:headEnd type="none" w="med" len="med"/>
-                      <a:tailEnd type="none" w="med" len="med"/>
-                    </a:lnL>
-                    <a:lnR w="12700" cap="flat" cmpd="sng" algn="ctr">
-                      <a:noFill/>
-                      <a:prstDash val="solid"/>
-                      <a:round/>
-                      <a:headEnd type="none" w="med" len="med"/>
-                      <a:tailEnd type="none" w="med" len="med"/>
-                    </a:lnR>
-                    <a:lnT w="12700" cap="flat" cmpd="sng" algn="ctr">
-                      <a:solidFill>
-                        <a:schemeClr val="tx1"/>
-                      </a:solidFill>
-                      <a:prstDash val="solid"/>
-                      <a:round/>
-                      <a:headEnd type="none" w="med" len="med"/>
-                      <a:tailEnd type="none" w="med" len="med"/>
-                    </a:lnT>
-                    <a:lnB w="12700" cap="flat" cmpd="sng" algn="ctr">
-                      <a:solidFill>
-                        <a:schemeClr val="tx1"/>
-                      </a:solidFill>
-                      <a:prstDash val="solid"/>
-                      <a:round/>
-                      <a:headEnd type="none" w="med" len="med"/>
-                      <a:tailEnd type="none" w="med" len="med"/>
-                    </a:lnB>
-                    <a:lnTlToBr w="12700" cmpd="sng">
-                      <a:noFill/>
-                      <a:prstDash val="solid"/>
-                    </a:lnTlToBr>
-                    <a:lnBlToTr w="12700" cmpd="sng">
-                      <a:noFill/>
-                      <a:prstDash val="solid"/>
-                    </a:lnBlToTr>
-                    <a:noFill/>
-                  </a:tcPr>
-                </a:tc>
-                <a:extLst>
-                  <a:ext uri="{0D108BD9-81ED-4DB2-BD59-A6C34878D82A}">
-                    <a16:rowId xmlns:a16="http://schemas.microsoft.com/office/drawing/2014/main" val="3095788039"/>
-                  </a:ext>
-                </a:extLst>
-              </a:tr>
-              <a:tr h="277368">
-                <a:tc>
-                  <a:txBody>
-                    <a:bodyPr/>
-                    <a:lstStyle/>
-                    <a:p>
-                      <a:pPr algn="l"/>
-                      <a:r>
-                        <a:rPr lang="en-US" sz="1400" b="1" dirty="0">
-                          <a:latin typeface="TeX Gyre Bonum" panose="00000500000000000000" pitchFamily="50" charset="0"/>
-                          <a:ea typeface="CMU Sans Serif" panose="02000603000000000000" pitchFamily="2" charset="0"/>
-                          <a:cs typeface="CMU Sans Serif" panose="02000603000000000000" pitchFamily="2" charset="0"/>
-                        </a:rPr>
-                        <a:t>AUC</a:t>
-                      </a:r>
-                      <a:endParaRPr lang="en-ID" sz="1400" b="1" dirty="0">
-                        <a:latin typeface="TeX Gyre Bonum" panose="00000500000000000000" pitchFamily="50" charset="0"/>
-                        <a:ea typeface="CMU Sans Serif" panose="02000603000000000000" pitchFamily="2" charset="0"/>
-                        <a:cs typeface="CMU Sans Serif" panose="02000603000000000000" pitchFamily="2" charset="0"/>
-                      </a:endParaRPr>
-                    </a:p>
-                  </a:txBody>
-                  <a:tcPr>
-                    <a:lnL w="12700" cap="flat" cmpd="sng" algn="ctr">
-                      <a:noFill/>
-                      <a:prstDash val="solid"/>
-                      <a:round/>
-                      <a:headEnd type="none" w="med" len="med"/>
-                      <a:tailEnd type="none" w="med" len="med"/>
-                    </a:lnL>
-                    <a:lnR w="12700" cap="flat" cmpd="sng" algn="ctr">
-                      <a:solidFill>
-                        <a:schemeClr val="tx1"/>
-                      </a:solidFill>
-                      <a:prstDash val="solid"/>
-                      <a:round/>
-                      <a:headEnd type="none" w="med" len="med"/>
-                      <a:tailEnd type="none" w="med" len="med"/>
-                    </a:lnR>
-                    <a:lnT w="12700" cap="flat" cmpd="sng" algn="ctr">
-                      <a:solidFill>
-                        <a:schemeClr val="tx1"/>
-                      </a:solidFill>
-                      <a:prstDash val="solid"/>
-                      <a:round/>
-                      <a:headEnd type="none" w="med" len="med"/>
-                      <a:tailEnd type="none" w="med" len="med"/>
-                    </a:lnT>
-                    <a:lnB w="12700" cap="flat" cmpd="sng" algn="ctr">
-                      <a:solidFill>
-                        <a:schemeClr val="tx1"/>
-                      </a:solidFill>
-                      <a:prstDash val="solid"/>
-                      <a:round/>
-                      <a:headEnd type="none" w="med" len="med"/>
-                      <a:tailEnd type="none" w="med" len="med"/>
-                    </a:lnB>
-                    <a:lnTlToBr w="12700" cmpd="sng">
-                      <a:noFill/>
-                      <a:prstDash val="solid"/>
-                    </a:lnTlToBr>
-                    <a:lnBlToTr w="12700" cmpd="sng">
-                      <a:noFill/>
-                      <a:prstDash val="solid"/>
-                    </a:lnBlToTr>
-                    <a:noFill/>
-                  </a:tcPr>
-                </a:tc>
-                <a:tc>
-                  <a:txBody>
-                    <a:bodyPr/>
-                    <a:lstStyle/>
-                    <a:p>
-                      <a:pPr marL="0" marR="0" lvl="0" indent="0" algn="ctr" defTabSz="914400" rtl="0" eaLnBrk="1" fontAlgn="auto" latinLnBrk="0" hangingPunct="1">
-                        <a:lnSpc>
-                          <a:spcPct val="100000"/>
-                        </a:lnSpc>
-                        <a:spcBef>
-                          <a:spcPts val="0"/>
-                        </a:spcBef>
-                        <a:spcAft>
-                          <a:spcPts val="0"/>
-                        </a:spcAft>
-                        <a:buClrTx/>
-                        <a:buSzTx/>
-                        <a:buFontTx/>
-                        <a:buNone/>
-                        <a:tabLst/>
-                        <a:defRPr/>
-                      </a:pPr>
-                      <a:r>
-                        <a:rPr lang="en-ID" sz="1400" b="0" kern="1200" dirty="0">
-                          <a:solidFill>
-                            <a:schemeClr val="dk1"/>
-                          </a:solidFill>
-                          <a:effectLst/>
-                          <a:latin typeface="TeX Gyre Bonum" panose="00000500000000000000" pitchFamily="50" charset="0"/>
-                          <a:ea typeface="CMU Sans Serif" panose="02000603000000000000" pitchFamily="2" charset="0"/>
-                          <a:cs typeface="CMU Sans Serif" panose="02000603000000000000" pitchFamily="2" charset="0"/>
-                        </a:rPr>
-                        <a:t>0.7557</a:t>
-                      </a:r>
-                    </a:p>
-                  </a:txBody>
-                  <a:tcPr>
-                    <a:lnL w="12700" cap="flat" cmpd="sng" algn="ctr">
-                      <a:solidFill>
-                        <a:schemeClr val="tx1"/>
-                      </a:solidFill>
-                      <a:prstDash val="solid"/>
-                      <a:round/>
-                      <a:headEnd type="none" w="med" len="med"/>
-                      <a:tailEnd type="none" w="med" len="med"/>
-                    </a:lnL>
-                    <a:lnR w="12700" cap="flat" cmpd="sng" algn="ctr">
-                      <a:noFill/>
-                      <a:prstDash val="solid"/>
-                      <a:round/>
-                      <a:headEnd type="none" w="med" len="med"/>
-                      <a:tailEnd type="none" w="med" len="med"/>
-                    </a:lnR>
-                    <a:lnT w="12700" cap="flat" cmpd="sng" algn="ctr">
-                      <a:solidFill>
-                        <a:schemeClr val="tx1"/>
-                      </a:solidFill>
-                      <a:prstDash val="solid"/>
-                      <a:round/>
-                      <a:headEnd type="none" w="med" len="med"/>
-                      <a:tailEnd type="none" w="med" len="med"/>
-                    </a:lnT>
-                    <a:lnB w="12700" cap="flat" cmpd="sng" algn="ctr">
-                      <a:solidFill>
-                        <a:schemeClr val="tx1"/>
-                      </a:solidFill>
-                      <a:prstDash val="solid"/>
-                      <a:round/>
-                      <a:headEnd type="none" w="med" len="med"/>
-                      <a:tailEnd type="none" w="med" len="med"/>
-                    </a:lnB>
-                    <a:lnTlToBr w="12700" cmpd="sng">
-                      <a:noFill/>
-                      <a:prstDash val="solid"/>
-                    </a:lnTlToBr>
-                    <a:lnBlToTr w="12700" cmpd="sng">
-                      <a:noFill/>
-                      <a:prstDash val="solid"/>
-                    </a:lnBlToTr>
-                    <a:noFill/>
-                  </a:tcPr>
-                </a:tc>
-                <a:tc>
-                  <a:txBody>
-                    <a:bodyPr/>
-                    <a:lstStyle/>
-                    <a:p>
-                      <a:pPr marL="0" marR="0" lvl="0" indent="0" algn="ctr" defTabSz="914400" rtl="0" eaLnBrk="1" fontAlgn="auto" latinLnBrk="0" hangingPunct="1">
-                        <a:lnSpc>
-                          <a:spcPct val="100000"/>
-                        </a:lnSpc>
-                        <a:spcBef>
-                          <a:spcPts val="0"/>
-                        </a:spcBef>
-                        <a:spcAft>
-                          <a:spcPts val="0"/>
-                        </a:spcAft>
-                        <a:buClrTx/>
-                        <a:buSzTx/>
-                        <a:buFontTx/>
-                        <a:buNone/>
-                        <a:tabLst/>
-                        <a:defRPr/>
-                      </a:pPr>
-                      <a:r>
-                        <a:rPr lang="en-ID" sz="1400" b="0" kern="1200" dirty="0">
-                          <a:solidFill>
-                            <a:schemeClr val="dk1"/>
-                          </a:solidFill>
-                          <a:effectLst/>
-                          <a:latin typeface="TeX Gyre Bonum" panose="00000500000000000000" pitchFamily="50" charset="0"/>
-                          <a:ea typeface="CMU Sans Serif" panose="02000603000000000000" pitchFamily="2" charset="0"/>
-                          <a:cs typeface="CMU Sans Serif" panose="02000603000000000000" pitchFamily="2" charset="0"/>
-                        </a:rPr>
-                        <a:t>0.7015</a:t>
-                      </a:r>
-                    </a:p>
-                  </a:txBody>
-                  <a:tcPr>
-                    <a:lnL w="12700" cap="flat" cmpd="sng" algn="ctr">
-                      <a:noFill/>
-                      <a:prstDash val="solid"/>
-                      <a:round/>
-                      <a:headEnd type="none" w="med" len="med"/>
-                      <a:tailEnd type="none" w="med" len="med"/>
-                    </a:lnL>
-                    <a:lnR w="12700" cap="flat" cmpd="sng" algn="ctr">
-                      <a:noFill/>
-                      <a:prstDash val="solid"/>
-                      <a:round/>
-                      <a:headEnd type="none" w="med" len="med"/>
-                      <a:tailEnd type="none" w="med" len="med"/>
-                    </a:lnR>
-                    <a:lnT w="12700" cap="flat" cmpd="sng" algn="ctr">
-                      <a:solidFill>
-                        <a:schemeClr val="tx1"/>
-                      </a:solidFill>
-                      <a:prstDash val="solid"/>
-                      <a:round/>
-                      <a:headEnd type="none" w="med" len="med"/>
-                      <a:tailEnd type="none" w="med" len="med"/>
-                    </a:lnT>
-                    <a:lnB w="12700" cap="flat" cmpd="sng" algn="ctr">
-                      <a:solidFill>
-                        <a:schemeClr val="tx1"/>
-                      </a:solidFill>
-                      <a:prstDash val="solid"/>
-                      <a:round/>
-                      <a:headEnd type="none" w="med" len="med"/>
-                      <a:tailEnd type="none" w="med" len="med"/>
-                    </a:lnB>
-                    <a:lnTlToBr w="12700" cmpd="sng">
-                      <a:noFill/>
-                      <a:prstDash val="solid"/>
-                    </a:lnTlToBr>
-                    <a:lnBlToTr w="12700" cmpd="sng">
-                      <a:noFill/>
-                      <a:prstDash val="solid"/>
-                    </a:lnBlToTr>
-                    <a:noFill/>
-                  </a:tcPr>
-                </a:tc>
-                <a:tc>
-                  <a:txBody>
-                    <a:bodyPr/>
-                    <a:lstStyle/>
-                    <a:p>
-                      <a:pPr marL="0" marR="0" lvl="0" indent="0" algn="ctr" defTabSz="914400" rtl="0" eaLnBrk="1" fontAlgn="auto" latinLnBrk="0" hangingPunct="1">
-                        <a:lnSpc>
-                          <a:spcPct val="100000"/>
-                        </a:lnSpc>
-                        <a:spcBef>
-                          <a:spcPts val="0"/>
-                        </a:spcBef>
-                        <a:spcAft>
-                          <a:spcPts val="0"/>
-                        </a:spcAft>
-                        <a:buClrTx/>
-                        <a:buSzTx/>
-                        <a:buFontTx/>
-                        <a:buNone/>
-                        <a:tabLst/>
-                        <a:defRPr/>
-                      </a:pPr>
-                      <a:r>
-                        <a:rPr lang="en-US" sz="1400" b="0" kern="1200" dirty="0">
-                          <a:solidFill>
-                            <a:schemeClr val="dk1"/>
-                          </a:solidFill>
-                          <a:effectLst/>
-                          <a:latin typeface="TeX Gyre Bonum" panose="00000500000000000000" pitchFamily="50" charset="0"/>
-                          <a:ea typeface="CMU Sans Serif" panose="02000603000000000000" pitchFamily="2" charset="0"/>
-                          <a:cs typeface="CMU Sans Serif" panose="02000603000000000000" pitchFamily="2" charset="0"/>
-                        </a:rPr>
-                        <a:t>0.6307</a:t>
-                      </a:r>
-                      <a:endParaRPr lang="en-ID" sz="1400" b="0" kern="1200" dirty="0">
-                        <a:solidFill>
-                          <a:schemeClr val="dk1"/>
-                        </a:solidFill>
-                        <a:effectLst/>
-                        <a:latin typeface="TeX Gyre Bonum" panose="00000500000000000000" pitchFamily="50" charset="0"/>
-                        <a:ea typeface="CMU Sans Serif" panose="02000603000000000000" pitchFamily="2" charset="0"/>
-                        <a:cs typeface="CMU Sans Serif" panose="02000603000000000000" pitchFamily="2" charset="0"/>
-                      </a:endParaRPr>
-                    </a:p>
-                  </a:txBody>
-                  <a:tcPr>
-                    <a:lnL w="12700" cap="flat" cmpd="sng" algn="ctr">
-                      <a:noFill/>
-                      <a:prstDash val="solid"/>
-                      <a:round/>
-                      <a:headEnd type="none" w="med" len="med"/>
-                      <a:tailEnd type="none" w="med" len="med"/>
-                    </a:lnL>
-                    <a:lnR w="12700" cap="flat" cmpd="sng" algn="ctr">
-                      <a:noFill/>
-                      <a:prstDash val="solid"/>
-                      <a:round/>
-                      <a:headEnd type="none" w="med" len="med"/>
-                      <a:tailEnd type="none" w="med" len="med"/>
-                    </a:lnR>
-                    <a:lnT w="12700" cap="flat" cmpd="sng" algn="ctr">
-                      <a:solidFill>
-                        <a:schemeClr val="tx1"/>
-                      </a:solidFill>
-                      <a:prstDash val="solid"/>
-                      <a:round/>
-                      <a:headEnd type="none" w="med" len="med"/>
-                      <a:tailEnd type="none" w="med" len="med"/>
-                    </a:lnT>
-                    <a:lnB w="12700" cap="flat" cmpd="sng" algn="ctr">
-                      <a:solidFill>
-                        <a:schemeClr val="tx1"/>
-                      </a:solidFill>
-                      <a:prstDash val="solid"/>
-                      <a:round/>
-                      <a:headEnd type="none" w="med" len="med"/>
-                      <a:tailEnd type="none" w="med" len="med"/>
-                    </a:lnB>
-                    <a:lnTlToBr w="12700" cmpd="sng">
-                      <a:noFill/>
-                      <a:prstDash val="solid"/>
-                    </a:lnTlToBr>
-                    <a:lnBlToTr w="12700" cmpd="sng">
-                      <a:noFill/>
-                      <a:prstDash val="solid"/>
-                    </a:lnBlToTr>
-                    <a:noFill/>
-                  </a:tcPr>
-                </a:tc>
-                <a:tc>
-                  <a:txBody>
-                    <a:bodyPr/>
-                    <a:lstStyle/>
-                    <a:p>
-                      <a:pPr marL="0" marR="0" lvl="0" indent="0" algn="ctr" defTabSz="914400" rtl="0" eaLnBrk="1" fontAlgn="auto" latinLnBrk="0" hangingPunct="1">
-                        <a:lnSpc>
-                          <a:spcPct val="100000"/>
-                        </a:lnSpc>
-                        <a:spcBef>
-                          <a:spcPts val="0"/>
-                        </a:spcBef>
-                        <a:spcAft>
-                          <a:spcPts val="0"/>
-                        </a:spcAft>
-                        <a:buClrTx/>
-                        <a:buSzTx/>
-                        <a:buFontTx/>
-                        <a:buNone/>
-                        <a:tabLst/>
-                        <a:defRPr/>
-                      </a:pPr>
-                      <a:r>
-                        <a:rPr lang="en-US" sz="1400" b="0" kern="1200" dirty="0">
-                          <a:solidFill>
-                            <a:schemeClr val="dk1"/>
-                          </a:solidFill>
-                          <a:effectLst/>
-                          <a:latin typeface="TeX Gyre Bonum" panose="00000500000000000000" pitchFamily="50" charset="0"/>
-                          <a:ea typeface="CMU Sans Serif" panose="02000603000000000000" pitchFamily="2" charset="0"/>
-                          <a:cs typeface="CMU Sans Serif" panose="02000603000000000000" pitchFamily="2" charset="0"/>
-                        </a:rPr>
-                        <a:t>0.6612</a:t>
-                      </a:r>
-                      <a:endParaRPr lang="en-ID" sz="1400" b="0" kern="1200" dirty="0">
-                        <a:solidFill>
-                          <a:schemeClr val="dk1"/>
-                        </a:solidFill>
-                        <a:effectLst/>
-                        <a:latin typeface="TeX Gyre Bonum" panose="00000500000000000000" pitchFamily="50" charset="0"/>
-                        <a:ea typeface="CMU Sans Serif" panose="02000603000000000000" pitchFamily="2" charset="0"/>
-                        <a:cs typeface="CMU Sans Serif" panose="02000603000000000000" pitchFamily="2" charset="0"/>
-                      </a:endParaRPr>
-                    </a:p>
-                  </a:txBody>
-                  <a:tcPr>
-                    <a:lnL w="12700" cap="flat" cmpd="sng" algn="ctr">
-                      <a:noFill/>
-                      <a:prstDash val="solid"/>
-                      <a:round/>
-                      <a:headEnd type="none" w="med" len="med"/>
-                      <a:tailEnd type="none" w="med" len="med"/>
-                    </a:lnL>
-                    <a:lnR w="12700" cap="flat" cmpd="sng" algn="ctr">
-                      <a:noFill/>
-                      <a:prstDash val="solid"/>
-                      <a:round/>
-                      <a:headEnd type="none" w="med" len="med"/>
-                      <a:tailEnd type="none" w="med" len="med"/>
-                    </a:lnR>
-                    <a:lnT w="12700" cap="flat" cmpd="sng" algn="ctr">
-                      <a:solidFill>
-                        <a:schemeClr val="tx1"/>
-                      </a:solidFill>
-                      <a:prstDash val="solid"/>
-                      <a:round/>
-                      <a:headEnd type="none" w="med" len="med"/>
-                      <a:tailEnd type="none" w="med" len="med"/>
-                    </a:lnT>
-                    <a:lnB w="12700" cap="flat" cmpd="sng" algn="ctr">
-                      <a:solidFill>
-                        <a:schemeClr val="tx1"/>
-                      </a:solidFill>
-                      <a:prstDash val="solid"/>
-                      <a:round/>
-                      <a:headEnd type="none" w="med" len="med"/>
-                      <a:tailEnd type="none" w="med" len="med"/>
-                    </a:lnB>
-                    <a:lnTlToBr w="12700" cmpd="sng">
-                      <a:noFill/>
-                      <a:prstDash val="solid"/>
-                    </a:lnTlToBr>
-                    <a:lnBlToTr w="12700" cmpd="sng">
-                      <a:noFill/>
-                      <a:prstDash val="solid"/>
-                    </a:lnBlToTr>
-                    <a:noFill/>
-                  </a:tcPr>
-                </a:tc>
-                <a:extLst>
-                  <a:ext uri="{0D108BD9-81ED-4DB2-BD59-A6C34878D82A}">
-                    <a16:rowId xmlns:a16="http://schemas.microsoft.com/office/drawing/2014/main" val="3362170562"/>
-                  </a:ext>
-                </a:extLst>
-              </a:tr>
-            </a:tbl>
-          </a:graphicData>
-        </a:graphic>
-      </p:graphicFrame>
-      <p:sp>
-        <p:nvSpPr>
-          <p:cNvPr id="7" name="TextBox 6">
-            <a:extLst>
-              <a:ext uri="{FF2B5EF4-FFF2-40B4-BE49-F238E27FC236}">
-                <a16:creationId xmlns:a16="http://schemas.microsoft.com/office/drawing/2014/main" id="{38FCE7A4-4365-8648-61A6-E0F5AB59F3CB}"/>
-              </a:ext>
-            </a:extLst>
-          </p:cNvPr>
-          <p:cNvSpPr txBox="1"/>
-          <p:nvPr/>
-        </p:nvSpPr>
-        <p:spPr>
-          <a:xfrm>
-            <a:off x="1852089" y="192646"/>
-            <a:ext cx="2458494" cy="369332"/>
-          </a:xfrm>
-          <a:prstGeom prst="rect">
-            <a:avLst/>
-          </a:prstGeom>
-          <a:noFill/>
-        </p:spPr>
-        <p:txBody>
-          <a:bodyPr wrap="none" rtlCol="0">
-            <a:spAutoFit/>
-          </a:bodyPr>
-          <a:lstStyle/>
-          <a:p>
-            <a:r>
-              <a:rPr lang="en-US" dirty="0">
-                <a:latin typeface="TeX Gyre Bonum" panose="00000500000000000000" pitchFamily="50" charset="0"/>
-                <a:ea typeface="CMU Sans Serif" panose="02000603000000000000" pitchFamily="2" charset="0"/>
-                <a:cs typeface="CMU Sans Serif" panose="02000603000000000000" pitchFamily="2" charset="0"/>
-              </a:rPr>
-              <a:t>(a) Validation Result</a:t>
-            </a:r>
-            <a:endParaRPr lang="en-ID" dirty="0">
-              <a:latin typeface="TeX Gyre Bonum" panose="00000500000000000000" pitchFamily="50" charset="0"/>
-              <a:ea typeface="CMU Sans Serif" panose="02000603000000000000" pitchFamily="2" charset="0"/>
-              <a:cs typeface="CMU Sans Serif" panose="02000603000000000000" pitchFamily="2" charset="0"/>
-            </a:endParaRPr>
-          </a:p>
-        </p:txBody>
-      </p:sp>
-      <p:pic>
-        <p:nvPicPr>
-          <p:cNvPr id="8" name="Picture 7">
-            <a:extLst>
-              <a:ext uri="{FF2B5EF4-FFF2-40B4-BE49-F238E27FC236}">
-                <a16:creationId xmlns:a16="http://schemas.microsoft.com/office/drawing/2014/main" id="{3FA101E1-33D0-296F-9597-97B54FAF8B54}"/>
-              </a:ext>
-            </a:extLst>
-          </p:cNvPr>
-          <p:cNvPicPr>
-            <a:picLocks noChangeAspect="1"/>
-          </p:cNvPicPr>
-          <p:nvPr/>
-        </p:nvPicPr>
-        <p:blipFill>
-          <a:blip r:embed="rId3"/>
-          <a:stretch>
-            <a:fillRect/>
-          </a:stretch>
-        </p:blipFill>
-        <p:spPr>
-          <a:xfrm>
-            <a:off x="6168693" y="561978"/>
-            <a:ext cx="5465667" cy="2867021"/>
-          </a:xfrm>
-          <a:prstGeom prst="rect">
-            <a:avLst/>
-          </a:prstGeom>
-        </p:spPr>
-      </p:pic>
-      <p:sp>
-        <p:nvSpPr>
-          <p:cNvPr id="9" name="TextBox 8">
-            <a:extLst>
-              <a:ext uri="{FF2B5EF4-FFF2-40B4-BE49-F238E27FC236}">
-                <a16:creationId xmlns:a16="http://schemas.microsoft.com/office/drawing/2014/main" id="{DDAA370D-BA34-79C4-3C91-AAD20A039205}"/>
-              </a:ext>
-            </a:extLst>
-          </p:cNvPr>
-          <p:cNvSpPr txBox="1"/>
-          <p:nvPr/>
-        </p:nvSpPr>
-        <p:spPr>
-          <a:xfrm>
-            <a:off x="8011257" y="194792"/>
-            <a:ext cx="2136354" cy="369332"/>
-          </a:xfrm>
-          <a:prstGeom prst="rect">
-            <a:avLst/>
-          </a:prstGeom>
-          <a:noFill/>
-        </p:spPr>
-        <p:txBody>
-          <a:bodyPr wrap="none" rtlCol="0">
-            <a:spAutoFit/>
-          </a:bodyPr>
-          <a:lstStyle/>
-          <a:p>
-            <a:r>
-              <a:rPr lang="en-US" dirty="0">
-                <a:latin typeface="TeX Gyre Bonum" panose="00000500000000000000" pitchFamily="50" charset="0"/>
-                <a:ea typeface="CMU Sans Serif" panose="02000603000000000000" pitchFamily="2" charset="0"/>
-                <a:cs typeface="CMU Sans Serif" panose="02000603000000000000" pitchFamily="2" charset="0"/>
-              </a:rPr>
-              <a:t>(b) ROC and AUC</a:t>
-            </a:r>
-            <a:endParaRPr lang="en-ID" dirty="0">
-              <a:latin typeface="TeX Gyre Bonum" panose="00000500000000000000" pitchFamily="50" charset="0"/>
-              <a:ea typeface="CMU Sans Serif" panose="02000603000000000000" pitchFamily="2" charset="0"/>
-              <a:cs typeface="CMU Sans Serif" panose="02000603000000000000" pitchFamily="2" charset="0"/>
-            </a:endParaRPr>
-          </a:p>
-        </p:txBody>
-      </p:sp>
-    </p:spTree>
-    <p:extLst>
-      <p:ext uri="{BB962C8B-B14F-4D97-AF65-F5344CB8AC3E}">
-        <p14:creationId xmlns:p14="http://schemas.microsoft.com/office/powerpoint/2010/main" val="3458743690"/>
       </p:ext>
     </p:extLst>
   </p:cSld>
